--- a/Assets/Class/Light/PPT Data/Light Example.pptx
+++ b/Assets/Class/Light/PPT Data/Light Example.pptx
@@ -2,17 +2,23 @@
 <file path=ppt/presentation.xml><?xml version="1.0" encoding="utf-8"?>
 <p:presentation xmlns:a="http://schemas.openxmlformats.org/drawingml/2006/main" xmlns:r="http://schemas.openxmlformats.org/officeDocument/2006/relationships" xmlns:p="http://schemas.openxmlformats.org/presentationml/2006/main" xmlns:p14="http://schemas.microsoft.com/office/powerpoint/2010/main" saveSubsetFonts="1" firstSlideNum="0">
   <p:sldMasterIdLst>
-    <p:sldMasterId id="2147485880" r:id="rId12"/>
+    <p:sldMasterId id="2147485914" r:id="rId12"/>
   </p:sldMasterIdLst>
   <p:notesMasterIdLst>
     <p:notesMasterId r:id="rId14"/>
   </p:notesMasterIdLst>
   <p:sldIdLst>
     <p:sldId id="287" r:id="rId16"/>
-    <p:sldId id="294" r:id="rId18"/>
-    <p:sldId id="295" r:id="rId20"/>
-    <p:sldId id="296" r:id="rId22"/>
-    <p:sldId id="299" r:id="rId24"/>
+    <p:sldId id="294" r:id="rId17"/>
+    <p:sldId id="295" r:id="rId18"/>
+    <p:sldId id="296" r:id="rId19"/>
+    <p:sldId id="299" r:id="rId20"/>
+    <p:sldId id="300" r:id="rId21"/>
+    <p:sldId id="302" r:id="rId22"/>
+    <p:sldId id="301" r:id="rId23"/>
+    <p:sldId id="303" r:id="rId24"/>
+    <p:sldId id="304" r:id="rId25"/>
+    <p:sldId id="305" r:id="rId26"/>
   </p:sldIdLst>
   <p:sldSz cx="12192000" cy="6858000"/>
   <p:notesSz cx="6858000" cy="9144000"/>
@@ -613,6 +619,290 @@
 </p:notes>
 </file>
 
+<file path=ppt/notesSlides/notesSlide10.xml><?xml version="1.0" encoding="utf-8"?>
+<p:notes xmlns:a="http://schemas.openxmlformats.org/drawingml/2006/main" xmlns:r="http://schemas.openxmlformats.org/officeDocument/2006/relationships" xmlns:p="http://schemas.openxmlformats.org/presentationml/2006/main">
+  <p:cSld>
+    <p:spTree>
+      <p:nvGrpSpPr>
+        <p:cNvPr id="1" name=""/>
+        <p:cNvGrpSpPr/>
+        <p:nvPr/>
+      </p:nvGrpSpPr>
+      <p:grpSpPr>
+        <a:xfrm>
+          <a:off x="0" y="0"/>
+          <a:ext cx="0" cy="0"/>
+          <a:chOff x="0" y="0"/>
+          <a:chExt cx="0" cy="0"/>
+        </a:xfrm>
+      </p:grpSpPr>
+      <p:sp>
+        <p:nvSpPr>
+          <p:cNvPr id="2" name="슬라이드 이미지 개체 틀 3"/>
+          <p:cNvSpPr>
+            <a:spLocks noChangeAspect="1"/>
+          </p:cNvSpPr>
+          <p:nvPr>
+            <p:ph type="sldImg" idx="2"/>
+          </p:nvPr>
+        </p:nvSpPr>
+        <p:spPr>
+          <a:xfrm rot="0">
+            <a:off x="685800" y="1143000"/>
+            <a:ext cx="5492115" cy="3091815"/>
+          </a:xfrm>
+          <a:prstGeom prst="rect"/>
+          <a:noFill/>
+          <a:ln w="12700" cap="flat" cmpd="sng">
+            <a:solidFill>
+              <a:srgbClr val="000000">
+                <a:alpha val="100000"/>
+              </a:srgbClr>
+            </a:solidFill>
+            <a:prstDash val="solid"/>
+          </a:ln>
+        </p:spPr>
+        <p:txBody>
+          <a:bodyPr wrap="square" lIns="91440" tIns="45720" rIns="91440" bIns="45720" numCol="1" vert="horz" anchor="ctr">
+            <a:noAutofit/>
+          </a:bodyPr>
+          <a:lstStyle/>
+          <a:p>
+            <a:pPr marL="0" indent="0" latinLnBrk="0">
+              <a:buFontTx/>
+              <a:buNone/>
+            </a:pPr>
+          </a:p>
+        </p:txBody>
+      </p:sp>
+      <p:sp>
+        <p:nvSpPr>
+          <p:cNvPr id="3" name="슬라이드 노트 개체 틀 4"/>
+          <p:cNvSpPr txBox="1">
+            <a:spLocks/>
+          </p:cNvSpPr>
+          <p:nvPr>
+            <p:ph type="body" idx="3"/>
+          </p:nvPr>
+        </p:nvSpPr>
+        <p:spPr>
+          <a:xfrm rot="0">
+            <a:off x="685800" y="4400550"/>
+            <a:ext cx="5492115" cy="3606165"/>
+          </a:xfrm>
+          <a:prstGeom prst="rect"/>
+        </p:spPr>
+        <p:txBody>
+          <a:bodyPr wrap="square" lIns="91440" tIns="45720" rIns="91440" bIns="45720" numCol="1" vert="horz" anchor="t">
+            <a:noAutofit/>
+          </a:bodyPr>
+          <a:lstStyle/>
+          <a:p>
+            <a:pPr marL="0" indent="0" latinLnBrk="0">
+              <a:buFontTx/>
+              <a:buNone/>
+            </a:pPr>
+          </a:p>
+        </p:txBody>
+      </p:sp>
+      <p:sp>
+        <p:nvSpPr>
+          <p:cNvPr id="4" name="슬라이드 번호 개체 틀 6"/>
+          <p:cNvSpPr txBox="1">
+            <a:spLocks/>
+          </p:cNvSpPr>
+          <p:nvPr>
+            <p:ph type="sldNum" idx="5"/>
+          </p:nvPr>
+        </p:nvSpPr>
+        <p:spPr>
+          <a:xfrm rot="0">
+            <a:off x="3884930" y="8685530"/>
+            <a:ext cx="2977515" cy="464185"/>
+          </a:xfrm>
+          <a:prstGeom prst="rect"/>
+        </p:spPr>
+        <p:txBody>
+          <a:bodyPr wrap="square" lIns="91440" tIns="45720" rIns="91440" bIns="45720" numCol="1" vert="horz" anchor="b">
+            <a:noAutofit/>
+          </a:bodyPr>
+          <a:lstStyle>
+            <a:lvl1pPr marL="0" indent="0" algn="r" latinLnBrk="0">
+              <a:buFontTx/>
+              <a:buNone/>
+              <a:defRPr lang="en-GB" altLang="en-US" sz="1200"/>
+            </a:lvl1pPr>
+          </a:lstStyle>
+          <a:p>
+            <a:pPr marL="0" indent="0" latinLnBrk="0">
+              <a:buFontTx/>
+              <a:buNone/>
+            </a:pPr>
+            <a:fld id="{B9320F77-B9A0-41C5-862A-B4B631284C64}" type="slidenum">
+              <a:rPr lang="ko-KR" altLang="en-US"/>
+              <a:t>‹#›</a:t>
+            </a:fld>
+          </a:p>
+        </p:txBody>
+      </p:sp>
+    </p:spTree>
+  </p:cSld>
+  <p:clrMapOvr>
+    <a:masterClrMapping/>
+  </p:clrMapOvr>
+  <mc:AlternateContent xmlns:mc="http://schemas.openxmlformats.org/markup-compatibility/2006">
+    <mc:Choice xmlns:p14="http://schemas.microsoft.com/office/powerpoint/2010/main" Requires="p14">
+      <p:transition spd="slow" p14:dur="0"/>
+    </mc:Choice>
+    <mc:Fallback>
+      <p:transition spd="slow"/>
+    </mc:Fallback>
+  </mc:AlternateContent>
+</p:notes>
+</file>
+
+<file path=ppt/notesSlides/notesSlide11.xml><?xml version="1.0" encoding="utf-8"?>
+<p:notes xmlns:a="http://schemas.openxmlformats.org/drawingml/2006/main" xmlns:r="http://schemas.openxmlformats.org/officeDocument/2006/relationships" xmlns:p="http://schemas.openxmlformats.org/presentationml/2006/main">
+  <p:cSld>
+    <p:spTree>
+      <p:nvGrpSpPr>
+        <p:cNvPr id="1" name=""/>
+        <p:cNvGrpSpPr/>
+        <p:nvPr/>
+      </p:nvGrpSpPr>
+      <p:grpSpPr>
+        <a:xfrm>
+          <a:off x="0" y="0"/>
+          <a:ext cx="0" cy="0"/>
+          <a:chOff x="0" y="0"/>
+          <a:chExt cx="0" cy="0"/>
+        </a:xfrm>
+      </p:grpSpPr>
+      <p:sp>
+        <p:nvSpPr>
+          <p:cNvPr id="2" name="슬라이드 이미지 개체 틀 3"/>
+          <p:cNvSpPr>
+            <a:spLocks noChangeAspect="1"/>
+          </p:cNvSpPr>
+          <p:nvPr>
+            <p:ph type="sldImg" idx="2"/>
+          </p:nvPr>
+        </p:nvSpPr>
+        <p:spPr>
+          <a:xfrm rot="0">
+            <a:off x="685800" y="1143000"/>
+            <a:ext cx="5492115" cy="3091815"/>
+          </a:xfrm>
+          <a:prstGeom prst="rect"/>
+          <a:noFill/>
+          <a:ln w="12700" cap="flat" cmpd="sng">
+            <a:solidFill>
+              <a:srgbClr val="000000">
+                <a:alpha val="100000"/>
+              </a:srgbClr>
+            </a:solidFill>
+            <a:prstDash val="solid"/>
+          </a:ln>
+        </p:spPr>
+        <p:txBody>
+          <a:bodyPr wrap="square" lIns="91440" tIns="45720" rIns="91440" bIns="45720" numCol="1" vert="horz" anchor="ctr">
+            <a:noAutofit/>
+          </a:bodyPr>
+          <a:lstStyle/>
+          <a:p>
+            <a:pPr marL="0" indent="0" latinLnBrk="0">
+              <a:buFontTx/>
+              <a:buNone/>
+            </a:pPr>
+          </a:p>
+        </p:txBody>
+      </p:sp>
+      <p:sp>
+        <p:nvSpPr>
+          <p:cNvPr id="3" name="슬라이드 노트 개체 틀 4"/>
+          <p:cNvSpPr txBox="1">
+            <a:spLocks/>
+          </p:cNvSpPr>
+          <p:nvPr>
+            <p:ph type="body" idx="3"/>
+          </p:nvPr>
+        </p:nvSpPr>
+        <p:spPr>
+          <a:xfrm rot="0">
+            <a:off x="685800" y="4400550"/>
+            <a:ext cx="5492115" cy="3606165"/>
+          </a:xfrm>
+          <a:prstGeom prst="rect"/>
+        </p:spPr>
+        <p:txBody>
+          <a:bodyPr wrap="square" lIns="91440" tIns="45720" rIns="91440" bIns="45720" numCol="1" vert="horz" anchor="t">
+            <a:noAutofit/>
+          </a:bodyPr>
+          <a:lstStyle/>
+          <a:p>
+            <a:pPr marL="0" indent="0" latinLnBrk="0">
+              <a:buFontTx/>
+              <a:buNone/>
+            </a:pPr>
+          </a:p>
+        </p:txBody>
+      </p:sp>
+      <p:sp>
+        <p:nvSpPr>
+          <p:cNvPr id="4" name="슬라이드 번호 개체 틀 6"/>
+          <p:cNvSpPr txBox="1">
+            <a:spLocks/>
+          </p:cNvSpPr>
+          <p:nvPr>
+            <p:ph type="sldNum" idx="5"/>
+          </p:nvPr>
+        </p:nvSpPr>
+        <p:spPr>
+          <a:xfrm rot="0">
+            <a:off x="3884930" y="8685530"/>
+            <a:ext cx="2977515" cy="464185"/>
+          </a:xfrm>
+          <a:prstGeom prst="rect"/>
+        </p:spPr>
+        <p:txBody>
+          <a:bodyPr wrap="square" lIns="91440" tIns="45720" rIns="91440" bIns="45720" numCol="1" vert="horz" anchor="b">
+            <a:noAutofit/>
+          </a:bodyPr>
+          <a:lstStyle>
+            <a:lvl1pPr marL="0" indent="0" algn="r" latinLnBrk="0">
+              <a:buFontTx/>
+              <a:buNone/>
+              <a:defRPr lang="en-GB" altLang="en-US" sz="1200"/>
+            </a:lvl1pPr>
+          </a:lstStyle>
+          <a:p>
+            <a:pPr marL="0" indent="0" latinLnBrk="0">
+              <a:buFontTx/>
+              <a:buNone/>
+            </a:pPr>
+            <a:fld id="{B9320F77-B9A0-41C5-862A-B4B631284C64}" type="slidenum">
+              <a:rPr lang="ko-KR" altLang="en-US"/>
+              <a:t>‹#›</a:t>
+            </a:fld>
+          </a:p>
+        </p:txBody>
+      </p:sp>
+    </p:spTree>
+  </p:cSld>
+  <p:clrMapOvr>
+    <a:masterClrMapping/>
+  </p:clrMapOvr>
+  <mc:AlternateContent xmlns:mc="http://schemas.openxmlformats.org/markup-compatibility/2006">
+    <mc:Choice xmlns:p14="http://schemas.microsoft.com/office/powerpoint/2010/main" Requires="p14">
+      <p:transition spd="slow" p14:dur="0"/>
+    </mc:Choice>
+    <mc:Fallback>
+      <p:transition spd="slow"/>
+    </mc:Fallback>
+  </mc:AlternateContent>
+</p:notes>
+</file>
+
 <file path=ppt/notesSlides/notesSlide2.xml><?xml version="1.0" encoding="utf-8"?>
 <p:notes xmlns:a="http://schemas.openxmlformats.org/drawingml/2006/main" xmlns:r="http://schemas.openxmlformats.org/officeDocument/2006/relationships" xmlns:p="http://schemas.openxmlformats.org/presentationml/2006/main">
   <p:cSld>
@@ -1139,6 +1429,574 @@
           <a:xfrm rot="0">
             <a:off x="3884930" y="8685530"/>
             <a:ext cx="2976245" cy="462915"/>
+          </a:xfrm>
+          <a:prstGeom prst="rect"/>
+        </p:spPr>
+        <p:txBody>
+          <a:bodyPr wrap="square" lIns="91440" tIns="45720" rIns="91440" bIns="45720" numCol="1" vert="horz" anchor="b">
+            <a:noAutofit/>
+          </a:bodyPr>
+          <a:lstStyle>
+            <a:lvl1pPr marL="0" indent="0" algn="r" latinLnBrk="0">
+              <a:buFontTx/>
+              <a:buNone/>
+              <a:defRPr lang="en-GB" altLang="en-US" sz="1200"/>
+            </a:lvl1pPr>
+          </a:lstStyle>
+          <a:p>
+            <a:pPr marL="0" indent="0" latinLnBrk="0">
+              <a:buFontTx/>
+              <a:buNone/>
+            </a:pPr>
+            <a:fld id="{B9320F77-B9A0-41C5-862A-B4B631284C64}" type="slidenum">
+              <a:rPr lang="ko-KR" altLang="en-US"/>
+              <a:t>‹#›</a:t>
+            </a:fld>
+          </a:p>
+        </p:txBody>
+      </p:sp>
+    </p:spTree>
+  </p:cSld>
+  <p:clrMapOvr>
+    <a:masterClrMapping/>
+  </p:clrMapOvr>
+  <mc:AlternateContent xmlns:mc="http://schemas.openxmlformats.org/markup-compatibility/2006">
+    <mc:Choice xmlns:p14="http://schemas.microsoft.com/office/powerpoint/2010/main" Requires="p14">
+      <p:transition spd="slow" p14:dur="0"/>
+    </mc:Choice>
+    <mc:Fallback>
+      <p:transition spd="slow"/>
+    </mc:Fallback>
+  </mc:AlternateContent>
+</p:notes>
+</file>
+
+<file path=ppt/notesSlides/notesSlide6.xml><?xml version="1.0" encoding="utf-8"?>
+<p:notes xmlns:a="http://schemas.openxmlformats.org/drawingml/2006/main" xmlns:r="http://schemas.openxmlformats.org/officeDocument/2006/relationships" xmlns:p="http://schemas.openxmlformats.org/presentationml/2006/main">
+  <p:cSld>
+    <p:spTree>
+      <p:nvGrpSpPr>
+        <p:cNvPr id="1" name=""/>
+        <p:cNvGrpSpPr/>
+        <p:nvPr/>
+      </p:nvGrpSpPr>
+      <p:grpSpPr>
+        <a:xfrm>
+          <a:off x="0" y="0"/>
+          <a:ext cx="0" cy="0"/>
+          <a:chOff x="0" y="0"/>
+          <a:chExt cx="0" cy="0"/>
+        </a:xfrm>
+      </p:grpSpPr>
+      <p:sp>
+        <p:nvSpPr>
+          <p:cNvPr id="2" name="슬라이드 이미지 개체 틀 3"/>
+          <p:cNvSpPr>
+            <a:spLocks noChangeAspect="1"/>
+          </p:cNvSpPr>
+          <p:nvPr>
+            <p:ph type="sldImg" idx="2"/>
+          </p:nvPr>
+        </p:nvSpPr>
+        <p:spPr>
+          <a:xfrm rot="0">
+            <a:off x="685800" y="1143000"/>
+            <a:ext cx="5491480" cy="3091180"/>
+          </a:xfrm>
+          <a:prstGeom prst="rect"/>
+          <a:noFill/>
+          <a:ln w="12700" cap="flat" cmpd="sng">
+            <a:solidFill>
+              <a:srgbClr val="000000">
+                <a:alpha val="100000"/>
+              </a:srgbClr>
+            </a:solidFill>
+            <a:prstDash val="solid"/>
+          </a:ln>
+        </p:spPr>
+        <p:txBody>
+          <a:bodyPr wrap="square" lIns="91440" tIns="45720" rIns="91440" bIns="45720" numCol="1" vert="horz" anchor="ctr">
+            <a:noAutofit/>
+          </a:bodyPr>
+          <a:lstStyle/>
+          <a:p>
+            <a:pPr marL="0" indent="0" latinLnBrk="0">
+              <a:buFontTx/>
+              <a:buNone/>
+            </a:pPr>
+          </a:p>
+        </p:txBody>
+      </p:sp>
+      <p:sp>
+        <p:nvSpPr>
+          <p:cNvPr id="3" name="슬라이드 노트 개체 틀 4"/>
+          <p:cNvSpPr txBox="1">
+            <a:spLocks/>
+          </p:cNvSpPr>
+          <p:nvPr>
+            <p:ph type="body" idx="3"/>
+          </p:nvPr>
+        </p:nvSpPr>
+        <p:spPr>
+          <a:xfrm rot="0">
+            <a:off x="685800" y="4400550"/>
+            <a:ext cx="5491480" cy="3605530"/>
+          </a:xfrm>
+          <a:prstGeom prst="rect"/>
+        </p:spPr>
+        <p:txBody>
+          <a:bodyPr wrap="square" lIns="91440" tIns="45720" rIns="91440" bIns="45720" numCol="1" vert="horz" anchor="t">
+            <a:noAutofit/>
+          </a:bodyPr>
+          <a:lstStyle/>
+          <a:p>
+            <a:pPr marL="0" indent="0" latinLnBrk="0">
+              <a:buFontTx/>
+              <a:buNone/>
+            </a:pPr>
+          </a:p>
+        </p:txBody>
+      </p:sp>
+      <p:sp>
+        <p:nvSpPr>
+          <p:cNvPr id="4" name="슬라이드 번호 개체 틀 6"/>
+          <p:cNvSpPr txBox="1">
+            <a:spLocks/>
+          </p:cNvSpPr>
+          <p:nvPr>
+            <p:ph type="sldNum" idx="5"/>
+          </p:nvPr>
+        </p:nvSpPr>
+        <p:spPr>
+          <a:xfrm rot="0">
+            <a:off x="3884930" y="8685530"/>
+            <a:ext cx="2976880" cy="463550"/>
+          </a:xfrm>
+          <a:prstGeom prst="rect"/>
+        </p:spPr>
+        <p:txBody>
+          <a:bodyPr wrap="square" lIns="91440" tIns="45720" rIns="91440" bIns="45720" numCol="1" vert="horz" anchor="b">
+            <a:noAutofit/>
+          </a:bodyPr>
+          <a:lstStyle>
+            <a:lvl1pPr marL="0" indent="0" algn="r" latinLnBrk="0">
+              <a:buFontTx/>
+              <a:buNone/>
+              <a:defRPr lang="en-GB" altLang="en-US" sz="1200"/>
+            </a:lvl1pPr>
+          </a:lstStyle>
+          <a:p>
+            <a:pPr marL="0" indent="0" latinLnBrk="0">
+              <a:buFontTx/>
+              <a:buNone/>
+            </a:pPr>
+            <a:fld id="{B9320F77-B9A0-41C5-862A-B4B631284C64}" type="slidenum">
+              <a:rPr lang="ko-KR" altLang="en-US"/>
+              <a:t>‹#›</a:t>
+            </a:fld>
+          </a:p>
+        </p:txBody>
+      </p:sp>
+    </p:spTree>
+  </p:cSld>
+  <p:clrMapOvr>
+    <a:masterClrMapping/>
+  </p:clrMapOvr>
+  <mc:AlternateContent xmlns:mc="http://schemas.openxmlformats.org/markup-compatibility/2006">
+    <mc:Choice xmlns:p14="http://schemas.microsoft.com/office/powerpoint/2010/main" Requires="p14">
+      <p:transition spd="slow" p14:dur="0"/>
+    </mc:Choice>
+    <mc:Fallback>
+      <p:transition spd="slow"/>
+    </mc:Fallback>
+  </mc:AlternateContent>
+</p:notes>
+</file>
+
+<file path=ppt/notesSlides/notesSlide7.xml><?xml version="1.0" encoding="utf-8"?>
+<p:notes xmlns:a="http://schemas.openxmlformats.org/drawingml/2006/main" xmlns:r="http://schemas.openxmlformats.org/officeDocument/2006/relationships" xmlns:p="http://schemas.openxmlformats.org/presentationml/2006/main">
+  <p:cSld>
+    <p:spTree>
+      <p:nvGrpSpPr>
+        <p:cNvPr id="1" name=""/>
+        <p:cNvGrpSpPr/>
+        <p:nvPr/>
+      </p:nvGrpSpPr>
+      <p:grpSpPr>
+        <a:xfrm>
+          <a:off x="0" y="0"/>
+          <a:ext cx="0" cy="0"/>
+          <a:chOff x="0" y="0"/>
+          <a:chExt cx="0" cy="0"/>
+        </a:xfrm>
+      </p:grpSpPr>
+      <p:sp>
+        <p:nvSpPr>
+          <p:cNvPr id="2" name="슬라이드 이미지 개체 틀 3"/>
+          <p:cNvSpPr>
+            <a:spLocks noChangeAspect="1"/>
+          </p:cNvSpPr>
+          <p:nvPr>
+            <p:ph type="sldImg" idx="2"/>
+          </p:nvPr>
+        </p:nvSpPr>
+        <p:spPr>
+          <a:xfrm rot="0">
+            <a:off x="685800" y="1143000"/>
+            <a:ext cx="5491480" cy="3091180"/>
+          </a:xfrm>
+          <a:prstGeom prst="rect"/>
+          <a:noFill/>
+          <a:ln w="12700" cap="flat" cmpd="sng">
+            <a:solidFill>
+              <a:srgbClr val="000000">
+                <a:alpha val="100000"/>
+              </a:srgbClr>
+            </a:solidFill>
+            <a:prstDash val="solid"/>
+          </a:ln>
+        </p:spPr>
+        <p:txBody>
+          <a:bodyPr wrap="square" lIns="91440" tIns="45720" rIns="91440" bIns="45720" numCol="1" vert="horz" anchor="ctr">
+            <a:noAutofit/>
+          </a:bodyPr>
+          <a:lstStyle/>
+          <a:p>
+            <a:pPr marL="0" indent="0" latinLnBrk="0">
+              <a:buFontTx/>
+              <a:buNone/>
+            </a:pPr>
+          </a:p>
+        </p:txBody>
+      </p:sp>
+      <p:sp>
+        <p:nvSpPr>
+          <p:cNvPr id="3" name="슬라이드 노트 개체 틀 4"/>
+          <p:cNvSpPr txBox="1">
+            <a:spLocks/>
+          </p:cNvSpPr>
+          <p:nvPr>
+            <p:ph type="body" idx="3"/>
+          </p:nvPr>
+        </p:nvSpPr>
+        <p:spPr>
+          <a:xfrm rot="0">
+            <a:off x="685800" y="4400550"/>
+            <a:ext cx="5491480" cy="3605530"/>
+          </a:xfrm>
+          <a:prstGeom prst="rect"/>
+        </p:spPr>
+        <p:txBody>
+          <a:bodyPr wrap="square" lIns="91440" tIns="45720" rIns="91440" bIns="45720" numCol="1" vert="horz" anchor="t">
+            <a:noAutofit/>
+          </a:bodyPr>
+          <a:lstStyle/>
+          <a:p>
+            <a:pPr marL="0" indent="0" latinLnBrk="0">
+              <a:buFontTx/>
+              <a:buNone/>
+            </a:pPr>
+          </a:p>
+        </p:txBody>
+      </p:sp>
+      <p:sp>
+        <p:nvSpPr>
+          <p:cNvPr id="4" name="슬라이드 번호 개체 틀 6"/>
+          <p:cNvSpPr txBox="1">
+            <a:spLocks/>
+          </p:cNvSpPr>
+          <p:nvPr>
+            <p:ph type="sldNum" idx="5"/>
+          </p:nvPr>
+        </p:nvSpPr>
+        <p:spPr>
+          <a:xfrm rot="0">
+            <a:off x="3884930" y="8685530"/>
+            <a:ext cx="2976880" cy="463550"/>
+          </a:xfrm>
+          <a:prstGeom prst="rect"/>
+        </p:spPr>
+        <p:txBody>
+          <a:bodyPr wrap="square" lIns="91440" tIns="45720" rIns="91440" bIns="45720" numCol="1" vert="horz" anchor="b">
+            <a:noAutofit/>
+          </a:bodyPr>
+          <a:lstStyle>
+            <a:lvl1pPr marL="0" indent="0" algn="r" latinLnBrk="0">
+              <a:buFontTx/>
+              <a:buNone/>
+              <a:defRPr lang="en-GB" altLang="en-US" sz="1200"/>
+            </a:lvl1pPr>
+          </a:lstStyle>
+          <a:p>
+            <a:pPr marL="0" indent="0" latinLnBrk="0">
+              <a:buFontTx/>
+              <a:buNone/>
+            </a:pPr>
+            <a:fld id="{B9320F77-B9A0-41C5-862A-B4B631284C64}" type="slidenum">
+              <a:rPr lang="ko-KR" altLang="en-US"/>
+              <a:t>‹#›</a:t>
+            </a:fld>
+          </a:p>
+        </p:txBody>
+      </p:sp>
+    </p:spTree>
+  </p:cSld>
+  <p:clrMapOvr>
+    <a:masterClrMapping/>
+  </p:clrMapOvr>
+  <mc:AlternateContent xmlns:mc="http://schemas.openxmlformats.org/markup-compatibility/2006">
+    <mc:Choice xmlns:p14="http://schemas.microsoft.com/office/powerpoint/2010/main" Requires="p14">
+      <p:transition spd="slow" p14:dur="0"/>
+    </mc:Choice>
+    <mc:Fallback>
+      <p:transition spd="slow"/>
+    </mc:Fallback>
+  </mc:AlternateContent>
+</p:notes>
+</file>
+
+<file path=ppt/notesSlides/notesSlide8.xml><?xml version="1.0" encoding="utf-8"?>
+<p:notes xmlns:a="http://schemas.openxmlformats.org/drawingml/2006/main" xmlns:r="http://schemas.openxmlformats.org/officeDocument/2006/relationships" xmlns:p="http://schemas.openxmlformats.org/presentationml/2006/main">
+  <p:cSld>
+    <p:spTree>
+      <p:nvGrpSpPr>
+        <p:cNvPr id="1" name=""/>
+        <p:cNvGrpSpPr/>
+        <p:nvPr/>
+      </p:nvGrpSpPr>
+      <p:grpSpPr>
+        <a:xfrm>
+          <a:off x="0" y="0"/>
+          <a:ext cx="0" cy="0"/>
+          <a:chOff x="0" y="0"/>
+          <a:chExt cx="0" cy="0"/>
+        </a:xfrm>
+      </p:grpSpPr>
+      <p:sp>
+        <p:nvSpPr>
+          <p:cNvPr id="2" name="슬라이드 이미지 개체 틀 3"/>
+          <p:cNvSpPr>
+            <a:spLocks noChangeAspect="1"/>
+          </p:cNvSpPr>
+          <p:nvPr>
+            <p:ph type="sldImg" idx="2"/>
+          </p:nvPr>
+        </p:nvSpPr>
+        <p:spPr>
+          <a:xfrm rot="0">
+            <a:off x="685800" y="1143000"/>
+            <a:ext cx="5491480" cy="3091180"/>
+          </a:xfrm>
+          <a:prstGeom prst="rect"/>
+          <a:noFill/>
+          <a:ln w="12700" cap="flat" cmpd="sng">
+            <a:solidFill>
+              <a:srgbClr val="000000">
+                <a:alpha val="100000"/>
+              </a:srgbClr>
+            </a:solidFill>
+            <a:prstDash val="solid"/>
+          </a:ln>
+        </p:spPr>
+        <p:txBody>
+          <a:bodyPr wrap="square" lIns="91440" tIns="45720" rIns="91440" bIns="45720" numCol="1" vert="horz" anchor="ctr">
+            <a:noAutofit/>
+          </a:bodyPr>
+          <a:lstStyle/>
+          <a:p>
+            <a:pPr marL="0" indent="0" latinLnBrk="0">
+              <a:buFontTx/>
+              <a:buNone/>
+            </a:pPr>
+          </a:p>
+        </p:txBody>
+      </p:sp>
+      <p:sp>
+        <p:nvSpPr>
+          <p:cNvPr id="3" name="슬라이드 노트 개체 틀 4"/>
+          <p:cNvSpPr txBox="1">
+            <a:spLocks/>
+          </p:cNvSpPr>
+          <p:nvPr>
+            <p:ph type="body" idx="3"/>
+          </p:nvPr>
+        </p:nvSpPr>
+        <p:spPr>
+          <a:xfrm rot="0">
+            <a:off x="685800" y="4400550"/>
+            <a:ext cx="5491480" cy="3605530"/>
+          </a:xfrm>
+          <a:prstGeom prst="rect"/>
+        </p:spPr>
+        <p:txBody>
+          <a:bodyPr wrap="square" lIns="91440" tIns="45720" rIns="91440" bIns="45720" numCol="1" vert="horz" anchor="t">
+            <a:noAutofit/>
+          </a:bodyPr>
+          <a:lstStyle/>
+          <a:p>
+            <a:pPr marL="0" indent="0" latinLnBrk="0">
+              <a:buFontTx/>
+              <a:buNone/>
+            </a:pPr>
+          </a:p>
+        </p:txBody>
+      </p:sp>
+      <p:sp>
+        <p:nvSpPr>
+          <p:cNvPr id="4" name="슬라이드 번호 개체 틀 6"/>
+          <p:cNvSpPr txBox="1">
+            <a:spLocks/>
+          </p:cNvSpPr>
+          <p:nvPr>
+            <p:ph type="sldNum" idx="5"/>
+          </p:nvPr>
+        </p:nvSpPr>
+        <p:spPr>
+          <a:xfrm rot="0">
+            <a:off x="3884930" y="8685530"/>
+            <a:ext cx="2976880" cy="463550"/>
+          </a:xfrm>
+          <a:prstGeom prst="rect"/>
+        </p:spPr>
+        <p:txBody>
+          <a:bodyPr wrap="square" lIns="91440" tIns="45720" rIns="91440" bIns="45720" numCol="1" vert="horz" anchor="b">
+            <a:noAutofit/>
+          </a:bodyPr>
+          <a:lstStyle>
+            <a:lvl1pPr marL="0" indent="0" algn="r" latinLnBrk="0">
+              <a:buFontTx/>
+              <a:buNone/>
+              <a:defRPr lang="en-GB" altLang="en-US" sz="1200"/>
+            </a:lvl1pPr>
+          </a:lstStyle>
+          <a:p>
+            <a:pPr marL="0" indent="0" latinLnBrk="0">
+              <a:buFontTx/>
+              <a:buNone/>
+            </a:pPr>
+            <a:fld id="{B9320F77-B9A0-41C5-862A-B4B631284C64}" type="slidenum">
+              <a:rPr lang="ko-KR" altLang="en-US"/>
+              <a:t>‹#›</a:t>
+            </a:fld>
+          </a:p>
+        </p:txBody>
+      </p:sp>
+    </p:spTree>
+  </p:cSld>
+  <p:clrMapOvr>
+    <a:masterClrMapping/>
+  </p:clrMapOvr>
+  <mc:AlternateContent xmlns:mc="http://schemas.openxmlformats.org/markup-compatibility/2006">
+    <mc:Choice xmlns:p14="http://schemas.microsoft.com/office/powerpoint/2010/main" Requires="p14">
+      <p:transition spd="slow" p14:dur="0"/>
+    </mc:Choice>
+    <mc:Fallback>
+      <p:transition spd="slow"/>
+    </mc:Fallback>
+  </mc:AlternateContent>
+</p:notes>
+</file>
+
+<file path=ppt/notesSlides/notesSlide9.xml><?xml version="1.0" encoding="utf-8"?>
+<p:notes xmlns:a="http://schemas.openxmlformats.org/drawingml/2006/main" xmlns:r="http://schemas.openxmlformats.org/officeDocument/2006/relationships" xmlns:p="http://schemas.openxmlformats.org/presentationml/2006/main">
+  <p:cSld>
+    <p:spTree>
+      <p:nvGrpSpPr>
+        <p:cNvPr id="1" name=""/>
+        <p:cNvGrpSpPr/>
+        <p:nvPr/>
+      </p:nvGrpSpPr>
+      <p:grpSpPr>
+        <a:xfrm>
+          <a:off x="0" y="0"/>
+          <a:ext cx="0" cy="0"/>
+          <a:chOff x="0" y="0"/>
+          <a:chExt cx="0" cy="0"/>
+        </a:xfrm>
+      </p:grpSpPr>
+      <p:sp>
+        <p:nvSpPr>
+          <p:cNvPr id="2" name="슬라이드 이미지 개체 틀 3"/>
+          <p:cNvSpPr>
+            <a:spLocks noChangeAspect="1"/>
+          </p:cNvSpPr>
+          <p:nvPr>
+            <p:ph type="sldImg" idx="2"/>
+          </p:nvPr>
+        </p:nvSpPr>
+        <p:spPr>
+          <a:xfrm rot="0">
+            <a:off x="685800" y="1143000"/>
+            <a:ext cx="5492115" cy="3091815"/>
+          </a:xfrm>
+          <a:prstGeom prst="rect"/>
+          <a:noFill/>
+          <a:ln w="12700" cap="flat" cmpd="sng">
+            <a:solidFill>
+              <a:srgbClr val="000000">
+                <a:alpha val="100000"/>
+              </a:srgbClr>
+            </a:solidFill>
+            <a:prstDash val="solid"/>
+          </a:ln>
+        </p:spPr>
+        <p:txBody>
+          <a:bodyPr wrap="square" lIns="91440" tIns="45720" rIns="91440" bIns="45720" numCol="1" vert="horz" anchor="ctr">
+            <a:noAutofit/>
+          </a:bodyPr>
+          <a:lstStyle/>
+          <a:p>
+            <a:pPr marL="0" indent="0" latinLnBrk="0">
+              <a:buFontTx/>
+              <a:buNone/>
+            </a:pPr>
+          </a:p>
+        </p:txBody>
+      </p:sp>
+      <p:sp>
+        <p:nvSpPr>
+          <p:cNvPr id="3" name="슬라이드 노트 개체 틀 4"/>
+          <p:cNvSpPr txBox="1">
+            <a:spLocks/>
+          </p:cNvSpPr>
+          <p:nvPr>
+            <p:ph type="body" idx="3"/>
+          </p:nvPr>
+        </p:nvSpPr>
+        <p:spPr>
+          <a:xfrm rot="0">
+            <a:off x="685800" y="4400550"/>
+            <a:ext cx="5492115" cy="3606165"/>
+          </a:xfrm>
+          <a:prstGeom prst="rect"/>
+        </p:spPr>
+        <p:txBody>
+          <a:bodyPr wrap="square" lIns="91440" tIns="45720" rIns="91440" bIns="45720" numCol="1" vert="horz" anchor="t">
+            <a:noAutofit/>
+          </a:bodyPr>
+          <a:lstStyle/>
+          <a:p>
+            <a:pPr marL="0" indent="0" latinLnBrk="0">
+              <a:buFontTx/>
+              <a:buNone/>
+            </a:pPr>
+          </a:p>
+        </p:txBody>
+      </p:sp>
+      <p:sp>
+        <p:nvSpPr>
+          <p:cNvPr id="4" name="슬라이드 번호 개체 틀 6"/>
+          <p:cNvSpPr txBox="1">
+            <a:spLocks/>
+          </p:cNvSpPr>
+          <p:nvPr>
+            <p:ph type="sldNum" idx="5"/>
+          </p:nvPr>
+        </p:nvSpPr>
+        <p:spPr>
+          <a:xfrm rot="0">
+            <a:off x="3884930" y="8685530"/>
+            <a:ext cx="2977515" cy="464185"/>
           </a:xfrm>
           <a:prstGeom prst="rect"/>
         </p:spPr>
@@ -6304,7 +7162,7 @@
       </p:sp>
       <p:pic>
         <p:nvPicPr>
-          <p:cNvPr id="1133" name="그림 2" descr="C:/Users/Admin1/AppData/Roaming/PolarisOffice/ETemp/14972_9157136/fImage1210014041.png"/>
+          <p:cNvPr id="1133" name="그림 2"/>
           <p:cNvPicPr>
             <a:picLocks noChangeAspect="1"/>
           </p:cNvPicPr>
@@ -6335,7 +7193,7 @@
       </p:pic>
       <p:pic>
         <p:nvPicPr>
-          <p:cNvPr id="1134" name="그림 5" descr="C:/Users/Admin1/AppData/Roaming/PolarisOffice/ETemp/14972_9157136/fImage44381418467.png"/>
+          <p:cNvPr id="1134" name="그림 5"/>
           <p:cNvPicPr>
             <a:picLocks noChangeAspect="1"/>
           </p:cNvPicPr>
@@ -6366,7 +7224,7 @@
       </p:pic>
       <p:pic>
         <p:nvPicPr>
-          <p:cNvPr id="1135" name="그림 8" descr="C:/Users/Admin1/AppData/Roaming/PolarisOffice/ETemp/14972_9157136/fImage126701426334.png"/>
+          <p:cNvPr id="1135" name="그림 8"/>
           <p:cNvPicPr>
             <a:picLocks noChangeAspect="1"/>
           </p:cNvPicPr>
@@ -6397,7 +7255,7 @@
       </p:pic>
       <p:pic>
         <p:nvPicPr>
-          <p:cNvPr id="1136" name="그림 11" descr="C:/Users/Admin1/AppData/Roaming/PolarisOffice/ETemp/14972_9157136/fImage128231436500.png"/>
+          <p:cNvPr id="1136" name="그림 11"/>
           <p:cNvPicPr>
             <a:picLocks noChangeAspect="1"/>
           </p:cNvPicPr>
@@ -6511,6 +7369,1219 @@
           </a:p>
         </p:txBody>
       </p:sp>
+    </p:spTree>
+  </p:cSld>
+  <p:clrMapOvr>
+    <a:masterClrMapping/>
+  </p:clrMapOvr>
+  <mc:AlternateContent xmlns:mc="http://schemas.openxmlformats.org/markup-compatibility/2006">
+    <mc:Choice xmlns:p14="http://schemas.microsoft.com/office/powerpoint/2010/main" Requires="p14">
+      <p:transition spd="slow" p14:dur="2000"/>
+    </mc:Choice>
+    <mc:Fallback>
+      <p:transition spd="slow"/>
+    </mc:Fallback>
+  </mc:AlternateContent>
+  <p:timing>
+    <p:tnLst>
+      <p:par>
+        <p:cTn id="1" dur="indefinite" restart="never" nodeType="tmRoot"/>
+      </p:par>
+    </p:tnLst>
+  </p:timing>
+</p:sld>
+</file>
+
+<file path=ppt/slides/slide10.xml><?xml version="1.0" encoding="utf-8"?>
+<p:sld xmlns:a="http://schemas.openxmlformats.org/drawingml/2006/main" xmlns:r="http://schemas.openxmlformats.org/officeDocument/2006/relationships" xmlns:p="http://schemas.openxmlformats.org/presentationml/2006/main">
+  <p:cSld>
+    <p:spTree>
+      <p:nvGrpSpPr>
+        <p:cNvPr id="1" name=""/>
+        <p:cNvGrpSpPr/>
+        <p:nvPr/>
+      </p:nvGrpSpPr>
+      <p:grpSpPr>
+        <a:xfrm>
+          <a:off x="0" y="0"/>
+          <a:ext cx="0" cy="0"/>
+          <a:chOff x="0" y="0"/>
+          <a:chExt cx="0" cy="0"/>
+        </a:xfrm>
+      </p:grpSpPr>
+      <p:sp>
+        <p:nvSpPr>
+          <p:cNvPr id="1031" name="Rect 0"/>
+          <p:cNvSpPr txBox="1">
+            <a:spLocks/>
+          </p:cNvSpPr>
+          <p:nvPr/>
+        </p:nvSpPr>
+        <p:spPr>
+          <a:xfrm rot="0">
+            <a:off x="4318635" y="318770"/>
+            <a:ext cx="3561715" cy="554990"/>
+          </a:xfrm>
+          <a:prstGeom prst="rect"/>
+          <a:noFill/>
+          <a:ln w="0">
+            <a:noFill/>
+            <a:prstDash/>
+          </a:ln>
+        </p:spPr>
+        <p:txBody>
+          <a:bodyPr wrap="square" lIns="89535" tIns="46355" rIns="89535" bIns="46355" numCol="1" vert="horz" anchor="t">
+            <a:spAutoFit/>
+          </a:bodyPr>
+          <a:lstStyle/>
+          <a:p>
+            <a:pPr marL="0" indent="0" algn="l" latinLnBrk="0">
+              <a:buFontTx/>
+              <a:buNone/>
+            </a:pPr>
+            <a:r>
+              <a:rPr lang="ko-KR" altLang="en-US" sz="3000" b="1">
+                <a:solidFill>
+                  <a:schemeClr val="tx1"/>
+                </a:solidFill>
+                <a:latin typeface="맑은 고딕" charset="0"/>
+                <a:ea typeface="맑은 고딕" charset="0"/>
+              </a:rPr>
+              <a:t>아홉</a:t>
+            </a:r>
+            <a:r>
+              <a:rPr lang="ko-KR" altLang="en-US" sz="3000" b="1">
+                <a:solidFill>
+                  <a:schemeClr val="tx1"/>
+                </a:solidFill>
+                <a:latin typeface="맑은 고딕" charset="0"/>
+                <a:ea typeface="맑은 고딕" charset="0"/>
+              </a:rPr>
+              <a:t> 번째 튜토리얼</a:t>
+            </a:r>
+            <a:endParaRPr lang="ko-KR" altLang="en-US" sz="3000" b="1">
+              <a:solidFill>
+                <a:schemeClr val="tx1"/>
+              </a:solidFill>
+              <a:latin typeface="맑은 고딕" charset="0"/>
+              <a:ea typeface="맑은 고딕" charset="0"/>
+            </a:endParaRPr>
+          </a:p>
+        </p:txBody>
+      </p:sp>
+      <p:sp>
+        <p:nvSpPr>
+          <p:cNvPr id="1158" name="Rect 0"/>
+          <p:cNvSpPr txBox="1">
+            <a:spLocks/>
+          </p:cNvSpPr>
+          <p:nvPr/>
+        </p:nvSpPr>
+        <p:spPr>
+          <a:xfrm rot="0">
+            <a:off x="1330960" y="2627630"/>
+            <a:ext cx="4058920" cy="1247775"/>
+          </a:xfrm>
+          <a:prstGeom prst="rect"/>
+          <a:noFill/>
+        </p:spPr>
+        <p:txBody>
+          <a:bodyPr wrap="square" lIns="0" tIns="0" rIns="0" bIns="0" numCol="1" vert="horz" anchor="t">
+            <a:noAutofit/>
+          </a:bodyPr>
+          <a:lstStyle/>
+          <a:p>
+            <a:pPr marL="0" indent="0" algn="l" latinLnBrk="0" hangingPunct="1">
+              <a:buFontTx/>
+              <a:buNone/>
+            </a:pPr>
+            <a:r>
+              <a:rPr lang="ko-KR" sz="2000" b="1">
+                <a:solidFill>
+                  <a:srgbClr val="0611F2"/>
+                </a:solidFill>
+                <a:latin typeface="맑은 고딕" charset="0"/>
+                <a:ea typeface="맑은 고딕" charset="0"/>
+              </a:rPr>
+              <a:t>21</a:t>
+            </a:r>
+            <a:r>
+              <a:rPr lang="ko-KR" sz="2000" b="1">
+                <a:solidFill>
+                  <a:srgbClr val="0611F2"/>
+                </a:solidFill>
+                <a:latin typeface="맑은 고딕" charset="0"/>
+                <a:ea typeface="맑은 고딕" charset="0"/>
+              </a:rPr>
+              <a:t>. </a:t>
+            </a:r>
+            <a:r>
+              <a:rPr lang="ko-KR" sz="1800">
+                <a:latin typeface="맑은 고딕" charset="0"/>
+                <a:ea typeface="맑은 고딕" charset="0"/>
+              </a:rPr>
+              <a:t>그런 다음 Light Manager 오브젝트에 있는 Light Manager 스크립트에 Direction Light와 Spot Light 그리고 Point Light를 넣어줍니다.</a:t>
+            </a:r>
+            <a:endParaRPr lang="ko-KR" altLang="en-US" sz="1800">
+              <a:latin typeface="맑은 고딕" charset="0"/>
+              <a:ea typeface="맑은 고딕" charset="0"/>
+            </a:endParaRPr>
+          </a:p>
+        </p:txBody>
+      </p:sp>
+      <p:pic>
+        <p:nvPicPr>
+          <p:cNvPr id="1180" name="그림 22" descr="C:/Users/Admin1/AppData/Roaming/PolarisOffice/ETemp/7736_6598648/fImage140922351478.png"/>
+          <p:cNvPicPr>
+            <a:picLocks noChangeAspect="1"/>
+          </p:cNvPicPr>
+          <p:nvPr/>
+        </p:nvPicPr>
+        <p:blipFill rotWithShape="1">
+          <a:blip r:embed="rId2" cstate="print">
+            <a:extLst>
+              <a:ext uri="{28A0092B-C50C-407E-A947-70E740481C1C}">
+                <a14:useLocalDpi xmlns:a14="http://schemas.microsoft.com/office/drawing/2010/main" val="0"/>
+              </a:ext>
+            </a:extLst>
+          </a:blip>
+          <a:stretch>
+            <a:fillRect/>
+          </a:stretch>
+        </p:blipFill>
+        <p:spPr>
+          <a:xfrm rot="0">
+            <a:off x="2499360" y="1356995"/>
+            <a:ext cx="2889250" cy="1091565"/>
+          </a:xfrm>
+          <a:prstGeom prst="roundRect"/>
+          <a:solidFill>
+            <a:srgbClr val="EDEDED"/>
+          </a:solidFill>
+        </p:spPr>
+      </p:pic>
+      <p:pic>
+        <p:nvPicPr>
+          <p:cNvPr id="1181" name="그림 25" descr="C:/Users/Admin1/AppData/Roaming/PolarisOffice/ETemp/7736_6598648/fImage77552369358.png"/>
+          <p:cNvPicPr>
+            <a:picLocks noChangeAspect="1"/>
+          </p:cNvPicPr>
+          <p:nvPr/>
+        </p:nvPicPr>
+        <p:blipFill rotWithShape="1">
+          <a:blip r:embed="rId3" cstate="print">
+            <a:extLst>
+              <a:ext uri="{28A0092B-C50C-407E-A947-70E740481C1C}">
+                <a14:useLocalDpi xmlns:a14="http://schemas.microsoft.com/office/drawing/2010/main" val="0"/>
+              </a:ext>
+            </a:extLst>
+          </a:blip>
+          <a:stretch>
+            <a:fillRect/>
+          </a:stretch>
+        </p:blipFill>
+        <p:spPr>
+          <a:xfrm rot="0">
+            <a:off x="1332865" y="1356995"/>
+            <a:ext cx="1054735" cy="1099820"/>
+          </a:xfrm>
+          <a:prstGeom prst="roundRect"/>
+          <a:solidFill>
+            <a:srgbClr val="EDEDED"/>
+          </a:solidFill>
+        </p:spPr>
+      </p:pic>
+      <p:cxnSp>
+        <p:nvCxnSpPr>
+          <p:cNvPr id="1182" name="도형 28"/>
+          <p:cNvCxnSpPr/>
+          <p:nvPr/>
+        </p:nvCxnSpPr>
+        <p:spPr>
+          <a:xfrm rot="0">
+            <a:off x="2309495" y="1626235"/>
+            <a:ext cx="3001645" cy="433070"/>
+          </a:xfrm>
+          <a:prstGeom prst="straightConnector1"/>
+          <a:ln w="6350" cap="flat" cmpd="sng">
+            <a:prstDash/>
+            <a:headEnd type="none" w="med" len="med"/>
+            <a:tailEnd type="triangle" w="med" len="med"/>
+          </a:ln>
+        </p:spPr>
+        <p:style>
+          <a:lnRef idx="1">
+            <a:schemeClr val="accent1"/>
+          </a:lnRef>
+          <a:fillRef idx="0">
+            <a:schemeClr val="accent1"/>
+          </a:fillRef>
+          <a:effectRef idx="0">
+            <a:schemeClr val="accent1"/>
+          </a:effectRef>
+          <a:fontRef idx="minor">
+            <a:schemeClr val="tx1"/>
+          </a:fontRef>
+        </p:style>
+      </p:cxnSp>
+      <p:cxnSp>
+        <p:nvCxnSpPr>
+          <p:cNvPr id="1183" name="도형 29"/>
+          <p:cNvCxnSpPr/>
+          <p:nvPr/>
+        </p:nvCxnSpPr>
+        <p:spPr>
+          <a:xfrm rot="0">
+            <a:off x="2075815" y="1729740"/>
+            <a:ext cx="3235325" cy="459105"/>
+          </a:xfrm>
+          <a:prstGeom prst="straightConnector1"/>
+          <a:ln w="6350" cap="flat" cmpd="sng">
+            <a:prstDash/>
+            <a:headEnd type="none" w="med" len="med"/>
+            <a:tailEnd type="triangle" w="med" len="med"/>
+          </a:ln>
+        </p:spPr>
+        <p:style>
+          <a:lnRef idx="1">
+            <a:schemeClr val="accent1"/>
+          </a:lnRef>
+          <a:fillRef idx="0">
+            <a:schemeClr val="accent1"/>
+          </a:fillRef>
+          <a:effectRef idx="0">
+            <a:schemeClr val="accent1"/>
+          </a:effectRef>
+          <a:fontRef idx="minor">
+            <a:schemeClr val="tx1"/>
+          </a:fontRef>
+        </p:style>
+      </p:cxnSp>
+      <p:cxnSp>
+        <p:nvCxnSpPr>
+          <p:cNvPr id="1184" name="도형 30"/>
+          <p:cNvCxnSpPr/>
+          <p:nvPr/>
+        </p:nvCxnSpPr>
+        <p:spPr>
+          <a:xfrm rot="0">
+            <a:off x="2110105" y="1851025"/>
+            <a:ext cx="3201035" cy="484505"/>
+          </a:xfrm>
+          <a:prstGeom prst="straightConnector1"/>
+          <a:ln w="6350" cap="flat" cmpd="sng">
+            <a:prstDash/>
+            <a:headEnd type="none" w="med" len="med"/>
+            <a:tailEnd type="triangle" w="med" len="med"/>
+          </a:ln>
+        </p:spPr>
+        <p:style>
+          <a:lnRef idx="1">
+            <a:schemeClr val="accent1"/>
+          </a:lnRef>
+          <a:fillRef idx="0">
+            <a:schemeClr val="accent1"/>
+          </a:fillRef>
+          <a:effectRef idx="0">
+            <a:schemeClr val="accent1"/>
+          </a:effectRef>
+          <a:fontRef idx="minor">
+            <a:schemeClr val="tx1"/>
+          </a:fontRef>
+        </p:style>
+      </p:cxnSp>
+      <p:pic>
+        <p:nvPicPr>
+          <p:cNvPr id="1185" name="그림 31" descr="C:/Users/Admin1/AppData/Roaming/PolarisOffice/ETemp/7736_6598648/fImage123502406962.png"/>
+          <p:cNvPicPr>
+            <a:picLocks noChangeAspect="1"/>
+          </p:cNvPicPr>
+          <p:nvPr/>
+        </p:nvPicPr>
+        <p:blipFill rotWithShape="1">
+          <a:blip r:embed="rId4" cstate="print">
+            <a:extLst>
+              <a:ext uri="{28A0092B-C50C-407E-A947-70E740481C1C}">
+                <a14:useLocalDpi xmlns:a14="http://schemas.microsoft.com/office/drawing/2010/main" val="0"/>
+              </a:ext>
+            </a:extLst>
+          </a:blip>
+          <a:stretch>
+            <a:fillRect/>
+          </a:stretch>
+        </p:blipFill>
+        <p:spPr>
+          <a:xfrm rot="0">
+            <a:off x="1334135" y="3961130"/>
+            <a:ext cx="4063365" cy="1471295"/>
+          </a:xfrm>
+          <a:prstGeom prst="roundRect"/>
+          <a:solidFill>
+            <a:srgbClr val="EDEDED"/>
+          </a:solidFill>
+        </p:spPr>
+      </p:pic>
+      <p:sp>
+        <p:nvSpPr>
+          <p:cNvPr id="1186" name="텍스트 상자 35"/>
+          <p:cNvSpPr txBox="1">
+            <a:spLocks/>
+          </p:cNvSpPr>
+          <p:nvPr/>
+        </p:nvSpPr>
+        <p:spPr>
+          <a:xfrm rot="0">
+            <a:off x="1333500" y="5579745"/>
+            <a:ext cx="4058920" cy="648335"/>
+          </a:xfrm>
+          <a:prstGeom prst="rect"/>
+          <a:noFill/>
+        </p:spPr>
+        <p:txBody>
+          <a:bodyPr wrap="square" lIns="0" tIns="0" rIns="0" bIns="0" numCol="1" vert="horz" anchor="t">
+            <a:noAutofit/>
+          </a:bodyPr>
+          <a:lstStyle/>
+          <a:p>
+            <a:pPr marL="0" indent="0" algn="l" latinLnBrk="0" hangingPunct="1">
+              <a:buFontTx/>
+              <a:buNone/>
+            </a:pPr>
+            <a:r>
+              <a:rPr lang="ko-KR" sz="2000" b="1">
+                <a:solidFill>
+                  <a:srgbClr val="0611F2"/>
+                </a:solidFill>
+                <a:latin typeface="맑은 고딕" charset="0"/>
+                <a:ea typeface="맑은 고딕" charset="0"/>
+              </a:rPr>
+              <a:t>22</a:t>
+            </a:r>
+            <a:r>
+              <a:rPr lang="ko-KR" sz="2000" b="1">
+                <a:solidFill>
+                  <a:srgbClr val="0611F2"/>
+                </a:solidFill>
+                <a:latin typeface="맑은 고딕" charset="0"/>
+                <a:ea typeface="맑은 고딕" charset="0"/>
+              </a:rPr>
+              <a:t>. </a:t>
+            </a:r>
+            <a:r>
+              <a:rPr lang="ko-KR" sz="1800">
+                <a:latin typeface="맑은 고딕" charset="0"/>
+                <a:ea typeface="맑은 고딕" charset="0"/>
+              </a:rPr>
+              <a:t>이제 Light Manager의 위치와 회전 값을 초기화합니다.</a:t>
+            </a:r>
+            <a:endParaRPr lang="ko-KR" altLang="en-US" sz="1800">
+              <a:latin typeface="맑은 고딕" charset="0"/>
+              <a:ea typeface="맑은 고딕" charset="0"/>
+            </a:endParaRPr>
+          </a:p>
+          <a:p>
+            <a:pPr marL="0" indent="0" algn="l" latinLnBrk="0" hangingPunct="1">
+              <a:buFontTx/>
+              <a:buNone/>
+            </a:pPr>
+            <a:endParaRPr lang="ko-KR" altLang="en-US" sz="1800">
+              <a:latin typeface="맑은 고딕" charset="0"/>
+              <a:ea typeface="맑은 고딕" charset="0"/>
+            </a:endParaRPr>
+          </a:p>
+        </p:txBody>
+      </p:sp>
+      <p:pic>
+        <p:nvPicPr>
+          <p:cNvPr id="1187" name="그림 37" descr="C:/Users/Admin1/AppData/Roaming/PolarisOffice/ETemp/7736_6598648/fImage30172454464.png"/>
+          <p:cNvPicPr>
+            <a:picLocks noChangeAspect="1"/>
+          </p:cNvPicPr>
+          <p:nvPr/>
+        </p:nvPicPr>
+        <p:blipFill rotWithShape="1">
+          <a:blip r:embed="rId5" cstate="hqprint">
+            <a:extLst>
+              <a:ext uri="{28A0092B-C50C-407E-A947-70E740481C1C}">
+                <a14:useLocalDpi xmlns:a14="http://schemas.microsoft.com/office/drawing/2010/main"/>
+              </a:ext>
+            </a:extLst>
+          </a:blip>
+          <a:stretch>
+            <a:fillRect/>
+          </a:stretch>
+        </p:blipFill>
+        <p:spPr>
+          <a:xfrm rot="0">
+            <a:off x="8261350" y="1362075"/>
+            <a:ext cx="2820670" cy="1276350"/>
+          </a:xfrm>
+          <a:prstGeom prst="roundRect"/>
+          <a:solidFill>
+            <a:srgbClr val="EDEDED"/>
+          </a:solidFill>
+        </p:spPr>
+      </p:pic>
+      <p:pic>
+        <p:nvPicPr>
+          <p:cNvPr id="1188" name="그림 38" descr="C:/Users/Admin1/AppData/Roaming/PolarisOffice/ETemp/7736_6598648/fImage55662465705.png"/>
+          <p:cNvPicPr>
+            <a:picLocks noChangeAspect="1"/>
+          </p:cNvPicPr>
+          <p:nvPr/>
+        </p:nvPicPr>
+        <p:blipFill rotWithShape="1">
+          <a:blip r:embed="rId6" cstate="hqprint">
+            <a:extLst>
+              <a:ext uri="{28A0092B-C50C-407E-A947-70E740481C1C}">
+                <a14:useLocalDpi xmlns:a14="http://schemas.microsoft.com/office/drawing/2010/main"/>
+              </a:ext>
+            </a:extLst>
+          </a:blip>
+          <a:stretch>
+            <a:fillRect/>
+          </a:stretch>
+        </p:blipFill>
+        <p:spPr>
+          <a:xfrm rot="0">
+            <a:off x="8269605" y="2836545"/>
+            <a:ext cx="2801620" cy="1280795"/>
+          </a:xfrm>
+          <a:prstGeom prst="roundRect"/>
+          <a:solidFill>
+            <a:srgbClr val="EDEDED"/>
+          </a:solidFill>
+        </p:spPr>
+      </p:pic>
+      <p:pic>
+        <p:nvPicPr>
+          <p:cNvPr id="1189" name="그림 39" descr="C:/Users/Admin1/AppData/Roaming/PolarisOffice/ETemp/7736_6598648/fImage103402478145.png"/>
+          <p:cNvPicPr>
+            <a:picLocks noChangeAspect="1"/>
+          </p:cNvPicPr>
+          <p:nvPr/>
+        </p:nvPicPr>
+        <p:blipFill rotWithShape="1">
+          <a:blip r:embed="rId7" cstate="print">
+            <a:extLst>
+              <a:ext uri="{28A0092B-C50C-407E-A947-70E740481C1C}">
+                <a14:useLocalDpi xmlns:a14="http://schemas.microsoft.com/office/drawing/2010/main" val="0"/>
+              </a:ext>
+            </a:extLst>
+          </a:blip>
+          <a:stretch>
+            <a:fillRect/>
+          </a:stretch>
+        </p:blipFill>
+        <p:spPr>
+          <a:xfrm rot="0">
+            <a:off x="6815455" y="1356995"/>
+            <a:ext cx="1297940" cy="2752090"/>
+          </a:xfrm>
+          <a:prstGeom prst="roundRect"/>
+          <a:solidFill>
+            <a:srgbClr val="EDEDED"/>
+          </a:solidFill>
+        </p:spPr>
+      </p:pic>
+      <p:cxnSp>
+        <p:nvCxnSpPr>
+          <p:cNvPr id="1190" name="도형 42"/>
+          <p:cNvCxnSpPr/>
+          <p:nvPr/>
+        </p:nvCxnSpPr>
+        <p:spPr>
+          <a:xfrm rot="0" flipV="1">
+            <a:off x="7688580" y="3615055"/>
+            <a:ext cx="1367155" cy="381635"/>
+          </a:xfrm>
+          <a:prstGeom prst="straightConnector1"/>
+          <a:ln w="6350" cap="flat" cmpd="sng">
+            <a:prstDash/>
+            <a:headEnd type="none" w="med" len="med"/>
+            <a:tailEnd type="triangle" w="med" len="med"/>
+          </a:ln>
+        </p:spPr>
+        <p:style>
+          <a:lnRef idx="1">
+            <a:schemeClr val="accent1"/>
+          </a:lnRef>
+          <a:fillRef idx="0">
+            <a:schemeClr val="accent1"/>
+          </a:fillRef>
+          <a:effectRef idx="0">
+            <a:schemeClr val="accent1"/>
+          </a:effectRef>
+          <a:fontRef idx="minor">
+            <a:schemeClr val="tx1"/>
+          </a:fontRef>
+        </p:style>
+      </p:cxnSp>
+      <p:sp>
+        <p:nvSpPr>
+          <p:cNvPr id="1191" name="텍스트 상자 43"/>
+          <p:cNvSpPr txBox="1">
+            <a:spLocks/>
+          </p:cNvSpPr>
+          <p:nvPr/>
+        </p:nvSpPr>
+        <p:spPr>
+          <a:xfrm rot="0">
+            <a:off x="6819900" y="4199255"/>
+            <a:ext cx="4251325" cy="2031365"/>
+          </a:xfrm>
+          <a:prstGeom prst="rect"/>
+          <a:noFill/>
+          <a:ln w="0">
+            <a:noFill/>
+            <a:prstDash/>
+          </a:ln>
+        </p:spPr>
+        <p:txBody>
+          <a:bodyPr wrap="square" lIns="89535" tIns="46355" rIns="89535" bIns="46355" vert="horz" anchor="t">
+            <a:spAutoFit/>
+          </a:bodyPr>
+          <a:lstStyle/>
+          <a:p>
+            <a:pPr marL="0" indent="0" rtl="0" algn="l" defTabSz="914400" eaLnBrk="1" latinLnBrk="0" hangingPunct="1">
+              <a:buFontTx/>
+              <a:buNone/>
+            </a:pPr>
+            <a:r>
+              <a:rPr sz="1800" b="1">
+                <a:solidFill>
+                  <a:srgbClr val="0611F2"/>
+                </a:solidFill>
+                <a:latin typeface="맑은 고딕" charset="0"/>
+                <a:ea typeface="맑은 고딕" charset="0"/>
+              </a:rPr>
+              <a:t>23.</a:t>
+            </a:r>
+            <a:r>
+              <a:rPr sz="1800">
+                <a:latin typeface="맑은 고딕" charset="0"/>
+                <a:ea typeface="맑은 고딕" charset="0"/>
+              </a:rPr>
+              <a:t> 그다음으로 </a:t>
+            </a:r>
+            <a:r>
+              <a:rPr lang="ko-KR" sz="1800">
+                <a:latin typeface="맑은 고딕" charset="0"/>
+                <a:ea typeface="맑은 고딕" charset="0"/>
+              </a:rPr>
+              <a:t>Direction</a:t>
+            </a:r>
+            <a:r>
+              <a:rPr sz="1800">
+                <a:latin typeface="맑은 고딕" charset="0"/>
+                <a:ea typeface="맑은 고딕" charset="0"/>
+              </a:rPr>
+              <a:t> Button과 </a:t>
+            </a:r>
+            <a:r>
+              <a:rPr sz="1800">
+                <a:latin typeface="맑은 고딕" charset="0"/>
+                <a:ea typeface="맑은 고딕" charset="0"/>
+              </a:rPr>
+              <a:t>Spot</a:t>
+            </a:r>
+            <a:r>
+              <a:rPr sz="1800">
+                <a:latin typeface="맑은 고딕" charset="0"/>
+                <a:ea typeface="맑은 고딕" charset="0"/>
+              </a:rPr>
+              <a:t> Button 그리고 </a:t>
+            </a:r>
+            <a:r>
+              <a:rPr sz="1800">
+                <a:latin typeface="맑은 고딕" charset="0"/>
+                <a:ea typeface="맑은 고딕" charset="0"/>
+              </a:rPr>
+              <a:t>Point Button</a:t>
+            </a:r>
+            <a:r>
+              <a:rPr sz="1800">
+                <a:latin typeface="맑은 고딕" charset="0"/>
+                <a:ea typeface="맑은 고딕" charset="0"/>
+              </a:rPr>
+              <a:t>의 On Click( ) 함수를 생성합니다.</a:t>
+            </a:r>
+            <a:endParaRPr lang="ko-KR" altLang="en-US" sz="1800">
+              <a:latin typeface="맑은 고딕" charset="0"/>
+              <a:ea typeface="맑은 고딕" charset="0"/>
+            </a:endParaRPr>
+          </a:p>
+          <a:p>
+            <a:pPr marL="0" indent="0" rtl="0" algn="l" defTabSz="914400" eaLnBrk="1" latinLnBrk="0" hangingPunct="1">
+              <a:buFontTx/>
+              <a:buNone/>
+            </a:pPr>
+            <a:endParaRPr lang="ko-KR" altLang="en-US" sz="1800">
+              <a:latin typeface="맑은 고딕" charset="0"/>
+              <a:ea typeface="맑은 고딕" charset="0"/>
+            </a:endParaRPr>
+          </a:p>
+          <a:p>
+            <a:pPr marL="0" indent="0" rtl="0" algn="l" defTabSz="914400" eaLnBrk="1" latinLnBrk="0" hangingPunct="1">
+              <a:buFontTx/>
+              <a:buNone/>
+            </a:pPr>
+            <a:r>
+              <a:rPr sz="1800">
+                <a:latin typeface="맑은 고딕" charset="0"/>
+                <a:ea typeface="맑은 고딕" charset="0"/>
+              </a:rPr>
+              <a:t>그</a:t>
+            </a:r>
+            <a:r>
+              <a:rPr sz="1800">
+                <a:latin typeface="맑은 고딕" charset="0"/>
+                <a:ea typeface="맑은 고딕" charset="0"/>
+              </a:rPr>
+              <a:t>리</a:t>
+            </a:r>
+            <a:r>
+              <a:rPr lang="ko-KR" sz="1800">
+                <a:latin typeface="맑은 고딕" charset="0"/>
+                <a:ea typeface="맑은 고딕" charset="0"/>
+              </a:rPr>
+              <a:t>고</a:t>
+            </a:r>
+            <a:r>
+              <a:rPr sz="1800">
+                <a:latin typeface="맑은 고딕" charset="0"/>
+                <a:ea typeface="맑은 고딕" charset="0"/>
+              </a:rPr>
+              <a:t> 각각의 버튼에 있는 On Click( ) 함수에 </a:t>
+            </a:r>
+            <a:r>
+              <a:rPr lang="ko-KR" sz="1800">
+                <a:latin typeface="맑은 고딕" charset="0"/>
+                <a:ea typeface="맑은 고딕" charset="0"/>
+              </a:rPr>
+              <a:t>Light</a:t>
+            </a:r>
+            <a:r>
+              <a:rPr sz="1800">
+                <a:latin typeface="맑은 고딕" charset="0"/>
+                <a:ea typeface="맑은 고딕" charset="0"/>
+              </a:rPr>
+              <a:t> Manager 오브젝트를 넣어줍니다.</a:t>
+            </a:r>
+            <a:endParaRPr lang="ko-KR" altLang="en-US" sz="1800">
+              <a:latin typeface="맑은 고딕" charset="0"/>
+              <a:ea typeface="맑은 고딕" charset="0"/>
+            </a:endParaRPr>
+          </a:p>
+        </p:txBody>
+      </p:sp>
+    </p:spTree>
+  </p:cSld>
+  <p:clrMapOvr>
+    <a:masterClrMapping/>
+  </p:clrMapOvr>
+  <mc:AlternateContent xmlns:mc="http://schemas.openxmlformats.org/markup-compatibility/2006">
+    <mc:Choice xmlns:p14="http://schemas.microsoft.com/office/powerpoint/2010/main" Requires="p14">
+      <p:transition spd="slow" p14:dur="2000"/>
+    </mc:Choice>
+    <mc:Fallback>
+      <p:transition spd="slow"/>
+    </mc:Fallback>
+  </mc:AlternateContent>
+  <p:timing>
+    <p:tnLst>
+      <p:par>
+        <p:cTn id="1" dur="indefinite" restart="never" nodeType="tmRoot"/>
+      </p:par>
+    </p:tnLst>
+  </p:timing>
+</p:sld>
+</file>
+
+<file path=ppt/slides/slide11.xml><?xml version="1.0" encoding="utf-8"?>
+<p:sld xmlns:a="http://schemas.openxmlformats.org/drawingml/2006/main" xmlns:r="http://schemas.openxmlformats.org/officeDocument/2006/relationships" xmlns:p="http://schemas.openxmlformats.org/presentationml/2006/main">
+  <p:cSld>
+    <p:spTree>
+      <p:nvGrpSpPr>
+        <p:cNvPr id="1" name=""/>
+        <p:cNvGrpSpPr/>
+        <p:nvPr/>
+      </p:nvGrpSpPr>
+      <p:grpSpPr>
+        <a:xfrm>
+          <a:off x="0" y="0"/>
+          <a:ext cx="0" cy="0"/>
+          <a:chOff x="0" y="0"/>
+          <a:chExt cx="0" cy="0"/>
+        </a:xfrm>
+      </p:grpSpPr>
+      <p:sp>
+        <p:nvSpPr>
+          <p:cNvPr id="1031" name="Rect 0"/>
+          <p:cNvSpPr txBox="1">
+            <a:spLocks/>
+          </p:cNvSpPr>
+          <p:nvPr/>
+        </p:nvSpPr>
+        <p:spPr>
+          <a:xfrm rot="0">
+            <a:off x="4491355" y="318770"/>
+            <a:ext cx="3215005" cy="554990"/>
+          </a:xfrm>
+          <a:prstGeom prst="rect"/>
+          <a:noFill/>
+          <a:ln w="0">
+            <a:noFill/>
+            <a:prstDash/>
+          </a:ln>
+        </p:spPr>
+        <p:txBody>
+          <a:bodyPr wrap="square" lIns="89535" tIns="46355" rIns="89535" bIns="46355" numCol="1" vert="horz" anchor="t">
+            <a:spAutoFit/>
+          </a:bodyPr>
+          <a:lstStyle/>
+          <a:p>
+            <a:pPr marL="0" indent="0" algn="l" latinLnBrk="0">
+              <a:buFontTx/>
+              <a:buNone/>
+            </a:pPr>
+            <a:r>
+              <a:rPr lang="ko-KR" altLang="en-US" sz="3000" b="1">
+                <a:solidFill>
+                  <a:schemeClr val="tx1"/>
+                </a:solidFill>
+                <a:latin typeface="맑은 고딕" charset="0"/>
+                <a:ea typeface="맑은 고딕" charset="0"/>
+              </a:rPr>
+              <a:t>열</a:t>
+            </a:r>
+            <a:r>
+              <a:rPr lang="ko-KR" altLang="en-US" sz="3000" b="1">
+                <a:solidFill>
+                  <a:schemeClr val="tx1"/>
+                </a:solidFill>
+                <a:latin typeface="맑은 고딕" charset="0"/>
+                <a:ea typeface="맑은 고딕" charset="0"/>
+              </a:rPr>
+              <a:t> 번째 튜토리얼</a:t>
+            </a:r>
+            <a:endParaRPr lang="ko-KR" altLang="en-US" sz="3000" b="1">
+              <a:solidFill>
+                <a:schemeClr val="tx1"/>
+              </a:solidFill>
+              <a:latin typeface="맑은 고딕" charset="0"/>
+              <a:ea typeface="맑은 고딕" charset="0"/>
+            </a:endParaRPr>
+          </a:p>
+        </p:txBody>
+      </p:sp>
+      <p:sp>
+        <p:nvSpPr>
+          <p:cNvPr id="1186" name="Rect 0"/>
+          <p:cNvSpPr txBox="1">
+            <a:spLocks/>
+          </p:cNvSpPr>
+          <p:nvPr/>
+        </p:nvSpPr>
+        <p:spPr>
+          <a:xfrm rot="0">
+            <a:off x="1333500" y="4541520"/>
+            <a:ext cx="4058920" cy="1686560"/>
+          </a:xfrm>
+          <a:prstGeom prst="rect"/>
+          <a:noFill/>
+        </p:spPr>
+        <p:txBody>
+          <a:bodyPr wrap="square" lIns="0" tIns="0" rIns="0" bIns="0" numCol="1" vert="horz" anchor="t">
+            <a:noAutofit/>
+          </a:bodyPr>
+          <a:lstStyle/>
+          <a:p>
+            <a:pPr marL="0" indent="0" rtl="0" algn="l" defTabSz="914400" eaLnBrk="1" latinLnBrk="0" hangingPunct="1">
+              <a:buFontTx/>
+              <a:buNone/>
+            </a:pPr>
+            <a:r>
+              <a:rPr sz="1800" b="1">
+                <a:solidFill>
+                  <a:srgbClr val="0611F2"/>
+                </a:solidFill>
+                <a:latin typeface="맑은 고딕" charset="0"/>
+                <a:ea typeface="맑은 고딕" charset="0"/>
+              </a:rPr>
+              <a:t>24.</a:t>
+            </a:r>
+            <a:r>
+              <a:rPr sz="1800">
+                <a:latin typeface="맑은 고딕" charset="0"/>
+                <a:ea typeface="맑은 고딕" charset="0"/>
+              </a:rPr>
+              <a:t> </a:t>
+            </a:r>
+            <a:r>
+              <a:rPr sz="1800">
+                <a:latin typeface="맑은 고딕" charset="0"/>
+                <a:ea typeface="맑은 고딕" charset="0"/>
+              </a:rPr>
+              <a:t>그</a:t>
+            </a:r>
+            <a:r>
+              <a:rPr lang="ko-KR" sz="1800">
+                <a:latin typeface="맑은 고딕" charset="0"/>
+                <a:ea typeface="맑은 고딕" charset="0"/>
+              </a:rPr>
+              <a:t>런 다음</a:t>
+            </a:r>
+            <a:r>
+              <a:rPr sz="1800">
+                <a:latin typeface="맑은 고딕" charset="0"/>
+                <a:ea typeface="맑은 고딕" charset="0"/>
+              </a:rPr>
+              <a:t> </a:t>
+            </a:r>
+            <a:r>
+              <a:rPr sz="1800">
+                <a:latin typeface="맑은 고딕" charset="0"/>
+                <a:ea typeface="맑은 고딕" charset="0"/>
+              </a:rPr>
+              <a:t>Light</a:t>
+            </a:r>
+            <a:r>
+              <a:rPr sz="1800">
+                <a:latin typeface="맑은 고딕" charset="0"/>
+                <a:ea typeface="맑은 고딕" charset="0"/>
+              </a:rPr>
+              <a:t>Manager 스크립트에 있는 </a:t>
+            </a:r>
+            <a:r>
+              <a:rPr sz="1800">
+                <a:latin typeface="맑은 고딕" charset="0"/>
+                <a:ea typeface="맑은 고딕" charset="0"/>
+              </a:rPr>
+              <a:t>L</a:t>
+            </a:r>
+            <a:r>
+              <a:rPr lang="ko-KR" sz="1800">
+                <a:latin typeface="맑은 고딕" charset="0"/>
+                <a:ea typeface="맑은 고딕" charset="0"/>
+              </a:rPr>
+              <a:t>ightSetting</a:t>
+            </a:r>
+            <a:r>
+              <a:rPr sz="1800">
+                <a:latin typeface="맑은 고딕" charset="0"/>
+                <a:ea typeface="맑은 고딕" charset="0"/>
+              </a:rPr>
+              <a:t>( ) 함수를 선택합니다.</a:t>
+            </a:r>
+            <a:endParaRPr lang="ko-KR" altLang="en-US" sz="1800">
+              <a:latin typeface="맑은 고딕" charset="0"/>
+              <a:ea typeface="맑은 고딕" charset="0"/>
+            </a:endParaRPr>
+          </a:p>
+          <a:p>
+            <a:pPr marL="0" indent="0" rtl="0" algn="l" defTabSz="914400" eaLnBrk="1" latinLnBrk="0" hangingPunct="1">
+              <a:buFontTx/>
+              <a:buNone/>
+            </a:pPr>
+            <a:endParaRPr lang="ko-KR" altLang="en-US" sz="1800">
+              <a:latin typeface="맑은 고딕" charset="0"/>
+              <a:ea typeface="맑은 고딕" charset="0"/>
+            </a:endParaRPr>
+          </a:p>
+          <a:p>
+            <a:pPr marL="0" indent="0" rtl="0" algn="l" defTabSz="914400" eaLnBrk="1" latinLnBrk="0" hangingPunct="1">
+              <a:buFontTx/>
+              <a:buNone/>
+            </a:pPr>
+            <a:r>
+              <a:rPr sz="1800">
+                <a:latin typeface="맑은 고딕" charset="0"/>
+                <a:ea typeface="맑은 고딕" charset="0"/>
+              </a:rPr>
+              <a:t>마지막으</a:t>
+            </a:r>
+            <a:r>
+              <a:rPr lang="ko-KR" sz="1800">
+                <a:latin typeface="맑은 고딕" charset="0"/>
+                <a:ea typeface="맑은 고딕" charset="0"/>
+              </a:rPr>
+              <a:t>로</a:t>
+            </a:r>
+            <a:r>
+              <a:rPr sz="1800">
+                <a:latin typeface="맑은 고딕" charset="0"/>
+                <a:ea typeface="맑은 고딕" charset="0"/>
+              </a:rPr>
+              <a:t> 각각의 버튼에 원하는 </a:t>
+            </a:r>
+            <a:r>
+              <a:rPr sz="1800">
+                <a:latin typeface="맑은 고딕" charset="0"/>
+                <a:ea typeface="맑은 고딕" charset="0"/>
+              </a:rPr>
+              <a:t>정</a:t>
+            </a:r>
+            <a:r>
+              <a:rPr lang="ko-KR" sz="1800">
+                <a:latin typeface="맑은 고딕" charset="0"/>
+                <a:ea typeface="맑은 고딕" charset="0"/>
+              </a:rPr>
+              <a:t>수를 설정합니다.</a:t>
+            </a:r>
+            <a:endParaRPr lang="ko-KR" altLang="en-US" sz="1800">
+              <a:latin typeface="맑은 고딕" charset="0"/>
+              <a:ea typeface="맑은 고딕" charset="0"/>
+            </a:endParaRPr>
+          </a:p>
+          <a:p>
+            <a:pPr marL="0" indent="0" algn="l" latinLnBrk="0" hangingPunct="1">
+              <a:buFontTx/>
+              <a:buNone/>
+            </a:pPr>
+            <a:endParaRPr lang="ko-KR" altLang="en-US" sz="1800">
+              <a:latin typeface="맑은 고딕" charset="0"/>
+              <a:ea typeface="맑은 고딕" charset="0"/>
+            </a:endParaRPr>
+          </a:p>
+        </p:txBody>
+      </p:sp>
+      <p:sp>
+        <p:nvSpPr>
+          <p:cNvPr id="1191" name="Rect 0"/>
+          <p:cNvSpPr txBox="1">
+            <a:spLocks/>
+          </p:cNvSpPr>
+          <p:nvPr/>
+        </p:nvSpPr>
+        <p:spPr>
+          <a:xfrm rot="0">
+            <a:off x="6828790" y="5582920"/>
+            <a:ext cx="4251325" cy="647065"/>
+          </a:xfrm>
+          <a:prstGeom prst="rect"/>
+          <a:noFill/>
+          <a:ln w="0">
+            <a:noFill/>
+            <a:prstDash/>
+          </a:ln>
+        </p:spPr>
+        <p:txBody>
+          <a:bodyPr wrap="square" lIns="89535" tIns="46355" rIns="89535" bIns="46355" vert="horz" anchor="t">
+            <a:spAutoFit/>
+          </a:bodyPr>
+          <a:lstStyle/>
+          <a:p>
+            <a:pPr marL="0" indent="0" rtl="0" algn="l" defTabSz="914400" eaLnBrk="1" latinLnBrk="0" hangingPunct="1">
+              <a:buFontTx/>
+              <a:buNone/>
+            </a:pPr>
+            <a:r>
+              <a:rPr sz="1800" b="1">
+                <a:solidFill>
+                  <a:srgbClr val="0611F2"/>
+                </a:solidFill>
+                <a:latin typeface="맑은 고딕" charset="0"/>
+                <a:ea typeface="맑은 고딕" charset="0"/>
+              </a:rPr>
+              <a:t>2</a:t>
+            </a:r>
+            <a:r>
+              <a:rPr sz="1800" b="1">
+                <a:solidFill>
+                  <a:srgbClr val="0611F2"/>
+                </a:solidFill>
+                <a:latin typeface="맑은 고딕" charset="0"/>
+                <a:ea typeface="맑은 고딕" charset="0"/>
+              </a:rPr>
+              <a:t>5</a:t>
+            </a:r>
+            <a:r>
+              <a:rPr sz="1800" b="1">
+                <a:solidFill>
+                  <a:srgbClr val="0611F2"/>
+                </a:solidFill>
+                <a:latin typeface="맑은 고딕" charset="0"/>
+                <a:ea typeface="맑은 고딕" charset="0"/>
+              </a:rPr>
+              <a:t>.</a:t>
+            </a:r>
+            <a:r>
+              <a:rPr sz="1800">
+                <a:latin typeface="맑은 고딕" charset="0"/>
+                <a:ea typeface="맑은 고딕" charset="0"/>
+              </a:rPr>
+              <a:t> </a:t>
+            </a:r>
+            <a:r>
+              <a:rPr lang="ko-KR" sz="1800">
+                <a:latin typeface="맑은 고딕" charset="0"/>
+                <a:ea typeface="맑은 고딕" charset="0"/>
+              </a:rPr>
+              <a:t>이제 Light에서 Light Probe Group을 생성합니다.</a:t>
+            </a:r>
+            <a:endParaRPr lang="ko-KR" altLang="en-US" sz="1800">
+              <a:latin typeface="맑은 고딕" charset="0"/>
+              <a:ea typeface="맑은 고딕" charset="0"/>
+            </a:endParaRPr>
+          </a:p>
+        </p:txBody>
+      </p:sp>
+      <p:pic>
+        <p:nvPicPr>
+          <p:cNvPr id="1192" name="그림 44" descr="C:/Users/Admin1/AppData/Roaming/PolarisOffice/ETemp/7736_6598648/fImage65692673281.png"/>
+          <p:cNvPicPr>
+            <a:picLocks noChangeAspect="1"/>
+          </p:cNvPicPr>
+          <p:nvPr/>
+        </p:nvPicPr>
+        <p:blipFill rotWithShape="1">
+          <a:blip r:embed="rId2" cstate="print">
+            <a:extLst>
+              <a:ext uri="{28A0092B-C50C-407E-A947-70E740481C1C}">
+                <a14:useLocalDpi xmlns:a14="http://schemas.microsoft.com/office/drawing/2010/main" val="0"/>
+              </a:ext>
+            </a:extLst>
+          </a:blip>
+          <a:stretch>
+            <a:fillRect/>
+          </a:stretch>
+        </p:blipFill>
+        <p:spPr>
+          <a:xfrm rot="0">
+            <a:off x="1332230" y="1364615"/>
+            <a:ext cx="4056380" cy="910590"/>
+          </a:xfrm>
+          <a:prstGeom prst="roundRect"/>
+          <a:solidFill>
+            <a:srgbClr val="EDEDED"/>
+          </a:solidFill>
+        </p:spPr>
+      </p:pic>
+      <p:pic>
+        <p:nvPicPr>
+          <p:cNvPr id="1193" name="그림 45" descr="C:/Users/Admin1/AppData/Roaming/PolarisOffice/ETemp/7736_6598648/fImage65032686827.png"/>
+          <p:cNvPicPr>
+            <a:picLocks noChangeAspect="1"/>
+          </p:cNvPicPr>
+          <p:nvPr/>
+        </p:nvPicPr>
+        <p:blipFill rotWithShape="1">
+          <a:blip r:embed="rId3" cstate="print">
+            <a:extLst>
+              <a:ext uri="{28A0092B-C50C-407E-A947-70E740481C1C}">
+                <a14:useLocalDpi xmlns:a14="http://schemas.microsoft.com/office/drawing/2010/main" val="0"/>
+              </a:ext>
+            </a:extLst>
+          </a:blip>
+          <a:stretch>
+            <a:fillRect/>
+          </a:stretch>
+        </p:blipFill>
+        <p:spPr>
+          <a:xfrm rot="0">
+            <a:off x="1331595" y="2397125"/>
+            <a:ext cx="4057015" cy="898525"/>
+          </a:xfrm>
+          <a:prstGeom prst="roundRect"/>
+          <a:solidFill>
+            <a:srgbClr val="EDEDED"/>
+          </a:solidFill>
+        </p:spPr>
+      </p:pic>
+      <p:pic>
+        <p:nvPicPr>
+          <p:cNvPr id="1194" name="그림 46" descr="C:/Users/Admin1/AppData/Roaming/PolarisOffice/ETemp/7736_6598648/fImage66302699961.png"/>
+          <p:cNvPicPr>
+            <a:picLocks noChangeAspect="1"/>
+          </p:cNvPicPr>
+          <p:nvPr/>
+        </p:nvPicPr>
+        <p:blipFill rotWithShape="1">
+          <a:blip r:embed="rId4" cstate="print">
+            <a:extLst>
+              <a:ext uri="{28A0092B-C50C-407E-A947-70E740481C1C}">
+                <a14:useLocalDpi xmlns:a14="http://schemas.microsoft.com/office/drawing/2010/main" val="0"/>
+              </a:ext>
+            </a:extLst>
+          </a:blip>
+          <a:stretch>
+            <a:fillRect/>
+          </a:stretch>
+        </p:blipFill>
+        <p:spPr>
+          <a:xfrm rot="0">
+            <a:off x="1337310" y="3422015"/>
+            <a:ext cx="4051935" cy="920115"/>
+          </a:xfrm>
+          <a:prstGeom prst="roundRect"/>
+          <a:solidFill>
+            <a:srgbClr val="EDEDED"/>
+          </a:solidFill>
+        </p:spPr>
+      </p:pic>
+      <p:pic>
+        <p:nvPicPr>
+          <p:cNvPr id="1195" name="그림 53" descr="C:/Users/Admin1/AppData/Roaming/PolarisOffice/ETemp/7736_6598648/fImage11949271491.png"/>
+          <p:cNvPicPr>
+            <a:picLocks noChangeAspect="1"/>
+          </p:cNvPicPr>
+          <p:nvPr/>
+        </p:nvPicPr>
+        <p:blipFill rotWithShape="1">
+          <a:blip r:embed="rId5" cstate="print">
+            <a:extLst>
+              <a:ext uri="{28A0092B-C50C-407E-A947-70E740481C1C}">
+                <a14:useLocalDpi xmlns:a14="http://schemas.microsoft.com/office/drawing/2010/main" val="0"/>
+              </a:ext>
+            </a:extLst>
+          </a:blip>
+          <a:stretch>
+            <a:fillRect/>
+          </a:stretch>
+        </p:blipFill>
+        <p:spPr>
+          <a:xfrm rot="0">
+            <a:off x="6823710" y="1357630"/>
+            <a:ext cx="2500630" cy="4048760"/>
+          </a:xfrm>
+          <a:prstGeom prst="roundRect"/>
+          <a:solidFill>
+            <a:srgbClr val="EDEDED"/>
+          </a:solidFill>
+        </p:spPr>
+      </p:pic>
+      <p:pic>
+        <p:nvPicPr>
+          <p:cNvPr id="1196" name="그림 56" descr="C:/Users/Admin1/AppData/Roaming/PolarisOffice/ETemp/7736_6598648/fImage113632722995.png"/>
+          <p:cNvPicPr>
+            <a:picLocks noChangeAspect="1"/>
+          </p:cNvPicPr>
+          <p:nvPr/>
+        </p:nvPicPr>
+        <p:blipFill rotWithShape="1">
+          <a:blip r:embed="rId6" cstate="print">
+            <a:extLst>
+              <a:ext uri="{28A0092B-C50C-407E-A947-70E740481C1C}">
+                <a14:useLocalDpi xmlns:a14="http://schemas.microsoft.com/office/drawing/2010/main" val="0"/>
+              </a:ext>
+            </a:extLst>
+          </a:blip>
+          <a:stretch>
+            <a:fillRect/>
+          </a:stretch>
+        </p:blipFill>
+        <p:spPr>
+          <a:xfrm rot="0">
+            <a:off x="9505315" y="2294890"/>
+            <a:ext cx="1572895" cy="2181860"/>
+          </a:xfrm>
+          <a:prstGeom prst="roundRect"/>
+          <a:solidFill>
+            <a:srgbClr val="EDEDED"/>
+          </a:solidFill>
+        </p:spPr>
+      </p:pic>
     </p:spTree>
   </p:cSld>
   <p:clrMapOvr>
@@ -6745,7 +8816,7 @@
       </p:sp>
       <p:pic>
         <p:nvPicPr>
-          <p:cNvPr id="1136" name="그림 15" descr="C:/Users/Admin1/AppData/Roaming/PolarisOffice/ETemp/14972_9157136/fImage115991459169.png"/>
+          <p:cNvPr id="1136" name="그림 15"/>
           <p:cNvPicPr>
             <a:picLocks noChangeAspect="1"/>
           </p:cNvPicPr>
@@ -6776,7 +8847,7 @@
       </p:pic>
       <p:pic>
         <p:nvPicPr>
-          <p:cNvPr id="1137" name="그림 18" descr="C:/Users/Admin1/AppData/Roaming/PolarisOffice/ETemp/14972_9157136/fImage49471465724.png"/>
+          <p:cNvPr id="1137" name="그림 18"/>
           <p:cNvPicPr>
             <a:picLocks noChangeAspect="1"/>
           </p:cNvPicPr>
@@ -6807,7 +8878,7 @@
       </p:pic>
       <p:pic>
         <p:nvPicPr>
-          <p:cNvPr id="1138" name="그림 21" descr="C:/Users/Admin1/AppData/Roaming/PolarisOffice/ETemp/14972_9157136/fImage124061471478.png"/>
+          <p:cNvPr id="1138" name="그림 21"/>
           <p:cNvPicPr>
             <a:picLocks noChangeAspect="1"/>
           </p:cNvPicPr>
@@ -6838,7 +8909,7 @@
       </p:pic>
       <p:pic>
         <p:nvPicPr>
-          <p:cNvPr id="1139" name="그림 24" descr="C:/Users/Admin1/AppData/Roaming/PolarisOffice/ETemp/14972_9157136/fImage151321489358.png"/>
+          <p:cNvPr id="1139" name="그림 24"/>
           <p:cNvPicPr>
             <a:picLocks noChangeAspect="1"/>
           </p:cNvPicPr>
@@ -7118,7 +9189,7 @@
       </p:sp>
       <p:pic>
         <p:nvPicPr>
-          <p:cNvPr id="1144" name="그림 32" descr="C:/Users/Admin1/AppData/Roaming/PolarisOffice/ETemp/14972_9157136/fImage56061526962.png"/>
+          <p:cNvPr id="1144" name="그림 32"/>
           <p:cNvPicPr>
             <a:picLocks noChangeAspect="1"/>
           </p:cNvPicPr>
@@ -7149,7 +9220,7 @@
       </p:pic>
       <p:pic>
         <p:nvPicPr>
-          <p:cNvPr id="1145" name="그림 37" descr="C:/Users/Admin1/AppData/Roaming/PolarisOffice/ETemp/14972_9157136/fImage2437361564464.png"/>
+          <p:cNvPr id="1145" name="그림 37"/>
           <p:cNvPicPr>
             <a:picLocks noChangeAspect="1"/>
           </p:cNvPicPr>
@@ -7222,7 +9293,7 @@
       </p:sp>
       <p:pic>
         <p:nvPicPr>
-          <p:cNvPr id="1147" name="그림 44" descr="C:/Users/Admin1/AppData/Roaming/PolarisOffice/ETemp/14972_9157136/fImage50281695705.jpeg"/>
+          <p:cNvPr id="1147" name="그림 44"/>
           <p:cNvPicPr>
             <a:picLocks noChangeAspect="1"/>
           </p:cNvPicPr>
@@ -7488,7 +9559,7 @@
       </p:sp>
       <p:pic>
         <p:nvPicPr>
-          <p:cNvPr id="1144" name="그림 48" descr="C:/Users/Admin1/AppData/Roaming/PolarisOffice/ETemp/14972_9157136/fImage159781728145.png"/>
+          <p:cNvPr id="1144" name="그림 48"/>
           <p:cNvPicPr>
             <a:picLocks noChangeAspect="1"/>
           </p:cNvPicPr>
@@ -7519,7 +9590,7 @@
       </p:pic>
       <p:pic>
         <p:nvPicPr>
-          <p:cNvPr id="1145" name="그림 49" descr="C:/Users/Admin1/AppData/Roaming/PolarisOffice/ETemp/14972_9157136/fImage55181733281.png"/>
+          <p:cNvPr id="1145" name="그림 49"/>
           <p:cNvPicPr>
             <a:picLocks noChangeAspect="1"/>
           </p:cNvPicPr>
@@ -7550,7 +9621,7 @@
       </p:pic>
       <p:pic>
         <p:nvPicPr>
-          <p:cNvPr id="1146" name="그림 53" descr="C:/Users/Admin1/AppData/Roaming/PolarisOffice/ETemp/14972_9157136/fImage159531766827.png"/>
+          <p:cNvPr id="1146" name="그림 53"/>
           <p:cNvPicPr>
             <a:picLocks noChangeAspect="1"/>
           </p:cNvPicPr>
@@ -7581,7 +9652,7 @@
       </p:pic>
       <p:pic>
         <p:nvPicPr>
-          <p:cNvPr id="1147" name="그림 54" descr="C:/Users/Admin1/AppData/Roaming/PolarisOffice/ETemp/14972_9157136/fImage57921779961.png"/>
+          <p:cNvPr id="1147" name="그림 54"/>
           <p:cNvPicPr>
             <a:picLocks noChangeAspect="1"/>
           </p:cNvPicPr>
@@ -7958,6 +10029,2058 @@
                 <a:ea typeface="맑은 고딕" charset="0"/>
               </a:rPr>
               <a:t>그다음으로 Character 오브젝트의 위치를 변경합니다.</a:t>
+            </a:r>
+            <a:endParaRPr lang="ko-KR" altLang="en-US" sz="1800">
+              <a:latin typeface="맑은 고딕" charset="0"/>
+              <a:ea typeface="맑은 고딕" charset="0"/>
+            </a:endParaRPr>
+          </a:p>
+        </p:txBody>
+      </p:sp>
+      <p:pic>
+        <p:nvPicPr>
+          <p:cNvPr id="1159" name="그림 1"/>
+          <p:cNvPicPr>
+            <a:picLocks noChangeAspect="1"/>
+          </p:cNvPicPr>
+          <p:nvPr/>
+        </p:nvPicPr>
+        <p:blipFill rotWithShape="1">
+          <a:blip r:embed="rId12" cstate="print">
+            <a:extLst>
+              <a:ext uri="{28A0092B-C50C-407E-A947-70E740481C1C}">
+                <a14:useLocalDpi xmlns:a14="http://schemas.microsoft.com/office/drawing/2010/main" val="0"/>
+              </a:ext>
+            </a:extLst>
+          </a:blip>
+          <a:stretch>
+            <a:fillRect/>
+          </a:stretch>
+        </p:blipFill>
+        <p:spPr>
+          <a:xfrm rot="0">
+            <a:off x="6806565" y="1198880"/>
+            <a:ext cx="4022725" cy="3861435"/>
+          </a:xfrm>
+          <a:prstGeom prst="rect"/>
+          <a:noFill/>
+        </p:spPr>
+      </p:pic>
+      <p:sp>
+        <p:nvSpPr>
+          <p:cNvPr id="1160" name="텍스트 상자 4"/>
+          <p:cNvSpPr txBox="1">
+            <a:spLocks/>
+          </p:cNvSpPr>
+          <p:nvPr/>
+        </p:nvSpPr>
+        <p:spPr>
+          <a:xfrm rot="0">
+            <a:off x="6807835" y="5224780"/>
+            <a:ext cx="4012565" cy="959485"/>
+          </a:xfrm>
+          <a:prstGeom prst="rect"/>
+          <a:noFill/>
+        </p:spPr>
+        <p:txBody>
+          <a:bodyPr wrap="square" lIns="0" tIns="0" rIns="0" bIns="0" numCol="1" vert="horz" anchor="t">
+            <a:noAutofit/>
+          </a:bodyPr>
+          <a:lstStyle/>
+          <a:p>
+            <a:pPr marL="0" indent="0" algn="l" latinLnBrk="0" hangingPunct="1">
+              <a:buFontTx/>
+              <a:buNone/>
+            </a:pPr>
+            <a:r>
+              <a:rPr lang="ko-KR" sz="2000" b="1">
+                <a:solidFill>
+                  <a:srgbClr val="0611F2"/>
+                </a:solidFill>
+                <a:latin typeface="맑은 고딕" charset="0"/>
+                <a:ea typeface="맑은 고딕" charset="0"/>
+              </a:rPr>
+              <a:t>1</a:t>
+            </a:r>
+            <a:r>
+              <a:rPr lang="ko-KR" sz="2000" b="1">
+                <a:solidFill>
+                  <a:srgbClr val="0611F2"/>
+                </a:solidFill>
+                <a:latin typeface="맑은 고딕" charset="0"/>
+                <a:ea typeface="맑은 고딕" charset="0"/>
+              </a:rPr>
+              <a:t>1</a:t>
+            </a:r>
+            <a:r>
+              <a:rPr lang="ko-KR" sz="2000" b="1">
+                <a:solidFill>
+                  <a:srgbClr val="0611F2"/>
+                </a:solidFill>
+                <a:latin typeface="맑은 고딕" charset="0"/>
+                <a:ea typeface="맑은 고딕" charset="0"/>
+              </a:rPr>
+              <a:t>. </a:t>
+            </a:r>
+            <a:r>
+              <a:rPr lang="ko-KR" sz="1800">
+                <a:latin typeface="맑은 고딕" charset="0"/>
+                <a:ea typeface="맑은 고딕" charset="0"/>
+              </a:rPr>
+              <a:t>그</a:t>
+            </a:r>
+            <a:r>
+              <a:rPr lang="ko-KR" sz="1800">
+                <a:latin typeface="맑은 고딕" charset="0"/>
+                <a:ea typeface="맑은 고딕" charset="0"/>
+              </a:rPr>
+              <a:t>런 다음 Window에서 Rendering을 선택하고 Lighting Settings를 선택합니다. </a:t>
+            </a:r>
+            <a:endParaRPr lang="ko-KR" altLang="en-US" sz="1800">
+              <a:latin typeface="맑은 고딕" charset="0"/>
+              <a:ea typeface="맑은 고딕" charset="0"/>
+            </a:endParaRPr>
+          </a:p>
+        </p:txBody>
+      </p:sp>
+    </p:spTree>
+  </p:cSld>
+  <p:clrMapOvr>
+    <a:masterClrMapping/>
+  </p:clrMapOvr>
+  <mc:AlternateContent xmlns:mc="http://schemas.openxmlformats.org/markup-compatibility/2006">
+    <mc:Choice xmlns:p14="http://schemas.microsoft.com/office/powerpoint/2010/main" Requires="p14">
+      <p:transition spd="slow" p14:dur="2000"/>
+    </mc:Choice>
+    <mc:Fallback>
+      <p:transition spd="slow"/>
+    </mc:Fallback>
+  </mc:AlternateContent>
+  <p:timing>
+    <p:tnLst>
+      <p:par>
+        <p:cTn id="1" dur="indefinite" restart="never" nodeType="tmRoot"/>
+      </p:par>
+    </p:tnLst>
+  </p:timing>
+</p:sld>
+</file>
+
+<file path=ppt/slides/slide6.xml><?xml version="1.0" encoding="utf-8"?>
+<p:sld xmlns:a="http://schemas.openxmlformats.org/drawingml/2006/main" xmlns:r="http://schemas.openxmlformats.org/officeDocument/2006/relationships" xmlns:p="http://schemas.openxmlformats.org/presentationml/2006/main" xmlns:p14="http://schemas.microsoft.com/office/powerpoint/2010/main">
+  <p:cSld>
+    <p:spTree>
+      <p:nvGrpSpPr>
+        <p:cNvPr id="1" name=""/>
+        <p:cNvGrpSpPr/>
+        <p:nvPr/>
+      </p:nvGrpSpPr>
+      <p:grpSpPr>
+        <a:xfrm>
+          <a:off x="0" y="0"/>
+          <a:ext cx="0" cy="0"/>
+          <a:chOff x="0" y="0"/>
+          <a:chExt cx="0" cy="0"/>
+        </a:xfrm>
+      </p:grpSpPr>
+      <p:sp>
+        <p:nvSpPr>
+          <p:cNvPr id="1031" name="Rect 0"/>
+          <p:cNvSpPr txBox="1">
+            <a:spLocks/>
+          </p:cNvSpPr>
+          <p:nvPr/>
+        </p:nvSpPr>
+        <p:spPr>
+          <a:xfrm rot="0">
+            <a:off x="4318635" y="318770"/>
+            <a:ext cx="3561080" cy="554990"/>
+          </a:xfrm>
+          <a:prstGeom prst="rect"/>
+          <a:noFill/>
+          <a:ln w="0">
+            <a:noFill/>
+            <a:prstDash/>
+          </a:ln>
+        </p:spPr>
+        <p:txBody>
+          <a:bodyPr wrap="square" lIns="89535" tIns="46355" rIns="89535" bIns="46355" numCol="1" vert="horz" anchor="t">
+            <a:spAutoFit/>
+          </a:bodyPr>
+          <a:lstStyle/>
+          <a:p>
+            <a:pPr marL="0" indent="0" algn="l" latinLnBrk="0">
+              <a:buFontTx/>
+              <a:buNone/>
+            </a:pPr>
+            <a:r>
+              <a:rPr lang="ko-KR" altLang="en-US" sz="3000" b="1">
+                <a:solidFill>
+                  <a:schemeClr val="tx1"/>
+                </a:solidFill>
+                <a:latin typeface="맑은 고딕" charset="0"/>
+                <a:ea typeface="맑은 고딕" charset="0"/>
+              </a:rPr>
+              <a:t>다섯</a:t>
+            </a:r>
+            <a:r>
+              <a:rPr lang="ko-KR" altLang="en-US" sz="3000" b="1">
+                <a:solidFill>
+                  <a:schemeClr val="tx1"/>
+                </a:solidFill>
+                <a:latin typeface="맑은 고딕" charset="0"/>
+                <a:ea typeface="맑은 고딕" charset="0"/>
+              </a:rPr>
+              <a:t> 번째 튜토리얼</a:t>
+            </a:r>
+            <a:endParaRPr lang="ko-KR" altLang="en-US" sz="3000" b="1">
+              <a:solidFill>
+                <a:schemeClr val="tx1"/>
+              </a:solidFill>
+              <a:latin typeface="맑은 고딕" charset="0"/>
+              <a:ea typeface="맑은 고딕" charset="0"/>
+            </a:endParaRPr>
+          </a:p>
+        </p:txBody>
+      </p:sp>
+      <p:sp>
+        <p:nvSpPr>
+          <p:cNvPr id="1158" name="Rect 0"/>
+          <p:cNvSpPr txBox="1">
+            <a:spLocks/>
+          </p:cNvSpPr>
+          <p:nvPr/>
+        </p:nvSpPr>
+        <p:spPr>
+          <a:xfrm rot="0">
+            <a:off x="1313180" y="5516245"/>
+            <a:ext cx="4058285" cy="668020"/>
+          </a:xfrm>
+          <a:prstGeom prst="rect"/>
+          <a:noFill/>
+        </p:spPr>
+        <p:txBody>
+          <a:bodyPr wrap="square" lIns="0" tIns="0" rIns="0" bIns="0" numCol="1" vert="horz" anchor="t">
+            <a:noAutofit/>
+          </a:bodyPr>
+          <a:lstStyle/>
+          <a:p>
+            <a:pPr marL="0" indent="0" algn="l" latinLnBrk="0" hangingPunct="1">
+              <a:buFontTx/>
+              <a:buNone/>
+            </a:pPr>
+            <a:r>
+              <a:rPr lang="ko-KR" sz="2000" b="1">
+                <a:solidFill>
+                  <a:srgbClr val="0611F2"/>
+                </a:solidFill>
+                <a:latin typeface="맑은 고딕" charset="0"/>
+                <a:ea typeface="맑은 고딕" charset="0"/>
+              </a:rPr>
+              <a:t>1</a:t>
+            </a:r>
+            <a:r>
+              <a:rPr lang="ko-KR" sz="2000" b="1">
+                <a:solidFill>
+                  <a:srgbClr val="0611F2"/>
+                </a:solidFill>
+                <a:latin typeface="맑은 고딕" charset="0"/>
+                <a:ea typeface="맑은 고딕" charset="0"/>
+              </a:rPr>
+              <a:t>2</a:t>
+            </a:r>
+            <a:r>
+              <a:rPr lang="ko-KR" sz="2000" b="1">
+                <a:solidFill>
+                  <a:srgbClr val="0611F2"/>
+                </a:solidFill>
+                <a:latin typeface="맑은 고딕" charset="0"/>
+                <a:ea typeface="맑은 고딕" charset="0"/>
+              </a:rPr>
+              <a:t>. </a:t>
+            </a:r>
+            <a:r>
+              <a:rPr lang="ko-KR" sz="1800">
+                <a:latin typeface="맑은 고딕" charset="0"/>
+                <a:ea typeface="맑은 고딕" charset="0"/>
+              </a:rPr>
+              <a:t>그리고 Skybox Material에 Texture 폴더에 있는 Sky 텍스처를 넣어줍니다.</a:t>
+            </a:r>
+            <a:endParaRPr lang="ko-KR" altLang="en-US" sz="1800">
+              <a:latin typeface="맑은 고딕" charset="0"/>
+              <a:ea typeface="맑은 고딕" charset="0"/>
+            </a:endParaRPr>
+          </a:p>
+        </p:txBody>
+      </p:sp>
+      <p:sp>
+        <p:nvSpPr>
+          <p:cNvPr id="1160" name="Rect 0"/>
+          <p:cNvSpPr txBox="1">
+            <a:spLocks/>
+          </p:cNvSpPr>
+          <p:nvPr/>
+        </p:nvSpPr>
+        <p:spPr>
+          <a:xfrm rot="0">
+            <a:off x="6825615" y="4152265"/>
+            <a:ext cx="4012565" cy="2032000"/>
+          </a:xfrm>
+          <a:prstGeom prst="rect"/>
+          <a:noFill/>
+        </p:spPr>
+        <p:txBody>
+          <a:bodyPr wrap="square" lIns="0" tIns="0" rIns="0" bIns="0" numCol="1" vert="horz" anchor="t">
+            <a:noAutofit/>
+          </a:bodyPr>
+          <a:lstStyle/>
+          <a:p>
+            <a:pPr marL="0" indent="0" algn="l" latinLnBrk="0" hangingPunct="1">
+              <a:buFontTx/>
+              <a:buNone/>
+            </a:pPr>
+            <a:r>
+              <a:rPr lang="ko-KR" sz="2000" b="1">
+                <a:solidFill>
+                  <a:srgbClr val="0611F2"/>
+                </a:solidFill>
+                <a:latin typeface="맑은 고딕" charset="0"/>
+                <a:ea typeface="맑은 고딕" charset="0"/>
+              </a:rPr>
+              <a:t>1</a:t>
+            </a:r>
+            <a:r>
+              <a:rPr lang="ko-KR" sz="2000" b="1">
+                <a:solidFill>
+                  <a:srgbClr val="0611F2"/>
+                </a:solidFill>
+                <a:latin typeface="맑은 고딕" charset="0"/>
+                <a:ea typeface="맑은 고딕" charset="0"/>
+              </a:rPr>
+              <a:t>3</a:t>
+            </a:r>
+            <a:r>
+              <a:rPr lang="ko-KR" sz="2000" b="1">
+                <a:solidFill>
+                  <a:srgbClr val="0611F2"/>
+                </a:solidFill>
+                <a:latin typeface="맑은 고딕" charset="0"/>
+                <a:ea typeface="맑은 고딕" charset="0"/>
+              </a:rPr>
+              <a:t>. </a:t>
+            </a:r>
+            <a:r>
+              <a:rPr lang="ko-KR" sz="1800">
+                <a:latin typeface="맑은 고딕" charset="0"/>
+                <a:ea typeface="맑은 고딕" charset="0"/>
+              </a:rPr>
+              <a:t>이제 UI에서 Button을 3게 생성합니다.</a:t>
+            </a:r>
+            <a:endParaRPr lang="ko-KR" altLang="en-US" sz="1800">
+              <a:latin typeface="맑은 고딕" charset="0"/>
+              <a:ea typeface="맑은 고딕" charset="0"/>
+            </a:endParaRPr>
+          </a:p>
+          <a:p>
+            <a:pPr marL="0" indent="0" algn="l" latinLnBrk="0" hangingPunct="1">
+              <a:buFontTx/>
+              <a:buNone/>
+            </a:pPr>
+            <a:endParaRPr lang="ko-KR" altLang="en-US" sz="1800">
+              <a:latin typeface="맑은 고딕" charset="0"/>
+              <a:ea typeface="맑은 고딕" charset="0"/>
+            </a:endParaRPr>
+          </a:p>
+          <a:p>
+            <a:pPr marL="0" indent="0" algn="l" latinLnBrk="0" hangingPunct="1">
+              <a:buFontTx/>
+              <a:buNone/>
+            </a:pPr>
+            <a:r>
+              <a:rPr lang="ko-KR" sz="1800">
+                <a:latin typeface="맑은 고딕" charset="0"/>
+                <a:ea typeface="맑은 고딕" charset="0"/>
+              </a:rPr>
+              <a:t>마지막으로 Direction Light Button이라는 이름과 Spot Light Button이라는 이름 그리고 Point Light Button이라는 이름으로 정의합니다.</a:t>
+            </a:r>
+            <a:endParaRPr lang="ko-KR" altLang="en-US" sz="1800">
+              <a:latin typeface="맑은 고딕" charset="0"/>
+              <a:ea typeface="맑은 고딕" charset="0"/>
+            </a:endParaRPr>
+          </a:p>
+        </p:txBody>
+      </p:sp>
+      <p:pic>
+        <p:nvPicPr>
+          <p:cNvPr id="1161" name="그림 8"/>
+          <p:cNvPicPr>
+            <a:picLocks noChangeAspect="1"/>
+          </p:cNvPicPr>
+          <p:nvPr/>
+        </p:nvPicPr>
+        <p:blipFill rotWithShape="1">
+          <a:blip r:embed="rId2" cstate="print">
+            <a:extLst>
+              <a:ext uri="{28A0092B-C50C-407E-A947-70E740481C1C}">
+                <a14:useLocalDpi xmlns:a14="http://schemas.microsoft.com/office/drawing/2010/main" val="0"/>
+              </a:ext>
+            </a:extLst>
+          </a:blip>
+          <a:stretch>
+            <a:fillRect/>
+          </a:stretch>
+        </p:blipFill>
+        <p:spPr>
+          <a:xfrm rot="0">
+            <a:off x="1314450" y="1280160"/>
+            <a:ext cx="4048760" cy="2655570"/>
+          </a:xfrm>
+          <a:prstGeom prst="roundRect"/>
+          <a:solidFill>
+            <a:srgbClr val="EDEDED"/>
+          </a:solidFill>
+        </p:spPr>
+      </p:pic>
+      <p:pic>
+        <p:nvPicPr>
+          <p:cNvPr id="1162" name="그림 11"/>
+          <p:cNvPicPr>
+            <a:picLocks noChangeAspect="1"/>
+          </p:cNvPicPr>
+          <p:nvPr/>
+        </p:nvPicPr>
+        <p:blipFill rotWithShape="1">
+          <a:blip r:embed="rId3" cstate="print">
+            <a:extLst>
+              <a:ext uri="{28A0092B-C50C-407E-A947-70E740481C1C}">
+                <a14:useLocalDpi xmlns:a14="http://schemas.microsoft.com/office/drawing/2010/main" val="0"/>
+              </a:ext>
+            </a:extLst>
+          </a:blip>
+          <a:stretch>
+            <a:fillRect/>
+          </a:stretch>
+        </p:blipFill>
+        <p:spPr>
+          <a:xfrm rot="0">
+            <a:off x="1305560" y="4082415"/>
+            <a:ext cx="4048760" cy="1280795"/>
+          </a:xfrm>
+          <a:prstGeom prst="roundRect"/>
+          <a:solidFill>
+            <a:srgbClr val="EDEDED"/>
+          </a:solidFill>
+        </p:spPr>
+      </p:pic>
+      <p:cxnSp>
+        <p:nvCxnSpPr>
+          <p:cNvPr id="1163" name="도형 14"/>
+          <p:cNvCxnSpPr/>
+          <p:nvPr/>
+        </p:nvCxnSpPr>
+        <p:spPr>
+          <a:xfrm rot="0" flipV="1">
+            <a:off x="3684270" y="1842135"/>
+            <a:ext cx="1548765" cy="2482850"/>
+          </a:xfrm>
+          <a:prstGeom prst="straightConnector1"/>
+          <a:ln w="6350" cap="flat" cmpd="sng">
+            <a:prstDash/>
+            <a:headEnd type="none" w="med" len="med"/>
+            <a:tailEnd type="triangle" w="med" len="med"/>
+          </a:ln>
+        </p:spPr>
+        <p:style>
+          <a:lnRef idx="1">
+            <a:schemeClr val="accent1"/>
+          </a:lnRef>
+          <a:fillRef idx="0">
+            <a:schemeClr val="accent1"/>
+          </a:fillRef>
+          <a:effectRef idx="0">
+            <a:schemeClr val="accent1"/>
+          </a:effectRef>
+          <a:fontRef idx="minor">
+            <a:schemeClr val="tx1"/>
+          </a:fontRef>
+        </p:style>
+      </p:cxnSp>
+      <p:pic>
+        <p:nvPicPr>
+          <p:cNvPr id="1164" name="그림 16"/>
+          <p:cNvPicPr>
+            <a:picLocks noChangeAspect="1"/>
+          </p:cNvPicPr>
+          <p:nvPr/>
+        </p:nvPicPr>
+        <p:blipFill rotWithShape="1">
+          <a:blip r:embed="rId4" cstate="hqprint">
+            <a:extLst>
+              <a:ext uri="{28A0092B-C50C-407E-A947-70E740481C1C}">
+                <a14:useLocalDpi xmlns:a14="http://schemas.microsoft.com/office/drawing/2010/main"/>
+              </a:ext>
+            </a:extLst>
+          </a:blip>
+          <a:stretch>
+            <a:fillRect/>
+          </a:stretch>
+        </p:blipFill>
+        <p:spPr>
+          <a:xfrm rot="0">
+            <a:off x="6815455" y="1204595"/>
+            <a:ext cx="2536825" cy="2766060"/>
+          </a:xfrm>
+          <a:prstGeom prst="roundRect"/>
+          <a:solidFill>
+            <a:srgbClr val="EDEDED"/>
+          </a:solidFill>
+        </p:spPr>
+      </p:pic>
+      <p:pic>
+        <p:nvPicPr>
+          <p:cNvPr id="1165" name="그림 20"/>
+          <p:cNvPicPr>
+            <a:picLocks noChangeAspect="1"/>
+          </p:cNvPicPr>
+          <p:nvPr/>
+        </p:nvPicPr>
+        <p:blipFill rotWithShape="1">
+          <a:blip r:embed="rId5" cstate="print">
+            <a:extLst>
+              <a:ext uri="{28A0092B-C50C-407E-A947-70E740481C1C}">
+                <a14:useLocalDpi xmlns:a14="http://schemas.microsoft.com/office/drawing/2010/main" val="0"/>
+              </a:ext>
+            </a:extLst>
+          </a:blip>
+          <a:stretch>
+            <a:fillRect/>
+          </a:stretch>
+        </p:blipFill>
+        <p:spPr>
+          <a:xfrm rot="0">
+            <a:off x="9479280" y="1673225"/>
+            <a:ext cx="1355090" cy="1812925"/>
+          </a:xfrm>
+          <a:prstGeom prst="roundRect"/>
+          <a:solidFill>
+            <a:srgbClr val="EDEDED"/>
+          </a:solidFill>
+        </p:spPr>
+      </p:pic>
+    </p:spTree>
+  </p:cSld>
+  <p:clrMapOvr>
+    <a:masterClrMapping/>
+  </p:clrMapOvr>
+  <mc:AlternateContent xmlns:mc="http://schemas.openxmlformats.org/markup-compatibility/2006">
+    <mc:Choice xmlns:p14="http://schemas.microsoft.com/office/powerpoint/2010/main" Requires="p14">
+      <p:transition spd="slow" p14:dur="2000"/>
+    </mc:Choice>
+    <mc:Fallback>
+      <p:transition spd="slow"/>
+    </mc:Fallback>
+  </mc:AlternateContent>
+  <p:timing>
+    <p:tnLst>
+      <p:par>
+        <p:cTn id="1" dur="indefinite" restart="never" nodeType="tmRoot"/>
+      </p:par>
+    </p:tnLst>
+  </p:timing>
+</p:sld>
+</file>
+
+<file path=ppt/slides/slide7.xml><?xml version="1.0" encoding="utf-8"?>
+<p:sld xmlns:a="http://schemas.openxmlformats.org/drawingml/2006/main" xmlns:r="http://schemas.openxmlformats.org/officeDocument/2006/relationships" xmlns:p="http://schemas.openxmlformats.org/presentationml/2006/main" xmlns:p14="http://schemas.microsoft.com/office/powerpoint/2010/main">
+  <p:cSld>
+    <p:spTree>
+      <p:nvGrpSpPr>
+        <p:cNvPr id="1" name=""/>
+        <p:cNvGrpSpPr/>
+        <p:nvPr/>
+      </p:nvGrpSpPr>
+      <p:grpSpPr>
+        <a:xfrm>
+          <a:off x="0" y="0"/>
+          <a:ext cx="0" cy="0"/>
+          <a:chOff x="0" y="0"/>
+          <a:chExt cx="0" cy="0"/>
+        </a:xfrm>
+      </p:grpSpPr>
+      <p:sp>
+        <p:nvSpPr>
+          <p:cNvPr id="1031" name="Rect 0"/>
+          <p:cNvSpPr txBox="1">
+            <a:spLocks/>
+          </p:cNvSpPr>
+          <p:nvPr/>
+        </p:nvSpPr>
+        <p:spPr>
+          <a:xfrm rot="0">
+            <a:off x="4318635" y="318770"/>
+            <a:ext cx="3561080" cy="554990"/>
+          </a:xfrm>
+          <a:prstGeom prst="rect"/>
+          <a:noFill/>
+          <a:ln w="0">
+            <a:noFill/>
+            <a:prstDash/>
+          </a:ln>
+        </p:spPr>
+        <p:txBody>
+          <a:bodyPr wrap="square" lIns="89535" tIns="46355" rIns="89535" bIns="46355" numCol="1" vert="horz" anchor="t">
+            <a:spAutoFit/>
+          </a:bodyPr>
+          <a:lstStyle/>
+          <a:p>
+            <a:pPr marL="0" indent="0" algn="l" latinLnBrk="0">
+              <a:buFontTx/>
+              <a:buNone/>
+            </a:pPr>
+            <a:r>
+              <a:rPr lang="ko-KR" altLang="en-US" sz="3000" b="1">
+                <a:solidFill>
+                  <a:schemeClr val="tx1"/>
+                </a:solidFill>
+                <a:latin typeface="맑은 고딕" charset="0"/>
+                <a:ea typeface="맑은 고딕" charset="0"/>
+              </a:rPr>
+              <a:t>여섯</a:t>
+            </a:r>
+            <a:r>
+              <a:rPr lang="ko-KR" altLang="en-US" sz="3000" b="1">
+                <a:solidFill>
+                  <a:schemeClr val="tx1"/>
+                </a:solidFill>
+                <a:latin typeface="맑은 고딕" charset="0"/>
+                <a:ea typeface="맑은 고딕" charset="0"/>
+              </a:rPr>
+              <a:t> 번째 튜토리얼</a:t>
+            </a:r>
+            <a:endParaRPr lang="ko-KR" altLang="en-US" sz="3000" b="1">
+              <a:solidFill>
+                <a:schemeClr val="tx1"/>
+              </a:solidFill>
+              <a:latin typeface="맑은 고딕" charset="0"/>
+              <a:ea typeface="맑은 고딕" charset="0"/>
+            </a:endParaRPr>
+          </a:p>
+        </p:txBody>
+      </p:sp>
+      <p:sp>
+        <p:nvSpPr>
+          <p:cNvPr id="1158" name="Rect 0"/>
+          <p:cNvSpPr txBox="1">
+            <a:spLocks/>
+          </p:cNvSpPr>
+          <p:nvPr/>
+        </p:nvSpPr>
+        <p:spPr>
+          <a:xfrm rot="0">
+            <a:off x="1313180" y="5282565"/>
+            <a:ext cx="4058285" cy="902335"/>
+          </a:xfrm>
+          <a:prstGeom prst="rect"/>
+          <a:noFill/>
+        </p:spPr>
+        <p:txBody>
+          <a:bodyPr wrap="square" lIns="0" tIns="0" rIns="0" bIns="0" numCol="1" vert="horz" anchor="t">
+            <a:noAutofit/>
+          </a:bodyPr>
+          <a:lstStyle/>
+          <a:p>
+            <a:pPr marL="0" indent="0" algn="l" latinLnBrk="0" hangingPunct="1">
+              <a:buFontTx/>
+              <a:buNone/>
+            </a:pPr>
+            <a:r>
+              <a:rPr lang="ko-KR" sz="2000" b="1">
+                <a:solidFill>
+                  <a:srgbClr val="0611F2"/>
+                </a:solidFill>
+                <a:latin typeface="맑은 고딕" charset="0"/>
+                <a:ea typeface="맑은 고딕" charset="0"/>
+              </a:rPr>
+              <a:t>1</a:t>
+            </a:r>
+            <a:r>
+              <a:rPr lang="ko-KR" sz="2000" b="1">
+                <a:solidFill>
+                  <a:srgbClr val="0611F2"/>
+                </a:solidFill>
+                <a:latin typeface="맑은 고딕" charset="0"/>
+                <a:ea typeface="맑은 고딕" charset="0"/>
+              </a:rPr>
+              <a:t>4</a:t>
+            </a:r>
+            <a:r>
+              <a:rPr lang="ko-KR" sz="2000" b="1">
+                <a:solidFill>
+                  <a:srgbClr val="0611F2"/>
+                </a:solidFill>
+                <a:latin typeface="맑은 고딕" charset="0"/>
+                <a:ea typeface="맑은 고딕" charset="0"/>
+              </a:rPr>
+              <a:t>. </a:t>
+            </a:r>
+            <a:r>
+              <a:rPr lang="ko-KR" sz="1800">
+                <a:latin typeface="맑은 고딕" charset="0"/>
+                <a:ea typeface="맑은 고딕" charset="0"/>
+              </a:rPr>
+              <a:t>그런 다음 Direction Light Button과 Spot Light Button 그리고 Point Light Button의 크기와 앵커를 설정합니다.</a:t>
+            </a:r>
+            <a:endParaRPr lang="ko-KR" altLang="en-US" sz="1800">
+              <a:latin typeface="맑은 고딕" charset="0"/>
+              <a:ea typeface="맑은 고딕" charset="0"/>
+            </a:endParaRPr>
+          </a:p>
+        </p:txBody>
+      </p:sp>
+      <p:sp>
+        <p:nvSpPr>
+          <p:cNvPr id="1160" name="Rect 0"/>
+          <p:cNvSpPr txBox="1">
+            <a:spLocks/>
+          </p:cNvSpPr>
+          <p:nvPr/>
+        </p:nvSpPr>
+        <p:spPr>
+          <a:xfrm rot="0">
+            <a:off x="6834505" y="3097530"/>
+            <a:ext cx="4115435" cy="3087370"/>
+          </a:xfrm>
+          <a:prstGeom prst="rect"/>
+          <a:noFill/>
+        </p:spPr>
+        <p:txBody>
+          <a:bodyPr wrap="square" lIns="0" tIns="0" rIns="0" bIns="0" numCol="1" vert="horz" anchor="t">
+            <a:noAutofit/>
+          </a:bodyPr>
+          <a:lstStyle/>
+          <a:p>
+            <a:pPr marL="0" indent="0" algn="l" latinLnBrk="0" hangingPunct="1">
+              <a:buFontTx/>
+              <a:buNone/>
+            </a:pPr>
+            <a:r>
+              <a:rPr lang="ko-KR" sz="2000" b="1">
+                <a:solidFill>
+                  <a:srgbClr val="0611F2"/>
+                </a:solidFill>
+                <a:latin typeface="맑은 고딕" charset="0"/>
+                <a:ea typeface="맑은 고딕" charset="0"/>
+              </a:rPr>
+              <a:t>1</a:t>
+            </a:r>
+            <a:r>
+              <a:rPr lang="ko-KR" sz="2000" b="1">
+                <a:solidFill>
+                  <a:srgbClr val="0611F2"/>
+                </a:solidFill>
+                <a:latin typeface="맑은 고딕" charset="0"/>
+                <a:ea typeface="맑은 고딕" charset="0"/>
+              </a:rPr>
+              <a:t>5</a:t>
+            </a:r>
+            <a:r>
+              <a:rPr lang="ko-KR" sz="2000" b="1">
+                <a:solidFill>
+                  <a:srgbClr val="0611F2"/>
+                </a:solidFill>
+                <a:latin typeface="맑은 고딕" charset="0"/>
+                <a:ea typeface="맑은 고딕" charset="0"/>
+              </a:rPr>
+              <a:t>. </a:t>
+            </a:r>
+            <a:r>
+              <a:rPr lang="ko-KR" sz="1800">
+                <a:latin typeface="맑은 고딕" charset="0"/>
+                <a:ea typeface="맑은 고딕" charset="0"/>
+              </a:rPr>
+              <a:t>그다음 Direction Light Button 하위 오브젝트에 있는 텍스트의 이름을 Direction Text로 변경합니다.</a:t>
+            </a:r>
+            <a:endParaRPr lang="ko-KR" altLang="en-US" sz="1800">
+              <a:latin typeface="맑은 고딕" charset="0"/>
+              <a:ea typeface="맑은 고딕" charset="0"/>
+            </a:endParaRPr>
+          </a:p>
+          <a:p>
+            <a:pPr marL="0" indent="0" algn="l" latinLnBrk="0" hangingPunct="1">
+              <a:buFontTx/>
+              <a:buNone/>
+            </a:pPr>
+            <a:endParaRPr lang="ko-KR" altLang="en-US" sz="1800">
+              <a:latin typeface="맑은 고딕" charset="0"/>
+              <a:ea typeface="맑은 고딕" charset="0"/>
+            </a:endParaRPr>
+          </a:p>
+          <a:p>
+            <a:pPr marL="0" indent="0" algn="l" latinLnBrk="0" hangingPunct="1">
+              <a:buFontTx/>
+              <a:buNone/>
+            </a:pPr>
+            <a:r>
+              <a:rPr lang="ko-KR" sz="1800">
+                <a:latin typeface="맑은 고딕" charset="0"/>
+                <a:ea typeface="맑은 고딕" charset="0"/>
+              </a:rPr>
+              <a:t>이제 Spot Light Button 하위 오브젝트에 있는 텍스트의 이름을 Spot Text로 변경합니다.</a:t>
+            </a:r>
+            <a:endParaRPr lang="ko-KR" altLang="en-US" sz="1800">
+              <a:latin typeface="맑은 고딕" charset="0"/>
+              <a:ea typeface="맑은 고딕" charset="0"/>
+            </a:endParaRPr>
+          </a:p>
+          <a:p>
+            <a:pPr marL="0" indent="0" algn="l" latinLnBrk="0" hangingPunct="1">
+              <a:buFontTx/>
+              <a:buNone/>
+            </a:pPr>
+            <a:endParaRPr lang="ko-KR" altLang="en-US" sz="1800">
+              <a:latin typeface="맑은 고딕" charset="0"/>
+              <a:ea typeface="맑은 고딕" charset="0"/>
+            </a:endParaRPr>
+          </a:p>
+          <a:p>
+            <a:pPr marL="0" indent="0" algn="l" latinLnBrk="0" hangingPunct="1">
+              <a:buFontTx/>
+              <a:buNone/>
+            </a:pPr>
+            <a:r>
+              <a:rPr lang="ko-KR" sz="1800">
+                <a:latin typeface="맑은 고딕" charset="0"/>
+                <a:ea typeface="맑은 고딕" charset="0"/>
+              </a:rPr>
+              <a:t>마지막으로 Point Light Button 하위 오브젝트에 있는 텍스트의 이름을 Point Text로 변경합니다.</a:t>
+            </a:r>
+            <a:endParaRPr lang="ko-KR" altLang="en-US" sz="1800">
+              <a:latin typeface="맑은 고딕" charset="0"/>
+              <a:ea typeface="맑은 고딕" charset="0"/>
+            </a:endParaRPr>
+          </a:p>
+          <a:p>
+            <a:pPr marL="0" indent="0" algn="l" latinLnBrk="0" hangingPunct="1">
+              <a:buFontTx/>
+              <a:buNone/>
+            </a:pPr>
+            <a:endParaRPr lang="ko-KR" altLang="en-US" sz="1800">
+              <a:latin typeface="맑은 고딕" charset="0"/>
+              <a:ea typeface="맑은 고딕" charset="0"/>
+            </a:endParaRPr>
+          </a:p>
+        </p:txBody>
+      </p:sp>
+      <p:pic>
+        <p:nvPicPr>
+          <p:cNvPr id="1166" name="Picture "/>
+          <p:cNvPicPr>
+            <a:picLocks noChangeAspect="1"/>
+          </p:cNvPicPr>
+          <p:nvPr/>
+        </p:nvPicPr>
+        <p:blipFill rotWithShape="1">
+          <a:blip r:embed="rId2" cstate="print">
+            <a:extLst>
+              <a:ext uri="{28A0092B-C50C-407E-A947-70E740481C1C}">
+                <a14:useLocalDpi xmlns:a14="http://schemas.microsoft.com/office/drawing/2010/main" val="0"/>
+              </a:ext>
+            </a:extLst>
+          </a:blip>
+          <a:stretch>
+            <a:fillRect/>
+          </a:stretch>
+        </p:blipFill>
+        <p:spPr>
+          <a:xfrm rot="0">
+            <a:off x="1316990" y="1292860"/>
+            <a:ext cx="4063365" cy="1146810"/>
+          </a:xfrm>
+          <a:prstGeom prst="roundRect"/>
+          <a:solidFill>
+            <a:srgbClr val="EDEDED"/>
+          </a:solidFill>
+        </p:spPr>
+      </p:pic>
+      <p:pic>
+        <p:nvPicPr>
+          <p:cNvPr id="1167" name="Picture "/>
+          <p:cNvPicPr>
+            <a:picLocks noChangeAspect="1"/>
+          </p:cNvPicPr>
+          <p:nvPr/>
+        </p:nvPicPr>
+        <p:blipFill rotWithShape="1">
+          <a:blip r:embed="rId3" cstate="print">
+            <a:extLst>
+              <a:ext uri="{28A0092B-C50C-407E-A947-70E740481C1C}">
+                <a14:useLocalDpi xmlns:a14="http://schemas.microsoft.com/office/drawing/2010/main" val="0"/>
+              </a:ext>
+            </a:extLst>
+          </a:blip>
+          <a:stretch>
+            <a:fillRect/>
+          </a:stretch>
+        </p:blipFill>
+        <p:spPr>
+          <a:xfrm rot="0">
+            <a:off x="1316990" y="3970655"/>
+            <a:ext cx="4071620" cy="1141095"/>
+          </a:xfrm>
+          <a:prstGeom prst="roundRect"/>
+          <a:solidFill>
+            <a:srgbClr val="EDEDED"/>
+          </a:solidFill>
+        </p:spPr>
+      </p:pic>
+      <p:pic>
+        <p:nvPicPr>
+          <p:cNvPr id="1168" name="Picture "/>
+          <p:cNvPicPr>
+            <a:picLocks noChangeAspect="1"/>
+          </p:cNvPicPr>
+          <p:nvPr/>
+        </p:nvPicPr>
+        <p:blipFill rotWithShape="1">
+          <a:blip r:embed="rId4" cstate="print">
+            <a:extLst>
+              <a:ext uri="{28A0092B-C50C-407E-A947-70E740481C1C}">
+                <a14:useLocalDpi xmlns:a14="http://schemas.microsoft.com/office/drawing/2010/main" val="0"/>
+              </a:ext>
+            </a:extLst>
+          </a:blip>
+          <a:stretch>
+            <a:fillRect/>
+          </a:stretch>
+        </p:blipFill>
+        <p:spPr>
+          <a:xfrm rot="0">
+            <a:off x="1312545" y="2632075"/>
+            <a:ext cx="4076065" cy="1139825"/>
+          </a:xfrm>
+          <a:prstGeom prst="roundRect"/>
+          <a:solidFill>
+            <a:srgbClr val="EDEDED"/>
+          </a:solidFill>
+        </p:spPr>
+      </p:pic>
+      <p:pic>
+        <p:nvPicPr>
+          <p:cNvPr id="1169" name="그림 50"/>
+          <p:cNvPicPr>
+            <a:picLocks noChangeAspect="1"/>
+          </p:cNvPicPr>
+          <p:nvPr/>
+        </p:nvPicPr>
+        <p:blipFill rotWithShape="1">
+          <a:blip r:embed="rId5" cstate="print">
+            <a:extLst>
+              <a:ext uri="{28A0092B-C50C-407E-A947-70E740481C1C}">
+                <a14:useLocalDpi xmlns:a14="http://schemas.microsoft.com/office/drawing/2010/main" val="0"/>
+              </a:ext>
+            </a:extLst>
+          </a:blip>
+          <a:stretch>
+            <a:fillRect/>
+          </a:stretch>
+        </p:blipFill>
+        <p:spPr>
+          <a:xfrm rot="0">
+            <a:off x="6825615" y="1287780"/>
+            <a:ext cx="1270635" cy="1653540"/>
+          </a:xfrm>
+          <a:prstGeom prst="roundRect"/>
+          <a:solidFill>
+            <a:srgbClr val="EDEDED"/>
+          </a:solidFill>
+        </p:spPr>
+      </p:pic>
+      <p:pic>
+        <p:nvPicPr>
+          <p:cNvPr id="1170" name="그림 58"/>
+          <p:cNvPicPr>
+            <a:picLocks noChangeAspect="1"/>
+          </p:cNvPicPr>
+          <p:nvPr/>
+        </p:nvPicPr>
+        <p:blipFill rotWithShape="1">
+          <a:blip r:embed="rId6" cstate="print">
+            <a:extLst>
+              <a:ext uri="{28A0092B-C50C-407E-A947-70E740481C1C}">
+                <a14:useLocalDpi xmlns:a14="http://schemas.microsoft.com/office/drawing/2010/main" val="0"/>
+              </a:ext>
+            </a:extLst>
+          </a:blip>
+          <a:stretch>
+            <a:fillRect/>
+          </a:stretch>
+        </p:blipFill>
+        <p:spPr>
+          <a:xfrm rot="0">
+            <a:off x="8294370" y="1297305"/>
+            <a:ext cx="2655570" cy="493395"/>
+          </a:xfrm>
+          <a:prstGeom prst="roundRect"/>
+          <a:solidFill>
+            <a:srgbClr val="EDEDED"/>
+          </a:solidFill>
+        </p:spPr>
+      </p:pic>
+      <p:pic>
+        <p:nvPicPr>
+          <p:cNvPr id="1171" name="그림 63"/>
+          <p:cNvPicPr>
+            <a:picLocks noChangeAspect="1"/>
+          </p:cNvPicPr>
+          <p:nvPr/>
+        </p:nvPicPr>
+        <p:blipFill rotWithShape="1">
+          <a:blip r:embed="rId7" cstate="print">
+            <a:extLst>
+              <a:ext uri="{28A0092B-C50C-407E-A947-70E740481C1C}">
+                <a14:useLocalDpi xmlns:a14="http://schemas.microsoft.com/office/drawing/2010/main" val="0"/>
+              </a:ext>
+            </a:extLst>
+          </a:blip>
+          <a:stretch>
+            <a:fillRect/>
+          </a:stretch>
+        </p:blipFill>
+        <p:spPr>
+          <a:xfrm rot="0">
+            <a:off x="8296910" y="1879600"/>
+            <a:ext cx="2661920" cy="493395"/>
+          </a:xfrm>
+          <a:prstGeom prst="roundRect"/>
+          <a:solidFill>
+            <a:srgbClr val="EDEDED"/>
+          </a:solidFill>
+        </p:spPr>
+      </p:pic>
+      <p:pic>
+        <p:nvPicPr>
+          <p:cNvPr id="1172" name="그림 64"/>
+          <p:cNvPicPr>
+            <a:picLocks noChangeAspect="1"/>
+          </p:cNvPicPr>
+          <p:nvPr/>
+        </p:nvPicPr>
+        <p:blipFill rotWithShape="1">
+          <a:blip r:embed="rId8" cstate="print">
+            <a:extLst>
+              <a:ext uri="{28A0092B-C50C-407E-A947-70E740481C1C}">
+                <a14:useLocalDpi xmlns:a14="http://schemas.microsoft.com/office/drawing/2010/main" val="0"/>
+              </a:ext>
+            </a:extLst>
+          </a:blip>
+          <a:stretch>
+            <a:fillRect/>
+          </a:stretch>
+        </p:blipFill>
+        <p:spPr>
+          <a:xfrm rot="0">
+            <a:off x="8299450" y="2453005"/>
+            <a:ext cx="2659380" cy="493395"/>
+          </a:xfrm>
+          <a:prstGeom prst="roundRect"/>
+          <a:solidFill>
+            <a:srgbClr val="EDEDED"/>
+          </a:solidFill>
+        </p:spPr>
+      </p:pic>
+    </p:spTree>
+  </p:cSld>
+  <p:clrMapOvr>
+    <a:masterClrMapping/>
+  </p:clrMapOvr>
+  <mc:AlternateContent xmlns:mc="http://schemas.openxmlformats.org/markup-compatibility/2006">
+    <mc:Choice xmlns:p14="http://schemas.microsoft.com/office/powerpoint/2010/main" Requires="p14">
+      <p:transition spd="slow" p14:dur="2000"/>
+    </mc:Choice>
+    <mc:Fallback>
+      <p:transition spd="slow"/>
+    </mc:Fallback>
+  </mc:AlternateContent>
+  <p:timing>
+    <p:tnLst>
+      <p:par>
+        <p:cTn id="1" dur="indefinite" restart="never" nodeType="tmRoot"/>
+      </p:par>
+    </p:tnLst>
+  </p:timing>
+</p:sld>
+</file>
+
+<file path=ppt/slides/slide8.xml><?xml version="1.0" encoding="utf-8"?>
+<p:sld xmlns:a="http://schemas.openxmlformats.org/drawingml/2006/main" xmlns:r="http://schemas.openxmlformats.org/officeDocument/2006/relationships" xmlns:p="http://schemas.openxmlformats.org/presentationml/2006/main" xmlns:p14="http://schemas.microsoft.com/office/powerpoint/2010/main">
+  <p:cSld>
+    <p:spTree>
+      <p:nvGrpSpPr>
+        <p:cNvPr id="1" name=""/>
+        <p:cNvGrpSpPr/>
+        <p:nvPr/>
+      </p:nvGrpSpPr>
+      <p:grpSpPr>
+        <a:xfrm>
+          <a:off x="0" y="0"/>
+          <a:ext cx="0" cy="0"/>
+          <a:chOff x="0" y="0"/>
+          <a:chExt cx="0" cy="0"/>
+        </a:xfrm>
+      </p:grpSpPr>
+      <p:sp>
+        <p:nvSpPr>
+          <p:cNvPr id="1031" name="Rect 0"/>
+          <p:cNvSpPr txBox="1">
+            <a:spLocks/>
+          </p:cNvSpPr>
+          <p:nvPr/>
+        </p:nvSpPr>
+        <p:spPr>
+          <a:xfrm rot="0">
+            <a:off x="4318635" y="318770"/>
+            <a:ext cx="3561080" cy="554990"/>
+          </a:xfrm>
+          <a:prstGeom prst="rect"/>
+          <a:noFill/>
+          <a:ln w="0">
+            <a:noFill/>
+            <a:prstDash/>
+          </a:ln>
+        </p:spPr>
+        <p:txBody>
+          <a:bodyPr wrap="square" lIns="89535" tIns="46355" rIns="89535" bIns="46355" numCol="1" vert="horz" anchor="t">
+            <a:spAutoFit/>
+          </a:bodyPr>
+          <a:lstStyle/>
+          <a:p>
+            <a:pPr marL="0" indent="0" algn="l" latinLnBrk="0">
+              <a:buFontTx/>
+              <a:buNone/>
+            </a:pPr>
+            <a:r>
+              <a:rPr lang="ko-KR" altLang="en-US" sz="3000" b="1">
+                <a:solidFill>
+                  <a:schemeClr val="tx1"/>
+                </a:solidFill>
+                <a:latin typeface="맑은 고딕" charset="0"/>
+                <a:ea typeface="맑은 고딕" charset="0"/>
+              </a:rPr>
+              <a:t>일곱</a:t>
+            </a:r>
+            <a:r>
+              <a:rPr lang="ko-KR" altLang="en-US" sz="3000" b="1">
+                <a:solidFill>
+                  <a:schemeClr val="tx1"/>
+                </a:solidFill>
+                <a:latin typeface="맑은 고딕" charset="0"/>
+                <a:ea typeface="맑은 고딕" charset="0"/>
+              </a:rPr>
+              <a:t> 번째 튜토리얼</a:t>
+            </a:r>
+            <a:endParaRPr lang="ko-KR" altLang="en-US" sz="3000" b="1">
+              <a:solidFill>
+                <a:schemeClr val="tx1"/>
+              </a:solidFill>
+              <a:latin typeface="맑은 고딕" charset="0"/>
+              <a:ea typeface="맑은 고딕" charset="0"/>
+            </a:endParaRPr>
+          </a:p>
+        </p:txBody>
+      </p:sp>
+      <p:sp>
+        <p:nvSpPr>
+          <p:cNvPr id="1158" name="Rect 0"/>
+          <p:cNvSpPr txBox="1">
+            <a:spLocks/>
+          </p:cNvSpPr>
+          <p:nvPr/>
+        </p:nvSpPr>
+        <p:spPr>
+          <a:xfrm rot="0">
+            <a:off x="1313180" y="4098290"/>
+            <a:ext cx="4058285" cy="2138680"/>
+          </a:xfrm>
+          <a:prstGeom prst="rect"/>
+          <a:noFill/>
+        </p:spPr>
+        <p:txBody>
+          <a:bodyPr wrap="square" lIns="0" tIns="0" rIns="0" bIns="0" numCol="1" vert="horz" anchor="t">
+            <a:noAutofit/>
+          </a:bodyPr>
+          <a:lstStyle/>
+          <a:p>
+            <a:pPr marL="0" indent="0" algn="l" latinLnBrk="0" hangingPunct="1">
+              <a:buFontTx/>
+              <a:buNone/>
+            </a:pPr>
+            <a:r>
+              <a:rPr lang="ko-KR" sz="2000" b="1">
+                <a:solidFill>
+                  <a:srgbClr val="0611F2"/>
+                </a:solidFill>
+                <a:latin typeface="맑은 고딕" charset="0"/>
+                <a:ea typeface="맑은 고딕" charset="0"/>
+              </a:rPr>
+              <a:t>1</a:t>
+            </a:r>
+            <a:r>
+              <a:rPr lang="ko-KR" sz="2000" b="1">
+                <a:solidFill>
+                  <a:srgbClr val="0611F2"/>
+                </a:solidFill>
+                <a:latin typeface="맑은 고딕" charset="0"/>
+                <a:ea typeface="맑은 고딕" charset="0"/>
+              </a:rPr>
+              <a:t>6</a:t>
+            </a:r>
+            <a:r>
+              <a:rPr lang="ko-KR" sz="2000" b="1">
+                <a:solidFill>
+                  <a:srgbClr val="0611F2"/>
+                </a:solidFill>
+                <a:latin typeface="맑은 고딕" charset="0"/>
+                <a:ea typeface="맑은 고딕" charset="0"/>
+              </a:rPr>
+              <a:t>. </a:t>
+            </a:r>
+            <a:r>
+              <a:rPr lang="ko-KR" sz="1800">
+                <a:latin typeface="맑은 고딕" charset="0"/>
+                <a:ea typeface="맑은 고딕" charset="0"/>
+              </a:rPr>
+              <a:t>그런 다음 Direction Text에는 Direction Light라는 텍스트로 변경합니다.</a:t>
+            </a:r>
+            <a:endParaRPr lang="ko-KR" altLang="en-US" sz="1800">
+              <a:latin typeface="맑은 고딕" charset="0"/>
+              <a:ea typeface="맑은 고딕" charset="0"/>
+            </a:endParaRPr>
+          </a:p>
+          <a:p>
+            <a:pPr marL="0" indent="0" algn="l" latinLnBrk="0" hangingPunct="1">
+              <a:buFontTx/>
+              <a:buNone/>
+            </a:pPr>
+            <a:endParaRPr lang="ko-KR" altLang="en-US" sz="1800">
+              <a:latin typeface="맑은 고딕" charset="0"/>
+              <a:ea typeface="맑은 고딕" charset="0"/>
+            </a:endParaRPr>
+          </a:p>
+          <a:p>
+            <a:pPr marL="0" indent="0" algn="l" latinLnBrk="0" hangingPunct="1">
+              <a:buFontTx/>
+              <a:buNone/>
+            </a:pPr>
+            <a:r>
+              <a:rPr lang="ko-KR" sz="1800">
+                <a:latin typeface="맑은 고딕" charset="0"/>
+                <a:ea typeface="맑은 고딕" charset="0"/>
+              </a:rPr>
+              <a:t>그리고 Spot Text에는 Spot Light라는 텍스트로 변경하고 Point Text에는 Point Light라는 텍스트로 변경합니다. </a:t>
+            </a:r>
+            <a:endParaRPr lang="ko-KR" altLang="en-US" sz="1800">
+              <a:latin typeface="맑은 고딕" charset="0"/>
+              <a:ea typeface="맑은 고딕" charset="0"/>
+            </a:endParaRPr>
+          </a:p>
+        </p:txBody>
+      </p:sp>
+      <p:pic>
+        <p:nvPicPr>
+          <p:cNvPr id="1169" name="그림 41"/>
+          <p:cNvPicPr>
+            <a:picLocks noChangeAspect="1"/>
+          </p:cNvPicPr>
+          <p:nvPr/>
+        </p:nvPicPr>
+        <p:blipFill rotWithShape="1">
+          <a:blip r:embed="rId2" cstate="print">
+            <a:extLst>
+              <a:ext uri="{28A0092B-C50C-407E-A947-70E740481C1C}">
+                <a14:useLocalDpi xmlns:a14="http://schemas.microsoft.com/office/drawing/2010/main" val="0"/>
+              </a:ext>
+            </a:extLst>
+          </a:blip>
+          <a:stretch>
+            <a:fillRect/>
+          </a:stretch>
+        </p:blipFill>
+        <p:spPr>
+          <a:xfrm rot="0">
+            <a:off x="1306195" y="1364615"/>
+            <a:ext cx="4074160" cy="755015"/>
+          </a:xfrm>
+          <a:prstGeom prst="roundRect"/>
+          <a:solidFill>
+            <a:srgbClr val="EDEDED"/>
+          </a:solidFill>
+        </p:spPr>
+      </p:pic>
+      <p:pic>
+        <p:nvPicPr>
+          <p:cNvPr id="1170" name="그림 42"/>
+          <p:cNvPicPr>
+            <a:picLocks noChangeAspect="1"/>
+          </p:cNvPicPr>
+          <p:nvPr/>
+        </p:nvPicPr>
+        <p:blipFill rotWithShape="1">
+          <a:blip r:embed="rId3" cstate="print">
+            <a:extLst>
+              <a:ext uri="{28A0092B-C50C-407E-A947-70E740481C1C}">
+                <a14:useLocalDpi xmlns:a14="http://schemas.microsoft.com/office/drawing/2010/main" val="0"/>
+              </a:ext>
+            </a:extLst>
+          </a:blip>
+          <a:stretch>
+            <a:fillRect/>
+          </a:stretch>
+        </p:blipFill>
+        <p:spPr>
+          <a:xfrm rot="0">
+            <a:off x="1315085" y="2280920"/>
+            <a:ext cx="4074160" cy="755650"/>
+          </a:xfrm>
+          <a:prstGeom prst="roundRect"/>
+          <a:solidFill>
+            <a:srgbClr val="EDEDED"/>
+          </a:solidFill>
+        </p:spPr>
+      </p:pic>
+      <p:pic>
+        <p:nvPicPr>
+          <p:cNvPr id="1171" name="그림 43"/>
+          <p:cNvPicPr>
+            <a:picLocks noChangeAspect="1"/>
+          </p:cNvPicPr>
+          <p:nvPr/>
+        </p:nvPicPr>
+        <p:blipFill rotWithShape="1">
+          <a:blip r:embed="rId4" cstate="print">
+            <a:extLst>
+              <a:ext uri="{28A0092B-C50C-407E-A947-70E740481C1C}">
+                <a14:useLocalDpi xmlns:a14="http://schemas.microsoft.com/office/drawing/2010/main" val="0"/>
+              </a:ext>
+            </a:extLst>
+          </a:blip>
+          <a:stretch>
+            <a:fillRect/>
+          </a:stretch>
+        </p:blipFill>
+        <p:spPr>
+          <a:xfrm rot="0">
+            <a:off x="1297305" y="3211830"/>
+            <a:ext cx="4073525" cy="749935"/>
+          </a:xfrm>
+          <a:prstGeom prst="roundRect"/>
+          <a:solidFill>
+            <a:srgbClr val="EDEDED"/>
+          </a:solidFill>
+        </p:spPr>
+      </p:pic>
+      <p:pic>
+        <p:nvPicPr>
+          <p:cNvPr id="1172" name="그림 2" descr="C:/Users/Admin1/AppData/Roaming/PolarisOffice/ETemp/7736_6598648/fImage850613041.png"/>
+          <p:cNvPicPr>
+            <a:picLocks noChangeAspect="1"/>
+          </p:cNvPicPr>
+          <p:nvPr/>
+        </p:nvPicPr>
+        <p:blipFill rotWithShape="1">
+          <a:blip r:embed="rId6" cstate="hqprint">
+            <a:extLst>
+              <a:ext uri="{28A0092B-C50C-407E-A947-70E740481C1C}">
+                <a14:useLocalDpi xmlns:a14="http://schemas.microsoft.com/office/drawing/2010/main"/>
+              </a:ext>
+            </a:extLst>
+          </a:blip>
+          <a:stretch>
+            <a:fillRect/>
+          </a:stretch>
+        </p:blipFill>
+        <p:spPr>
+          <a:xfrm rot="0">
+            <a:off x="6806565" y="1366520"/>
+            <a:ext cx="2491740" cy="2664460"/>
+          </a:xfrm>
+          <a:prstGeom prst="roundRect"/>
+          <a:solidFill>
+            <a:srgbClr val="EDEDED"/>
+          </a:solidFill>
+        </p:spPr>
+      </p:pic>
+      <p:pic>
+        <p:nvPicPr>
+          <p:cNvPr id="1173" name="그림 3" descr="C:/Users/Admin1/AppData/Roaming/PolarisOffice/ETemp/7736_6598648/fImage77321318467.png"/>
+          <p:cNvPicPr>
+            <a:picLocks noChangeAspect="1"/>
+          </p:cNvPicPr>
+          <p:nvPr/>
+        </p:nvPicPr>
+        <p:blipFill rotWithShape="1">
+          <a:blip r:embed="rId7" cstate="print">
+            <a:extLst>
+              <a:ext uri="{28A0092B-C50C-407E-A947-70E740481C1C}">
+                <a14:useLocalDpi xmlns:a14="http://schemas.microsoft.com/office/drawing/2010/main" val="0"/>
+              </a:ext>
+            </a:extLst>
+          </a:blip>
+          <a:stretch>
+            <a:fillRect/>
+          </a:stretch>
+        </p:blipFill>
+        <p:spPr>
+          <a:xfrm rot="0">
+            <a:off x="9474200" y="1366520"/>
+            <a:ext cx="1391285" cy="1496695"/>
+          </a:xfrm>
+          <a:prstGeom prst="roundRect"/>
+          <a:solidFill>
+            <a:srgbClr val="EDEDED"/>
+          </a:solidFill>
+        </p:spPr>
+      </p:pic>
+      <p:sp>
+        <p:nvSpPr>
+          <p:cNvPr id="1174" name="텍스트 상자 6"/>
+          <p:cNvSpPr txBox="1">
+            <a:spLocks/>
+          </p:cNvSpPr>
+          <p:nvPr/>
+        </p:nvSpPr>
+        <p:spPr>
+          <a:xfrm rot="0">
+            <a:off x="6806565" y="4204970"/>
+            <a:ext cx="4060190" cy="2032000"/>
+          </a:xfrm>
+          <a:prstGeom prst="rect"/>
+          <a:noFill/>
+        </p:spPr>
+        <p:txBody>
+          <a:bodyPr wrap="square" lIns="0" tIns="0" rIns="0" bIns="0" numCol="1" vert="horz" anchor="t">
+            <a:noAutofit/>
+          </a:bodyPr>
+          <a:lstStyle/>
+          <a:p>
+            <a:pPr marL="0" indent="0" algn="l" latinLnBrk="0" hangingPunct="1">
+              <a:buFontTx/>
+              <a:buNone/>
+            </a:pPr>
+            <a:r>
+              <a:rPr lang="ko-KR" sz="2000" b="1">
+                <a:solidFill>
+                  <a:srgbClr val="0611F2"/>
+                </a:solidFill>
+                <a:latin typeface="맑은 고딕" charset="0"/>
+                <a:ea typeface="맑은 고딕" charset="0"/>
+              </a:rPr>
+              <a:t>1</a:t>
+            </a:r>
+            <a:r>
+              <a:rPr lang="ko-KR" sz="2000" b="1">
+                <a:solidFill>
+                  <a:srgbClr val="0611F2"/>
+                </a:solidFill>
+                <a:latin typeface="맑은 고딕" charset="0"/>
+                <a:ea typeface="맑은 고딕" charset="0"/>
+              </a:rPr>
+              <a:t>7</a:t>
+            </a:r>
+            <a:r>
+              <a:rPr lang="ko-KR" sz="2000" b="1">
+                <a:solidFill>
+                  <a:srgbClr val="0611F2"/>
+                </a:solidFill>
+                <a:latin typeface="맑은 고딕" charset="0"/>
+                <a:ea typeface="맑은 고딕" charset="0"/>
+              </a:rPr>
+              <a:t>. </a:t>
+            </a:r>
+            <a:r>
+              <a:rPr lang="ko-KR" sz="1800">
+                <a:latin typeface="맑은 고딕" charset="0"/>
+                <a:ea typeface="맑은 고딕" charset="0"/>
+              </a:rPr>
+              <a:t>그다음 빈 게임 오브젝트를 생성하고 Light Manager라는 이름으로 정의합니다.</a:t>
+            </a:r>
+            <a:endParaRPr lang="ko-KR" altLang="en-US" sz="1800">
+              <a:latin typeface="맑은 고딕" charset="0"/>
+              <a:ea typeface="맑은 고딕" charset="0"/>
+            </a:endParaRPr>
+          </a:p>
+          <a:p>
+            <a:pPr marL="0" indent="0" algn="l" latinLnBrk="0" hangingPunct="1">
+              <a:buFontTx/>
+              <a:buNone/>
+            </a:pPr>
+            <a:endParaRPr lang="ko-KR" altLang="en-US" sz="1800">
+              <a:latin typeface="맑은 고딕" charset="0"/>
+              <a:ea typeface="맑은 고딕" charset="0"/>
+            </a:endParaRPr>
+          </a:p>
+          <a:p>
+            <a:pPr marL="0" indent="0" algn="l" latinLnBrk="0" hangingPunct="1">
+              <a:buFontTx/>
+              <a:buNone/>
+            </a:pPr>
+            <a:r>
+              <a:rPr lang="ko-KR" sz="1800">
+                <a:latin typeface="맑은 고딕" charset="0"/>
+                <a:ea typeface="맑은 고딕" charset="0"/>
+              </a:rPr>
+              <a:t>이제 LightManager 스크립트를 생성하여 Light Manager 오브젝트에 넣어줍니다.</a:t>
+            </a:r>
+            <a:endParaRPr lang="ko-KR" altLang="en-US" sz="1800">
+              <a:latin typeface="맑은 고딕" charset="0"/>
+              <a:ea typeface="맑은 고딕" charset="0"/>
+            </a:endParaRPr>
+          </a:p>
+          <a:p>
+            <a:pPr marL="0" indent="0" algn="l" latinLnBrk="0" hangingPunct="1">
+              <a:buFontTx/>
+              <a:buNone/>
+            </a:pPr>
+            <a:r>
+              <a:rPr lang="ko-KR" sz="1800">
+                <a:latin typeface="맑은 고딕" charset="0"/>
+                <a:ea typeface="맑은 고딕" charset="0"/>
+              </a:rPr>
+              <a:t> </a:t>
+            </a:r>
+            <a:endParaRPr lang="ko-KR" altLang="en-US" sz="1800">
+              <a:latin typeface="맑은 고딕" charset="0"/>
+              <a:ea typeface="맑은 고딕" charset="0"/>
+            </a:endParaRPr>
+          </a:p>
+        </p:txBody>
+      </p:sp>
+      <p:pic>
+        <p:nvPicPr>
+          <p:cNvPr id="1175" name="그림 7" descr="C:/Users/Admin1/AppData/Roaming/PolarisOffice/ETemp/7736_6598648/fImage21801336334.png"/>
+          <p:cNvPicPr>
+            <a:picLocks noChangeAspect="1"/>
+          </p:cNvPicPr>
+          <p:nvPr/>
+        </p:nvPicPr>
+        <p:blipFill rotWithShape="1">
+          <a:blip r:embed="rId8" cstate="print">
+            <a:extLst>
+              <a:ext uri="{28A0092B-C50C-407E-A947-70E740481C1C}">
+                <a14:useLocalDpi xmlns:a14="http://schemas.microsoft.com/office/drawing/2010/main" val="0"/>
+              </a:ext>
+            </a:extLst>
+          </a:blip>
+          <a:stretch>
+            <a:fillRect/>
+          </a:stretch>
+        </p:blipFill>
+        <p:spPr>
+          <a:xfrm rot="0">
+            <a:off x="9780270" y="3251835"/>
+            <a:ext cx="789305" cy="850265"/>
+          </a:xfrm>
+          <a:prstGeom prst="roundRect"/>
+          <a:solidFill>
+            <a:srgbClr val="EDEDED"/>
+          </a:solidFill>
+        </p:spPr>
+      </p:pic>
+      <p:cxnSp>
+        <p:nvCxnSpPr>
+          <p:cNvPr id="1176" name="도형 10"/>
+          <p:cNvCxnSpPr>
+            <a:stCxn id="1175" idx="0"/>
+            <a:endCxn id="1173" idx="2"/>
+          </p:cNvCxnSpPr>
+          <p:nvPr/>
+        </p:nvCxnSpPr>
+        <p:spPr>
+          <a:xfrm rot="0" flipH="1" flipV="1">
+            <a:off x="10169525" y="2862580"/>
+            <a:ext cx="5715" cy="389890"/>
+          </a:xfrm>
+          <a:prstGeom prst="straightConnector1"/>
+          <a:ln w="6350" cap="flat" cmpd="sng">
+            <a:prstDash/>
+            <a:headEnd type="none" w="med" len="med"/>
+            <a:tailEnd type="triangle" w="med" len="med"/>
+          </a:ln>
+        </p:spPr>
+        <p:style>
+          <a:lnRef idx="1">
+            <a:schemeClr val="accent1"/>
+          </a:lnRef>
+          <a:fillRef idx="0">
+            <a:schemeClr val="accent1"/>
+          </a:fillRef>
+          <a:effectRef idx="0">
+            <a:schemeClr val="accent1"/>
+          </a:effectRef>
+          <a:fontRef idx="minor">
+            <a:schemeClr val="tx1"/>
+          </a:fontRef>
+        </p:style>
+      </p:cxnSp>
+    </p:spTree>
+  </p:cSld>
+  <p:clrMapOvr>
+    <a:masterClrMapping/>
+  </p:clrMapOvr>
+  <mc:AlternateContent xmlns:mc="http://schemas.openxmlformats.org/markup-compatibility/2006">
+    <mc:Choice xmlns:p14="http://schemas.microsoft.com/office/powerpoint/2010/main" Requires="p14">
+      <p:transition spd="slow" p14:dur="2000"/>
+    </mc:Choice>
+    <mc:Fallback>
+      <p:transition spd="slow"/>
+    </mc:Fallback>
+  </mc:AlternateContent>
+  <p:timing>
+    <p:tnLst>
+      <p:par>
+        <p:cTn id="1" dur="indefinite" restart="never" nodeType="tmRoot"/>
+      </p:par>
+    </p:tnLst>
+  </p:timing>
+</p:sld>
+</file>
+
+<file path=ppt/slides/slide9.xml><?xml version="1.0" encoding="utf-8"?>
+<p:sld xmlns:a="http://schemas.openxmlformats.org/drawingml/2006/main" xmlns:r="http://schemas.openxmlformats.org/officeDocument/2006/relationships" xmlns:p="http://schemas.openxmlformats.org/presentationml/2006/main">
+  <p:cSld>
+    <p:spTree>
+      <p:nvGrpSpPr>
+        <p:cNvPr id="1" name=""/>
+        <p:cNvGrpSpPr/>
+        <p:nvPr/>
+      </p:nvGrpSpPr>
+      <p:grpSpPr>
+        <a:xfrm>
+          <a:off x="0" y="0"/>
+          <a:ext cx="0" cy="0"/>
+          <a:chOff x="0" y="0"/>
+          <a:chExt cx="0" cy="0"/>
+        </a:xfrm>
+      </p:grpSpPr>
+      <p:sp>
+        <p:nvSpPr>
+          <p:cNvPr id="1031" name="Rect 0"/>
+          <p:cNvSpPr txBox="1">
+            <a:spLocks/>
+          </p:cNvSpPr>
+          <p:nvPr/>
+        </p:nvSpPr>
+        <p:spPr>
+          <a:xfrm rot="0">
+            <a:off x="4318635" y="318770"/>
+            <a:ext cx="3561715" cy="554990"/>
+          </a:xfrm>
+          <a:prstGeom prst="rect"/>
+          <a:noFill/>
+          <a:ln w="0">
+            <a:noFill/>
+            <a:prstDash/>
+          </a:ln>
+        </p:spPr>
+        <p:txBody>
+          <a:bodyPr wrap="square" lIns="89535" tIns="46355" rIns="89535" bIns="46355" numCol="1" vert="horz" anchor="t">
+            <a:spAutoFit/>
+          </a:bodyPr>
+          <a:lstStyle/>
+          <a:p>
+            <a:pPr marL="0" indent="0" algn="l" latinLnBrk="0">
+              <a:buFontTx/>
+              <a:buNone/>
+            </a:pPr>
+            <a:r>
+              <a:rPr lang="ko-KR" altLang="en-US" sz="3000" b="1">
+                <a:solidFill>
+                  <a:schemeClr val="tx1"/>
+                </a:solidFill>
+                <a:latin typeface="맑은 고딕" charset="0"/>
+                <a:ea typeface="맑은 고딕" charset="0"/>
+              </a:rPr>
+              <a:t>여덟</a:t>
+            </a:r>
+            <a:r>
+              <a:rPr lang="ko-KR" altLang="en-US" sz="3000" b="1">
+                <a:solidFill>
+                  <a:schemeClr val="tx1"/>
+                </a:solidFill>
+                <a:latin typeface="맑은 고딕" charset="0"/>
+                <a:ea typeface="맑은 고딕" charset="0"/>
+              </a:rPr>
+              <a:t> 번째 튜토리얼</a:t>
+            </a:r>
+            <a:endParaRPr lang="ko-KR" altLang="en-US" sz="3000" b="1">
+              <a:solidFill>
+                <a:schemeClr val="tx1"/>
+              </a:solidFill>
+              <a:latin typeface="맑은 고딕" charset="0"/>
+              <a:ea typeface="맑은 고딕" charset="0"/>
+            </a:endParaRPr>
+          </a:p>
+        </p:txBody>
+      </p:sp>
+      <p:sp>
+        <p:nvSpPr>
+          <p:cNvPr id="1158" name="Rect 0"/>
+          <p:cNvSpPr txBox="1">
+            <a:spLocks/>
+          </p:cNvSpPr>
+          <p:nvPr/>
+        </p:nvSpPr>
+        <p:spPr>
+          <a:xfrm rot="0">
+            <a:off x="1330960" y="5283200"/>
+            <a:ext cx="4058920" cy="944880"/>
+          </a:xfrm>
+          <a:prstGeom prst="rect"/>
+          <a:noFill/>
+        </p:spPr>
+        <p:txBody>
+          <a:bodyPr wrap="square" lIns="0" tIns="0" rIns="0" bIns="0" numCol="1" vert="horz" anchor="t">
+            <a:noAutofit/>
+          </a:bodyPr>
+          <a:lstStyle/>
+          <a:p>
+            <a:pPr marL="0" indent="0" algn="l" latinLnBrk="0" hangingPunct="1">
+              <a:buFontTx/>
+              <a:buNone/>
+            </a:pPr>
+            <a:r>
+              <a:rPr lang="ko-KR" sz="2000" b="1">
+                <a:solidFill>
+                  <a:srgbClr val="0611F2"/>
+                </a:solidFill>
+                <a:latin typeface="맑은 고딕" charset="0"/>
+                <a:ea typeface="맑은 고딕" charset="0"/>
+              </a:rPr>
+              <a:t>1</a:t>
+            </a:r>
+            <a:r>
+              <a:rPr lang="ko-KR" sz="2000" b="1">
+                <a:solidFill>
+                  <a:srgbClr val="0611F2"/>
+                </a:solidFill>
+                <a:latin typeface="맑은 고딕" charset="0"/>
+                <a:ea typeface="맑은 고딕" charset="0"/>
+              </a:rPr>
+              <a:t>9</a:t>
+            </a:r>
+            <a:r>
+              <a:rPr lang="ko-KR" sz="2000" b="1">
+                <a:solidFill>
+                  <a:srgbClr val="0611F2"/>
+                </a:solidFill>
+                <a:latin typeface="맑은 고딕" charset="0"/>
+                <a:ea typeface="맑은 고딕" charset="0"/>
+              </a:rPr>
+              <a:t>. </a:t>
+            </a:r>
+            <a:r>
+              <a:rPr lang="ko-KR" sz="1800">
+                <a:latin typeface="맑은 고딕" charset="0"/>
+                <a:ea typeface="맑은 고딕" charset="0"/>
+              </a:rPr>
+              <a:t>이제</a:t>
+            </a:r>
+            <a:r>
+              <a:rPr lang="ko-KR" sz="1800">
+                <a:latin typeface="맑은 고딕" charset="0"/>
+                <a:ea typeface="맑은 고딕" charset="0"/>
+              </a:rPr>
+              <a:t> </a:t>
+            </a:r>
+            <a:r>
+              <a:rPr lang="ko-KR" sz="1800">
+                <a:latin typeface="맑은 고딕" charset="0"/>
+                <a:ea typeface="맑은 고딕" charset="0"/>
+              </a:rPr>
+              <a:t>LightManager 스크립트에서 boolean 변수와 게임 오브젝트 변수를 배열로 선언합니다.</a:t>
+            </a:r>
+            <a:endParaRPr lang="ko-KR" altLang="en-US" sz="1800">
+              <a:latin typeface="맑은 고딕" charset="0"/>
+              <a:ea typeface="맑은 고딕" charset="0"/>
+            </a:endParaRPr>
+          </a:p>
+        </p:txBody>
+      </p:sp>
+      <p:pic>
+        <p:nvPicPr>
+          <p:cNvPr id="1177" name="그림 11" descr="C:/Users/Admin1/AppData/Roaming/PolarisOffice/ETemp/7736_6598648/fImage39392206500.png"/>
+          <p:cNvPicPr>
+            <a:picLocks noChangeAspect="1"/>
+          </p:cNvPicPr>
+          <p:nvPr/>
+        </p:nvPicPr>
+        <p:blipFill rotWithShape="1">
+          <a:blip r:embed="rId2" cstate="print">
+            <a:extLst>
+              <a:ext uri="{28A0092B-C50C-407E-A947-70E740481C1C}">
+                <a14:useLocalDpi xmlns:a14="http://schemas.microsoft.com/office/drawing/2010/main" val="0"/>
+              </a:ext>
+            </a:extLst>
+          </a:blip>
+          <a:stretch>
+            <a:fillRect/>
+          </a:stretch>
+        </p:blipFill>
+        <p:spPr>
+          <a:xfrm rot="0">
+            <a:off x="1332230" y="3718560"/>
+            <a:ext cx="4048125" cy="1436370"/>
+          </a:xfrm>
+          <a:prstGeom prst="roundRect"/>
+          <a:solidFill>
+            <a:srgbClr val="EDEDED"/>
+          </a:solidFill>
+        </p:spPr>
+      </p:pic>
+      <p:pic>
+        <p:nvPicPr>
+          <p:cNvPr id="1178" name="그림 14" descr="C:/Users/Admin1/AppData/Roaming/PolarisOffice/ETemp/7736_6598648/fImage35432219169.png"/>
+          <p:cNvPicPr>
+            <a:picLocks noChangeAspect="1"/>
+          </p:cNvPicPr>
+          <p:nvPr/>
+        </p:nvPicPr>
+        <p:blipFill rotWithShape="1">
+          <a:blip r:embed="rId3" cstate="print">
+            <a:extLst>
+              <a:ext uri="{28A0092B-C50C-407E-A947-70E740481C1C}">
+                <a14:useLocalDpi xmlns:a14="http://schemas.microsoft.com/office/drawing/2010/main" val="0"/>
+              </a:ext>
+            </a:extLst>
+          </a:blip>
+          <a:stretch>
+            <a:fillRect/>
+          </a:stretch>
+        </p:blipFill>
+        <p:spPr>
+          <a:xfrm rot="0">
+            <a:off x="6798310" y="1362075"/>
+            <a:ext cx="4126230" cy="1579245"/>
+          </a:xfrm>
+          <a:prstGeom prst="roundRect"/>
+          <a:solidFill>
+            <a:srgbClr val="EDEDED"/>
+          </a:solidFill>
+        </p:spPr>
+      </p:pic>
+      <p:sp>
+        <p:nvSpPr>
+          <p:cNvPr id="1179" name="텍스트 상자 17"/>
+          <p:cNvSpPr txBox="1">
+            <a:spLocks/>
+          </p:cNvSpPr>
+          <p:nvPr/>
+        </p:nvSpPr>
+        <p:spPr>
+          <a:xfrm rot="0">
+            <a:off x="6809105" y="3082925"/>
+            <a:ext cx="4123690" cy="3136265"/>
+          </a:xfrm>
+          <a:prstGeom prst="rect"/>
+          <a:noFill/>
+        </p:spPr>
+        <p:txBody>
+          <a:bodyPr wrap="square" lIns="0" tIns="0" rIns="0" bIns="0" numCol="1" vert="horz" anchor="t">
+            <a:noAutofit/>
+          </a:bodyPr>
+          <a:lstStyle/>
+          <a:p>
+            <a:pPr marL="0" indent="0" algn="l" latinLnBrk="0" hangingPunct="1">
+              <a:buFontTx/>
+              <a:buNone/>
+            </a:pPr>
+            <a:r>
+              <a:rPr lang="ko-KR" sz="2000" b="1">
+                <a:solidFill>
+                  <a:srgbClr val="0611F2"/>
+                </a:solidFill>
+                <a:latin typeface="맑은 고딕" charset="0"/>
+                <a:ea typeface="맑은 고딕" charset="0"/>
+              </a:rPr>
+              <a:t>20</a:t>
+            </a:r>
+            <a:r>
+              <a:rPr lang="ko-KR" sz="2000" b="1">
+                <a:solidFill>
+                  <a:srgbClr val="0611F2"/>
+                </a:solidFill>
+                <a:latin typeface="맑은 고딕" charset="0"/>
+                <a:ea typeface="맑은 고딕" charset="0"/>
+              </a:rPr>
+              <a:t>. </a:t>
+            </a:r>
+            <a:r>
+              <a:rPr lang="ko-KR" sz="1800">
+                <a:latin typeface="맑은 고딕" charset="0"/>
+                <a:ea typeface="맑은 고딕" charset="0"/>
+              </a:rPr>
+              <a:t>그다음 LightSetting(int) 함수를 선언합니다.</a:t>
+            </a:r>
+            <a:endParaRPr lang="ko-KR" altLang="en-US" sz="1800">
+              <a:latin typeface="맑은 고딕" charset="0"/>
+              <a:ea typeface="맑은 고딕" charset="0"/>
+            </a:endParaRPr>
+          </a:p>
+          <a:p>
+            <a:pPr marL="0" indent="0" algn="l" latinLnBrk="0" hangingPunct="1">
+              <a:buFontTx/>
+              <a:buNone/>
+            </a:pPr>
+            <a:endParaRPr lang="ko-KR" altLang="en-US" sz="1800">
+              <a:latin typeface="맑은 고딕" charset="0"/>
+              <a:ea typeface="맑은 고딕" charset="0"/>
+            </a:endParaRPr>
+          </a:p>
+          <a:p>
+            <a:pPr marL="0" indent="0" algn="l" latinLnBrk="0" hangingPunct="1">
+              <a:buFontTx/>
+              <a:buNone/>
+            </a:pPr>
+            <a:r>
+              <a:rPr lang="ko-KR" sz="1800">
+                <a:latin typeface="맑은 고딕" charset="0"/>
+                <a:ea typeface="맑은 고딕" charset="0"/>
+              </a:rPr>
+              <a:t>그리고 함수를 호출할 때마다 boolean 변수의 값을 반대로 저장하도록 설정하고 매개변수를 lightEffect의 원소의 요소로 설정합니다.</a:t>
+            </a:r>
+            <a:endParaRPr lang="ko-KR" altLang="en-US" sz="1800">
+              <a:latin typeface="맑은 고딕" charset="0"/>
+              <a:ea typeface="맑은 고딕" charset="0"/>
+            </a:endParaRPr>
+          </a:p>
+          <a:p>
+            <a:pPr marL="0" indent="0" algn="l" latinLnBrk="0" hangingPunct="1">
+              <a:buFontTx/>
+              <a:buNone/>
+            </a:pPr>
+            <a:endParaRPr lang="ko-KR" altLang="en-US" sz="1800">
+              <a:latin typeface="맑은 고딕" charset="0"/>
+              <a:ea typeface="맑은 고딕" charset="0"/>
+            </a:endParaRPr>
+          </a:p>
+          <a:p>
+            <a:pPr marL="0" indent="0" algn="l" latinLnBrk="0" hangingPunct="1">
+              <a:buFontTx/>
+              <a:buNone/>
+            </a:pPr>
+            <a:r>
+              <a:rPr lang="ko-KR" sz="1800">
+                <a:latin typeface="맑은 고딕" charset="0"/>
+                <a:ea typeface="맑은 고딕" charset="0"/>
+              </a:rPr>
+              <a:t>마지막으로 boolean 변수의 값을 게임 오브젝트의 SetActive의 값으로 넣어줍니다.</a:t>
+            </a:r>
+            <a:endParaRPr lang="ko-KR" altLang="en-US" sz="1800">
+              <a:latin typeface="맑은 고딕" charset="0"/>
+              <a:ea typeface="맑은 고딕" charset="0"/>
+            </a:endParaRPr>
+          </a:p>
+        </p:txBody>
+      </p:sp>
+      <p:pic>
+        <p:nvPicPr>
+          <p:cNvPr id="1180" name="그림 18" descr="C:/Users/Admin1/AppData/Roaming/PolarisOffice/ETemp/7736_6598648/fImage117502235724.png"/>
+          <p:cNvPicPr>
+            <a:picLocks noChangeAspect="1"/>
+          </p:cNvPicPr>
+          <p:nvPr/>
+        </p:nvPicPr>
+        <p:blipFill rotWithShape="1">
+          <a:blip r:embed="rId4" cstate="print">
+            <a:extLst>
+              <a:ext uri="{28A0092B-C50C-407E-A947-70E740481C1C}">
+                <a14:useLocalDpi xmlns:a14="http://schemas.microsoft.com/office/drawing/2010/main" val="0"/>
+              </a:ext>
+            </a:extLst>
+          </a:blip>
+          <a:stretch>
+            <a:fillRect/>
+          </a:stretch>
+        </p:blipFill>
+        <p:spPr>
+          <a:xfrm rot="0">
+            <a:off x="1323340" y="1362075"/>
+            <a:ext cx="4065270" cy="1457960"/>
+          </a:xfrm>
+          <a:prstGeom prst="roundRect"/>
+          <a:solidFill>
+            <a:srgbClr val="EDEDED"/>
+          </a:solidFill>
+        </p:spPr>
+      </p:pic>
+      <p:sp>
+        <p:nvSpPr>
+          <p:cNvPr id="1181" name="텍스트 상자 21"/>
+          <p:cNvSpPr txBox="1">
+            <a:spLocks/>
+          </p:cNvSpPr>
+          <p:nvPr/>
+        </p:nvSpPr>
+        <p:spPr>
+          <a:xfrm rot="0">
+            <a:off x="1333500" y="2933065"/>
+            <a:ext cx="4058920" cy="691515"/>
+          </a:xfrm>
+          <a:prstGeom prst="rect"/>
+          <a:noFill/>
+        </p:spPr>
+        <p:txBody>
+          <a:bodyPr wrap="square" lIns="0" tIns="0" rIns="0" bIns="0" numCol="1" vert="horz" anchor="t">
+            <a:noAutofit/>
+          </a:bodyPr>
+          <a:lstStyle/>
+          <a:p>
+            <a:pPr marL="0" indent="0" algn="l" latinLnBrk="0" hangingPunct="1">
+              <a:buFontTx/>
+              <a:buNone/>
+            </a:pPr>
+            <a:r>
+              <a:rPr lang="ko-KR" sz="2000" b="1">
+                <a:solidFill>
+                  <a:srgbClr val="0611F2"/>
+                </a:solidFill>
+                <a:latin typeface="맑은 고딕" charset="0"/>
+                <a:ea typeface="맑은 고딕" charset="0"/>
+              </a:rPr>
+              <a:t>1</a:t>
+            </a:r>
+            <a:r>
+              <a:rPr lang="ko-KR" sz="2000" b="1">
+                <a:solidFill>
+                  <a:srgbClr val="0611F2"/>
+                </a:solidFill>
+                <a:latin typeface="맑은 고딕" charset="0"/>
+                <a:ea typeface="맑은 고딕" charset="0"/>
+              </a:rPr>
+              <a:t>8</a:t>
+            </a:r>
+            <a:r>
+              <a:rPr lang="ko-KR" sz="2000" b="1">
+                <a:solidFill>
+                  <a:srgbClr val="0611F2"/>
+                </a:solidFill>
+                <a:latin typeface="맑은 고딕" charset="0"/>
+                <a:ea typeface="맑은 고딕" charset="0"/>
+              </a:rPr>
+              <a:t>. </a:t>
+            </a:r>
+            <a:r>
+              <a:rPr lang="ko-KR" sz="1800">
+                <a:latin typeface="맑은 고딕" charset="0"/>
+                <a:ea typeface="맑은 고딕" charset="0"/>
+              </a:rPr>
+              <a:t>그런 다음 </a:t>
+            </a:r>
+            <a:r>
+              <a:rPr lang="ko-KR" sz="1800">
+                <a:latin typeface="맑은 고딕" charset="0"/>
+                <a:ea typeface="맑은 고딕" charset="0"/>
+              </a:rPr>
+              <a:t>Floor 오브젝트의 위치와 회전 값을 초기화합니다.</a:t>
             </a:r>
             <a:endParaRPr lang="ko-KR" altLang="en-US" sz="1800">
               <a:latin typeface="맑은 고딕" charset="0"/>

--- a/Assets/Class/Light/PPT Data/Light Example.pptx
+++ b/Assets/Class/Light/PPT Data/Light Example.pptx
@@ -2,23 +2,26 @@
 <file path=ppt/presentation.xml><?xml version="1.0" encoding="utf-8"?>
 <p:presentation xmlns:a="http://schemas.openxmlformats.org/drawingml/2006/main" xmlns:r="http://schemas.openxmlformats.org/officeDocument/2006/relationships" xmlns:p="http://schemas.openxmlformats.org/presentationml/2006/main" xmlns:p14="http://schemas.microsoft.com/office/powerpoint/2010/main" saveSubsetFonts="1" firstSlideNum="0">
   <p:sldMasterIdLst>
-    <p:sldMasterId id="2147485914" r:id="rId12"/>
+    <p:sldMasterId id="2147485927" r:id="rId12"/>
   </p:sldMasterIdLst>
   <p:notesMasterIdLst>
     <p:notesMasterId r:id="rId14"/>
   </p:notesMasterIdLst>
   <p:sldIdLst>
     <p:sldId id="287" r:id="rId16"/>
-    <p:sldId id="294" r:id="rId17"/>
-    <p:sldId id="295" r:id="rId18"/>
-    <p:sldId id="296" r:id="rId19"/>
-    <p:sldId id="299" r:id="rId20"/>
-    <p:sldId id="300" r:id="rId21"/>
-    <p:sldId id="302" r:id="rId22"/>
-    <p:sldId id="301" r:id="rId23"/>
-    <p:sldId id="303" r:id="rId24"/>
-    <p:sldId id="304" r:id="rId25"/>
-    <p:sldId id="305" r:id="rId26"/>
+    <p:sldId id="294" r:id="rId18"/>
+    <p:sldId id="295" r:id="rId20"/>
+    <p:sldId id="296" r:id="rId22"/>
+    <p:sldId id="299" r:id="rId24"/>
+    <p:sldId id="300" r:id="rId26"/>
+    <p:sldId id="302" r:id="rId28"/>
+    <p:sldId id="301" r:id="rId30"/>
+    <p:sldId id="303" r:id="rId32"/>
+    <p:sldId id="304" r:id="rId34"/>
+    <p:sldId id="305" r:id="rId36"/>
+    <p:sldId id="306" r:id="rId38"/>
+    <p:sldId id="307" r:id="rId40"/>
+    <p:sldId id="308" r:id="rId42"/>
   </p:sldIdLst>
   <p:sldSz cx="12192000" cy="6858000"/>
   <p:notesSz cx="6858000" cy="9144000"/>
@@ -903,6 +906,432 @@
 </p:notes>
 </file>
 
+<file path=ppt/notesSlides/notesSlide12.xml><?xml version="1.0" encoding="utf-8"?>
+<p:notes xmlns:a="http://schemas.openxmlformats.org/drawingml/2006/main" xmlns:r="http://schemas.openxmlformats.org/officeDocument/2006/relationships" xmlns:p="http://schemas.openxmlformats.org/presentationml/2006/main">
+  <p:cSld>
+    <p:spTree>
+      <p:nvGrpSpPr>
+        <p:cNvPr id="1" name=""/>
+        <p:cNvGrpSpPr/>
+        <p:nvPr/>
+      </p:nvGrpSpPr>
+      <p:grpSpPr>
+        <a:xfrm>
+          <a:off x="0" y="0"/>
+          <a:ext cx="0" cy="0"/>
+          <a:chOff x="0" y="0"/>
+          <a:chExt cx="0" cy="0"/>
+        </a:xfrm>
+      </p:grpSpPr>
+      <p:sp>
+        <p:nvSpPr>
+          <p:cNvPr id="2" name="슬라이드 이미지 개체 틀 3"/>
+          <p:cNvSpPr>
+            <a:spLocks noChangeAspect="1"/>
+          </p:cNvSpPr>
+          <p:nvPr>
+            <p:ph type="sldImg" idx="2"/>
+          </p:nvPr>
+        </p:nvSpPr>
+        <p:spPr>
+          <a:xfrm rot="0">
+            <a:off x="685800" y="1143000"/>
+            <a:ext cx="5492750" cy="3092450"/>
+          </a:xfrm>
+          <a:prstGeom prst="rect"/>
+          <a:noFill/>
+          <a:ln w="12700" cap="flat" cmpd="sng">
+            <a:solidFill>
+              <a:srgbClr val="000000">
+                <a:alpha val="100000"/>
+              </a:srgbClr>
+            </a:solidFill>
+            <a:prstDash val="solid"/>
+          </a:ln>
+        </p:spPr>
+        <p:txBody>
+          <a:bodyPr wrap="square" lIns="91440" tIns="45720" rIns="91440" bIns="45720" numCol="1" vert="horz" anchor="ctr">
+            <a:noAutofit/>
+          </a:bodyPr>
+          <a:lstStyle/>
+          <a:p>
+            <a:pPr marL="0" indent="0" latinLnBrk="0">
+              <a:buFontTx/>
+              <a:buNone/>
+            </a:pPr>
+          </a:p>
+        </p:txBody>
+      </p:sp>
+      <p:sp>
+        <p:nvSpPr>
+          <p:cNvPr id="3" name="슬라이드 노트 개체 틀 4"/>
+          <p:cNvSpPr txBox="1">
+            <a:spLocks/>
+          </p:cNvSpPr>
+          <p:nvPr>
+            <p:ph type="body" idx="3"/>
+          </p:nvPr>
+        </p:nvSpPr>
+        <p:spPr>
+          <a:xfrm rot="0">
+            <a:off x="685800" y="4400550"/>
+            <a:ext cx="5492750" cy="3606800"/>
+          </a:xfrm>
+          <a:prstGeom prst="rect"/>
+        </p:spPr>
+        <p:txBody>
+          <a:bodyPr wrap="square" lIns="91440" tIns="45720" rIns="91440" bIns="45720" numCol="1" vert="horz" anchor="t">
+            <a:noAutofit/>
+          </a:bodyPr>
+          <a:lstStyle/>
+          <a:p>
+            <a:pPr marL="0" indent="0" latinLnBrk="0">
+              <a:buFontTx/>
+              <a:buNone/>
+            </a:pPr>
+          </a:p>
+        </p:txBody>
+      </p:sp>
+      <p:sp>
+        <p:nvSpPr>
+          <p:cNvPr id="4" name="슬라이드 번호 개체 틀 6"/>
+          <p:cNvSpPr txBox="1">
+            <a:spLocks/>
+          </p:cNvSpPr>
+          <p:nvPr>
+            <p:ph type="sldNum" idx="5"/>
+          </p:nvPr>
+        </p:nvSpPr>
+        <p:spPr>
+          <a:xfrm rot="0">
+            <a:off x="3884930" y="8685530"/>
+            <a:ext cx="2978150" cy="464820"/>
+          </a:xfrm>
+          <a:prstGeom prst="rect"/>
+        </p:spPr>
+        <p:txBody>
+          <a:bodyPr wrap="square" lIns="91440" tIns="45720" rIns="91440" bIns="45720" numCol="1" vert="horz" anchor="b">
+            <a:noAutofit/>
+          </a:bodyPr>
+          <a:lstStyle>
+            <a:lvl1pPr marL="0" indent="0" algn="r" latinLnBrk="0">
+              <a:buFontTx/>
+              <a:buNone/>
+              <a:defRPr lang="en-GB" altLang="en-US" sz="1200"/>
+            </a:lvl1pPr>
+          </a:lstStyle>
+          <a:p>
+            <a:pPr marL="0" indent="0" latinLnBrk="0">
+              <a:buFontTx/>
+              <a:buNone/>
+            </a:pPr>
+            <a:fld id="{B9320F77-B9A0-41C5-862A-B4B631284C64}" type="slidenum">
+              <a:rPr lang="ko-KR" altLang="en-US"/>
+              <a:t>‹#›</a:t>
+            </a:fld>
+          </a:p>
+        </p:txBody>
+      </p:sp>
+    </p:spTree>
+  </p:cSld>
+  <p:clrMapOvr>
+    <a:masterClrMapping/>
+  </p:clrMapOvr>
+  <mc:AlternateContent xmlns:mc="http://schemas.openxmlformats.org/markup-compatibility/2006">
+    <mc:Choice xmlns:p14="http://schemas.microsoft.com/office/powerpoint/2010/main" Requires="p14">
+      <p:transition spd="slow" p14:dur="0"/>
+    </mc:Choice>
+    <mc:Fallback>
+      <p:transition spd="slow"/>
+    </mc:Fallback>
+  </mc:AlternateContent>
+</p:notes>
+</file>
+
+<file path=ppt/notesSlides/notesSlide13.xml><?xml version="1.0" encoding="utf-8"?>
+<p:notes xmlns:a="http://schemas.openxmlformats.org/drawingml/2006/main" xmlns:r="http://schemas.openxmlformats.org/officeDocument/2006/relationships" xmlns:p="http://schemas.openxmlformats.org/presentationml/2006/main">
+  <p:cSld>
+    <p:spTree>
+      <p:nvGrpSpPr>
+        <p:cNvPr id="1" name=""/>
+        <p:cNvGrpSpPr/>
+        <p:nvPr/>
+      </p:nvGrpSpPr>
+      <p:grpSpPr>
+        <a:xfrm>
+          <a:off x="0" y="0"/>
+          <a:ext cx="0" cy="0"/>
+          <a:chOff x="0" y="0"/>
+          <a:chExt cx="0" cy="0"/>
+        </a:xfrm>
+      </p:grpSpPr>
+      <p:sp>
+        <p:nvSpPr>
+          <p:cNvPr id="2" name="슬라이드 이미지 개체 틀 3"/>
+          <p:cNvSpPr>
+            <a:spLocks noChangeAspect="1"/>
+          </p:cNvSpPr>
+          <p:nvPr>
+            <p:ph type="sldImg" idx="2"/>
+          </p:nvPr>
+        </p:nvSpPr>
+        <p:spPr>
+          <a:xfrm rot="0">
+            <a:off x="685800" y="1143000"/>
+            <a:ext cx="5492750" cy="3092450"/>
+          </a:xfrm>
+          <a:prstGeom prst="rect"/>
+          <a:noFill/>
+          <a:ln w="12700" cap="flat" cmpd="sng">
+            <a:solidFill>
+              <a:srgbClr val="000000">
+                <a:alpha val="100000"/>
+              </a:srgbClr>
+            </a:solidFill>
+            <a:prstDash val="solid"/>
+          </a:ln>
+        </p:spPr>
+        <p:txBody>
+          <a:bodyPr wrap="square" lIns="91440" tIns="45720" rIns="91440" bIns="45720" numCol="1" vert="horz" anchor="ctr">
+            <a:noAutofit/>
+          </a:bodyPr>
+          <a:lstStyle/>
+          <a:p>
+            <a:pPr marL="0" indent="0" latinLnBrk="0">
+              <a:buFontTx/>
+              <a:buNone/>
+            </a:pPr>
+          </a:p>
+        </p:txBody>
+      </p:sp>
+      <p:sp>
+        <p:nvSpPr>
+          <p:cNvPr id="3" name="슬라이드 노트 개체 틀 4"/>
+          <p:cNvSpPr txBox="1">
+            <a:spLocks/>
+          </p:cNvSpPr>
+          <p:nvPr>
+            <p:ph type="body" idx="3"/>
+          </p:nvPr>
+        </p:nvSpPr>
+        <p:spPr>
+          <a:xfrm rot="0">
+            <a:off x="685800" y="4400550"/>
+            <a:ext cx="5492750" cy="3606800"/>
+          </a:xfrm>
+          <a:prstGeom prst="rect"/>
+        </p:spPr>
+        <p:txBody>
+          <a:bodyPr wrap="square" lIns="91440" tIns="45720" rIns="91440" bIns="45720" numCol="1" vert="horz" anchor="t">
+            <a:noAutofit/>
+          </a:bodyPr>
+          <a:lstStyle/>
+          <a:p>
+            <a:pPr marL="0" indent="0" latinLnBrk="0">
+              <a:buFontTx/>
+              <a:buNone/>
+            </a:pPr>
+          </a:p>
+        </p:txBody>
+      </p:sp>
+      <p:sp>
+        <p:nvSpPr>
+          <p:cNvPr id="4" name="슬라이드 번호 개체 틀 6"/>
+          <p:cNvSpPr txBox="1">
+            <a:spLocks/>
+          </p:cNvSpPr>
+          <p:nvPr>
+            <p:ph type="sldNum" idx="5"/>
+          </p:nvPr>
+        </p:nvSpPr>
+        <p:spPr>
+          <a:xfrm rot="0">
+            <a:off x="3884930" y="8685530"/>
+            <a:ext cx="2978150" cy="464820"/>
+          </a:xfrm>
+          <a:prstGeom prst="rect"/>
+        </p:spPr>
+        <p:txBody>
+          <a:bodyPr wrap="square" lIns="91440" tIns="45720" rIns="91440" bIns="45720" numCol="1" vert="horz" anchor="b">
+            <a:noAutofit/>
+          </a:bodyPr>
+          <a:lstStyle>
+            <a:lvl1pPr marL="0" indent="0" algn="r" latinLnBrk="0">
+              <a:buFontTx/>
+              <a:buNone/>
+              <a:defRPr lang="en-GB" altLang="en-US" sz="1200"/>
+            </a:lvl1pPr>
+          </a:lstStyle>
+          <a:p>
+            <a:pPr marL="0" indent="0" latinLnBrk="0">
+              <a:buFontTx/>
+              <a:buNone/>
+            </a:pPr>
+            <a:fld id="{B9320F77-B9A0-41C5-862A-B4B631284C64}" type="slidenum">
+              <a:rPr lang="ko-KR" altLang="en-US"/>
+              <a:t>‹#›</a:t>
+            </a:fld>
+          </a:p>
+        </p:txBody>
+      </p:sp>
+    </p:spTree>
+  </p:cSld>
+  <p:clrMapOvr>
+    <a:masterClrMapping/>
+  </p:clrMapOvr>
+  <mc:AlternateContent xmlns:mc="http://schemas.openxmlformats.org/markup-compatibility/2006">
+    <mc:Choice xmlns:p14="http://schemas.microsoft.com/office/powerpoint/2010/main" Requires="p14">
+      <p:transition spd="slow" p14:dur="0"/>
+    </mc:Choice>
+    <mc:Fallback>
+      <p:transition spd="slow"/>
+    </mc:Fallback>
+  </mc:AlternateContent>
+</p:notes>
+</file>
+
+<file path=ppt/notesSlides/notesSlide14.xml><?xml version="1.0" encoding="utf-8"?>
+<p:notes xmlns:a="http://schemas.openxmlformats.org/drawingml/2006/main" xmlns:r="http://schemas.openxmlformats.org/officeDocument/2006/relationships" xmlns:p="http://schemas.openxmlformats.org/presentationml/2006/main">
+  <p:cSld>
+    <p:spTree>
+      <p:nvGrpSpPr>
+        <p:cNvPr id="1" name=""/>
+        <p:cNvGrpSpPr/>
+        <p:nvPr/>
+      </p:nvGrpSpPr>
+      <p:grpSpPr>
+        <a:xfrm>
+          <a:off x="0" y="0"/>
+          <a:ext cx="0" cy="0"/>
+          <a:chOff x="0" y="0"/>
+          <a:chExt cx="0" cy="0"/>
+        </a:xfrm>
+      </p:grpSpPr>
+      <p:sp>
+        <p:nvSpPr>
+          <p:cNvPr id="2" name="슬라이드 이미지 개체 틀 3"/>
+          <p:cNvSpPr>
+            <a:spLocks noChangeAspect="1"/>
+          </p:cNvSpPr>
+          <p:nvPr>
+            <p:ph type="sldImg" idx="2"/>
+          </p:nvPr>
+        </p:nvSpPr>
+        <p:spPr>
+          <a:xfrm rot="0">
+            <a:off x="685800" y="1143000"/>
+            <a:ext cx="5492750" cy="3092450"/>
+          </a:xfrm>
+          <a:prstGeom prst="rect"/>
+          <a:noFill/>
+          <a:ln w="12700" cap="flat" cmpd="sng">
+            <a:solidFill>
+              <a:srgbClr val="000000">
+                <a:alpha val="100000"/>
+              </a:srgbClr>
+            </a:solidFill>
+            <a:prstDash val="solid"/>
+          </a:ln>
+        </p:spPr>
+        <p:txBody>
+          <a:bodyPr wrap="square" lIns="91440" tIns="45720" rIns="91440" bIns="45720" numCol="1" vert="horz" anchor="ctr">
+            <a:noAutofit/>
+          </a:bodyPr>
+          <a:lstStyle/>
+          <a:p>
+            <a:pPr marL="0" indent="0" latinLnBrk="0">
+              <a:buFontTx/>
+              <a:buNone/>
+            </a:pPr>
+          </a:p>
+        </p:txBody>
+      </p:sp>
+      <p:sp>
+        <p:nvSpPr>
+          <p:cNvPr id="3" name="슬라이드 노트 개체 틀 4"/>
+          <p:cNvSpPr txBox="1">
+            <a:spLocks/>
+          </p:cNvSpPr>
+          <p:nvPr>
+            <p:ph type="body" idx="3"/>
+          </p:nvPr>
+        </p:nvSpPr>
+        <p:spPr>
+          <a:xfrm rot="0">
+            <a:off x="685800" y="4400550"/>
+            <a:ext cx="5492750" cy="3606800"/>
+          </a:xfrm>
+          <a:prstGeom prst="rect"/>
+        </p:spPr>
+        <p:txBody>
+          <a:bodyPr wrap="square" lIns="91440" tIns="45720" rIns="91440" bIns="45720" numCol="1" vert="horz" anchor="t">
+            <a:noAutofit/>
+          </a:bodyPr>
+          <a:lstStyle/>
+          <a:p>
+            <a:pPr marL="0" indent="0" latinLnBrk="0">
+              <a:buFontTx/>
+              <a:buNone/>
+            </a:pPr>
+          </a:p>
+        </p:txBody>
+      </p:sp>
+      <p:sp>
+        <p:nvSpPr>
+          <p:cNvPr id="4" name="슬라이드 번호 개체 틀 6"/>
+          <p:cNvSpPr txBox="1">
+            <a:spLocks/>
+          </p:cNvSpPr>
+          <p:nvPr>
+            <p:ph type="sldNum" idx="5"/>
+          </p:nvPr>
+        </p:nvSpPr>
+        <p:spPr>
+          <a:xfrm rot="0">
+            <a:off x="3884930" y="8685530"/>
+            <a:ext cx="2978150" cy="464820"/>
+          </a:xfrm>
+          <a:prstGeom prst="rect"/>
+        </p:spPr>
+        <p:txBody>
+          <a:bodyPr wrap="square" lIns="91440" tIns="45720" rIns="91440" bIns="45720" numCol="1" vert="horz" anchor="b">
+            <a:noAutofit/>
+          </a:bodyPr>
+          <a:lstStyle>
+            <a:lvl1pPr marL="0" indent="0" algn="r" latinLnBrk="0">
+              <a:buFontTx/>
+              <a:buNone/>
+              <a:defRPr lang="en-GB" altLang="en-US" sz="1200"/>
+            </a:lvl1pPr>
+          </a:lstStyle>
+          <a:p>
+            <a:pPr marL="0" indent="0" latinLnBrk="0">
+              <a:buFontTx/>
+              <a:buNone/>
+            </a:pPr>
+            <a:fld id="{B9320F77-B9A0-41C5-862A-B4B631284C64}" type="slidenum">
+              <a:rPr lang="ko-KR" altLang="en-US"/>
+              <a:t>‹#›</a:t>
+            </a:fld>
+          </a:p>
+        </p:txBody>
+      </p:sp>
+    </p:spTree>
+  </p:cSld>
+  <p:clrMapOvr>
+    <a:masterClrMapping/>
+  </p:clrMapOvr>
+  <mc:AlternateContent xmlns:mc="http://schemas.openxmlformats.org/markup-compatibility/2006">
+    <mc:Choice xmlns:p14="http://schemas.microsoft.com/office/powerpoint/2010/main" Requires="p14">
+      <p:transition spd="slow" p14:dur="0"/>
+    </mc:Choice>
+    <mc:Fallback>
+      <p:transition spd="slow"/>
+    </mc:Fallback>
+  </mc:AlternateContent>
+</p:notes>
+</file>
+
 <file path=ppt/notesSlides/notesSlide2.xml><?xml version="1.0" encoding="utf-8"?>
 <p:notes xmlns:a="http://schemas.openxmlformats.org/drawingml/2006/main" xmlns:r="http://schemas.openxmlformats.org/officeDocument/2006/relationships" xmlns:p="http://schemas.openxmlformats.org/presentationml/2006/main">
   <p:cSld>
@@ -7393,7 +7822,7 @@
 </file>
 
 <file path=ppt/slides/slide10.xml><?xml version="1.0" encoding="utf-8"?>
-<p:sld xmlns:a="http://schemas.openxmlformats.org/drawingml/2006/main" xmlns:r="http://schemas.openxmlformats.org/officeDocument/2006/relationships" xmlns:p="http://schemas.openxmlformats.org/presentationml/2006/main">
+<p:sld xmlns:a="http://schemas.openxmlformats.org/drawingml/2006/main" xmlns:r="http://schemas.openxmlformats.org/officeDocument/2006/relationships" xmlns:p="http://schemas.openxmlformats.org/presentationml/2006/main" xmlns:p14="http://schemas.microsoft.com/office/powerpoint/2010/main">
   <p:cSld>
     <p:spTree>
       <p:nvGrpSpPr>
@@ -7531,7 +7960,7 @@
       </p:sp>
       <p:pic>
         <p:nvPicPr>
-          <p:cNvPr id="1180" name="그림 22" descr="C:/Users/Admin1/AppData/Roaming/PolarisOffice/ETemp/7736_6598648/fImage140922351478.png"/>
+          <p:cNvPr id="1180" name="그림 22"/>
           <p:cNvPicPr>
             <a:picLocks noChangeAspect="1"/>
           </p:cNvPicPr>
@@ -7562,7 +7991,7 @@
       </p:pic>
       <p:pic>
         <p:nvPicPr>
-          <p:cNvPr id="1181" name="그림 25" descr="C:/Users/Admin1/AppData/Roaming/PolarisOffice/ETemp/7736_6598648/fImage77552369358.png"/>
+          <p:cNvPr id="1181" name="그림 25"/>
           <p:cNvPicPr>
             <a:picLocks noChangeAspect="1"/>
           </p:cNvPicPr>
@@ -7692,7 +8121,7 @@
       </p:cxnSp>
       <p:pic>
         <p:nvPicPr>
-          <p:cNvPr id="1185" name="그림 31" descr="C:/Users/Admin1/AppData/Roaming/PolarisOffice/ETemp/7736_6598648/fImage123502406962.png"/>
+          <p:cNvPr id="1185" name="그림 31"/>
           <p:cNvPicPr>
             <a:picLocks noChangeAspect="1"/>
           </p:cNvPicPr>
@@ -7793,7 +8222,7 @@
       </p:sp>
       <p:pic>
         <p:nvPicPr>
-          <p:cNvPr id="1187" name="그림 37" descr="C:/Users/Admin1/AppData/Roaming/PolarisOffice/ETemp/7736_6598648/fImage30172454464.png"/>
+          <p:cNvPr id="1187" name="그림 37"/>
           <p:cNvPicPr>
             <a:picLocks noChangeAspect="1"/>
           </p:cNvPicPr>
@@ -7824,7 +8253,7 @@
       </p:pic>
       <p:pic>
         <p:nvPicPr>
-          <p:cNvPr id="1188" name="그림 38" descr="C:/Users/Admin1/AppData/Roaming/PolarisOffice/ETemp/7736_6598648/fImage55662465705.png"/>
+          <p:cNvPr id="1188" name="그림 38"/>
           <p:cNvPicPr>
             <a:picLocks noChangeAspect="1"/>
           </p:cNvPicPr>
@@ -7855,7 +8284,7 @@
       </p:pic>
       <p:pic>
         <p:nvPicPr>
-          <p:cNvPr id="1189" name="그림 39" descr="C:/Users/Admin1/AppData/Roaming/PolarisOffice/ETemp/7736_6598648/fImage103402478145.png"/>
+          <p:cNvPr id="1189" name="그림 39"/>
           <p:cNvPicPr>
             <a:picLocks noChangeAspect="1"/>
           </p:cNvPicPr>
@@ -8099,7 +8528,7 @@
 </file>
 
 <file path=ppt/slides/slide11.xml><?xml version="1.0" encoding="utf-8"?>
-<p:sld xmlns:a="http://schemas.openxmlformats.org/drawingml/2006/main" xmlns:r="http://schemas.openxmlformats.org/officeDocument/2006/relationships" xmlns:p="http://schemas.openxmlformats.org/presentationml/2006/main">
+<p:sld xmlns:a="http://schemas.openxmlformats.org/drawingml/2006/main" xmlns:r="http://schemas.openxmlformats.org/officeDocument/2006/relationships" xmlns:p="http://schemas.openxmlformats.org/presentationml/2006/main" xmlns:p14="http://schemas.microsoft.com/office/powerpoint/2010/main">
   <p:cSld>
     <p:spTree>
       <p:nvGrpSpPr>
@@ -8429,7 +8858,7 @@
       </p:sp>
       <p:pic>
         <p:nvPicPr>
-          <p:cNvPr id="1192" name="그림 44" descr="C:/Users/Admin1/AppData/Roaming/PolarisOffice/ETemp/7736_6598648/fImage65692673281.png"/>
+          <p:cNvPr id="1192" name="그림 44"/>
           <p:cNvPicPr>
             <a:picLocks noChangeAspect="1"/>
           </p:cNvPicPr>
@@ -8460,7 +8889,7 @@
       </p:pic>
       <p:pic>
         <p:nvPicPr>
-          <p:cNvPr id="1193" name="그림 45" descr="C:/Users/Admin1/AppData/Roaming/PolarisOffice/ETemp/7736_6598648/fImage65032686827.png"/>
+          <p:cNvPr id="1193" name="그림 45"/>
           <p:cNvPicPr>
             <a:picLocks noChangeAspect="1"/>
           </p:cNvPicPr>
@@ -8491,7 +8920,7 @@
       </p:pic>
       <p:pic>
         <p:nvPicPr>
-          <p:cNvPr id="1194" name="그림 46" descr="C:/Users/Admin1/AppData/Roaming/PolarisOffice/ETemp/7736_6598648/fImage66302699961.png"/>
+          <p:cNvPr id="1194" name="그림 46"/>
           <p:cNvPicPr>
             <a:picLocks noChangeAspect="1"/>
           </p:cNvPicPr>
@@ -8522,7 +8951,7 @@
       </p:pic>
       <p:pic>
         <p:nvPicPr>
-          <p:cNvPr id="1195" name="그림 53" descr="C:/Users/Admin1/AppData/Roaming/PolarisOffice/ETemp/7736_6598648/fImage11949271491.png"/>
+          <p:cNvPr id="1195" name="그림 53"/>
           <p:cNvPicPr>
             <a:picLocks noChangeAspect="1"/>
           </p:cNvPicPr>
@@ -8553,7 +8982,7 @@
       </p:pic>
       <p:pic>
         <p:nvPicPr>
-          <p:cNvPr id="1196" name="그림 56" descr="C:/Users/Admin1/AppData/Roaming/PolarisOffice/ETemp/7736_6598648/fImage113632722995.png"/>
+          <p:cNvPr id="1196" name="그림 56"/>
           <p:cNvPicPr>
             <a:picLocks noChangeAspect="1"/>
           </p:cNvPicPr>
@@ -8575,6 +9004,1295 @@
           <a:xfrm rot="0">
             <a:off x="9505315" y="2294890"/>
             <a:ext cx="1572895" cy="2181860"/>
+          </a:xfrm>
+          <a:prstGeom prst="roundRect"/>
+          <a:solidFill>
+            <a:srgbClr val="EDEDED"/>
+          </a:solidFill>
+        </p:spPr>
+      </p:pic>
+    </p:spTree>
+  </p:cSld>
+  <p:clrMapOvr>
+    <a:masterClrMapping/>
+  </p:clrMapOvr>
+  <mc:AlternateContent xmlns:mc="http://schemas.openxmlformats.org/markup-compatibility/2006">
+    <mc:Choice xmlns:p14="http://schemas.microsoft.com/office/powerpoint/2010/main" Requires="p14">
+      <p:transition spd="slow" p14:dur="2000"/>
+    </mc:Choice>
+    <mc:Fallback>
+      <p:transition spd="slow"/>
+    </mc:Fallback>
+  </mc:AlternateContent>
+  <p:timing>
+    <p:tnLst>
+      <p:par>
+        <p:cTn id="1" dur="indefinite" restart="never" nodeType="tmRoot"/>
+      </p:par>
+    </p:tnLst>
+  </p:timing>
+</p:sld>
+</file>
+
+<file path=ppt/slides/slide12.xml><?xml version="1.0" encoding="utf-8"?>
+<p:sld xmlns:a="http://schemas.openxmlformats.org/drawingml/2006/main" xmlns:r="http://schemas.openxmlformats.org/officeDocument/2006/relationships" xmlns:p="http://schemas.openxmlformats.org/presentationml/2006/main">
+  <p:cSld>
+    <p:spTree>
+      <p:nvGrpSpPr>
+        <p:cNvPr id="1" name=""/>
+        <p:cNvGrpSpPr/>
+        <p:nvPr/>
+      </p:nvGrpSpPr>
+      <p:grpSpPr>
+        <a:xfrm>
+          <a:off x="0" y="0"/>
+          <a:ext cx="0" cy="0"/>
+          <a:chOff x="0" y="0"/>
+          <a:chExt cx="0" cy="0"/>
+        </a:xfrm>
+      </p:grpSpPr>
+      <p:sp>
+        <p:nvSpPr>
+          <p:cNvPr id="1031" name="Rect 0"/>
+          <p:cNvSpPr txBox="1">
+            <a:spLocks/>
+          </p:cNvSpPr>
+          <p:nvPr/>
+        </p:nvSpPr>
+        <p:spPr>
+          <a:xfrm rot="0">
+            <a:off x="4292600" y="318770"/>
+            <a:ext cx="3613150" cy="554990"/>
+          </a:xfrm>
+          <a:prstGeom prst="rect"/>
+          <a:noFill/>
+          <a:ln w="0">
+            <a:noFill/>
+            <a:prstDash/>
+          </a:ln>
+        </p:spPr>
+        <p:txBody>
+          <a:bodyPr wrap="square" lIns="89535" tIns="46355" rIns="89535" bIns="46355" numCol="1" vert="horz" anchor="t">
+            <a:spAutoFit/>
+          </a:bodyPr>
+          <a:lstStyle/>
+          <a:p>
+            <a:pPr marL="0" indent="0" algn="l" latinLnBrk="0">
+              <a:buFontTx/>
+              <a:buNone/>
+            </a:pPr>
+            <a:r>
+              <a:rPr lang="ko-KR" altLang="en-US" sz="3000" b="1">
+                <a:solidFill>
+                  <a:schemeClr val="tx1"/>
+                </a:solidFill>
+                <a:latin typeface="맑은 고딕" charset="0"/>
+                <a:ea typeface="맑은 고딕" charset="0"/>
+              </a:rPr>
+              <a:t>열</a:t>
+            </a:r>
+            <a:r>
+              <a:rPr lang="ko-KR" altLang="en-US" sz="3000" b="1">
+                <a:solidFill>
+                  <a:schemeClr val="tx1"/>
+                </a:solidFill>
+                <a:latin typeface="맑은 고딕" charset="0"/>
+                <a:ea typeface="맑은 고딕" charset="0"/>
+              </a:rPr>
+              <a:t>한</a:t>
+            </a:r>
+            <a:r>
+              <a:rPr lang="ko-KR" altLang="en-US" sz="3000" b="1">
+                <a:solidFill>
+                  <a:schemeClr val="tx1"/>
+                </a:solidFill>
+                <a:latin typeface="맑은 고딕" charset="0"/>
+                <a:ea typeface="맑은 고딕" charset="0"/>
+              </a:rPr>
+              <a:t> 번째 튜토리얼</a:t>
+            </a:r>
+            <a:endParaRPr lang="ko-KR" altLang="en-US" sz="3000" b="1">
+              <a:solidFill>
+                <a:schemeClr val="tx1"/>
+              </a:solidFill>
+              <a:latin typeface="맑은 고딕" charset="0"/>
+              <a:ea typeface="맑은 고딕" charset="0"/>
+            </a:endParaRPr>
+          </a:p>
+        </p:txBody>
+      </p:sp>
+      <p:sp>
+        <p:nvSpPr>
+          <p:cNvPr id="1186" name="Rect 0"/>
+          <p:cNvSpPr txBox="1">
+            <a:spLocks/>
+          </p:cNvSpPr>
+          <p:nvPr/>
+        </p:nvSpPr>
+        <p:spPr>
+          <a:xfrm rot="0">
+            <a:off x="1324610" y="2794000"/>
+            <a:ext cx="4059555" cy="934085"/>
+          </a:xfrm>
+          <a:prstGeom prst="rect"/>
+          <a:noFill/>
+        </p:spPr>
+        <p:txBody>
+          <a:bodyPr wrap="square" lIns="0" tIns="0" rIns="0" bIns="0" numCol="1" vert="horz" anchor="t">
+            <a:noAutofit/>
+          </a:bodyPr>
+          <a:lstStyle/>
+          <a:p>
+            <a:pPr marL="0" indent="0" rtl="0" algn="l" defTabSz="914400" eaLnBrk="1" latinLnBrk="0" hangingPunct="1">
+              <a:buFontTx/>
+              <a:buNone/>
+            </a:pPr>
+            <a:r>
+              <a:rPr sz="1800" b="1">
+                <a:solidFill>
+                  <a:srgbClr val="0611F2"/>
+                </a:solidFill>
+                <a:latin typeface="맑은 고딕" charset="0"/>
+                <a:ea typeface="맑은 고딕" charset="0"/>
+              </a:rPr>
+              <a:t>2</a:t>
+            </a:r>
+            <a:r>
+              <a:rPr lang="ko-KR" sz="1800" b="1">
+                <a:solidFill>
+                  <a:srgbClr val="0611F2"/>
+                </a:solidFill>
+                <a:latin typeface="맑은 고딕" charset="0"/>
+                <a:ea typeface="맑은 고딕" charset="0"/>
+              </a:rPr>
+              <a:t>6</a:t>
+            </a:r>
+            <a:r>
+              <a:rPr sz="1800" b="1">
+                <a:solidFill>
+                  <a:srgbClr val="0611F2"/>
+                </a:solidFill>
+                <a:latin typeface="맑은 고딕" charset="0"/>
+                <a:ea typeface="맑은 고딕" charset="0"/>
+              </a:rPr>
+              <a:t>.</a:t>
+            </a:r>
+            <a:r>
+              <a:rPr sz="1800">
+                <a:latin typeface="맑은 고딕" charset="0"/>
+                <a:ea typeface="맑은 고딕" charset="0"/>
+              </a:rPr>
+              <a:t> 그</a:t>
+            </a:r>
+            <a:r>
+              <a:rPr lang="ko-KR" sz="1800">
+                <a:latin typeface="맑은 고딕" charset="0"/>
+                <a:ea typeface="맑은 고딕" charset="0"/>
+              </a:rPr>
+              <a:t>리고 Project 폴더에 있는 Model 폴더에 Street Lamp 오브젝트를 월드 공간에 넣어줍니다.</a:t>
+            </a:r>
+            <a:endParaRPr lang="ko-KR" altLang="en-US" sz="1800">
+              <a:latin typeface="맑은 고딕" charset="0"/>
+              <a:ea typeface="맑은 고딕" charset="0"/>
+            </a:endParaRPr>
+          </a:p>
+          <a:p>
+            <a:pPr marL="0" indent="0" algn="l" latinLnBrk="0" hangingPunct="1">
+              <a:buFontTx/>
+              <a:buNone/>
+            </a:pPr>
+            <a:endParaRPr lang="ko-KR" altLang="en-US" sz="1800">
+              <a:latin typeface="맑은 고딕" charset="0"/>
+              <a:ea typeface="맑은 고딕" charset="0"/>
+            </a:endParaRPr>
+          </a:p>
+        </p:txBody>
+      </p:sp>
+      <p:sp>
+        <p:nvSpPr>
+          <p:cNvPr id="1191" name="Rect 0"/>
+          <p:cNvSpPr txBox="1">
+            <a:spLocks/>
+          </p:cNvSpPr>
+          <p:nvPr/>
+        </p:nvSpPr>
+        <p:spPr>
+          <a:xfrm rot="0">
+            <a:off x="6828790" y="5582920"/>
+            <a:ext cx="4069715" cy="647065"/>
+          </a:xfrm>
+          <a:prstGeom prst="rect"/>
+          <a:noFill/>
+          <a:ln w="0">
+            <a:noFill/>
+            <a:prstDash/>
+          </a:ln>
+        </p:spPr>
+        <p:txBody>
+          <a:bodyPr wrap="square" lIns="89535" tIns="46355" rIns="89535" bIns="46355" numCol="1" vert="horz" anchor="t">
+            <a:spAutoFit/>
+          </a:bodyPr>
+          <a:lstStyle/>
+          <a:p>
+            <a:pPr marL="0" indent="0" rtl="0" algn="l" defTabSz="914400" eaLnBrk="1" latinLnBrk="0" hangingPunct="1">
+              <a:buFontTx/>
+              <a:buNone/>
+            </a:pPr>
+            <a:r>
+              <a:rPr sz="1800" b="1">
+                <a:solidFill>
+                  <a:srgbClr val="0611F2"/>
+                </a:solidFill>
+                <a:latin typeface="맑은 고딕" charset="0"/>
+                <a:ea typeface="맑은 고딕" charset="0"/>
+              </a:rPr>
+              <a:t>2</a:t>
+            </a:r>
+            <a:r>
+              <a:rPr sz="1800" b="1">
+                <a:solidFill>
+                  <a:srgbClr val="0611F2"/>
+                </a:solidFill>
+                <a:latin typeface="맑은 고딕" charset="0"/>
+                <a:ea typeface="맑은 고딕" charset="0"/>
+              </a:rPr>
+              <a:t>8</a:t>
+            </a:r>
+            <a:r>
+              <a:rPr sz="1800" b="1">
+                <a:solidFill>
+                  <a:srgbClr val="0611F2"/>
+                </a:solidFill>
+                <a:latin typeface="맑은 고딕" charset="0"/>
+                <a:ea typeface="맑은 고딕" charset="0"/>
+              </a:rPr>
+              <a:t>.</a:t>
+            </a:r>
+            <a:r>
+              <a:rPr sz="1800">
+                <a:latin typeface="맑은 고딕" charset="0"/>
+                <a:ea typeface="맑은 고딕" charset="0"/>
+              </a:rPr>
+              <a:t> </a:t>
+            </a:r>
+            <a:r>
+              <a:rPr lang="ko-KR" sz="1800">
+                <a:latin typeface="맑은 고딕" charset="0"/>
+                <a:ea typeface="맑은 고딕" charset="0"/>
+              </a:rPr>
+              <a:t>그런 다음 Light에서 Spotlight를 생성하고 이름을 Bulb로 정의합니다.</a:t>
+            </a:r>
+            <a:endParaRPr lang="ko-KR" altLang="en-US" sz="1800">
+              <a:latin typeface="맑은 고딕" charset="0"/>
+              <a:ea typeface="맑은 고딕" charset="0"/>
+            </a:endParaRPr>
+          </a:p>
+        </p:txBody>
+      </p:sp>
+      <p:pic>
+        <p:nvPicPr>
+          <p:cNvPr id="1197" name="그림 1" descr="C:/Users/Admin1/AppData/Roaming/PolarisOffice/ETemp/6920_21611304/fImage457526041.png"/>
+          <p:cNvPicPr>
+            <a:picLocks noChangeAspect="1"/>
+          </p:cNvPicPr>
+          <p:nvPr/>
+        </p:nvPicPr>
+        <p:blipFill rotWithShape="1">
+          <a:blip r:embed="rId2" cstate="print">
+            <a:extLst>
+              <a:ext uri="{28A0092B-C50C-407E-A947-70E740481C1C}">
+                <a14:useLocalDpi xmlns:a14="http://schemas.microsoft.com/office/drawing/2010/main" val="0"/>
+              </a:ext>
+            </a:extLst>
+          </a:blip>
+          <a:stretch>
+            <a:fillRect/>
+          </a:stretch>
+        </p:blipFill>
+        <p:spPr>
+          <a:xfrm rot="0">
+            <a:off x="2698750" y="1354455"/>
+            <a:ext cx="2681605" cy="1283970"/>
+          </a:xfrm>
+          <a:prstGeom prst="roundRect"/>
+          <a:solidFill>
+            <a:srgbClr val="EDEDED"/>
+          </a:solidFill>
+        </p:spPr>
+      </p:pic>
+      <p:pic>
+        <p:nvPicPr>
+          <p:cNvPr id="1198" name="그림 4" descr="C:/Users/Admin1/AppData/Roaming/PolarisOffice/ETemp/6920_21611304/fImage103442618467.png"/>
+          <p:cNvPicPr>
+            <a:picLocks noChangeAspect="1"/>
+          </p:cNvPicPr>
+          <p:nvPr/>
+        </p:nvPicPr>
+        <p:blipFill rotWithShape="1">
+          <a:blip r:embed="rId3" cstate="print">
+            <a:extLst>
+              <a:ext uri="{28A0092B-C50C-407E-A947-70E740481C1C}">
+                <a14:useLocalDpi xmlns:a14="http://schemas.microsoft.com/office/drawing/2010/main" val="0"/>
+              </a:ext>
+            </a:extLst>
+          </a:blip>
+          <a:stretch>
+            <a:fillRect/>
+          </a:stretch>
+        </p:blipFill>
+        <p:spPr>
+          <a:xfrm rot="0">
+            <a:off x="1332230" y="1361440"/>
+            <a:ext cx="1219835" cy="1268730"/>
+          </a:xfrm>
+          <a:prstGeom prst="roundRect"/>
+          <a:solidFill>
+            <a:srgbClr val="EDEDED"/>
+          </a:solidFill>
+        </p:spPr>
+      </p:pic>
+      <p:pic>
+        <p:nvPicPr>
+          <p:cNvPr id="1199" name="그림 7" descr="C:/Users/Admin1/AppData/Roaming/PolarisOffice/ETemp/6920_21611304/fImage161382626334.png"/>
+          <p:cNvPicPr>
+            <a:picLocks noChangeAspect="1"/>
+          </p:cNvPicPr>
+          <p:nvPr/>
+        </p:nvPicPr>
+        <p:blipFill rotWithShape="1">
+          <a:blip r:embed="rId4" cstate="print">
+            <a:extLst>
+              <a:ext uri="{28A0092B-C50C-407E-A947-70E740481C1C}">
+                <a14:useLocalDpi xmlns:a14="http://schemas.microsoft.com/office/drawing/2010/main" val="0"/>
+              </a:ext>
+            </a:extLst>
+          </a:blip>
+          <a:stretch>
+            <a:fillRect/>
+          </a:stretch>
+        </p:blipFill>
+        <p:spPr>
+          <a:xfrm rot="0">
+            <a:off x="1320165" y="3836035"/>
+            <a:ext cx="4060190" cy="1569720"/>
+          </a:xfrm>
+          <a:prstGeom prst="roundRect"/>
+          <a:solidFill>
+            <a:srgbClr val="EDEDED"/>
+          </a:solidFill>
+        </p:spPr>
+      </p:pic>
+      <p:sp>
+        <p:nvSpPr>
+          <p:cNvPr id="1200" name="텍스트 상자 10"/>
+          <p:cNvSpPr txBox="1">
+            <a:spLocks/>
+          </p:cNvSpPr>
+          <p:nvPr/>
+        </p:nvSpPr>
+        <p:spPr>
+          <a:xfrm rot="0">
+            <a:off x="1327150" y="5589905"/>
+            <a:ext cx="4059555" cy="646430"/>
+          </a:xfrm>
+          <a:prstGeom prst="rect"/>
+          <a:noFill/>
+        </p:spPr>
+        <p:txBody>
+          <a:bodyPr wrap="square" lIns="0" tIns="0" rIns="0" bIns="0" numCol="1" vert="horz" anchor="t">
+            <a:noAutofit/>
+          </a:bodyPr>
+          <a:lstStyle/>
+          <a:p>
+            <a:pPr marL="0" indent="0" rtl="0" algn="l" defTabSz="914400" eaLnBrk="1" latinLnBrk="0" hangingPunct="1">
+              <a:buFontTx/>
+              <a:buNone/>
+            </a:pPr>
+            <a:r>
+              <a:rPr sz="1800" b="1">
+                <a:solidFill>
+                  <a:srgbClr val="0611F2"/>
+                </a:solidFill>
+                <a:latin typeface="맑은 고딕" charset="0"/>
+                <a:ea typeface="맑은 고딕" charset="0"/>
+              </a:rPr>
+              <a:t>2</a:t>
+            </a:r>
+            <a:r>
+              <a:rPr lang="ko-KR" sz="1800" b="1">
+                <a:solidFill>
+                  <a:srgbClr val="0611F2"/>
+                </a:solidFill>
+                <a:latin typeface="맑은 고딕" charset="0"/>
+                <a:ea typeface="맑은 고딕" charset="0"/>
+              </a:rPr>
+              <a:t>7</a:t>
+            </a:r>
+            <a:r>
+              <a:rPr sz="1800" b="1">
+                <a:solidFill>
+                  <a:srgbClr val="0611F2"/>
+                </a:solidFill>
+                <a:latin typeface="맑은 고딕" charset="0"/>
+                <a:ea typeface="맑은 고딕" charset="0"/>
+              </a:rPr>
+              <a:t>.</a:t>
+            </a:r>
+            <a:r>
+              <a:rPr sz="1800">
+                <a:latin typeface="맑은 고딕" charset="0"/>
+                <a:ea typeface="맑은 고딕" charset="0"/>
+              </a:rPr>
+              <a:t> </a:t>
+            </a:r>
+            <a:r>
+              <a:rPr lang="ko-KR" sz="1800">
+                <a:latin typeface="맑은 고딕" charset="0"/>
+                <a:ea typeface="맑은 고딕" charset="0"/>
+              </a:rPr>
+              <a:t>그다음 Street Lamp 오브젝트의 위치와 회전 값을 설정합니다.</a:t>
+            </a:r>
+            <a:endParaRPr lang="ko-KR" altLang="en-US" sz="1800">
+              <a:latin typeface="맑은 고딕" charset="0"/>
+              <a:ea typeface="맑은 고딕" charset="0"/>
+            </a:endParaRPr>
+          </a:p>
+          <a:p>
+            <a:pPr marL="0" indent="0" algn="l" latinLnBrk="0" hangingPunct="1">
+              <a:buFontTx/>
+              <a:buNone/>
+            </a:pPr>
+            <a:endParaRPr lang="ko-KR" altLang="en-US" sz="1800">
+              <a:latin typeface="맑은 고딕" charset="0"/>
+              <a:ea typeface="맑은 고딕" charset="0"/>
+            </a:endParaRPr>
+          </a:p>
+        </p:txBody>
+      </p:sp>
+      <p:pic>
+        <p:nvPicPr>
+          <p:cNvPr id="1201" name="그림 11" descr="C:/Users/Admin1/AppData/Roaming/PolarisOffice/ETemp/6920_21611304/fImage1210014041.png"/>
+          <p:cNvPicPr>
+            <a:picLocks noChangeAspect="1"/>
+          </p:cNvPicPr>
+          <p:nvPr/>
+        </p:nvPicPr>
+        <p:blipFill rotWithShape="1">
+          <a:blip r:embed="rId5" cstate="hqprint">
+            <a:extLst>
+              <a:ext uri="{28A0092B-C50C-407E-A947-70E740481C1C}">
+                <a14:useLocalDpi xmlns:a14="http://schemas.microsoft.com/office/drawing/2010/main"/>
+              </a:ext>
+            </a:extLst>
+          </a:blip>
+          <a:stretch>
+            <a:fillRect/>
+          </a:stretch>
+        </p:blipFill>
+        <p:spPr>
+          <a:xfrm rot="0">
+            <a:off x="6832600" y="1421765"/>
+            <a:ext cx="2430780" cy="3941445"/>
+          </a:xfrm>
+          <a:prstGeom prst="roundRect"/>
+          <a:solidFill>
+            <a:srgbClr val="EDEDED"/>
+          </a:solidFill>
+        </p:spPr>
+      </p:pic>
+      <p:pic>
+        <p:nvPicPr>
+          <p:cNvPr id="1202" name="그림 12" descr="C:/Users/Admin1/AppData/Roaming/PolarisOffice/ETemp/6920_21611304/fImage139212656500.png"/>
+          <p:cNvPicPr>
+            <a:picLocks noChangeAspect="1"/>
+          </p:cNvPicPr>
+          <p:nvPr/>
+        </p:nvPicPr>
+        <p:blipFill rotWithShape="1">
+          <a:blip r:embed="rId6" cstate="print">
+            <a:extLst>
+              <a:ext uri="{28A0092B-C50C-407E-A947-70E740481C1C}">
+                <a14:useLocalDpi xmlns:a14="http://schemas.microsoft.com/office/drawing/2010/main" val="0"/>
+              </a:ext>
+            </a:extLst>
+          </a:blip>
+          <a:stretch>
+            <a:fillRect/>
+          </a:stretch>
+        </p:blipFill>
+        <p:spPr>
+          <a:xfrm rot="0">
+            <a:off x="9436100" y="2030730"/>
+            <a:ext cx="1466215" cy="2726690"/>
+          </a:xfrm>
+          <a:prstGeom prst="roundRect"/>
+          <a:solidFill>
+            <a:srgbClr val="EDEDED"/>
+          </a:solidFill>
+        </p:spPr>
+      </p:pic>
+    </p:spTree>
+  </p:cSld>
+  <p:clrMapOvr>
+    <a:masterClrMapping/>
+  </p:clrMapOvr>
+  <mc:AlternateContent xmlns:mc="http://schemas.openxmlformats.org/markup-compatibility/2006">
+    <mc:Choice xmlns:p14="http://schemas.microsoft.com/office/powerpoint/2010/main" Requires="p14">
+      <p:transition spd="slow" p14:dur="2000"/>
+    </mc:Choice>
+    <mc:Fallback>
+      <p:transition spd="slow"/>
+    </mc:Fallback>
+  </mc:AlternateContent>
+  <p:timing>
+    <p:tnLst>
+      <p:par>
+        <p:cTn id="1" dur="indefinite" restart="never" nodeType="tmRoot"/>
+      </p:par>
+    </p:tnLst>
+  </p:timing>
+</p:sld>
+</file>
+
+<file path=ppt/slides/slide13.xml><?xml version="1.0" encoding="utf-8"?>
+<p:sld xmlns:a="http://schemas.openxmlformats.org/drawingml/2006/main" xmlns:r="http://schemas.openxmlformats.org/officeDocument/2006/relationships" xmlns:p="http://schemas.openxmlformats.org/presentationml/2006/main">
+  <p:cSld>
+    <p:spTree>
+      <p:nvGrpSpPr>
+        <p:cNvPr id="1" name=""/>
+        <p:cNvGrpSpPr/>
+        <p:nvPr/>
+      </p:nvGrpSpPr>
+      <p:grpSpPr>
+        <a:xfrm>
+          <a:off x="0" y="0"/>
+          <a:ext cx="0" cy="0"/>
+          <a:chOff x="0" y="0"/>
+          <a:chExt cx="0" cy="0"/>
+        </a:xfrm>
+      </p:grpSpPr>
+      <p:sp>
+        <p:nvSpPr>
+          <p:cNvPr id="1031" name="Rect 0"/>
+          <p:cNvSpPr txBox="1">
+            <a:spLocks/>
+          </p:cNvSpPr>
+          <p:nvPr/>
+        </p:nvSpPr>
+        <p:spPr>
+          <a:xfrm rot="0">
+            <a:off x="4292600" y="318770"/>
+            <a:ext cx="3613150" cy="554990"/>
+          </a:xfrm>
+          <a:prstGeom prst="rect"/>
+          <a:noFill/>
+          <a:ln w="0">
+            <a:noFill/>
+            <a:prstDash/>
+          </a:ln>
+        </p:spPr>
+        <p:txBody>
+          <a:bodyPr wrap="square" lIns="89535" tIns="46355" rIns="89535" bIns="46355" numCol="1" vert="horz" anchor="t">
+            <a:spAutoFit/>
+          </a:bodyPr>
+          <a:lstStyle/>
+          <a:p>
+            <a:pPr marL="0" indent="0" algn="l" latinLnBrk="0">
+              <a:buFontTx/>
+              <a:buNone/>
+            </a:pPr>
+            <a:r>
+              <a:rPr lang="ko-KR" altLang="en-US" sz="3000" b="1">
+                <a:solidFill>
+                  <a:schemeClr val="tx1"/>
+                </a:solidFill>
+                <a:latin typeface="맑은 고딕" charset="0"/>
+                <a:ea typeface="맑은 고딕" charset="0"/>
+              </a:rPr>
+              <a:t>열</a:t>
+            </a:r>
+            <a:r>
+              <a:rPr lang="ko-KR" altLang="en-US" sz="3000" b="1">
+                <a:solidFill>
+                  <a:schemeClr val="tx1"/>
+                </a:solidFill>
+                <a:latin typeface="맑은 고딕" charset="0"/>
+                <a:ea typeface="맑은 고딕" charset="0"/>
+              </a:rPr>
+              <a:t>두</a:t>
+            </a:r>
+            <a:r>
+              <a:rPr lang="ko-KR" altLang="en-US" sz="3000" b="1">
+                <a:solidFill>
+                  <a:schemeClr val="tx1"/>
+                </a:solidFill>
+                <a:latin typeface="맑은 고딕" charset="0"/>
+                <a:ea typeface="맑은 고딕" charset="0"/>
+              </a:rPr>
+              <a:t> 번째 튜토리얼</a:t>
+            </a:r>
+            <a:endParaRPr lang="ko-KR" altLang="en-US" sz="3000" b="1">
+              <a:solidFill>
+                <a:schemeClr val="tx1"/>
+              </a:solidFill>
+              <a:latin typeface="맑은 고딕" charset="0"/>
+              <a:ea typeface="맑은 고딕" charset="0"/>
+            </a:endParaRPr>
+          </a:p>
+        </p:txBody>
+      </p:sp>
+      <p:sp>
+        <p:nvSpPr>
+          <p:cNvPr id="1200" name="Rect 0"/>
+          <p:cNvSpPr txBox="1">
+            <a:spLocks/>
+          </p:cNvSpPr>
+          <p:nvPr/>
+        </p:nvSpPr>
+        <p:spPr>
+          <a:xfrm rot="0">
+            <a:off x="1310005" y="2571750"/>
+            <a:ext cx="4059555" cy="646430"/>
+          </a:xfrm>
+          <a:prstGeom prst="rect"/>
+          <a:noFill/>
+        </p:spPr>
+        <p:txBody>
+          <a:bodyPr wrap="square" lIns="0" tIns="0" rIns="0" bIns="0" numCol="1" vert="horz" anchor="t">
+            <a:noAutofit/>
+          </a:bodyPr>
+          <a:lstStyle/>
+          <a:p>
+            <a:pPr marL="0" indent="0" rtl="0" algn="l" defTabSz="914400" eaLnBrk="1" latinLnBrk="0" hangingPunct="1">
+              <a:buFontTx/>
+              <a:buNone/>
+            </a:pPr>
+            <a:r>
+              <a:rPr sz="1800" b="1">
+                <a:solidFill>
+                  <a:srgbClr val="0611F2"/>
+                </a:solidFill>
+                <a:latin typeface="맑은 고딕" charset="0"/>
+                <a:ea typeface="맑은 고딕" charset="0"/>
+              </a:rPr>
+              <a:t>2</a:t>
+            </a:r>
+            <a:r>
+              <a:rPr lang="ko-KR" sz="1800" b="1">
+                <a:solidFill>
+                  <a:srgbClr val="0611F2"/>
+                </a:solidFill>
+                <a:latin typeface="맑은 고딕" charset="0"/>
+                <a:ea typeface="맑은 고딕" charset="0"/>
+              </a:rPr>
+              <a:t>9</a:t>
+            </a:r>
+            <a:r>
+              <a:rPr sz="1800" b="1">
+                <a:solidFill>
+                  <a:srgbClr val="0611F2"/>
+                </a:solidFill>
+                <a:latin typeface="맑은 고딕" charset="0"/>
+                <a:ea typeface="맑은 고딕" charset="0"/>
+              </a:rPr>
+              <a:t>.</a:t>
+            </a:r>
+            <a:r>
+              <a:rPr sz="1800">
+                <a:latin typeface="맑은 고딕" charset="0"/>
+                <a:ea typeface="맑은 고딕" charset="0"/>
+              </a:rPr>
+              <a:t> </a:t>
+            </a:r>
+            <a:r>
+              <a:rPr lang="ko-KR" sz="1800">
+                <a:latin typeface="맑은 고딕" charset="0"/>
+                <a:ea typeface="맑은 고딕" charset="0"/>
+              </a:rPr>
+              <a:t>이제 Bulb 오브젝트의 위치와 회전 값을 설정합니다.</a:t>
+            </a:r>
+            <a:endParaRPr lang="ko-KR" altLang="en-US" sz="1800">
+              <a:latin typeface="맑은 고딕" charset="0"/>
+              <a:ea typeface="맑은 고딕" charset="0"/>
+            </a:endParaRPr>
+          </a:p>
+          <a:p>
+            <a:pPr marL="0" indent="0" algn="l" latinLnBrk="0" hangingPunct="1">
+              <a:buFontTx/>
+              <a:buNone/>
+            </a:pPr>
+            <a:endParaRPr lang="ko-KR" altLang="en-US" sz="1800">
+              <a:latin typeface="맑은 고딕" charset="0"/>
+              <a:ea typeface="맑은 고딕" charset="0"/>
+            </a:endParaRPr>
+          </a:p>
+        </p:txBody>
+      </p:sp>
+      <p:pic>
+        <p:nvPicPr>
+          <p:cNvPr id="1203" name="그림 15" descr="C:/Users/Admin1/AppData/Roaming/PolarisOffice/ETemp/6920_21611304/fImage126082789169.png"/>
+          <p:cNvPicPr>
+            <a:picLocks noChangeAspect="1"/>
+          </p:cNvPicPr>
+          <p:nvPr/>
+        </p:nvPicPr>
+        <p:blipFill rotWithShape="1">
+          <a:blip r:embed="rId2" cstate="print">
+            <a:extLst>
+              <a:ext uri="{28A0092B-C50C-407E-A947-70E740481C1C}">
+                <a14:useLocalDpi xmlns:a14="http://schemas.microsoft.com/office/drawing/2010/main" val="0"/>
+              </a:ext>
+            </a:extLst>
+          </a:blip>
+          <a:stretch>
+            <a:fillRect/>
+          </a:stretch>
+        </p:blipFill>
+        <p:spPr>
+          <a:xfrm rot="0">
+            <a:off x="1305560" y="1297305"/>
+            <a:ext cx="4065905" cy="1151255"/>
+          </a:xfrm>
+          <a:prstGeom prst="roundRect"/>
+          <a:solidFill>
+            <a:srgbClr val="EDEDED"/>
+          </a:solidFill>
+        </p:spPr>
+      </p:pic>
+      <p:pic>
+        <p:nvPicPr>
+          <p:cNvPr id="1204" name="그림 18" descr="C:/Users/Admin1/AppData/Roaming/PolarisOffice/ETemp/6920_21611304/fImage115322795724.png"/>
+          <p:cNvPicPr>
+            <a:picLocks noChangeAspect="1"/>
+          </p:cNvPicPr>
+          <p:nvPr/>
+        </p:nvPicPr>
+        <p:blipFill rotWithShape="1">
+          <a:blip r:embed="rId3" cstate="print">
+            <a:extLst>
+              <a:ext uri="{28A0092B-C50C-407E-A947-70E740481C1C}">
+                <a14:useLocalDpi xmlns:a14="http://schemas.microsoft.com/office/drawing/2010/main" val="0"/>
+              </a:ext>
+            </a:extLst>
+          </a:blip>
+          <a:stretch>
+            <a:fillRect/>
+          </a:stretch>
+        </p:blipFill>
+        <p:spPr>
+          <a:xfrm rot="0">
+            <a:off x="1307465" y="3322320"/>
+            <a:ext cx="4055745" cy="2135505"/>
+          </a:xfrm>
+          <a:prstGeom prst="roundRect"/>
+          <a:solidFill>
+            <a:srgbClr val="EDEDED"/>
+          </a:solidFill>
+        </p:spPr>
+      </p:pic>
+      <p:sp>
+        <p:nvSpPr>
+          <p:cNvPr id="1205" name="텍스트 상자 21"/>
+          <p:cNvSpPr txBox="1">
+            <a:spLocks/>
+          </p:cNvSpPr>
+          <p:nvPr/>
+        </p:nvSpPr>
+        <p:spPr>
+          <a:xfrm rot="0">
+            <a:off x="1295400" y="5586095"/>
+            <a:ext cx="4069715" cy="647065"/>
+          </a:xfrm>
+          <a:prstGeom prst="rect"/>
+          <a:noFill/>
+          <a:ln w="0">
+            <a:noFill/>
+            <a:prstDash/>
+          </a:ln>
+        </p:spPr>
+        <p:txBody>
+          <a:bodyPr wrap="square" lIns="89535" tIns="46355" rIns="89535" bIns="46355" numCol="1" vert="horz" anchor="t">
+            <a:spAutoFit/>
+          </a:bodyPr>
+          <a:lstStyle/>
+          <a:p>
+            <a:pPr marL="0" indent="0" rtl="0" algn="l" defTabSz="914400" eaLnBrk="1" latinLnBrk="0" hangingPunct="1">
+              <a:buFontTx/>
+              <a:buNone/>
+            </a:pPr>
+            <a:r>
+              <a:rPr sz="1800" b="1">
+                <a:solidFill>
+                  <a:srgbClr val="0611F2"/>
+                </a:solidFill>
+                <a:latin typeface="맑은 고딕" charset="0"/>
+                <a:ea typeface="맑은 고딕" charset="0"/>
+              </a:rPr>
+              <a:t>30</a:t>
+            </a:r>
+            <a:r>
+              <a:rPr sz="1800" b="1">
+                <a:solidFill>
+                  <a:srgbClr val="0611F2"/>
+                </a:solidFill>
+                <a:latin typeface="맑은 고딕" charset="0"/>
+                <a:ea typeface="맑은 고딕" charset="0"/>
+              </a:rPr>
+              <a:t>.</a:t>
+            </a:r>
+            <a:r>
+              <a:rPr sz="1800">
+                <a:latin typeface="맑은 고딕" charset="0"/>
+                <a:ea typeface="맑은 고딕" charset="0"/>
+              </a:rPr>
+              <a:t> </a:t>
+            </a:r>
+            <a:r>
+              <a:rPr lang="ko-KR" sz="1800">
+                <a:latin typeface="맑은 고딕" charset="0"/>
+                <a:ea typeface="맑은 고딕" charset="0"/>
+              </a:rPr>
+              <a:t>그리고 Bulb 오브젝트의 Spot Angle과 Mode를 변경합니다.</a:t>
+            </a:r>
+            <a:endParaRPr lang="ko-KR" altLang="en-US" sz="1800">
+              <a:latin typeface="맑은 고딕" charset="0"/>
+              <a:ea typeface="맑은 고딕" charset="0"/>
+            </a:endParaRPr>
+          </a:p>
+        </p:txBody>
+      </p:sp>
+      <p:pic>
+        <p:nvPicPr>
+          <p:cNvPr id="1206" name="그림 25" descr="C:/Users/Admin1/AppData/Roaming/PolarisOffice/ETemp/6920_21611304/fImage211388841.png"/>
+          <p:cNvPicPr>
+            <a:picLocks noChangeAspect="1"/>
+          </p:cNvPicPr>
+          <p:nvPr/>
+        </p:nvPicPr>
+        <p:blipFill rotWithShape="1">
+          <a:blip r:embed="rId4" cstate="hqprint">
+            <a:extLst>
+              <a:ext uri="{28A0092B-C50C-407E-A947-70E740481C1C}">
+                <a14:useLocalDpi xmlns:a14="http://schemas.microsoft.com/office/drawing/2010/main"/>
+              </a:ext>
+            </a:extLst>
+          </a:blip>
+          <a:stretch>
+            <a:fillRect/>
+          </a:stretch>
+        </p:blipFill>
+        <p:spPr>
+          <a:xfrm rot="0">
+            <a:off x="6806565" y="1198880"/>
+            <a:ext cx="4023360" cy="3999865"/>
+          </a:xfrm>
+          <a:prstGeom prst="rect"/>
+          <a:noFill/>
+        </p:spPr>
+      </p:pic>
+      <p:sp>
+        <p:nvSpPr>
+          <p:cNvPr id="1207" name="텍스트 상자 26"/>
+          <p:cNvSpPr txBox="1">
+            <a:spLocks/>
+          </p:cNvSpPr>
+          <p:nvPr/>
+        </p:nvSpPr>
+        <p:spPr>
+          <a:xfrm rot="0">
+            <a:off x="6807835" y="5328920"/>
+            <a:ext cx="4013200" cy="907415"/>
+          </a:xfrm>
+          <a:prstGeom prst="rect"/>
+          <a:noFill/>
+        </p:spPr>
+        <p:txBody>
+          <a:bodyPr wrap="square" lIns="0" tIns="0" rIns="0" bIns="0" numCol="1" vert="horz" anchor="t">
+            <a:noAutofit/>
+          </a:bodyPr>
+          <a:lstStyle/>
+          <a:p>
+            <a:pPr marL="0" indent="0" algn="l" latinLnBrk="0" hangingPunct="1">
+              <a:buFontTx/>
+              <a:buNone/>
+            </a:pPr>
+            <a:r>
+              <a:rPr lang="ko-KR" sz="2000" b="1">
+                <a:solidFill>
+                  <a:srgbClr val="0611F2"/>
+                </a:solidFill>
+                <a:latin typeface="맑은 고딕" charset="0"/>
+                <a:ea typeface="맑은 고딕" charset="0"/>
+              </a:rPr>
+              <a:t>31</a:t>
+            </a:r>
+            <a:r>
+              <a:rPr lang="ko-KR" sz="2000" b="1">
+                <a:solidFill>
+                  <a:srgbClr val="0611F2"/>
+                </a:solidFill>
+                <a:latin typeface="맑은 고딕" charset="0"/>
+                <a:ea typeface="맑은 고딕" charset="0"/>
+              </a:rPr>
+              <a:t>. </a:t>
+            </a:r>
+            <a:r>
+              <a:rPr lang="ko-KR" sz="1800">
+                <a:latin typeface="맑은 고딕" charset="0"/>
+                <a:ea typeface="맑은 고딕" charset="0"/>
+              </a:rPr>
+              <a:t>그런 다음 Window에서 Rendering을 선택하고 Lighting Settings를 선택합니다. </a:t>
+            </a:r>
+            <a:endParaRPr lang="ko-KR" altLang="en-US" sz="1800">
+              <a:latin typeface="맑은 고딕" charset="0"/>
+              <a:ea typeface="맑은 고딕" charset="0"/>
+            </a:endParaRPr>
+          </a:p>
+        </p:txBody>
+      </p:sp>
+    </p:spTree>
+  </p:cSld>
+  <p:clrMapOvr>
+    <a:masterClrMapping/>
+  </p:clrMapOvr>
+  <mc:AlternateContent xmlns:mc="http://schemas.openxmlformats.org/markup-compatibility/2006">
+    <mc:Choice xmlns:p14="http://schemas.microsoft.com/office/powerpoint/2010/main" Requires="p14">
+      <p:transition spd="slow" p14:dur="2000"/>
+    </mc:Choice>
+    <mc:Fallback>
+      <p:transition spd="slow"/>
+    </mc:Fallback>
+  </mc:AlternateContent>
+  <p:timing>
+    <p:tnLst>
+      <p:par>
+        <p:cTn id="1" dur="indefinite" restart="never" nodeType="tmRoot"/>
+      </p:par>
+    </p:tnLst>
+  </p:timing>
+</p:sld>
+</file>
+
+<file path=ppt/slides/slide14.xml><?xml version="1.0" encoding="utf-8"?>
+<p:sld xmlns:a="http://schemas.openxmlformats.org/drawingml/2006/main" xmlns:r="http://schemas.openxmlformats.org/officeDocument/2006/relationships" xmlns:p="http://schemas.openxmlformats.org/presentationml/2006/main" xmlns:p14="http://schemas.microsoft.com/office/powerpoint/2010/main">
+  <p:cSld>
+    <p:spTree>
+      <p:nvGrpSpPr>
+        <p:cNvPr id="1" name=""/>
+        <p:cNvGrpSpPr/>
+        <p:nvPr/>
+      </p:nvGrpSpPr>
+      <p:grpSpPr>
+        <a:xfrm>
+          <a:off x="0" y="0"/>
+          <a:ext cx="0" cy="0"/>
+          <a:chOff x="0" y="0"/>
+          <a:chExt cx="0" cy="0"/>
+        </a:xfrm>
+      </p:grpSpPr>
+      <p:sp>
+        <p:nvSpPr>
+          <p:cNvPr id="1031" name="Rect 0"/>
+          <p:cNvSpPr txBox="1">
+            <a:spLocks/>
+          </p:cNvSpPr>
+          <p:nvPr/>
+        </p:nvSpPr>
+        <p:spPr>
+          <a:xfrm rot="0">
+            <a:off x="4292600" y="318770"/>
+            <a:ext cx="3613150" cy="554990"/>
+          </a:xfrm>
+          <a:prstGeom prst="rect"/>
+          <a:noFill/>
+          <a:ln w="0">
+            <a:noFill/>
+            <a:prstDash/>
+          </a:ln>
+        </p:spPr>
+        <p:txBody>
+          <a:bodyPr wrap="square" lIns="89535" tIns="46355" rIns="89535" bIns="46355" numCol="1" vert="horz" anchor="t">
+            <a:spAutoFit/>
+          </a:bodyPr>
+          <a:lstStyle/>
+          <a:p>
+            <a:pPr marL="0" indent="0" algn="l" latinLnBrk="0">
+              <a:buFontTx/>
+              <a:buNone/>
+            </a:pPr>
+            <a:r>
+              <a:rPr lang="ko-KR" altLang="en-US" sz="3000" b="1">
+                <a:solidFill>
+                  <a:schemeClr val="tx1"/>
+                </a:solidFill>
+                <a:latin typeface="맑은 고딕" charset="0"/>
+                <a:ea typeface="맑은 고딕" charset="0"/>
+              </a:rPr>
+              <a:t>열</a:t>
+            </a:r>
+            <a:r>
+              <a:rPr lang="ko-KR" altLang="en-US" sz="3000" b="1">
+                <a:solidFill>
+                  <a:schemeClr val="tx1"/>
+                </a:solidFill>
+                <a:latin typeface="맑은 고딕" charset="0"/>
+                <a:ea typeface="맑은 고딕" charset="0"/>
+              </a:rPr>
+              <a:t>세</a:t>
+            </a:r>
+            <a:r>
+              <a:rPr lang="ko-KR" altLang="en-US" sz="3000" b="1">
+                <a:solidFill>
+                  <a:schemeClr val="tx1"/>
+                </a:solidFill>
+                <a:latin typeface="맑은 고딕" charset="0"/>
+                <a:ea typeface="맑은 고딕" charset="0"/>
+              </a:rPr>
+              <a:t> 번째 튜토리얼</a:t>
+            </a:r>
+            <a:endParaRPr lang="ko-KR" altLang="en-US" sz="3000" b="1">
+              <a:solidFill>
+                <a:schemeClr val="tx1"/>
+              </a:solidFill>
+              <a:latin typeface="맑은 고딕" charset="0"/>
+              <a:ea typeface="맑은 고딕" charset="0"/>
+            </a:endParaRPr>
+          </a:p>
+        </p:txBody>
+      </p:sp>
+      <p:sp>
+        <p:nvSpPr>
+          <p:cNvPr id="1191" name="Rect 0"/>
+          <p:cNvSpPr txBox="1">
+            <a:spLocks/>
+          </p:cNvSpPr>
+          <p:nvPr/>
+        </p:nvSpPr>
+        <p:spPr>
+          <a:xfrm rot="0">
+            <a:off x="6845935" y="4043680"/>
+            <a:ext cx="4199255" cy="2031365"/>
+          </a:xfrm>
+          <a:prstGeom prst="rect"/>
+          <a:noFill/>
+          <a:ln w="0">
+            <a:noFill/>
+            <a:prstDash/>
+          </a:ln>
+        </p:spPr>
+        <p:txBody>
+          <a:bodyPr wrap="square" lIns="89535" tIns="46355" rIns="89535" bIns="46355" numCol="1" vert="horz" anchor="t">
+            <a:spAutoFit/>
+          </a:bodyPr>
+          <a:lstStyle/>
+          <a:p>
+            <a:pPr marL="0" indent="0" rtl="0" algn="l" defTabSz="914400" eaLnBrk="1" latinLnBrk="0" hangingPunct="1">
+              <a:buFontTx/>
+              <a:buNone/>
+            </a:pPr>
+            <a:r>
+              <a:rPr lang="ko-KR" sz="1800">
+                <a:latin typeface="맑은 고딕" charset="0"/>
+                <a:ea typeface="맑은 고딕" charset="0"/>
+              </a:rPr>
+              <a:t>라이트 맵은 실시간으로 생성되는 빛에 대한 정보를 한</a:t>
+            </a:r>
+            <a:r>
+              <a:rPr lang="ko-KR" sz="1800">
+                <a:latin typeface="맑은 고딕" charset="0"/>
+                <a:ea typeface="맑은 고딕" charset="0"/>
+              </a:rPr>
+              <a:t> </a:t>
+            </a:r>
+            <a:r>
+              <a:rPr lang="ko-KR" sz="1800">
+                <a:latin typeface="맑은 고딕" charset="0"/>
+                <a:ea typeface="맑은 고딕" charset="0"/>
+              </a:rPr>
+              <a:t>번에 </a:t>
+            </a:r>
+            <a:r>
+              <a:rPr lang="ko-KR" sz="1800">
+                <a:latin typeface="맑은 고딕" charset="0"/>
+                <a:ea typeface="맑은 고딕" charset="0"/>
+              </a:rPr>
+              <a:t>저장한 </a:t>
+            </a:r>
+            <a:r>
+              <a:rPr lang="ko-KR" sz="1800">
+                <a:latin typeface="맑은 고딕" charset="0"/>
+                <a:ea typeface="맑은 고딕" charset="0"/>
+              </a:rPr>
+              <a:t>텍스처입니다.</a:t>
+            </a:r>
+            <a:endParaRPr lang="ko-KR" altLang="en-US" sz="1800">
+              <a:latin typeface="맑은 고딕" charset="0"/>
+              <a:ea typeface="맑은 고딕" charset="0"/>
+            </a:endParaRPr>
+          </a:p>
+          <a:p>
+            <a:pPr marL="0" indent="0" rtl="0" algn="l" defTabSz="914400" eaLnBrk="1" latinLnBrk="0" hangingPunct="1">
+              <a:buFontTx/>
+              <a:buNone/>
+            </a:pPr>
+            <a:endParaRPr lang="ko-KR" altLang="en-US" sz="1800">
+              <a:latin typeface="맑은 고딕" charset="0"/>
+              <a:ea typeface="맑은 고딕" charset="0"/>
+            </a:endParaRPr>
+          </a:p>
+          <a:p>
+            <a:pPr marL="0" indent="0" rtl="0" algn="l" defTabSz="914400" eaLnBrk="1" latinLnBrk="0" hangingPunct="1">
+              <a:buFontTx/>
+              <a:buNone/>
+            </a:pPr>
+            <a:r>
+              <a:rPr lang="ko-KR" sz="1800">
+                <a:latin typeface="맑은 고딕" charset="0"/>
+                <a:ea typeface="맑은 고딕" charset="0"/>
+              </a:rPr>
+              <a:t>라이트 맵의 경우 빛을 받은 게임 오브젝트는 그림자와 반사면이 고정되어 있는 형태로 설정됩니다.</a:t>
+            </a:r>
+            <a:endParaRPr lang="ko-KR" altLang="en-US" sz="1800">
+              <a:latin typeface="맑은 고딕" charset="0"/>
+              <a:ea typeface="맑은 고딕" charset="0"/>
+            </a:endParaRPr>
+          </a:p>
+        </p:txBody>
+      </p:sp>
+      <p:sp>
+        <p:nvSpPr>
+          <p:cNvPr id="1205" name="Rect 0"/>
+          <p:cNvSpPr txBox="1">
+            <a:spLocks/>
+          </p:cNvSpPr>
+          <p:nvPr/>
+        </p:nvSpPr>
+        <p:spPr>
+          <a:xfrm rot="0">
+            <a:off x="1219200" y="5144135"/>
+            <a:ext cx="4145915" cy="923925"/>
+          </a:xfrm>
+          <a:prstGeom prst="rect"/>
+          <a:noFill/>
+          <a:ln w="0">
+            <a:noFill/>
+            <a:prstDash/>
+          </a:ln>
+        </p:spPr>
+        <p:txBody>
+          <a:bodyPr wrap="square" lIns="89535" tIns="46355" rIns="89535" bIns="46355" numCol="1" vert="horz" anchor="t">
+            <a:spAutoFit/>
+          </a:bodyPr>
+          <a:lstStyle/>
+          <a:p>
+            <a:pPr marL="0" indent="0" rtl="0" algn="l" defTabSz="914400" eaLnBrk="1" latinLnBrk="0" hangingPunct="1">
+              <a:buFontTx/>
+              <a:buNone/>
+            </a:pPr>
+            <a:r>
+              <a:rPr sz="1800" b="1">
+                <a:solidFill>
+                  <a:srgbClr val="0611F2"/>
+                </a:solidFill>
+                <a:latin typeface="맑은 고딕" charset="0"/>
+                <a:ea typeface="맑은 고딕" charset="0"/>
+              </a:rPr>
+              <a:t>3</a:t>
+            </a:r>
+            <a:r>
+              <a:rPr lang="ko-KR" sz="1800" b="1">
+                <a:solidFill>
+                  <a:srgbClr val="0611F2"/>
+                </a:solidFill>
+                <a:latin typeface="맑은 고딕" charset="0"/>
+                <a:ea typeface="맑은 고딕" charset="0"/>
+              </a:rPr>
+              <a:t>2</a:t>
+            </a:r>
+            <a:r>
+              <a:rPr sz="1800" b="1">
+                <a:solidFill>
+                  <a:srgbClr val="0611F2"/>
+                </a:solidFill>
+                <a:latin typeface="맑은 고딕" charset="0"/>
+                <a:ea typeface="맑은 고딕" charset="0"/>
+              </a:rPr>
+              <a:t>.</a:t>
+            </a:r>
+            <a:r>
+              <a:rPr sz="1800">
+                <a:latin typeface="맑은 고딕" charset="0"/>
+                <a:ea typeface="맑은 고딕" charset="0"/>
+              </a:rPr>
+              <a:t> </a:t>
+            </a:r>
+            <a:r>
+              <a:rPr lang="ko-KR" sz="1800">
+                <a:latin typeface="맑은 고딕" charset="0"/>
+                <a:ea typeface="맑은 고딕" charset="0"/>
+              </a:rPr>
+              <a:t>그다음으로 Light Probe Visualization에서 Generate Lighting을 선택합니다.</a:t>
+            </a:r>
+            <a:endParaRPr lang="ko-KR" altLang="en-US" sz="1800">
+              <a:latin typeface="맑은 고딕" charset="0"/>
+              <a:ea typeface="맑은 고딕" charset="0"/>
+            </a:endParaRPr>
+          </a:p>
+        </p:txBody>
+      </p:sp>
+      <p:pic>
+        <p:nvPicPr>
+          <p:cNvPr id="1206" name="그림 28"/>
+          <p:cNvPicPr>
+            <a:picLocks noChangeAspect="1"/>
+          </p:cNvPicPr>
+          <p:nvPr/>
+        </p:nvPicPr>
+        <p:blipFill rotWithShape="1">
+          <a:blip r:embed="rId2" cstate="print">
+            <a:extLst>
+              <a:ext uri="{28A0092B-C50C-407E-A947-70E740481C1C}">
+                <a14:useLocalDpi xmlns:a14="http://schemas.microsoft.com/office/drawing/2010/main" val="0"/>
+              </a:ext>
+            </a:extLst>
+          </a:blip>
+          <a:stretch>
+            <a:fillRect/>
+          </a:stretch>
+        </p:blipFill>
+        <p:spPr>
+          <a:xfrm rot="0">
+            <a:off x="1228090" y="1271270"/>
+            <a:ext cx="4133215" cy="3702685"/>
+          </a:xfrm>
+          <a:prstGeom prst="rect"/>
+          <a:noFill/>
+        </p:spPr>
+      </p:pic>
+      <p:pic>
+        <p:nvPicPr>
+          <p:cNvPr id="1207" name="그림 29" descr="C:/Users/Admin1/AppData/Roaming/PolarisOffice/ETemp/20280_10206192/fImage2270692959358.png"/>
+          <p:cNvPicPr>
+            <a:picLocks noChangeAspect="1"/>
+          </p:cNvPicPr>
+          <p:nvPr/>
+        </p:nvPicPr>
+        <p:blipFill rotWithShape="1">
+          <a:blip r:embed="rId3" cstate="hqprint">
+            <a:extLst>
+              <a:ext uri="{28A0092B-C50C-407E-A947-70E740481C1C}">
+                <a14:useLocalDpi xmlns:a14="http://schemas.microsoft.com/office/drawing/2010/main"/>
+              </a:ext>
+            </a:extLst>
+          </a:blip>
+          <a:stretch>
+            <a:fillRect/>
+          </a:stretch>
+        </p:blipFill>
+        <p:spPr>
+          <a:xfrm rot="0">
+            <a:off x="6841490" y="1228725"/>
+            <a:ext cx="4194810" cy="2646680"/>
           </a:xfrm>
           <a:prstGeom prst="roundRect"/>
           <a:solidFill>
@@ -11380,7 +13098,7 @@
       </p:pic>
       <p:pic>
         <p:nvPicPr>
-          <p:cNvPr id="1172" name="그림 2" descr="C:/Users/Admin1/AppData/Roaming/PolarisOffice/ETemp/7736_6598648/fImage850613041.png"/>
+          <p:cNvPr id="1172" name="그림 2"/>
           <p:cNvPicPr>
             <a:picLocks noChangeAspect="1"/>
           </p:cNvPicPr>
@@ -11411,7 +13129,7 @@
       </p:pic>
       <p:pic>
         <p:nvPicPr>
-          <p:cNvPr id="1173" name="그림 3" descr="C:/Users/Admin1/AppData/Roaming/PolarisOffice/ETemp/7736_6598648/fImage77321318467.png"/>
+          <p:cNvPr id="1173" name="그림 3"/>
           <p:cNvPicPr>
             <a:picLocks noChangeAspect="1"/>
           </p:cNvPicPr>
@@ -11556,7 +13274,7 @@
       </p:sp>
       <p:pic>
         <p:nvPicPr>
-          <p:cNvPr id="1175" name="그림 7" descr="C:/Users/Admin1/AppData/Roaming/PolarisOffice/ETemp/7736_6598648/fImage21801336334.png"/>
+          <p:cNvPr id="1175" name="그림 7"/>
           <p:cNvPicPr>
             <a:picLocks noChangeAspect="1"/>
           </p:cNvPicPr>
@@ -11645,7 +13363,7 @@
 </file>
 
 <file path=ppt/slides/slide9.xml><?xml version="1.0" encoding="utf-8"?>
-<p:sld xmlns:a="http://schemas.openxmlformats.org/drawingml/2006/main" xmlns:r="http://schemas.openxmlformats.org/officeDocument/2006/relationships" xmlns:p="http://schemas.openxmlformats.org/presentationml/2006/main">
+<p:sld xmlns:a="http://schemas.openxmlformats.org/drawingml/2006/main" xmlns:r="http://schemas.openxmlformats.org/officeDocument/2006/relationships" xmlns:p="http://schemas.openxmlformats.org/presentationml/2006/main" xmlns:p14="http://schemas.microsoft.com/office/powerpoint/2010/main">
   <p:cSld>
     <p:spTree>
       <p:nvGrpSpPr>
@@ -11807,7 +13525,7 @@
       </p:sp>
       <p:pic>
         <p:nvPicPr>
-          <p:cNvPr id="1177" name="그림 11" descr="C:/Users/Admin1/AppData/Roaming/PolarisOffice/ETemp/7736_6598648/fImage39392206500.png"/>
+          <p:cNvPr id="1177" name="그림 11"/>
           <p:cNvPicPr>
             <a:picLocks noChangeAspect="1"/>
           </p:cNvPicPr>
@@ -11838,7 +13556,7 @@
       </p:pic>
       <p:pic>
         <p:nvPicPr>
-          <p:cNvPr id="1178" name="그림 14" descr="C:/Users/Admin1/AppData/Roaming/PolarisOffice/ETemp/7736_6598648/fImage35432219169.png"/>
+          <p:cNvPr id="1178" name="그림 14"/>
           <p:cNvPicPr>
             <a:picLocks noChangeAspect="1"/>
           </p:cNvPicPr>
@@ -11983,7 +13701,7 @@
       </p:sp>
       <p:pic>
         <p:nvPicPr>
-          <p:cNvPr id="1180" name="그림 18" descr="C:/Users/Admin1/AppData/Roaming/PolarisOffice/ETemp/7736_6598648/fImage117502235724.png"/>
+          <p:cNvPr id="1180" name="그림 18"/>
           <p:cNvPicPr>
             <a:picLocks noChangeAspect="1"/>
           </p:cNvPicPr>

--- a/Assets/Class/Light/PPT Data/Light Example.pptx
+++ b/Assets/Class/Light/PPT Data/Light Example.pptx
@@ -2,26 +2,29 @@
 <file path=ppt/presentation.xml><?xml version="1.0" encoding="utf-8"?>
 <p:presentation xmlns:a="http://schemas.openxmlformats.org/drawingml/2006/main" xmlns:r="http://schemas.openxmlformats.org/officeDocument/2006/relationships" xmlns:p="http://schemas.openxmlformats.org/presentationml/2006/main" xmlns:p14="http://schemas.microsoft.com/office/powerpoint/2010/main" saveSubsetFonts="1" firstSlideNum="0">
   <p:sldMasterIdLst>
-    <p:sldMasterId id="2147485927" r:id="rId12"/>
+    <p:sldMasterId id="2147485943" r:id="rId12"/>
   </p:sldMasterIdLst>
   <p:notesMasterIdLst>
     <p:notesMasterId r:id="rId14"/>
   </p:notesMasterIdLst>
   <p:sldIdLst>
     <p:sldId id="287" r:id="rId16"/>
-    <p:sldId id="294" r:id="rId18"/>
-    <p:sldId id="295" r:id="rId20"/>
-    <p:sldId id="296" r:id="rId22"/>
-    <p:sldId id="299" r:id="rId24"/>
-    <p:sldId id="300" r:id="rId26"/>
-    <p:sldId id="302" r:id="rId28"/>
-    <p:sldId id="301" r:id="rId30"/>
-    <p:sldId id="303" r:id="rId32"/>
-    <p:sldId id="304" r:id="rId34"/>
-    <p:sldId id="305" r:id="rId36"/>
-    <p:sldId id="306" r:id="rId38"/>
-    <p:sldId id="307" r:id="rId40"/>
-    <p:sldId id="308" r:id="rId42"/>
+    <p:sldId id="294" r:id="rId17"/>
+    <p:sldId id="295" r:id="rId18"/>
+    <p:sldId id="296" r:id="rId19"/>
+    <p:sldId id="299" r:id="rId20"/>
+    <p:sldId id="300" r:id="rId21"/>
+    <p:sldId id="302" r:id="rId22"/>
+    <p:sldId id="301" r:id="rId23"/>
+    <p:sldId id="303" r:id="rId24"/>
+    <p:sldId id="304" r:id="rId25"/>
+    <p:sldId id="305" r:id="rId26"/>
+    <p:sldId id="306" r:id="rId27"/>
+    <p:sldId id="307" r:id="rId28"/>
+    <p:sldId id="308" r:id="rId29"/>
+    <p:sldId id="309" r:id="rId30"/>
+    <p:sldId id="310" r:id="rId31"/>
+    <p:sldId id="311" r:id="rId32"/>
   </p:sldIdLst>
   <p:sldSz cx="12192000" cy="6858000"/>
   <p:notesSz cx="6858000" cy="9144000"/>
@@ -1332,6 +1335,432 @@
 </p:notes>
 </file>
 
+<file path=ppt/notesSlides/notesSlide15.xml><?xml version="1.0" encoding="utf-8"?>
+<p:notes xmlns:a="http://schemas.openxmlformats.org/drawingml/2006/main" xmlns:r="http://schemas.openxmlformats.org/officeDocument/2006/relationships" xmlns:p="http://schemas.openxmlformats.org/presentationml/2006/main">
+  <p:cSld>
+    <p:spTree>
+      <p:nvGrpSpPr>
+        <p:cNvPr id="1" name=""/>
+        <p:cNvGrpSpPr/>
+        <p:nvPr/>
+      </p:nvGrpSpPr>
+      <p:grpSpPr>
+        <a:xfrm>
+          <a:off x="0" y="0"/>
+          <a:ext cx="0" cy="0"/>
+          <a:chOff x="0" y="0"/>
+          <a:chExt cx="0" cy="0"/>
+        </a:xfrm>
+      </p:grpSpPr>
+      <p:sp>
+        <p:nvSpPr>
+          <p:cNvPr id="2" name="슬라이드 이미지 개체 틀 3"/>
+          <p:cNvSpPr>
+            <a:spLocks noChangeAspect="1"/>
+          </p:cNvSpPr>
+          <p:nvPr>
+            <p:ph type="sldImg" idx="2"/>
+          </p:nvPr>
+        </p:nvSpPr>
+        <p:spPr>
+          <a:xfrm rot="0">
+            <a:off x="685800" y="1143000"/>
+            <a:ext cx="5493385" cy="3093085"/>
+          </a:xfrm>
+          <a:prstGeom prst="rect"/>
+          <a:noFill/>
+          <a:ln w="12700" cap="flat" cmpd="sng">
+            <a:solidFill>
+              <a:srgbClr val="000000">
+                <a:alpha val="100000"/>
+              </a:srgbClr>
+            </a:solidFill>
+            <a:prstDash val="solid"/>
+          </a:ln>
+        </p:spPr>
+        <p:txBody>
+          <a:bodyPr wrap="square" lIns="91440" tIns="45720" rIns="91440" bIns="45720" numCol="1" vert="horz" anchor="ctr">
+            <a:noAutofit/>
+          </a:bodyPr>
+          <a:lstStyle/>
+          <a:p>
+            <a:pPr marL="0" indent="0" latinLnBrk="0">
+              <a:buFontTx/>
+              <a:buNone/>
+            </a:pPr>
+          </a:p>
+        </p:txBody>
+      </p:sp>
+      <p:sp>
+        <p:nvSpPr>
+          <p:cNvPr id="3" name="슬라이드 노트 개체 틀 4"/>
+          <p:cNvSpPr txBox="1">
+            <a:spLocks/>
+          </p:cNvSpPr>
+          <p:nvPr>
+            <p:ph type="body" idx="3"/>
+          </p:nvPr>
+        </p:nvSpPr>
+        <p:spPr>
+          <a:xfrm rot="0">
+            <a:off x="685800" y="4400550"/>
+            <a:ext cx="5493385" cy="3607435"/>
+          </a:xfrm>
+          <a:prstGeom prst="rect"/>
+        </p:spPr>
+        <p:txBody>
+          <a:bodyPr wrap="square" lIns="91440" tIns="45720" rIns="91440" bIns="45720" numCol="1" vert="horz" anchor="t">
+            <a:noAutofit/>
+          </a:bodyPr>
+          <a:lstStyle/>
+          <a:p>
+            <a:pPr marL="0" indent="0" latinLnBrk="0">
+              <a:buFontTx/>
+              <a:buNone/>
+            </a:pPr>
+          </a:p>
+        </p:txBody>
+      </p:sp>
+      <p:sp>
+        <p:nvSpPr>
+          <p:cNvPr id="4" name="슬라이드 번호 개체 틀 6"/>
+          <p:cNvSpPr txBox="1">
+            <a:spLocks/>
+          </p:cNvSpPr>
+          <p:nvPr>
+            <p:ph type="sldNum" idx="5"/>
+          </p:nvPr>
+        </p:nvSpPr>
+        <p:spPr>
+          <a:xfrm rot="0">
+            <a:off x="3884930" y="8685530"/>
+            <a:ext cx="2978785" cy="465455"/>
+          </a:xfrm>
+          <a:prstGeom prst="rect"/>
+        </p:spPr>
+        <p:txBody>
+          <a:bodyPr wrap="square" lIns="91440" tIns="45720" rIns="91440" bIns="45720" numCol="1" vert="horz" anchor="b">
+            <a:noAutofit/>
+          </a:bodyPr>
+          <a:lstStyle>
+            <a:lvl1pPr marL="0" indent="0" algn="r" latinLnBrk="0">
+              <a:buFontTx/>
+              <a:buNone/>
+              <a:defRPr lang="en-GB" altLang="en-US" sz="1200"/>
+            </a:lvl1pPr>
+          </a:lstStyle>
+          <a:p>
+            <a:pPr marL="0" indent="0" latinLnBrk="0">
+              <a:buFontTx/>
+              <a:buNone/>
+            </a:pPr>
+            <a:fld id="{B9320F77-B9A0-41C5-862A-B4B631284C64}" type="slidenum">
+              <a:rPr lang="ko-KR" altLang="en-US"/>
+              <a:t>‹#›</a:t>
+            </a:fld>
+          </a:p>
+        </p:txBody>
+      </p:sp>
+    </p:spTree>
+  </p:cSld>
+  <p:clrMapOvr>
+    <a:masterClrMapping/>
+  </p:clrMapOvr>
+  <mc:AlternateContent xmlns:mc="http://schemas.openxmlformats.org/markup-compatibility/2006">
+    <mc:Choice xmlns:p14="http://schemas.microsoft.com/office/powerpoint/2010/main" Requires="p14">
+      <p:transition spd="slow" p14:dur="0"/>
+    </mc:Choice>
+    <mc:Fallback>
+      <p:transition spd="slow"/>
+    </mc:Fallback>
+  </mc:AlternateContent>
+</p:notes>
+</file>
+
+<file path=ppt/notesSlides/notesSlide16.xml><?xml version="1.0" encoding="utf-8"?>
+<p:notes xmlns:a="http://schemas.openxmlformats.org/drawingml/2006/main" xmlns:r="http://schemas.openxmlformats.org/officeDocument/2006/relationships" xmlns:p="http://schemas.openxmlformats.org/presentationml/2006/main">
+  <p:cSld>
+    <p:spTree>
+      <p:nvGrpSpPr>
+        <p:cNvPr id="1" name=""/>
+        <p:cNvGrpSpPr/>
+        <p:nvPr/>
+      </p:nvGrpSpPr>
+      <p:grpSpPr>
+        <a:xfrm>
+          <a:off x="0" y="0"/>
+          <a:ext cx="0" cy="0"/>
+          <a:chOff x="0" y="0"/>
+          <a:chExt cx="0" cy="0"/>
+        </a:xfrm>
+      </p:grpSpPr>
+      <p:sp>
+        <p:nvSpPr>
+          <p:cNvPr id="2" name="슬라이드 이미지 개체 틀 3"/>
+          <p:cNvSpPr>
+            <a:spLocks noChangeAspect="1"/>
+          </p:cNvSpPr>
+          <p:nvPr>
+            <p:ph type="sldImg" idx="2"/>
+          </p:nvPr>
+        </p:nvSpPr>
+        <p:spPr>
+          <a:xfrm rot="0">
+            <a:off x="685800" y="1143000"/>
+            <a:ext cx="5493385" cy="3093085"/>
+          </a:xfrm>
+          <a:prstGeom prst="rect"/>
+          <a:noFill/>
+          <a:ln w="12700" cap="flat" cmpd="sng">
+            <a:solidFill>
+              <a:srgbClr val="000000">
+                <a:alpha val="100000"/>
+              </a:srgbClr>
+            </a:solidFill>
+            <a:prstDash val="solid"/>
+          </a:ln>
+        </p:spPr>
+        <p:txBody>
+          <a:bodyPr wrap="square" lIns="91440" tIns="45720" rIns="91440" bIns="45720" numCol="1" vert="horz" anchor="ctr">
+            <a:noAutofit/>
+          </a:bodyPr>
+          <a:lstStyle/>
+          <a:p>
+            <a:pPr marL="0" indent="0" latinLnBrk="0">
+              <a:buFontTx/>
+              <a:buNone/>
+            </a:pPr>
+          </a:p>
+        </p:txBody>
+      </p:sp>
+      <p:sp>
+        <p:nvSpPr>
+          <p:cNvPr id="3" name="슬라이드 노트 개체 틀 4"/>
+          <p:cNvSpPr txBox="1">
+            <a:spLocks/>
+          </p:cNvSpPr>
+          <p:nvPr>
+            <p:ph type="body" idx="3"/>
+          </p:nvPr>
+        </p:nvSpPr>
+        <p:spPr>
+          <a:xfrm rot="0">
+            <a:off x="685800" y="4400550"/>
+            <a:ext cx="5493385" cy="3607435"/>
+          </a:xfrm>
+          <a:prstGeom prst="rect"/>
+        </p:spPr>
+        <p:txBody>
+          <a:bodyPr wrap="square" lIns="91440" tIns="45720" rIns="91440" bIns="45720" numCol="1" vert="horz" anchor="t">
+            <a:noAutofit/>
+          </a:bodyPr>
+          <a:lstStyle/>
+          <a:p>
+            <a:pPr marL="0" indent="0" latinLnBrk="0">
+              <a:buFontTx/>
+              <a:buNone/>
+            </a:pPr>
+          </a:p>
+        </p:txBody>
+      </p:sp>
+      <p:sp>
+        <p:nvSpPr>
+          <p:cNvPr id="4" name="슬라이드 번호 개체 틀 6"/>
+          <p:cNvSpPr txBox="1">
+            <a:spLocks/>
+          </p:cNvSpPr>
+          <p:nvPr>
+            <p:ph type="sldNum" idx="5"/>
+          </p:nvPr>
+        </p:nvSpPr>
+        <p:spPr>
+          <a:xfrm rot="0">
+            <a:off x="3884930" y="8685530"/>
+            <a:ext cx="2978785" cy="465455"/>
+          </a:xfrm>
+          <a:prstGeom prst="rect"/>
+        </p:spPr>
+        <p:txBody>
+          <a:bodyPr wrap="square" lIns="91440" tIns="45720" rIns="91440" bIns="45720" numCol="1" vert="horz" anchor="b">
+            <a:noAutofit/>
+          </a:bodyPr>
+          <a:lstStyle>
+            <a:lvl1pPr marL="0" indent="0" algn="r" latinLnBrk="0">
+              <a:buFontTx/>
+              <a:buNone/>
+              <a:defRPr lang="en-GB" altLang="en-US" sz="1200"/>
+            </a:lvl1pPr>
+          </a:lstStyle>
+          <a:p>
+            <a:pPr marL="0" indent="0" latinLnBrk="0">
+              <a:buFontTx/>
+              <a:buNone/>
+            </a:pPr>
+            <a:fld id="{B9320F77-B9A0-41C5-862A-B4B631284C64}" type="slidenum">
+              <a:rPr lang="ko-KR" altLang="en-US"/>
+              <a:t>‹#›</a:t>
+            </a:fld>
+          </a:p>
+        </p:txBody>
+      </p:sp>
+    </p:spTree>
+  </p:cSld>
+  <p:clrMapOvr>
+    <a:masterClrMapping/>
+  </p:clrMapOvr>
+  <mc:AlternateContent xmlns:mc="http://schemas.openxmlformats.org/markup-compatibility/2006">
+    <mc:Choice xmlns:p14="http://schemas.microsoft.com/office/powerpoint/2010/main" Requires="p14">
+      <p:transition spd="slow" p14:dur="0"/>
+    </mc:Choice>
+    <mc:Fallback>
+      <p:transition spd="slow"/>
+    </mc:Fallback>
+  </mc:AlternateContent>
+</p:notes>
+</file>
+
+<file path=ppt/notesSlides/notesSlide17.xml><?xml version="1.0" encoding="utf-8"?>
+<p:notes xmlns:a="http://schemas.openxmlformats.org/drawingml/2006/main" xmlns:r="http://schemas.openxmlformats.org/officeDocument/2006/relationships" xmlns:p="http://schemas.openxmlformats.org/presentationml/2006/main">
+  <p:cSld>
+    <p:spTree>
+      <p:nvGrpSpPr>
+        <p:cNvPr id="1" name=""/>
+        <p:cNvGrpSpPr/>
+        <p:nvPr/>
+      </p:nvGrpSpPr>
+      <p:grpSpPr>
+        <a:xfrm>
+          <a:off x="0" y="0"/>
+          <a:ext cx="0" cy="0"/>
+          <a:chOff x="0" y="0"/>
+          <a:chExt cx="0" cy="0"/>
+        </a:xfrm>
+      </p:grpSpPr>
+      <p:sp>
+        <p:nvSpPr>
+          <p:cNvPr id="2" name="슬라이드 이미지 개체 틀 3"/>
+          <p:cNvSpPr>
+            <a:spLocks noChangeAspect="1"/>
+          </p:cNvSpPr>
+          <p:nvPr>
+            <p:ph type="sldImg" idx="2"/>
+          </p:nvPr>
+        </p:nvSpPr>
+        <p:spPr>
+          <a:xfrm rot="0">
+            <a:off x="685800" y="1143000"/>
+            <a:ext cx="5493385" cy="3093085"/>
+          </a:xfrm>
+          <a:prstGeom prst="rect"/>
+          <a:noFill/>
+          <a:ln w="12700" cap="flat" cmpd="sng">
+            <a:solidFill>
+              <a:srgbClr val="000000">
+                <a:alpha val="100000"/>
+              </a:srgbClr>
+            </a:solidFill>
+            <a:prstDash val="solid"/>
+          </a:ln>
+        </p:spPr>
+        <p:txBody>
+          <a:bodyPr wrap="square" lIns="91440" tIns="45720" rIns="91440" bIns="45720" numCol="1" vert="horz" anchor="ctr">
+            <a:noAutofit/>
+          </a:bodyPr>
+          <a:lstStyle/>
+          <a:p>
+            <a:pPr marL="0" indent="0" latinLnBrk="0">
+              <a:buFontTx/>
+              <a:buNone/>
+            </a:pPr>
+          </a:p>
+        </p:txBody>
+      </p:sp>
+      <p:sp>
+        <p:nvSpPr>
+          <p:cNvPr id="3" name="슬라이드 노트 개체 틀 4"/>
+          <p:cNvSpPr txBox="1">
+            <a:spLocks/>
+          </p:cNvSpPr>
+          <p:nvPr>
+            <p:ph type="body" idx="3"/>
+          </p:nvPr>
+        </p:nvSpPr>
+        <p:spPr>
+          <a:xfrm rot="0">
+            <a:off x="685800" y="4400550"/>
+            <a:ext cx="5493385" cy="3607435"/>
+          </a:xfrm>
+          <a:prstGeom prst="rect"/>
+        </p:spPr>
+        <p:txBody>
+          <a:bodyPr wrap="square" lIns="91440" tIns="45720" rIns="91440" bIns="45720" numCol="1" vert="horz" anchor="t">
+            <a:noAutofit/>
+          </a:bodyPr>
+          <a:lstStyle/>
+          <a:p>
+            <a:pPr marL="0" indent="0" latinLnBrk="0">
+              <a:buFontTx/>
+              <a:buNone/>
+            </a:pPr>
+          </a:p>
+        </p:txBody>
+      </p:sp>
+      <p:sp>
+        <p:nvSpPr>
+          <p:cNvPr id="4" name="슬라이드 번호 개체 틀 6"/>
+          <p:cNvSpPr txBox="1">
+            <a:spLocks/>
+          </p:cNvSpPr>
+          <p:nvPr>
+            <p:ph type="sldNum" idx="5"/>
+          </p:nvPr>
+        </p:nvSpPr>
+        <p:spPr>
+          <a:xfrm rot="0">
+            <a:off x="3884930" y="8685530"/>
+            <a:ext cx="2978785" cy="465455"/>
+          </a:xfrm>
+          <a:prstGeom prst="rect"/>
+        </p:spPr>
+        <p:txBody>
+          <a:bodyPr wrap="square" lIns="91440" tIns="45720" rIns="91440" bIns="45720" numCol="1" vert="horz" anchor="b">
+            <a:noAutofit/>
+          </a:bodyPr>
+          <a:lstStyle>
+            <a:lvl1pPr marL="0" indent="0" algn="r" latinLnBrk="0">
+              <a:buFontTx/>
+              <a:buNone/>
+              <a:defRPr lang="en-GB" altLang="en-US" sz="1200"/>
+            </a:lvl1pPr>
+          </a:lstStyle>
+          <a:p>
+            <a:pPr marL="0" indent="0" latinLnBrk="0">
+              <a:buFontTx/>
+              <a:buNone/>
+            </a:pPr>
+            <a:fld id="{B9320F77-B9A0-41C5-862A-B4B631284C64}" type="slidenum">
+              <a:rPr lang="ko-KR" altLang="en-US"/>
+              <a:t>‹#›</a:t>
+            </a:fld>
+          </a:p>
+        </p:txBody>
+      </p:sp>
+    </p:spTree>
+  </p:cSld>
+  <p:clrMapOvr>
+    <a:masterClrMapping/>
+  </p:clrMapOvr>
+  <mc:AlternateContent xmlns:mc="http://schemas.openxmlformats.org/markup-compatibility/2006">
+    <mc:Choice xmlns:p14="http://schemas.microsoft.com/office/powerpoint/2010/main" Requires="p14">
+      <p:transition spd="slow" p14:dur="0"/>
+    </mc:Choice>
+    <mc:Fallback>
+      <p:transition spd="slow"/>
+    </mc:Fallback>
+  </mc:AlternateContent>
+</p:notes>
+</file>
+
 <file path=ppt/notesSlides/notesSlide2.xml><?xml version="1.0" encoding="utf-8"?>
 <p:notes xmlns:a="http://schemas.openxmlformats.org/drawingml/2006/main" xmlns:r="http://schemas.openxmlformats.org/officeDocument/2006/relationships" xmlns:p="http://schemas.openxmlformats.org/presentationml/2006/main">
   <p:cSld>
@@ -7908,8 +8337,8 @@
         </p:nvSpPr>
         <p:spPr>
           <a:xfrm rot="0">
-            <a:off x="1330960" y="2627630"/>
-            <a:ext cx="4058920" cy="1247775"/>
+            <a:off x="1330960" y="2740025"/>
+            <a:ext cx="4059555" cy="1248410"/>
           </a:xfrm>
           <a:prstGeom prst="rect"/>
           <a:noFill/>
@@ -7932,17 +8361,7 @@
                 <a:latin typeface="맑은 고딕" charset="0"/>
                 <a:ea typeface="맑은 고딕" charset="0"/>
               </a:rPr>
-              <a:t>21</a:t>
-            </a:r>
-            <a:r>
-              <a:rPr lang="ko-KR" sz="2000" b="1">
-                <a:solidFill>
-                  <a:srgbClr val="0611F2"/>
-                </a:solidFill>
-                <a:latin typeface="맑은 고딕" charset="0"/>
-                <a:ea typeface="맑은 고딕" charset="0"/>
-              </a:rPr>
-              <a:t>. </a:t>
+              <a:t>21. </a:t>
             </a:r>
             <a:r>
               <a:rPr lang="ko-KR" sz="1800">
@@ -7960,17 +8379,17 @@
       </p:sp>
       <p:pic>
         <p:nvPicPr>
-          <p:cNvPr id="1180" name="그림 22"/>
+          <p:cNvPr id="1180" name="그림 22" descr="C:/Users/Admin1/AppData/Roaming/PolarisOffice/ETemp/17960_9275864/fImage140922351478.png"/>
           <p:cNvPicPr>
             <a:picLocks noChangeAspect="1"/>
           </p:cNvPicPr>
           <p:nvPr/>
         </p:nvPicPr>
         <p:blipFill rotWithShape="1">
-          <a:blip r:embed="rId2" cstate="print">
+          <a:blip r:embed="rId2" cstate="hqprint">
             <a:extLst>
               <a:ext uri="{28A0092B-C50C-407E-A947-70E740481C1C}">
-                <a14:useLocalDpi xmlns:a14="http://schemas.microsoft.com/office/drawing/2010/main" val="0"/>
+                <a14:useLocalDpi xmlns:a14="http://schemas.microsoft.com/office/drawing/2010/main"/>
               </a:ext>
             </a:extLst>
           </a:blip>
@@ -7981,7 +8400,7 @@
         <p:spPr>
           <a:xfrm rot="0">
             <a:off x="2499360" y="1356995"/>
-            <a:ext cx="2889250" cy="1091565"/>
+            <a:ext cx="2889885" cy="1229360"/>
           </a:xfrm>
           <a:prstGeom prst="roundRect"/>
           <a:solidFill>
@@ -7991,17 +8410,17 @@
       </p:pic>
       <p:pic>
         <p:nvPicPr>
-          <p:cNvPr id="1181" name="그림 25"/>
+          <p:cNvPr id="1181" name="그림 25" descr="C:/Users/Admin1/AppData/Roaming/PolarisOffice/ETemp/17960_9275864/fImage77552369358.png"/>
           <p:cNvPicPr>
             <a:picLocks noChangeAspect="1"/>
           </p:cNvPicPr>
           <p:nvPr/>
         </p:nvPicPr>
         <p:blipFill rotWithShape="1">
-          <a:blip r:embed="rId3" cstate="print">
+          <a:blip r:embed="rId3" cstate="hqprint">
             <a:extLst>
               <a:ext uri="{28A0092B-C50C-407E-A947-70E740481C1C}">
-                <a14:useLocalDpi xmlns:a14="http://schemas.microsoft.com/office/drawing/2010/main" val="0"/>
+                <a14:useLocalDpi xmlns:a14="http://schemas.microsoft.com/office/drawing/2010/main"/>
               </a:ext>
             </a:extLst>
           </a:blip>
@@ -8012,7 +8431,7 @@
         <p:spPr>
           <a:xfrm rot="0">
             <a:off x="1332865" y="1356995"/>
-            <a:ext cx="1054735" cy="1099820"/>
+            <a:ext cx="1055370" cy="1238250"/>
           </a:xfrm>
           <a:prstGeom prst="roundRect"/>
           <a:solidFill>
@@ -8028,13 +8447,12 @@
         </p:nvCxnSpPr>
         <p:spPr>
           <a:xfrm rot="0">
-            <a:off x="2309495" y="1626235"/>
-            <a:ext cx="3001645" cy="433070"/>
+            <a:off x="2291715" y="1660525"/>
+            <a:ext cx="3019425" cy="467995"/>
           </a:xfrm>
           <a:prstGeom prst="straightConnector1"/>
           <a:ln w="6350" cap="flat" cmpd="sng">
             <a:prstDash/>
-            <a:headEnd type="none" w="med" len="med"/>
             <a:tailEnd type="triangle" w="med" len="med"/>
           </a:ln>
         </p:spPr>
@@ -8061,13 +8479,12 @@
         </p:nvCxnSpPr>
         <p:spPr>
           <a:xfrm rot="0">
-            <a:off x="2075815" y="1729740"/>
-            <a:ext cx="3235325" cy="459105"/>
+            <a:off x="2075815" y="1781810"/>
+            <a:ext cx="3243580" cy="510540"/>
           </a:xfrm>
           <a:prstGeom prst="straightConnector1"/>
           <a:ln w="6350" cap="flat" cmpd="sng">
             <a:prstDash/>
-            <a:headEnd type="none" w="med" len="med"/>
             <a:tailEnd type="triangle" w="med" len="med"/>
           </a:ln>
         </p:spPr>
@@ -8094,13 +8511,12 @@
         </p:nvCxnSpPr>
         <p:spPr>
           <a:xfrm rot="0">
-            <a:off x="2110105" y="1851025"/>
-            <a:ext cx="3201035" cy="484505"/>
+            <a:off x="2101850" y="1920240"/>
+            <a:ext cx="3217545" cy="545465"/>
           </a:xfrm>
           <a:prstGeom prst="straightConnector1"/>
           <a:ln w="6350" cap="flat" cmpd="sng">
             <a:prstDash/>
-            <a:headEnd type="none" w="med" len="med"/>
             <a:tailEnd type="triangle" w="med" len="med"/>
           </a:ln>
         </p:spPr>
@@ -8121,17 +8537,17 @@
       </p:cxnSp>
       <p:pic>
         <p:nvPicPr>
-          <p:cNvPr id="1185" name="그림 31"/>
+          <p:cNvPr id="1185" name="그림 31" descr="C:/Users/Admin1/AppData/Roaming/PolarisOffice/ETemp/17960_9275864/fImage123502406962.png"/>
           <p:cNvPicPr>
             <a:picLocks noChangeAspect="1"/>
           </p:cNvPicPr>
           <p:nvPr/>
         </p:nvPicPr>
         <p:blipFill rotWithShape="1">
-          <a:blip r:embed="rId4" cstate="print">
+          <a:blip r:embed="rId4" cstate="hqprint">
             <a:extLst>
               <a:ext uri="{28A0092B-C50C-407E-A947-70E740481C1C}">
-                <a14:useLocalDpi xmlns:a14="http://schemas.microsoft.com/office/drawing/2010/main" val="0"/>
+                <a14:useLocalDpi xmlns:a14="http://schemas.microsoft.com/office/drawing/2010/main"/>
               </a:ext>
             </a:extLst>
           </a:blip>
@@ -8141,8 +8557,8 @@
         </p:blipFill>
         <p:spPr>
           <a:xfrm rot="0">
-            <a:off x="1334135" y="3961130"/>
-            <a:ext cx="4063365" cy="1471295"/>
+            <a:off x="1334135" y="4133850"/>
+            <a:ext cx="4064000" cy="1299210"/>
           </a:xfrm>
           <a:prstGeom prst="roundRect"/>
           <a:solidFill>
@@ -8786,7 +9202,7 @@
         <p:spPr>
           <a:xfrm rot="0">
             <a:off x="6828790" y="5582920"/>
-            <a:ext cx="4251325" cy="647065"/>
+            <a:ext cx="4008755" cy="647065"/>
           </a:xfrm>
           <a:prstGeom prst="rect"/>
           <a:noFill/>
@@ -8796,7 +9212,7 @@
           </a:ln>
         </p:spPr>
         <p:txBody>
-          <a:bodyPr wrap="square" lIns="89535" tIns="46355" rIns="89535" bIns="46355" vert="horz" anchor="t">
+          <a:bodyPr wrap="square" lIns="89535" tIns="46355" rIns="89535" bIns="46355" numCol="1" vert="horz" anchor="t">
             <a:spAutoFit/>
           </a:bodyPr>
           <a:lstStyle/>
@@ -8813,27 +9229,7 @@
                 <a:latin typeface="맑은 고딕" charset="0"/>
                 <a:ea typeface="맑은 고딕" charset="0"/>
               </a:rPr>
-              <a:t>2</a:t>
-            </a:r>
-            <a:r>
-              <a:rPr sz="1800" b="1">
-                <a:solidFill>
-                  <a:srgbClr val="0611F2"/>
-                </a:solidFill>
-                <a:latin typeface="맑은 고딕" charset="0"/>
-                <a:ea typeface="맑은 고딕" charset="0"/>
-              </a:rPr>
-              <a:t>5</a:t>
-            </a:r>
-            <a:r>
-              <a:rPr sz="1800" b="1">
-                <a:solidFill>
-                  <a:srgbClr val="0611F2"/>
-                </a:solidFill>
-                <a:latin typeface="맑은 고딕" charset="0"/>
-                <a:ea typeface="맑은 고딕" charset="0"/>
-              </a:rPr>
-              <a:t>.</a:t>
+              <a:t>25.</a:t>
             </a:r>
             <a:r>
               <a:rPr sz="1800">
@@ -8847,7 +9243,14 @@
                 <a:latin typeface="맑은 고딕" charset="0"/>
                 <a:ea typeface="맑은 고딕" charset="0"/>
               </a:rPr>
-              <a:t>이제 Light에서 Light Probe Group을 생성합니다.</a:t>
+              <a:t>이제 </a:t>
+            </a:r>
+            <a:r>
+              <a:rPr lang="ko-KR" sz="1800">
+                <a:latin typeface="맑은 고딕" charset="0"/>
+                <a:ea typeface="맑은 고딕" charset="0"/>
+              </a:rPr>
+              <a:t>Floor 오브젝트에 Contribute GI를 설정합니다.</a:t>
             </a:r>
             <a:endParaRPr lang="ko-KR" altLang="en-US" sz="1800">
               <a:latin typeface="맑은 고딕" charset="0"/>
@@ -8951,14 +9354,14 @@
       </p:pic>
       <p:pic>
         <p:nvPicPr>
-          <p:cNvPr id="1195" name="그림 53"/>
+          <p:cNvPr id="1195" name="그림 10" descr="C:/Users/Admin1/AppData/Roaming/PolarisOffice/ETemp/17960_9275864/fImage50302986334.png"/>
           <p:cNvPicPr>
             <a:picLocks noChangeAspect="1"/>
           </p:cNvPicPr>
           <p:nvPr/>
         </p:nvPicPr>
         <p:blipFill rotWithShape="1">
-          <a:blip r:embed="rId5" cstate="print">
+          <a:blip r:embed="rId8" cstate="print">
             <a:extLst>
               <a:ext uri="{28A0092B-C50C-407E-A947-70E740481C1C}">
                 <a14:useLocalDpi xmlns:a14="http://schemas.microsoft.com/office/drawing/2010/main" val="0"/>
@@ -8971,8 +9374,8 @@
         </p:blipFill>
         <p:spPr>
           <a:xfrm rot="0">
-            <a:off x="6823710" y="1357630"/>
-            <a:ext cx="2500630" cy="4048760"/>
+            <a:off x="9211310" y="1929130"/>
+            <a:ext cx="1626870" cy="2992755"/>
           </a:xfrm>
           <a:prstGeom prst="roundRect"/>
           <a:solidFill>
@@ -8982,14 +9385,14 @@
       </p:pic>
       <p:pic>
         <p:nvPicPr>
-          <p:cNvPr id="1196" name="그림 56"/>
+          <p:cNvPr id="1196" name="그림 13" descr="C:/Users/Admin1/AppData/Roaming/PolarisOffice/ETemp/17960_9275864/fImage77352996500.png"/>
           <p:cNvPicPr>
             <a:picLocks noChangeAspect="1"/>
           </p:cNvPicPr>
           <p:nvPr/>
         </p:nvPicPr>
         <p:blipFill rotWithShape="1">
-          <a:blip r:embed="rId6" cstate="print">
+          <a:blip r:embed="rId9" cstate="print">
             <a:extLst>
               <a:ext uri="{28A0092B-C50C-407E-A947-70E740481C1C}">
                 <a14:useLocalDpi xmlns:a14="http://schemas.microsoft.com/office/drawing/2010/main" val="0"/>
@@ -9002,8 +9405,8 @@
         </p:blipFill>
         <p:spPr>
           <a:xfrm rot="0">
-            <a:off x="9505315" y="2294890"/>
-            <a:ext cx="1572895" cy="2181860"/>
+            <a:off x="6829425" y="1366520"/>
+            <a:ext cx="2148840" cy="4004945"/>
           </a:xfrm>
           <a:prstGeom prst="roundRect"/>
           <a:solidFill>
@@ -9035,7 +9438,7 @@
 </file>
 
 <file path=ppt/slides/slide12.xml><?xml version="1.0" encoding="utf-8"?>
-<p:sld xmlns:a="http://schemas.openxmlformats.org/drawingml/2006/main" xmlns:r="http://schemas.openxmlformats.org/officeDocument/2006/relationships" xmlns:p="http://schemas.openxmlformats.org/presentationml/2006/main">
+<p:sld xmlns:a="http://schemas.openxmlformats.org/drawingml/2006/main" xmlns:r="http://schemas.openxmlformats.org/officeDocument/2006/relationships" xmlns:p="http://schemas.openxmlformats.org/presentationml/2006/main" xmlns:p14="http://schemas.microsoft.com/office/powerpoint/2010/main">
   <p:cSld>
     <p:spTree>
       <p:nvGrpSpPr>
@@ -9291,7 +9694,7 @@
       </p:sp>
       <p:pic>
         <p:nvPicPr>
-          <p:cNvPr id="1197" name="그림 1" descr="C:/Users/Admin1/AppData/Roaming/PolarisOffice/ETemp/6920_21611304/fImage457526041.png"/>
+          <p:cNvPr id="1197" name="그림 1"/>
           <p:cNvPicPr>
             <a:picLocks noChangeAspect="1"/>
           </p:cNvPicPr>
@@ -9322,7 +9725,7 @@
       </p:pic>
       <p:pic>
         <p:nvPicPr>
-          <p:cNvPr id="1198" name="그림 4" descr="C:/Users/Admin1/AppData/Roaming/PolarisOffice/ETemp/6920_21611304/fImage103442618467.png"/>
+          <p:cNvPr id="1198" name="그림 4"/>
           <p:cNvPicPr>
             <a:picLocks noChangeAspect="1"/>
           </p:cNvPicPr>
@@ -9353,7 +9756,7 @@
       </p:pic>
       <p:pic>
         <p:nvPicPr>
-          <p:cNvPr id="1199" name="그림 7" descr="C:/Users/Admin1/AppData/Roaming/PolarisOffice/ETemp/6920_21611304/fImage161382626334.png"/>
+          <p:cNvPr id="1199" name="그림 7"/>
           <p:cNvPicPr>
             <a:picLocks noChangeAspect="1"/>
           </p:cNvPicPr>
@@ -9471,7 +9874,7 @@
       </p:sp>
       <p:pic>
         <p:nvPicPr>
-          <p:cNvPr id="1201" name="그림 11" descr="C:/Users/Admin1/AppData/Roaming/PolarisOffice/ETemp/6920_21611304/fImage1210014041.png"/>
+          <p:cNvPr id="1201" name="그림 11"/>
           <p:cNvPicPr>
             <a:picLocks noChangeAspect="1"/>
           </p:cNvPicPr>
@@ -9502,14 +9905,14 @@
       </p:pic>
       <p:pic>
         <p:nvPicPr>
-          <p:cNvPr id="1202" name="그림 12" descr="C:/Users/Admin1/AppData/Roaming/PolarisOffice/ETemp/6920_21611304/fImage139212656500.png"/>
+          <p:cNvPr id="1202" name="그림 20" descr="C:/Users/Admin1/AppData/Roaming/PolarisOffice/ETemp/17960_9275864/fImage106453029169.png"/>
           <p:cNvPicPr>
             <a:picLocks noChangeAspect="1"/>
           </p:cNvPicPr>
           <p:nvPr/>
         </p:nvPicPr>
         <p:blipFill rotWithShape="1">
-          <a:blip r:embed="rId6" cstate="print">
+          <a:blip r:embed="rId8" cstate="print">
             <a:extLst>
               <a:ext uri="{28A0092B-C50C-407E-A947-70E740481C1C}">
                 <a14:useLocalDpi xmlns:a14="http://schemas.microsoft.com/office/drawing/2010/main" val="0"/>
@@ -9522,8 +9925,8 @@
         </p:blipFill>
         <p:spPr>
           <a:xfrm rot="0">
-            <a:off x="9436100" y="2030730"/>
-            <a:ext cx="1466215" cy="2726690"/>
+            <a:off x="9467215" y="2145030"/>
+            <a:ext cx="1438910" cy="2499995"/>
           </a:xfrm>
           <a:prstGeom prst="roundRect"/>
           <a:solidFill>
@@ -9555,7 +9958,7 @@
 </file>
 
 <file path=ppt/slides/slide13.xml><?xml version="1.0" encoding="utf-8"?>
-<p:sld xmlns:a="http://schemas.openxmlformats.org/drawingml/2006/main" xmlns:r="http://schemas.openxmlformats.org/officeDocument/2006/relationships" xmlns:p="http://schemas.openxmlformats.org/presentationml/2006/main">
+<p:sld xmlns:a="http://schemas.openxmlformats.org/drawingml/2006/main" xmlns:r="http://schemas.openxmlformats.org/officeDocument/2006/relationships" xmlns:p="http://schemas.openxmlformats.org/presentationml/2006/main" xmlns:p14="http://schemas.microsoft.com/office/powerpoint/2010/main">
   <p:cSld>
     <p:spTree>
       <p:nvGrpSpPr>
@@ -9730,38 +10133,7 @@
       </p:sp>
       <p:pic>
         <p:nvPicPr>
-          <p:cNvPr id="1203" name="그림 15" descr="C:/Users/Admin1/AppData/Roaming/PolarisOffice/ETemp/6920_21611304/fImage126082789169.png"/>
-          <p:cNvPicPr>
-            <a:picLocks noChangeAspect="1"/>
-          </p:cNvPicPr>
-          <p:nvPr/>
-        </p:nvPicPr>
-        <p:blipFill rotWithShape="1">
-          <a:blip r:embed="rId2" cstate="print">
-            <a:extLst>
-              <a:ext uri="{28A0092B-C50C-407E-A947-70E740481C1C}">
-                <a14:useLocalDpi xmlns:a14="http://schemas.microsoft.com/office/drawing/2010/main" val="0"/>
-              </a:ext>
-            </a:extLst>
-          </a:blip>
-          <a:stretch>
-            <a:fillRect/>
-          </a:stretch>
-        </p:blipFill>
-        <p:spPr>
-          <a:xfrm rot="0">
-            <a:off x="1305560" y="1297305"/>
-            <a:ext cx="4065905" cy="1151255"/>
-          </a:xfrm>
-          <a:prstGeom prst="roundRect"/>
-          <a:solidFill>
-            <a:srgbClr val="EDEDED"/>
-          </a:solidFill>
-        </p:spPr>
-      </p:pic>
-      <p:pic>
-        <p:nvPicPr>
-          <p:cNvPr id="1204" name="그림 18" descr="C:/Users/Admin1/AppData/Roaming/PolarisOffice/ETemp/6920_21611304/fImage115322795724.png"/>
+          <p:cNvPr id="1204" name="그림 18"/>
           <p:cNvPicPr>
             <a:picLocks noChangeAspect="1"/>
           </p:cNvPicPr>
@@ -9863,7 +10235,7 @@
       </p:sp>
       <p:pic>
         <p:nvPicPr>
-          <p:cNvPr id="1206" name="그림 25" descr="C:/Users/Admin1/AppData/Roaming/PolarisOffice/ETemp/6920_21611304/fImage211388841.png"/>
+          <p:cNvPr id="1206" name="그림 25"/>
           <p:cNvPicPr>
             <a:picLocks noChangeAspect="1"/>
           </p:cNvPicPr>
@@ -9950,6 +10322,37 @@
           </a:p>
         </p:txBody>
       </p:sp>
+      <p:pic>
+        <p:nvPicPr>
+          <p:cNvPr id="1208" name="그림 4" descr="C:/Users/Admin1/AppData/Roaming/PolarisOffice/ETemp/17960_9275864/fImage122712145724.png"/>
+          <p:cNvPicPr>
+            <a:picLocks noChangeAspect="1"/>
+          </p:cNvPicPr>
+          <p:nvPr/>
+        </p:nvPicPr>
+        <p:blipFill rotWithShape="1">
+          <a:blip r:embed="rId6" cstate="print">
+            <a:extLst>
+              <a:ext uri="{28A0092B-C50C-407E-A947-70E740481C1C}">
+                <a14:useLocalDpi xmlns:a14="http://schemas.microsoft.com/office/drawing/2010/main" val="0"/>
+              </a:ext>
+            </a:extLst>
+          </a:blip>
+          <a:stretch>
+            <a:fillRect/>
+          </a:stretch>
+        </p:blipFill>
+        <p:spPr>
+          <a:xfrm rot="0">
+            <a:off x="1302385" y="1205230"/>
+            <a:ext cx="4060825" cy="1217295"/>
+          </a:xfrm>
+          <a:prstGeom prst="roundRect"/>
+          <a:solidFill>
+            <a:srgbClr val="EDEDED"/>
+          </a:solidFill>
+        </p:spPr>
+      </p:pic>
     </p:spTree>
   </p:cSld>
   <p:clrMapOvr>
@@ -10271,7 +10674,7 @@
       </p:pic>
       <p:pic>
         <p:nvPicPr>
-          <p:cNvPr id="1207" name="그림 29" descr="C:/Users/Admin1/AppData/Roaming/PolarisOffice/ETemp/20280_10206192/fImage2270692959358.png"/>
+          <p:cNvPr id="1207" name="그림 29"/>
           <p:cNvPicPr>
             <a:picLocks noChangeAspect="1"/>
           </p:cNvPicPr>
@@ -10300,6 +10703,1500 @@
           </a:solidFill>
         </p:spPr>
       </p:pic>
+    </p:spTree>
+  </p:cSld>
+  <p:clrMapOvr>
+    <a:masterClrMapping/>
+  </p:clrMapOvr>
+  <mc:AlternateContent xmlns:mc="http://schemas.openxmlformats.org/markup-compatibility/2006">
+    <mc:Choice xmlns:p14="http://schemas.microsoft.com/office/powerpoint/2010/main" Requires="p14">
+      <p:transition spd="slow" p14:dur="2000"/>
+    </mc:Choice>
+    <mc:Fallback>
+      <p:transition spd="slow"/>
+    </mc:Fallback>
+  </mc:AlternateContent>
+  <p:timing>
+    <p:tnLst>
+      <p:par>
+        <p:cTn id="1" dur="indefinite" restart="never" nodeType="tmRoot"/>
+      </p:par>
+    </p:tnLst>
+  </p:timing>
+</p:sld>
+</file>
+
+<file path=ppt/slides/slide15.xml><?xml version="1.0" encoding="utf-8"?>
+<p:sld xmlns:a="http://schemas.openxmlformats.org/drawingml/2006/main" xmlns:r="http://schemas.openxmlformats.org/officeDocument/2006/relationships" xmlns:p="http://schemas.openxmlformats.org/presentationml/2006/main">
+  <p:cSld>
+    <p:spTree>
+      <p:nvGrpSpPr>
+        <p:cNvPr id="1" name=""/>
+        <p:cNvGrpSpPr/>
+        <p:nvPr/>
+      </p:nvGrpSpPr>
+      <p:grpSpPr>
+        <a:xfrm>
+          <a:off x="0" y="0"/>
+          <a:ext cx="0" cy="0"/>
+          <a:chOff x="0" y="0"/>
+          <a:chExt cx="0" cy="0"/>
+        </a:xfrm>
+      </p:grpSpPr>
+      <p:sp>
+        <p:nvSpPr>
+          <p:cNvPr id="1031" name="Rect 0"/>
+          <p:cNvSpPr txBox="1">
+            <a:spLocks/>
+          </p:cNvSpPr>
+          <p:nvPr/>
+        </p:nvSpPr>
+        <p:spPr>
+          <a:xfrm rot="0">
+            <a:off x="4292600" y="318770"/>
+            <a:ext cx="3613785" cy="554990"/>
+          </a:xfrm>
+          <a:prstGeom prst="rect"/>
+          <a:noFill/>
+          <a:ln w="0">
+            <a:noFill/>
+            <a:prstDash/>
+          </a:ln>
+        </p:spPr>
+        <p:txBody>
+          <a:bodyPr wrap="square" lIns="89535" tIns="46355" rIns="89535" bIns="46355" numCol="1" vert="horz" anchor="t">
+            <a:spAutoFit/>
+          </a:bodyPr>
+          <a:lstStyle/>
+          <a:p>
+            <a:pPr marL="0" indent="0" algn="l" latinLnBrk="0">
+              <a:buFontTx/>
+              <a:buNone/>
+            </a:pPr>
+            <a:r>
+              <a:rPr lang="ko-KR" altLang="en-US" sz="3000" b="1">
+                <a:solidFill>
+                  <a:schemeClr val="tx1"/>
+                </a:solidFill>
+                <a:latin typeface="맑은 고딕" charset="0"/>
+                <a:ea typeface="맑은 고딕" charset="0"/>
+              </a:rPr>
+              <a:t>열</a:t>
+            </a:r>
+            <a:r>
+              <a:rPr lang="ko-KR" altLang="en-US" sz="3000" b="1">
+                <a:solidFill>
+                  <a:schemeClr val="tx1"/>
+                </a:solidFill>
+                <a:latin typeface="맑은 고딕" charset="0"/>
+                <a:ea typeface="맑은 고딕" charset="0"/>
+              </a:rPr>
+              <a:t>네</a:t>
+            </a:r>
+            <a:r>
+              <a:rPr lang="ko-KR" altLang="en-US" sz="3000" b="1">
+                <a:solidFill>
+                  <a:schemeClr val="tx1"/>
+                </a:solidFill>
+                <a:latin typeface="맑은 고딕" charset="0"/>
+                <a:ea typeface="맑은 고딕" charset="0"/>
+              </a:rPr>
+              <a:t> 번째 튜토리얼</a:t>
+            </a:r>
+            <a:endParaRPr lang="ko-KR" altLang="en-US" sz="3000" b="1">
+              <a:solidFill>
+                <a:schemeClr val="tx1"/>
+              </a:solidFill>
+              <a:latin typeface="맑은 고딕" charset="0"/>
+              <a:ea typeface="맑은 고딕" charset="0"/>
+            </a:endParaRPr>
+          </a:p>
+        </p:txBody>
+      </p:sp>
+      <p:sp>
+        <p:nvSpPr>
+          <p:cNvPr id="1032" name="텍스트 상자 7"/>
+          <p:cNvSpPr txBox="1">
+            <a:spLocks/>
+          </p:cNvSpPr>
+          <p:nvPr/>
+        </p:nvSpPr>
+        <p:spPr>
+          <a:xfrm rot="0">
+            <a:off x="1440815" y="5410200"/>
+            <a:ext cx="3939540" cy="647065"/>
+          </a:xfrm>
+          <a:prstGeom prst="rect"/>
+          <a:noFill/>
+          <a:ln w="0">
+            <a:noFill/>
+            <a:prstDash/>
+          </a:ln>
+        </p:spPr>
+        <p:txBody>
+          <a:bodyPr wrap="square" lIns="89535" tIns="46355" rIns="89535" bIns="46355" numCol="1" vert="horz" anchor="t">
+            <a:spAutoFit/>
+          </a:bodyPr>
+          <a:lstStyle/>
+          <a:p>
+            <a:pPr marL="0" indent="0" rtl="0" algn="l" defTabSz="914400" eaLnBrk="1" latinLnBrk="0" hangingPunct="1">
+              <a:buFontTx/>
+              <a:buNone/>
+            </a:pPr>
+            <a:r>
+              <a:rPr sz="1800" b="1">
+                <a:solidFill>
+                  <a:srgbClr val="0611F2"/>
+                </a:solidFill>
+                <a:latin typeface="맑은 고딕" charset="0"/>
+                <a:ea typeface="맑은 고딕" charset="0"/>
+              </a:rPr>
+              <a:t>33</a:t>
+            </a:r>
+            <a:r>
+              <a:rPr sz="1800" b="1">
+                <a:solidFill>
+                  <a:srgbClr val="0611F2"/>
+                </a:solidFill>
+                <a:latin typeface="맑은 고딕" charset="0"/>
+                <a:ea typeface="맑은 고딕" charset="0"/>
+              </a:rPr>
+              <a:t>.</a:t>
+            </a:r>
+            <a:r>
+              <a:rPr sz="1800">
+                <a:latin typeface="맑은 고딕" charset="0"/>
+                <a:ea typeface="맑은 고딕" charset="0"/>
+              </a:rPr>
+              <a:t> </a:t>
+            </a:r>
+            <a:r>
+              <a:rPr lang="ko-KR" sz="1800">
+                <a:latin typeface="맑은 고딕" charset="0"/>
+                <a:ea typeface="맑은 고딕" charset="0"/>
+              </a:rPr>
+              <a:t>이제 Light에서 Light Probe Group을 생성합니다.</a:t>
+            </a:r>
+            <a:endParaRPr lang="ko-KR" altLang="en-US" sz="1800">
+              <a:latin typeface="맑은 고딕" charset="0"/>
+              <a:ea typeface="맑은 고딕" charset="0"/>
+            </a:endParaRPr>
+          </a:p>
+        </p:txBody>
+      </p:sp>
+      <p:pic>
+        <p:nvPicPr>
+          <p:cNvPr id="1033" name="그림 8" descr="C:/Users/Admin1/AppData/Roaming/PolarisOffice/ETemp/17960_9275864/fImage11949271491.png"/>
+          <p:cNvPicPr>
+            <a:picLocks noChangeAspect="1"/>
+          </p:cNvPicPr>
+          <p:nvPr/>
+        </p:nvPicPr>
+        <p:blipFill rotWithShape="1">
+          <a:blip r:embed="rId2" cstate="hqprint">
+            <a:extLst>
+              <a:ext uri="{28A0092B-C50C-407E-A947-70E740481C1C}">
+                <a14:useLocalDpi xmlns:a14="http://schemas.microsoft.com/office/drawing/2010/main"/>
+              </a:ext>
+            </a:extLst>
+          </a:blip>
+          <a:stretch>
+            <a:fillRect/>
+          </a:stretch>
+        </p:blipFill>
+        <p:spPr>
+          <a:xfrm rot="0">
+            <a:off x="1435735" y="1340485"/>
+            <a:ext cx="2473960" cy="3893820"/>
+          </a:xfrm>
+          <a:prstGeom prst="roundRect"/>
+          <a:solidFill>
+            <a:srgbClr val="EDEDED"/>
+          </a:solidFill>
+        </p:spPr>
+      </p:pic>
+      <p:pic>
+        <p:nvPicPr>
+          <p:cNvPr id="1034" name="그림 23" descr="C:/Users/Admin1/AppData/Roaming/PolarisOffice/ETemp/17960_9275864/fImage109533031478.png"/>
+          <p:cNvPicPr>
+            <a:picLocks noChangeAspect="1"/>
+          </p:cNvPicPr>
+          <p:nvPr/>
+        </p:nvPicPr>
+        <p:blipFill rotWithShape="1">
+          <a:blip r:embed="rId3" cstate="print">
+            <a:extLst>
+              <a:ext uri="{28A0092B-C50C-407E-A947-70E740481C1C}">
+                <a14:useLocalDpi xmlns:a14="http://schemas.microsoft.com/office/drawing/2010/main" val="0"/>
+              </a:ext>
+            </a:extLst>
+          </a:blip>
+          <a:stretch>
+            <a:fillRect/>
+          </a:stretch>
+        </p:blipFill>
+        <p:spPr>
+          <a:xfrm rot="0">
+            <a:off x="4074160" y="2145030"/>
+            <a:ext cx="1314450" cy="2560320"/>
+          </a:xfrm>
+          <a:prstGeom prst="roundRect"/>
+          <a:solidFill>
+            <a:srgbClr val="EDEDED"/>
+          </a:solidFill>
+        </p:spPr>
+      </p:pic>
+      <p:pic>
+        <p:nvPicPr>
+          <p:cNvPr id="1035" name="그림 26" descr="C:/Users/Admin1/AppData/Roaming/PolarisOffice/ETemp/17960_9275864/fImage126703049358.png"/>
+          <p:cNvPicPr>
+            <a:picLocks noChangeAspect="1"/>
+          </p:cNvPicPr>
+          <p:nvPr/>
+        </p:nvPicPr>
+        <p:blipFill rotWithShape="1">
+          <a:blip r:embed="rId4" cstate="print">
+            <a:extLst>
+              <a:ext uri="{28A0092B-C50C-407E-A947-70E740481C1C}">
+                <a14:useLocalDpi xmlns:a14="http://schemas.microsoft.com/office/drawing/2010/main" val="0"/>
+              </a:ext>
+            </a:extLst>
+          </a:blip>
+          <a:stretch>
+            <a:fillRect/>
+          </a:stretch>
+        </p:blipFill>
+        <p:spPr>
+          <a:xfrm rot="0">
+            <a:off x="6815455" y="1340485"/>
+            <a:ext cx="4091305" cy="1099185"/>
+          </a:xfrm>
+          <a:prstGeom prst="roundRect"/>
+          <a:solidFill>
+            <a:srgbClr val="EDEDED"/>
+          </a:solidFill>
+        </p:spPr>
+      </p:pic>
+      <p:sp>
+        <p:nvSpPr>
+          <p:cNvPr id="1036" name="텍스트 상자 29"/>
+          <p:cNvSpPr txBox="1">
+            <a:spLocks/>
+          </p:cNvSpPr>
+          <p:nvPr/>
+        </p:nvSpPr>
+        <p:spPr>
+          <a:xfrm rot="0">
+            <a:off x="6814185" y="2541270"/>
+            <a:ext cx="4084320" cy="647065"/>
+          </a:xfrm>
+          <a:prstGeom prst="rect"/>
+          <a:noFill/>
+          <a:ln w="0">
+            <a:noFill/>
+            <a:prstDash/>
+          </a:ln>
+        </p:spPr>
+        <p:txBody>
+          <a:bodyPr wrap="square" lIns="89535" tIns="46355" rIns="89535" bIns="46355" numCol="1" vert="horz" anchor="t">
+            <a:spAutoFit/>
+          </a:bodyPr>
+          <a:lstStyle/>
+          <a:p>
+            <a:pPr marL="0" indent="0" rtl="0" algn="l" defTabSz="914400" eaLnBrk="1" latinLnBrk="0" hangingPunct="1">
+              <a:buFontTx/>
+              <a:buNone/>
+            </a:pPr>
+            <a:r>
+              <a:rPr sz="1800" b="1">
+                <a:solidFill>
+                  <a:srgbClr val="0611F2"/>
+                </a:solidFill>
+                <a:latin typeface="맑은 고딕" charset="0"/>
+                <a:ea typeface="맑은 고딕" charset="0"/>
+              </a:rPr>
+              <a:t>3</a:t>
+            </a:r>
+            <a:r>
+              <a:rPr lang="ko-KR" sz="1800" b="1">
+                <a:solidFill>
+                  <a:srgbClr val="0611F2"/>
+                </a:solidFill>
+                <a:latin typeface="맑은 고딕" charset="0"/>
+                <a:ea typeface="맑은 고딕" charset="0"/>
+              </a:rPr>
+              <a:t>4</a:t>
+            </a:r>
+            <a:r>
+              <a:rPr sz="1800" b="1">
+                <a:solidFill>
+                  <a:srgbClr val="0611F2"/>
+                </a:solidFill>
+                <a:latin typeface="맑은 고딕" charset="0"/>
+                <a:ea typeface="맑은 고딕" charset="0"/>
+              </a:rPr>
+              <a:t>.</a:t>
+            </a:r>
+            <a:r>
+              <a:rPr sz="1800">
+                <a:latin typeface="맑은 고딕" charset="0"/>
+                <a:ea typeface="맑은 고딕" charset="0"/>
+              </a:rPr>
+              <a:t> </a:t>
+            </a:r>
+            <a:r>
+              <a:rPr lang="ko-KR" sz="1800">
+                <a:latin typeface="맑은 고딕" charset="0"/>
+                <a:ea typeface="맑은 고딕" charset="0"/>
+              </a:rPr>
+              <a:t>그런 다음 Light Probe Group 오브젝트의 위치 값을 설정합니다.</a:t>
+            </a:r>
+            <a:endParaRPr lang="ko-KR" altLang="en-US" sz="1800">
+              <a:latin typeface="맑은 고딕" charset="0"/>
+              <a:ea typeface="맑은 고딕" charset="0"/>
+            </a:endParaRPr>
+          </a:p>
+        </p:txBody>
+      </p:sp>
+      <p:pic>
+        <p:nvPicPr>
+          <p:cNvPr id="1037" name="그림 30" descr="C:/Users/Admin1/AppData/Roaming/PolarisOffice/ETemp/17960_9275864/fImage51933066962.png"/>
+          <p:cNvPicPr>
+            <a:picLocks noChangeAspect="1"/>
+          </p:cNvPicPr>
+          <p:nvPr/>
+        </p:nvPicPr>
+        <p:blipFill rotWithShape="1">
+          <a:blip r:embed="rId5" cstate="print">
+            <a:extLst>
+              <a:ext uri="{28A0092B-C50C-407E-A947-70E740481C1C}">
+                <a14:useLocalDpi xmlns:a14="http://schemas.microsoft.com/office/drawing/2010/main" val="0"/>
+              </a:ext>
+            </a:extLst>
+          </a:blip>
+          <a:stretch>
+            <a:fillRect/>
+          </a:stretch>
+        </p:blipFill>
+        <p:spPr>
+          <a:xfrm rot="0">
+            <a:off x="8173085" y="3317240"/>
+            <a:ext cx="2742565" cy="1699260"/>
+          </a:xfrm>
+          <a:prstGeom prst="roundRect"/>
+          <a:solidFill>
+            <a:srgbClr val="EDEDED"/>
+          </a:solidFill>
+        </p:spPr>
+      </p:pic>
+      <p:pic>
+        <p:nvPicPr>
+          <p:cNvPr id="1038" name="그림 31" descr="C:/Users/Admin1/AppData/Roaming/PolarisOffice/ETemp/17960_9275864/fImage123323074464.png"/>
+          <p:cNvPicPr>
+            <a:picLocks noChangeAspect="1"/>
+          </p:cNvPicPr>
+          <p:nvPr/>
+        </p:nvPicPr>
+        <p:blipFill rotWithShape="1">
+          <a:blip r:embed="rId6" cstate="print">
+            <a:extLst>
+              <a:ext uri="{28A0092B-C50C-407E-A947-70E740481C1C}">
+                <a14:useLocalDpi xmlns:a14="http://schemas.microsoft.com/office/drawing/2010/main" val="0"/>
+              </a:ext>
+            </a:extLst>
+          </a:blip>
+          <a:stretch>
+            <a:fillRect/>
+          </a:stretch>
+        </p:blipFill>
+        <p:spPr>
+          <a:xfrm rot="0">
+            <a:off x="6813550" y="3329305"/>
+            <a:ext cx="1213485" cy="1687195"/>
+          </a:xfrm>
+          <a:prstGeom prst="roundRect"/>
+          <a:solidFill>
+            <a:srgbClr val="EDEDED"/>
+          </a:solidFill>
+        </p:spPr>
+      </p:pic>
+      <p:sp>
+        <p:nvSpPr>
+          <p:cNvPr id="1039" name="텍스트 상자 36"/>
+          <p:cNvSpPr txBox="1">
+            <a:spLocks/>
+          </p:cNvSpPr>
+          <p:nvPr/>
+        </p:nvSpPr>
+        <p:spPr>
+          <a:xfrm rot="0">
+            <a:off x="6825615" y="5130165"/>
+            <a:ext cx="4084320" cy="923925"/>
+          </a:xfrm>
+          <a:prstGeom prst="rect"/>
+          <a:noFill/>
+          <a:ln w="0">
+            <a:noFill/>
+            <a:prstDash/>
+          </a:ln>
+        </p:spPr>
+        <p:txBody>
+          <a:bodyPr wrap="square" lIns="89535" tIns="46355" rIns="89535" bIns="46355" numCol="1" vert="horz" anchor="t">
+            <a:spAutoFit/>
+          </a:bodyPr>
+          <a:lstStyle/>
+          <a:p>
+            <a:pPr marL="0" indent="0" rtl="0" algn="l" defTabSz="914400" eaLnBrk="1" latinLnBrk="0" hangingPunct="1">
+              <a:buFontTx/>
+              <a:buNone/>
+            </a:pPr>
+            <a:r>
+              <a:rPr sz="1800" b="1">
+                <a:solidFill>
+                  <a:srgbClr val="0611F2"/>
+                </a:solidFill>
+                <a:latin typeface="맑은 고딕" charset="0"/>
+                <a:ea typeface="맑은 고딕" charset="0"/>
+              </a:rPr>
+              <a:t>3</a:t>
+            </a:r>
+            <a:r>
+              <a:rPr lang="ko-KR" sz="1800" b="1">
+                <a:solidFill>
+                  <a:srgbClr val="0611F2"/>
+                </a:solidFill>
+                <a:latin typeface="맑은 고딕" charset="0"/>
+                <a:ea typeface="맑은 고딕" charset="0"/>
+              </a:rPr>
+              <a:t>5</a:t>
+            </a:r>
+            <a:r>
+              <a:rPr sz="1800" b="1">
+                <a:solidFill>
+                  <a:srgbClr val="0611F2"/>
+                </a:solidFill>
+                <a:latin typeface="맑은 고딕" charset="0"/>
+                <a:ea typeface="맑은 고딕" charset="0"/>
+              </a:rPr>
+              <a:t>.</a:t>
+            </a:r>
+            <a:r>
+              <a:rPr sz="1800">
+                <a:latin typeface="맑은 고딕" charset="0"/>
+                <a:ea typeface="맑은 고딕" charset="0"/>
+              </a:rPr>
+              <a:t> 그</a:t>
+            </a:r>
+            <a:r>
+              <a:rPr lang="ko-KR" sz="1800">
+                <a:latin typeface="맑은 고딕" charset="0"/>
+                <a:ea typeface="맑은 고딕" charset="0"/>
+              </a:rPr>
+              <a:t>리고 Project 폴더에 있는 </a:t>
+            </a:r>
+            <a:r>
+              <a:rPr lang="ko-KR" sz="1800">
+                <a:latin typeface="맑은 고딕" charset="0"/>
+                <a:ea typeface="맑은 고딕" charset="0"/>
+              </a:rPr>
+              <a:t>Prefab</a:t>
+            </a:r>
+            <a:r>
+              <a:rPr lang="ko-KR" sz="1800">
+                <a:latin typeface="맑은 고딕" charset="0"/>
+                <a:ea typeface="맑은 고딕" charset="0"/>
+              </a:rPr>
+              <a:t> 폴더에 </a:t>
+            </a:r>
+            <a:r>
+              <a:rPr lang="ko-KR" sz="1800">
+                <a:latin typeface="맑은 고딕" charset="0"/>
+                <a:ea typeface="맑은 고딕" charset="0"/>
+              </a:rPr>
+              <a:t>Wood </a:t>
+            </a:r>
+            <a:r>
+              <a:rPr lang="ko-KR" sz="1800">
+                <a:latin typeface="맑은 고딕" charset="0"/>
+                <a:ea typeface="맑은 고딕" charset="0"/>
+              </a:rPr>
+              <a:t>Street Lamp 오브젝트를 월드 공간에 넣어줍니다.</a:t>
+            </a:r>
+            <a:endParaRPr lang="ko-KR" altLang="en-US" sz="1800">
+              <a:latin typeface="맑은 고딕" charset="0"/>
+              <a:ea typeface="맑은 고딕" charset="0"/>
+            </a:endParaRPr>
+          </a:p>
+        </p:txBody>
+      </p:sp>
+    </p:spTree>
+  </p:cSld>
+  <p:clrMapOvr>
+    <a:masterClrMapping/>
+  </p:clrMapOvr>
+  <mc:AlternateContent xmlns:mc="http://schemas.openxmlformats.org/markup-compatibility/2006">
+    <mc:Choice xmlns:p14="http://schemas.microsoft.com/office/powerpoint/2010/main" Requires="p14">
+      <p:transition spd="slow" p14:dur="2000"/>
+    </mc:Choice>
+    <mc:Fallback>
+      <p:transition spd="slow"/>
+    </mc:Fallback>
+  </mc:AlternateContent>
+  <p:timing>
+    <p:tnLst>
+      <p:par>
+        <p:cTn id="1" dur="indefinite" restart="never" nodeType="tmRoot"/>
+      </p:par>
+    </p:tnLst>
+  </p:timing>
+</p:sld>
+</file>
+
+<file path=ppt/slides/slide16.xml><?xml version="1.0" encoding="utf-8"?>
+<p:sld xmlns:a="http://schemas.openxmlformats.org/drawingml/2006/main" xmlns:r="http://schemas.openxmlformats.org/officeDocument/2006/relationships" xmlns:p="http://schemas.openxmlformats.org/presentationml/2006/main">
+  <p:cSld>
+    <p:spTree>
+      <p:nvGrpSpPr>
+        <p:cNvPr id="1" name=""/>
+        <p:cNvGrpSpPr/>
+        <p:nvPr/>
+      </p:nvGrpSpPr>
+      <p:grpSpPr>
+        <a:xfrm>
+          <a:off x="0" y="0"/>
+          <a:ext cx="0" cy="0"/>
+          <a:chOff x="0" y="0"/>
+          <a:chExt cx="0" cy="0"/>
+        </a:xfrm>
+      </p:grpSpPr>
+      <p:sp>
+        <p:nvSpPr>
+          <p:cNvPr id="1031" name="Rect 0"/>
+          <p:cNvSpPr txBox="1">
+            <a:spLocks/>
+          </p:cNvSpPr>
+          <p:nvPr/>
+        </p:nvSpPr>
+        <p:spPr>
+          <a:xfrm rot="0">
+            <a:off x="4110990" y="327660"/>
+            <a:ext cx="3985260" cy="554990"/>
+          </a:xfrm>
+          <a:prstGeom prst="rect"/>
+          <a:noFill/>
+          <a:ln w="0">
+            <a:noFill/>
+            <a:prstDash/>
+          </a:ln>
+        </p:spPr>
+        <p:txBody>
+          <a:bodyPr wrap="square" lIns="89535" tIns="46355" rIns="89535" bIns="46355" numCol="1" vert="horz" anchor="t">
+            <a:spAutoFit/>
+          </a:bodyPr>
+          <a:lstStyle/>
+          <a:p>
+            <a:pPr marL="0" indent="0" algn="l" latinLnBrk="0">
+              <a:buFontTx/>
+              <a:buNone/>
+            </a:pPr>
+            <a:r>
+              <a:rPr lang="ko-KR" altLang="en-US" sz="3000" b="1">
+                <a:solidFill>
+                  <a:schemeClr val="tx1"/>
+                </a:solidFill>
+                <a:latin typeface="맑은 고딕" charset="0"/>
+                <a:ea typeface="맑은 고딕" charset="0"/>
+              </a:rPr>
+              <a:t>열</a:t>
+            </a:r>
+            <a:r>
+              <a:rPr lang="ko-KR" altLang="en-US" sz="3000" b="1">
+                <a:solidFill>
+                  <a:schemeClr val="tx1"/>
+                </a:solidFill>
+                <a:latin typeface="맑은 고딕" charset="0"/>
+                <a:ea typeface="맑은 고딕" charset="0"/>
+              </a:rPr>
+              <a:t>다섯</a:t>
+            </a:r>
+            <a:r>
+              <a:rPr lang="ko-KR" altLang="en-US" sz="3000" b="1">
+                <a:solidFill>
+                  <a:schemeClr val="tx1"/>
+                </a:solidFill>
+                <a:latin typeface="맑은 고딕" charset="0"/>
+                <a:ea typeface="맑은 고딕" charset="0"/>
+              </a:rPr>
+              <a:t> 번째 튜토리얼</a:t>
+            </a:r>
+            <a:endParaRPr lang="ko-KR" altLang="en-US" sz="3000" b="1">
+              <a:solidFill>
+                <a:schemeClr val="tx1"/>
+              </a:solidFill>
+              <a:latin typeface="맑은 고딕" charset="0"/>
+              <a:ea typeface="맑은 고딕" charset="0"/>
+            </a:endParaRPr>
+          </a:p>
+        </p:txBody>
+      </p:sp>
+      <p:sp>
+        <p:nvSpPr>
+          <p:cNvPr id="1032" name="Rect 0"/>
+          <p:cNvSpPr txBox="1">
+            <a:spLocks/>
+          </p:cNvSpPr>
+          <p:nvPr/>
+        </p:nvSpPr>
+        <p:spPr>
+          <a:xfrm rot="0">
+            <a:off x="1449705" y="2547620"/>
+            <a:ext cx="3939540" cy="647065"/>
+          </a:xfrm>
+          <a:prstGeom prst="rect"/>
+          <a:noFill/>
+          <a:ln w="0">
+            <a:noFill/>
+            <a:prstDash/>
+          </a:ln>
+        </p:spPr>
+        <p:txBody>
+          <a:bodyPr wrap="square" lIns="89535" tIns="46355" rIns="89535" bIns="46355" numCol="1" vert="horz" anchor="t">
+            <a:spAutoFit/>
+          </a:bodyPr>
+          <a:lstStyle/>
+          <a:p>
+            <a:pPr marL="0" indent="0" rtl="0" algn="l" defTabSz="914400" eaLnBrk="1" latinLnBrk="0" hangingPunct="1">
+              <a:buFontTx/>
+              <a:buNone/>
+            </a:pPr>
+            <a:r>
+              <a:rPr sz="1800" b="1">
+                <a:solidFill>
+                  <a:srgbClr val="0611F2"/>
+                </a:solidFill>
+                <a:latin typeface="맑은 고딕" charset="0"/>
+                <a:ea typeface="맑은 고딕" charset="0"/>
+              </a:rPr>
+              <a:t>3</a:t>
+            </a:r>
+            <a:r>
+              <a:rPr lang="ko-KR" sz="1800" b="1">
+                <a:solidFill>
+                  <a:srgbClr val="0611F2"/>
+                </a:solidFill>
+                <a:latin typeface="맑은 고딕" charset="0"/>
+                <a:ea typeface="맑은 고딕" charset="0"/>
+              </a:rPr>
+              <a:t>6</a:t>
+            </a:r>
+            <a:r>
+              <a:rPr sz="1800" b="1">
+                <a:solidFill>
+                  <a:srgbClr val="0611F2"/>
+                </a:solidFill>
+                <a:latin typeface="맑은 고딕" charset="0"/>
+                <a:ea typeface="맑은 고딕" charset="0"/>
+              </a:rPr>
+              <a:t>.</a:t>
+            </a:r>
+            <a:r>
+              <a:rPr sz="1800">
+                <a:latin typeface="맑은 고딕" charset="0"/>
+                <a:ea typeface="맑은 고딕" charset="0"/>
+              </a:rPr>
+              <a:t> </a:t>
+            </a:r>
+            <a:r>
+              <a:rPr lang="ko-KR" sz="1800">
+                <a:latin typeface="맑은 고딕" charset="0"/>
+                <a:ea typeface="맑은 고딕" charset="0"/>
+              </a:rPr>
+              <a:t>그다음으로 Wood Street Light 오브젝트의 위치 값을 설정합니다.</a:t>
+            </a:r>
+            <a:endParaRPr lang="ko-KR" altLang="en-US" sz="1800">
+              <a:latin typeface="맑은 고딕" charset="0"/>
+              <a:ea typeface="맑은 고딕" charset="0"/>
+            </a:endParaRPr>
+          </a:p>
+        </p:txBody>
+      </p:sp>
+      <p:sp>
+        <p:nvSpPr>
+          <p:cNvPr id="1039" name="Rect 0"/>
+          <p:cNvSpPr txBox="1">
+            <a:spLocks/>
+          </p:cNvSpPr>
+          <p:nvPr/>
+        </p:nvSpPr>
+        <p:spPr>
+          <a:xfrm rot="0">
+            <a:off x="6842760" y="5208270"/>
+            <a:ext cx="4084320" cy="923925"/>
+          </a:xfrm>
+          <a:prstGeom prst="rect"/>
+          <a:noFill/>
+          <a:ln w="0">
+            <a:noFill/>
+            <a:prstDash/>
+          </a:ln>
+        </p:spPr>
+        <p:txBody>
+          <a:bodyPr wrap="square" lIns="89535" tIns="46355" rIns="89535" bIns="46355" numCol="1" vert="horz" anchor="t">
+            <a:spAutoFit/>
+          </a:bodyPr>
+          <a:lstStyle/>
+          <a:p>
+            <a:pPr marL="0" indent="0" rtl="0" algn="l" defTabSz="914400" eaLnBrk="1" latinLnBrk="0" hangingPunct="1">
+              <a:buFontTx/>
+              <a:buNone/>
+            </a:pPr>
+            <a:r>
+              <a:rPr sz="1800" b="1">
+                <a:solidFill>
+                  <a:srgbClr val="0611F2"/>
+                </a:solidFill>
+                <a:latin typeface="맑은 고딕" charset="0"/>
+                <a:ea typeface="맑은 고딕" charset="0"/>
+              </a:rPr>
+              <a:t>3</a:t>
+            </a:r>
+            <a:r>
+              <a:rPr lang="ko-KR" sz="1800" b="1">
+                <a:solidFill>
+                  <a:srgbClr val="0611F2"/>
+                </a:solidFill>
+                <a:latin typeface="맑은 고딕" charset="0"/>
+                <a:ea typeface="맑은 고딕" charset="0"/>
+              </a:rPr>
+              <a:t>8</a:t>
+            </a:r>
+            <a:r>
+              <a:rPr sz="1800" b="1">
+                <a:solidFill>
+                  <a:srgbClr val="0611F2"/>
+                </a:solidFill>
+                <a:latin typeface="맑은 고딕" charset="0"/>
+                <a:ea typeface="맑은 고딕" charset="0"/>
+              </a:rPr>
+              <a:t>.</a:t>
+            </a:r>
+            <a:r>
+              <a:rPr sz="1800">
+                <a:latin typeface="맑은 고딕" charset="0"/>
+                <a:ea typeface="맑은 고딕" charset="0"/>
+              </a:rPr>
+              <a:t> 그</a:t>
+            </a:r>
+            <a:r>
+              <a:rPr lang="ko-KR" sz="1800">
+                <a:latin typeface="맑은 고딕" charset="0"/>
+                <a:ea typeface="맑은 고딕" charset="0"/>
+              </a:rPr>
+              <a:t>런 다음 Light에서 Point Light를 생성한 다음 Emergency Light라는 이름으로 정의합니다</a:t>
+            </a:r>
+            <a:r>
+              <a:rPr lang="ko-KR" sz="1800">
+                <a:latin typeface="맑은 고딕" charset="0"/>
+                <a:ea typeface="맑은 고딕" charset="0"/>
+              </a:rPr>
+              <a:t>.</a:t>
+            </a:r>
+            <a:endParaRPr lang="ko-KR" altLang="en-US" sz="1800">
+              <a:latin typeface="맑은 고딕" charset="0"/>
+              <a:ea typeface="맑은 고딕" charset="0"/>
+            </a:endParaRPr>
+          </a:p>
+        </p:txBody>
+      </p:sp>
+      <p:pic>
+        <p:nvPicPr>
+          <p:cNvPr id="1040" name="그림 37" descr="C:/Users/Admin1/AppData/Roaming/PolarisOffice/ETemp/17960_9275864/fImage165063215705.png"/>
+          <p:cNvPicPr>
+            <a:picLocks noChangeAspect="1"/>
+          </p:cNvPicPr>
+          <p:nvPr/>
+        </p:nvPicPr>
+        <p:blipFill rotWithShape="1">
+          <a:blip r:embed="rId2" cstate="print">
+            <a:extLst>
+              <a:ext uri="{28A0092B-C50C-407E-A947-70E740481C1C}">
+                <a14:useLocalDpi xmlns:a14="http://schemas.microsoft.com/office/drawing/2010/main" val="0"/>
+              </a:ext>
+            </a:extLst>
+          </a:blip>
+          <a:stretch>
+            <a:fillRect/>
+          </a:stretch>
+        </p:blipFill>
+        <p:spPr>
+          <a:xfrm rot="0">
+            <a:off x="1445260" y="1333500"/>
+            <a:ext cx="3943350" cy="1166495"/>
+          </a:xfrm>
+          <a:prstGeom prst="roundRect"/>
+          <a:solidFill>
+            <a:srgbClr val="EDEDED"/>
+          </a:solidFill>
+        </p:spPr>
+      </p:pic>
+      <p:pic>
+        <p:nvPicPr>
+          <p:cNvPr id="1041" name="그림 41" descr="C:/Users/Admin1/AppData/Roaming/PolarisOffice/ETemp/17960_9275864/fImage123883238145.png"/>
+          <p:cNvPicPr>
+            <a:picLocks noChangeAspect="1"/>
+          </p:cNvPicPr>
+          <p:nvPr/>
+        </p:nvPicPr>
+        <p:blipFill rotWithShape="1">
+          <a:blip r:embed="rId3" cstate="print">
+            <a:extLst>
+              <a:ext uri="{28A0092B-C50C-407E-A947-70E740481C1C}">
+                <a14:useLocalDpi xmlns:a14="http://schemas.microsoft.com/office/drawing/2010/main" val="0"/>
+              </a:ext>
+            </a:extLst>
+          </a:blip>
+          <a:stretch>
+            <a:fillRect/>
+          </a:stretch>
+        </p:blipFill>
+        <p:spPr>
+          <a:xfrm rot="0">
+            <a:off x="1451610" y="3355975"/>
+            <a:ext cx="2172970" cy="2007235"/>
+          </a:xfrm>
+          <a:prstGeom prst="roundRect"/>
+          <a:solidFill>
+            <a:srgbClr val="EDEDED"/>
+          </a:solidFill>
+        </p:spPr>
+      </p:pic>
+      <p:pic>
+        <p:nvPicPr>
+          <p:cNvPr id="1042" name="그림 44" descr="C:/Users/Admin1/AppData/Roaming/PolarisOffice/ETemp/17960_9275864/fImage50303243281.png"/>
+          <p:cNvPicPr>
+            <a:picLocks noChangeAspect="1"/>
+          </p:cNvPicPr>
+          <p:nvPr/>
+        </p:nvPicPr>
+        <p:blipFill rotWithShape="1">
+          <a:blip r:embed="rId4" cstate="print">
+            <a:extLst>
+              <a:ext uri="{28A0092B-C50C-407E-A947-70E740481C1C}">
+                <a14:useLocalDpi xmlns:a14="http://schemas.microsoft.com/office/drawing/2010/main" val="0"/>
+              </a:ext>
+            </a:extLst>
+          </a:blip>
+          <a:stretch>
+            <a:fillRect/>
+          </a:stretch>
+        </p:blipFill>
+        <p:spPr>
+          <a:xfrm rot="0">
+            <a:off x="3883025" y="3364230"/>
+            <a:ext cx="1506220" cy="1998980"/>
+          </a:xfrm>
+          <a:prstGeom prst="roundRect"/>
+          <a:solidFill>
+            <a:srgbClr val="EDEDED"/>
+          </a:solidFill>
+        </p:spPr>
+      </p:pic>
+      <p:sp>
+        <p:nvSpPr>
+          <p:cNvPr id="1043" name="텍스트 상자 45"/>
+          <p:cNvSpPr txBox="1">
+            <a:spLocks/>
+          </p:cNvSpPr>
+          <p:nvPr/>
+        </p:nvSpPr>
+        <p:spPr>
+          <a:xfrm rot="0">
+            <a:off x="1466215" y="5487035"/>
+            <a:ext cx="3923030" cy="647065"/>
+          </a:xfrm>
+          <a:prstGeom prst="rect"/>
+          <a:noFill/>
+          <a:ln w="0">
+            <a:noFill/>
+            <a:prstDash/>
+          </a:ln>
+        </p:spPr>
+        <p:txBody>
+          <a:bodyPr wrap="square" lIns="89535" tIns="46355" rIns="89535" bIns="46355" numCol="1" vert="horz" anchor="t">
+            <a:spAutoFit/>
+          </a:bodyPr>
+          <a:lstStyle/>
+          <a:p>
+            <a:pPr marL="0" indent="0" rtl="0" algn="l" defTabSz="914400" eaLnBrk="1" latinLnBrk="0" hangingPunct="1">
+              <a:buFontTx/>
+              <a:buNone/>
+            </a:pPr>
+            <a:r>
+              <a:rPr sz="1800" b="1">
+                <a:solidFill>
+                  <a:srgbClr val="0611F2"/>
+                </a:solidFill>
+                <a:latin typeface="맑은 고딕" charset="0"/>
+                <a:ea typeface="맑은 고딕" charset="0"/>
+              </a:rPr>
+              <a:t>3</a:t>
+            </a:r>
+            <a:r>
+              <a:rPr lang="ko-KR" sz="1800" b="1">
+                <a:solidFill>
+                  <a:srgbClr val="0611F2"/>
+                </a:solidFill>
+                <a:latin typeface="맑은 고딕" charset="0"/>
+                <a:ea typeface="맑은 고딕" charset="0"/>
+              </a:rPr>
+              <a:t>7</a:t>
+            </a:r>
+            <a:r>
+              <a:rPr sz="1800" b="1">
+                <a:solidFill>
+                  <a:srgbClr val="0611F2"/>
+                </a:solidFill>
+                <a:latin typeface="맑은 고딕" charset="0"/>
+                <a:ea typeface="맑은 고딕" charset="0"/>
+              </a:rPr>
+              <a:t>.</a:t>
+            </a:r>
+            <a:r>
+              <a:rPr sz="1800">
+                <a:latin typeface="맑은 고딕" charset="0"/>
+                <a:ea typeface="맑은 고딕" charset="0"/>
+              </a:rPr>
+              <a:t> </a:t>
+            </a:r>
+            <a:r>
+              <a:rPr lang="ko-KR" sz="1800">
+                <a:latin typeface="맑은 고딕" charset="0"/>
+                <a:ea typeface="맑은 고딕" charset="0"/>
+              </a:rPr>
+              <a:t>이제 Character 오브젝트에 Contribute GI를 설정합니다.</a:t>
+            </a:r>
+            <a:endParaRPr lang="ko-KR" altLang="en-US" sz="1800">
+              <a:latin typeface="맑은 고딕" charset="0"/>
+              <a:ea typeface="맑은 고딕" charset="0"/>
+            </a:endParaRPr>
+          </a:p>
+        </p:txBody>
+      </p:sp>
+      <p:pic>
+        <p:nvPicPr>
+          <p:cNvPr id="1044" name="그림 46" descr="C:/Users/Admin1/AppData/Roaming/PolarisOffice/ETemp/17960_9275864/fImage131703266827.png"/>
+          <p:cNvPicPr>
+            <a:picLocks noChangeAspect="1"/>
+          </p:cNvPicPr>
+          <p:nvPr/>
+        </p:nvPicPr>
+        <p:blipFill rotWithShape="1">
+          <a:blip r:embed="rId5" cstate="print">
+            <a:extLst>
+              <a:ext uri="{28A0092B-C50C-407E-A947-70E740481C1C}">
+                <a14:useLocalDpi xmlns:a14="http://schemas.microsoft.com/office/drawing/2010/main" val="0"/>
+              </a:ext>
+            </a:extLst>
+          </a:blip>
+          <a:stretch>
+            <a:fillRect/>
+          </a:stretch>
+        </p:blipFill>
+        <p:spPr>
+          <a:xfrm rot="0">
+            <a:off x="9583420" y="1877060"/>
+            <a:ext cx="1330325" cy="2629535"/>
+          </a:xfrm>
+          <a:prstGeom prst="roundRect"/>
+          <a:solidFill>
+            <a:srgbClr val="EDEDED"/>
+          </a:solidFill>
+        </p:spPr>
+      </p:pic>
+      <p:pic>
+        <p:nvPicPr>
+          <p:cNvPr id="1045" name="그림 49" descr="C:/Users/Admin1/AppData/Roaming/PolarisOffice/ETemp/17960_9275864/fImage115991459169.png"/>
+          <p:cNvPicPr>
+            <a:picLocks noChangeAspect="1"/>
+          </p:cNvPicPr>
+          <p:nvPr/>
+        </p:nvPicPr>
+        <p:blipFill rotWithShape="1">
+          <a:blip r:embed="rId6" cstate="hqprint">
+            <a:extLst>
+              <a:ext uri="{28A0092B-C50C-407E-A947-70E740481C1C}">
+                <a14:useLocalDpi xmlns:a14="http://schemas.microsoft.com/office/drawing/2010/main"/>
+              </a:ext>
+            </a:extLst>
+          </a:blip>
+          <a:stretch>
+            <a:fillRect/>
+          </a:stretch>
+        </p:blipFill>
+        <p:spPr>
+          <a:xfrm rot="0">
+            <a:off x="6832600" y="1332865"/>
+            <a:ext cx="2531110" cy="3727450"/>
+          </a:xfrm>
+          <a:prstGeom prst="roundRect"/>
+          <a:solidFill>
+            <a:srgbClr val="EDEDED"/>
+          </a:solidFill>
+        </p:spPr>
+      </p:pic>
+    </p:spTree>
+  </p:cSld>
+  <p:clrMapOvr>
+    <a:masterClrMapping/>
+  </p:clrMapOvr>
+  <mc:AlternateContent xmlns:mc="http://schemas.openxmlformats.org/markup-compatibility/2006">
+    <mc:Choice xmlns:p14="http://schemas.microsoft.com/office/powerpoint/2010/main" Requires="p14">
+      <p:transition spd="slow" p14:dur="2000"/>
+    </mc:Choice>
+    <mc:Fallback>
+      <p:transition spd="slow"/>
+    </mc:Fallback>
+  </mc:AlternateContent>
+  <p:timing>
+    <p:tnLst>
+      <p:par>
+        <p:cTn id="1" dur="indefinite" restart="never" nodeType="tmRoot"/>
+      </p:par>
+    </p:tnLst>
+  </p:timing>
+</p:sld>
+</file>
+
+<file path=ppt/slides/slide17.xml><?xml version="1.0" encoding="utf-8"?>
+<p:sld xmlns:a="http://schemas.openxmlformats.org/drawingml/2006/main" xmlns:r="http://schemas.openxmlformats.org/officeDocument/2006/relationships" xmlns:p="http://schemas.openxmlformats.org/presentationml/2006/main">
+  <p:cSld>
+    <p:spTree>
+      <p:nvGrpSpPr>
+        <p:cNvPr id="1" name=""/>
+        <p:cNvGrpSpPr/>
+        <p:nvPr/>
+      </p:nvGrpSpPr>
+      <p:grpSpPr>
+        <a:xfrm>
+          <a:off x="0" y="0"/>
+          <a:ext cx="0" cy="0"/>
+          <a:chOff x="0" y="0"/>
+          <a:chExt cx="0" cy="0"/>
+        </a:xfrm>
+      </p:grpSpPr>
+      <p:sp>
+        <p:nvSpPr>
+          <p:cNvPr id="1031" name="Rect 0"/>
+          <p:cNvSpPr txBox="1">
+            <a:spLocks/>
+          </p:cNvSpPr>
+          <p:nvPr/>
+        </p:nvSpPr>
+        <p:spPr>
+          <a:xfrm rot="0">
+            <a:off x="4110990" y="327660"/>
+            <a:ext cx="3985260" cy="554990"/>
+          </a:xfrm>
+          <a:prstGeom prst="rect"/>
+          <a:noFill/>
+          <a:ln w="0">
+            <a:noFill/>
+            <a:prstDash/>
+          </a:ln>
+        </p:spPr>
+        <p:txBody>
+          <a:bodyPr wrap="square" lIns="89535" tIns="46355" rIns="89535" bIns="46355" numCol="1" vert="horz" anchor="t">
+            <a:spAutoFit/>
+          </a:bodyPr>
+          <a:lstStyle/>
+          <a:p>
+            <a:pPr marL="0" indent="0" algn="l" latinLnBrk="0">
+              <a:buFontTx/>
+              <a:buNone/>
+            </a:pPr>
+            <a:r>
+              <a:rPr lang="ko-KR" altLang="en-US" sz="3000" b="1">
+                <a:solidFill>
+                  <a:schemeClr val="tx1"/>
+                </a:solidFill>
+                <a:latin typeface="맑은 고딕" charset="0"/>
+                <a:ea typeface="맑은 고딕" charset="0"/>
+              </a:rPr>
+              <a:t>열</a:t>
+            </a:r>
+            <a:r>
+              <a:rPr lang="ko-KR" altLang="en-US" sz="3000" b="1">
+                <a:solidFill>
+                  <a:schemeClr val="tx1"/>
+                </a:solidFill>
+                <a:latin typeface="맑은 고딕" charset="0"/>
+                <a:ea typeface="맑은 고딕" charset="0"/>
+              </a:rPr>
+              <a:t>여섯</a:t>
+            </a:r>
+            <a:r>
+              <a:rPr lang="ko-KR" altLang="en-US" sz="3000" b="1">
+                <a:solidFill>
+                  <a:schemeClr val="tx1"/>
+                </a:solidFill>
+                <a:latin typeface="맑은 고딕" charset="0"/>
+                <a:ea typeface="맑은 고딕" charset="0"/>
+              </a:rPr>
+              <a:t> 번째 튜토리얼</a:t>
+            </a:r>
+            <a:endParaRPr lang="ko-KR" altLang="en-US" sz="3000" b="1">
+              <a:solidFill>
+                <a:schemeClr val="tx1"/>
+              </a:solidFill>
+              <a:latin typeface="맑은 고딕" charset="0"/>
+              <a:ea typeface="맑은 고딕" charset="0"/>
+            </a:endParaRPr>
+          </a:p>
+        </p:txBody>
+      </p:sp>
+      <p:sp>
+        <p:nvSpPr>
+          <p:cNvPr id="1043" name="Rect 0"/>
+          <p:cNvSpPr txBox="1">
+            <a:spLocks/>
+          </p:cNvSpPr>
+          <p:nvPr/>
+        </p:nvSpPr>
+        <p:spPr>
+          <a:xfrm rot="0">
+            <a:off x="1449070" y="2407920"/>
+            <a:ext cx="3923030" cy="647065"/>
+          </a:xfrm>
+          <a:prstGeom prst="rect"/>
+          <a:noFill/>
+          <a:ln w="0">
+            <a:noFill/>
+            <a:prstDash/>
+          </a:ln>
+        </p:spPr>
+        <p:txBody>
+          <a:bodyPr wrap="square" lIns="89535" tIns="46355" rIns="89535" bIns="46355" numCol="1" vert="horz" anchor="t">
+            <a:spAutoFit/>
+          </a:bodyPr>
+          <a:lstStyle/>
+          <a:p>
+            <a:pPr marL="0" indent="0" rtl="0" algn="l" defTabSz="914400" eaLnBrk="1" latinLnBrk="0" hangingPunct="1">
+              <a:buFontTx/>
+              <a:buNone/>
+            </a:pPr>
+            <a:r>
+              <a:rPr sz="1800" b="1">
+                <a:solidFill>
+                  <a:srgbClr val="0611F2"/>
+                </a:solidFill>
+                <a:latin typeface="맑은 고딕" charset="0"/>
+                <a:ea typeface="맑은 고딕" charset="0"/>
+              </a:rPr>
+              <a:t>3</a:t>
+            </a:r>
+            <a:r>
+              <a:rPr lang="ko-KR" sz="1800" b="1">
+                <a:solidFill>
+                  <a:srgbClr val="0611F2"/>
+                </a:solidFill>
+                <a:latin typeface="맑은 고딕" charset="0"/>
+                <a:ea typeface="맑은 고딕" charset="0"/>
+              </a:rPr>
+              <a:t>9</a:t>
+            </a:r>
+            <a:r>
+              <a:rPr sz="1800" b="1">
+                <a:solidFill>
+                  <a:srgbClr val="0611F2"/>
+                </a:solidFill>
+                <a:latin typeface="맑은 고딕" charset="0"/>
+                <a:ea typeface="맑은 고딕" charset="0"/>
+              </a:rPr>
+              <a:t>.</a:t>
+            </a:r>
+            <a:r>
+              <a:rPr sz="1800">
+                <a:latin typeface="맑은 고딕" charset="0"/>
+                <a:ea typeface="맑은 고딕" charset="0"/>
+              </a:rPr>
+              <a:t> </a:t>
+            </a:r>
+            <a:r>
+              <a:rPr lang="ko-KR" sz="1800">
+                <a:latin typeface="맑은 고딕" charset="0"/>
+                <a:ea typeface="맑은 고딕" charset="0"/>
+              </a:rPr>
+              <a:t>그리고 Emergency Light 오브젝트의 위치 값을 설정합니다.</a:t>
+            </a:r>
+            <a:endParaRPr lang="ko-KR" altLang="en-US" sz="1800">
+              <a:latin typeface="맑은 고딕" charset="0"/>
+              <a:ea typeface="맑은 고딕" charset="0"/>
+            </a:endParaRPr>
+          </a:p>
+        </p:txBody>
+      </p:sp>
+      <p:pic>
+        <p:nvPicPr>
+          <p:cNvPr id="1046" name="그림 50" descr="C:/Users/Admin1/AppData/Roaming/PolarisOffice/ETemp/17960_9275864/fImage129343409961.png"/>
+          <p:cNvPicPr>
+            <a:picLocks noChangeAspect="1"/>
+          </p:cNvPicPr>
+          <p:nvPr/>
+        </p:nvPicPr>
+        <p:blipFill rotWithShape="1">
+          <a:blip r:embed="rId2" cstate="print">
+            <a:extLst>
+              <a:ext uri="{28A0092B-C50C-407E-A947-70E740481C1C}">
+                <a14:useLocalDpi xmlns:a14="http://schemas.microsoft.com/office/drawing/2010/main" val="0"/>
+              </a:ext>
+            </a:extLst>
+          </a:blip>
+          <a:stretch>
+            <a:fillRect/>
+          </a:stretch>
+        </p:blipFill>
+        <p:spPr>
+          <a:xfrm rot="0">
+            <a:off x="1454150" y="1332865"/>
+            <a:ext cx="3926205" cy="977265"/>
+          </a:xfrm>
+          <a:prstGeom prst="roundRect"/>
+          <a:solidFill>
+            <a:srgbClr val="EDEDED"/>
+          </a:solidFill>
+        </p:spPr>
+      </p:pic>
+      <p:pic>
+        <p:nvPicPr>
+          <p:cNvPr id="1047" name="그림 53" descr="C:/Users/Admin1/AppData/Roaming/PolarisOffice/ETemp/17960_9275864/fImage12290342491.png"/>
+          <p:cNvPicPr>
+            <a:picLocks noChangeAspect="1"/>
+          </p:cNvPicPr>
+          <p:nvPr/>
+        </p:nvPicPr>
+        <p:blipFill rotWithShape="1">
+          <a:blip r:embed="rId3" cstate="print">
+            <a:extLst>
+              <a:ext uri="{28A0092B-C50C-407E-A947-70E740481C1C}">
+                <a14:useLocalDpi xmlns:a14="http://schemas.microsoft.com/office/drawing/2010/main" val="0"/>
+              </a:ext>
+            </a:extLst>
+          </a:blip>
+          <a:stretch>
+            <a:fillRect/>
+          </a:stretch>
+        </p:blipFill>
+        <p:spPr>
+          <a:xfrm rot="0">
+            <a:off x="1449705" y="3131185"/>
+            <a:ext cx="3921760" cy="1695450"/>
+          </a:xfrm>
+          <a:prstGeom prst="roundRect"/>
+          <a:solidFill>
+            <a:srgbClr val="EDEDED"/>
+          </a:solidFill>
+        </p:spPr>
+      </p:pic>
+      <p:sp>
+        <p:nvSpPr>
+          <p:cNvPr id="1048" name="텍스트 상자 56"/>
+          <p:cNvSpPr txBox="1">
+            <a:spLocks/>
+          </p:cNvSpPr>
+          <p:nvPr/>
+        </p:nvSpPr>
+        <p:spPr>
+          <a:xfrm rot="0">
+            <a:off x="1442720" y="4927600"/>
+            <a:ext cx="3937635" cy="1200785"/>
+          </a:xfrm>
+          <a:prstGeom prst="rect"/>
+          <a:noFill/>
+          <a:ln w="0">
+            <a:noFill/>
+            <a:prstDash/>
+          </a:ln>
+        </p:spPr>
+        <p:txBody>
+          <a:bodyPr wrap="square" lIns="89535" tIns="46355" rIns="89535" bIns="46355" numCol="1" vert="horz" anchor="t">
+            <a:spAutoFit/>
+          </a:bodyPr>
+          <a:lstStyle/>
+          <a:p>
+            <a:pPr marL="0" indent="0" rtl="0" algn="l" defTabSz="914400" eaLnBrk="1" latinLnBrk="0" hangingPunct="1">
+              <a:buFontTx/>
+              <a:buNone/>
+            </a:pPr>
+            <a:r>
+              <a:rPr lang="ko-KR" sz="1800" b="1">
+                <a:solidFill>
+                  <a:srgbClr val="0611F2"/>
+                </a:solidFill>
+                <a:latin typeface="맑은 고딕" charset="0"/>
+                <a:ea typeface="맑은 고딕" charset="0"/>
+              </a:rPr>
+              <a:t>40</a:t>
+            </a:r>
+            <a:r>
+              <a:rPr sz="1800" b="1">
+                <a:solidFill>
+                  <a:srgbClr val="0611F2"/>
+                </a:solidFill>
+                <a:latin typeface="맑은 고딕" charset="0"/>
+                <a:ea typeface="맑은 고딕" charset="0"/>
+              </a:rPr>
+              <a:t>.</a:t>
+            </a:r>
+            <a:r>
+              <a:rPr sz="1800">
+                <a:latin typeface="맑은 고딕" charset="0"/>
+                <a:ea typeface="맑은 고딕" charset="0"/>
+              </a:rPr>
+              <a:t> </a:t>
+            </a:r>
+            <a:r>
+              <a:rPr lang="ko-KR" sz="1800">
+                <a:latin typeface="맑은 고딕" charset="0"/>
+                <a:ea typeface="맑은 고딕" charset="0"/>
+              </a:rPr>
+              <a:t>그다음 Emergency Light의 색상과 Mode를 변경한 다음 Intensity와 Shadow Type을 설정합니다. </a:t>
+            </a:r>
+            <a:endParaRPr lang="ko-KR" altLang="en-US" sz="1800">
+              <a:latin typeface="맑은 고딕" charset="0"/>
+              <a:ea typeface="맑은 고딕" charset="0"/>
+            </a:endParaRPr>
+          </a:p>
+        </p:txBody>
+      </p:sp>
+      <p:pic>
+        <p:nvPicPr>
+          <p:cNvPr id="1049" name="그림 57" descr="C:/Users/Admin1/AppData/Roaming/PolarisOffice/ETemp/17960_9275864/fImage98123442995.png"/>
+          <p:cNvPicPr>
+            <a:picLocks noChangeAspect="1"/>
+          </p:cNvPicPr>
+          <p:nvPr/>
+        </p:nvPicPr>
+        <p:blipFill rotWithShape="1">
+          <a:blip r:embed="rId4" cstate="print">
+            <a:extLst>
+              <a:ext uri="{28A0092B-C50C-407E-A947-70E740481C1C}">
+                <a14:useLocalDpi xmlns:a14="http://schemas.microsoft.com/office/drawing/2010/main" val="0"/>
+              </a:ext>
+            </a:extLst>
+          </a:blip>
+          <a:stretch>
+            <a:fillRect/>
+          </a:stretch>
+        </p:blipFill>
+        <p:spPr>
+          <a:xfrm rot="0">
+            <a:off x="6823710" y="1330325"/>
+            <a:ext cx="4091940" cy="2657475"/>
+          </a:xfrm>
+          <a:prstGeom prst="roundRect"/>
+          <a:solidFill>
+            <a:srgbClr val="EDEDED"/>
+          </a:solidFill>
+        </p:spPr>
+      </p:pic>
+      <p:sp>
+        <p:nvSpPr>
+          <p:cNvPr id="1050" name="텍스트 상자 60"/>
+          <p:cNvSpPr txBox="1">
+            <a:spLocks/>
+          </p:cNvSpPr>
+          <p:nvPr/>
+        </p:nvSpPr>
+        <p:spPr>
+          <a:xfrm rot="0">
+            <a:off x="6824980" y="4099560"/>
+            <a:ext cx="4090670" cy="2031365"/>
+          </a:xfrm>
+          <a:prstGeom prst="rect"/>
+          <a:noFill/>
+          <a:ln w="0">
+            <a:noFill/>
+            <a:prstDash/>
+          </a:ln>
+        </p:spPr>
+        <p:txBody>
+          <a:bodyPr wrap="square" lIns="89535" tIns="46355" rIns="89535" bIns="46355" numCol="1" vert="horz" anchor="t">
+            <a:spAutoFit/>
+          </a:bodyPr>
+          <a:lstStyle/>
+          <a:p>
+            <a:pPr marL="0" indent="0" rtl="0" algn="l" defTabSz="914400" eaLnBrk="1" latinLnBrk="0" hangingPunct="1">
+              <a:buFontTx/>
+              <a:buNone/>
+            </a:pPr>
+            <a:r>
+              <a:rPr lang="ko-KR" sz="1800" b="1">
+                <a:solidFill>
+                  <a:srgbClr val="0611F2"/>
+                </a:solidFill>
+                <a:latin typeface="맑은 고딕" charset="0"/>
+                <a:ea typeface="맑은 고딕" charset="0"/>
+              </a:rPr>
+              <a:t>41</a:t>
+            </a:r>
+            <a:r>
+              <a:rPr sz="1800" b="1">
+                <a:solidFill>
+                  <a:srgbClr val="0611F2"/>
+                </a:solidFill>
+                <a:latin typeface="맑은 고딕" charset="0"/>
+                <a:ea typeface="맑은 고딕" charset="0"/>
+              </a:rPr>
+              <a:t>.</a:t>
+            </a:r>
+            <a:r>
+              <a:rPr sz="1800">
+                <a:latin typeface="맑은 고딕" charset="0"/>
+                <a:ea typeface="맑은 고딕" charset="0"/>
+              </a:rPr>
+              <a:t> </a:t>
+            </a:r>
+            <a:r>
+              <a:rPr lang="ko-KR" sz="1800">
+                <a:latin typeface="맑은 고딕" charset="0"/>
+                <a:ea typeface="맑은 고딕" charset="0"/>
+              </a:rPr>
+              <a:t>이제 Patrol 스크립트에서 int 변수를 선언합니다.</a:t>
+            </a:r>
+            <a:endParaRPr lang="ko-KR" altLang="en-US" sz="1800">
+              <a:latin typeface="맑은 고딕" charset="0"/>
+              <a:ea typeface="맑은 고딕" charset="0"/>
+            </a:endParaRPr>
+          </a:p>
+          <a:p>
+            <a:pPr marL="0" indent="0" rtl="0" algn="l" defTabSz="914400" eaLnBrk="1" latinLnBrk="0" hangingPunct="1">
+              <a:buFontTx/>
+              <a:buNone/>
+            </a:pPr>
+            <a:endParaRPr lang="ko-KR" altLang="en-US" sz="1800">
+              <a:latin typeface="맑은 고딕" charset="0"/>
+              <a:ea typeface="맑은 고딕" charset="0"/>
+            </a:endParaRPr>
+          </a:p>
+          <a:p>
+            <a:pPr marL="0" indent="0" rtl="0" algn="l" defTabSz="914400" eaLnBrk="1" latinLnBrk="0" hangingPunct="1">
+              <a:buFontTx/>
+              <a:buNone/>
+            </a:pPr>
+            <a:r>
+              <a:rPr lang="ko-KR" sz="1800">
+                <a:latin typeface="맑은 고딕" charset="0"/>
+                <a:ea typeface="맑은 고딕" charset="0"/>
+              </a:rPr>
+              <a:t>그리고 Vector3.MoveTowards( )함수를 사용하여 자기 위치에서 도착 지점까지 일정한 속도로 이동하도록 설정합니다. </a:t>
+            </a:r>
+            <a:endParaRPr lang="ko-KR" altLang="en-US" sz="1800">
+              <a:latin typeface="맑은 고딕" charset="0"/>
+              <a:ea typeface="맑은 고딕" charset="0"/>
+            </a:endParaRPr>
+          </a:p>
+        </p:txBody>
+      </p:sp>
     </p:spTree>
   </p:cSld>
   <p:clrMapOvr>
@@ -11214,8 +13111,8 @@
         </p:nvSpPr>
         <p:spPr>
           <a:xfrm rot="0">
-            <a:off x="1151890" y="5283835"/>
-            <a:ext cx="4225925" cy="954405"/>
+            <a:off x="1169035" y="4497070"/>
+            <a:ext cx="4211320" cy="1784985"/>
           </a:xfrm>
           <a:prstGeom prst="rect"/>
           <a:noFill/>
@@ -11242,42 +13139,52 @@
                 <a:latin typeface="맑은 고딕" charset="0"/>
                 <a:ea typeface="맑은 고딕" charset="0"/>
               </a:rPr>
-              <a:t>7</a:t>
-            </a:r>
-            <a:r>
-              <a:rPr lang="ko-KR" sz="2000" b="1">
-                <a:solidFill>
-                  <a:srgbClr val="0611F2"/>
-                </a:solidFill>
-                <a:latin typeface="맑은 고딕" charset="0"/>
-                <a:ea typeface="맑은 고딕" charset="0"/>
-              </a:rPr>
-              <a:t>. </a:t>
+              <a:t>7. </a:t>
             </a:r>
             <a:r>
               <a:rPr lang="ko-KR" sz="1800">
                 <a:latin typeface="맑은 고딕" charset="0"/>
                 <a:ea typeface="맑은 고딕" charset="0"/>
               </a:rPr>
-              <a:t>그리고 </a:t>
-            </a:r>
-            <a:r>
-              <a:rPr lang="ko-KR" sz="1800">
-                <a:latin typeface="맑은 고딕" charset="0"/>
-                <a:ea typeface="맑은 고딕" charset="0"/>
-              </a:rPr>
-              <a:t>3D Object에 Capsule 오브젝트를 생성한 다음 Character라는 이름으로 정의합니다.</a:t>
+              <a:t>그리고 3D Object에 Capsule 오브젝트를 생성한 다음 Character라는 이름으로 정의합니다.</a:t>
             </a:r>
             <a:endParaRPr lang="ko-KR" altLang="en-US" sz="1800">
               <a:latin typeface="맑은 고딕" charset="0"/>
               <a:ea typeface="맑은 고딕" charset="0"/>
             </a:endParaRPr>
           </a:p>
+          <a:p>
+            <a:pPr marL="0" indent="0" algn="l" latinLnBrk="0" hangingPunct="1">
+              <a:buFontTx/>
+              <a:buNone/>
+            </a:pPr>
+            <a:endParaRPr lang="ko-KR" altLang="en-US" sz="1800">
+              <a:latin typeface="맑은 고딕" charset="0"/>
+              <a:ea typeface="맑은 고딕" charset="0"/>
+            </a:endParaRPr>
+          </a:p>
+          <a:p>
+            <a:pPr marL="0" indent="0" algn="l" latinLnBrk="0" hangingPunct="1">
+              <a:buFontTx/>
+              <a:buNone/>
+            </a:pPr>
+            <a:r>
+              <a:rPr lang="ko-KR" sz="1800">
+                <a:latin typeface="맑은 고딕" charset="0"/>
+                <a:ea typeface="맑은 고딕" charset="0"/>
+              </a:rPr>
+              <a:t>그다음으로 Patrol 스크립트를 생성하여 Character 오브젝트에 넣어줍니다.</a:t>
+            </a:r>
+            <a:endParaRPr lang="ko-KR" altLang="en-US" sz="1800">
+              <a:latin typeface="맑은 고딕" charset="0"/>
+              <a:ea typeface="맑은 고딕" charset="0"/>
+            </a:endParaRPr>
+          </a:p>
         </p:txBody>
       </p:sp>
       <p:pic>
         <p:nvPicPr>
-          <p:cNvPr id="1144" name="그림 48"/>
+          <p:cNvPr id="1144" name="그림 48" descr="C:/Users/Admin1/AppData/Roaming/PolarisOffice/ETemp/17960_9275864/fImage159781728145.png"/>
           <p:cNvPicPr>
             <a:picLocks noChangeAspect="1"/>
           </p:cNvPicPr>
@@ -11297,8 +13204,8 @@
         </p:blipFill>
         <p:spPr>
           <a:xfrm rot="0">
-            <a:off x="1163955" y="1180465"/>
-            <a:ext cx="2651760" cy="4007485"/>
+            <a:off x="1163955" y="1202055"/>
+            <a:ext cx="2652395" cy="3140075"/>
           </a:xfrm>
           <a:prstGeom prst="roundRect"/>
           <a:solidFill>
@@ -11308,17 +13215,17 @@
       </p:pic>
       <p:pic>
         <p:nvPicPr>
-          <p:cNvPr id="1145" name="그림 49"/>
+          <p:cNvPr id="1145" name="그림 49" descr="C:/Users/Admin1/AppData/Roaming/PolarisOffice/ETemp/17960_9275864/fImage55181733281.png"/>
           <p:cNvPicPr>
             <a:picLocks noChangeAspect="1"/>
           </p:cNvPicPr>
           <p:nvPr/>
         </p:nvPicPr>
         <p:blipFill rotWithShape="1">
-          <a:blip r:embed="rId13" cstate="print">
+          <a:blip r:embed="rId13" cstate="hqprint">
             <a:extLst>
               <a:ext uri="{28A0092B-C50C-407E-A947-70E740481C1C}">
-                <a14:useLocalDpi xmlns:a14="http://schemas.microsoft.com/office/drawing/2010/main" val="0"/>
+                <a14:useLocalDpi xmlns:a14="http://schemas.microsoft.com/office/drawing/2010/main"/>
               </a:ext>
             </a:extLst>
           </a:blip>
@@ -11328,8 +13235,8 @@
         </p:blipFill>
         <p:spPr>
           <a:xfrm rot="0">
-            <a:off x="3996690" y="2127885"/>
-            <a:ext cx="1374140" cy="2103755"/>
+            <a:off x="4005580" y="1202055"/>
+            <a:ext cx="1374775" cy="1739265"/>
           </a:xfrm>
           <a:prstGeom prst="roundRect"/>
           <a:solidFill>
@@ -11339,7 +13246,7 @@
       </p:pic>
       <p:pic>
         <p:nvPicPr>
-          <p:cNvPr id="1146" name="그림 53"/>
+          <p:cNvPr id="1146" name="그림 53" descr="C:/Users/Admin1/AppData/Roaming/PolarisOffice/ETemp/17960_9275864/fImage159531766827.png"/>
           <p:cNvPicPr>
             <a:picLocks noChangeAspect="1"/>
           </p:cNvPicPr>
@@ -11359,8 +13266,8 @@
         </p:blipFill>
         <p:spPr>
           <a:xfrm rot="0">
-            <a:off x="6816725" y="1295400"/>
-            <a:ext cx="2777490" cy="3817620"/>
+            <a:off x="6816725" y="1202055"/>
+            <a:ext cx="2778125" cy="3911600"/>
           </a:xfrm>
           <a:prstGeom prst="roundRect"/>
           <a:solidFill>
@@ -11399,6 +13306,73 @@
           </a:solidFill>
         </p:spPr>
       </p:pic>
+      <p:pic>
+        <p:nvPicPr>
+          <p:cNvPr id="1148" name="그림 16" descr="C:/Users/Admin1/AppData/Roaming/PolarisOffice/ETemp/17960_9275864/fImage197230041.png"/>
+          <p:cNvPicPr>
+            <a:picLocks noChangeAspect="1"/>
+          </p:cNvPicPr>
+          <p:nvPr/>
+        </p:nvPicPr>
+        <p:blipFill rotWithShape="1">
+          <a:blip r:embed="rId16" cstate="print">
+            <a:extLst>
+              <a:ext uri="{28A0092B-C50C-407E-A947-70E740481C1C}">
+                <a14:useLocalDpi xmlns:a14="http://schemas.microsoft.com/office/drawing/2010/main" val="0"/>
+              </a:ext>
+            </a:extLst>
+          </a:blip>
+          <a:stretch>
+            <a:fillRect/>
+          </a:stretch>
+        </p:blipFill>
+        <p:spPr>
+          <a:xfrm rot="0">
+            <a:off x="4307205" y="3497580"/>
+            <a:ext cx="779145" cy="848360"/>
+          </a:xfrm>
+          <a:prstGeom prst="roundRect"/>
+          <a:solidFill>
+            <a:srgbClr val="EDEDED"/>
+          </a:solidFill>
+        </p:spPr>
+      </p:pic>
+      <p:cxnSp>
+        <p:nvCxnSpPr>
+          <p:cNvPr id="1149" name="도형 19"/>
+          <p:cNvCxnSpPr>
+            <a:stCxn id="1148" idx="0"/>
+            <a:endCxn id="1145" idx="2"/>
+          </p:cNvCxnSpPr>
+          <p:nvPr/>
+        </p:nvCxnSpPr>
+        <p:spPr>
+          <a:xfrm rot="0" flipH="1" flipV="1">
+            <a:off x="4692650" y="2940685"/>
+            <a:ext cx="4445" cy="557530"/>
+          </a:xfrm>
+          <a:prstGeom prst="straightConnector1"/>
+          <a:ln w="6350" cap="flat" cmpd="sng">
+            <a:prstDash/>
+            <a:headEnd type="none" w="med" len="med"/>
+            <a:tailEnd type="triangle" w="med" len="med"/>
+          </a:ln>
+        </p:spPr>
+        <p:style>
+          <a:lnRef idx="1">
+            <a:schemeClr val="accent1"/>
+          </a:lnRef>
+          <a:fillRef idx="0">
+            <a:schemeClr val="accent1"/>
+          </a:fillRef>
+          <a:effectRef idx="0">
+            <a:schemeClr val="accent1"/>
+          </a:effectRef>
+          <a:fontRef idx="minor">
+            <a:schemeClr val="tx1"/>
+          </a:fontRef>
+        </p:style>
+      </p:cxnSp>
     </p:spTree>
   </p:cSld>
   <p:clrMapOvr>
@@ -11971,8 +13945,8 @@
         </p:nvSpPr>
         <p:spPr>
           <a:xfrm rot="0">
-            <a:off x="1313180" y="5516245"/>
-            <a:ext cx="4058285" cy="668020"/>
+            <a:off x="1313180" y="5257165"/>
+            <a:ext cx="4058920" cy="927735"/>
           </a:xfrm>
           <a:prstGeom prst="rect"/>
           <a:noFill/>
@@ -11995,8 +13969,76 @@
                 <a:latin typeface="맑은 고딕" charset="0"/>
                 <a:ea typeface="맑은 고딕" charset="0"/>
               </a:rPr>
-              <a:t>1</a:t>
-            </a:r>
+              <a:t>12. </a:t>
+            </a:r>
+            <a:r>
+              <a:rPr lang="ko-KR" sz="1800">
+                <a:latin typeface="맑은 고딕" charset="0"/>
+                <a:ea typeface="맑은 고딕" charset="0"/>
+              </a:rPr>
+              <a:t>그리고 Skybox Material에 </a:t>
+            </a:r>
+            <a:r>
+              <a:rPr lang="ko-KR" sz="1800">
+                <a:latin typeface="맑은 고딕" charset="0"/>
+                <a:ea typeface="맑은 고딕" charset="0"/>
+              </a:rPr>
+              <a:t>Materials </a:t>
+            </a:r>
+            <a:r>
+              <a:rPr lang="ko-KR" sz="1800">
+                <a:latin typeface="맑은 고딕" charset="0"/>
+                <a:ea typeface="맑은 고딕" charset="0"/>
+              </a:rPr>
+              <a:t>폴더에 있는 Sky </a:t>
+            </a:r>
+            <a:r>
+              <a:rPr lang="ko-KR" sz="1800">
+                <a:latin typeface="맑은 고딕" charset="0"/>
+                <a:ea typeface="맑은 고딕" charset="0"/>
+              </a:rPr>
+              <a:t>머티리얼을</a:t>
+            </a:r>
+            <a:r>
+              <a:rPr lang="ko-KR" sz="1800">
+                <a:latin typeface="맑은 고딕" charset="0"/>
+                <a:ea typeface="맑은 고딕" charset="0"/>
+              </a:rPr>
+              <a:t> 넣어줍니다.</a:t>
+            </a:r>
+            <a:endParaRPr lang="ko-KR" altLang="en-US" sz="1800">
+              <a:latin typeface="맑은 고딕" charset="0"/>
+              <a:ea typeface="맑은 고딕" charset="0"/>
+            </a:endParaRPr>
+          </a:p>
+        </p:txBody>
+      </p:sp>
+      <p:sp>
+        <p:nvSpPr>
+          <p:cNvPr id="1160" name="Rect 0"/>
+          <p:cNvSpPr txBox="1">
+            <a:spLocks/>
+          </p:cNvSpPr>
+          <p:nvPr/>
+        </p:nvSpPr>
+        <p:spPr>
+          <a:xfrm rot="0">
+            <a:off x="6825615" y="4152265"/>
+            <a:ext cx="4013200" cy="2040890"/>
+          </a:xfrm>
+          <a:prstGeom prst="rect"/>
+          <a:noFill/>
+        </p:spPr>
+        <p:txBody>
+          <a:bodyPr wrap="square" lIns="0" tIns="0" rIns="0" bIns="0" numCol="1" vert="horz" anchor="t">
+            <a:noAutofit/>
+          </a:bodyPr>
+          <a:lstStyle/>
+          <a:p>
+            <a:pPr marL="0" indent="0" algn="l" latinLnBrk="0" hangingPunct="1">
+              <a:buFontTx/>
+              <a:buNone/>
+            </a:pPr>
             <a:r>
               <a:rPr lang="ko-KR" sz="2000" b="1">
                 <a:solidFill>
@@ -12005,95 +14047,25 @@
                 <a:latin typeface="맑은 고딕" charset="0"/>
                 <a:ea typeface="맑은 고딕" charset="0"/>
               </a:rPr>
-              <a:t>2</a:t>
-            </a:r>
-            <a:r>
-              <a:rPr lang="ko-KR" sz="2000" b="1">
-                <a:solidFill>
-                  <a:srgbClr val="0611F2"/>
-                </a:solidFill>
-                <a:latin typeface="맑은 고딕" charset="0"/>
-                <a:ea typeface="맑은 고딕" charset="0"/>
-              </a:rPr>
-              <a:t>. </a:t>
+              <a:t>13. </a:t>
             </a:r>
             <a:r>
               <a:rPr lang="ko-KR" sz="1800">
                 <a:latin typeface="맑은 고딕" charset="0"/>
                 <a:ea typeface="맑은 고딕" charset="0"/>
               </a:rPr>
-              <a:t>그리고 Skybox Material에 Texture 폴더에 있는 Sky 텍스처를 넣어줍니다.</a:t>
+              <a:t>이제 UI에서 Button을 3게 생성합니다.</a:t>
             </a:r>
             <a:endParaRPr lang="ko-KR" altLang="en-US" sz="1800">
               <a:latin typeface="맑은 고딕" charset="0"/>
               <a:ea typeface="맑은 고딕" charset="0"/>
             </a:endParaRPr>
           </a:p>
-        </p:txBody>
-      </p:sp>
-      <p:sp>
-        <p:nvSpPr>
-          <p:cNvPr id="1160" name="Rect 0"/>
-          <p:cNvSpPr txBox="1">
-            <a:spLocks/>
-          </p:cNvSpPr>
-          <p:nvPr/>
-        </p:nvSpPr>
-        <p:spPr>
-          <a:xfrm rot="0">
-            <a:off x="6825615" y="4152265"/>
-            <a:ext cx="4012565" cy="2032000"/>
-          </a:xfrm>
-          <a:prstGeom prst="rect"/>
-          <a:noFill/>
-        </p:spPr>
-        <p:txBody>
-          <a:bodyPr wrap="square" lIns="0" tIns="0" rIns="0" bIns="0" numCol="1" vert="horz" anchor="t">
-            <a:noAutofit/>
-          </a:bodyPr>
-          <a:lstStyle/>
           <a:p>
             <a:pPr marL="0" indent="0" algn="l" latinLnBrk="0" hangingPunct="1">
               <a:buFontTx/>
               <a:buNone/>
             </a:pPr>
-            <a:r>
-              <a:rPr lang="ko-KR" sz="2000" b="1">
-                <a:solidFill>
-                  <a:srgbClr val="0611F2"/>
-                </a:solidFill>
-                <a:latin typeface="맑은 고딕" charset="0"/>
-                <a:ea typeface="맑은 고딕" charset="0"/>
-              </a:rPr>
-              <a:t>1</a:t>
-            </a:r>
-            <a:r>
-              <a:rPr lang="ko-KR" sz="2000" b="1">
-                <a:solidFill>
-                  <a:srgbClr val="0611F2"/>
-                </a:solidFill>
-                <a:latin typeface="맑은 고딕" charset="0"/>
-                <a:ea typeface="맑은 고딕" charset="0"/>
-              </a:rPr>
-              <a:t>3</a:t>
-            </a:r>
-            <a:r>
-              <a:rPr lang="ko-KR" sz="2000" b="1">
-                <a:solidFill>
-                  <a:srgbClr val="0611F2"/>
-                </a:solidFill>
-                <a:latin typeface="맑은 고딕" charset="0"/>
-                <a:ea typeface="맑은 고딕" charset="0"/>
-              </a:rPr>
-              <a:t>. </a:t>
-            </a:r>
-            <a:r>
-              <a:rPr lang="ko-KR" sz="1800">
-                <a:latin typeface="맑은 고딕" charset="0"/>
-                <a:ea typeface="맑은 고딕" charset="0"/>
-              </a:rPr>
-              <a:t>이제 UI에서 Button을 3게 생성합니다.</a:t>
-            </a:r>
             <a:endParaRPr lang="ko-KR" altLang="en-US" sz="1800">
               <a:latin typeface="맑은 고딕" charset="0"/>
               <a:ea typeface="맑은 고딕" charset="0"/>
@@ -12104,43 +14076,33 @@
               <a:buFontTx/>
               <a:buNone/>
             </a:pPr>
+            <a:r>
+              <a:rPr lang="ko-KR" sz="1800">
+                <a:latin typeface="맑은 고딕" charset="0"/>
+                <a:ea typeface="맑은 고딕" charset="0"/>
+              </a:rPr>
+              <a:t>마지막으로 Direction Light Button이라는 이름과 Spot Light Button이라는 이름 그리고 Point Light Button이라는 이름으로 정의합니다.</a:t>
+            </a:r>
             <a:endParaRPr lang="ko-KR" altLang="en-US" sz="1800">
               <a:latin typeface="맑은 고딕" charset="0"/>
               <a:ea typeface="맑은 고딕" charset="0"/>
             </a:endParaRPr>
           </a:p>
-          <a:p>
-            <a:pPr marL="0" indent="0" algn="l" latinLnBrk="0" hangingPunct="1">
-              <a:buFontTx/>
-              <a:buNone/>
-            </a:pPr>
-            <a:r>
-              <a:rPr lang="ko-KR" sz="1800">
-                <a:latin typeface="맑은 고딕" charset="0"/>
-                <a:ea typeface="맑은 고딕" charset="0"/>
-              </a:rPr>
-              <a:t>마지막으로 Direction Light Button이라는 이름과 Spot Light Button이라는 이름 그리고 Point Light Button이라는 이름으로 정의합니다.</a:t>
-            </a:r>
-            <a:endParaRPr lang="ko-KR" altLang="en-US" sz="1800">
-              <a:latin typeface="맑은 고딕" charset="0"/>
-              <a:ea typeface="맑은 고딕" charset="0"/>
-            </a:endParaRPr>
-          </a:p>
         </p:txBody>
       </p:sp>
       <p:pic>
         <p:nvPicPr>
-          <p:cNvPr id="1161" name="그림 8"/>
+          <p:cNvPr id="1161" name="그림 8" descr="C:/Users/Admin1/AppData/Roaming/PolarisOffice/ETemp/17960_9275864/fImage237721758467.png"/>
           <p:cNvPicPr>
             <a:picLocks noChangeAspect="1"/>
           </p:cNvPicPr>
           <p:nvPr/>
         </p:nvPicPr>
         <p:blipFill rotWithShape="1">
-          <a:blip r:embed="rId2" cstate="print">
+          <a:blip r:embed="rId2" cstate="hqprint">
             <a:extLst>
               <a:ext uri="{28A0092B-C50C-407E-A947-70E740481C1C}">
-                <a14:useLocalDpi xmlns:a14="http://schemas.microsoft.com/office/drawing/2010/main" val="0"/>
+                <a14:useLocalDpi xmlns:a14="http://schemas.microsoft.com/office/drawing/2010/main"/>
               </a:ext>
             </a:extLst>
           </a:blip>
@@ -12151,7 +14113,7 @@
         <p:spPr>
           <a:xfrm rot="0">
             <a:off x="1314450" y="1280160"/>
-            <a:ext cx="4048760" cy="2655570"/>
+            <a:ext cx="4049395" cy="2716530"/>
           </a:xfrm>
           <a:prstGeom prst="roundRect"/>
           <a:solidFill>
@@ -12159,70 +14121,6 @@
           </a:solidFill>
         </p:spPr>
       </p:pic>
-      <p:pic>
-        <p:nvPicPr>
-          <p:cNvPr id="1162" name="그림 11"/>
-          <p:cNvPicPr>
-            <a:picLocks noChangeAspect="1"/>
-          </p:cNvPicPr>
-          <p:nvPr/>
-        </p:nvPicPr>
-        <p:blipFill rotWithShape="1">
-          <a:blip r:embed="rId3" cstate="print">
-            <a:extLst>
-              <a:ext uri="{28A0092B-C50C-407E-A947-70E740481C1C}">
-                <a14:useLocalDpi xmlns:a14="http://schemas.microsoft.com/office/drawing/2010/main" val="0"/>
-              </a:ext>
-            </a:extLst>
-          </a:blip>
-          <a:stretch>
-            <a:fillRect/>
-          </a:stretch>
-        </p:blipFill>
-        <p:spPr>
-          <a:xfrm rot="0">
-            <a:off x="1305560" y="4082415"/>
-            <a:ext cx="4048760" cy="1280795"/>
-          </a:xfrm>
-          <a:prstGeom prst="roundRect"/>
-          <a:solidFill>
-            <a:srgbClr val="EDEDED"/>
-          </a:solidFill>
-        </p:spPr>
-      </p:pic>
-      <p:cxnSp>
-        <p:nvCxnSpPr>
-          <p:cNvPr id="1163" name="도형 14"/>
-          <p:cNvCxnSpPr/>
-          <p:nvPr/>
-        </p:nvCxnSpPr>
-        <p:spPr>
-          <a:xfrm rot="0" flipV="1">
-            <a:off x="3684270" y="1842135"/>
-            <a:ext cx="1548765" cy="2482850"/>
-          </a:xfrm>
-          <a:prstGeom prst="straightConnector1"/>
-          <a:ln w="6350" cap="flat" cmpd="sng">
-            <a:prstDash/>
-            <a:headEnd type="none" w="med" len="med"/>
-            <a:tailEnd type="triangle" w="med" len="med"/>
-          </a:ln>
-        </p:spPr>
-        <p:style>
-          <a:lnRef idx="1">
-            <a:schemeClr val="accent1"/>
-          </a:lnRef>
-          <a:fillRef idx="0">
-            <a:schemeClr val="accent1"/>
-          </a:fillRef>
-          <a:effectRef idx="0">
-            <a:schemeClr val="accent1"/>
-          </a:effectRef>
-          <a:fontRef idx="minor">
-            <a:schemeClr val="tx1"/>
-          </a:fontRef>
-        </p:style>
-      </p:cxnSp>
       <p:pic>
         <p:nvPicPr>
           <p:cNvPr id="1164" name="그림 16"/>
@@ -12285,6 +14183,69 @@
           </a:solidFill>
         </p:spPr>
       </p:pic>
+      <p:pic>
+        <p:nvPicPr>
+          <p:cNvPr id="1166" name="그림 1" descr="C:/Users/Admin1/AppData/Roaming/PolarisOffice/ETemp/17960_9275864/fImage342212138467.png"/>
+          <p:cNvPicPr>
+            <a:picLocks noChangeAspect="1"/>
+          </p:cNvPicPr>
+          <p:nvPr/>
+        </p:nvPicPr>
+        <p:blipFill rotWithShape="1">
+          <a:blip r:embed="rId7" cstate="print">
+            <a:extLst>
+              <a:ext uri="{28A0092B-C50C-407E-A947-70E740481C1C}">
+                <a14:useLocalDpi xmlns:a14="http://schemas.microsoft.com/office/drawing/2010/main" val="0"/>
+              </a:ext>
+            </a:extLst>
+          </a:blip>
+          <a:stretch>
+            <a:fillRect/>
+          </a:stretch>
+        </p:blipFill>
+        <p:spPr>
+          <a:xfrm rot="0">
+            <a:off x="1312545" y="4151630"/>
+            <a:ext cx="4058920" cy="1029970"/>
+          </a:xfrm>
+          <a:prstGeom prst="roundRect"/>
+          <a:solidFill>
+            <a:srgbClr val="EDEDED"/>
+          </a:solidFill>
+        </p:spPr>
+      </p:pic>
+      <p:cxnSp>
+        <p:nvCxnSpPr>
+          <p:cNvPr id="1163" name="도형 14"/>
+          <p:cNvCxnSpPr/>
+          <p:nvPr/>
+        </p:nvCxnSpPr>
+        <p:spPr>
+          <a:xfrm rot="0" flipV="1">
+            <a:off x="3321050" y="1842135"/>
+            <a:ext cx="1912620" cy="2586990"/>
+          </a:xfrm>
+          <a:prstGeom prst="straightConnector1"/>
+          <a:ln w="6350" cap="flat" cmpd="sng">
+            <a:prstDash/>
+            <a:tailEnd type="triangle" w="med" len="med"/>
+          </a:ln>
+        </p:spPr>
+        <p:style>
+          <a:lnRef idx="1">
+            <a:schemeClr val="accent1"/>
+          </a:lnRef>
+          <a:fillRef idx="0">
+            <a:schemeClr val="accent1"/>
+          </a:fillRef>
+          <a:effectRef idx="0">
+            <a:schemeClr val="accent1"/>
+          </a:effectRef>
+          <a:fontRef idx="minor">
+            <a:schemeClr val="tx1"/>
+          </a:fontRef>
+        </p:style>
+      </p:cxnSp>
     </p:spTree>
   </p:cSld>
   <p:clrMapOvr>

--- a/Assets/Class/Light/PPT Data/Light Example.pptx
+++ b/Assets/Class/Light/PPT Data/Light Example.pptx
@@ -2,7 +2,7 @@
 <file path=ppt/presentation.xml><?xml version="1.0" encoding="utf-8"?>
 <p:presentation xmlns:a="http://schemas.openxmlformats.org/drawingml/2006/main" xmlns:r="http://schemas.openxmlformats.org/officeDocument/2006/relationships" xmlns:p="http://schemas.openxmlformats.org/presentationml/2006/main" xmlns:p14="http://schemas.microsoft.com/office/powerpoint/2010/main" saveSubsetFonts="1" firstSlideNum="0">
   <p:sldMasterIdLst>
-    <p:sldMasterId id="2147485943" r:id="rId12"/>
+    <p:sldMasterId id="2147485945" r:id="rId12"/>
   </p:sldMasterIdLst>
   <p:notesMasterIdLst>
     <p:notesMasterId r:id="rId14"/>
@@ -25,6 +25,7 @@
     <p:sldId id="309" r:id="rId30"/>
     <p:sldId id="310" r:id="rId31"/>
     <p:sldId id="311" r:id="rId32"/>
+    <p:sldId id="312" r:id="rId33"/>
   </p:sldIdLst>
   <p:sldSz cx="12192000" cy="6858000"/>
   <p:notesSz cx="6858000" cy="9144000"/>
@@ -1761,6 +1762,148 @@
 </p:notes>
 </file>
 
+<file path=ppt/notesSlides/notesSlide18.xml><?xml version="1.0" encoding="utf-8"?>
+<p:notes xmlns:a="http://schemas.openxmlformats.org/drawingml/2006/main" xmlns:r="http://schemas.openxmlformats.org/officeDocument/2006/relationships" xmlns:p="http://schemas.openxmlformats.org/presentationml/2006/main">
+  <p:cSld>
+    <p:spTree>
+      <p:nvGrpSpPr>
+        <p:cNvPr id="1" name=""/>
+        <p:cNvGrpSpPr/>
+        <p:nvPr/>
+      </p:nvGrpSpPr>
+      <p:grpSpPr>
+        <a:xfrm>
+          <a:off x="0" y="0"/>
+          <a:ext cx="0" cy="0"/>
+          <a:chOff x="0" y="0"/>
+          <a:chExt cx="0" cy="0"/>
+        </a:xfrm>
+      </p:grpSpPr>
+      <p:sp>
+        <p:nvSpPr>
+          <p:cNvPr id="2" name="슬라이드 이미지 개체 틀 3"/>
+          <p:cNvSpPr>
+            <a:spLocks noChangeAspect="1"/>
+          </p:cNvSpPr>
+          <p:nvPr>
+            <p:ph type="sldImg" idx="2"/>
+          </p:nvPr>
+        </p:nvSpPr>
+        <p:spPr>
+          <a:xfrm rot="0">
+            <a:off x="685800" y="1143000"/>
+            <a:ext cx="5494020" cy="3093720"/>
+          </a:xfrm>
+          <a:prstGeom prst="rect"/>
+          <a:noFill/>
+          <a:ln w="12700" cap="flat" cmpd="sng">
+            <a:solidFill>
+              <a:srgbClr val="000000">
+                <a:alpha val="100000"/>
+              </a:srgbClr>
+            </a:solidFill>
+            <a:prstDash val="solid"/>
+          </a:ln>
+        </p:spPr>
+        <p:txBody>
+          <a:bodyPr wrap="square" lIns="91440" tIns="45720" rIns="91440" bIns="45720" numCol="1" vert="horz" anchor="ctr">
+            <a:noAutofit/>
+          </a:bodyPr>
+          <a:lstStyle/>
+          <a:p>
+            <a:pPr marL="0" indent="0" latinLnBrk="0">
+              <a:buFontTx/>
+              <a:buNone/>
+            </a:pPr>
+          </a:p>
+        </p:txBody>
+      </p:sp>
+      <p:sp>
+        <p:nvSpPr>
+          <p:cNvPr id="3" name="슬라이드 노트 개체 틀 4"/>
+          <p:cNvSpPr txBox="1">
+            <a:spLocks/>
+          </p:cNvSpPr>
+          <p:nvPr>
+            <p:ph type="body" idx="3"/>
+          </p:nvPr>
+        </p:nvSpPr>
+        <p:spPr>
+          <a:xfrm rot="0">
+            <a:off x="685800" y="4400550"/>
+            <a:ext cx="5494020" cy="3608070"/>
+          </a:xfrm>
+          <a:prstGeom prst="rect"/>
+        </p:spPr>
+        <p:txBody>
+          <a:bodyPr wrap="square" lIns="91440" tIns="45720" rIns="91440" bIns="45720" numCol="1" vert="horz" anchor="t">
+            <a:noAutofit/>
+          </a:bodyPr>
+          <a:lstStyle/>
+          <a:p>
+            <a:pPr marL="0" indent="0" latinLnBrk="0">
+              <a:buFontTx/>
+              <a:buNone/>
+            </a:pPr>
+          </a:p>
+        </p:txBody>
+      </p:sp>
+      <p:sp>
+        <p:nvSpPr>
+          <p:cNvPr id="4" name="슬라이드 번호 개체 틀 6"/>
+          <p:cNvSpPr txBox="1">
+            <a:spLocks/>
+          </p:cNvSpPr>
+          <p:nvPr>
+            <p:ph type="sldNum" idx="5"/>
+          </p:nvPr>
+        </p:nvSpPr>
+        <p:spPr>
+          <a:xfrm rot="0">
+            <a:off x="3884930" y="8685530"/>
+            <a:ext cx="2979420" cy="466090"/>
+          </a:xfrm>
+          <a:prstGeom prst="rect"/>
+        </p:spPr>
+        <p:txBody>
+          <a:bodyPr wrap="square" lIns="91440" tIns="45720" rIns="91440" bIns="45720" numCol="1" vert="horz" anchor="b">
+            <a:noAutofit/>
+          </a:bodyPr>
+          <a:lstStyle>
+            <a:lvl1pPr marL="0" indent="0" algn="r" latinLnBrk="0">
+              <a:buFontTx/>
+              <a:buNone/>
+              <a:defRPr lang="en-GB" altLang="en-US" sz="1200"/>
+            </a:lvl1pPr>
+          </a:lstStyle>
+          <a:p>
+            <a:pPr marL="0" indent="0" latinLnBrk="0">
+              <a:buFontTx/>
+              <a:buNone/>
+            </a:pPr>
+            <a:fld id="{B9320F77-B9A0-41C5-862A-B4B631284C64}" type="slidenum">
+              <a:rPr lang="ko-KR" altLang="en-US"/>
+              <a:t>‹#›</a:t>
+            </a:fld>
+          </a:p>
+        </p:txBody>
+      </p:sp>
+    </p:spTree>
+  </p:cSld>
+  <p:clrMapOvr>
+    <a:masterClrMapping/>
+  </p:clrMapOvr>
+  <mc:AlternateContent xmlns:mc="http://schemas.openxmlformats.org/markup-compatibility/2006">
+    <mc:Choice xmlns:p14="http://schemas.microsoft.com/office/powerpoint/2010/main" Requires="p14">
+      <p:transition spd="slow" p14:dur="0"/>
+    </mc:Choice>
+    <mc:Fallback>
+      <p:transition spd="slow"/>
+    </mc:Fallback>
+  </mc:AlternateContent>
+</p:notes>
+</file>
+
 <file path=ppt/notesSlides/notesSlide2.xml><?xml version="1.0" encoding="utf-8"?>
 <p:notes xmlns:a="http://schemas.openxmlformats.org/drawingml/2006/main" xmlns:r="http://schemas.openxmlformats.org/officeDocument/2006/relationships" xmlns:p="http://schemas.openxmlformats.org/presentationml/2006/main">
   <p:cSld>
@@ -8379,7 +8522,7 @@
       </p:sp>
       <p:pic>
         <p:nvPicPr>
-          <p:cNvPr id="1180" name="그림 22" descr="C:/Users/Admin1/AppData/Roaming/PolarisOffice/ETemp/17960_9275864/fImage140922351478.png"/>
+          <p:cNvPr id="1180" name="그림 22"/>
           <p:cNvPicPr>
             <a:picLocks noChangeAspect="1"/>
           </p:cNvPicPr>
@@ -8410,7 +8553,7 @@
       </p:pic>
       <p:pic>
         <p:nvPicPr>
-          <p:cNvPr id="1181" name="그림 25" descr="C:/Users/Admin1/AppData/Roaming/PolarisOffice/ETemp/17960_9275864/fImage77552369358.png"/>
+          <p:cNvPr id="1181" name="그림 25"/>
           <p:cNvPicPr>
             <a:picLocks noChangeAspect="1"/>
           </p:cNvPicPr>
@@ -8537,7 +8680,7 @@
       </p:cxnSp>
       <p:pic>
         <p:nvPicPr>
-          <p:cNvPr id="1185" name="그림 31" descr="C:/Users/Admin1/AppData/Roaming/PolarisOffice/ETemp/17960_9275864/fImage123502406962.png"/>
+          <p:cNvPr id="1185" name="그림 31"/>
           <p:cNvPicPr>
             <a:picLocks noChangeAspect="1"/>
           </p:cNvPicPr>
@@ -9354,7 +9497,7 @@
       </p:pic>
       <p:pic>
         <p:nvPicPr>
-          <p:cNvPr id="1195" name="그림 10" descr="C:/Users/Admin1/AppData/Roaming/PolarisOffice/ETemp/17960_9275864/fImage50302986334.png"/>
+          <p:cNvPr id="1195" name="그림 10"/>
           <p:cNvPicPr>
             <a:picLocks noChangeAspect="1"/>
           </p:cNvPicPr>
@@ -9385,7 +9528,7 @@
       </p:pic>
       <p:pic>
         <p:nvPicPr>
-          <p:cNvPr id="1196" name="그림 13" descr="C:/Users/Admin1/AppData/Roaming/PolarisOffice/ETemp/17960_9275864/fImage77352996500.png"/>
+          <p:cNvPr id="1196" name="그림 13"/>
           <p:cNvPicPr>
             <a:picLocks noChangeAspect="1"/>
           </p:cNvPicPr>
@@ -9905,7 +10048,7 @@
       </p:pic>
       <p:pic>
         <p:nvPicPr>
-          <p:cNvPr id="1202" name="그림 20" descr="C:/Users/Admin1/AppData/Roaming/PolarisOffice/ETemp/17960_9275864/fImage106453029169.png"/>
+          <p:cNvPr id="1202" name="그림 20"/>
           <p:cNvPicPr>
             <a:picLocks noChangeAspect="1"/>
           </p:cNvPicPr>
@@ -10324,7 +10467,7 @@
       </p:sp>
       <p:pic>
         <p:nvPicPr>
-          <p:cNvPr id="1208" name="그림 4" descr="C:/Users/Admin1/AppData/Roaming/PolarisOffice/ETemp/17960_9275864/fImage122712145724.png"/>
+          <p:cNvPr id="1208" name="그림 4"/>
           <p:cNvPicPr>
             <a:picLocks noChangeAspect="1"/>
           </p:cNvPicPr>
@@ -10727,7 +10870,7 @@
 </file>
 
 <file path=ppt/slides/slide15.xml><?xml version="1.0" encoding="utf-8"?>
-<p:sld xmlns:a="http://schemas.openxmlformats.org/drawingml/2006/main" xmlns:r="http://schemas.openxmlformats.org/officeDocument/2006/relationships" xmlns:p="http://schemas.openxmlformats.org/presentationml/2006/main">
+<p:sld xmlns:a="http://schemas.openxmlformats.org/drawingml/2006/main" xmlns:r="http://schemas.openxmlformats.org/officeDocument/2006/relationships" xmlns:p="http://schemas.openxmlformats.org/presentationml/2006/main" xmlns:p14="http://schemas.microsoft.com/office/powerpoint/2010/main">
   <p:cSld>
     <p:spTree>
       <p:nvGrpSpPr>
@@ -10886,7 +11029,7 @@
       </p:sp>
       <p:pic>
         <p:nvPicPr>
-          <p:cNvPr id="1033" name="그림 8" descr="C:/Users/Admin1/AppData/Roaming/PolarisOffice/ETemp/17960_9275864/fImage11949271491.png"/>
+          <p:cNvPr id="1033" name="그림 8"/>
           <p:cNvPicPr>
             <a:picLocks noChangeAspect="1"/>
           </p:cNvPicPr>
@@ -10917,7 +11060,7 @@
       </p:pic>
       <p:pic>
         <p:nvPicPr>
-          <p:cNvPr id="1034" name="그림 23" descr="C:/Users/Admin1/AppData/Roaming/PolarisOffice/ETemp/17960_9275864/fImage109533031478.png"/>
+          <p:cNvPr id="1034" name="그림 23"/>
           <p:cNvPicPr>
             <a:picLocks noChangeAspect="1"/>
           </p:cNvPicPr>
@@ -10948,7 +11091,7 @@
       </p:pic>
       <p:pic>
         <p:nvPicPr>
-          <p:cNvPr id="1035" name="그림 26" descr="C:/Users/Admin1/AppData/Roaming/PolarisOffice/ETemp/17960_9275864/fImage126703049358.png"/>
+          <p:cNvPr id="1035" name="그림 26"/>
           <p:cNvPicPr>
             <a:picLocks noChangeAspect="1"/>
           </p:cNvPicPr>
@@ -11060,7 +11203,7 @@
       </p:sp>
       <p:pic>
         <p:nvPicPr>
-          <p:cNvPr id="1037" name="그림 30" descr="C:/Users/Admin1/AppData/Roaming/PolarisOffice/ETemp/17960_9275864/fImage51933066962.png"/>
+          <p:cNvPr id="1037" name="그림 30"/>
           <p:cNvPicPr>
             <a:picLocks noChangeAspect="1"/>
           </p:cNvPicPr>
@@ -11091,7 +11234,7 @@
       </p:pic>
       <p:pic>
         <p:nvPicPr>
-          <p:cNvPr id="1038" name="그림 31" descr="C:/Users/Admin1/AppData/Roaming/PolarisOffice/ETemp/17960_9275864/fImage123323074464.png"/>
+          <p:cNvPr id="1038" name="그림 31"/>
           <p:cNvPicPr>
             <a:picLocks noChangeAspect="1"/>
           </p:cNvPicPr>
@@ -11253,7 +11396,7 @@
 </file>
 
 <file path=ppt/slides/slide16.xml><?xml version="1.0" encoding="utf-8"?>
-<p:sld xmlns:a="http://schemas.openxmlformats.org/drawingml/2006/main" xmlns:r="http://schemas.openxmlformats.org/officeDocument/2006/relationships" xmlns:p="http://schemas.openxmlformats.org/presentationml/2006/main">
+<p:sld xmlns:a="http://schemas.openxmlformats.org/drawingml/2006/main" xmlns:r="http://schemas.openxmlformats.org/officeDocument/2006/relationships" xmlns:p="http://schemas.openxmlformats.org/presentationml/2006/main" xmlns:p14="http://schemas.microsoft.com/office/powerpoint/2010/main">
   <p:cSld>
     <p:spTree>
       <p:nvGrpSpPr>
@@ -11510,7 +11653,7 @@
       </p:sp>
       <p:pic>
         <p:nvPicPr>
-          <p:cNvPr id="1040" name="그림 37" descr="C:/Users/Admin1/AppData/Roaming/PolarisOffice/ETemp/17960_9275864/fImage165063215705.png"/>
+          <p:cNvPr id="1040" name="그림 37"/>
           <p:cNvPicPr>
             <a:picLocks noChangeAspect="1"/>
           </p:cNvPicPr>
@@ -11541,7 +11684,7 @@
       </p:pic>
       <p:pic>
         <p:nvPicPr>
-          <p:cNvPr id="1041" name="그림 41" descr="C:/Users/Admin1/AppData/Roaming/PolarisOffice/ETemp/17960_9275864/fImage123883238145.png"/>
+          <p:cNvPr id="1041" name="그림 41"/>
           <p:cNvPicPr>
             <a:picLocks noChangeAspect="1"/>
           </p:cNvPicPr>
@@ -11572,7 +11715,7 @@
       </p:pic>
       <p:pic>
         <p:nvPicPr>
-          <p:cNvPr id="1042" name="그림 44" descr="C:/Users/Admin1/AppData/Roaming/PolarisOffice/ETemp/17960_9275864/fImage50303243281.png"/>
+          <p:cNvPr id="1042" name="그림 44"/>
           <p:cNvPicPr>
             <a:picLocks noChangeAspect="1"/>
           </p:cNvPicPr>
@@ -11684,7 +11827,7 @@
       </p:sp>
       <p:pic>
         <p:nvPicPr>
-          <p:cNvPr id="1044" name="그림 46" descr="C:/Users/Admin1/AppData/Roaming/PolarisOffice/ETemp/17960_9275864/fImage131703266827.png"/>
+          <p:cNvPr id="1044" name="그림 46"/>
           <p:cNvPicPr>
             <a:picLocks noChangeAspect="1"/>
           </p:cNvPicPr>
@@ -11715,7 +11858,7 @@
       </p:pic>
       <p:pic>
         <p:nvPicPr>
-          <p:cNvPr id="1045" name="그림 49" descr="C:/Users/Admin1/AppData/Roaming/PolarisOffice/ETemp/17960_9275864/fImage115991459169.png"/>
+          <p:cNvPr id="1045" name="그림 49"/>
           <p:cNvPicPr>
             <a:picLocks noChangeAspect="1"/>
           </p:cNvPicPr>
@@ -11768,6 +11911,459 @@
 </file>
 
 <file path=ppt/slides/slide17.xml><?xml version="1.0" encoding="utf-8"?>
+<p:sld xmlns:a="http://schemas.openxmlformats.org/drawingml/2006/main" xmlns:r="http://schemas.openxmlformats.org/officeDocument/2006/relationships" xmlns:p="http://schemas.openxmlformats.org/presentationml/2006/main" xmlns:p14="http://schemas.microsoft.com/office/powerpoint/2010/main">
+  <p:cSld>
+    <p:spTree>
+      <p:nvGrpSpPr>
+        <p:cNvPr id="1" name=""/>
+        <p:cNvGrpSpPr/>
+        <p:nvPr/>
+      </p:nvGrpSpPr>
+      <p:grpSpPr>
+        <a:xfrm>
+          <a:off x="0" y="0"/>
+          <a:ext cx="0" cy="0"/>
+          <a:chOff x="0" y="0"/>
+          <a:chExt cx="0" cy="0"/>
+        </a:xfrm>
+      </p:grpSpPr>
+      <p:sp>
+        <p:nvSpPr>
+          <p:cNvPr id="1031" name="Rect 0"/>
+          <p:cNvSpPr txBox="1">
+            <a:spLocks/>
+          </p:cNvSpPr>
+          <p:nvPr/>
+        </p:nvSpPr>
+        <p:spPr>
+          <a:xfrm rot="0">
+            <a:off x="4110990" y="327660"/>
+            <a:ext cx="3985260" cy="554990"/>
+          </a:xfrm>
+          <a:prstGeom prst="rect"/>
+          <a:noFill/>
+          <a:ln w="0">
+            <a:noFill/>
+            <a:prstDash/>
+          </a:ln>
+        </p:spPr>
+        <p:txBody>
+          <a:bodyPr wrap="square" lIns="89535" tIns="46355" rIns="89535" bIns="46355" numCol="1" vert="horz" anchor="t">
+            <a:spAutoFit/>
+          </a:bodyPr>
+          <a:lstStyle/>
+          <a:p>
+            <a:pPr marL="0" indent="0" algn="l" latinLnBrk="0">
+              <a:buFontTx/>
+              <a:buNone/>
+            </a:pPr>
+            <a:r>
+              <a:rPr lang="ko-KR" altLang="en-US" sz="3000" b="1">
+                <a:solidFill>
+                  <a:schemeClr val="tx1"/>
+                </a:solidFill>
+                <a:latin typeface="맑은 고딕" charset="0"/>
+                <a:ea typeface="맑은 고딕" charset="0"/>
+              </a:rPr>
+              <a:t>열</a:t>
+            </a:r>
+            <a:r>
+              <a:rPr lang="ko-KR" altLang="en-US" sz="3000" b="1">
+                <a:solidFill>
+                  <a:schemeClr val="tx1"/>
+                </a:solidFill>
+                <a:latin typeface="맑은 고딕" charset="0"/>
+                <a:ea typeface="맑은 고딕" charset="0"/>
+              </a:rPr>
+              <a:t>여섯</a:t>
+            </a:r>
+            <a:r>
+              <a:rPr lang="ko-KR" altLang="en-US" sz="3000" b="1">
+                <a:solidFill>
+                  <a:schemeClr val="tx1"/>
+                </a:solidFill>
+                <a:latin typeface="맑은 고딕" charset="0"/>
+                <a:ea typeface="맑은 고딕" charset="0"/>
+              </a:rPr>
+              <a:t> 번째 튜토리얼</a:t>
+            </a:r>
+            <a:endParaRPr lang="ko-KR" altLang="en-US" sz="3000" b="1">
+              <a:solidFill>
+                <a:schemeClr val="tx1"/>
+              </a:solidFill>
+              <a:latin typeface="맑은 고딕" charset="0"/>
+              <a:ea typeface="맑은 고딕" charset="0"/>
+            </a:endParaRPr>
+          </a:p>
+        </p:txBody>
+      </p:sp>
+      <p:sp>
+        <p:nvSpPr>
+          <p:cNvPr id="1043" name="Rect 0"/>
+          <p:cNvSpPr txBox="1">
+            <a:spLocks/>
+          </p:cNvSpPr>
+          <p:nvPr/>
+        </p:nvSpPr>
+        <p:spPr>
+          <a:xfrm rot="0">
+            <a:off x="1449070" y="2407920"/>
+            <a:ext cx="3923030" cy="647065"/>
+          </a:xfrm>
+          <a:prstGeom prst="rect"/>
+          <a:noFill/>
+          <a:ln w="0">
+            <a:noFill/>
+            <a:prstDash/>
+          </a:ln>
+        </p:spPr>
+        <p:txBody>
+          <a:bodyPr wrap="square" lIns="89535" tIns="46355" rIns="89535" bIns="46355" numCol="1" vert="horz" anchor="t">
+            <a:spAutoFit/>
+          </a:bodyPr>
+          <a:lstStyle/>
+          <a:p>
+            <a:pPr marL="0" indent="0" rtl="0" algn="l" defTabSz="914400" eaLnBrk="1" latinLnBrk="0" hangingPunct="1">
+              <a:buFontTx/>
+              <a:buNone/>
+            </a:pPr>
+            <a:r>
+              <a:rPr sz="1800" b="1">
+                <a:solidFill>
+                  <a:srgbClr val="0611F2"/>
+                </a:solidFill>
+                <a:latin typeface="맑은 고딕" charset="0"/>
+                <a:ea typeface="맑은 고딕" charset="0"/>
+              </a:rPr>
+              <a:t>3</a:t>
+            </a:r>
+            <a:r>
+              <a:rPr lang="ko-KR" sz="1800" b="1">
+                <a:solidFill>
+                  <a:srgbClr val="0611F2"/>
+                </a:solidFill>
+                <a:latin typeface="맑은 고딕" charset="0"/>
+                <a:ea typeface="맑은 고딕" charset="0"/>
+              </a:rPr>
+              <a:t>9</a:t>
+            </a:r>
+            <a:r>
+              <a:rPr sz="1800" b="1">
+                <a:solidFill>
+                  <a:srgbClr val="0611F2"/>
+                </a:solidFill>
+                <a:latin typeface="맑은 고딕" charset="0"/>
+                <a:ea typeface="맑은 고딕" charset="0"/>
+              </a:rPr>
+              <a:t>.</a:t>
+            </a:r>
+            <a:r>
+              <a:rPr sz="1800">
+                <a:latin typeface="맑은 고딕" charset="0"/>
+                <a:ea typeface="맑은 고딕" charset="0"/>
+              </a:rPr>
+              <a:t> </a:t>
+            </a:r>
+            <a:r>
+              <a:rPr lang="ko-KR" sz="1800">
+                <a:latin typeface="맑은 고딕" charset="0"/>
+                <a:ea typeface="맑은 고딕" charset="0"/>
+              </a:rPr>
+              <a:t>그리고 Emergency Light 오브젝트의 위치 값을 설정합니다.</a:t>
+            </a:r>
+            <a:endParaRPr lang="ko-KR" altLang="en-US" sz="1800">
+              <a:latin typeface="맑은 고딕" charset="0"/>
+              <a:ea typeface="맑은 고딕" charset="0"/>
+            </a:endParaRPr>
+          </a:p>
+        </p:txBody>
+      </p:sp>
+      <p:pic>
+        <p:nvPicPr>
+          <p:cNvPr id="1046" name="그림 50"/>
+          <p:cNvPicPr>
+            <a:picLocks noChangeAspect="1"/>
+          </p:cNvPicPr>
+          <p:nvPr/>
+        </p:nvPicPr>
+        <p:blipFill rotWithShape="1">
+          <a:blip r:embed="rId2" cstate="print">
+            <a:extLst>
+              <a:ext uri="{28A0092B-C50C-407E-A947-70E740481C1C}">
+                <a14:useLocalDpi xmlns:a14="http://schemas.microsoft.com/office/drawing/2010/main" val="0"/>
+              </a:ext>
+            </a:extLst>
+          </a:blip>
+          <a:stretch>
+            <a:fillRect/>
+          </a:stretch>
+        </p:blipFill>
+        <p:spPr>
+          <a:xfrm rot="0">
+            <a:off x="1454150" y="1332865"/>
+            <a:ext cx="3926205" cy="977265"/>
+          </a:xfrm>
+          <a:prstGeom prst="roundRect"/>
+          <a:solidFill>
+            <a:srgbClr val="EDEDED"/>
+          </a:solidFill>
+        </p:spPr>
+      </p:pic>
+      <p:pic>
+        <p:nvPicPr>
+          <p:cNvPr id="1047" name="그림 53"/>
+          <p:cNvPicPr>
+            <a:picLocks noChangeAspect="1"/>
+          </p:cNvPicPr>
+          <p:nvPr/>
+        </p:nvPicPr>
+        <p:blipFill rotWithShape="1">
+          <a:blip r:embed="rId3" cstate="print">
+            <a:extLst>
+              <a:ext uri="{28A0092B-C50C-407E-A947-70E740481C1C}">
+                <a14:useLocalDpi xmlns:a14="http://schemas.microsoft.com/office/drawing/2010/main" val="0"/>
+              </a:ext>
+            </a:extLst>
+          </a:blip>
+          <a:stretch>
+            <a:fillRect/>
+          </a:stretch>
+        </p:blipFill>
+        <p:spPr>
+          <a:xfrm rot="0">
+            <a:off x="1449705" y="3131185"/>
+            <a:ext cx="3921760" cy="1695450"/>
+          </a:xfrm>
+          <a:prstGeom prst="roundRect"/>
+          <a:solidFill>
+            <a:srgbClr val="EDEDED"/>
+          </a:solidFill>
+        </p:spPr>
+      </p:pic>
+      <p:sp>
+        <p:nvSpPr>
+          <p:cNvPr id="1048" name="텍스트 상자 56"/>
+          <p:cNvSpPr txBox="1">
+            <a:spLocks/>
+          </p:cNvSpPr>
+          <p:nvPr/>
+        </p:nvSpPr>
+        <p:spPr>
+          <a:xfrm rot="0">
+            <a:off x="1442720" y="4927600"/>
+            <a:ext cx="3937635" cy="1200785"/>
+          </a:xfrm>
+          <a:prstGeom prst="rect"/>
+          <a:noFill/>
+          <a:ln w="0">
+            <a:noFill/>
+            <a:prstDash/>
+          </a:ln>
+        </p:spPr>
+        <p:txBody>
+          <a:bodyPr wrap="square" lIns="89535" tIns="46355" rIns="89535" bIns="46355" numCol="1" vert="horz" anchor="t">
+            <a:spAutoFit/>
+          </a:bodyPr>
+          <a:lstStyle/>
+          <a:p>
+            <a:pPr marL="0" indent="0" rtl="0" algn="l" defTabSz="914400" eaLnBrk="1" latinLnBrk="0" hangingPunct="1">
+              <a:buFontTx/>
+              <a:buNone/>
+            </a:pPr>
+            <a:r>
+              <a:rPr lang="ko-KR" sz="1800" b="1">
+                <a:solidFill>
+                  <a:srgbClr val="0611F2"/>
+                </a:solidFill>
+                <a:latin typeface="맑은 고딕" charset="0"/>
+                <a:ea typeface="맑은 고딕" charset="0"/>
+              </a:rPr>
+              <a:t>40</a:t>
+            </a:r>
+            <a:r>
+              <a:rPr sz="1800" b="1">
+                <a:solidFill>
+                  <a:srgbClr val="0611F2"/>
+                </a:solidFill>
+                <a:latin typeface="맑은 고딕" charset="0"/>
+                <a:ea typeface="맑은 고딕" charset="0"/>
+              </a:rPr>
+              <a:t>.</a:t>
+            </a:r>
+            <a:r>
+              <a:rPr sz="1800">
+                <a:latin typeface="맑은 고딕" charset="0"/>
+                <a:ea typeface="맑은 고딕" charset="0"/>
+              </a:rPr>
+              <a:t> </a:t>
+            </a:r>
+            <a:r>
+              <a:rPr lang="ko-KR" sz="1800">
+                <a:latin typeface="맑은 고딕" charset="0"/>
+                <a:ea typeface="맑은 고딕" charset="0"/>
+              </a:rPr>
+              <a:t>그다음 Emergency Light의 색상과 Mode를 변경한 다음 Intensity와 Shadow Type을 설정합니다. </a:t>
+            </a:r>
+            <a:endParaRPr lang="ko-KR" altLang="en-US" sz="1800">
+              <a:latin typeface="맑은 고딕" charset="0"/>
+              <a:ea typeface="맑은 고딕" charset="0"/>
+            </a:endParaRPr>
+          </a:p>
+        </p:txBody>
+      </p:sp>
+      <p:pic>
+        <p:nvPicPr>
+          <p:cNvPr id="1049" name="그림 57"/>
+          <p:cNvPicPr>
+            <a:picLocks noChangeAspect="1"/>
+          </p:cNvPicPr>
+          <p:nvPr/>
+        </p:nvPicPr>
+        <p:blipFill rotWithShape="1">
+          <a:blip r:embed="rId4" cstate="print">
+            <a:extLst>
+              <a:ext uri="{28A0092B-C50C-407E-A947-70E740481C1C}">
+                <a14:useLocalDpi xmlns:a14="http://schemas.microsoft.com/office/drawing/2010/main" val="0"/>
+              </a:ext>
+            </a:extLst>
+          </a:blip>
+          <a:stretch>
+            <a:fillRect/>
+          </a:stretch>
+        </p:blipFill>
+        <p:spPr>
+          <a:xfrm rot="0">
+            <a:off x="6823710" y="1330325"/>
+            <a:ext cx="4091940" cy="2657475"/>
+          </a:xfrm>
+          <a:prstGeom prst="roundRect"/>
+          <a:solidFill>
+            <a:srgbClr val="EDEDED"/>
+          </a:solidFill>
+        </p:spPr>
+      </p:pic>
+      <p:sp>
+        <p:nvSpPr>
+          <p:cNvPr id="1050" name="텍스트 상자 60"/>
+          <p:cNvSpPr txBox="1">
+            <a:spLocks/>
+          </p:cNvSpPr>
+          <p:nvPr/>
+        </p:nvSpPr>
+        <p:spPr>
+          <a:xfrm rot="0">
+            <a:off x="6824980" y="4099560"/>
+            <a:ext cx="4090670" cy="2031365"/>
+          </a:xfrm>
+          <a:prstGeom prst="rect"/>
+          <a:noFill/>
+          <a:ln w="0">
+            <a:noFill/>
+            <a:prstDash/>
+          </a:ln>
+        </p:spPr>
+        <p:txBody>
+          <a:bodyPr wrap="square" lIns="89535" tIns="46355" rIns="89535" bIns="46355" numCol="1" vert="horz" anchor="t">
+            <a:spAutoFit/>
+          </a:bodyPr>
+          <a:lstStyle/>
+          <a:p>
+            <a:pPr marL="0" indent="0" rtl="0" algn="l" defTabSz="914400" eaLnBrk="1" latinLnBrk="0" hangingPunct="1">
+              <a:buFontTx/>
+              <a:buNone/>
+            </a:pPr>
+            <a:r>
+              <a:rPr lang="ko-KR" sz="1800" b="1">
+                <a:solidFill>
+                  <a:srgbClr val="0611F2"/>
+                </a:solidFill>
+                <a:latin typeface="맑은 고딕" charset="0"/>
+                <a:ea typeface="맑은 고딕" charset="0"/>
+              </a:rPr>
+              <a:t>41</a:t>
+            </a:r>
+            <a:r>
+              <a:rPr sz="1800" b="1">
+                <a:solidFill>
+                  <a:srgbClr val="0611F2"/>
+                </a:solidFill>
+                <a:latin typeface="맑은 고딕" charset="0"/>
+                <a:ea typeface="맑은 고딕" charset="0"/>
+              </a:rPr>
+              <a:t>.</a:t>
+            </a:r>
+            <a:r>
+              <a:rPr sz="1800">
+                <a:latin typeface="맑은 고딕" charset="0"/>
+                <a:ea typeface="맑은 고딕" charset="0"/>
+              </a:rPr>
+              <a:t> </a:t>
+            </a:r>
+            <a:r>
+              <a:rPr lang="ko-KR" sz="1800">
+                <a:latin typeface="맑은 고딕" charset="0"/>
+                <a:ea typeface="맑은 고딕" charset="0"/>
+              </a:rPr>
+              <a:t>이제 Patrol 스크립트에서 int 변수를 선언합니다.</a:t>
+            </a:r>
+            <a:endParaRPr lang="ko-KR" altLang="en-US" sz="1800">
+              <a:latin typeface="맑은 고딕" charset="0"/>
+              <a:ea typeface="맑은 고딕" charset="0"/>
+            </a:endParaRPr>
+          </a:p>
+          <a:p>
+            <a:pPr marL="0" indent="0" rtl="0" algn="l" defTabSz="914400" eaLnBrk="1" latinLnBrk="0" hangingPunct="1">
+              <a:buFontTx/>
+              <a:buNone/>
+            </a:pPr>
+            <a:endParaRPr lang="ko-KR" altLang="en-US" sz="1800">
+              <a:latin typeface="맑은 고딕" charset="0"/>
+              <a:ea typeface="맑은 고딕" charset="0"/>
+            </a:endParaRPr>
+          </a:p>
+          <a:p>
+            <a:pPr marL="0" indent="0" rtl="0" algn="l" defTabSz="914400" eaLnBrk="1" latinLnBrk="0" hangingPunct="1">
+              <a:buFontTx/>
+              <a:buNone/>
+            </a:pPr>
+            <a:r>
+              <a:rPr lang="ko-KR" sz="1800">
+                <a:latin typeface="맑은 고딕" charset="0"/>
+                <a:ea typeface="맑은 고딕" charset="0"/>
+              </a:rPr>
+              <a:t>그리고 Vector3.MoveTowards( )함수를 사용하여 자기 위치에서 도착 지점까지 일정한 속도로 이동하도록 설정합니다. </a:t>
+            </a:r>
+            <a:endParaRPr lang="ko-KR" altLang="en-US" sz="1800">
+              <a:latin typeface="맑은 고딕" charset="0"/>
+              <a:ea typeface="맑은 고딕" charset="0"/>
+            </a:endParaRPr>
+          </a:p>
+        </p:txBody>
+      </p:sp>
+    </p:spTree>
+  </p:cSld>
+  <p:clrMapOvr>
+    <a:masterClrMapping/>
+  </p:clrMapOvr>
+  <mc:AlternateContent xmlns:mc="http://schemas.openxmlformats.org/markup-compatibility/2006">
+    <mc:Choice xmlns:p14="http://schemas.microsoft.com/office/powerpoint/2010/main" Requires="p14">
+      <p:transition spd="slow" p14:dur="2000"/>
+    </mc:Choice>
+    <mc:Fallback>
+      <p:transition spd="slow"/>
+    </mc:Fallback>
+  </mc:AlternateContent>
+  <p:timing>
+    <p:tnLst>
+      <p:par>
+        <p:cTn id="1" dur="indefinite" restart="never" nodeType="tmRoot"/>
+      </p:par>
+    </p:tnLst>
+  </p:timing>
+</p:sld>
+</file>
+
+<file path=ppt/slides/slide18.xml><?xml version="1.0" encoding="utf-8"?>
 <p:sld xmlns:a="http://schemas.openxmlformats.org/drawingml/2006/main" xmlns:r="http://schemas.openxmlformats.org/officeDocument/2006/relationships" xmlns:p="http://schemas.openxmlformats.org/presentationml/2006/main">
   <p:cSld>
     <p:spTree>
@@ -11795,7 +12391,7 @@
         <p:spPr>
           <a:xfrm rot="0">
             <a:off x="4110990" y="327660"/>
-            <a:ext cx="3985260" cy="554990"/>
+            <a:ext cx="3985895" cy="554990"/>
           </a:xfrm>
           <a:prstGeom prst="rect"/>
           <a:noFill/>
@@ -11832,7 +12428,7 @@
                 <a:latin typeface="맑은 고딕" charset="0"/>
                 <a:ea typeface="맑은 고딕" charset="0"/>
               </a:rPr>
-              <a:t>여섯</a:t>
+              <a:t>일곱</a:t>
             </a:r>
             <a:r>
               <a:rPr lang="ko-KR" altLang="en-US" sz="3000" b="1">
@@ -11856,7 +12452,7 @@
       </p:sp>
       <p:sp>
         <p:nvSpPr>
-          <p:cNvPr id="1043" name="Rect 0"/>
+          <p:cNvPr id="1048" name="Rect 0"/>
           <p:cNvSpPr txBox="1">
             <a:spLocks/>
           </p:cNvSpPr>
@@ -11864,8 +12460,8 @@
         </p:nvSpPr>
         <p:spPr>
           <a:xfrm rot="0">
-            <a:off x="1449070" y="2407920"/>
-            <a:ext cx="3923030" cy="647065"/>
+            <a:off x="1433830" y="2718435"/>
+            <a:ext cx="3944620" cy="1200785"/>
           </a:xfrm>
           <a:prstGeom prst="rect"/>
           <a:noFill/>
@@ -11885,6 +12481,26 @@
               <a:buNone/>
             </a:pPr>
             <a:r>
+              <a:rPr lang="ko-KR" sz="1800" b="1">
+                <a:solidFill>
+                  <a:srgbClr val="0611F2"/>
+                </a:solidFill>
+                <a:latin typeface="맑은 고딕" charset="0"/>
+                <a:ea typeface="맑은 고딕" charset="0"/>
+              </a:rPr>
+              <a:t>4</a:t>
+            </a:r>
+            <a:r>
+              <a:rPr lang="ko-KR" sz="1800" b="1">
+                <a:solidFill>
+                  <a:srgbClr val="0611F2"/>
+                </a:solidFill>
+                <a:latin typeface="맑은 고딕" charset="0"/>
+                <a:ea typeface="맑은 고딕" charset="0"/>
+              </a:rPr>
+              <a:t>2</a:t>
+            </a:r>
+            <a:r>
               <a:rPr sz="1800" b="1">
                 <a:solidFill>
                   <a:srgbClr val="0611F2"/>
@@ -11892,8 +12508,66 @@
                 <a:latin typeface="맑은 고딕" charset="0"/>
                 <a:ea typeface="맑은 고딕" charset="0"/>
               </a:rPr>
-              <a:t>3</a:t>
-            </a:r>
+              <a:t>.</a:t>
+            </a:r>
+            <a:r>
+              <a:rPr sz="1800">
+                <a:latin typeface="맑은 고딕" charset="0"/>
+                <a:ea typeface="맑은 고딕" charset="0"/>
+              </a:rPr>
+              <a:t> </a:t>
+            </a:r>
+            <a:r>
+              <a:rPr lang="ko-KR" sz="1800">
+                <a:latin typeface="맑은 고딕" charset="0"/>
+                <a:ea typeface="맑은 고딕" charset="0"/>
+              </a:rPr>
+              <a:t>그다음 </a:t>
+            </a:r>
+            <a:r>
+              <a:rPr lang="ko-KR" sz="1800">
+                <a:latin typeface="맑은 고딕" charset="0"/>
+                <a:ea typeface="맑은 고딕" charset="0"/>
+              </a:rPr>
+              <a:t>Character 오브젝트에 Mesh Renderer에 Receive Global IIIumination을 Light Probes로 변경하빈다.</a:t>
+            </a:r>
+            <a:endParaRPr lang="ko-KR" altLang="en-US" sz="1800">
+              <a:latin typeface="맑은 고딕" charset="0"/>
+              <a:ea typeface="맑은 고딕" charset="0"/>
+            </a:endParaRPr>
+          </a:p>
+        </p:txBody>
+      </p:sp>
+      <p:sp>
+        <p:nvSpPr>
+          <p:cNvPr id="1050" name="Rect 0"/>
+          <p:cNvSpPr txBox="1">
+            <a:spLocks/>
+          </p:cNvSpPr>
+          <p:nvPr/>
+        </p:nvSpPr>
+        <p:spPr>
+          <a:xfrm rot="0">
+            <a:off x="1438910" y="5424805"/>
+            <a:ext cx="3930650" cy="647065"/>
+          </a:xfrm>
+          <a:prstGeom prst="rect"/>
+          <a:noFill/>
+          <a:ln w="0">
+            <a:noFill/>
+            <a:prstDash/>
+          </a:ln>
+        </p:spPr>
+        <p:txBody>
+          <a:bodyPr wrap="square" lIns="89535" tIns="46355" rIns="89535" bIns="46355" numCol="1" vert="horz" anchor="t">
+            <a:spAutoFit/>
+          </a:bodyPr>
+          <a:lstStyle/>
+          <a:p>
+            <a:pPr marL="0" indent="0" rtl="0" algn="l" defTabSz="914400" eaLnBrk="1" latinLnBrk="0" hangingPunct="1">
+              <a:buFontTx/>
+              <a:buNone/>
+            </a:pPr>
             <a:r>
               <a:rPr lang="ko-KR" sz="1800" b="1">
                 <a:solidFill>
@@ -11902,7 +12576,17 @@
                 <a:latin typeface="맑은 고딕" charset="0"/>
                 <a:ea typeface="맑은 고딕" charset="0"/>
               </a:rPr>
-              <a:t>9</a:t>
+              <a:t>4</a:t>
+            </a:r>
+            <a:r>
+              <a:rPr lang="ko-KR" sz="1800" b="1">
+                <a:solidFill>
+                  <a:srgbClr val="0611F2"/>
+                </a:solidFill>
+                <a:latin typeface="맑은 고딕" charset="0"/>
+                <a:ea typeface="맑은 고딕" charset="0"/>
+              </a:rPr>
+              <a:t>3</a:t>
             </a:r>
             <a:r>
               <a:rPr sz="1800" b="1">
@@ -11926,7 +12610,7 @@
                 <a:latin typeface="맑은 고딕" charset="0"/>
                 <a:ea typeface="맑은 고딕" charset="0"/>
               </a:rPr>
-              <a:t>그리고 Emergency Light 오브젝트의 위치 값을 설정합니다.</a:t>
+              <a:t>그런 다음 Light Probe Group에 Edit Light Probes를 선택합니다.</a:t>
             </a:r>
             <a:endParaRPr lang="ko-KR" altLang="en-US" sz="1800">
               <a:latin typeface="맑은 고딕" charset="0"/>
@@ -11937,7 +12621,7 @@
       </p:sp>
       <p:pic>
         <p:nvPicPr>
-          <p:cNvPr id="1046" name="그림 50" descr="C:/Users/Admin1/AppData/Roaming/PolarisOffice/ETemp/17960_9275864/fImage129343409961.png"/>
+          <p:cNvPr id="1051" name="그림 1" descr="C:/Users/Admin1/AppData/Roaming/PolarisOffice/ETemp/2404_20686512/fImage1853933741.png"/>
           <p:cNvPicPr>
             <a:picLocks noChangeAspect="1"/>
           </p:cNvPicPr>
@@ -11957,8 +12641,8 @@
         </p:blipFill>
         <p:spPr>
           <a:xfrm rot="0">
-            <a:off x="1454150" y="1332865"/>
-            <a:ext cx="3926205" cy="977265"/>
+            <a:off x="1446530" y="1333500"/>
+            <a:ext cx="3932555" cy="1290955"/>
           </a:xfrm>
           <a:prstGeom prst="roundRect"/>
           <a:solidFill>
@@ -11968,7 +12652,7 @@
       </p:pic>
       <p:pic>
         <p:nvPicPr>
-          <p:cNvPr id="1047" name="그림 53" descr="C:/Users/Admin1/AppData/Roaming/PolarisOffice/ETemp/17960_9275864/fImage12290342491.png"/>
+          <p:cNvPr id="1052" name="그림 4" descr="C:/Users/Admin1/AppData/Roaming/PolarisOffice/ETemp/2404_20686512/fImage132683388467.png"/>
           <p:cNvPicPr>
             <a:picLocks noChangeAspect="1"/>
           </p:cNvPicPr>
@@ -11988,8 +12672,8 @@
         </p:blipFill>
         <p:spPr>
           <a:xfrm rot="0">
-            <a:off x="1449705" y="3131185"/>
-            <a:ext cx="3921760" cy="1695450"/>
+            <a:off x="1435100" y="4036060"/>
+            <a:ext cx="3934460" cy="1264285"/>
           </a:xfrm>
           <a:prstGeom prst="roundRect"/>
           <a:solidFill>
@@ -11997,80 +12681,9 @@
           </a:solidFill>
         </p:spPr>
       </p:pic>
-      <p:sp>
-        <p:nvSpPr>
-          <p:cNvPr id="1048" name="텍스트 상자 56"/>
-          <p:cNvSpPr txBox="1">
-            <a:spLocks/>
-          </p:cNvSpPr>
-          <p:nvPr/>
-        </p:nvSpPr>
-        <p:spPr>
-          <a:xfrm rot="0">
-            <a:off x="1442720" y="4927600"/>
-            <a:ext cx="3937635" cy="1200785"/>
-          </a:xfrm>
-          <a:prstGeom prst="rect"/>
-          <a:noFill/>
-          <a:ln w="0">
-            <a:noFill/>
-            <a:prstDash/>
-          </a:ln>
-        </p:spPr>
-        <p:txBody>
-          <a:bodyPr wrap="square" lIns="89535" tIns="46355" rIns="89535" bIns="46355" numCol="1" vert="horz" anchor="t">
-            <a:spAutoFit/>
-          </a:bodyPr>
-          <a:lstStyle/>
-          <a:p>
-            <a:pPr marL="0" indent="0" rtl="0" algn="l" defTabSz="914400" eaLnBrk="1" latinLnBrk="0" hangingPunct="1">
-              <a:buFontTx/>
-              <a:buNone/>
-            </a:pPr>
-            <a:r>
-              <a:rPr lang="ko-KR" sz="1800" b="1">
-                <a:solidFill>
-                  <a:srgbClr val="0611F2"/>
-                </a:solidFill>
-                <a:latin typeface="맑은 고딕" charset="0"/>
-                <a:ea typeface="맑은 고딕" charset="0"/>
-              </a:rPr>
-              <a:t>40</a:t>
-            </a:r>
-            <a:r>
-              <a:rPr sz="1800" b="1">
-                <a:solidFill>
-                  <a:srgbClr val="0611F2"/>
-                </a:solidFill>
-                <a:latin typeface="맑은 고딕" charset="0"/>
-                <a:ea typeface="맑은 고딕" charset="0"/>
-              </a:rPr>
-              <a:t>.</a:t>
-            </a:r>
-            <a:r>
-              <a:rPr sz="1800">
-                <a:latin typeface="맑은 고딕" charset="0"/>
-                <a:ea typeface="맑은 고딕" charset="0"/>
-              </a:rPr>
-              <a:t> </a:t>
-            </a:r>
-            <a:r>
-              <a:rPr lang="ko-KR" sz="1800">
-                <a:latin typeface="맑은 고딕" charset="0"/>
-                <a:ea typeface="맑은 고딕" charset="0"/>
-              </a:rPr>
-              <a:t>그다음 Emergency Light의 색상과 Mode를 변경한 다음 Intensity와 Shadow Type을 설정합니다. </a:t>
-            </a:r>
-            <a:endParaRPr lang="ko-KR" altLang="en-US" sz="1800">
-              <a:latin typeface="맑은 고딕" charset="0"/>
-              <a:ea typeface="맑은 고딕" charset="0"/>
-            </a:endParaRPr>
-          </a:p>
-        </p:txBody>
-      </p:sp>
       <p:pic>
         <p:nvPicPr>
-          <p:cNvPr id="1049" name="그림 57" descr="C:/Users/Admin1/AppData/Roaming/PolarisOffice/ETemp/17960_9275864/fImage98123442995.png"/>
+          <p:cNvPr id="1053" name="그림 11" descr="C:/Users/Admin1/AppData/Roaming/PolarisOffice/ETemp/2404_20686512/fImage138973396334.png"/>
           <p:cNvPicPr>
             <a:picLocks noChangeAspect="1"/>
           </p:cNvPicPr>
@@ -12090,8 +12703,8 @@
         </p:blipFill>
         <p:spPr>
           <a:xfrm rot="0">
-            <a:off x="6823710" y="1330325"/>
-            <a:ext cx="4091940" cy="2657475"/>
+            <a:off x="6814820" y="1325245"/>
+            <a:ext cx="3929380" cy="1221105"/>
           </a:xfrm>
           <a:prstGeom prst="roundRect"/>
           <a:solidFill>
@@ -12101,7 +12714,7 @@
       </p:pic>
       <p:sp>
         <p:nvSpPr>
-          <p:cNvPr id="1050" name="텍스트 상자 60"/>
+          <p:cNvPr id="1054" name="텍스트 상자 14"/>
           <p:cNvSpPr txBox="1">
             <a:spLocks/>
           </p:cNvSpPr>
@@ -12109,8 +12722,8 @@
         </p:nvSpPr>
         <p:spPr>
           <a:xfrm rot="0">
-            <a:off x="6824980" y="4099560"/>
-            <a:ext cx="4090670" cy="2031365"/>
+            <a:off x="6826885" y="2622550"/>
+            <a:ext cx="3930650" cy="1200785"/>
           </a:xfrm>
           <a:prstGeom prst="rect"/>
           <a:noFill/>
@@ -12137,7 +12750,17 @@
                 <a:latin typeface="맑은 고딕" charset="0"/>
                 <a:ea typeface="맑은 고딕" charset="0"/>
               </a:rPr>
-              <a:t>41</a:t>
+              <a:t>4</a:t>
+            </a:r>
+            <a:r>
+              <a:rPr lang="ko-KR" sz="1800" b="1">
+                <a:solidFill>
+                  <a:srgbClr val="0611F2"/>
+                </a:solidFill>
+                <a:latin typeface="맑은 고딕" charset="0"/>
+                <a:ea typeface="맑은 고딕" charset="0"/>
+              </a:rPr>
+              <a:t>4</a:t>
             </a:r>
             <a:r>
               <a:rPr sz="1800" b="1">
@@ -12161,34 +12784,7 @@
                 <a:latin typeface="맑은 고딕" charset="0"/>
                 <a:ea typeface="맑은 고딕" charset="0"/>
               </a:rPr>
-              <a:t>이제 Patrol 스크립트에서 int 변수를 선언합니다.</a:t>
-            </a:r>
-            <a:endParaRPr lang="ko-KR" altLang="en-US" sz="1800">
-              <a:latin typeface="맑은 고딕" charset="0"/>
-              <a:ea typeface="맑은 고딕" charset="0"/>
-            </a:endParaRPr>
-          </a:p>
-          <a:p>
-            <a:pPr marL="0" indent="0" rtl="0" algn="l" defTabSz="914400" eaLnBrk="1" latinLnBrk="0" hangingPunct="1">
-              <a:buFontTx/>
-              <a:buNone/>
-            </a:pPr>
-            <a:endParaRPr lang="ko-KR" altLang="en-US" sz="1800">
-              <a:latin typeface="맑은 고딕" charset="0"/>
-              <a:ea typeface="맑은 고딕" charset="0"/>
-            </a:endParaRPr>
-          </a:p>
-          <a:p>
-            <a:pPr marL="0" indent="0" rtl="0" algn="l" defTabSz="914400" eaLnBrk="1" latinLnBrk="0" hangingPunct="1">
-              <a:buFontTx/>
-              <a:buNone/>
-            </a:pPr>
-            <a:r>
-              <a:rPr lang="ko-KR" sz="1800">
-                <a:latin typeface="맑은 고딕" charset="0"/>
-                <a:ea typeface="맑은 고딕" charset="0"/>
-              </a:rPr>
-              <a:t>그리고 Vector3.MoveTowards( )함수를 사용하여 자기 위치에서 도착 지점까지 일정한 속도로 이동하도록 설정합니다. </a:t>
+              <a:t>이제 Select All을 선택하고 Duplicate Selected를 선택한 다음 Selected Probe Position의 X와 Y 그리고 Z축의 값을 설정합니다.</a:t>
             </a:r>
             <a:endParaRPr lang="ko-KR" altLang="en-US" sz="1800">
               <a:latin typeface="맑은 고딕" charset="0"/>
@@ -13184,7 +13780,7 @@
       </p:sp>
       <p:pic>
         <p:nvPicPr>
-          <p:cNvPr id="1144" name="그림 48" descr="C:/Users/Admin1/AppData/Roaming/PolarisOffice/ETemp/17960_9275864/fImage159781728145.png"/>
+          <p:cNvPr id="1144" name="그림 48"/>
           <p:cNvPicPr>
             <a:picLocks noChangeAspect="1"/>
           </p:cNvPicPr>
@@ -13215,7 +13811,7 @@
       </p:pic>
       <p:pic>
         <p:nvPicPr>
-          <p:cNvPr id="1145" name="그림 49" descr="C:/Users/Admin1/AppData/Roaming/PolarisOffice/ETemp/17960_9275864/fImage55181733281.png"/>
+          <p:cNvPr id="1145" name="그림 49"/>
           <p:cNvPicPr>
             <a:picLocks noChangeAspect="1"/>
           </p:cNvPicPr>
@@ -13246,7 +13842,7 @@
       </p:pic>
       <p:pic>
         <p:nvPicPr>
-          <p:cNvPr id="1146" name="그림 53" descr="C:/Users/Admin1/AppData/Roaming/PolarisOffice/ETemp/17960_9275864/fImage159531766827.png"/>
+          <p:cNvPr id="1146" name="그림 53"/>
           <p:cNvPicPr>
             <a:picLocks noChangeAspect="1"/>
           </p:cNvPicPr>
@@ -13308,7 +13904,7 @@
       </p:pic>
       <p:pic>
         <p:nvPicPr>
-          <p:cNvPr id="1148" name="그림 16" descr="C:/Users/Admin1/AppData/Roaming/PolarisOffice/ETemp/17960_9275864/fImage197230041.png"/>
+          <p:cNvPr id="1148" name="그림 16"/>
           <p:cNvPicPr>
             <a:picLocks noChangeAspect="1"/>
           </p:cNvPicPr>
@@ -14092,7 +14688,7 @@
       </p:sp>
       <p:pic>
         <p:nvPicPr>
-          <p:cNvPr id="1161" name="그림 8" descr="C:/Users/Admin1/AppData/Roaming/PolarisOffice/ETemp/17960_9275864/fImage237721758467.png"/>
+          <p:cNvPr id="1161" name="그림 8"/>
           <p:cNvPicPr>
             <a:picLocks noChangeAspect="1"/>
           </p:cNvPicPr>
@@ -14185,7 +14781,7 @@
       </p:pic>
       <p:pic>
         <p:nvPicPr>
-          <p:cNvPr id="1166" name="그림 1" descr="C:/Users/Admin1/AppData/Roaming/PolarisOffice/ETemp/17960_9275864/fImage342212138467.png"/>
+          <p:cNvPr id="1166" name="그림 1"/>
           <p:cNvPicPr>
             <a:picLocks noChangeAspect="1"/>
           </p:cNvPicPr>

--- a/Assets/Class/Light/PPT Data/Light Example.pptx
+++ b/Assets/Class/Light/PPT Data/Light Example.pptx
@@ -2,30 +2,31 @@
 <file path=ppt/presentation.xml><?xml version="1.0" encoding="utf-8"?>
 <p:presentation xmlns:a="http://schemas.openxmlformats.org/drawingml/2006/main" xmlns:r="http://schemas.openxmlformats.org/officeDocument/2006/relationships" xmlns:p="http://schemas.openxmlformats.org/presentationml/2006/main" xmlns:p14="http://schemas.microsoft.com/office/powerpoint/2010/main" saveSubsetFonts="1" firstSlideNum="0">
   <p:sldMasterIdLst>
-    <p:sldMasterId id="2147485945" r:id="rId12"/>
+    <p:sldMasterId id="2147485955" r:id="rId12"/>
   </p:sldMasterIdLst>
   <p:notesMasterIdLst>
     <p:notesMasterId r:id="rId14"/>
   </p:notesMasterIdLst>
   <p:sldIdLst>
     <p:sldId id="287" r:id="rId16"/>
-    <p:sldId id="294" r:id="rId17"/>
-    <p:sldId id="295" r:id="rId18"/>
-    <p:sldId id="296" r:id="rId19"/>
-    <p:sldId id="299" r:id="rId20"/>
-    <p:sldId id="300" r:id="rId21"/>
-    <p:sldId id="302" r:id="rId22"/>
-    <p:sldId id="301" r:id="rId23"/>
-    <p:sldId id="303" r:id="rId24"/>
-    <p:sldId id="304" r:id="rId25"/>
-    <p:sldId id="305" r:id="rId26"/>
-    <p:sldId id="306" r:id="rId27"/>
-    <p:sldId id="307" r:id="rId28"/>
-    <p:sldId id="308" r:id="rId29"/>
-    <p:sldId id="309" r:id="rId30"/>
-    <p:sldId id="310" r:id="rId31"/>
-    <p:sldId id="311" r:id="rId32"/>
-    <p:sldId id="312" r:id="rId33"/>
+    <p:sldId id="294" r:id="rId18"/>
+    <p:sldId id="295" r:id="rId20"/>
+    <p:sldId id="296" r:id="rId22"/>
+    <p:sldId id="299" r:id="rId24"/>
+    <p:sldId id="300" r:id="rId26"/>
+    <p:sldId id="302" r:id="rId28"/>
+    <p:sldId id="301" r:id="rId30"/>
+    <p:sldId id="303" r:id="rId32"/>
+    <p:sldId id="304" r:id="rId34"/>
+    <p:sldId id="305" r:id="rId36"/>
+    <p:sldId id="306" r:id="rId38"/>
+    <p:sldId id="307" r:id="rId40"/>
+    <p:sldId id="308" r:id="rId42"/>
+    <p:sldId id="309" r:id="rId44"/>
+    <p:sldId id="310" r:id="rId46"/>
+    <p:sldId id="311" r:id="rId48"/>
+    <p:sldId id="312" r:id="rId50"/>
+    <p:sldId id="313" r:id="rId52"/>
   </p:sldIdLst>
   <p:sldSz cx="12192000" cy="6858000"/>
   <p:notesSz cx="6858000" cy="9144000"/>
@@ -1904,6 +1905,148 @@
 </p:notes>
 </file>
 
+<file path=ppt/notesSlides/notesSlide19.xml><?xml version="1.0" encoding="utf-8"?>
+<p:notes xmlns:a="http://schemas.openxmlformats.org/drawingml/2006/main" xmlns:r="http://schemas.openxmlformats.org/officeDocument/2006/relationships" xmlns:p="http://schemas.openxmlformats.org/presentationml/2006/main">
+  <p:cSld>
+    <p:spTree>
+      <p:nvGrpSpPr>
+        <p:cNvPr id="1" name=""/>
+        <p:cNvGrpSpPr/>
+        <p:nvPr/>
+      </p:nvGrpSpPr>
+      <p:grpSpPr>
+        <a:xfrm>
+          <a:off x="0" y="0"/>
+          <a:ext cx="0" cy="0"/>
+          <a:chOff x="0" y="0"/>
+          <a:chExt cx="0" cy="0"/>
+        </a:xfrm>
+      </p:grpSpPr>
+      <p:sp>
+        <p:nvSpPr>
+          <p:cNvPr id="2" name="슬라이드 이미지 개체 틀 3"/>
+          <p:cNvSpPr>
+            <a:spLocks noChangeAspect="1"/>
+          </p:cNvSpPr>
+          <p:nvPr>
+            <p:ph type="sldImg" idx="2"/>
+          </p:nvPr>
+        </p:nvSpPr>
+        <p:spPr>
+          <a:xfrm rot="0">
+            <a:off x="685800" y="1143000"/>
+            <a:ext cx="5494655" cy="3094355"/>
+          </a:xfrm>
+          <a:prstGeom prst="rect"/>
+          <a:noFill/>
+          <a:ln w="12700" cap="flat" cmpd="sng">
+            <a:solidFill>
+              <a:srgbClr val="000000">
+                <a:alpha val="100000"/>
+              </a:srgbClr>
+            </a:solidFill>
+            <a:prstDash val="solid"/>
+          </a:ln>
+        </p:spPr>
+        <p:txBody>
+          <a:bodyPr wrap="square" lIns="91440" tIns="45720" rIns="91440" bIns="45720" numCol="1" vert="horz" anchor="ctr">
+            <a:noAutofit/>
+          </a:bodyPr>
+          <a:lstStyle/>
+          <a:p>
+            <a:pPr marL="0" indent="0" latinLnBrk="0">
+              <a:buFontTx/>
+              <a:buNone/>
+            </a:pPr>
+          </a:p>
+        </p:txBody>
+      </p:sp>
+      <p:sp>
+        <p:nvSpPr>
+          <p:cNvPr id="3" name="슬라이드 노트 개체 틀 4"/>
+          <p:cNvSpPr txBox="1">
+            <a:spLocks/>
+          </p:cNvSpPr>
+          <p:nvPr>
+            <p:ph type="body" idx="3"/>
+          </p:nvPr>
+        </p:nvSpPr>
+        <p:spPr>
+          <a:xfrm rot="0">
+            <a:off x="685800" y="4400550"/>
+            <a:ext cx="5494655" cy="3608705"/>
+          </a:xfrm>
+          <a:prstGeom prst="rect"/>
+        </p:spPr>
+        <p:txBody>
+          <a:bodyPr wrap="square" lIns="91440" tIns="45720" rIns="91440" bIns="45720" numCol="1" vert="horz" anchor="t">
+            <a:noAutofit/>
+          </a:bodyPr>
+          <a:lstStyle/>
+          <a:p>
+            <a:pPr marL="0" indent="0" latinLnBrk="0">
+              <a:buFontTx/>
+              <a:buNone/>
+            </a:pPr>
+          </a:p>
+        </p:txBody>
+      </p:sp>
+      <p:sp>
+        <p:nvSpPr>
+          <p:cNvPr id="4" name="슬라이드 번호 개체 틀 6"/>
+          <p:cNvSpPr txBox="1">
+            <a:spLocks/>
+          </p:cNvSpPr>
+          <p:nvPr>
+            <p:ph type="sldNum" idx="5"/>
+          </p:nvPr>
+        </p:nvSpPr>
+        <p:spPr>
+          <a:xfrm rot="0">
+            <a:off x="3884930" y="8685530"/>
+            <a:ext cx="2980055" cy="466725"/>
+          </a:xfrm>
+          <a:prstGeom prst="rect"/>
+        </p:spPr>
+        <p:txBody>
+          <a:bodyPr wrap="square" lIns="91440" tIns="45720" rIns="91440" bIns="45720" numCol="1" vert="horz" anchor="b">
+            <a:noAutofit/>
+          </a:bodyPr>
+          <a:lstStyle>
+            <a:lvl1pPr marL="0" indent="0" algn="r" latinLnBrk="0">
+              <a:buFontTx/>
+              <a:buNone/>
+              <a:defRPr lang="en-GB" altLang="en-US" sz="1200"/>
+            </a:lvl1pPr>
+          </a:lstStyle>
+          <a:p>
+            <a:pPr marL="0" indent="0" latinLnBrk="0">
+              <a:buFontTx/>
+              <a:buNone/>
+            </a:pPr>
+            <a:fld id="{B9320F77-B9A0-41C5-862A-B4B631284C64}" type="slidenum">
+              <a:rPr lang="ko-KR" altLang="en-US"/>
+              <a:t>‹#›</a:t>
+            </a:fld>
+          </a:p>
+        </p:txBody>
+      </p:sp>
+    </p:spTree>
+  </p:cSld>
+  <p:clrMapOvr>
+    <a:masterClrMapping/>
+  </p:clrMapOvr>
+  <mc:AlternateContent xmlns:mc="http://schemas.openxmlformats.org/markup-compatibility/2006">
+    <mc:Choice xmlns:p14="http://schemas.microsoft.com/office/powerpoint/2010/main" Requires="p14">
+      <p:transition spd="slow" p14:dur="0"/>
+    </mc:Choice>
+    <mc:Fallback>
+      <p:transition spd="slow"/>
+    </mc:Fallback>
+  </mc:AlternateContent>
+</p:notes>
+</file>
+
 <file path=ppt/notesSlides/notesSlide2.xml><?xml version="1.0" encoding="utf-8"?>
 <p:notes xmlns:a="http://schemas.openxmlformats.org/drawingml/2006/main" xmlns:r="http://schemas.openxmlformats.org/officeDocument/2006/relationships" xmlns:p="http://schemas.openxmlformats.org/presentationml/2006/main">
   <p:cSld>
@@ -12364,7 +12507,7 @@
 </file>
 
 <file path=ppt/slides/slide18.xml><?xml version="1.0" encoding="utf-8"?>
-<p:sld xmlns:a="http://schemas.openxmlformats.org/drawingml/2006/main" xmlns:r="http://schemas.openxmlformats.org/officeDocument/2006/relationships" xmlns:p="http://schemas.openxmlformats.org/presentationml/2006/main">
+<p:sld xmlns:a="http://schemas.openxmlformats.org/drawingml/2006/main" xmlns:r="http://schemas.openxmlformats.org/officeDocument/2006/relationships" xmlns:p="http://schemas.openxmlformats.org/presentationml/2006/main" xmlns:p14="http://schemas.microsoft.com/office/powerpoint/2010/main">
   <p:cSld>
     <p:spTree>
       <p:nvGrpSpPr>
@@ -12460,8 +12603,8 @@
         </p:nvSpPr>
         <p:spPr>
           <a:xfrm rot="0">
-            <a:off x="1433830" y="2718435"/>
-            <a:ext cx="3944620" cy="1200785"/>
+            <a:off x="1433830" y="2901315"/>
+            <a:ext cx="3945255" cy="1200785"/>
           </a:xfrm>
           <a:prstGeom prst="rect"/>
           <a:noFill/>
@@ -12488,17 +12631,7 @@
                 <a:latin typeface="맑은 고딕" charset="0"/>
                 <a:ea typeface="맑은 고딕" charset="0"/>
               </a:rPr>
-              <a:t>4</a:t>
-            </a:r>
-            <a:r>
-              <a:rPr lang="ko-KR" sz="1800" b="1">
-                <a:solidFill>
-                  <a:srgbClr val="0611F2"/>
-                </a:solidFill>
-                <a:latin typeface="맑은 고딕" charset="0"/>
-                <a:ea typeface="맑은 고딕" charset="0"/>
-              </a:rPr>
-              <a:t>2</a:t>
+              <a:t>42</a:t>
             </a:r>
             <a:r>
               <a:rPr sz="1800" b="1">
@@ -12522,14 +12655,14 @@
                 <a:latin typeface="맑은 고딕" charset="0"/>
                 <a:ea typeface="맑은 고딕" charset="0"/>
               </a:rPr>
-              <a:t>그다음 </a:t>
+              <a:t>그다음 Character 오브젝트에 Mesh Renderer에 Receive Global IIIumination을 Light Probes로 변경</a:t>
             </a:r>
             <a:r>
               <a:rPr lang="ko-KR" sz="1800">
                 <a:latin typeface="맑은 고딕" charset="0"/>
                 <a:ea typeface="맑은 고딕" charset="0"/>
               </a:rPr>
-              <a:t>Character 오브젝트에 Mesh Renderer에 Receive Global IIIumination을 Light Probes로 변경하빈다.</a:t>
+              <a:t>합니다.</a:t>
             </a:r>
             <a:endParaRPr lang="ko-KR" altLang="en-US" sz="1800">
               <a:latin typeface="맑은 고딕" charset="0"/>
@@ -12548,8 +12681,8 @@
         </p:nvSpPr>
         <p:spPr>
           <a:xfrm rot="0">
-            <a:off x="1438910" y="5424805"/>
-            <a:ext cx="3930650" cy="647065"/>
+            <a:off x="1447165" y="5591175"/>
+            <a:ext cx="3931285" cy="647700"/>
           </a:xfrm>
           <a:prstGeom prst="rect"/>
           <a:noFill/>
@@ -12576,17 +12709,7 @@
                 <a:latin typeface="맑은 고딕" charset="0"/>
                 <a:ea typeface="맑은 고딕" charset="0"/>
               </a:rPr>
-              <a:t>4</a:t>
-            </a:r>
-            <a:r>
-              <a:rPr lang="ko-KR" sz="1800" b="1">
-                <a:solidFill>
-                  <a:srgbClr val="0611F2"/>
-                </a:solidFill>
-                <a:latin typeface="맑은 고딕" charset="0"/>
-                <a:ea typeface="맑은 고딕" charset="0"/>
-              </a:rPr>
-              <a:t>3</a:t>
+              <a:t>43</a:t>
             </a:r>
             <a:r>
               <a:rPr sz="1800" b="1">
@@ -12621,17 +12744,17 @@
       </p:sp>
       <p:pic>
         <p:nvPicPr>
-          <p:cNvPr id="1051" name="그림 1" descr="C:/Users/Admin1/AppData/Roaming/PolarisOffice/ETemp/2404_20686512/fImage1853933741.png"/>
+          <p:cNvPr id="1051" name="그림 1" descr="C:/Users/Admin1/AppData/Roaming/PolarisOffice/ETemp/8396_22656512/fImage1853933741.png"/>
           <p:cNvPicPr>
             <a:picLocks noChangeAspect="1"/>
           </p:cNvPicPr>
           <p:nvPr/>
         </p:nvPicPr>
         <p:blipFill rotWithShape="1">
-          <a:blip r:embed="rId2" cstate="print">
+          <a:blip r:embed="rId2" cstate="hqprint">
             <a:extLst>
               <a:ext uri="{28A0092B-C50C-407E-A947-70E740481C1C}">
-                <a14:useLocalDpi xmlns:a14="http://schemas.microsoft.com/office/drawing/2010/main" val="0"/>
+                <a14:useLocalDpi xmlns:a14="http://schemas.microsoft.com/office/drawing/2010/main"/>
               </a:ext>
             </a:extLst>
           </a:blip>
@@ -12641,8 +12764,8 @@
         </p:blipFill>
         <p:spPr>
           <a:xfrm rot="0">
-            <a:off x="1446530" y="1333500"/>
-            <a:ext cx="3932555" cy="1290955"/>
+            <a:off x="1446530" y="1288415"/>
+            <a:ext cx="3933190" cy="1522095"/>
           </a:xfrm>
           <a:prstGeom prst="roundRect"/>
           <a:solidFill>
@@ -12652,17 +12775,17 @@
       </p:pic>
       <p:pic>
         <p:nvPicPr>
-          <p:cNvPr id="1052" name="그림 4" descr="C:/Users/Admin1/AppData/Roaming/PolarisOffice/ETemp/2404_20686512/fImage132683388467.png"/>
+          <p:cNvPr id="1052" name="그림 4" descr="C:/Users/Admin1/AppData/Roaming/PolarisOffice/ETemp/8396_22656512/fImage132683388467.png"/>
           <p:cNvPicPr>
             <a:picLocks noChangeAspect="1"/>
           </p:cNvPicPr>
           <p:nvPr/>
         </p:nvPicPr>
         <p:blipFill rotWithShape="1">
-          <a:blip r:embed="rId3" cstate="print">
+          <a:blip r:embed="rId3" cstate="hqprint">
             <a:extLst>
               <a:ext uri="{28A0092B-C50C-407E-A947-70E740481C1C}">
-                <a14:useLocalDpi xmlns:a14="http://schemas.microsoft.com/office/drawing/2010/main" val="0"/>
+                <a14:useLocalDpi xmlns:a14="http://schemas.microsoft.com/office/drawing/2010/main"/>
               </a:ext>
             </a:extLst>
           </a:blip>
@@ -12672,8 +12795,8 @@
         </p:blipFill>
         <p:spPr>
           <a:xfrm rot="0">
-            <a:off x="1435100" y="4036060"/>
-            <a:ext cx="3934460" cy="1264285"/>
+            <a:off x="1426845" y="4251960"/>
+            <a:ext cx="3935095" cy="1264920"/>
           </a:xfrm>
           <a:prstGeom prst="roundRect"/>
           <a:solidFill>
@@ -12683,17 +12806,17 @@
       </p:pic>
       <p:pic>
         <p:nvPicPr>
-          <p:cNvPr id="1053" name="그림 11" descr="C:/Users/Admin1/AppData/Roaming/PolarisOffice/ETemp/2404_20686512/fImage138973396334.png"/>
+          <p:cNvPr id="1053" name="그림 1" descr="C:/Users/Admin1/AppData/Roaming/PolarisOffice/ETemp/8396_22656512/fImage211388841.png"/>
           <p:cNvPicPr>
             <a:picLocks noChangeAspect="1"/>
           </p:cNvPicPr>
           <p:nvPr/>
         </p:nvPicPr>
         <p:blipFill rotWithShape="1">
-          <a:blip r:embed="rId4" cstate="print">
+          <a:blip r:embed="rId6" cstate="hqprint">
             <a:extLst>
               <a:ext uri="{28A0092B-C50C-407E-A947-70E740481C1C}">
-                <a14:useLocalDpi xmlns:a14="http://schemas.microsoft.com/office/drawing/2010/main" val="0"/>
+                <a14:useLocalDpi xmlns:a14="http://schemas.microsoft.com/office/drawing/2010/main"/>
               </a:ext>
             </a:extLst>
           </a:blip>
@@ -12703,18 +12826,16 @@
         </p:blipFill>
         <p:spPr>
           <a:xfrm rot="0">
-            <a:off x="6814820" y="1325245"/>
-            <a:ext cx="3929380" cy="1221105"/>
-          </a:xfrm>
-          <a:prstGeom prst="roundRect"/>
-          <a:solidFill>
-            <a:srgbClr val="EDEDED"/>
-          </a:solidFill>
+            <a:off x="6806565" y="1296670"/>
+            <a:ext cx="4023995" cy="3902710"/>
+          </a:xfrm>
+          <a:prstGeom prst="rect"/>
+          <a:noFill/>
         </p:spPr>
       </p:pic>
       <p:sp>
         <p:nvSpPr>
-          <p:cNvPr id="1054" name="텍스트 상자 14"/>
+          <p:cNvPr id="1054" name="텍스트 상자 2"/>
           <p:cNvSpPr txBox="1">
             <a:spLocks/>
           </p:cNvSpPr>
@@ -12722,8 +12843,115 @@
         </p:nvSpPr>
         <p:spPr>
           <a:xfrm rot="0">
-            <a:off x="6826885" y="2622550"/>
-            <a:ext cx="3930650" cy="1200785"/>
+            <a:off x="6807835" y="5328920"/>
+            <a:ext cx="4013835" cy="908050"/>
+          </a:xfrm>
+          <a:prstGeom prst="rect"/>
+          <a:noFill/>
+        </p:spPr>
+        <p:txBody>
+          <a:bodyPr wrap="square" lIns="0" tIns="0" rIns="0" bIns="0" numCol="1" vert="horz" anchor="t">
+            <a:noAutofit/>
+          </a:bodyPr>
+          <a:lstStyle/>
+          <a:p>
+            <a:pPr marL="0" indent="0" algn="l" latinLnBrk="0" hangingPunct="1">
+              <a:buFontTx/>
+              <a:buNone/>
+            </a:pPr>
+            <a:r>
+              <a:rPr lang="ko-KR" sz="2000" b="1">
+                <a:solidFill>
+                  <a:srgbClr val="0611F2"/>
+                </a:solidFill>
+                <a:latin typeface="맑은 고딕" charset="0"/>
+                <a:ea typeface="맑은 고딕" charset="0"/>
+              </a:rPr>
+              <a:t>44</a:t>
+            </a:r>
+            <a:r>
+              <a:rPr lang="ko-KR" sz="2000" b="1">
+                <a:solidFill>
+                  <a:srgbClr val="0611F2"/>
+                </a:solidFill>
+                <a:latin typeface="맑은 고딕" charset="0"/>
+                <a:ea typeface="맑은 고딕" charset="0"/>
+              </a:rPr>
+              <a:t>. </a:t>
+            </a:r>
+            <a:r>
+              <a:rPr lang="ko-KR" sz="1800">
+                <a:latin typeface="맑은 고딕" charset="0"/>
+                <a:ea typeface="맑은 고딕" charset="0"/>
+              </a:rPr>
+              <a:t>마지막으로</a:t>
+            </a:r>
+            <a:r>
+              <a:rPr lang="ko-KR" sz="1800">
+                <a:latin typeface="맑은 고딕" charset="0"/>
+                <a:ea typeface="맑은 고딕" charset="0"/>
+              </a:rPr>
+              <a:t> Window에서 Rendering을 선택하고 Lighting Settings를 선택합니다. </a:t>
+            </a:r>
+            <a:endParaRPr lang="ko-KR" altLang="en-US" sz="1800">
+              <a:latin typeface="맑은 고딕" charset="0"/>
+              <a:ea typeface="맑은 고딕" charset="0"/>
+            </a:endParaRPr>
+          </a:p>
+        </p:txBody>
+      </p:sp>
+    </p:spTree>
+  </p:cSld>
+  <p:clrMapOvr>
+    <a:masterClrMapping/>
+  </p:clrMapOvr>
+  <mc:AlternateContent xmlns:mc="http://schemas.openxmlformats.org/markup-compatibility/2006">
+    <mc:Choice xmlns:p14="http://schemas.microsoft.com/office/powerpoint/2010/main" Requires="p14">
+      <p:transition spd="slow" p14:dur="2000"/>
+    </mc:Choice>
+    <mc:Fallback>
+      <p:transition spd="slow"/>
+    </mc:Fallback>
+  </mc:AlternateContent>
+  <p:timing>
+    <p:tnLst>
+      <p:par>
+        <p:cTn id="1" dur="indefinite" restart="never" nodeType="tmRoot"/>
+      </p:par>
+    </p:tnLst>
+  </p:timing>
+</p:sld>
+</file>
+
+<file path=ppt/slides/slide19.xml><?xml version="1.0" encoding="utf-8"?>
+<p:sld xmlns:a="http://schemas.openxmlformats.org/drawingml/2006/main" xmlns:r="http://schemas.openxmlformats.org/officeDocument/2006/relationships" xmlns:p="http://schemas.openxmlformats.org/presentationml/2006/main" xmlns:p14="http://schemas.microsoft.com/office/powerpoint/2010/main">
+  <p:cSld>
+    <p:spTree>
+      <p:nvGrpSpPr>
+        <p:cNvPr id="1" name=""/>
+        <p:cNvGrpSpPr/>
+        <p:nvPr/>
+      </p:nvGrpSpPr>
+      <p:grpSpPr>
+        <a:xfrm>
+          <a:off x="0" y="0"/>
+          <a:ext cx="0" cy="0"/>
+          <a:chOff x="0" y="0"/>
+          <a:chExt cx="0" cy="0"/>
+        </a:xfrm>
+      </p:grpSpPr>
+      <p:sp>
+        <p:nvSpPr>
+          <p:cNvPr id="1031" name="Rect 0"/>
+          <p:cNvSpPr txBox="1">
+            <a:spLocks/>
+          </p:cNvSpPr>
+          <p:nvPr/>
+        </p:nvSpPr>
+        <p:spPr>
+          <a:xfrm rot="0">
+            <a:off x="4110990" y="327660"/>
+            <a:ext cx="3986530" cy="554990"/>
           </a:xfrm>
           <a:prstGeom prst="rect"/>
           <a:noFill/>
@@ -12738,30 +12966,185 @@
           </a:bodyPr>
           <a:lstStyle/>
           <a:p>
+            <a:pPr marL="0" indent="0" algn="l" latinLnBrk="0">
+              <a:buFontTx/>
+              <a:buNone/>
+            </a:pPr>
+            <a:r>
+              <a:rPr lang="ko-KR" altLang="en-US" sz="3000" b="1">
+                <a:solidFill>
+                  <a:schemeClr val="tx1"/>
+                </a:solidFill>
+                <a:latin typeface="맑은 고딕" charset="0"/>
+                <a:ea typeface="맑은 고딕" charset="0"/>
+              </a:rPr>
+              <a:t>열</a:t>
+            </a:r>
+            <a:r>
+              <a:rPr lang="ko-KR" altLang="en-US" sz="3000" b="1">
+                <a:solidFill>
+                  <a:schemeClr val="tx1"/>
+                </a:solidFill>
+                <a:latin typeface="맑은 고딕" charset="0"/>
+                <a:ea typeface="맑은 고딕" charset="0"/>
+              </a:rPr>
+              <a:t>여덟</a:t>
+            </a:r>
+            <a:r>
+              <a:rPr lang="ko-KR" altLang="en-US" sz="3000" b="1">
+                <a:solidFill>
+                  <a:schemeClr val="tx1"/>
+                </a:solidFill>
+                <a:latin typeface="맑은 고딕" charset="0"/>
+                <a:ea typeface="맑은 고딕" charset="0"/>
+              </a:rPr>
+              <a:t> 번째 튜토리얼</a:t>
+            </a:r>
+            <a:endParaRPr lang="ko-KR" altLang="en-US" sz="3000" b="1">
+              <a:solidFill>
+                <a:schemeClr val="tx1"/>
+              </a:solidFill>
+              <a:latin typeface="맑은 고딕" charset="0"/>
+              <a:ea typeface="맑은 고딕" charset="0"/>
+            </a:endParaRPr>
+          </a:p>
+        </p:txBody>
+      </p:sp>
+      <p:sp>
+        <p:nvSpPr>
+          <p:cNvPr id="1054" name="Rect 0"/>
+          <p:cNvSpPr txBox="1">
+            <a:spLocks/>
+          </p:cNvSpPr>
+          <p:nvPr/>
+        </p:nvSpPr>
+        <p:spPr>
+          <a:xfrm rot="0">
+            <a:off x="6832600" y="3682365"/>
+            <a:ext cx="4241800" cy="2552700"/>
+          </a:xfrm>
+          <a:prstGeom prst="rect"/>
+          <a:noFill/>
+        </p:spPr>
+        <p:txBody>
+          <a:bodyPr wrap="square" lIns="0" tIns="0" rIns="0" bIns="0" numCol="1" vert="horz" anchor="t">
+            <a:noAutofit/>
+          </a:bodyPr>
+          <a:lstStyle/>
+          <a:p>
+            <a:pPr marL="0" indent="0" algn="l" latinLnBrk="0" hangingPunct="1">
+              <a:buFontTx/>
+              <a:buNone/>
+            </a:pPr>
+            <a:r>
+              <a:rPr lang="ko-KR" sz="1800" i="0" b="0">
+                <a:solidFill>
+                  <a:schemeClr val="tx1"/>
+                </a:solidFill>
+                <a:latin typeface="맑은 고딕" charset="0"/>
+                <a:ea typeface="맑은 고딕" charset="0"/>
+              </a:rPr>
+              <a:t>라이트 프로브 그룹이란? </a:t>
+            </a:r>
+            <a:endParaRPr lang="ko-KR" altLang="en-US" sz="1800" i="0" b="0">
+              <a:solidFill>
+                <a:schemeClr val="tx1"/>
+              </a:solidFill>
+              <a:latin typeface="맑은 고딕" charset="0"/>
+              <a:ea typeface="맑은 고딕" charset="0"/>
+            </a:endParaRPr>
+          </a:p>
+          <a:p>
+            <a:pPr marL="0" indent="0" algn="l" latinLnBrk="0" hangingPunct="1">
+              <a:buFontTx/>
+              <a:buNone/>
+            </a:pPr>
+            <a:r>
+              <a:rPr lang="ko-KR" sz="1800" i="0" b="0">
+                <a:solidFill>
+                  <a:schemeClr val="tx1"/>
+                </a:solidFill>
+                <a:latin typeface="맑은 고딕" charset="0"/>
+                <a:ea typeface="맑은 고딕" charset="0"/>
+              </a:rPr>
+              <a:t>게임 내의 동적 오브젝트들이 빛에 대해 발생하는 연산을 줄이기 위해 실시간으로 빛을 처리하지 않고, 사전에 배치한 빛의 정보 값을 저장하여 처리합니다.</a:t>
+            </a:r>
+            <a:endParaRPr lang="ko-KR" altLang="en-US" sz="1800" i="0" b="0">
+              <a:solidFill>
+                <a:schemeClr val="tx1"/>
+              </a:solidFill>
+              <a:latin typeface="맑은 고딕" charset="0"/>
+              <a:ea typeface="맑은 고딕" charset="0"/>
+            </a:endParaRPr>
+          </a:p>
+          <a:p>
+            <a:pPr marL="0" indent="0" algn="l" latinLnBrk="0" hangingPunct="1">
+              <a:buFontTx/>
+              <a:buNone/>
+            </a:pPr>
+            <a:endParaRPr lang="ko-KR" altLang="en-US" sz="1800" i="0" b="0">
+              <a:solidFill>
+                <a:schemeClr val="tx1"/>
+              </a:solidFill>
+              <a:latin typeface="맑은 고딕" charset="0"/>
+              <a:ea typeface="맑은 고딕" charset="0"/>
+            </a:endParaRPr>
+          </a:p>
+          <a:p>
+            <a:pPr marL="0" indent="0" algn="l" latinLnBrk="0" hangingPunct="1">
+              <a:buFontTx/>
+              <a:buNone/>
+            </a:pPr>
+            <a:r>
+              <a:rPr lang="ko-KR" sz="1800" i="0" b="0">
+                <a:solidFill>
+                  <a:schemeClr val="tx1"/>
+                </a:solidFill>
+                <a:latin typeface="맑은 고딕" charset="0"/>
+                <a:ea typeface="맑은 고딕" charset="0"/>
+              </a:rPr>
+              <a:t>그리고 프로브라고 하는 구체에 저장시켜 구현에 필요한 연산만 처리하는 기능입니다.					</a:t>
+            </a:r>
+            <a:endParaRPr lang="ko-KR" altLang="en-US" sz="1800">
+              <a:solidFill>
+                <a:schemeClr val="tx1"/>
+              </a:solidFill>
+              <a:latin typeface="맑은 고딕" charset="0"/>
+              <a:ea typeface="맑은 고딕" charset="0"/>
+            </a:endParaRPr>
+          </a:p>
+        </p:txBody>
+      </p:sp>
+      <p:sp>
+        <p:nvSpPr>
+          <p:cNvPr id="1055" name="텍스트 상자 3"/>
+          <p:cNvSpPr txBox="1">
+            <a:spLocks/>
+          </p:cNvSpPr>
+          <p:nvPr/>
+        </p:nvSpPr>
+        <p:spPr>
+          <a:xfrm rot="0">
+            <a:off x="1227455" y="5584825"/>
+            <a:ext cx="4147185" cy="647065"/>
+          </a:xfrm>
+          <a:prstGeom prst="rect"/>
+          <a:noFill/>
+          <a:ln w="0">
+            <a:noFill/>
+            <a:prstDash/>
+          </a:ln>
+        </p:spPr>
+        <p:txBody>
+          <a:bodyPr wrap="square" lIns="89535" tIns="46355" rIns="89535" bIns="46355" numCol="1" vert="horz" anchor="t">
+            <a:spAutoFit/>
+          </a:bodyPr>
+          <a:lstStyle/>
+          <a:p>
             <a:pPr marL="0" indent="0" rtl="0" algn="l" defTabSz="914400" eaLnBrk="1" latinLnBrk="0" hangingPunct="1">
               <a:buFontTx/>
               <a:buNone/>
             </a:pPr>
-            <a:r>
-              <a:rPr lang="ko-KR" sz="1800" b="1">
-                <a:solidFill>
-                  <a:srgbClr val="0611F2"/>
-                </a:solidFill>
-                <a:latin typeface="맑은 고딕" charset="0"/>
-                <a:ea typeface="맑은 고딕" charset="0"/>
-              </a:rPr>
-              <a:t>4</a:t>
-            </a:r>
-            <a:r>
-              <a:rPr lang="ko-KR" sz="1800" b="1">
-                <a:solidFill>
-                  <a:srgbClr val="0611F2"/>
-                </a:solidFill>
-                <a:latin typeface="맑은 고딕" charset="0"/>
-                <a:ea typeface="맑은 고딕" charset="0"/>
-              </a:rPr>
-              <a:t>4</a:t>
-            </a:r>
             <a:r>
               <a:rPr sz="1800" b="1">
                 <a:solidFill>
@@ -12770,7 +13153,7 @@
                 <a:latin typeface="맑은 고딕" charset="0"/>
                 <a:ea typeface="맑은 고딕" charset="0"/>
               </a:rPr>
-              <a:t>.</a:t>
+              <a:t>45.</a:t>
             </a:r>
             <a:r>
               <a:rPr sz="1800">
@@ -12784,7 +13167,7 @@
                 <a:latin typeface="맑은 고딕" charset="0"/>
                 <a:ea typeface="맑은 고딕" charset="0"/>
               </a:rPr>
-              <a:t>이제 Select All을 선택하고 Duplicate Selected를 선택한 다음 Selected Probe Position의 X와 Y 그리고 Z축의 값을 설정합니다.</a:t>
+              <a:t>이제 Light Probe Visualization에서 Generate Lighting을 선택합니다.</a:t>
             </a:r>
             <a:endParaRPr lang="ko-KR" altLang="en-US" sz="1800">
               <a:latin typeface="맑은 고딕" charset="0"/>
@@ -12793,6 +13176,66 @@
           </a:p>
         </p:txBody>
       </p:sp>
+      <p:pic>
+        <p:nvPicPr>
+          <p:cNvPr id="1056" name="그림 4"/>
+          <p:cNvPicPr>
+            <a:picLocks noChangeAspect="1"/>
+          </p:cNvPicPr>
+          <p:nvPr/>
+        </p:nvPicPr>
+        <p:blipFill rotWithShape="1">
+          <a:blip r:embed="rId2" cstate="hqprint">
+            <a:extLst>
+              <a:ext uri="{28A0092B-C50C-407E-A947-70E740481C1C}">
+                <a14:useLocalDpi xmlns:a14="http://schemas.microsoft.com/office/drawing/2010/main"/>
+              </a:ext>
+            </a:extLst>
+          </a:blip>
+          <a:stretch>
+            <a:fillRect/>
+          </a:stretch>
+        </p:blipFill>
+        <p:spPr>
+          <a:xfrm rot="0">
+            <a:off x="1228090" y="1271270"/>
+            <a:ext cx="4133850" cy="4174490"/>
+          </a:xfrm>
+          <a:prstGeom prst="rect"/>
+          <a:noFill/>
+        </p:spPr>
+      </p:pic>
+      <p:pic>
+        <p:nvPicPr>
+          <p:cNvPr id="1058" name="그림 10" descr="C:/Users/Admin1/AppData/Roaming/PolarisOffice/ETemp/21928_10791808/fImage24803535741.png"/>
+          <p:cNvPicPr>
+            <a:picLocks noChangeAspect="1"/>
+          </p:cNvPicPr>
+          <p:nvPr/>
+        </p:nvPicPr>
+        <p:blipFill rotWithShape="1">
+          <a:blip r:embed="rId3" cstate="hqprint">
+            <a:extLst>
+              <a:ext uri="{28A0092B-C50C-407E-A947-70E740481C1C}">
+                <a14:useLocalDpi xmlns:a14="http://schemas.microsoft.com/office/drawing/2010/main"/>
+              </a:ext>
+            </a:extLst>
+          </a:blip>
+          <a:stretch>
+            <a:fillRect/>
+          </a:stretch>
+        </p:blipFill>
+        <p:spPr>
+          <a:xfrm rot="0">
+            <a:off x="6824980" y="1271905"/>
+            <a:ext cx="4248785" cy="2178685"/>
+          </a:xfrm>
+          <a:prstGeom prst="roundRect"/>
+          <a:solidFill>
+            <a:srgbClr val="EDEDED"/>
+          </a:solidFill>
+        </p:spPr>
+      </p:pic>
     </p:spTree>
   </p:cSld>
   <p:clrMapOvr>

--- a/Assets/Class/Light/PPT Data/Light Example.pptx
+++ b/Assets/Class/Light/PPT Data/Light Example.pptx
@@ -2,23 +2,23 @@
 <file path=ppt/presentation.xml><?xml version="1.0" encoding="utf-8"?>
 <p:presentation xmlns:a="http://schemas.openxmlformats.org/drawingml/2006/main" xmlns:r="http://schemas.openxmlformats.org/officeDocument/2006/relationships" xmlns:p="http://schemas.openxmlformats.org/presentationml/2006/main" xmlns:p14="http://schemas.microsoft.com/office/powerpoint/2010/main" saveSubsetFonts="1" firstSlideNum="0">
   <p:sldMasterIdLst>
-    <p:sldMasterId id="2147485977" r:id="rId12"/>
+    <p:sldMasterId id="2147485987" r:id="rId12"/>
   </p:sldMasterIdLst>
   <p:notesMasterIdLst>
     <p:notesMasterId r:id="rId14"/>
   </p:notesMasterIdLst>
   <p:sldIdLst>
     <p:sldId id="287" r:id="rId16"/>
-    <p:sldId id="315" r:id="rId18"/>
-    <p:sldId id="316" r:id="rId20"/>
-    <p:sldId id="317" r:id="rId21"/>
+    <p:sldId id="315" r:id="rId17"/>
+    <p:sldId id="316" r:id="rId19"/>
+    <p:sldId id="317" r:id="rId20"/>
     <p:sldId id="294" r:id="rId22"/>
     <p:sldId id="299" r:id="rId23"/>
-    <p:sldId id="307" r:id="rId25"/>
-    <p:sldId id="308" r:id="rId27"/>
-    <p:sldId id="310" r:id="rId29"/>
-    <p:sldId id="311" r:id="rId31"/>
-    <p:sldId id="313" r:id="rId33"/>
+    <p:sldId id="318" r:id="rId24"/>
+    <p:sldId id="310" r:id="rId25"/>
+    <p:sldId id="308" r:id="rId26"/>
+    <p:sldId id="311" r:id="rId27"/>
+    <p:sldId id="313" r:id="rId29"/>
   </p:sldIdLst>
   <p:sldSz cx="12192000" cy="6858000"/>
   <p:notesSz cx="6858000" cy="9144000"/>
@@ -1643,7 +1643,7 @@
         <p:spPr>
           <a:xfrm rot="0">
             <a:off x="685800" y="1143000"/>
-            <a:ext cx="5492750" cy="3092450"/>
+            <a:ext cx="5491480" cy="3091180"/>
           </a:xfrm>
           <a:prstGeom prst="rect"/>
           <a:noFill/>
@@ -1682,7 +1682,7 @@
         <p:spPr>
           <a:xfrm rot="0">
             <a:off x="685800" y="4400550"/>
-            <a:ext cx="5492750" cy="3606800"/>
+            <a:ext cx="5491480" cy="3605530"/>
           </a:xfrm>
           <a:prstGeom prst="rect"/>
         </p:spPr>
@@ -1712,7 +1712,7 @@
         <p:spPr>
           <a:xfrm rot="0">
             <a:off x="3884930" y="8685530"/>
-            <a:ext cx="2978150" cy="464820"/>
+            <a:ext cx="2976880" cy="463550"/>
           </a:xfrm>
           <a:prstGeom prst="rect"/>
         </p:spPr>
@@ -1785,7 +1785,7 @@
         <p:spPr>
           <a:xfrm rot="0">
             <a:off x="685800" y="1143000"/>
-            <a:ext cx="5492750" cy="3092450"/>
+            <a:ext cx="5493385" cy="3093085"/>
           </a:xfrm>
           <a:prstGeom prst="rect"/>
           <a:noFill/>
@@ -1824,7 +1824,7 @@
         <p:spPr>
           <a:xfrm rot="0">
             <a:off x="685800" y="4400550"/>
-            <a:ext cx="5492750" cy="3606800"/>
+            <a:ext cx="5493385" cy="3607435"/>
           </a:xfrm>
           <a:prstGeom prst="rect"/>
         </p:spPr>
@@ -1854,7 +1854,7 @@
         <p:spPr>
           <a:xfrm rot="0">
             <a:off x="3884930" y="8685530"/>
-            <a:ext cx="2978150" cy="464820"/>
+            <a:ext cx="2978785" cy="465455"/>
           </a:xfrm>
           <a:prstGeom prst="rect"/>
         </p:spPr>
@@ -1927,7 +1927,7 @@
         <p:spPr>
           <a:xfrm rot="0">
             <a:off x="685800" y="1143000"/>
-            <a:ext cx="5493385" cy="3093085"/>
+            <a:ext cx="5492750" cy="3092450"/>
           </a:xfrm>
           <a:prstGeom prst="rect"/>
           <a:noFill/>
@@ -1966,7 +1966,7 @@
         <p:spPr>
           <a:xfrm rot="0">
             <a:off x="685800" y="4400550"/>
-            <a:ext cx="5493385" cy="3607435"/>
+            <a:ext cx="5492750" cy="3606800"/>
           </a:xfrm>
           <a:prstGeom prst="rect"/>
         </p:spPr>
@@ -1996,7 +1996,7 @@
         <p:spPr>
           <a:xfrm rot="0">
             <a:off x="3884930" y="8685530"/>
-            <a:ext cx="2978785" cy="465455"/>
+            <a:ext cx="2978150" cy="464820"/>
           </a:xfrm>
           <a:prstGeom prst="rect"/>
         </p:spPr>
@@ -7208,7 +7208,7 @@
       </p:sp>
       <p:pic>
         <p:nvPicPr>
-          <p:cNvPr id="1138" name="그림 1" descr="C:/Users/Admin1/AppData/Roaming/PolarisOffice/ETemp/2796_7928192/fImage159531766827.png"/>
+          <p:cNvPr id="1138" name="그림 1"/>
           <p:cNvPicPr>
             <a:picLocks noChangeAspect="1"/>
           </p:cNvPicPr>
@@ -7239,7 +7239,7 @@
       </p:pic>
       <p:pic>
         <p:nvPicPr>
-          <p:cNvPr id="1139" name="그림 5" descr="C:/Users/Admin1/AppData/Roaming/PolarisOffice/ETemp/2796_7928192/fImage441636241.png"/>
+          <p:cNvPr id="1139" name="그림 5"/>
           <p:cNvPicPr>
             <a:picLocks noChangeAspect="1"/>
           </p:cNvPicPr>
@@ -7270,7 +7270,7 @@
       </p:pic>
       <p:pic>
         <p:nvPicPr>
-          <p:cNvPr id="1140" name="그림 13" descr="C:/Users/Admin1/AppData/Roaming/PolarisOffice/ETemp/2796_7928192/fImage130273758467.png"/>
+          <p:cNvPr id="1140" name="그림 13"/>
           <p:cNvPicPr>
             <a:picLocks noChangeAspect="1"/>
           </p:cNvPicPr>
@@ -7301,17 +7301,17 @@
       </p:pic>
       <p:pic>
         <p:nvPicPr>
-          <p:cNvPr id="1141" name="그림 16" descr="C:/Users/Admin1/AppData/Roaming/PolarisOffice/ETemp/2796_7928192/fImage127673766334.png"/>
+          <p:cNvPr id="1141" name="그림 16" descr="C:/Users/Admin1/AppData/Roaming/PolarisOffice/ETemp/10232_14344976/fImage127673766334.png"/>
           <p:cNvPicPr>
             <a:picLocks noChangeAspect="1"/>
           </p:cNvPicPr>
           <p:nvPr/>
         </p:nvPicPr>
         <p:blipFill rotWithShape="1">
-          <a:blip r:embed="rId30" cstate="print">
+          <a:blip r:embed="rId30" cstate="hqprint">
             <a:extLst>
               <a:ext uri="{28A0092B-C50C-407E-A947-70E740481C1C}">
-                <a14:useLocalDpi xmlns:a14="http://schemas.microsoft.com/office/drawing/2010/main" val="0"/>
+                <a14:useLocalDpi xmlns:a14="http://schemas.microsoft.com/office/drawing/2010/main"/>
               </a:ext>
             </a:extLst>
           </a:blip>
@@ -7322,7 +7322,7 @@
         <p:spPr>
           <a:xfrm rot="0">
             <a:off x="6824980" y="3830320"/>
-            <a:ext cx="4140835" cy="1416050"/>
+            <a:ext cx="4141470" cy="1519555"/>
           </a:xfrm>
           <a:prstGeom prst="roundRect"/>
           <a:solidFill>
@@ -8829,8 +8829,8 @@
         </p:nvSpPr>
         <p:spPr>
           <a:xfrm rot="0">
-            <a:off x="1240790" y="2668270"/>
-            <a:ext cx="4135755" cy="1231900"/>
+            <a:off x="1240790" y="2651125"/>
+            <a:ext cx="4136390" cy="1232535"/>
           </a:xfrm>
           <a:prstGeom prst="rect"/>
           <a:noFill/>
@@ -9095,7 +9095,7 @@
       </p:sp>
       <p:pic>
         <p:nvPicPr>
-          <p:cNvPr id="1150" name="그림 34" descr="C:/Users/Admin1/AppData/Roaming/PolarisOffice/ETemp/8668_11011536/fImage158423979358.png"/>
+          <p:cNvPr id="1150" name="그림 34" descr="C:/Users/Admin1/AppData/Roaming/PolarisOffice/ETemp/10232_14344976/fImage158423979358.png"/>
           <p:cNvPicPr>
             <a:picLocks noChangeAspect="1"/>
           </p:cNvPicPr>
@@ -9116,7 +9116,7 @@
         <p:spPr>
           <a:xfrm rot="0">
             <a:off x="1240790" y="4030980"/>
-            <a:ext cx="4135755" cy="1310640"/>
+            <a:ext cx="4136390" cy="1327150"/>
           </a:xfrm>
           <a:prstGeom prst="roundRect"/>
           <a:solidFill>
@@ -9126,7 +9126,7 @@
       </p:pic>
       <p:pic>
         <p:nvPicPr>
-          <p:cNvPr id="1151" name="그림 40" descr="C:/Users/Admin1/AppData/Roaming/PolarisOffice/ETemp/8668_11011536/fImage232114126962.png"/>
+          <p:cNvPr id="1151" name="그림 40"/>
           <p:cNvPicPr>
             <a:picLocks noChangeAspect="1"/>
           </p:cNvPicPr>
@@ -9262,7 +9262,14 @@
                 <a:latin typeface="맑은 고딕" charset="0"/>
                 <a:ea typeface="맑은 고딕" charset="0"/>
               </a:rPr>
-              <a:t>하위 오브젝트로 Light에 </a:t>
+              <a:t>하위</a:t>
+            </a:r>
+            <a:r>
+              <a:rPr lang="ko-KR" sz="1800">
+                <a:latin typeface="맑은 고딕" charset="0"/>
+                <a:ea typeface="맑은 고딕" charset="0"/>
+              </a:rPr>
+              <a:t> 오브젝트로 Light에 </a:t>
             </a:r>
             <a:r>
               <a:rPr lang="ko-KR" sz="1800">
@@ -9276,7 +9283,14 @@
                 <a:latin typeface="맑은 고딕" charset="0"/>
                 <a:ea typeface="맑은 고딕" charset="0"/>
               </a:rPr>
-              <a:t> Light를 생성합니다.</a:t>
+              <a:t> Light를 </a:t>
+            </a:r>
+            <a:r>
+              <a:rPr lang="ko-KR" sz="1800">
+                <a:latin typeface="맑은 고딕" charset="0"/>
+                <a:ea typeface="맑은 고딕" charset="0"/>
+              </a:rPr>
+              <a:t>생성합니다.</a:t>
             </a:r>
             <a:endParaRPr lang="ko-KR" altLang="en-US" sz="1800">
               <a:latin typeface="맑은 고딕" charset="0"/>
@@ -9287,7 +9301,7 @@
       </p:sp>
       <p:pic>
         <p:nvPicPr>
-          <p:cNvPr id="1154" name="그림 8" descr="C:/Users/Admin1/AppData/Roaming/PolarisOffice/ETemp/8668_11011536/fImage22421721541.png"/>
+          <p:cNvPr id="1154" name="그림 8"/>
           <p:cNvPicPr>
             <a:picLocks noChangeAspect="1"/>
           </p:cNvPicPr>
@@ -10156,7 +10170,7 @@
         <p:spPr>
           <a:xfrm rot="0">
             <a:off x="1238885" y="5273675"/>
-            <a:ext cx="4137025" cy="954405"/>
+            <a:ext cx="4154170" cy="954405"/>
           </a:xfrm>
           <a:prstGeom prst="rect"/>
           <a:noFill/>
@@ -10183,7 +10197,7 @@
                 <a:latin typeface="맑은 고딕" charset="0"/>
                 <a:ea typeface="맑은 고딕" charset="0"/>
               </a:rPr>
-              <a:t>1</a:t>
+              <a:t>12.</a:t>
             </a:r>
             <a:r>
               <a:rPr lang="ko-KR" sz="2000" b="1">
@@ -10193,26 +10207,6 @@
                 <a:latin typeface="맑은 고딕" charset="0"/>
                 <a:ea typeface="맑은 고딕" charset="0"/>
               </a:rPr>
-              <a:t>2</a:t>
-            </a:r>
-            <a:r>
-              <a:rPr lang="ko-KR" sz="2000" b="1">
-                <a:solidFill>
-                  <a:srgbClr val="0611F2"/>
-                </a:solidFill>
-                <a:latin typeface="맑은 고딕" charset="0"/>
-                <a:ea typeface="맑은 고딕" charset="0"/>
-              </a:rPr>
-              <a:t>.</a:t>
-            </a:r>
-            <a:r>
-              <a:rPr lang="ko-KR" sz="2000" b="1">
-                <a:solidFill>
-                  <a:srgbClr val="0611F2"/>
-                </a:solidFill>
-                <a:latin typeface="맑은 고딕" charset="0"/>
-                <a:ea typeface="맑은 고딕" charset="0"/>
-              </a:rPr>
               <a:t> </a:t>
             </a:r>
             <a:r>
@@ -10248,56 +10242,21 @@
                 <a:latin typeface="맑은 고딕" charset="0"/>
                 <a:ea typeface="맑은 고딕" charset="0"/>
               </a:rPr>
-              <a:t> </a:t>
-            </a:r>
-            <a:r>
-              <a:rPr lang="ko-KR" sz="1800">
-                <a:latin typeface="맑은 고딕" charset="0"/>
-                <a:ea typeface="맑은 고딕" charset="0"/>
-              </a:rPr>
-              <a:t>오브젝트로</a:t>
-            </a:r>
-            <a:r>
-              <a:rPr lang="ko-KR" sz="1800">
-                <a:latin typeface="맑은 고딕" charset="0"/>
-                <a:ea typeface="맑은 고딕" charset="0"/>
-              </a:rPr>
-              <a:t> Light에 </a:t>
-            </a:r>
-            <a:r>
-              <a:rPr lang="ko-KR" sz="1800">
-                <a:latin typeface="맑은 고딕" charset="0"/>
-                <a:ea typeface="맑은 고딕" charset="0"/>
-              </a:rPr>
-              <a:t>P</a:t>
-            </a:r>
-            <a:r>
-              <a:rPr lang="ko-KR" sz="1800">
-                <a:latin typeface="맑은 고딕" charset="0"/>
-                <a:ea typeface="맑은 고딕" charset="0"/>
-              </a:rPr>
-              <a:t>oint</a:t>
-            </a:r>
-            <a:r>
-              <a:rPr lang="ko-KR" sz="1800">
-                <a:latin typeface="맑은 고딕" charset="0"/>
-                <a:ea typeface="맑은 고딕" charset="0"/>
-              </a:rPr>
-              <a:t> </a:t>
-            </a:r>
-            <a:r>
-              <a:rPr lang="ko-KR" sz="1800">
-                <a:latin typeface="맑은 고딕" charset="0"/>
-                <a:ea typeface="맑은 고딕" charset="0"/>
-              </a:rPr>
-              <a:t>Light를</a:t>
-            </a:r>
-            <a:r>
-              <a:rPr lang="ko-KR" sz="1800">
-                <a:latin typeface="맑은 고딕" charset="0"/>
-                <a:ea typeface="맑은 고딕" charset="0"/>
-              </a:rPr>
-              <a:t> </a:t>
+              <a:t> 오브젝트로 Light에 </a:t>
+            </a:r>
+            <a:r>
+              <a:rPr lang="ko-KR" sz="1800">
+                <a:latin typeface="맑은 고딕" charset="0"/>
+                <a:ea typeface="맑은 고딕" charset="0"/>
+              </a:rPr>
+              <a:t>Point</a:t>
+            </a:r>
+            <a:r>
+              <a:rPr lang="ko-KR" sz="1800">
+                <a:latin typeface="맑은 고딕" charset="0"/>
+                <a:ea typeface="맑은 고딕" charset="0"/>
+              </a:rPr>
+              <a:t> Light를 </a:t>
             </a:r>
             <a:r>
               <a:rPr lang="ko-KR" sz="1800">
@@ -10315,7 +10274,7 @@
       </p:sp>
       <p:pic>
         <p:nvPicPr>
-          <p:cNvPr id="1136" name="그림 15" descr="C:/Users/Admin1/AppData/Roaming/PolarisOffice/ETemp/8668_11011536/fImage115991459169.png"/>
+          <p:cNvPr id="1136" name="그림 15"/>
           <p:cNvPicPr>
             <a:picLocks noChangeAspect="1"/>
           </p:cNvPicPr>
@@ -10346,7 +10305,7 @@
       </p:pic>
       <p:pic>
         <p:nvPicPr>
-          <p:cNvPr id="1141" name="그림 14" descr="C:/Users/Admin1/AppData/Roaming/PolarisOffice/ETemp/8668_11011536/fImage83402199169.png"/>
+          <p:cNvPr id="1141" name="그림 14"/>
           <p:cNvPicPr>
             <a:picLocks noChangeAspect="1"/>
           </p:cNvPicPr>
@@ -10377,7 +10336,7 @@
       </p:pic>
       <p:pic>
         <p:nvPicPr>
-          <p:cNvPr id="1142" name="그림 17" descr="C:/Users/Admin1/AppData/Roaming/PolarisOffice/ETemp/8668_11011536/fImage2437361564464.png"/>
+          <p:cNvPr id="1142" name="그림 17"/>
           <p:cNvPicPr>
             <a:picLocks noChangeAspect="1"/>
           </p:cNvPicPr>
@@ -10506,7 +10465,7 @@
       </p:sp>
       <p:pic>
         <p:nvPicPr>
-          <p:cNvPr id="1144" name="그림 19" descr="C:/Users/Admin1/AppData/Roaming/PolarisOffice/ETemp/8668_11011536/fImage125702225724.png"/>
+          <p:cNvPr id="1144" name="그림 19"/>
           <p:cNvPicPr>
             <a:picLocks noChangeAspect="1"/>
           </p:cNvPicPr>
@@ -10697,8 +10656,8 @@
         </p:nvSpPr>
         <p:spPr>
           <a:xfrm rot="0">
-            <a:off x="4500245" y="327660"/>
-            <a:ext cx="3190240" cy="554990"/>
+            <a:off x="4427855" y="318770"/>
+            <a:ext cx="3323590" cy="478155"/>
           </a:xfrm>
           <a:prstGeom prst="rect"/>
           <a:noFill/>
@@ -10713,34 +10672,148 @@
           </a:bodyPr>
           <a:lstStyle/>
           <a:p>
-            <a:pPr marL="0" indent="0" algn="l" latinLnBrk="0">
-              <a:buFontTx/>
-              <a:buNone/>
-            </a:pPr>
-            <a:r>
-              <a:rPr lang="ko-KR" altLang="en-US" sz="3000" b="1">
+            <a:pPr marL="0" indent="0" algn="ctr" latinLnBrk="0">
+              <a:buFontTx/>
+              <a:buNone/>
+            </a:pPr>
+            <a:r>
+              <a:rPr lang="ko-KR" altLang="en-US" sz="2500" b="1">
                 <a:solidFill>
                   <a:schemeClr val="tx1"/>
                 </a:solidFill>
-                <a:latin typeface="맑은 고딕" charset="0"/>
-                <a:ea typeface="맑은 고딕" charset="0"/>
-              </a:rPr>
-              <a:t>네</a:t>
-            </a:r>
-            <a:r>
-              <a:rPr lang="ko-KR" altLang="en-US" sz="3000" b="1">
+                <a:latin typeface="나눔바른고딕" charset="0"/>
+                <a:ea typeface="나눔바른고딕" charset="0"/>
+              </a:rPr>
+              <a:t>여섯</a:t>
+            </a:r>
+            <a:r>
+              <a:rPr lang="ko-KR" altLang="en-US" sz="2500" b="1">
                 <a:solidFill>
                   <a:schemeClr val="tx1"/>
                 </a:solidFill>
-                <a:latin typeface="맑은 고딕" charset="0"/>
-                <a:ea typeface="맑은 고딕" charset="0"/>
-              </a:rPr>
-              <a:t> 번째 튜토리얼</a:t>
-            </a:r>
-            <a:endParaRPr lang="ko-KR" altLang="en-US" sz="3000" b="1">
+                <a:latin typeface="나눔바른고딕" charset="0"/>
+                <a:ea typeface="나눔바른고딕" charset="0"/>
+              </a:rPr>
+              <a:t> </a:t>
+            </a:r>
+            <a:r>
+              <a:rPr lang="ko-KR" altLang="en-US" sz="2500" b="1">
+                <a:solidFill>
+                  <a:schemeClr val="tx1"/>
+                </a:solidFill>
+                <a:latin typeface="나눔바른고딕" charset="0"/>
+                <a:ea typeface="나눔바른고딕" charset="0"/>
+              </a:rPr>
+              <a:t>번째 튜토리</a:t>
+            </a:r>
+            <a:r>
+              <a:rPr lang="ko-KR" altLang="en-US" sz="2500" b="1">
+                <a:solidFill>
+                  <a:schemeClr val="tx1"/>
+                </a:solidFill>
+                <a:latin typeface="나눔바른고딕" charset="0"/>
+                <a:ea typeface="나눔바른고딕" charset="0"/>
+              </a:rPr>
+              <a:t>얼</a:t>
+            </a:r>
+            <a:endParaRPr lang="ko-KR" altLang="en-US" sz="2500" b="1">
               <a:solidFill>
                 <a:schemeClr val="tx1"/>
               </a:solidFill>
+              <a:latin typeface="나눔바른고딕" charset="0"/>
+              <a:ea typeface="나눔바른고딕" charset="0"/>
+            </a:endParaRPr>
+          </a:p>
+        </p:txBody>
+      </p:sp>
+      <p:sp>
+        <p:nvSpPr>
+          <p:cNvPr id="1158" name="텍스트 상자 66"/>
+          <p:cNvSpPr txBox="1">
+            <a:spLocks/>
+          </p:cNvSpPr>
+          <p:nvPr/>
+        </p:nvSpPr>
+        <p:spPr>
+          <a:xfrm rot="0">
+            <a:off x="1231265" y="5481955"/>
+            <a:ext cx="4144645" cy="704215"/>
+          </a:xfrm>
+          <a:prstGeom prst="rect"/>
+          <a:noFill/>
+        </p:spPr>
+        <p:txBody>
+          <a:bodyPr wrap="square" lIns="0" tIns="0" rIns="0" bIns="0" numCol="1" vert="horz" anchor="t">
+            <a:noAutofit/>
+          </a:bodyPr>
+          <a:lstStyle/>
+          <a:p>
+            <a:pPr marL="0" indent="0" algn="l" latinLnBrk="0" hangingPunct="1">
+              <a:buFontTx/>
+              <a:buNone/>
+            </a:pPr>
+            <a:r>
+              <a:rPr lang="ko-KR" sz="2000" b="1">
+                <a:solidFill>
+                  <a:srgbClr val="0611F2"/>
+                </a:solidFill>
+                <a:latin typeface="맑은 고딕" charset="0"/>
+                <a:ea typeface="맑은 고딕" charset="0"/>
+              </a:rPr>
+              <a:t>1</a:t>
+            </a:r>
+            <a:r>
+              <a:rPr lang="ko-KR" sz="2000" b="1">
+                <a:solidFill>
+                  <a:srgbClr val="0611F2"/>
+                </a:solidFill>
+                <a:latin typeface="맑은 고딕" charset="0"/>
+                <a:ea typeface="맑은 고딕" charset="0"/>
+              </a:rPr>
+              <a:t>5</a:t>
+            </a:r>
+            <a:r>
+              <a:rPr lang="ko-KR" sz="2000" b="1">
+                <a:solidFill>
+                  <a:srgbClr val="0611F2"/>
+                </a:solidFill>
+                <a:latin typeface="맑은 고딕" charset="0"/>
+                <a:ea typeface="맑은 고딕" charset="0"/>
+              </a:rPr>
+              <a:t>.</a:t>
+            </a:r>
+            <a:r>
+              <a:rPr lang="ko-KR" sz="2000" b="1">
+                <a:solidFill>
+                  <a:srgbClr val="0611F2"/>
+                </a:solidFill>
+                <a:latin typeface="맑은 고딕" charset="0"/>
+                <a:ea typeface="맑은 고딕" charset="0"/>
+              </a:rPr>
+              <a:t> </a:t>
+            </a:r>
+            <a:r>
+              <a:rPr lang="ko-KR" sz="1800">
+                <a:latin typeface="맑은 고딕" charset="0"/>
+                <a:ea typeface="맑은 고딕" charset="0"/>
+              </a:rPr>
+              <a:t>그다음 Area Light 오브젝트의 </a:t>
+            </a:r>
+            <a:r>
+              <a:rPr lang="ko-KR" sz="1800">
+                <a:latin typeface="맑은 고딕" charset="0"/>
+                <a:ea typeface="맑은 고딕" charset="0"/>
+              </a:rPr>
+              <a:t>위치와</a:t>
+            </a:r>
+            <a:r>
+              <a:rPr lang="ko-KR" sz="1800">
+                <a:latin typeface="맑은 고딕" charset="0"/>
+                <a:ea typeface="맑은 고딕" charset="0"/>
+              </a:rPr>
+              <a:t> 회전 값을 설정합니다.</a:t>
+            </a:r>
+            <a:endParaRPr lang="ko-KR" altLang="en-US" sz="1800">
               <a:latin typeface="맑은 고딕" charset="0"/>
               <a:ea typeface="맑은 고딕" charset="0"/>
             </a:endParaRPr>
@@ -10749,14 +10822,14 @@
       </p:sp>
       <p:pic>
         <p:nvPicPr>
-          <p:cNvPr id="1153" name="그림 57"/>
+          <p:cNvPr id="1161" name="그림 1" descr="C:/Users/Admin1/AppData/Roaming/PolarisOffice/ETemp/10232_14344976/fImage827216841.png"/>
           <p:cNvPicPr>
             <a:picLocks noChangeAspect="1"/>
           </p:cNvPicPr>
           <p:nvPr/>
         </p:nvPicPr>
         <p:blipFill rotWithShape="1">
-          <a:blip r:embed="rId9" cstate="print">
+          <a:blip r:embed="rId13" cstate="print">
             <a:extLst>
               <a:ext uri="{28A0092B-C50C-407E-A947-70E740481C1C}">
                 <a14:useLocalDpi xmlns:a14="http://schemas.microsoft.com/office/drawing/2010/main" val="0"/>
@@ -10769,8 +10842,8 @@
         </p:blipFill>
         <p:spPr>
           <a:xfrm rot="0">
-            <a:off x="2751455" y="1204595"/>
-            <a:ext cx="2619375" cy="1106805"/>
+            <a:off x="1231265" y="1455420"/>
+            <a:ext cx="1397000" cy="1103630"/>
           </a:xfrm>
           <a:prstGeom prst="roundRect"/>
           <a:solidFill>
@@ -10780,14 +10853,190 @@
       </p:pic>
       <p:pic>
         <p:nvPicPr>
-          <p:cNvPr id="1154" name="그림 60"/>
+          <p:cNvPr id="1162" name="그림 4" descr="C:/Users/Admin1/AppData/Roaming/PolarisOffice/ETemp/10232_14344976/fImage92243935724.png"/>
           <p:cNvPicPr>
             <a:picLocks noChangeAspect="1"/>
           </p:cNvPicPr>
           <p:nvPr/>
         </p:nvPicPr>
         <p:blipFill rotWithShape="1">
-          <a:blip r:embed="rId10" cstate="print">
+          <a:blip r:embed="rId14" cstate="hqprint">
+            <a:extLst>
+              <a:ext uri="{28A0092B-C50C-407E-A947-70E740481C1C}">
+                <a14:useLocalDpi xmlns:a14="http://schemas.microsoft.com/office/drawing/2010/main"/>
+              </a:ext>
+            </a:extLst>
+          </a:blip>
+          <a:stretch>
+            <a:fillRect/>
+          </a:stretch>
+        </p:blipFill>
+        <p:spPr>
+          <a:xfrm rot="0">
+            <a:off x="2739390" y="1463040"/>
+            <a:ext cx="2627630" cy="1096645"/>
+          </a:xfrm>
+          <a:prstGeom prst="roundRect"/>
+          <a:solidFill>
+            <a:srgbClr val="EDEDED"/>
+          </a:solidFill>
+        </p:spPr>
+      </p:pic>
+      <p:pic>
+        <p:nvPicPr>
+          <p:cNvPr id="1163" name="그림 5" descr="C:/Users/Admin1/AppData/Roaming/PolarisOffice/ETemp/10232_14344976/fImage22421721541.png"/>
+          <p:cNvPicPr>
+            <a:picLocks noChangeAspect="1"/>
+          </p:cNvPicPr>
+          <p:nvPr/>
+        </p:nvPicPr>
+        <p:blipFill rotWithShape="1">
+          <a:blip r:embed="rId15" cstate="hqprint">
+            <a:extLst>
+              <a:ext uri="{28A0092B-C50C-407E-A947-70E740481C1C}">
+                <a14:useLocalDpi xmlns:a14="http://schemas.microsoft.com/office/drawing/2010/main"/>
+              </a:ext>
+            </a:extLst>
+          </a:blip>
+          <a:stretch>
+            <a:fillRect/>
+          </a:stretch>
+        </p:blipFill>
+        <p:spPr>
+          <a:xfrm rot="10800000">
+            <a:off x="2316480" y="1835150"/>
+            <a:ext cx="625475" cy="351790"/>
+          </a:xfrm>
+          <a:prstGeom prst="rect"/>
+          <a:noFill/>
+        </p:spPr>
+      </p:pic>
+      <p:sp>
+        <p:nvSpPr>
+          <p:cNvPr id="1164" name="텍스트 상자 6"/>
+          <p:cNvSpPr txBox="1">
+            <a:spLocks/>
+          </p:cNvSpPr>
+          <p:nvPr/>
+        </p:nvSpPr>
+        <p:spPr>
+          <a:xfrm rot="0">
+            <a:off x="1234440" y="2673985"/>
+            <a:ext cx="4132580" cy="1138555"/>
+          </a:xfrm>
+          <a:prstGeom prst="rect"/>
+          <a:noFill/>
+        </p:spPr>
+        <p:txBody>
+          <a:bodyPr wrap="square" lIns="0" tIns="0" rIns="0" bIns="0" vert="horz" anchor="t">
+            <a:noAutofit/>
+          </a:bodyPr>
+          <a:lstStyle/>
+          <a:p>
+            <a:pPr marL="0" indent="0" algn="l" latinLnBrk="0" hangingPunct="1">
+              <a:buFontTx/>
+              <a:buNone/>
+            </a:pPr>
+            <a:r>
+              <a:rPr lang="ko-KR" sz="2000" b="1">
+                <a:solidFill>
+                  <a:srgbClr val="0611F2"/>
+                </a:solidFill>
+                <a:latin typeface="맑은 고딕" charset="0"/>
+                <a:ea typeface="맑은 고딕" charset="0"/>
+              </a:rPr>
+              <a:t>14.</a:t>
+            </a:r>
+            <a:r>
+              <a:rPr lang="ko-KR" sz="2000" b="1">
+                <a:solidFill>
+                  <a:srgbClr val="0611F2"/>
+                </a:solidFill>
+                <a:latin typeface="맑은 고딕" charset="0"/>
+                <a:ea typeface="맑은 고딕" charset="0"/>
+              </a:rPr>
+              <a:t> </a:t>
+            </a:r>
+            <a:r>
+              <a:rPr lang="ko-KR" sz="1800">
+                <a:latin typeface="맑은 고딕" charset="0"/>
+                <a:ea typeface="맑은 고딕" charset="0"/>
+              </a:rPr>
+              <a:t>그런 다음 Project 폴더에 있는 </a:t>
+            </a:r>
+            <a:r>
+              <a:rPr lang="ko-KR" sz="1800">
+                <a:latin typeface="맑은 고딕" charset="0"/>
+                <a:ea typeface="맑은 고딕" charset="0"/>
+              </a:rPr>
+              <a:t>Model</a:t>
+            </a:r>
+            <a:r>
+              <a:rPr lang="ko-KR" sz="1800">
+                <a:latin typeface="맑은 고딕" charset="0"/>
+                <a:ea typeface="맑은 고딕" charset="0"/>
+              </a:rPr>
+              <a:t> 폴더에 Street Lamp를 월드 </a:t>
+            </a:r>
+            <a:r>
+              <a:rPr lang="ko-KR" sz="1800">
+                <a:latin typeface="맑은 고딕" charset="0"/>
+                <a:ea typeface="맑은 고딕" charset="0"/>
+              </a:rPr>
+              <a:t>공간에</a:t>
+            </a:r>
+            <a:r>
+              <a:rPr lang="ko-KR" sz="1800">
+                <a:latin typeface="맑은 고딕" charset="0"/>
+                <a:ea typeface="맑은 고딕" charset="0"/>
+              </a:rPr>
+              <a:t> 배치하고 Area Street </a:t>
+            </a:r>
+            <a:r>
+              <a:rPr lang="ko-KR" sz="1800">
+                <a:latin typeface="맑은 고딕" charset="0"/>
+                <a:ea typeface="맑은 고딕" charset="0"/>
+              </a:rPr>
+              <a:t>Lamp라는</a:t>
+            </a:r>
+            <a:r>
+              <a:rPr lang="ko-KR" sz="1800">
+                <a:latin typeface="맑은 고딕" charset="0"/>
+                <a:ea typeface="맑은 고딕" charset="0"/>
+              </a:rPr>
+              <a:t> </a:t>
+            </a:r>
+            <a:r>
+              <a:rPr lang="ko-KR" sz="1800">
+                <a:latin typeface="맑은 고딕" charset="0"/>
+                <a:ea typeface="맑은 고딕" charset="0"/>
+              </a:rPr>
+              <a:t>이름으로</a:t>
+            </a:r>
+            <a:r>
+              <a:rPr lang="ko-KR" sz="1800">
+                <a:latin typeface="맑은 고딕" charset="0"/>
+                <a:ea typeface="맑은 고딕" charset="0"/>
+              </a:rPr>
+              <a:t> 정의합니다.</a:t>
+            </a:r>
+            <a:endParaRPr lang="ko-KR" altLang="en-US" sz="1800">
+              <a:latin typeface="맑은 고딕" charset="0"/>
+              <a:ea typeface="맑은 고딕" charset="0"/>
+            </a:endParaRPr>
+          </a:p>
+        </p:txBody>
+      </p:sp>
+      <p:pic>
+        <p:nvPicPr>
+          <p:cNvPr id="1166" name="그림 10" descr="C:/Users/Admin1/AppData/Roaming/PolarisOffice/ETemp/10232_14344976/fImage161391738467.png"/>
+          <p:cNvPicPr>
+            <a:picLocks noChangeAspect="1"/>
+          </p:cNvPicPr>
+          <p:nvPr/>
+        </p:nvPicPr>
+        <p:blipFill rotWithShape="1">
+          <a:blip r:embed="rId16" cstate="print">
             <a:extLst>
               <a:ext uri="{28A0092B-C50C-407E-A947-70E740481C1C}">
                 <a14:useLocalDpi xmlns:a14="http://schemas.microsoft.com/office/drawing/2010/main" val="0"/>
@@ -10800,8 +11049,8 @@
         </p:blipFill>
         <p:spPr>
           <a:xfrm rot="0">
-            <a:off x="1328420" y="1205865"/>
-            <a:ext cx="1290955" cy="1089025"/>
+            <a:off x="1231900" y="3985895"/>
+            <a:ext cx="4144010" cy="1363980"/>
           </a:xfrm>
           <a:prstGeom prst="roundRect"/>
           <a:solidFill>
@@ -10809,119 +11058,16 @@
           </a:solidFill>
         </p:spPr>
       </p:pic>
-      <p:cxnSp>
-        <p:nvCxnSpPr>
-          <p:cNvPr id="1155" name="도형 61"/>
-          <p:cNvCxnSpPr/>
-          <p:nvPr/>
-        </p:nvCxnSpPr>
-        <p:spPr>
-          <a:xfrm rot="0" flipH="1">
-            <a:off x="2028190" y="1845310"/>
-            <a:ext cx="865505" cy="366395"/>
-          </a:xfrm>
-          <a:prstGeom prst="straightConnector1"/>
-          <a:ln w="6350" cap="flat" cmpd="sng">
-            <a:prstDash/>
-            <a:headEnd type="none" w="med" len="med"/>
-            <a:tailEnd type="triangle" w="med" len="med"/>
-          </a:ln>
-        </p:spPr>
-        <p:style>
-          <a:lnRef idx="1">
-            <a:schemeClr val="accent1"/>
-          </a:lnRef>
-          <a:fillRef idx="0">
-            <a:schemeClr val="accent1"/>
-          </a:fillRef>
-          <a:effectRef idx="0">
-            <a:schemeClr val="accent1"/>
-          </a:effectRef>
-          <a:fontRef idx="minor">
-            <a:schemeClr val="tx1"/>
-          </a:fontRef>
-        </p:style>
-      </p:cxnSp>
-      <p:sp>
-        <p:nvSpPr>
-          <p:cNvPr id="1156" name="텍스트 상자 62"/>
-          <p:cNvSpPr txBox="1">
-            <a:spLocks/>
-          </p:cNvSpPr>
-          <p:nvPr/>
-        </p:nvSpPr>
-        <p:spPr>
-          <a:xfrm rot="0">
-            <a:off x="1341755" y="2458720"/>
-            <a:ext cx="4029075" cy="941705"/>
-          </a:xfrm>
-          <a:prstGeom prst="rect"/>
-          <a:noFill/>
-        </p:spPr>
-        <p:txBody>
-          <a:bodyPr wrap="square" lIns="0" tIns="0" rIns="0" bIns="0" numCol="1" vert="horz" anchor="t">
-            <a:noAutofit/>
-          </a:bodyPr>
-          <a:lstStyle/>
-          <a:p>
-            <a:pPr marL="0" indent="0" algn="l" latinLnBrk="0" hangingPunct="1">
-              <a:buFontTx/>
-              <a:buNone/>
-            </a:pPr>
-            <a:r>
-              <a:rPr lang="ko-KR" sz="2000" b="1">
-                <a:solidFill>
-                  <a:srgbClr val="0611F2"/>
-                </a:solidFill>
-                <a:latin typeface="맑은 고딕" charset="0"/>
-                <a:ea typeface="맑은 고딕" charset="0"/>
-              </a:rPr>
-              <a:t>9</a:t>
-            </a:r>
-            <a:r>
-              <a:rPr lang="ko-KR" sz="2000" b="1">
-                <a:solidFill>
-                  <a:srgbClr val="0611F2"/>
-                </a:solidFill>
-                <a:latin typeface="맑은 고딕" charset="0"/>
-                <a:ea typeface="맑은 고딕" charset="0"/>
-              </a:rPr>
-              <a:t>. </a:t>
-            </a:r>
-            <a:r>
-              <a:rPr lang="ko-KR" sz="1800">
-                <a:latin typeface="맑은 고딕" charset="0"/>
-                <a:ea typeface="맑은 고딕" charset="0"/>
-              </a:rPr>
-              <a:t>이제 Project 폴더에 있는 Texture 폴더에 Road 텍스처를 선택하고 Floor 오브젝트에 넣어줍니다.</a:t>
-            </a:r>
-            <a:endParaRPr lang="ko-KR" altLang="en-US" sz="1800">
-              <a:latin typeface="맑은 고딕" charset="0"/>
-              <a:ea typeface="맑은 고딕" charset="0"/>
-            </a:endParaRPr>
-          </a:p>
-          <a:p>
-            <a:pPr marL="0" indent="0" algn="l" latinLnBrk="0" hangingPunct="1">
-              <a:buFontTx/>
-              <a:buNone/>
-            </a:pPr>
-            <a:endParaRPr lang="ko-KR" altLang="en-US" sz="1800">
-              <a:latin typeface="맑은 고딕" charset="0"/>
-              <a:ea typeface="맑은 고딕" charset="0"/>
-            </a:endParaRPr>
-          </a:p>
-        </p:txBody>
-      </p:sp>
       <p:pic>
         <p:nvPicPr>
-          <p:cNvPr id="1157" name="그림 63"/>
+          <p:cNvPr id="1167" name="그림 13" descr="C:/Users/Admin1/AppData/Roaming/PolarisOffice/ETemp/10232_14344976/fImage174022586334.png"/>
           <p:cNvPicPr>
             <a:picLocks noChangeAspect="1"/>
           </p:cNvPicPr>
           <p:nvPr/>
         </p:nvPicPr>
         <p:blipFill rotWithShape="1">
-          <a:blip r:embed="rId11" cstate="print">
+          <a:blip r:embed="rId17" cstate="print">
             <a:extLst>
               <a:ext uri="{28A0092B-C50C-407E-A947-70E740481C1C}">
                 <a14:useLocalDpi xmlns:a14="http://schemas.microsoft.com/office/drawing/2010/main" val="0"/>
@@ -10934,8 +11080,8 @@
         </p:blipFill>
         <p:spPr>
           <a:xfrm rot="0">
-            <a:off x="1334135" y="3549650"/>
-            <a:ext cx="4053205" cy="1754505"/>
+            <a:off x="6813550" y="1456055"/>
+            <a:ext cx="2791460" cy="3583305"/>
           </a:xfrm>
           <a:prstGeom prst="roundRect"/>
           <a:solidFill>
@@ -10943,76 +11089,16 @@
           </a:solidFill>
         </p:spPr>
       </p:pic>
-      <p:sp>
-        <p:nvSpPr>
-          <p:cNvPr id="1158" name="텍스트 상자 66"/>
-          <p:cNvSpPr txBox="1">
-            <a:spLocks/>
-          </p:cNvSpPr>
-          <p:nvPr/>
-        </p:nvSpPr>
-        <p:spPr>
-          <a:xfrm rot="0">
-            <a:off x="1322070" y="5481955"/>
-            <a:ext cx="4029075" cy="703580"/>
-          </a:xfrm>
-          <a:prstGeom prst="rect"/>
-          <a:noFill/>
-        </p:spPr>
-        <p:txBody>
-          <a:bodyPr wrap="square" lIns="0" tIns="0" rIns="0" bIns="0" numCol="1" vert="horz" anchor="t">
-            <a:noAutofit/>
-          </a:bodyPr>
-          <a:lstStyle/>
-          <a:p>
-            <a:pPr marL="0" indent="0" algn="l" latinLnBrk="0" hangingPunct="1">
-              <a:buFontTx/>
-              <a:buNone/>
-            </a:pPr>
-            <a:r>
-              <a:rPr lang="ko-KR" sz="2000" b="1">
-                <a:solidFill>
-                  <a:srgbClr val="0611F2"/>
-                </a:solidFill>
-                <a:latin typeface="맑은 고딕" charset="0"/>
-                <a:ea typeface="맑은 고딕" charset="0"/>
-              </a:rPr>
-              <a:t>10</a:t>
-            </a:r>
-            <a:r>
-              <a:rPr lang="ko-KR" sz="2000" b="1">
-                <a:solidFill>
-                  <a:srgbClr val="0611F2"/>
-                </a:solidFill>
-                <a:latin typeface="맑은 고딕" charset="0"/>
-                <a:ea typeface="맑은 고딕" charset="0"/>
-              </a:rPr>
-              <a:t>. </a:t>
-            </a:r>
-            <a:r>
-              <a:rPr lang="ko-KR" sz="1800">
-                <a:latin typeface="맑은 고딕" charset="0"/>
-                <a:ea typeface="맑은 고딕" charset="0"/>
-              </a:rPr>
-              <a:t>그다음으로 Character 오브젝트의 위치를 변경합니다.</a:t>
-            </a:r>
-            <a:endParaRPr lang="ko-KR" altLang="en-US" sz="1800">
-              <a:latin typeface="맑은 고딕" charset="0"/>
-              <a:ea typeface="맑은 고딕" charset="0"/>
-            </a:endParaRPr>
-          </a:p>
-        </p:txBody>
-      </p:sp>
       <p:pic>
         <p:nvPicPr>
-          <p:cNvPr id="1159" name="그림 1"/>
+          <p:cNvPr id="1168" name="그림 16" descr="C:/Users/Admin1/AppData/Roaming/PolarisOffice/ETemp/10232_14344976/fImage93402596500.png"/>
           <p:cNvPicPr>
             <a:picLocks noChangeAspect="1"/>
           </p:cNvPicPr>
           <p:nvPr/>
         </p:nvPicPr>
         <p:blipFill rotWithShape="1">
-          <a:blip r:embed="rId12" cstate="print">
+          <a:blip r:embed="rId18" cstate="print">
             <a:extLst>
               <a:ext uri="{28A0092B-C50C-407E-A947-70E740481C1C}">
                 <a14:useLocalDpi xmlns:a14="http://schemas.microsoft.com/office/drawing/2010/main" val="0"/>
@@ -11025,16 +11111,18 @@
         </p:blipFill>
         <p:spPr>
           <a:xfrm rot="0">
-            <a:off x="6806565" y="1198880"/>
-            <a:ext cx="4022725" cy="3861435"/>
-          </a:xfrm>
-          <a:prstGeom prst="rect"/>
-          <a:noFill/>
+            <a:off x="9733915" y="2350770"/>
+            <a:ext cx="1223645" cy="1784350"/>
+          </a:xfrm>
+          <a:prstGeom prst="roundRect"/>
+          <a:solidFill>
+            <a:srgbClr val="EDEDED"/>
+          </a:solidFill>
         </p:spPr>
       </p:pic>
       <p:sp>
         <p:nvSpPr>
-          <p:cNvPr id="1160" name="텍스트 상자 4"/>
+          <p:cNvPr id="1169" name="텍스트 상자 19"/>
           <p:cNvSpPr txBox="1">
             <a:spLocks/>
           </p:cNvSpPr>
@@ -11042,15 +11130,19 @@
         </p:nvSpPr>
         <p:spPr>
           <a:xfrm rot="0">
-            <a:off x="6807835" y="5224780"/>
-            <a:ext cx="4012565" cy="959485"/>
+            <a:off x="6800850" y="5226685"/>
+            <a:ext cx="4156710" cy="954405"/>
           </a:xfrm>
           <a:prstGeom prst="rect"/>
           <a:noFill/>
-        </p:spPr>
-        <p:txBody>
-          <a:bodyPr wrap="square" lIns="0" tIns="0" rIns="0" bIns="0" numCol="1" vert="horz" anchor="t">
-            <a:noAutofit/>
+          <a:ln w="0">
+            <a:noFill/>
+            <a:prstDash/>
+          </a:ln>
+        </p:spPr>
+        <p:txBody>
+          <a:bodyPr wrap="square" lIns="89535" tIns="46355" rIns="89535" bIns="46355" numCol="1" vert="horz" anchor="t">
+            <a:spAutoFit/>
           </a:bodyPr>
           <a:lstStyle/>
           <a:p>
@@ -11076,7 +11168,7 @@
                 <a:latin typeface="맑은 고딕" charset="0"/>
                 <a:ea typeface="맑은 고딕" charset="0"/>
               </a:rPr>
-              <a:t>1</a:t>
+              <a:t>6</a:t>
             </a:r>
             <a:r>
               <a:rPr lang="ko-KR" sz="2000" b="1">
@@ -11086,21 +11178,87 @@
                 <a:latin typeface="맑은 고딕" charset="0"/>
                 <a:ea typeface="맑은 고딕" charset="0"/>
               </a:rPr>
-              <a:t>. </a:t>
-            </a:r>
-            <a:r>
-              <a:rPr lang="ko-KR" sz="1800">
-                <a:latin typeface="맑은 고딕" charset="0"/>
-                <a:ea typeface="맑은 고딕" charset="0"/>
-              </a:rPr>
-              <a:t>그</a:t>
-            </a:r>
-            <a:r>
-              <a:rPr lang="ko-KR" sz="1800">
-                <a:latin typeface="맑은 고딕" charset="0"/>
-                <a:ea typeface="맑은 고딕" charset="0"/>
-              </a:rPr>
-              <a:t>런 다음 Window에서 Rendering을 선택하고 Lighting Settings를 선택합니다. </a:t>
+              <a:t>.</a:t>
+            </a:r>
+            <a:r>
+              <a:rPr lang="ko-KR" sz="2000" b="1">
+                <a:solidFill>
+                  <a:srgbClr val="0611F2"/>
+                </a:solidFill>
+                <a:latin typeface="맑은 고딕" charset="0"/>
+                <a:ea typeface="맑은 고딕" charset="0"/>
+              </a:rPr>
+              <a:t> </a:t>
+            </a:r>
+            <a:r>
+              <a:rPr lang="ko-KR" sz="1800">
+                <a:latin typeface="맑은 고딕" charset="0"/>
+                <a:ea typeface="맑은 고딕" charset="0"/>
+              </a:rPr>
+              <a:t>그러고 나서 Area Street Lamp </a:t>
+            </a:r>
+            <a:r>
+              <a:rPr lang="ko-KR" sz="1800">
+                <a:latin typeface="맑은 고딕" charset="0"/>
+                <a:ea typeface="맑은 고딕" charset="0"/>
+              </a:rPr>
+              <a:t>오브젝트의</a:t>
+            </a:r>
+            <a:r>
+              <a:rPr lang="ko-KR" sz="1800">
+                <a:latin typeface="맑은 고딕" charset="0"/>
+                <a:ea typeface="맑은 고딕" charset="0"/>
+              </a:rPr>
+              <a:t> </a:t>
+            </a:r>
+            <a:r>
+              <a:rPr lang="ko-KR" sz="1800">
+                <a:latin typeface="맑은 고딕" charset="0"/>
+                <a:ea typeface="맑은 고딕" charset="0"/>
+              </a:rPr>
+              <a:t>하위</a:t>
+            </a:r>
+            <a:r>
+              <a:rPr lang="ko-KR" sz="1800">
+                <a:latin typeface="맑은 고딕" charset="0"/>
+                <a:ea typeface="맑은 고딕" charset="0"/>
+              </a:rPr>
+              <a:t> 오브젝트로 Light에 </a:t>
+            </a:r>
+            <a:r>
+              <a:rPr lang="ko-KR" sz="1800">
+                <a:latin typeface="맑은 고딕" charset="0"/>
+                <a:ea typeface="맑은 고딕" charset="0"/>
+              </a:rPr>
+              <a:t>Area</a:t>
+            </a:r>
+            <a:r>
+              <a:rPr lang="ko-KR" sz="1800">
+                <a:latin typeface="맑은 고딕" charset="0"/>
+                <a:ea typeface="맑은 고딕" charset="0"/>
+              </a:rPr>
+              <a:t> </a:t>
+            </a:r>
+            <a:r>
+              <a:rPr lang="ko-KR" sz="1800">
+                <a:latin typeface="맑은 고딕" charset="0"/>
+                <a:ea typeface="맑은 고딕" charset="0"/>
+              </a:rPr>
+              <a:t>Light를</a:t>
+            </a:r>
+            <a:r>
+              <a:rPr lang="ko-KR" sz="1800">
+                <a:latin typeface="맑은 고딕" charset="0"/>
+                <a:ea typeface="맑은 고딕" charset="0"/>
+              </a:rPr>
+              <a:t> </a:t>
+            </a:r>
+            <a:r>
+              <a:rPr lang="ko-KR" sz="1800">
+                <a:latin typeface="맑은 고딕" charset="0"/>
+                <a:ea typeface="맑은 고딕" charset="0"/>
+              </a:rPr>
+              <a:t>생성합니다.</a:t>
             </a:r>
             <a:endParaRPr lang="ko-KR" altLang="en-US" sz="1800">
               <a:latin typeface="맑은 고딕" charset="0"/>
@@ -11133,7 +11291,7 @@
 </file>
 
 <file path=ppt/slides/slide7.xml><?xml version="1.0" encoding="utf-8"?>
-<p:sld xmlns:a="http://schemas.openxmlformats.org/drawingml/2006/main" xmlns:r="http://schemas.openxmlformats.org/officeDocument/2006/relationships" xmlns:p="http://schemas.openxmlformats.org/presentationml/2006/main" xmlns:p14="http://schemas.microsoft.com/office/powerpoint/2010/main">
+<p:sld xmlns:a="http://schemas.openxmlformats.org/drawingml/2006/main" xmlns:r="http://schemas.openxmlformats.org/officeDocument/2006/relationships" xmlns:p="http://schemas.openxmlformats.org/presentationml/2006/main">
   <p:cSld>
     <p:spTree>
       <p:nvGrpSpPr>
@@ -11159,8 +11317,8 @@
         </p:nvSpPr>
         <p:spPr>
           <a:xfrm rot="0">
-            <a:off x="4292600" y="318770"/>
-            <a:ext cx="3613150" cy="554990"/>
+            <a:off x="4427855" y="318770"/>
+            <a:ext cx="3323590" cy="478155"/>
           </a:xfrm>
           <a:prstGeom prst="rect"/>
           <a:noFill/>
@@ -11175,53 +11333,63 @@
           </a:bodyPr>
           <a:lstStyle/>
           <a:p>
-            <a:pPr marL="0" indent="0" algn="l" latinLnBrk="0">
-              <a:buFontTx/>
-              <a:buNone/>
-            </a:pPr>
-            <a:r>
-              <a:rPr lang="ko-KR" altLang="en-US" sz="3000" b="1">
+            <a:pPr marL="0" indent="0" algn="ctr" latinLnBrk="0">
+              <a:buFontTx/>
+              <a:buNone/>
+            </a:pPr>
+            <a:r>
+              <a:rPr lang="ko-KR" altLang="en-US" sz="2500" b="1">
                 <a:solidFill>
                   <a:schemeClr val="tx1"/>
                 </a:solidFill>
-                <a:latin typeface="맑은 고딕" charset="0"/>
-                <a:ea typeface="맑은 고딕" charset="0"/>
-              </a:rPr>
-              <a:t>열</a:t>
-            </a:r>
-            <a:r>
-              <a:rPr lang="ko-KR" altLang="en-US" sz="3000" b="1">
+                <a:latin typeface="나눔바른고딕" charset="0"/>
+                <a:ea typeface="나눔바른고딕" charset="0"/>
+              </a:rPr>
+              <a:t>일곱</a:t>
+            </a:r>
+            <a:r>
+              <a:rPr lang="ko-KR" altLang="en-US" sz="2500" b="1">
                 <a:solidFill>
                   <a:schemeClr val="tx1"/>
                 </a:solidFill>
-                <a:latin typeface="맑은 고딕" charset="0"/>
-                <a:ea typeface="맑은 고딕" charset="0"/>
-              </a:rPr>
-              <a:t>두</a:t>
-            </a:r>
-            <a:r>
-              <a:rPr lang="ko-KR" altLang="en-US" sz="3000" b="1">
+                <a:latin typeface="나눔바른고딕" charset="0"/>
+                <a:ea typeface="나눔바른고딕" charset="0"/>
+              </a:rPr>
+              <a:t> </a:t>
+            </a:r>
+            <a:r>
+              <a:rPr lang="ko-KR" altLang="en-US" sz="2500" b="1">
                 <a:solidFill>
                   <a:schemeClr val="tx1"/>
                 </a:solidFill>
-                <a:latin typeface="맑은 고딕" charset="0"/>
-                <a:ea typeface="맑은 고딕" charset="0"/>
-              </a:rPr>
-              <a:t> 번째 튜토리얼</a:t>
-            </a:r>
-            <a:endParaRPr lang="ko-KR" altLang="en-US" sz="3000" b="1">
+                <a:latin typeface="나눔바른고딕" charset="0"/>
+                <a:ea typeface="나눔바른고딕" charset="0"/>
+              </a:rPr>
+              <a:t>번째 튜토리</a:t>
+            </a:r>
+            <a:r>
+              <a:rPr lang="ko-KR" altLang="en-US" sz="2500" b="1">
+                <a:solidFill>
+                  <a:schemeClr val="tx1"/>
+                </a:solidFill>
+                <a:latin typeface="나눔바른고딕" charset="0"/>
+                <a:ea typeface="나눔바른고딕" charset="0"/>
+              </a:rPr>
+              <a:t>얼</a:t>
+            </a:r>
+            <a:endParaRPr lang="ko-KR" altLang="en-US" sz="2500" b="1">
               <a:solidFill>
                 <a:schemeClr val="tx1"/>
               </a:solidFill>
-              <a:latin typeface="맑은 고딕" charset="0"/>
-              <a:ea typeface="맑은 고딕" charset="0"/>
+              <a:latin typeface="나눔바른고딕" charset="0"/>
+              <a:ea typeface="나눔바른고딕" charset="0"/>
             </a:endParaRPr>
           </a:p>
         </p:txBody>
       </p:sp>
       <p:sp>
         <p:nvSpPr>
-          <p:cNvPr id="1200" name="Rect 0"/>
+          <p:cNvPr id="1160" name="Rect 0"/>
           <p:cNvSpPr txBox="1">
             <a:spLocks/>
           </p:cNvSpPr>
@@ -11229,8 +11397,8 @@
         </p:nvSpPr>
         <p:spPr>
           <a:xfrm rot="0">
-            <a:off x="1310005" y="2571750"/>
-            <a:ext cx="4059555" cy="646430"/>
+            <a:off x="1231900" y="5233035"/>
+            <a:ext cx="4126865" cy="960120"/>
           </a:xfrm>
           <a:prstGeom prst="rect"/>
           <a:noFill/>
@@ -11241,42 +11409,40 @@
           </a:bodyPr>
           <a:lstStyle/>
           <a:p>
-            <a:pPr marL="0" indent="0" rtl="0" algn="l" defTabSz="914400" eaLnBrk="1" latinLnBrk="0" hangingPunct="1">
-              <a:buFontTx/>
-              <a:buNone/>
-            </a:pPr>
-            <a:r>
-              <a:rPr sz="1800" b="1">
-                <a:solidFill>
-                  <a:srgbClr val="0611F2"/>
-                </a:solidFill>
-                <a:latin typeface="맑은 고딕" charset="0"/>
-                <a:ea typeface="맑은 고딕" charset="0"/>
-              </a:rPr>
-              <a:t>2</a:t>
-            </a:r>
-            <a:r>
-              <a:rPr lang="ko-KR" sz="1800" b="1">
-                <a:solidFill>
-                  <a:srgbClr val="0611F2"/>
-                </a:solidFill>
-                <a:latin typeface="맑은 고딕" charset="0"/>
-                <a:ea typeface="맑은 고딕" charset="0"/>
-              </a:rPr>
-              <a:t>9</a:t>
-            </a:r>
-            <a:r>
-              <a:rPr sz="1800" b="1">
-                <a:solidFill>
-                  <a:srgbClr val="0611F2"/>
-                </a:solidFill>
-                <a:latin typeface="맑은 고딕" charset="0"/>
-                <a:ea typeface="맑은 고딕" charset="0"/>
-              </a:rPr>
-              <a:t>.</a:t>
-            </a:r>
-            <a:r>
-              <a:rPr sz="1800">
+            <a:pPr marL="0" indent="0" algn="l" latinLnBrk="0" hangingPunct="1">
+              <a:buFontTx/>
+              <a:buNone/>
+            </a:pPr>
+            <a:r>
+              <a:rPr lang="ko-KR" sz="1800">
+                <a:latin typeface="맑은 고딕" charset="0"/>
+                <a:ea typeface="맑은 고딕" charset="0"/>
+              </a:rPr>
+              <a:t>A</a:t>
+            </a:r>
+            <a:r>
+              <a:rPr lang="ko-KR" sz="1800">
+                <a:latin typeface="맑은 고딕" charset="0"/>
+                <a:ea typeface="맑은 고딕" charset="0"/>
+              </a:rPr>
+              <a:t>rea</a:t>
+            </a:r>
+            <a:r>
+              <a:rPr lang="ko-KR" sz="1800">
+                <a:latin typeface="맑은 고딕" charset="0"/>
+                <a:ea typeface="맑은 고딕" charset="0"/>
+              </a:rPr>
+              <a:t> Light는 전체 표면 영역에 의해 </a:t>
+            </a:r>
+            <a:r>
+              <a:rPr lang="ko-KR" sz="1800">
+                <a:latin typeface="맑은 고딕" charset="0"/>
+                <a:ea typeface="맑은 고딕" charset="0"/>
+              </a:rPr>
+              <a:t>모든</a:t>
+            </a:r>
+            <a:r>
+              <a:rPr lang="ko-KR" sz="1800">
                 <a:latin typeface="맑은 고딕" charset="0"/>
                 <a:ea typeface="맑은 고딕" charset="0"/>
               </a:rPr>
@@ -11287,18 +11453,186 @@
                 <a:latin typeface="맑은 고딕" charset="0"/>
                 <a:ea typeface="맑은 고딕" charset="0"/>
               </a:rPr>
-              <a:t>이제 Bulb 오브젝트의 위치와 회전 값을 설정합니다.</a:t>
+              <a:t>방향으로 사각형의 한 쪽 면에서만 </a:t>
+            </a:r>
+            <a:r>
+              <a:rPr lang="ko-KR" sz="1800">
+                <a:latin typeface="맑은 고딕" charset="0"/>
+                <a:ea typeface="맑은 고딕" charset="0"/>
+              </a:rPr>
+              <a:t>발사하</a:t>
+            </a:r>
+            <a:r>
+              <a:rPr lang="ko-KR" sz="1800">
+                <a:latin typeface="맑은 고딕" charset="0"/>
+                <a:ea typeface="맑은 고딕" charset="0"/>
+              </a:rPr>
+              <a:t>는</a:t>
+            </a:r>
+            <a:r>
+              <a:rPr lang="ko-KR" sz="1800">
+                <a:latin typeface="맑은 고딕" charset="0"/>
+                <a:ea typeface="맑은 고딕" charset="0"/>
+              </a:rPr>
+              <a:t> 조명입니다.</a:t>
             </a:r>
             <a:endParaRPr lang="ko-KR" altLang="en-US" sz="1800">
               <a:latin typeface="맑은 고딕" charset="0"/>
               <a:ea typeface="맑은 고딕" charset="0"/>
             </a:endParaRPr>
           </a:p>
+        </p:txBody>
+      </p:sp>
+      <p:pic>
+        <p:nvPicPr>
+          <p:cNvPr id="1165" name="Picture " descr="C:/Users/Admin1/AppData/Roaming/PolarisOffice/ETemp/10232_14344976/fImage89212539169.png"/>
+          <p:cNvPicPr>
+            <a:picLocks noChangeAspect="1"/>
+          </p:cNvPicPr>
+          <p:nvPr/>
+        </p:nvPicPr>
+        <p:blipFill rotWithShape="1">
+          <a:blip r:embed="rId2" cstate="print">
+            <a:extLst>
+              <a:ext uri="{28A0092B-C50C-407E-A947-70E740481C1C}">
+                <a14:useLocalDpi xmlns:a14="http://schemas.microsoft.com/office/drawing/2010/main" val="0"/>
+              </a:ext>
+            </a:extLst>
+          </a:blip>
+          <a:stretch>
+            <a:fillRect/>
+          </a:stretch>
+        </p:blipFill>
+        <p:spPr>
+          <a:xfrm rot="0">
+            <a:off x="1231900" y="3677920"/>
+            <a:ext cx="4135120" cy="1387475"/>
+          </a:xfrm>
+          <a:prstGeom prst="roundRect"/>
+          <a:solidFill>
+            <a:srgbClr val="EDEDED"/>
+          </a:solidFill>
+        </p:spPr>
+      </p:pic>
+      <p:sp>
+        <p:nvSpPr>
+          <p:cNvPr id="1166" name="텍스트 상자 20"/>
+          <p:cNvSpPr txBox="1">
+            <a:spLocks/>
+          </p:cNvSpPr>
+          <p:nvPr/>
+        </p:nvSpPr>
+        <p:spPr>
+          <a:xfrm rot="0">
+            <a:off x="1240790" y="2880995"/>
+            <a:ext cx="4119245" cy="677545"/>
+          </a:xfrm>
+          <a:prstGeom prst="rect"/>
+          <a:noFill/>
+          <a:ln w="0">
+            <a:noFill/>
+            <a:prstDash/>
+          </a:ln>
+        </p:spPr>
+        <p:txBody>
+          <a:bodyPr wrap="square" lIns="89535" tIns="46355" rIns="89535" bIns="46355" numCol="1" vert="horz" anchor="t">
+            <a:spAutoFit/>
+          </a:bodyPr>
+          <a:lstStyle/>
           <a:p>
             <a:pPr marL="0" indent="0" algn="l" latinLnBrk="0" hangingPunct="1">
               <a:buFontTx/>
               <a:buNone/>
             </a:pPr>
+            <a:r>
+              <a:rPr lang="ko-KR" sz="2000" b="1">
+                <a:solidFill>
+                  <a:srgbClr val="0611F2"/>
+                </a:solidFill>
+                <a:latin typeface="맑은 고딕" charset="0"/>
+                <a:ea typeface="맑은 고딕" charset="0"/>
+              </a:rPr>
+              <a:t>1</a:t>
+            </a:r>
+            <a:r>
+              <a:rPr lang="ko-KR" sz="2000" b="1">
+                <a:solidFill>
+                  <a:srgbClr val="0611F2"/>
+                </a:solidFill>
+                <a:latin typeface="맑은 고딕" charset="0"/>
+                <a:ea typeface="맑은 고딕" charset="0"/>
+              </a:rPr>
+              <a:t>7</a:t>
+            </a:r>
+            <a:r>
+              <a:rPr lang="ko-KR" sz="2000" b="1">
+                <a:solidFill>
+                  <a:srgbClr val="0611F2"/>
+                </a:solidFill>
+                <a:latin typeface="맑은 고딕" charset="0"/>
+                <a:ea typeface="맑은 고딕" charset="0"/>
+              </a:rPr>
+              <a:t>.</a:t>
+            </a:r>
+            <a:r>
+              <a:rPr lang="ko-KR" sz="2000" b="1">
+                <a:solidFill>
+                  <a:srgbClr val="0611F2"/>
+                </a:solidFill>
+                <a:latin typeface="맑은 고딕" charset="0"/>
+                <a:ea typeface="맑은 고딕" charset="0"/>
+              </a:rPr>
+              <a:t> </a:t>
+            </a:r>
+            <a:r>
+              <a:rPr lang="ko-KR" sz="1800">
+                <a:latin typeface="맑은 고딕" charset="0"/>
+                <a:ea typeface="맑은 고딕" charset="0"/>
+              </a:rPr>
+              <a:t>이제 Area Light 오브젝트의 </a:t>
+            </a:r>
+            <a:r>
+              <a:rPr lang="ko-KR" sz="1800">
+                <a:latin typeface="맑은 고딕" charset="0"/>
+                <a:ea typeface="맑은 고딕" charset="0"/>
+              </a:rPr>
+              <a:t>위치와</a:t>
+            </a:r>
+            <a:r>
+              <a:rPr lang="ko-KR" sz="1800">
+                <a:latin typeface="맑은 고딕" charset="0"/>
+                <a:ea typeface="맑은 고딕" charset="0"/>
+              </a:rPr>
+              <a:t> </a:t>
+            </a:r>
+            <a:r>
+              <a:rPr lang="ko-KR" sz="1800">
+                <a:latin typeface="맑은 고딕" charset="0"/>
+                <a:ea typeface="맑은 고딕" charset="0"/>
+              </a:rPr>
+              <a:t>회전</a:t>
+            </a:r>
+            <a:r>
+              <a:rPr lang="ko-KR" sz="1800">
+                <a:latin typeface="맑은 고딕" charset="0"/>
+                <a:ea typeface="맑은 고딕" charset="0"/>
+              </a:rPr>
+              <a:t> </a:t>
+            </a:r>
+            <a:r>
+              <a:rPr lang="ko-KR" sz="1800">
+                <a:latin typeface="맑은 고딕" charset="0"/>
+                <a:ea typeface="맑은 고딕" charset="0"/>
+              </a:rPr>
+              <a:t>값을</a:t>
+            </a:r>
+            <a:r>
+              <a:rPr lang="ko-KR" sz="1800">
+                <a:latin typeface="맑은 고딕" charset="0"/>
+                <a:ea typeface="맑은 고딕" charset="0"/>
+              </a:rPr>
+              <a:t> 설정합니다.</a:t>
+            </a:r>
             <a:endParaRPr lang="ko-KR" altLang="en-US" sz="1800">
               <a:latin typeface="맑은 고딕" charset="0"/>
               <a:ea typeface="맑은 고딕" charset="0"/>
@@ -11308,7 +11642,7 @@
       </p:sp>
       <p:pic>
         <p:nvPicPr>
-          <p:cNvPr id="1204" name="그림 18"/>
+          <p:cNvPr id="1167" name="그림 22" descr="C:/Users/Admin1/AppData/Roaming/PolarisOffice/ETemp/10232_14344976/fImage125422635724.png"/>
           <p:cNvPicPr>
             <a:picLocks noChangeAspect="1"/>
           </p:cNvPicPr>
@@ -11328,8 +11662,8 @@
         </p:blipFill>
         <p:spPr>
           <a:xfrm rot="0">
-            <a:off x="1307465" y="3322320"/>
-            <a:ext cx="4055745" cy="2135505"/>
+            <a:off x="1231900" y="1435735"/>
+            <a:ext cx="4126865" cy="1346835"/>
           </a:xfrm>
           <a:prstGeom prst="roundRect"/>
           <a:solidFill>
@@ -11337,90 +11671,19 @@
           </a:solidFill>
         </p:spPr>
       </p:pic>
-      <p:sp>
-        <p:nvSpPr>
-          <p:cNvPr id="1205" name="텍스트 상자 21"/>
-          <p:cNvSpPr txBox="1">
-            <a:spLocks/>
-          </p:cNvSpPr>
-          <p:nvPr/>
-        </p:nvSpPr>
-        <p:spPr>
-          <a:xfrm rot="0">
-            <a:off x="1295400" y="5586095"/>
-            <a:ext cx="4069715" cy="647065"/>
-          </a:xfrm>
-          <a:prstGeom prst="rect"/>
-          <a:noFill/>
-          <a:ln w="0">
-            <a:noFill/>
-            <a:prstDash/>
-          </a:ln>
-        </p:spPr>
-        <p:txBody>
-          <a:bodyPr wrap="square" lIns="89535" tIns="46355" rIns="89535" bIns="46355" numCol="1" vert="horz" anchor="t">
-            <a:spAutoFit/>
-          </a:bodyPr>
-          <a:lstStyle/>
-          <a:p>
-            <a:pPr marL="0" indent="0" rtl="0" algn="l" defTabSz="914400" eaLnBrk="1" latinLnBrk="0" hangingPunct="1">
-              <a:buFontTx/>
-              <a:buNone/>
-            </a:pPr>
-            <a:r>
-              <a:rPr sz="1800" b="1">
-                <a:solidFill>
-                  <a:srgbClr val="0611F2"/>
-                </a:solidFill>
-                <a:latin typeface="맑은 고딕" charset="0"/>
-                <a:ea typeface="맑은 고딕" charset="0"/>
-              </a:rPr>
-              <a:t>30</a:t>
-            </a:r>
-            <a:r>
-              <a:rPr sz="1800" b="1">
-                <a:solidFill>
-                  <a:srgbClr val="0611F2"/>
-                </a:solidFill>
-                <a:latin typeface="맑은 고딕" charset="0"/>
-                <a:ea typeface="맑은 고딕" charset="0"/>
-              </a:rPr>
-              <a:t>.</a:t>
-            </a:r>
-            <a:r>
-              <a:rPr sz="1800">
-                <a:latin typeface="맑은 고딕" charset="0"/>
-                <a:ea typeface="맑은 고딕" charset="0"/>
-              </a:rPr>
-              <a:t> </a:t>
-            </a:r>
-            <a:r>
-              <a:rPr lang="ko-KR" sz="1800">
-                <a:latin typeface="맑은 고딕" charset="0"/>
-                <a:ea typeface="맑은 고딕" charset="0"/>
-              </a:rPr>
-              <a:t>그리고 Bulb 오브젝트의 Spot Angle과 Mode를 변경합니다.</a:t>
-            </a:r>
-            <a:endParaRPr lang="ko-KR" altLang="en-US" sz="1800">
-              <a:latin typeface="맑은 고딕" charset="0"/>
-              <a:ea typeface="맑은 고딕" charset="0"/>
-            </a:endParaRPr>
-          </a:p>
-        </p:txBody>
-      </p:sp>
       <p:pic>
         <p:nvPicPr>
-          <p:cNvPr id="1206" name="그림 25"/>
+          <p:cNvPr id="1168" name="그림 25" descr="C:/Users/Admin1/AppData/Roaming/PolarisOffice/ETemp/10232_14344976/fImage483792641478.png"/>
           <p:cNvPicPr>
             <a:picLocks noChangeAspect="1"/>
           </p:cNvPicPr>
           <p:nvPr/>
         </p:nvPicPr>
         <p:blipFill rotWithShape="1">
-          <a:blip r:embed="rId4" cstate="hqprint">
+          <a:blip r:embed="rId4" cstate="print">
             <a:extLst>
               <a:ext uri="{28A0092B-C50C-407E-A947-70E740481C1C}">
-                <a14:useLocalDpi xmlns:a14="http://schemas.microsoft.com/office/drawing/2010/main"/>
+                <a14:useLocalDpi xmlns:a14="http://schemas.microsoft.com/office/drawing/2010/main" val="0"/>
               </a:ext>
             </a:extLst>
           </a:blip>
@@ -11430,16 +11693,82 @@
         </p:blipFill>
         <p:spPr>
           <a:xfrm rot="0">
-            <a:off x="6806565" y="1198880"/>
-            <a:ext cx="4023360" cy="3999865"/>
-          </a:xfrm>
-          <a:prstGeom prst="rect"/>
-          <a:noFill/>
+            <a:off x="8295005" y="1438275"/>
+            <a:ext cx="2670810" cy="1215390"/>
+          </a:xfrm>
+          <a:prstGeom prst="roundRect"/>
+          <a:solidFill>
+            <a:srgbClr val="EDEDED"/>
+          </a:solidFill>
         </p:spPr>
       </p:pic>
-      <p:sp>
-        <p:nvSpPr>
-          <p:cNvPr id="1207" name="텍스트 상자 26"/>
+      <p:pic>
+        <p:nvPicPr>
+          <p:cNvPr id="1169" name="그림 30" descr="C:/Users/Admin1/AppData/Roaming/PolarisOffice/ETemp/10232_14344976/fImage80882679358.png"/>
+          <p:cNvPicPr>
+            <a:picLocks noChangeAspect="1"/>
+          </p:cNvPicPr>
+          <p:nvPr/>
+        </p:nvPicPr>
+        <p:blipFill rotWithShape="1">
+          <a:blip r:embed="rId5" cstate="print">
+            <a:extLst>
+              <a:ext uri="{28A0092B-C50C-407E-A947-70E740481C1C}">
+                <a14:useLocalDpi xmlns:a14="http://schemas.microsoft.com/office/drawing/2010/main" val="0"/>
+              </a:ext>
+            </a:extLst>
+          </a:blip>
+          <a:stretch>
+            <a:fillRect/>
+          </a:stretch>
+        </p:blipFill>
+        <p:spPr>
+          <a:xfrm rot="0">
+            <a:off x="6820535" y="1447165"/>
+            <a:ext cx="1329055" cy="1198245"/>
+          </a:xfrm>
+          <a:prstGeom prst="roundRect"/>
+          <a:solidFill>
+            <a:srgbClr val="EDEDED"/>
+          </a:solidFill>
+        </p:spPr>
+      </p:pic>
+      <p:cxnSp>
+        <p:nvCxnSpPr>
+          <p:cNvPr id="1170" name="도형 33"/>
+          <p:cNvCxnSpPr/>
+          <p:nvPr/>
+        </p:nvCxnSpPr>
+        <p:spPr>
+          <a:xfrm rot="0" flipH="1">
+            <a:off x="7743825" y="1920240"/>
+            <a:ext cx="1137920" cy="78740"/>
+          </a:xfrm>
+          <a:prstGeom prst="straightConnector1"/>
+          <a:ln w="6350" cap="flat" cmpd="sng">
+            <a:prstDash/>
+            <a:headEnd type="none" w="med" len="med"/>
+            <a:tailEnd type="triangle" w="med" len="med"/>
+          </a:ln>
+        </p:spPr>
+        <p:style>
+          <a:lnRef idx="1">
+            <a:schemeClr val="accent1"/>
+          </a:lnRef>
+          <a:fillRef idx="0">
+            <a:schemeClr val="accent1"/>
+          </a:fillRef>
+          <a:effectRef idx="0">
+            <a:schemeClr val="accent1"/>
+          </a:effectRef>
+          <a:fontRef idx="minor">
+            <a:schemeClr val="tx1"/>
+          </a:fontRef>
+        </p:style>
+      </p:cxnSp>
+      <p:sp>
+        <p:nvSpPr>
+          <p:cNvPr id="1171" name="텍스트 상자 34"/>
           <p:cNvSpPr txBox="1">
             <a:spLocks/>
           </p:cNvSpPr>
@@ -11447,15 +11776,19 @@
         </p:nvSpPr>
         <p:spPr>
           <a:xfrm rot="0">
-            <a:off x="6807835" y="5328920"/>
-            <a:ext cx="4013200" cy="907415"/>
+            <a:off x="6822440" y="2763520"/>
+            <a:ext cx="4152265" cy="954405"/>
           </a:xfrm>
           <a:prstGeom prst="rect"/>
           <a:noFill/>
-        </p:spPr>
-        <p:txBody>
-          <a:bodyPr wrap="square" lIns="0" tIns="0" rIns="0" bIns="0" numCol="1" vert="horz" anchor="t">
-            <a:noAutofit/>
+          <a:ln w="0">
+            <a:noFill/>
+            <a:prstDash/>
+          </a:ln>
+        </p:spPr>
+        <p:txBody>
+          <a:bodyPr wrap="square" lIns="89535" tIns="46355" rIns="89535" bIns="46355" numCol="1" vert="horz" anchor="t">
+            <a:spAutoFit/>
           </a:bodyPr>
           <a:lstStyle/>
           <a:p>
@@ -11471,7 +11804,7 @@
                 <a:latin typeface="맑은 고딕" charset="0"/>
                 <a:ea typeface="맑은 고딕" charset="0"/>
               </a:rPr>
-              <a:t>31</a:t>
+              <a:t>18.</a:t>
             </a:r>
             <a:r>
               <a:rPr lang="ko-KR" sz="2000" b="1">
@@ -11481,14 +11814,70 @@
                 <a:latin typeface="맑은 고딕" charset="0"/>
                 <a:ea typeface="맑은 고딕" charset="0"/>
               </a:rPr>
-              <a:t>. </a:t>
-            </a:r>
-            <a:r>
-              <a:rPr lang="ko-KR" sz="1800">
-                <a:latin typeface="맑은 고딕" charset="0"/>
-                <a:ea typeface="맑은 고딕" charset="0"/>
-              </a:rPr>
-              <a:t>그런 다음 Window에서 Rendering을 선택하고 Lighting Settings를 선택합니다. </a:t>
+              <a:t> </a:t>
+            </a:r>
+            <a:r>
+              <a:rPr lang="ko-KR" sz="1800">
+                <a:latin typeface="맑은 고딕" charset="0"/>
+                <a:ea typeface="맑은 고딕" charset="0"/>
+              </a:rPr>
+              <a:t>그리고 Project 폴더 아래에 있는 </a:t>
+            </a:r>
+            <a:r>
+              <a:rPr lang="ko-KR" sz="1800">
+                <a:latin typeface="맑은 고딕" charset="0"/>
+                <a:ea typeface="맑은 고딕" charset="0"/>
+              </a:rPr>
+              <a:t>Texture</a:t>
+            </a:r>
+            <a:r>
+              <a:rPr lang="ko-KR" sz="1800">
+                <a:latin typeface="맑은 고딕" charset="0"/>
+                <a:ea typeface="맑은 고딕" charset="0"/>
+              </a:rPr>
+              <a:t> 폴더에 Road 텍스처를 </a:t>
+            </a:r>
+            <a:r>
+              <a:rPr lang="ko-KR" sz="1800">
+                <a:latin typeface="맑은 고딕" charset="0"/>
+                <a:ea typeface="맑은 고딕" charset="0"/>
+              </a:rPr>
+              <a:t>Left</a:t>
+            </a:r>
+            <a:r>
+              <a:rPr lang="ko-KR" sz="1800">
+                <a:latin typeface="맑은 고딕" charset="0"/>
+                <a:ea typeface="맑은 고딕" charset="0"/>
+              </a:rPr>
+              <a:t> </a:t>
+            </a:r>
+            <a:r>
+              <a:rPr lang="ko-KR" sz="1800">
+                <a:latin typeface="맑은 고딕" charset="0"/>
+                <a:ea typeface="맑은 고딕" charset="0"/>
+              </a:rPr>
+              <a:t>Ground</a:t>
+            </a:r>
+            <a:r>
+              <a:rPr lang="ko-KR" sz="1800">
+                <a:latin typeface="맑은 고딕" charset="0"/>
+                <a:ea typeface="맑은 고딕" charset="0"/>
+              </a:rPr>
+              <a:t> </a:t>
+            </a:r>
+            <a:r>
+              <a:rPr lang="ko-KR" sz="1800">
+                <a:latin typeface="맑은 고딕" charset="0"/>
+                <a:ea typeface="맑은 고딕" charset="0"/>
+              </a:rPr>
+              <a:t>오브젝트에 </a:t>
+            </a:r>
+            <a:r>
+              <a:rPr lang="ko-KR" sz="1800">
+                <a:latin typeface="맑은 고딕" charset="0"/>
+                <a:ea typeface="맑은 고딕" charset="0"/>
+              </a:rPr>
+              <a:t>넣어줍니다.</a:t>
             </a:r>
             <a:endParaRPr lang="ko-KR" altLang="en-US" sz="1800">
               <a:latin typeface="맑은 고딕" charset="0"/>
@@ -11497,9 +11886,164 @@
           </a:p>
         </p:txBody>
       </p:sp>
+      <p:sp>
+        <p:nvSpPr>
+          <p:cNvPr id="1175" name="텍스트 상자 39"/>
+          <p:cNvSpPr txBox="1">
+            <a:spLocks/>
+          </p:cNvSpPr>
+          <p:nvPr/>
+        </p:nvSpPr>
+        <p:spPr>
+          <a:xfrm rot="0">
+            <a:off x="6822440" y="5238750"/>
+            <a:ext cx="4152265" cy="954405"/>
+          </a:xfrm>
+          <a:prstGeom prst="rect"/>
+          <a:noFill/>
+          <a:ln w="0">
+            <a:noFill/>
+            <a:prstDash/>
+          </a:ln>
+        </p:spPr>
+        <p:txBody>
+          <a:bodyPr wrap="square" lIns="89535" tIns="46355" rIns="89535" bIns="46355" numCol="1" vert="horz" anchor="t">
+            <a:spAutoFit/>
+          </a:bodyPr>
+          <a:lstStyle/>
+          <a:p>
+            <a:pPr marL="0" indent="0" algn="l" latinLnBrk="0" hangingPunct="1">
+              <a:buFontTx/>
+              <a:buNone/>
+            </a:pPr>
+            <a:r>
+              <a:rPr lang="ko-KR" sz="2000" b="1">
+                <a:solidFill>
+                  <a:srgbClr val="0611F2"/>
+                </a:solidFill>
+                <a:latin typeface="맑은 고딕" charset="0"/>
+                <a:ea typeface="맑은 고딕" charset="0"/>
+              </a:rPr>
+              <a:t>19.</a:t>
+            </a:r>
+            <a:r>
+              <a:rPr lang="ko-KR" sz="2000" b="1">
+                <a:solidFill>
+                  <a:srgbClr val="0611F2"/>
+                </a:solidFill>
+                <a:latin typeface="맑은 고딕" charset="0"/>
+                <a:ea typeface="맑은 고딕" charset="0"/>
+              </a:rPr>
+              <a:t> </a:t>
+            </a:r>
+            <a:r>
+              <a:rPr lang="ko-KR" sz="1800">
+                <a:latin typeface="맑은 고딕" charset="0"/>
+                <a:ea typeface="맑은 고딕" charset="0"/>
+              </a:rPr>
+              <a:t>그런 다음 Project 폴더 아래에 </a:t>
+            </a:r>
+            <a:r>
+              <a:rPr lang="ko-KR" sz="1800">
+                <a:latin typeface="맑은 고딕" charset="0"/>
+                <a:ea typeface="맑은 고딕" charset="0"/>
+              </a:rPr>
+              <a:t>있는</a:t>
+            </a:r>
+            <a:r>
+              <a:rPr lang="ko-KR" sz="1800">
+                <a:latin typeface="맑은 고딕" charset="0"/>
+                <a:ea typeface="맑은 고딕" charset="0"/>
+              </a:rPr>
+              <a:t> </a:t>
+            </a:r>
+            <a:r>
+              <a:rPr lang="ko-KR" sz="1800">
+                <a:latin typeface="맑은 고딕" charset="0"/>
+                <a:ea typeface="맑은 고딕" charset="0"/>
+              </a:rPr>
+              <a:t>Texture</a:t>
+            </a:r>
+            <a:r>
+              <a:rPr lang="ko-KR" sz="1800">
+                <a:latin typeface="맑은 고딕" charset="0"/>
+                <a:ea typeface="맑은 고딕" charset="0"/>
+              </a:rPr>
+              <a:t> </a:t>
+            </a:r>
+            <a:r>
+              <a:rPr lang="ko-KR" sz="1800">
+                <a:latin typeface="맑은 고딕" charset="0"/>
+                <a:ea typeface="맑은 고딕" charset="0"/>
+              </a:rPr>
+              <a:t>폴더에</a:t>
+            </a:r>
+            <a:r>
+              <a:rPr lang="ko-KR" sz="1800">
+                <a:latin typeface="맑은 고딕" charset="0"/>
+                <a:ea typeface="맑은 고딕" charset="0"/>
+              </a:rPr>
+              <a:t> Road 텍스처를 </a:t>
+            </a:r>
+            <a:r>
+              <a:rPr lang="ko-KR" sz="1800">
+                <a:latin typeface="맑은 고딕" charset="0"/>
+                <a:ea typeface="맑은 고딕" charset="0"/>
+              </a:rPr>
+              <a:t>Righ</a:t>
+            </a:r>
+            <a:r>
+              <a:rPr lang="ko-KR" sz="1800">
+                <a:latin typeface="맑은 고딕" charset="0"/>
+                <a:ea typeface="맑은 고딕" charset="0"/>
+              </a:rPr>
+              <a:t>t</a:t>
+            </a:r>
+            <a:r>
+              <a:rPr lang="ko-KR" sz="1800">
+                <a:latin typeface="맑은 고딕" charset="0"/>
+                <a:ea typeface="맑은 고딕" charset="0"/>
+              </a:rPr>
+              <a:t> </a:t>
+            </a:r>
+            <a:r>
+              <a:rPr lang="ko-KR" sz="1800">
+                <a:latin typeface="맑은 고딕" charset="0"/>
+                <a:ea typeface="맑은 고딕" charset="0"/>
+              </a:rPr>
+              <a:t>Ground</a:t>
+            </a:r>
+            <a:r>
+              <a:rPr lang="ko-KR" sz="1800">
+                <a:latin typeface="맑은 고딕" charset="0"/>
+                <a:ea typeface="맑은 고딕" charset="0"/>
+              </a:rPr>
+              <a:t> </a:t>
+            </a:r>
+            <a:r>
+              <a:rPr lang="ko-KR" sz="1800">
+                <a:latin typeface="맑은 고딕" charset="0"/>
+                <a:ea typeface="맑은 고딕" charset="0"/>
+              </a:rPr>
+              <a:t>오브젝트에 </a:t>
+            </a:r>
+            <a:r>
+              <a:rPr lang="ko-KR" sz="1800">
+                <a:latin typeface="맑은 고딕" charset="0"/>
+                <a:ea typeface="맑은 고딕" charset="0"/>
+              </a:rPr>
+              <a:t>넣어줍니다.</a:t>
+            </a:r>
+            <a:endParaRPr lang="ko-KR" altLang="en-US" sz="1800">
+              <a:latin typeface="맑은 고딕" charset="0"/>
+              <a:ea typeface="맑은 고딕" charset="0"/>
+            </a:endParaRPr>
+          </a:p>
+        </p:txBody>
+      </p:sp>
       <p:pic>
         <p:nvPicPr>
-          <p:cNvPr id="1208" name="그림 4"/>
+          <p:cNvPr id="1176" name="그림 40" descr="C:/Users/Admin1/AppData/Roaming/PolarisOffice/ETemp/10232_14344976/fImage483792756962.png"/>
           <p:cNvPicPr>
             <a:picLocks noChangeAspect="1"/>
           </p:cNvPicPr>
@@ -11519,8 +12063,8 @@
         </p:blipFill>
         <p:spPr>
           <a:xfrm rot="0">
-            <a:off x="1302385" y="1205230"/>
-            <a:ext cx="4060825" cy="1217295"/>
+            <a:off x="8289290" y="3904615"/>
+            <a:ext cx="2676525" cy="1215390"/>
           </a:xfrm>
           <a:prstGeom prst="roundRect"/>
           <a:solidFill>
@@ -11528,6 +12072,70 @@
           </a:solidFill>
         </p:spPr>
       </p:pic>
+      <p:pic>
+        <p:nvPicPr>
+          <p:cNvPr id="1179" name="그림 43" descr="C:/Users/Admin1/AppData/Roaming/PolarisOffice/ETemp/10232_14344976/fImage80712784464.png"/>
+          <p:cNvPicPr>
+            <a:picLocks noChangeAspect="1"/>
+          </p:cNvPicPr>
+          <p:nvPr/>
+        </p:nvPicPr>
+        <p:blipFill rotWithShape="1">
+          <a:blip r:embed="rId7" cstate="print">
+            <a:extLst>
+              <a:ext uri="{28A0092B-C50C-407E-A947-70E740481C1C}">
+                <a14:useLocalDpi xmlns:a14="http://schemas.microsoft.com/office/drawing/2010/main" val="0"/>
+              </a:ext>
+            </a:extLst>
+          </a:blip>
+          <a:stretch>
+            <a:fillRect/>
+          </a:stretch>
+        </p:blipFill>
+        <p:spPr>
+          <a:xfrm rot="0">
+            <a:off x="6826885" y="3890645"/>
+            <a:ext cx="1330960" cy="1229360"/>
+          </a:xfrm>
+          <a:prstGeom prst="roundRect"/>
+          <a:solidFill>
+            <a:srgbClr val="EDEDED"/>
+          </a:solidFill>
+        </p:spPr>
+      </p:pic>
+      <p:cxnSp>
+        <p:nvCxnSpPr>
+          <p:cNvPr id="1178" name="도형 42"/>
+          <p:cNvCxnSpPr/>
+          <p:nvPr/>
+        </p:nvCxnSpPr>
+        <p:spPr>
+          <a:xfrm rot="0" flipH="1">
+            <a:off x="7881620" y="4487545"/>
+            <a:ext cx="1000125" cy="78105"/>
+          </a:xfrm>
+          <a:prstGeom prst="straightConnector1"/>
+          <a:ln w="6350" cap="flat" cmpd="sng">
+            <a:prstDash/>
+            <a:headEnd type="none" w="med" len="med"/>
+            <a:tailEnd type="triangle" w="med" len="med"/>
+          </a:ln>
+        </p:spPr>
+        <p:style>
+          <a:lnRef idx="1">
+            <a:schemeClr val="accent1"/>
+          </a:lnRef>
+          <a:fillRef idx="0">
+            <a:schemeClr val="accent1"/>
+          </a:fillRef>
+          <a:effectRef idx="0">
+            <a:schemeClr val="accent1"/>
+          </a:effectRef>
+          <a:fontRef idx="minor">
+            <a:schemeClr val="tx1"/>
+          </a:fontRef>
+        </p:style>
+      </p:cxnSp>
     </p:spTree>
   </p:cSld>
   <p:clrMapOvr>
@@ -11578,8 +12186,8 @@
         </p:nvSpPr>
         <p:spPr>
           <a:xfrm rot="0">
-            <a:off x="4292600" y="318770"/>
-            <a:ext cx="3613150" cy="554990"/>
+            <a:off x="4102100" y="387985"/>
+            <a:ext cx="3985895" cy="478155"/>
           </a:xfrm>
           <a:prstGeom prst="rect"/>
           <a:noFill/>
@@ -11594,269 +12202,60 @@
           </a:bodyPr>
           <a:lstStyle/>
           <a:p>
-            <a:pPr marL="0" indent="0" algn="l" latinLnBrk="0">
-              <a:buFontTx/>
-              <a:buNone/>
-            </a:pPr>
-            <a:r>
-              <a:rPr lang="ko-KR" altLang="en-US" sz="3000" b="1">
+            <a:pPr marL="0" indent="0" algn="ctr" latinLnBrk="0">
+              <a:buFontTx/>
+              <a:buNone/>
+            </a:pPr>
+            <a:r>
+              <a:rPr lang="ko-KR" altLang="en-US" sz="2500" b="1">
                 <a:solidFill>
                   <a:schemeClr val="tx1"/>
                 </a:solidFill>
-                <a:latin typeface="맑은 고딕" charset="0"/>
-                <a:ea typeface="맑은 고딕" charset="0"/>
-              </a:rPr>
-              <a:t>열</a:t>
-            </a:r>
-            <a:r>
-              <a:rPr lang="ko-KR" altLang="en-US" sz="3000" b="1">
+                <a:latin typeface="나눔바른고딕" charset="0"/>
+                <a:ea typeface="나눔바른고딕" charset="0"/>
+              </a:rPr>
+              <a:t>여덟</a:t>
+            </a:r>
+            <a:r>
+              <a:rPr lang="ko-KR" altLang="en-US" sz="2500" b="1">
                 <a:solidFill>
                   <a:schemeClr val="tx1"/>
                 </a:solidFill>
-                <a:latin typeface="맑은 고딕" charset="0"/>
-                <a:ea typeface="맑은 고딕" charset="0"/>
-              </a:rPr>
-              <a:t>세</a:t>
-            </a:r>
-            <a:r>
-              <a:rPr lang="ko-KR" altLang="en-US" sz="3000" b="1">
+                <a:latin typeface="나눔바른고딕" charset="0"/>
+                <a:ea typeface="나눔바른고딕" charset="0"/>
+              </a:rPr>
+              <a:t> </a:t>
+            </a:r>
+            <a:r>
+              <a:rPr lang="ko-KR" altLang="en-US" sz="2500" b="1">
                 <a:solidFill>
                   <a:schemeClr val="tx1"/>
                 </a:solidFill>
-                <a:latin typeface="맑은 고딕" charset="0"/>
-                <a:ea typeface="맑은 고딕" charset="0"/>
-              </a:rPr>
-              <a:t> 번째 튜토리얼</a:t>
-            </a:r>
-            <a:endParaRPr lang="ko-KR" altLang="en-US" sz="3000" b="1">
+                <a:latin typeface="나눔바른고딕" charset="0"/>
+                <a:ea typeface="나눔바른고딕" charset="0"/>
+              </a:rPr>
+              <a:t>번째 튜토리얼</a:t>
+            </a:r>
+            <a:endParaRPr lang="ko-KR" altLang="en-US" sz="2500" b="1">
               <a:solidFill>
                 <a:schemeClr val="tx1"/>
               </a:solidFill>
-              <a:latin typeface="맑은 고딕" charset="0"/>
-              <a:ea typeface="맑은 고딕" charset="0"/>
-            </a:endParaRPr>
-          </a:p>
-        </p:txBody>
-      </p:sp>
-      <p:sp>
-        <p:nvSpPr>
-          <p:cNvPr id="1191" name="Rect 0"/>
-          <p:cNvSpPr txBox="1">
-            <a:spLocks/>
-          </p:cNvSpPr>
-          <p:nvPr/>
-        </p:nvSpPr>
-        <p:spPr>
-          <a:xfrm rot="0">
-            <a:off x="6845935" y="4043680"/>
-            <a:ext cx="4199255" cy="2031365"/>
-          </a:xfrm>
-          <a:prstGeom prst="rect"/>
-          <a:noFill/>
-          <a:ln w="0">
-            <a:noFill/>
-            <a:prstDash/>
-          </a:ln>
-        </p:spPr>
-        <p:txBody>
-          <a:bodyPr wrap="square" lIns="89535" tIns="46355" rIns="89535" bIns="46355" numCol="1" vert="horz" anchor="t">
-            <a:spAutoFit/>
-          </a:bodyPr>
-          <a:lstStyle/>
-          <a:p>
-            <a:pPr marL="0" indent="0" rtl="0" algn="l" defTabSz="914400" eaLnBrk="1" latinLnBrk="0" hangingPunct="1">
-              <a:buFontTx/>
-              <a:buNone/>
-            </a:pPr>
-            <a:r>
-              <a:rPr lang="ko-KR" sz="1800">
-                <a:latin typeface="맑은 고딕" charset="0"/>
-                <a:ea typeface="맑은 고딕" charset="0"/>
-              </a:rPr>
-              <a:t>라이트 맵은 실시간으로 생성되는 빛에 대한 정보를 한</a:t>
-            </a:r>
-            <a:r>
-              <a:rPr lang="ko-KR" sz="1800">
-                <a:latin typeface="맑은 고딕" charset="0"/>
-                <a:ea typeface="맑은 고딕" charset="0"/>
-              </a:rPr>
-              <a:t> </a:t>
-            </a:r>
-            <a:r>
-              <a:rPr lang="ko-KR" sz="1800">
-                <a:latin typeface="맑은 고딕" charset="0"/>
-                <a:ea typeface="맑은 고딕" charset="0"/>
-              </a:rPr>
-              <a:t>번에 </a:t>
-            </a:r>
-            <a:r>
-              <a:rPr lang="ko-KR" sz="1800">
-                <a:latin typeface="맑은 고딕" charset="0"/>
-                <a:ea typeface="맑은 고딕" charset="0"/>
-              </a:rPr>
-              <a:t>저장한 </a:t>
-            </a:r>
-            <a:r>
-              <a:rPr lang="ko-KR" sz="1800">
-                <a:latin typeface="맑은 고딕" charset="0"/>
-                <a:ea typeface="맑은 고딕" charset="0"/>
-              </a:rPr>
-              <a:t>텍스처입니다.</a:t>
-            </a:r>
-            <a:endParaRPr lang="ko-KR" altLang="en-US" sz="1800">
-              <a:latin typeface="맑은 고딕" charset="0"/>
-              <a:ea typeface="맑은 고딕" charset="0"/>
-            </a:endParaRPr>
-          </a:p>
-          <a:p>
-            <a:pPr marL="0" indent="0" rtl="0" algn="l" defTabSz="914400" eaLnBrk="1" latinLnBrk="0" hangingPunct="1">
-              <a:buFontTx/>
-              <a:buNone/>
-            </a:pPr>
-            <a:endParaRPr lang="ko-KR" altLang="en-US" sz="1800">
-              <a:latin typeface="맑은 고딕" charset="0"/>
-              <a:ea typeface="맑은 고딕" charset="0"/>
-            </a:endParaRPr>
-          </a:p>
-          <a:p>
-            <a:pPr marL="0" indent="0" rtl="0" algn="l" defTabSz="914400" eaLnBrk="1" latinLnBrk="0" hangingPunct="1">
-              <a:buFontTx/>
-              <a:buNone/>
-            </a:pPr>
-            <a:r>
-              <a:rPr lang="ko-KR" sz="1800">
-                <a:latin typeface="맑은 고딕" charset="0"/>
-                <a:ea typeface="맑은 고딕" charset="0"/>
-              </a:rPr>
-              <a:t>라이트 맵의 경우 빛을 받은 게임 오브젝트는 그림자와 반사면이 고정되어 있는 형태로 설정됩니다.</a:t>
-            </a:r>
-            <a:endParaRPr lang="ko-KR" altLang="en-US" sz="1800">
-              <a:latin typeface="맑은 고딕" charset="0"/>
-              <a:ea typeface="맑은 고딕" charset="0"/>
-            </a:endParaRPr>
-          </a:p>
-        </p:txBody>
-      </p:sp>
-      <p:sp>
-        <p:nvSpPr>
-          <p:cNvPr id="1205" name="Rect 0"/>
-          <p:cNvSpPr txBox="1">
-            <a:spLocks/>
-          </p:cNvSpPr>
-          <p:nvPr/>
-        </p:nvSpPr>
-        <p:spPr>
-          <a:xfrm rot="0">
-            <a:off x="1219200" y="5144135"/>
-            <a:ext cx="4145915" cy="923925"/>
-          </a:xfrm>
-          <a:prstGeom prst="rect"/>
-          <a:noFill/>
-          <a:ln w="0">
-            <a:noFill/>
-            <a:prstDash/>
-          </a:ln>
-        </p:spPr>
-        <p:txBody>
-          <a:bodyPr wrap="square" lIns="89535" tIns="46355" rIns="89535" bIns="46355" numCol="1" vert="horz" anchor="t">
-            <a:spAutoFit/>
-          </a:bodyPr>
-          <a:lstStyle/>
-          <a:p>
-            <a:pPr marL="0" indent="0" rtl="0" algn="l" defTabSz="914400" eaLnBrk="1" latinLnBrk="0" hangingPunct="1">
-              <a:buFontTx/>
-              <a:buNone/>
-            </a:pPr>
-            <a:r>
-              <a:rPr sz="1800" b="1">
-                <a:solidFill>
-                  <a:srgbClr val="0611F2"/>
-                </a:solidFill>
-                <a:latin typeface="맑은 고딕" charset="0"/>
-                <a:ea typeface="맑은 고딕" charset="0"/>
-              </a:rPr>
-              <a:t>3</a:t>
-            </a:r>
-            <a:r>
-              <a:rPr lang="ko-KR" sz="1800" b="1">
-                <a:solidFill>
-                  <a:srgbClr val="0611F2"/>
-                </a:solidFill>
-                <a:latin typeface="맑은 고딕" charset="0"/>
-                <a:ea typeface="맑은 고딕" charset="0"/>
-              </a:rPr>
-              <a:t>2</a:t>
-            </a:r>
-            <a:r>
-              <a:rPr sz="1800" b="1">
-                <a:solidFill>
-                  <a:srgbClr val="0611F2"/>
-                </a:solidFill>
-                <a:latin typeface="맑은 고딕" charset="0"/>
-                <a:ea typeface="맑은 고딕" charset="0"/>
-              </a:rPr>
-              <a:t>.</a:t>
-            </a:r>
-            <a:r>
-              <a:rPr sz="1800">
-                <a:latin typeface="맑은 고딕" charset="0"/>
-                <a:ea typeface="맑은 고딕" charset="0"/>
-              </a:rPr>
-              <a:t> </a:t>
-            </a:r>
-            <a:r>
-              <a:rPr lang="ko-KR" sz="1800">
-                <a:latin typeface="맑은 고딕" charset="0"/>
-                <a:ea typeface="맑은 고딕" charset="0"/>
-              </a:rPr>
-              <a:t>그다음으로 Light Probe Visualization에서 Generate Lighting을 선택합니다.</a:t>
-            </a:r>
-            <a:endParaRPr lang="ko-KR" altLang="en-US" sz="1800">
-              <a:latin typeface="맑은 고딕" charset="0"/>
-              <a:ea typeface="맑은 고딕" charset="0"/>
+              <a:latin typeface="나눔바른고딕" charset="0"/>
+              <a:ea typeface="나눔바른고딕" charset="0"/>
             </a:endParaRPr>
           </a:p>
         </p:txBody>
       </p:sp>
       <p:pic>
         <p:nvPicPr>
-          <p:cNvPr id="1206" name="그림 28"/>
+          <p:cNvPr id="1042" name="그림 44" descr="C:/Users/Admin1/AppData/Roaming/PolarisOffice/ETemp/10232_14344976/fImage50303243281.png"/>
           <p:cNvPicPr>
             <a:picLocks noChangeAspect="1"/>
           </p:cNvPicPr>
           <p:nvPr/>
         </p:nvPicPr>
         <p:blipFill rotWithShape="1">
-          <a:blip r:embed="rId2" cstate="print">
-            <a:extLst>
-              <a:ext uri="{28A0092B-C50C-407E-A947-70E740481C1C}">
-                <a14:useLocalDpi xmlns:a14="http://schemas.microsoft.com/office/drawing/2010/main" val="0"/>
-              </a:ext>
-            </a:extLst>
-          </a:blip>
-          <a:stretch>
-            <a:fillRect/>
-          </a:stretch>
-        </p:blipFill>
-        <p:spPr>
-          <a:xfrm rot="0">
-            <a:off x="1228090" y="1271270"/>
-            <a:ext cx="4133215" cy="3702685"/>
-          </a:xfrm>
-          <a:prstGeom prst="rect"/>
-          <a:noFill/>
-        </p:spPr>
-      </p:pic>
-      <p:pic>
-        <p:nvPicPr>
-          <p:cNvPr id="1207" name="그림 29"/>
-          <p:cNvPicPr>
-            <a:picLocks noChangeAspect="1"/>
-          </p:cNvPicPr>
-          <p:nvPr/>
-        </p:nvPicPr>
-        <p:blipFill rotWithShape="1">
-          <a:blip r:embed="rId3" cstate="hqprint">
+          <a:blip r:embed="rId4" cstate="hqprint">
             <a:extLst>
               <a:ext uri="{28A0092B-C50C-407E-A947-70E740481C1C}">
                 <a14:useLocalDpi xmlns:a14="http://schemas.microsoft.com/office/drawing/2010/main"/>
@@ -11869,8 +12268,8 @@
         </p:blipFill>
         <p:spPr>
           <a:xfrm rot="0">
-            <a:off x="6841490" y="1228725"/>
-            <a:ext cx="4194810" cy="2646680"/>
+            <a:off x="3684905" y="1438275"/>
+            <a:ext cx="1699260" cy="1706245"/>
           </a:xfrm>
           <a:prstGeom prst="roundRect"/>
           <a:solidFill>
@@ -11878,6 +12277,164 @@
           </a:solidFill>
         </p:spPr>
       </p:pic>
+      <p:sp>
+        <p:nvSpPr>
+          <p:cNvPr id="1043" name="텍스트 상자 45"/>
+          <p:cNvSpPr txBox="1">
+            <a:spLocks/>
+          </p:cNvSpPr>
+          <p:nvPr/>
+        </p:nvSpPr>
+        <p:spPr>
+          <a:xfrm rot="0">
+            <a:off x="1223010" y="3316605"/>
+            <a:ext cx="4161155" cy="647065"/>
+          </a:xfrm>
+          <a:prstGeom prst="rect"/>
+          <a:noFill/>
+          <a:ln w="0">
+            <a:noFill/>
+            <a:prstDash/>
+          </a:ln>
+        </p:spPr>
+        <p:txBody>
+          <a:bodyPr wrap="square" lIns="89535" tIns="46355" rIns="89535" bIns="46355" numCol="1" vert="horz" anchor="t">
+            <a:spAutoFit/>
+          </a:bodyPr>
+          <a:lstStyle/>
+          <a:p>
+            <a:pPr marL="0" indent="0" rtl="0" algn="l" defTabSz="914400" eaLnBrk="1" latinLnBrk="0" hangingPunct="1">
+              <a:buFontTx/>
+              <a:buNone/>
+            </a:pPr>
+            <a:r>
+              <a:rPr sz="1800" b="1">
+                <a:solidFill>
+                  <a:srgbClr val="0611F2"/>
+                </a:solidFill>
+                <a:latin typeface="맑은 고딕" charset="0"/>
+                <a:ea typeface="맑은 고딕" charset="0"/>
+              </a:rPr>
+              <a:t>2</a:t>
+            </a:r>
+            <a:r>
+              <a:rPr sz="1800" b="1">
+                <a:solidFill>
+                  <a:srgbClr val="0611F2"/>
+                </a:solidFill>
+                <a:latin typeface="맑은 고딕" charset="0"/>
+                <a:ea typeface="맑은 고딕" charset="0"/>
+              </a:rPr>
+              <a:t>0</a:t>
+            </a:r>
+            <a:r>
+              <a:rPr sz="1800" b="1">
+                <a:solidFill>
+                  <a:srgbClr val="0611F2"/>
+                </a:solidFill>
+                <a:latin typeface="맑은 고딕" charset="0"/>
+                <a:ea typeface="맑은 고딕" charset="0"/>
+              </a:rPr>
+              <a:t>.</a:t>
+            </a:r>
+            <a:r>
+              <a:rPr sz="1800">
+                <a:latin typeface="맑은 고딕" charset="0"/>
+                <a:ea typeface="맑은 고딕" charset="0"/>
+              </a:rPr>
+              <a:t> </a:t>
+            </a:r>
+            <a:r>
+              <a:rPr lang="ko-KR" sz="1800">
+                <a:latin typeface="맑은 고딕" charset="0"/>
+                <a:ea typeface="맑은 고딕" charset="0"/>
+              </a:rPr>
+              <a:t>그다음 </a:t>
+            </a:r>
+            <a:r>
+              <a:rPr lang="ko-KR" sz="1800">
+                <a:latin typeface="맑은 고딕" charset="0"/>
+                <a:ea typeface="맑은 고딕" charset="0"/>
+              </a:rPr>
+              <a:t>Left</a:t>
+            </a:r>
+            <a:r>
+              <a:rPr lang="ko-KR" sz="1800">
+                <a:latin typeface="맑은 고딕" charset="0"/>
+                <a:ea typeface="맑은 고딕" charset="0"/>
+              </a:rPr>
+              <a:t> </a:t>
+            </a:r>
+            <a:r>
+              <a:rPr lang="ko-KR" sz="1800">
+                <a:latin typeface="맑은 고딕" charset="0"/>
+                <a:ea typeface="맑은 고딕" charset="0"/>
+              </a:rPr>
+              <a:t>Ground</a:t>
+            </a:r>
+            <a:r>
+              <a:rPr lang="ko-KR" sz="1800">
+                <a:latin typeface="맑은 고딕" charset="0"/>
+                <a:ea typeface="맑은 고딕" charset="0"/>
+              </a:rPr>
+              <a:t> </a:t>
+            </a:r>
+            <a:r>
+              <a:rPr lang="ko-KR" sz="1800">
+                <a:latin typeface="맑은 고딕" charset="0"/>
+                <a:ea typeface="맑은 고딕" charset="0"/>
+              </a:rPr>
+              <a:t>오브젝트에</a:t>
+            </a:r>
+            <a:r>
+              <a:rPr lang="ko-KR" sz="1800">
+                <a:latin typeface="맑은 고딕" charset="0"/>
+                <a:ea typeface="맑은 고딕" charset="0"/>
+              </a:rPr>
+              <a:t> </a:t>
+            </a:r>
+            <a:r>
+              <a:rPr lang="ko-KR" sz="1800">
+                <a:latin typeface="맑은 고딕" charset="0"/>
+                <a:ea typeface="맑은 고딕" charset="0"/>
+              </a:rPr>
+              <a:t>Contribute</a:t>
+            </a:r>
+            <a:r>
+              <a:rPr lang="ko-KR" sz="1800">
+                <a:latin typeface="맑은 고딕" charset="0"/>
+                <a:ea typeface="맑은 고딕" charset="0"/>
+              </a:rPr>
+              <a:t> </a:t>
+            </a:r>
+            <a:r>
+              <a:rPr lang="ko-KR" sz="1800">
+                <a:latin typeface="맑은 고딕" charset="0"/>
+                <a:ea typeface="맑은 고딕" charset="0"/>
+              </a:rPr>
+              <a:t>GI를</a:t>
+            </a:r>
+            <a:r>
+              <a:rPr lang="ko-KR" sz="1800">
+                <a:latin typeface="맑은 고딕" charset="0"/>
+                <a:ea typeface="맑은 고딕" charset="0"/>
+              </a:rPr>
+              <a:t> </a:t>
+            </a:r>
+            <a:r>
+              <a:rPr lang="ko-KR" sz="1800">
+                <a:latin typeface="맑은 고딕" charset="0"/>
+                <a:ea typeface="맑은 고딕" charset="0"/>
+              </a:rPr>
+              <a:t>설정합니다.</a:t>
+            </a:r>
+            <a:endParaRPr lang="ko-KR" altLang="en-US" sz="1800">
+              <a:latin typeface="맑은 고딕" charset="0"/>
+              <a:ea typeface="맑은 고딕" charset="0"/>
+            </a:endParaRPr>
+          </a:p>
+        </p:txBody>
+      </p:sp>
     </p:spTree>
   </p:cSld>
   <p:clrMapOvr>
@@ -11928,8 +12485,8 @@
         </p:nvSpPr>
         <p:spPr>
           <a:xfrm rot="0">
-            <a:off x="4110990" y="327660"/>
-            <a:ext cx="3985260" cy="554990"/>
+            <a:off x="4292600" y="318770"/>
+            <a:ext cx="3613150" cy="554990"/>
           </a:xfrm>
           <a:prstGeom prst="rect"/>
           <a:noFill/>
@@ -11966,7 +12523,7 @@
                 <a:latin typeface="맑은 고딕" charset="0"/>
                 <a:ea typeface="맑은 고딕" charset="0"/>
               </a:rPr>
-              <a:t>다섯</a:t>
+              <a:t>세</a:t>
             </a:r>
             <a:r>
               <a:rPr lang="ko-KR" altLang="en-US" sz="3000" b="1">
@@ -11990,7 +12547,7 @@
       </p:sp>
       <p:sp>
         <p:nvSpPr>
-          <p:cNvPr id="1032" name="Rect 0"/>
+          <p:cNvPr id="1191" name="Rect 0"/>
           <p:cNvSpPr txBox="1">
             <a:spLocks/>
           </p:cNvSpPr>
@@ -11998,8 +12555,8 @@
         </p:nvSpPr>
         <p:spPr>
           <a:xfrm rot="0">
-            <a:off x="1449705" y="2547620"/>
-            <a:ext cx="3939540" cy="647065"/>
+            <a:off x="6845935" y="4043680"/>
+            <a:ext cx="4199255" cy="2031365"/>
           </a:xfrm>
           <a:prstGeom prst="rect"/>
           <a:noFill/>
@@ -12019,37 +12576,14 @@
               <a:buNone/>
             </a:pPr>
             <a:r>
-              <a:rPr sz="1800" b="1">
-                <a:solidFill>
-                  <a:srgbClr val="0611F2"/>
-                </a:solidFill>
-                <a:latin typeface="맑은 고딕" charset="0"/>
-                <a:ea typeface="맑은 고딕" charset="0"/>
-              </a:rPr>
-              <a:t>3</a:t>
-            </a:r>
-            <a:r>
-              <a:rPr lang="ko-KR" sz="1800" b="1">
-                <a:solidFill>
-                  <a:srgbClr val="0611F2"/>
-                </a:solidFill>
-                <a:latin typeface="맑은 고딕" charset="0"/>
-                <a:ea typeface="맑은 고딕" charset="0"/>
-              </a:rPr>
-              <a:t>6</a:t>
-            </a:r>
-            <a:r>
-              <a:rPr sz="1800" b="1">
-                <a:solidFill>
-                  <a:srgbClr val="0611F2"/>
-                </a:solidFill>
-                <a:latin typeface="맑은 고딕" charset="0"/>
-                <a:ea typeface="맑은 고딕" charset="0"/>
-              </a:rPr>
-              <a:t>.</a:t>
-            </a:r>
-            <a:r>
-              <a:rPr sz="1800">
+              <a:rPr lang="ko-KR" sz="1800">
+                <a:latin typeface="맑은 고딕" charset="0"/>
+                <a:ea typeface="맑은 고딕" charset="0"/>
+              </a:rPr>
+              <a:t>라이트 맵은 실시간으로 생성되는 빛에 대한 정보를 한</a:t>
+            </a:r>
+            <a:r>
+              <a:rPr lang="ko-KR" sz="1800">
                 <a:latin typeface="맑은 고딕" charset="0"/>
                 <a:ea typeface="맑은 고딕" charset="0"/>
               </a:rPr>
@@ -12060,318 +12594,66 @@
                 <a:latin typeface="맑은 고딕" charset="0"/>
                 <a:ea typeface="맑은 고딕" charset="0"/>
               </a:rPr>
-              <a:t>그다음으로 Wood Street Light 오브젝트의 위치 값을 설정합니다.</a:t>
+              <a:t>번에 </a:t>
+            </a:r>
+            <a:r>
+              <a:rPr lang="ko-KR" sz="1800">
+                <a:latin typeface="맑은 고딕" charset="0"/>
+                <a:ea typeface="맑은 고딕" charset="0"/>
+              </a:rPr>
+              <a:t>저장한 </a:t>
+            </a:r>
+            <a:r>
+              <a:rPr lang="ko-KR" sz="1800">
+                <a:latin typeface="맑은 고딕" charset="0"/>
+                <a:ea typeface="맑은 고딕" charset="0"/>
+              </a:rPr>
+              <a:t>텍스처입니다.</a:t>
             </a:r>
             <a:endParaRPr lang="ko-KR" altLang="en-US" sz="1800">
               <a:latin typeface="맑은 고딕" charset="0"/>
               <a:ea typeface="맑은 고딕" charset="0"/>
             </a:endParaRPr>
           </a:p>
-        </p:txBody>
-      </p:sp>
-      <p:sp>
-        <p:nvSpPr>
-          <p:cNvPr id="1039" name="Rect 0"/>
-          <p:cNvSpPr txBox="1">
-            <a:spLocks/>
-          </p:cNvSpPr>
-          <p:nvPr/>
-        </p:nvSpPr>
-        <p:spPr>
-          <a:xfrm rot="0">
-            <a:off x="6842760" y="5208270"/>
-            <a:ext cx="4084320" cy="923925"/>
-          </a:xfrm>
-          <a:prstGeom prst="rect"/>
-          <a:noFill/>
-          <a:ln w="0">
-            <a:noFill/>
-            <a:prstDash/>
-          </a:ln>
-        </p:spPr>
-        <p:txBody>
-          <a:bodyPr wrap="square" lIns="89535" tIns="46355" rIns="89535" bIns="46355" numCol="1" vert="horz" anchor="t">
-            <a:spAutoFit/>
-          </a:bodyPr>
-          <a:lstStyle/>
           <a:p>
             <a:pPr marL="0" indent="0" rtl="0" algn="l" defTabSz="914400" eaLnBrk="1" latinLnBrk="0" hangingPunct="1">
               <a:buFontTx/>
               <a:buNone/>
             </a:pPr>
-            <a:r>
-              <a:rPr sz="1800" b="1">
-                <a:solidFill>
-                  <a:srgbClr val="0611F2"/>
-                </a:solidFill>
-                <a:latin typeface="맑은 고딕" charset="0"/>
-                <a:ea typeface="맑은 고딕" charset="0"/>
-              </a:rPr>
-              <a:t>3</a:t>
-            </a:r>
-            <a:r>
-              <a:rPr lang="ko-KR" sz="1800" b="1">
-                <a:solidFill>
-                  <a:srgbClr val="0611F2"/>
-                </a:solidFill>
-                <a:latin typeface="맑은 고딕" charset="0"/>
-                <a:ea typeface="맑은 고딕" charset="0"/>
-              </a:rPr>
-              <a:t>8</a:t>
-            </a:r>
-            <a:r>
-              <a:rPr sz="1800" b="1">
-                <a:solidFill>
-                  <a:srgbClr val="0611F2"/>
-                </a:solidFill>
-                <a:latin typeface="맑은 고딕" charset="0"/>
-                <a:ea typeface="맑은 고딕" charset="0"/>
-              </a:rPr>
-              <a:t>.</a:t>
-            </a:r>
-            <a:r>
-              <a:rPr sz="1800">
-                <a:latin typeface="맑은 고딕" charset="0"/>
-                <a:ea typeface="맑은 고딕" charset="0"/>
-              </a:rPr>
-              <a:t> 그</a:t>
-            </a:r>
-            <a:r>
-              <a:rPr lang="ko-KR" sz="1800">
-                <a:latin typeface="맑은 고딕" charset="0"/>
-                <a:ea typeface="맑은 고딕" charset="0"/>
-              </a:rPr>
-              <a:t>런 다음 Light에서 Point Light를 생성한 다음 Emergency Light라는 이름으로 정의합니다</a:t>
-            </a:r>
-            <a:r>
-              <a:rPr lang="ko-KR" sz="1800">
-                <a:latin typeface="맑은 고딕" charset="0"/>
-                <a:ea typeface="맑은 고딕" charset="0"/>
-              </a:rPr>
-              <a:t>.</a:t>
-            </a:r>
             <a:endParaRPr lang="ko-KR" altLang="en-US" sz="1800">
               <a:latin typeface="맑은 고딕" charset="0"/>
               <a:ea typeface="맑은 고딕" charset="0"/>
             </a:endParaRPr>
           </a:p>
+          <a:p>
+            <a:pPr marL="0" indent="0" rtl="0" algn="l" defTabSz="914400" eaLnBrk="1" latinLnBrk="0" hangingPunct="1">
+              <a:buFontTx/>
+              <a:buNone/>
+            </a:pPr>
+            <a:r>
+              <a:rPr lang="ko-KR" sz="1800">
+                <a:latin typeface="맑은 고딕" charset="0"/>
+                <a:ea typeface="맑은 고딕" charset="0"/>
+              </a:rPr>
+              <a:t>라이트 맵의 경우 빛을 받은 게임 오브젝트는 그림자와 반사면이 고정되어 있는 형태로 설정됩니다.</a:t>
+            </a:r>
+            <a:endParaRPr lang="ko-KR" altLang="en-US" sz="1800">
+              <a:latin typeface="맑은 고딕" charset="0"/>
+              <a:ea typeface="맑은 고딕" charset="0"/>
+            </a:endParaRPr>
+          </a:p>
         </p:txBody>
       </p:sp>
       <p:pic>
         <p:nvPicPr>
-          <p:cNvPr id="1040" name="그림 37"/>
+          <p:cNvPr id="1207" name="그림 29"/>
           <p:cNvPicPr>
             <a:picLocks noChangeAspect="1"/>
           </p:cNvPicPr>
           <p:nvPr/>
         </p:nvPicPr>
         <p:blipFill rotWithShape="1">
-          <a:blip r:embed="rId2" cstate="print">
-            <a:extLst>
-              <a:ext uri="{28A0092B-C50C-407E-A947-70E740481C1C}">
-                <a14:useLocalDpi xmlns:a14="http://schemas.microsoft.com/office/drawing/2010/main" val="0"/>
-              </a:ext>
-            </a:extLst>
-          </a:blip>
-          <a:stretch>
-            <a:fillRect/>
-          </a:stretch>
-        </p:blipFill>
-        <p:spPr>
-          <a:xfrm rot="0">
-            <a:off x="1445260" y="1333500"/>
-            <a:ext cx="3943350" cy="1166495"/>
-          </a:xfrm>
-          <a:prstGeom prst="roundRect"/>
-          <a:solidFill>
-            <a:srgbClr val="EDEDED"/>
-          </a:solidFill>
-        </p:spPr>
-      </p:pic>
-      <p:pic>
-        <p:nvPicPr>
-          <p:cNvPr id="1041" name="그림 41"/>
-          <p:cNvPicPr>
-            <a:picLocks noChangeAspect="1"/>
-          </p:cNvPicPr>
-          <p:nvPr/>
-        </p:nvPicPr>
-        <p:blipFill rotWithShape="1">
-          <a:blip r:embed="rId3" cstate="print">
-            <a:extLst>
-              <a:ext uri="{28A0092B-C50C-407E-A947-70E740481C1C}">
-                <a14:useLocalDpi xmlns:a14="http://schemas.microsoft.com/office/drawing/2010/main" val="0"/>
-              </a:ext>
-            </a:extLst>
-          </a:blip>
-          <a:stretch>
-            <a:fillRect/>
-          </a:stretch>
-        </p:blipFill>
-        <p:spPr>
-          <a:xfrm rot="0">
-            <a:off x="1451610" y="3355975"/>
-            <a:ext cx="2172970" cy="2007235"/>
-          </a:xfrm>
-          <a:prstGeom prst="roundRect"/>
-          <a:solidFill>
-            <a:srgbClr val="EDEDED"/>
-          </a:solidFill>
-        </p:spPr>
-      </p:pic>
-      <p:pic>
-        <p:nvPicPr>
-          <p:cNvPr id="1042" name="그림 44"/>
-          <p:cNvPicPr>
-            <a:picLocks noChangeAspect="1"/>
-          </p:cNvPicPr>
-          <p:nvPr/>
-        </p:nvPicPr>
-        <p:blipFill rotWithShape="1">
-          <a:blip r:embed="rId4" cstate="print">
-            <a:extLst>
-              <a:ext uri="{28A0092B-C50C-407E-A947-70E740481C1C}">
-                <a14:useLocalDpi xmlns:a14="http://schemas.microsoft.com/office/drawing/2010/main" val="0"/>
-              </a:ext>
-            </a:extLst>
-          </a:blip>
-          <a:stretch>
-            <a:fillRect/>
-          </a:stretch>
-        </p:blipFill>
-        <p:spPr>
-          <a:xfrm rot="0">
-            <a:off x="3883025" y="3364230"/>
-            <a:ext cx="1506220" cy="1998980"/>
-          </a:xfrm>
-          <a:prstGeom prst="roundRect"/>
-          <a:solidFill>
-            <a:srgbClr val="EDEDED"/>
-          </a:solidFill>
-        </p:spPr>
-      </p:pic>
-      <p:sp>
-        <p:nvSpPr>
-          <p:cNvPr id="1043" name="텍스트 상자 45"/>
-          <p:cNvSpPr txBox="1">
-            <a:spLocks/>
-          </p:cNvSpPr>
-          <p:nvPr/>
-        </p:nvSpPr>
-        <p:spPr>
-          <a:xfrm rot="0">
-            <a:off x="1466215" y="5487035"/>
-            <a:ext cx="3923030" cy="647065"/>
-          </a:xfrm>
-          <a:prstGeom prst="rect"/>
-          <a:noFill/>
-          <a:ln w="0">
-            <a:noFill/>
-            <a:prstDash/>
-          </a:ln>
-        </p:spPr>
-        <p:txBody>
-          <a:bodyPr wrap="square" lIns="89535" tIns="46355" rIns="89535" bIns="46355" numCol="1" vert="horz" anchor="t">
-            <a:spAutoFit/>
-          </a:bodyPr>
-          <a:lstStyle/>
-          <a:p>
-            <a:pPr marL="0" indent="0" rtl="0" algn="l" defTabSz="914400" eaLnBrk="1" latinLnBrk="0" hangingPunct="1">
-              <a:buFontTx/>
-              <a:buNone/>
-            </a:pPr>
-            <a:r>
-              <a:rPr sz="1800" b="1">
-                <a:solidFill>
-                  <a:srgbClr val="0611F2"/>
-                </a:solidFill>
-                <a:latin typeface="맑은 고딕" charset="0"/>
-                <a:ea typeface="맑은 고딕" charset="0"/>
-              </a:rPr>
-              <a:t>3</a:t>
-            </a:r>
-            <a:r>
-              <a:rPr lang="ko-KR" sz="1800" b="1">
-                <a:solidFill>
-                  <a:srgbClr val="0611F2"/>
-                </a:solidFill>
-                <a:latin typeface="맑은 고딕" charset="0"/>
-                <a:ea typeface="맑은 고딕" charset="0"/>
-              </a:rPr>
-              <a:t>7</a:t>
-            </a:r>
-            <a:r>
-              <a:rPr sz="1800" b="1">
-                <a:solidFill>
-                  <a:srgbClr val="0611F2"/>
-                </a:solidFill>
-                <a:latin typeface="맑은 고딕" charset="0"/>
-                <a:ea typeface="맑은 고딕" charset="0"/>
-              </a:rPr>
-              <a:t>.</a:t>
-            </a:r>
-            <a:r>
-              <a:rPr sz="1800">
-                <a:latin typeface="맑은 고딕" charset="0"/>
-                <a:ea typeface="맑은 고딕" charset="0"/>
-              </a:rPr>
-              <a:t> </a:t>
-            </a:r>
-            <a:r>
-              <a:rPr lang="ko-KR" sz="1800">
-                <a:latin typeface="맑은 고딕" charset="0"/>
-                <a:ea typeface="맑은 고딕" charset="0"/>
-              </a:rPr>
-              <a:t>이제 Character 오브젝트에 Contribute GI를 설정합니다.</a:t>
-            </a:r>
-            <a:endParaRPr lang="ko-KR" altLang="en-US" sz="1800">
-              <a:latin typeface="맑은 고딕" charset="0"/>
-              <a:ea typeface="맑은 고딕" charset="0"/>
-            </a:endParaRPr>
-          </a:p>
-        </p:txBody>
-      </p:sp>
-      <p:pic>
-        <p:nvPicPr>
-          <p:cNvPr id="1044" name="그림 46"/>
-          <p:cNvPicPr>
-            <a:picLocks noChangeAspect="1"/>
-          </p:cNvPicPr>
-          <p:nvPr/>
-        </p:nvPicPr>
-        <p:blipFill rotWithShape="1">
-          <a:blip r:embed="rId5" cstate="print">
-            <a:extLst>
-              <a:ext uri="{28A0092B-C50C-407E-A947-70E740481C1C}">
-                <a14:useLocalDpi xmlns:a14="http://schemas.microsoft.com/office/drawing/2010/main" val="0"/>
-              </a:ext>
-            </a:extLst>
-          </a:blip>
-          <a:stretch>
-            <a:fillRect/>
-          </a:stretch>
-        </p:blipFill>
-        <p:spPr>
-          <a:xfrm rot="0">
-            <a:off x="9583420" y="1877060"/>
-            <a:ext cx="1330325" cy="2629535"/>
-          </a:xfrm>
-          <a:prstGeom prst="roundRect"/>
-          <a:solidFill>
-            <a:srgbClr val="EDEDED"/>
-          </a:solidFill>
-        </p:spPr>
-      </p:pic>
-      <p:pic>
-        <p:nvPicPr>
-          <p:cNvPr id="1045" name="그림 49"/>
-          <p:cNvPicPr>
-            <a:picLocks noChangeAspect="1"/>
-          </p:cNvPicPr>
-          <p:nvPr/>
-        </p:nvPicPr>
-        <p:blipFill rotWithShape="1">
-          <a:blip r:embed="rId6" cstate="hqprint">
+          <a:blip r:embed="rId3" cstate="hqprint">
             <a:extLst>
               <a:ext uri="{28A0092B-C50C-407E-A947-70E740481C1C}">
                 <a14:useLocalDpi xmlns:a14="http://schemas.microsoft.com/office/drawing/2010/main"/>
@@ -12384,8 +12666,8 @@
         </p:blipFill>
         <p:spPr>
           <a:xfrm rot="0">
-            <a:off x="6832600" y="1332865"/>
-            <a:ext cx="2531110" cy="3727450"/>
+            <a:off x="6841490" y="1228725"/>
+            <a:ext cx="4194810" cy="2646680"/>
           </a:xfrm>
           <a:prstGeom prst="roundRect"/>
           <a:solidFill>
@@ -12393,6 +12675,123 @@
           </a:solidFill>
         </p:spPr>
       </p:pic>
+      <p:pic>
+        <p:nvPicPr>
+          <p:cNvPr id="1208" name="그림 48" descr="C:/Users/Admin1/AppData/Roaming/PolarisOffice/ETemp/10232_14344976/fImage211388841.png"/>
+          <p:cNvPicPr>
+            <a:picLocks noChangeAspect="1"/>
+          </p:cNvPicPr>
+          <p:nvPr/>
+        </p:nvPicPr>
+        <p:blipFill rotWithShape="1">
+          <a:blip r:embed="rId5" cstate="hqprint">
+            <a:extLst>
+              <a:ext uri="{28A0092B-C50C-407E-A947-70E740481C1C}">
+                <a14:useLocalDpi xmlns:a14="http://schemas.microsoft.com/office/drawing/2010/main"/>
+              </a:ext>
+            </a:extLst>
+          </a:blip>
+          <a:stretch>
+            <a:fillRect/>
+          </a:stretch>
+        </p:blipFill>
+        <p:spPr>
+          <a:xfrm rot="0">
+            <a:off x="1164590" y="1190625"/>
+            <a:ext cx="4023995" cy="4000500"/>
+          </a:xfrm>
+          <a:prstGeom prst="rect"/>
+          <a:noFill/>
+        </p:spPr>
+      </p:pic>
+      <p:sp>
+        <p:nvSpPr>
+          <p:cNvPr id="1209" name="텍스트 상자 49"/>
+          <p:cNvSpPr txBox="1">
+            <a:spLocks/>
+          </p:cNvSpPr>
+          <p:nvPr/>
+        </p:nvSpPr>
+        <p:spPr>
+          <a:xfrm rot="0">
+            <a:off x="1165860" y="5320665"/>
+            <a:ext cx="4013835" cy="908050"/>
+          </a:xfrm>
+          <a:prstGeom prst="rect"/>
+          <a:noFill/>
+        </p:spPr>
+        <p:txBody>
+          <a:bodyPr wrap="square" lIns="0" tIns="0" rIns="0" bIns="0" numCol="1" vert="horz" anchor="t">
+            <a:noAutofit/>
+          </a:bodyPr>
+          <a:lstStyle/>
+          <a:p>
+            <a:pPr marL="0" indent="0" algn="l" latinLnBrk="0" hangingPunct="1">
+              <a:buFontTx/>
+              <a:buNone/>
+            </a:pPr>
+            <a:r>
+              <a:rPr lang="ko-KR" sz="2000" b="1">
+                <a:solidFill>
+                  <a:srgbClr val="0611F2"/>
+                </a:solidFill>
+                <a:latin typeface="맑은 고딕" charset="0"/>
+                <a:ea typeface="맑은 고딕" charset="0"/>
+              </a:rPr>
+              <a:t>31.</a:t>
+            </a:r>
+            <a:r>
+              <a:rPr lang="ko-KR" sz="2000" b="1">
+                <a:solidFill>
+                  <a:srgbClr val="0611F2"/>
+                </a:solidFill>
+                <a:latin typeface="맑은 고딕" charset="0"/>
+                <a:ea typeface="맑은 고딕" charset="0"/>
+              </a:rPr>
+              <a:t> </a:t>
+            </a:r>
+            <a:r>
+              <a:rPr lang="ko-KR" sz="1800">
+                <a:latin typeface="맑은 고딕" charset="0"/>
+                <a:ea typeface="맑은 고딕" charset="0"/>
+              </a:rPr>
+              <a:t>그런 다음 Window에서 </a:t>
+            </a:r>
+            <a:r>
+              <a:rPr lang="ko-KR" sz="1800">
+                <a:latin typeface="맑은 고딕" charset="0"/>
+                <a:ea typeface="맑은 고딕" charset="0"/>
+              </a:rPr>
+              <a:t>Rendering을</a:t>
+            </a:r>
+            <a:r>
+              <a:rPr lang="ko-KR" sz="1800">
+                <a:latin typeface="맑은 고딕" charset="0"/>
+                <a:ea typeface="맑은 고딕" charset="0"/>
+              </a:rPr>
+              <a:t> 선택하고 Lighting </a:t>
+            </a:r>
+            <a:r>
+              <a:rPr lang="ko-KR" sz="1800">
+                <a:latin typeface="맑은 고딕" charset="0"/>
+                <a:ea typeface="맑은 고딕" charset="0"/>
+              </a:rPr>
+              <a:t>Settings를</a:t>
+            </a:r>
+            <a:r>
+              <a:rPr lang="ko-KR" sz="1800">
+                <a:latin typeface="맑은 고딕" charset="0"/>
+                <a:ea typeface="맑은 고딕" charset="0"/>
+              </a:rPr>
+              <a:t> 선택합니다. </a:t>
+            </a:r>
+            <a:endParaRPr lang="ko-KR" altLang="en-US" sz="1800">
+              <a:latin typeface="맑은 고딕" charset="0"/>
+              <a:ea typeface="맑은 고딕" charset="0"/>
+            </a:endParaRPr>
+          </a:p>
+        </p:txBody>
+      </p:sp>
     </p:spTree>
   </p:cSld>
   <p:clrMapOvr>

--- a/Assets/Class/Light/PPT Data/Light Example.pptx
+++ b/Assets/Class/Light/PPT Data/Light Example.pptx
@@ -2,23 +2,23 @@
 <file path=ppt/presentation.xml><?xml version="1.0" encoding="utf-8"?>
 <p:presentation xmlns:a="http://schemas.openxmlformats.org/drawingml/2006/main" xmlns:r="http://schemas.openxmlformats.org/officeDocument/2006/relationships" xmlns:p="http://schemas.openxmlformats.org/presentationml/2006/main" xmlns:p14="http://schemas.microsoft.com/office/powerpoint/2010/main" saveSubsetFonts="1" firstSlideNum="0">
   <p:sldMasterIdLst>
-    <p:sldMasterId id="2147485987" r:id="rId12"/>
+    <p:sldMasterId id="2147486000" r:id="rId12"/>
   </p:sldMasterIdLst>
   <p:notesMasterIdLst>
     <p:notesMasterId r:id="rId14"/>
   </p:notesMasterIdLst>
   <p:sldIdLst>
     <p:sldId id="287" r:id="rId16"/>
-    <p:sldId id="315" r:id="rId17"/>
-    <p:sldId id="316" r:id="rId19"/>
-    <p:sldId id="317" r:id="rId20"/>
-    <p:sldId id="294" r:id="rId22"/>
-    <p:sldId id="299" r:id="rId23"/>
-    <p:sldId id="318" r:id="rId24"/>
-    <p:sldId id="310" r:id="rId25"/>
-    <p:sldId id="308" r:id="rId26"/>
-    <p:sldId id="311" r:id="rId27"/>
-    <p:sldId id="313" r:id="rId29"/>
+    <p:sldId id="315" r:id="rId18"/>
+    <p:sldId id="316" r:id="rId20"/>
+    <p:sldId id="317" r:id="rId22"/>
+    <p:sldId id="294" r:id="rId24"/>
+    <p:sldId id="299" r:id="rId26"/>
+    <p:sldId id="318" r:id="rId28"/>
+    <p:sldId id="310" r:id="rId30"/>
+    <p:sldId id="319" r:id="rId31"/>
+    <p:sldId id="308" r:id="rId32"/>
+    <p:sldId id="313" r:id="rId34"/>
   </p:sldIdLst>
   <p:sldSz cx="12192000" cy="6858000"/>
   <p:notesSz cx="6858000" cy="9144000"/>
@@ -649,7 +649,7 @@
         <p:spPr>
           <a:xfrm rot="0">
             <a:off x="685800" y="1143000"/>
-            <a:ext cx="5493385" cy="3093085"/>
+            <a:ext cx="5492750" cy="3092450"/>
           </a:xfrm>
           <a:prstGeom prst="rect"/>
           <a:noFill/>
@@ -688,7 +688,7 @@
         <p:spPr>
           <a:xfrm rot="0">
             <a:off x="685800" y="4400550"/>
-            <a:ext cx="5493385" cy="3607435"/>
+            <a:ext cx="5492750" cy="3606800"/>
           </a:xfrm>
           <a:prstGeom prst="rect"/>
         </p:spPr>
@@ -718,7 +718,7 @@
         <p:spPr>
           <a:xfrm rot="0">
             <a:off x="3884930" y="8685530"/>
-            <a:ext cx="2978785" cy="465455"/>
+            <a:ext cx="2978150" cy="464820"/>
           </a:xfrm>
           <a:prstGeom prst="rect"/>
         </p:spPr>
@@ -1927,7 +1927,7 @@
         <p:spPr>
           <a:xfrm rot="0">
             <a:off x="685800" y="1143000"/>
-            <a:ext cx="5492750" cy="3092450"/>
+            <a:ext cx="5494020" cy="3093720"/>
           </a:xfrm>
           <a:prstGeom prst="rect"/>
           <a:noFill/>
@@ -1966,7 +1966,7 @@
         <p:spPr>
           <a:xfrm rot="0">
             <a:off x="685800" y="4400550"/>
-            <a:ext cx="5492750" cy="3606800"/>
+            <a:ext cx="5494020" cy="3608070"/>
           </a:xfrm>
           <a:prstGeom prst="rect"/>
         </p:spPr>
@@ -1996,7 +1996,7 @@
         <p:spPr>
           <a:xfrm rot="0">
             <a:off x="3884930" y="8685530"/>
-            <a:ext cx="2978150" cy="464820"/>
+            <a:ext cx="2979420" cy="466090"/>
           </a:xfrm>
           <a:prstGeom prst="rect"/>
         </p:spPr>
@@ -7472,8 +7472,8 @@
         </p:nvSpPr>
         <p:spPr>
           <a:xfrm rot="0">
-            <a:off x="4110990" y="327660"/>
-            <a:ext cx="3985260" cy="554990"/>
+            <a:off x="4292600" y="318770"/>
+            <a:ext cx="3613150" cy="554990"/>
           </a:xfrm>
           <a:prstGeom prst="rect"/>
           <a:noFill/>
@@ -7510,7 +7510,7 @@
                 <a:latin typeface="맑은 고딕" charset="0"/>
                 <a:ea typeface="맑은 고딕" charset="0"/>
               </a:rPr>
-              <a:t>여섯</a:t>
+              <a:t>세</a:t>
             </a:r>
             <a:r>
               <a:rPr lang="ko-KR" altLang="en-US" sz="3000" b="1">
@@ -7534,7 +7534,7 @@
       </p:sp>
       <p:sp>
         <p:nvSpPr>
-          <p:cNvPr id="1043" name="Rect 0"/>
+          <p:cNvPr id="1191" name="Rect 0"/>
           <p:cNvSpPr txBox="1">
             <a:spLocks/>
           </p:cNvSpPr>
@@ -7542,8 +7542,8 @@
         </p:nvSpPr>
         <p:spPr>
           <a:xfrm rot="0">
-            <a:off x="1449070" y="2407920"/>
-            <a:ext cx="3923030" cy="647065"/>
+            <a:off x="6845935" y="4043680"/>
+            <a:ext cx="4199255" cy="2031365"/>
           </a:xfrm>
           <a:prstGeom prst="rect"/>
           <a:noFill/>
@@ -7563,37 +7563,14 @@
               <a:buNone/>
             </a:pPr>
             <a:r>
-              <a:rPr sz="1800" b="1">
-                <a:solidFill>
-                  <a:srgbClr val="0611F2"/>
-                </a:solidFill>
-                <a:latin typeface="맑은 고딕" charset="0"/>
-                <a:ea typeface="맑은 고딕" charset="0"/>
-              </a:rPr>
-              <a:t>3</a:t>
-            </a:r>
-            <a:r>
-              <a:rPr lang="ko-KR" sz="1800" b="1">
-                <a:solidFill>
-                  <a:srgbClr val="0611F2"/>
-                </a:solidFill>
-                <a:latin typeface="맑은 고딕" charset="0"/>
-                <a:ea typeface="맑은 고딕" charset="0"/>
-              </a:rPr>
-              <a:t>9</a:t>
-            </a:r>
-            <a:r>
-              <a:rPr sz="1800" b="1">
-                <a:solidFill>
-                  <a:srgbClr val="0611F2"/>
-                </a:solidFill>
-                <a:latin typeface="맑은 고딕" charset="0"/>
-                <a:ea typeface="맑은 고딕" charset="0"/>
-              </a:rPr>
-              <a:t>.</a:t>
-            </a:r>
-            <a:r>
-              <a:rPr sz="1800">
+              <a:rPr lang="ko-KR" sz="1800">
+                <a:latin typeface="맑은 고딕" charset="0"/>
+                <a:ea typeface="맑은 고딕" charset="0"/>
+              </a:rPr>
+              <a:t>라이트 맵은 실시간으로 생성되는 빛에 대한 정보를 한</a:t>
+            </a:r>
+            <a:r>
+              <a:rPr lang="ko-KR" sz="1800">
                 <a:latin typeface="맑은 고딕" charset="0"/>
                 <a:ea typeface="맑은 고딕" charset="0"/>
               </a:rPr>
@@ -7604,28 +7581,69 @@
                 <a:latin typeface="맑은 고딕" charset="0"/>
                 <a:ea typeface="맑은 고딕" charset="0"/>
               </a:rPr>
-              <a:t>그리고 Emergency Light 오브젝트의 위치 값을 설정합니다.</a:t>
+              <a:t>번에 </a:t>
+            </a:r>
+            <a:r>
+              <a:rPr lang="ko-KR" sz="1800">
+                <a:latin typeface="맑은 고딕" charset="0"/>
+                <a:ea typeface="맑은 고딕" charset="0"/>
+              </a:rPr>
+              <a:t>저장한 </a:t>
+            </a:r>
+            <a:r>
+              <a:rPr lang="ko-KR" sz="1800">
+                <a:latin typeface="맑은 고딕" charset="0"/>
+                <a:ea typeface="맑은 고딕" charset="0"/>
+              </a:rPr>
+              <a:t>텍스처입니다.</a:t>
             </a:r>
             <a:endParaRPr lang="ko-KR" altLang="en-US" sz="1800">
               <a:latin typeface="맑은 고딕" charset="0"/>
               <a:ea typeface="맑은 고딕" charset="0"/>
             </a:endParaRPr>
           </a:p>
+          <a:p>
+            <a:pPr marL="0" indent="0" rtl="0" algn="l" defTabSz="914400" eaLnBrk="1" latinLnBrk="0" hangingPunct="1">
+              <a:buFontTx/>
+              <a:buNone/>
+            </a:pPr>
+            <a:endParaRPr lang="ko-KR" altLang="en-US" sz="1800">
+              <a:latin typeface="맑은 고딕" charset="0"/>
+              <a:ea typeface="맑은 고딕" charset="0"/>
+            </a:endParaRPr>
+          </a:p>
+          <a:p>
+            <a:pPr marL="0" indent="0" rtl="0" algn="l" defTabSz="914400" eaLnBrk="1" latinLnBrk="0" hangingPunct="1">
+              <a:buFontTx/>
+              <a:buNone/>
+            </a:pPr>
+            <a:r>
+              <a:rPr lang="ko-KR" sz="1800">
+                <a:latin typeface="맑은 고딕" charset="0"/>
+                <a:ea typeface="맑은 고딕" charset="0"/>
+              </a:rPr>
+              <a:t>라이트 맵의 경우 빛을 받은 게임 오브젝트는 그림자와 반사면이 고정되어 있는 형태로 설정됩니다.</a:t>
+            </a:r>
+            <a:endParaRPr lang="ko-KR" altLang="en-US" sz="1800">
+              <a:latin typeface="맑은 고딕" charset="0"/>
+              <a:ea typeface="맑은 고딕" charset="0"/>
+            </a:endParaRPr>
+          </a:p>
         </p:txBody>
       </p:sp>
       <p:pic>
         <p:nvPicPr>
-          <p:cNvPr id="1046" name="그림 50"/>
+          <p:cNvPr id="1207" name="그림 29"/>
           <p:cNvPicPr>
             <a:picLocks noChangeAspect="1"/>
           </p:cNvPicPr>
           <p:nvPr/>
         </p:nvPicPr>
         <p:blipFill rotWithShape="1">
-          <a:blip r:embed="rId2" cstate="print">
+          <a:blip r:embed="rId3" cstate="hqprint">
             <a:extLst>
               <a:ext uri="{28A0092B-C50C-407E-A947-70E740481C1C}">
-                <a14:useLocalDpi xmlns:a14="http://schemas.microsoft.com/office/drawing/2010/main" val="0"/>
+                <a14:useLocalDpi xmlns:a14="http://schemas.microsoft.com/office/drawing/2010/main"/>
               </a:ext>
             </a:extLst>
           </a:blip>
@@ -7635,8 +7653,8 @@
         </p:blipFill>
         <p:spPr>
           <a:xfrm rot="0">
-            <a:off x="1454150" y="1332865"/>
-            <a:ext cx="3926205" cy="977265"/>
+            <a:off x="6841490" y="1228725"/>
+            <a:ext cx="4194810" cy="2646680"/>
           </a:xfrm>
           <a:prstGeom prst="roundRect"/>
           <a:solidFill>
@@ -7646,17 +7664,17 @@
       </p:pic>
       <p:pic>
         <p:nvPicPr>
-          <p:cNvPr id="1047" name="그림 53"/>
+          <p:cNvPr id="1208" name="그림 48" descr="C:/Users/Admin1/AppData/Roaming/PolarisOffice/ETemp/10232_14344976/fImage211388841.png"/>
           <p:cNvPicPr>
             <a:picLocks noChangeAspect="1"/>
           </p:cNvPicPr>
           <p:nvPr/>
         </p:nvPicPr>
         <p:blipFill rotWithShape="1">
-          <a:blip r:embed="rId3" cstate="print">
+          <a:blip r:embed="rId5" cstate="hqprint">
             <a:extLst>
               <a:ext uri="{28A0092B-C50C-407E-A947-70E740481C1C}">
-                <a14:useLocalDpi xmlns:a14="http://schemas.microsoft.com/office/drawing/2010/main" val="0"/>
+                <a14:useLocalDpi xmlns:a14="http://schemas.microsoft.com/office/drawing/2010/main"/>
               </a:ext>
             </a:extLst>
           </a:blip>
@@ -7666,18 +7684,16 @@
         </p:blipFill>
         <p:spPr>
           <a:xfrm rot="0">
-            <a:off x="1449705" y="3131185"/>
-            <a:ext cx="3921760" cy="1695450"/>
-          </a:xfrm>
-          <a:prstGeom prst="roundRect"/>
-          <a:solidFill>
-            <a:srgbClr val="EDEDED"/>
-          </a:solidFill>
+            <a:off x="1164590" y="1190625"/>
+            <a:ext cx="4023995" cy="4000500"/>
+          </a:xfrm>
+          <a:prstGeom prst="rect"/>
+          <a:noFill/>
         </p:spPr>
       </p:pic>
       <p:sp>
         <p:nvSpPr>
-          <p:cNvPr id="1048" name="텍스트 상자 56"/>
+          <p:cNvPr id="1209" name="텍스트 상자 49"/>
           <p:cNvSpPr txBox="1">
             <a:spLocks/>
           </p:cNvSpPr>
@@ -7685,51 +7701,40 @@
         </p:nvSpPr>
         <p:spPr>
           <a:xfrm rot="0">
-            <a:off x="1442720" y="4927600"/>
-            <a:ext cx="3937635" cy="1200785"/>
+            <a:off x="1165860" y="5320665"/>
+            <a:ext cx="4013835" cy="908050"/>
           </a:xfrm>
           <a:prstGeom prst="rect"/>
           <a:noFill/>
-          <a:ln w="0">
-            <a:noFill/>
-            <a:prstDash/>
-          </a:ln>
-        </p:spPr>
-        <p:txBody>
-          <a:bodyPr wrap="square" lIns="89535" tIns="46355" rIns="89535" bIns="46355" numCol="1" vert="horz" anchor="t">
-            <a:spAutoFit/>
+        </p:spPr>
+        <p:txBody>
+          <a:bodyPr wrap="square" lIns="0" tIns="0" rIns="0" bIns="0" numCol="1" vert="horz" anchor="t">
+            <a:noAutofit/>
           </a:bodyPr>
           <a:lstStyle/>
           <a:p>
-            <a:pPr marL="0" indent="0" rtl="0" algn="l" defTabSz="914400" eaLnBrk="1" latinLnBrk="0" hangingPunct="1">
-              <a:buFontTx/>
-              <a:buNone/>
-            </a:pPr>
-            <a:r>
-              <a:rPr lang="ko-KR" sz="1800" b="1">
+            <a:pPr marL="0" indent="0" algn="l" latinLnBrk="0" hangingPunct="1">
+              <a:buFontTx/>
+              <a:buNone/>
+            </a:pPr>
+            <a:r>
+              <a:rPr lang="ko-KR" sz="2000" b="1">
                 <a:solidFill>
                   <a:srgbClr val="0611F2"/>
                 </a:solidFill>
                 <a:latin typeface="맑은 고딕" charset="0"/>
                 <a:ea typeface="맑은 고딕" charset="0"/>
               </a:rPr>
-              <a:t>40</a:t>
-            </a:r>
-            <a:r>
-              <a:rPr sz="1800" b="1">
+              <a:t>31.</a:t>
+            </a:r>
+            <a:r>
+              <a:rPr lang="ko-KR" sz="2000" b="1">
                 <a:solidFill>
                   <a:srgbClr val="0611F2"/>
                 </a:solidFill>
                 <a:latin typeface="맑은 고딕" charset="0"/>
                 <a:ea typeface="맑은 고딕" charset="0"/>
               </a:rPr>
-              <a:t>.</a:t>
-            </a:r>
-            <a:r>
-              <a:rPr sz="1800">
-                <a:latin typeface="맑은 고딕" charset="0"/>
-                <a:ea typeface="맑은 고딕" charset="0"/>
-              </a:rPr>
               <a:t> </a:t>
             </a:r>
             <a:r>
@@ -7737,136 +7742,35 @@
                 <a:latin typeface="맑은 고딕" charset="0"/>
                 <a:ea typeface="맑은 고딕" charset="0"/>
               </a:rPr>
-              <a:t>그다음 Emergency Light의 색상과 Mode를 변경한 다음 Intensity와 Shadow Type을 설정합니다. </a:t>
-            </a:r>
-            <a:endParaRPr lang="ko-KR" altLang="en-US" sz="1800">
-              <a:latin typeface="맑은 고딕" charset="0"/>
-              <a:ea typeface="맑은 고딕" charset="0"/>
-            </a:endParaRPr>
-          </a:p>
-        </p:txBody>
-      </p:sp>
-      <p:pic>
-        <p:nvPicPr>
-          <p:cNvPr id="1049" name="그림 57"/>
-          <p:cNvPicPr>
-            <a:picLocks noChangeAspect="1"/>
-          </p:cNvPicPr>
-          <p:nvPr/>
-        </p:nvPicPr>
-        <p:blipFill rotWithShape="1">
-          <a:blip r:embed="rId4" cstate="print">
-            <a:extLst>
-              <a:ext uri="{28A0092B-C50C-407E-A947-70E740481C1C}">
-                <a14:useLocalDpi xmlns:a14="http://schemas.microsoft.com/office/drawing/2010/main" val="0"/>
-              </a:ext>
-            </a:extLst>
-          </a:blip>
-          <a:stretch>
-            <a:fillRect/>
-          </a:stretch>
-        </p:blipFill>
-        <p:spPr>
-          <a:xfrm rot="0">
-            <a:off x="6823710" y="1330325"/>
-            <a:ext cx="4091940" cy="2657475"/>
-          </a:xfrm>
-          <a:prstGeom prst="roundRect"/>
-          <a:solidFill>
-            <a:srgbClr val="EDEDED"/>
-          </a:solidFill>
-        </p:spPr>
-      </p:pic>
-      <p:sp>
-        <p:nvSpPr>
-          <p:cNvPr id="1050" name="텍스트 상자 60"/>
-          <p:cNvSpPr txBox="1">
-            <a:spLocks/>
-          </p:cNvSpPr>
-          <p:nvPr/>
-        </p:nvSpPr>
-        <p:spPr>
-          <a:xfrm rot="0">
-            <a:off x="6824980" y="4099560"/>
-            <a:ext cx="4090670" cy="2031365"/>
-          </a:xfrm>
-          <a:prstGeom prst="rect"/>
-          <a:noFill/>
-          <a:ln w="0">
-            <a:noFill/>
-            <a:prstDash/>
-          </a:ln>
-        </p:spPr>
-        <p:txBody>
-          <a:bodyPr wrap="square" lIns="89535" tIns="46355" rIns="89535" bIns="46355" numCol="1" vert="horz" anchor="t">
-            <a:spAutoFit/>
-          </a:bodyPr>
-          <a:lstStyle/>
-          <a:p>
-            <a:pPr marL="0" indent="0" rtl="0" algn="l" defTabSz="914400" eaLnBrk="1" latinLnBrk="0" hangingPunct="1">
-              <a:buFontTx/>
-              <a:buNone/>
-            </a:pPr>
-            <a:r>
-              <a:rPr lang="ko-KR" sz="1800" b="1">
-                <a:solidFill>
-                  <a:srgbClr val="0611F2"/>
-                </a:solidFill>
-                <a:latin typeface="맑은 고딕" charset="0"/>
-                <a:ea typeface="맑은 고딕" charset="0"/>
-              </a:rPr>
-              <a:t>41</a:t>
-            </a:r>
-            <a:r>
-              <a:rPr sz="1800" b="1">
-                <a:solidFill>
-                  <a:srgbClr val="0611F2"/>
-                </a:solidFill>
-                <a:latin typeface="맑은 고딕" charset="0"/>
-                <a:ea typeface="맑은 고딕" charset="0"/>
-              </a:rPr>
-              <a:t>.</a:t>
-            </a:r>
-            <a:r>
-              <a:rPr sz="1800">
-                <a:latin typeface="맑은 고딕" charset="0"/>
-                <a:ea typeface="맑은 고딕" charset="0"/>
-              </a:rPr>
-              <a:t> </a:t>
-            </a:r>
-            <a:r>
-              <a:rPr lang="ko-KR" sz="1800">
-                <a:latin typeface="맑은 고딕" charset="0"/>
-                <a:ea typeface="맑은 고딕" charset="0"/>
-              </a:rPr>
-              <a:t>이제 Patrol 스크립트에서 int 변수를 선언합니다.</a:t>
-            </a:r>
-            <a:endParaRPr lang="ko-KR" altLang="en-US" sz="1800">
-              <a:latin typeface="맑은 고딕" charset="0"/>
-              <a:ea typeface="맑은 고딕" charset="0"/>
-            </a:endParaRPr>
-          </a:p>
-          <a:p>
-            <a:pPr marL="0" indent="0" rtl="0" algn="l" defTabSz="914400" eaLnBrk="1" latinLnBrk="0" hangingPunct="1">
-              <a:buFontTx/>
-              <a:buNone/>
-            </a:pPr>
-            <a:endParaRPr lang="ko-KR" altLang="en-US" sz="1800">
-              <a:latin typeface="맑은 고딕" charset="0"/>
-              <a:ea typeface="맑은 고딕" charset="0"/>
-            </a:endParaRPr>
-          </a:p>
-          <a:p>
-            <a:pPr marL="0" indent="0" rtl="0" algn="l" defTabSz="914400" eaLnBrk="1" latinLnBrk="0" hangingPunct="1">
-              <a:buFontTx/>
-              <a:buNone/>
-            </a:pPr>
-            <a:r>
-              <a:rPr lang="ko-KR" sz="1800">
-                <a:latin typeface="맑은 고딕" charset="0"/>
-                <a:ea typeface="맑은 고딕" charset="0"/>
-              </a:rPr>
-              <a:t>그리고 Vector3.MoveTowards( )함수를 사용하여 자기 위치에서 도착 지점까지 일정한 속도로 이동하도록 설정합니다. </a:t>
+              <a:t>그런 다음 Window에서 </a:t>
+            </a:r>
+            <a:r>
+              <a:rPr lang="ko-KR" sz="1800">
+                <a:latin typeface="맑은 고딕" charset="0"/>
+                <a:ea typeface="맑은 고딕" charset="0"/>
+              </a:rPr>
+              <a:t>Rendering을</a:t>
+            </a:r>
+            <a:r>
+              <a:rPr lang="ko-KR" sz="1800">
+                <a:latin typeface="맑은 고딕" charset="0"/>
+                <a:ea typeface="맑은 고딕" charset="0"/>
+              </a:rPr>
+              <a:t> 선택하고 Lighting </a:t>
+            </a:r>
+            <a:r>
+              <a:rPr lang="ko-KR" sz="1800">
+                <a:latin typeface="맑은 고딕" charset="0"/>
+                <a:ea typeface="맑은 고딕" charset="0"/>
+              </a:rPr>
+              <a:t>Settings를</a:t>
+            </a:r>
+            <a:r>
+              <a:rPr lang="ko-KR" sz="1800">
+                <a:latin typeface="맑은 고딕" charset="0"/>
+                <a:ea typeface="맑은 고딕" charset="0"/>
+              </a:rPr>
+              <a:t> 선택합니다. </a:t>
             </a:r>
             <a:endParaRPr lang="ko-KR" altLang="en-US" sz="1800">
               <a:latin typeface="맑은 고딕" charset="0"/>
@@ -12248,7 +12152,7 @@
       </p:sp>
       <p:pic>
         <p:nvPicPr>
-          <p:cNvPr id="1042" name="그림 44" descr="C:/Users/Admin1/AppData/Roaming/PolarisOffice/ETemp/10232_14344976/fImage50303243281.png"/>
+          <p:cNvPr id="1042" name="그림 44" descr="C:/Users/Admin1/AppData/Roaming/PolarisOffice/ETemp/23248_23591048/fImage50303243281.png"/>
           <p:cNvPicPr>
             <a:picLocks noChangeAspect="1"/>
           </p:cNvPicPr>
@@ -12268,8 +12172,8 @@
         </p:blipFill>
         <p:spPr>
           <a:xfrm rot="0">
-            <a:off x="3684905" y="1438275"/>
-            <a:ext cx="1699260" cy="1706245"/>
+            <a:off x="3342005" y="1447165"/>
+            <a:ext cx="2042795" cy="1370330"/>
           </a:xfrm>
           <a:prstGeom prst="roundRect"/>
           <a:solidFill>
@@ -12287,8 +12191,8 @@
         </p:nvSpPr>
         <p:spPr>
           <a:xfrm rot="0">
-            <a:off x="1223010" y="3316605"/>
-            <a:ext cx="4161155" cy="647065"/>
+            <a:off x="1231900" y="2963545"/>
+            <a:ext cx="4152900" cy="647065"/>
           </a:xfrm>
           <a:prstGeom prst="rect"/>
           <a:noFill/>
@@ -12315,8 +12219,104 @@
                 <a:latin typeface="맑은 고딕" charset="0"/>
                 <a:ea typeface="맑은 고딕" charset="0"/>
               </a:rPr>
-              <a:t>2</a:t>
-            </a:r>
+              <a:t>20.</a:t>
+            </a:r>
+            <a:r>
+              <a:rPr sz="1800">
+                <a:latin typeface="맑은 고딕" charset="0"/>
+                <a:ea typeface="맑은 고딕" charset="0"/>
+              </a:rPr>
+              <a:t> </a:t>
+            </a:r>
+            <a:r>
+              <a:rPr lang="ko-KR" sz="1800">
+                <a:latin typeface="맑은 고딕" charset="0"/>
+                <a:ea typeface="맑은 고딕" charset="0"/>
+              </a:rPr>
+              <a:t>그다음 Left Ground 오브젝트에 </a:t>
+            </a:r>
+            <a:r>
+              <a:rPr lang="ko-KR" sz="1800">
+                <a:latin typeface="맑은 고딕" charset="0"/>
+                <a:ea typeface="맑은 고딕" charset="0"/>
+              </a:rPr>
+              <a:t>Contribute</a:t>
+            </a:r>
+            <a:r>
+              <a:rPr lang="ko-KR" sz="1800">
+                <a:latin typeface="맑은 고딕" charset="0"/>
+                <a:ea typeface="맑은 고딕" charset="0"/>
+              </a:rPr>
+              <a:t> GI를 설정합니다.</a:t>
+            </a:r>
+            <a:endParaRPr lang="ko-KR" altLang="en-US" sz="1800">
+              <a:latin typeface="맑은 고딕" charset="0"/>
+              <a:ea typeface="맑은 고딕" charset="0"/>
+            </a:endParaRPr>
+          </a:p>
+        </p:txBody>
+      </p:sp>
+      <p:pic>
+        <p:nvPicPr>
+          <p:cNvPr id="1044" name="그림 1" descr="C:/Users/Admin1/AppData/Roaming/PolarisOffice/ETemp/23248_23591048/fImage80882679358.png"/>
+          <p:cNvPicPr>
+            <a:picLocks noChangeAspect="1"/>
+          </p:cNvPicPr>
+          <p:nvPr/>
+        </p:nvPicPr>
+        <p:blipFill rotWithShape="1">
+          <a:blip r:embed="rId8" cstate="hqprint">
+            <a:extLst>
+              <a:ext uri="{28A0092B-C50C-407E-A947-70E740481C1C}">
+                <a14:useLocalDpi xmlns:a14="http://schemas.microsoft.com/office/drawing/2010/main"/>
+              </a:ext>
+            </a:extLst>
+          </a:blip>
+          <a:stretch>
+            <a:fillRect/>
+          </a:stretch>
+        </p:blipFill>
+        <p:spPr>
+          <a:xfrm rot="0">
+            <a:off x="1240790" y="1438275"/>
+            <a:ext cx="1903730" cy="1376680"/>
+          </a:xfrm>
+          <a:prstGeom prst="roundRect"/>
+          <a:solidFill>
+            <a:srgbClr val="EDEDED"/>
+          </a:solidFill>
+        </p:spPr>
+      </p:pic>
+      <p:sp>
+        <p:nvSpPr>
+          <p:cNvPr id="1046" name="텍스트 상자 3"/>
+          <p:cNvSpPr txBox="1">
+            <a:spLocks/>
+          </p:cNvSpPr>
+          <p:nvPr/>
+        </p:nvSpPr>
+        <p:spPr>
+          <a:xfrm rot="0">
+            <a:off x="1240790" y="5283200"/>
+            <a:ext cx="4143375" cy="923925"/>
+          </a:xfrm>
+          <a:prstGeom prst="rect"/>
+          <a:noFill/>
+          <a:ln w="0">
+            <a:noFill/>
+            <a:prstDash/>
+          </a:ln>
+        </p:spPr>
+        <p:txBody>
+          <a:bodyPr wrap="square" lIns="89535" tIns="46355" rIns="89535" bIns="46355" numCol="1" vert="horz" anchor="t">
+            <a:spAutoFit/>
+          </a:bodyPr>
+          <a:lstStyle/>
+          <a:p>
+            <a:pPr marL="0" indent="0" rtl="0" algn="l" defTabSz="914400" eaLnBrk="1" latinLnBrk="0" hangingPunct="1">
+              <a:buFontTx/>
+              <a:buNone/>
+            </a:pPr>
             <a:r>
               <a:rPr sz="1800" b="1">
                 <a:solidFill>
@@ -12325,7 +12325,7 @@
                 <a:latin typeface="맑은 고딕" charset="0"/>
                 <a:ea typeface="맑은 고딕" charset="0"/>
               </a:rPr>
-              <a:t>0</a:t>
+              <a:t>2</a:t>
             </a:r>
             <a:r>
               <a:rPr sz="1800" b="1">
@@ -12335,6 +12335,16 @@
                 <a:latin typeface="맑은 고딕" charset="0"/>
                 <a:ea typeface="맑은 고딕" charset="0"/>
               </a:rPr>
+              <a:t>1</a:t>
+            </a:r>
+            <a:r>
+              <a:rPr sz="1800" b="1">
+                <a:solidFill>
+                  <a:srgbClr val="0611F2"/>
+                </a:solidFill>
+                <a:latin typeface="맑은 고딕" charset="0"/>
+                <a:ea typeface="맑은 고딕" charset="0"/>
+              </a:rPr>
               <a:t>.</a:t>
             </a:r>
             <a:r>
@@ -12349,14 +12359,14 @@
                 <a:latin typeface="맑은 고딕" charset="0"/>
                 <a:ea typeface="맑은 고딕" charset="0"/>
               </a:rPr>
-              <a:t>그다음 </a:t>
-            </a:r>
-            <a:r>
-              <a:rPr lang="ko-KR" sz="1800">
-                <a:latin typeface="맑은 고딕" charset="0"/>
-                <a:ea typeface="맑은 고딕" charset="0"/>
-              </a:rPr>
-              <a:t>Left</a:t>
+              <a:t>그러고 나서 Right Ground </a:t>
+            </a:r>
+            <a:r>
+              <a:rPr lang="ko-KR" sz="1800">
+                <a:latin typeface="맑은 고딕" charset="0"/>
+                <a:ea typeface="맑은 고딕" charset="0"/>
+              </a:rPr>
+              <a:t>오브젝트에</a:t>
             </a:r>
             <a:r>
               <a:rPr lang="ko-KR" sz="1800">
@@ -12370,34 +12380,6 @@
                 <a:latin typeface="맑은 고딕" charset="0"/>
                 <a:ea typeface="맑은 고딕" charset="0"/>
               </a:rPr>
-              <a:t>Ground</a:t>
-            </a:r>
-            <a:r>
-              <a:rPr lang="ko-KR" sz="1800">
-                <a:latin typeface="맑은 고딕" charset="0"/>
-                <a:ea typeface="맑은 고딕" charset="0"/>
-              </a:rPr>
-              <a:t> </a:t>
-            </a:r>
-            <a:r>
-              <a:rPr lang="ko-KR" sz="1800">
-                <a:latin typeface="맑은 고딕" charset="0"/>
-                <a:ea typeface="맑은 고딕" charset="0"/>
-              </a:rPr>
-              <a:t>오브젝트에</a:t>
-            </a:r>
-            <a:r>
-              <a:rPr lang="ko-KR" sz="1800">
-                <a:latin typeface="맑은 고딕" charset="0"/>
-                <a:ea typeface="맑은 고딕" charset="0"/>
-              </a:rPr>
-              <a:t> </a:t>
-            </a:r>
-            <a:r>
-              <a:rPr lang="ko-KR" sz="1800">
-                <a:latin typeface="맑은 고딕" charset="0"/>
-                <a:ea typeface="맑은 고딕" charset="0"/>
-              </a:rPr>
               <a:t>Contribute</a:t>
             </a:r>
             <a:r>
@@ -12405,21 +12387,7 @@
                 <a:latin typeface="맑은 고딕" charset="0"/>
                 <a:ea typeface="맑은 고딕" charset="0"/>
               </a:rPr>
-              <a:t> </a:t>
-            </a:r>
-            <a:r>
-              <a:rPr lang="ko-KR" sz="1800">
-                <a:latin typeface="맑은 고딕" charset="0"/>
-                <a:ea typeface="맑은 고딕" charset="0"/>
-              </a:rPr>
-              <a:t>GI를</a:t>
-            </a:r>
-            <a:r>
-              <a:rPr lang="ko-KR" sz="1800">
-                <a:latin typeface="맑은 고딕" charset="0"/>
-                <a:ea typeface="맑은 고딕" charset="0"/>
-              </a:rPr>
-              <a:t> </a:t>
+              <a:t> GI를 </a:t>
             </a:r>
             <a:r>
               <a:rPr lang="ko-KR" sz="1800">
@@ -12435,6 +12403,581 @@
           </a:p>
         </p:txBody>
       </p:sp>
+      <p:pic>
+        <p:nvPicPr>
+          <p:cNvPr id="1047" name="그림 7" descr="C:/Users/Admin1/AppData/Roaming/PolarisOffice/ETemp/23248_23591048/fImage50303243281.png"/>
+          <p:cNvPicPr>
+            <a:picLocks noChangeAspect="1"/>
+          </p:cNvPicPr>
+          <p:nvPr/>
+        </p:nvPicPr>
+        <p:blipFill rotWithShape="1">
+          <a:blip r:embed="rId4" cstate="hqprint">
+            <a:extLst>
+              <a:ext uri="{28A0092B-C50C-407E-A947-70E740481C1C}">
+                <a14:useLocalDpi xmlns:a14="http://schemas.microsoft.com/office/drawing/2010/main"/>
+              </a:ext>
+            </a:extLst>
+          </a:blip>
+          <a:stretch>
+            <a:fillRect/>
+          </a:stretch>
+        </p:blipFill>
+        <p:spPr>
+          <a:xfrm rot="0">
+            <a:off x="3342005" y="3766820"/>
+            <a:ext cx="2042160" cy="1376045"/>
+          </a:xfrm>
+          <a:prstGeom prst="roundRect"/>
+          <a:solidFill>
+            <a:srgbClr val="EDEDED"/>
+          </a:solidFill>
+        </p:spPr>
+      </p:pic>
+      <p:pic>
+        <p:nvPicPr>
+          <p:cNvPr id="1048" name="그림 9" descr="C:/Users/Admin1/AppData/Roaming/PolarisOffice/ETemp/23248_23591048/fImage80712784464.png"/>
+          <p:cNvPicPr>
+            <a:picLocks noChangeAspect="1"/>
+          </p:cNvPicPr>
+          <p:nvPr/>
+        </p:nvPicPr>
+        <p:blipFill rotWithShape="1">
+          <a:blip r:embed="rId9" cstate="hqprint">
+            <a:extLst>
+              <a:ext uri="{28A0092B-C50C-407E-A947-70E740481C1C}">
+                <a14:useLocalDpi xmlns:a14="http://schemas.microsoft.com/office/drawing/2010/main"/>
+              </a:ext>
+            </a:extLst>
+          </a:blip>
+          <a:stretch>
+            <a:fillRect/>
+          </a:stretch>
+        </p:blipFill>
+        <p:spPr>
+          <a:xfrm rot="0">
+            <a:off x="1228090" y="3755390"/>
+            <a:ext cx="1908175" cy="1379220"/>
+          </a:xfrm>
+          <a:prstGeom prst="roundRect"/>
+          <a:solidFill>
+            <a:srgbClr val="EDEDED"/>
+          </a:solidFill>
+        </p:spPr>
+      </p:pic>
+      <p:pic>
+        <p:nvPicPr>
+          <p:cNvPr id="1049" name="그림 10" descr="C:/Users/Admin1/AppData/Roaming/PolarisOffice/ETemp/23248_23591048/fImage803917841.png"/>
+          <p:cNvPicPr>
+            <a:picLocks noChangeAspect="1"/>
+          </p:cNvPicPr>
+          <p:nvPr/>
+        </p:nvPicPr>
+        <p:blipFill rotWithShape="1">
+          <a:blip r:embed="rId10" cstate="print">
+            <a:extLst>
+              <a:ext uri="{28A0092B-C50C-407E-A947-70E740481C1C}">
+                <a14:useLocalDpi xmlns:a14="http://schemas.microsoft.com/office/drawing/2010/main" val="0"/>
+              </a:ext>
+            </a:extLst>
+          </a:blip>
+          <a:stretch>
+            <a:fillRect/>
+          </a:stretch>
+        </p:blipFill>
+        <p:spPr>
+          <a:xfrm rot="0">
+            <a:off x="6830695" y="1444625"/>
+            <a:ext cx="1232535" cy="1268095"/>
+          </a:xfrm>
+          <a:prstGeom prst="roundRect"/>
+          <a:solidFill>
+            <a:srgbClr val="EDEDED"/>
+          </a:solidFill>
+        </p:spPr>
+      </p:pic>
+      <p:pic>
+        <p:nvPicPr>
+          <p:cNvPr id="1050" name="그림 11" descr="C:/Users/Admin1/AppData/Roaming/PolarisOffice/ETemp/23248_23591048/fImage482571798467.png"/>
+          <p:cNvPicPr>
+            <a:picLocks noChangeAspect="1"/>
+          </p:cNvPicPr>
+          <p:nvPr/>
+        </p:nvPicPr>
+        <p:blipFill rotWithShape="1">
+          <a:blip r:embed="rId11" cstate="print">
+            <a:extLst>
+              <a:ext uri="{28A0092B-C50C-407E-A947-70E740481C1C}">
+                <a14:useLocalDpi xmlns:a14="http://schemas.microsoft.com/office/drawing/2010/main" val="0"/>
+              </a:ext>
+            </a:extLst>
+          </a:blip>
+          <a:stretch>
+            <a:fillRect/>
+          </a:stretch>
+        </p:blipFill>
+        <p:spPr>
+          <a:xfrm rot="0">
+            <a:off x="8183245" y="1450975"/>
+            <a:ext cx="2774315" cy="1254125"/>
+          </a:xfrm>
+          <a:prstGeom prst="roundRect"/>
+          <a:solidFill>
+            <a:srgbClr val="EDEDED"/>
+          </a:solidFill>
+        </p:spPr>
+      </p:pic>
+      <p:sp>
+        <p:nvSpPr>
+          <p:cNvPr id="1051" name="텍스트 상자 18"/>
+          <p:cNvSpPr txBox="1">
+            <a:spLocks/>
+          </p:cNvSpPr>
+          <p:nvPr/>
+        </p:nvSpPr>
+        <p:spPr>
+          <a:xfrm rot="0">
+            <a:off x="6842125" y="2854325"/>
+            <a:ext cx="4115435" cy="923925"/>
+          </a:xfrm>
+          <a:prstGeom prst="rect"/>
+          <a:noFill/>
+          <a:ln w="0">
+            <a:noFill/>
+            <a:prstDash/>
+          </a:ln>
+        </p:spPr>
+        <p:txBody>
+          <a:bodyPr wrap="square" lIns="89535" tIns="46355" rIns="89535" bIns="46355" numCol="1" vert="horz" anchor="t">
+            <a:spAutoFit/>
+          </a:bodyPr>
+          <a:lstStyle/>
+          <a:p>
+            <a:pPr marL="0" indent="0" rtl="0" algn="l" defTabSz="914400" eaLnBrk="1" latinLnBrk="0" hangingPunct="1">
+              <a:buFontTx/>
+              <a:buNone/>
+            </a:pPr>
+            <a:r>
+              <a:rPr sz="1800" b="1">
+                <a:solidFill>
+                  <a:srgbClr val="0611F2"/>
+                </a:solidFill>
+                <a:latin typeface="맑은 고딕" charset="0"/>
+                <a:ea typeface="맑은 고딕" charset="0"/>
+              </a:rPr>
+              <a:t>2</a:t>
+            </a:r>
+            <a:r>
+              <a:rPr sz="1800" b="1">
+                <a:solidFill>
+                  <a:srgbClr val="0611F2"/>
+                </a:solidFill>
+                <a:latin typeface="맑은 고딕" charset="0"/>
+                <a:ea typeface="맑은 고딕" charset="0"/>
+              </a:rPr>
+              <a:t>2</a:t>
+            </a:r>
+            <a:r>
+              <a:rPr sz="1800" b="1">
+                <a:solidFill>
+                  <a:srgbClr val="0611F2"/>
+                </a:solidFill>
+                <a:latin typeface="맑은 고딕" charset="0"/>
+                <a:ea typeface="맑은 고딕" charset="0"/>
+              </a:rPr>
+              <a:t>.</a:t>
+            </a:r>
+            <a:r>
+              <a:rPr sz="1800">
+                <a:latin typeface="맑은 고딕" charset="0"/>
+                <a:ea typeface="맑은 고딕" charset="0"/>
+              </a:rPr>
+              <a:t> </a:t>
+            </a:r>
+            <a:r>
+              <a:rPr lang="ko-KR" sz="1800">
+                <a:latin typeface="맑은 고딕" charset="0"/>
+                <a:ea typeface="맑은 고딕" charset="0"/>
+              </a:rPr>
+              <a:t>이제 Project 폴더에 </a:t>
+            </a:r>
+            <a:r>
+              <a:rPr lang="ko-KR" sz="1800">
+                <a:latin typeface="맑은 고딕" charset="0"/>
+                <a:ea typeface="맑은 고딕" charset="0"/>
+              </a:rPr>
+              <a:t>있는 T</a:t>
+            </a:r>
+            <a:r>
+              <a:rPr lang="ko-KR" sz="1800">
+                <a:latin typeface="맑은 고딕" charset="0"/>
+                <a:ea typeface="맑은 고딕" charset="0"/>
+              </a:rPr>
+              <a:t>ex</a:t>
+            </a:r>
+            <a:r>
+              <a:rPr lang="ko-KR" sz="1800">
+                <a:latin typeface="맑은 고딕" charset="0"/>
+                <a:ea typeface="맑은 고딕" charset="0"/>
+              </a:rPr>
+              <a:t>t</a:t>
+            </a:r>
+            <a:r>
+              <a:rPr lang="ko-KR" sz="1800">
+                <a:latin typeface="맑은 고딕" charset="0"/>
+                <a:ea typeface="맑은 고딕" charset="0"/>
+              </a:rPr>
+              <a:t>ure </a:t>
+            </a:r>
+            <a:r>
+              <a:rPr lang="ko-KR" sz="1800">
+                <a:latin typeface="맑은 고딕" charset="0"/>
+                <a:ea typeface="맑은 고딕" charset="0"/>
+              </a:rPr>
+              <a:t>폴더</a:t>
+            </a:r>
+            <a:r>
+              <a:rPr lang="ko-KR" sz="1800">
+                <a:latin typeface="맑은 고딕" charset="0"/>
+                <a:ea typeface="맑은 고딕" charset="0"/>
+              </a:rPr>
+              <a:t>에</a:t>
+            </a:r>
+            <a:r>
+              <a:rPr lang="ko-KR" sz="1800">
+                <a:latin typeface="맑은 고딕" charset="0"/>
+                <a:ea typeface="맑은 고딕" charset="0"/>
+              </a:rPr>
+              <a:t> </a:t>
+            </a:r>
+            <a:r>
+              <a:rPr lang="ko-KR" sz="1800">
+                <a:latin typeface="맑은 고딕" charset="0"/>
+                <a:ea typeface="맑은 고딕" charset="0"/>
+              </a:rPr>
+              <a:t>Street Lamp 텍스처를 Spot </a:t>
+            </a:r>
+            <a:r>
+              <a:rPr lang="ko-KR" sz="1800">
+                <a:latin typeface="맑은 고딕" charset="0"/>
+                <a:ea typeface="맑은 고딕" charset="0"/>
+              </a:rPr>
+              <a:t>Street</a:t>
+            </a:r>
+            <a:r>
+              <a:rPr lang="ko-KR" sz="1800">
+                <a:latin typeface="맑은 고딕" charset="0"/>
+                <a:ea typeface="맑은 고딕" charset="0"/>
+              </a:rPr>
+              <a:t> Lamp 오브젝트에 넣어줍니다.</a:t>
+            </a:r>
+            <a:r>
+              <a:rPr lang="ko-KR" sz="1800">
+                <a:latin typeface="맑은 고딕" charset="0"/>
+                <a:ea typeface="맑은 고딕" charset="0"/>
+              </a:rPr>
+              <a:t> </a:t>
+            </a:r>
+            <a:endParaRPr lang="ko-KR" altLang="en-US" sz="1800">
+              <a:latin typeface="맑은 고딕" charset="0"/>
+              <a:ea typeface="맑은 고딕" charset="0"/>
+            </a:endParaRPr>
+          </a:p>
+        </p:txBody>
+      </p:sp>
+      <p:cxnSp>
+        <p:nvCxnSpPr>
+          <p:cNvPr id="1052" name="도형 19"/>
+          <p:cNvCxnSpPr/>
+          <p:nvPr/>
+        </p:nvCxnSpPr>
+        <p:spPr>
+          <a:xfrm rot="0" flipH="1">
+            <a:off x="7985125" y="1911985"/>
+            <a:ext cx="2412365" cy="422910"/>
+          </a:xfrm>
+          <a:prstGeom prst="straightConnector1"/>
+          <a:ln w="6350" cap="flat" cmpd="sng">
+            <a:prstDash/>
+            <a:headEnd type="none" w="med" len="med"/>
+            <a:tailEnd type="triangle" w="med" len="med"/>
+          </a:ln>
+        </p:spPr>
+        <p:style>
+          <a:lnRef idx="1">
+            <a:schemeClr val="accent1"/>
+          </a:lnRef>
+          <a:fillRef idx="0">
+            <a:schemeClr val="accent1"/>
+          </a:fillRef>
+          <a:effectRef idx="0">
+            <a:schemeClr val="accent1"/>
+          </a:effectRef>
+          <a:fontRef idx="minor">
+            <a:schemeClr val="tx1"/>
+          </a:fontRef>
+        </p:style>
+      </p:cxnSp>
+      <p:pic>
+        <p:nvPicPr>
+          <p:cNvPr id="1053" name="그림 24" descr="C:/Users/Admin1/AppData/Roaming/PolarisOffice/ETemp/23248_23591048/fImage92251886334.png"/>
+          <p:cNvPicPr>
+            <a:picLocks noChangeAspect="1"/>
+          </p:cNvPicPr>
+          <p:nvPr/>
+        </p:nvPicPr>
+        <p:blipFill rotWithShape="1">
+          <a:blip r:embed="rId12" cstate="print">
+            <a:extLst>
+              <a:ext uri="{28A0092B-C50C-407E-A947-70E740481C1C}">
+                <a14:useLocalDpi xmlns:a14="http://schemas.microsoft.com/office/drawing/2010/main" val="0"/>
+              </a:ext>
+            </a:extLst>
+          </a:blip>
+          <a:stretch>
+            <a:fillRect/>
+          </a:stretch>
+        </p:blipFill>
+        <p:spPr>
+          <a:xfrm rot="0">
+            <a:off x="8191500" y="3962400"/>
+            <a:ext cx="2768600" cy="1189355"/>
+          </a:xfrm>
+          <a:prstGeom prst="roundRect"/>
+          <a:solidFill>
+            <a:srgbClr val="EDEDED"/>
+          </a:solidFill>
+        </p:spPr>
+      </p:pic>
+      <p:pic>
+        <p:nvPicPr>
+          <p:cNvPr id="1054" name="그림 27" descr="C:/Users/Admin1/AppData/Roaming/PolarisOffice/ETemp/23248_23591048/fImage86201896500.png"/>
+          <p:cNvPicPr>
+            <a:picLocks noChangeAspect="1"/>
+          </p:cNvPicPr>
+          <p:nvPr/>
+        </p:nvPicPr>
+        <p:blipFill rotWithShape="1">
+          <a:blip r:embed="rId13" cstate="print">
+            <a:extLst>
+              <a:ext uri="{28A0092B-C50C-407E-A947-70E740481C1C}">
+                <a14:useLocalDpi xmlns:a14="http://schemas.microsoft.com/office/drawing/2010/main" val="0"/>
+              </a:ext>
+            </a:extLst>
+          </a:blip>
+          <a:stretch>
+            <a:fillRect/>
+          </a:stretch>
+        </p:blipFill>
+        <p:spPr>
+          <a:xfrm rot="0">
+            <a:off x="6822440" y="3961130"/>
+            <a:ext cx="1240790" cy="1189990"/>
+          </a:xfrm>
+          <a:prstGeom prst="roundRect"/>
+          <a:solidFill>
+            <a:srgbClr val="EDEDED"/>
+          </a:solidFill>
+        </p:spPr>
+      </p:pic>
+      <p:sp>
+        <p:nvSpPr>
+          <p:cNvPr id="1055" name="텍스트 상자 30"/>
+          <p:cNvSpPr txBox="1">
+            <a:spLocks/>
+          </p:cNvSpPr>
+          <p:nvPr/>
+        </p:nvSpPr>
+        <p:spPr>
+          <a:xfrm rot="0">
+            <a:off x="6827520" y="5286375"/>
+            <a:ext cx="4138930" cy="923925"/>
+          </a:xfrm>
+          <a:prstGeom prst="rect"/>
+          <a:noFill/>
+          <a:ln w="0">
+            <a:noFill/>
+            <a:prstDash/>
+          </a:ln>
+        </p:spPr>
+        <p:txBody>
+          <a:bodyPr wrap="square" lIns="89535" tIns="46355" rIns="89535" bIns="46355" numCol="1" vert="horz" anchor="t">
+            <a:spAutoFit/>
+          </a:bodyPr>
+          <a:lstStyle/>
+          <a:p>
+            <a:pPr marL="0" indent="0" rtl="0" algn="l" defTabSz="914400" eaLnBrk="1" latinLnBrk="0" hangingPunct="1">
+              <a:buFontTx/>
+              <a:buNone/>
+            </a:pPr>
+            <a:r>
+              <a:rPr sz="1800" b="1">
+                <a:solidFill>
+                  <a:srgbClr val="0611F2"/>
+                </a:solidFill>
+                <a:latin typeface="맑은 고딕" charset="0"/>
+                <a:ea typeface="맑은 고딕" charset="0"/>
+              </a:rPr>
+              <a:t>2</a:t>
+            </a:r>
+            <a:r>
+              <a:rPr lang="ko-KR" sz="1800" b="1">
+                <a:solidFill>
+                  <a:srgbClr val="0611F2"/>
+                </a:solidFill>
+                <a:latin typeface="맑은 고딕" charset="0"/>
+                <a:ea typeface="맑은 고딕" charset="0"/>
+              </a:rPr>
+              <a:t>3</a:t>
+            </a:r>
+            <a:r>
+              <a:rPr sz="1800" b="1">
+                <a:solidFill>
+                  <a:srgbClr val="0611F2"/>
+                </a:solidFill>
+                <a:latin typeface="맑은 고딕" charset="0"/>
+                <a:ea typeface="맑은 고딕" charset="0"/>
+              </a:rPr>
+              <a:t>.</a:t>
+            </a:r>
+            <a:r>
+              <a:rPr sz="1800">
+                <a:latin typeface="맑은 고딕" charset="0"/>
+                <a:ea typeface="맑은 고딕" charset="0"/>
+              </a:rPr>
+              <a:t> </a:t>
+            </a:r>
+            <a:r>
+              <a:rPr lang="ko-KR" sz="1800">
+                <a:latin typeface="맑은 고딕" charset="0"/>
+                <a:ea typeface="맑은 고딕" charset="0"/>
+              </a:rPr>
+              <a:t>그리고 Project 폴더에 </a:t>
+            </a:r>
+            <a:r>
+              <a:rPr lang="ko-KR" sz="1800">
+                <a:latin typeface="맑은 고딕" charset="0"/>
+                <a:ea typeface="맑은 고딕" charset="0"/>
+              </a:rPr>
+              <a:t>있는 M</a:t>
+            </a:r>
+            <a:r>
+              <a:rPr lang="ko-KR" sz="1800">
+                <a:latin typeface="맑은 고딕" charset="0"/>
+                <a:ea typeface="맑은 고딕" charset="0"/>
+              </a:rPr>
+              <a:t>od</a:t>
+            </a:r>
+            <a:r>
+              <a:rPr lang="ko-KR" sz="1800">
+                <a:latin typeface="맑은 고딕" charset="0"/>
+                <a:ea typeface="맑은 고딕" charset="0"/>
+              </a:rPr>
+              <a:t>e</a:t>
+            </a:r>
+            <a:r>
+              <a:rPr lang="ko-KR" sz="1800">
+                <a:latin typeface="맑은 고딕" charset="0"/>
+                <a:ea typeface="맑은 고딕" charset="0"/>
+              </a:rPr>
+              <a:t>l </a:t>
+            </a:r>
+            <a:r>
+              <a:rPr lang="ko-KR" sz="1800">
+                <a:latin typeface="맑은 고딕" charset="0"/>
+                <a:ea typeface="맑은 고딕" charset="0"/>
+              </a:rPr>
+              <a:t>폴더</a:t>
+            </a:r>
+            <a:r>
+              <a:rPr lang="ko-KR" sz="1800">
+                <a:latin typeface="맑은 고딕" charset="0"/>
+                <a:ea typeface="맑은 고딕" charset="0"/>
+              </a:rPr>
+              <a:t>에</a:t>
+            </a:r>
+            <a:r>
+              <a:rPr lang="ko-KR" sz="1800">
+                <a:latin typeface="맑은 고딕" charset="0"/>
+                <a:ea typeface="맑은 고딕" charset="0"/>
+              </a:rPr>
+              <a:t> </a:t>
+            </a:r>
+            <a:r>
+              <a:rPr lang="ko-KR" sz="1800">
+                <a:latin typeface="맑은 고딕" charset="0"/>
+                <a:ea typeface="맑은 고딕" charset="0"/>
+              </a:rPr>
+              <a:t>Robot 모델을 월드 공간에 </a:t>
+            </a:r>
+            <a:r>
+              <a:rPr lang="ko-KR" sz="1800">
+                <a:latin typeface="맑은 고딕" charset="0"/>
+                <a:ea typeface="맑은 고딕" charset="0"/>
+              </a:rPr>
+              <a:t>배치합니</a:t>
+            </a:r>
+            <a:r>
+              <a:rPr lang="ko-KR" sz="1800">
+                <a:latin typeface="맑은 고딕" charset="0"/>
+                <a:ea typeface="맑은 고딕" charset="0"/>
+              </a:rPr>
+              <a:t>다</a:t>
+            </a:r>
+            <a:r>
+              <a:rPr lang="ko-KR" sz="1800">
+                <a:latin typeface="맑은 고딕" charset="0"/>
+                <a:ea typeface="맑은 고딕" charset="0"/>
+              </a:rPr>
+              <a:t>.</a:t>
+            </a:r>
+            <a:r>
+              <a:rPr lang="ko-KR" sz="1800">
+                <a:latin typeface="맑은 고딕" charset="0"/>
+                <a:ea typeface="맑은 고딕" charset="0"/>
+              </a:rPr>
+              <a:t> </a:t>
+            </a:r>
+            <a:endParaRPr lang="ko-KR" altLang="en-US" sz="1800">
+              <a:latin typeface="맑은 고딕" charset="0"/>
+              <a:ea typeface="맑은 고딕" charset="0"/>
+            </a:endParaRPr>
+          </a:p>
+        </p:txBody>
+      </p:sp>
+      <p:cxnSp>
+        <p:nvCxnSpPr>
+          <p:cNvPr id="1056" name="도형 31"/>
+          <p:cNvCxnSpPr/>
+          <p:nvPr/>
+        </p:nvCxnSpPr>
+        <p:spPr>
+          <a:xfrm rot="0" flipH="1">
+            <a:off x="7468235" y="4694555"/>
+            <a:ext cx="1689100" cy="379095"/>
+          </a:xfrm>
+          <a:prstGeom prst="straightConnector1"/>
+          <a:ln w="6350" cap="flat" cmpd="sng">
+            <a:prstDash/>
+            <a:headEnd type="none" w="med" len="med"/>
+            <a:tailEnd type="triangle" w="med" len="med"/>
+          </a:ln>
+        </p:spPr>
+        <p:style>
+          <a:lnRef idx="1">
+            <a:schemeClr val="accent1"/>
+          </a:lnRef>
+          <a:fillRef idx="0">
+            <a:schemeClr val="accent1"/>
+          </a:fillRef>
+          <a:effectRef idx="0">
+            <a:schemeClr val="accent1"/>
+          </a:effectRef>
+          <a:fontRef idx="minor">
+            <a:schemeClr val="tx1"/>
+          </a:fontRef>
+        </p:style>
+      </p:cxnSp>
     </p:spTree>
   </p:cSld>
   <p:clrMapOvr>
@@ -12459,7 +13002,7 @@
 </file>
 
 <file path=ppt/slides/slide9.xml><?xml version="1.0" encoding="utf-8"?>
-<p:sld xmlns:a="http://schemas.openxmlformats.org/drawingml/2006/main" xmlns:r="http://schemas.openxmlformats.org/officeDocument/2006/relationships" xmlns:p="http://schemas.openxmlformats.org/presentationml/2006/main" xmlns:p14="http://schemas.microsoft.com/office/powerpoint/2010/main">
+<p:sld xmlns:a="http://schemas.openxmlformats.org/drawingml/2006/main" xmlns:r="http://schemas.openxmlformats.org/officeDocument/2006/relationships" xmlns:p="http://schemas.openxmlformats.org/presentationml/2006/main">
   <p:cSld>
     <p:spTree>
       <p:nvGrpSpPr>
@@ -12485,8 +13028,8 @@
         </p:nvSpPr>
         <p:spPr>
           <a:xfrm rot="0">
-            <a:off x="4292600" y="318770"/>
-            <a:ext cx="3613150" cy="554990"/>
+            <a:off x="4102100" y="387985"/>
+            <a:ext cx="3986530" cy="478155"/>
           </a:xfrm>
           <a:prstGeom prst="rect"/>
           <a:noFill/>
@@ -12501,53 +13044,43 @@
           </a:bodyPr>
           <a:lstStyle/>
           <a:p>
-            <a:pPr marL="0" indent="0" algn="l" latinLnBrk="0">
-              <a:buFontTx/>
-              <a:buNone/>
-            </a:pPr>
-            <a:r>
-              <a:rPr lang="ko-KR" altLang="en-US" sz="3000" b="1">
+            <a:pPr marL="0" indent="0" algn="ctr" latinLnBrk="0">
+              <a:buFontTx/>
+              <a:buNone/>
+            </a:pPr>
+            <a:r>
+              <a:rPr lang="ko-KR" altLang="en-US" sz="2500" b="1">
                 <a:solidFill>
                   <a:schemeClr val="tx1"/>
                 </a:solidFill>
-                <a:latin typeface="맑은 고딕" charset="0"/>
-                <a:ea typeface="맑은 고딕" charset="0"/>
-              </a:rPr>
-              <a:t>열</a:t>
-            </a:r>
-            <a:r>
-              <a:rPr lang="ko-KR" altLang="en-US" sz="3000" b="1">
+                <a:latin typeface="나눔바른고딕" charset="0"/>
+                <a:ea typeface="나눔바른고딕" charset="0"/>
+              </a:rPr>
+              <a:t>아홉</a:t>
+            </a:r>
+            <a:r>
+              <a:rPr lang="ko-KR" altLang="en-US" sz="2500" b="1">
                 <a:solidFill>
                   <a:schemeClr val="tx1"/>
                 </a:solidFill>
-                <a:latin typeface="맑은 고딕" charset="0"/>
-                <a:ea typeface="맑은 고딕" charset="0"/>
-              </a:rPr>
-              <a:t>세</a:t>
-            </a:r>
-            <a:r>
-              <a:rPr lang="ko-KR" altLang="en-US" sz="3000" b="1">
-                <a:solidFill>
-                  <a:schemeClr val="tx1"/>
-                </a:solidFill>
-                <a:latin typeface="맑은 고딕" charset="0"/>
-                <a:ea typeface="맑은 고딕" charset="0"/>
+                <a:latin typeface="나눔바른고딕" charset="0"/>
+                <a:ea typeface="나눔바른고딕" charset="0"/>
               </a:rPr>
               <a:t> 번째 튜토리얼</a:t>
             </a:r>
-            <a:endParaRPr lang="ko-KR" altLang="en-US" sz="3000" b="1">
+            <a:endParaRPr lang="ko-KR" altLang="en-US" sz="2500" b="1">
               <a:solidFill>
                 <a:schemeClr val="tx1"/>
               </a:solidFill>
-              <a:latin typeface="맑은 고딕" charset="0"/>
-              <a:ea typeface="맑은 고딕" charset="0"/>
+              <a:latin typeface="나눔바른고딕" charset="0"/>
+              <a:ea typeface="나눔바른고딕" charset="0"/>
             </a:endParaRPr>
           </a:p>
         </p:txBody>
       </p:sp>
       <p:sp>
         <p:nvSpPr>
-          <p:cNvPr id="1191" name="Rect 0"/>
+          <p:cNvPr id="1043" name="Rect 0"/>
           <p:cNvSpPr txBox="1">
             <a:spLocks/>
           </p:cNvSpPr>
@@ -12555,8 +13088,8 @@
         </p:nvSpPr>
         <p:spPr>
           <a:xfrm rot="0">
-            <a:off x="6845935" y="4043680"/>
-            <a:ext cx="4199255" cy="2031365"/>
+            <a:off x="1240790" y="2644775"/>
+            <a:ext cx="4134485" cy="1200785"/>
           </a:xfrm>
           <a:prstGeom prst="rect"/>
           <a:noFill/>
@@ -12576,14 +13109,37 @@
               <a:buNone/>
             </a:pPr>
             <a:r>
-              <a:rPr lang="ko-KR" sz="1800">
-                <a:latin typeface="맑은 고딕" charset="0"/>
-                <a:ea typeface="맑은 고딕" charset="0"/>
-              </a:rPr>
-              <a:t>라이트 맵은 실시간으로 생성되는 빛에 대한 정보를 한</a:t>
-            </a:r>
-            <a:r>
-              <a:rPr lang="ko-KR" sz="1800">
+              <a:rPr sz="1800" b="1">
+                <a:solidFill>
+                  <a:srgbClr val="0611F2"/>
+                </a:solidFill>
+                <a:latin typeface="맑은 고딕" charset="0"/>
+                <a:ea typeface="맑은 고딕" charset="0"/>
+              </a:rPr>
+              <a:t>2</a:t>
+            </a:r>
+            <a:r>
+              <a:rPr lang="ko-KR" sz="1800" b="1">
+                <a:solidFill>
+                  <a:srgbClr val="0611F2"/>
+                </a:solidFill>
+                <a:latin typeface="맑은 고딕" charset="0"/>
+                <a:ea typeface="맑은 고딕" charset="0"/>
+              </a:rPr>
+              <a:t>4</a:t>
+            </a:r>
+            <a:r>
+              <a:rPr sz="1800" b="1">
+                <a:solidFill>
+                  <a:srgbClr val="0611F2"/>
+                </a:solidFill>
+                <a:latin typeface="맑은 고딕" charset="0"/>
+                <a:ea typeface="맑은 고딕" charset="0"/>
+              </a:rPr>
+              <a:t>.</a:t>
+            </a:r>
+            <a:r>
+              <a:rPr sz="1800">
                 <a:latin typeface="맑은 고딕" charset="0"/>
                 <a:ea typeface="맑은 고딕" charset="0"/>
               </a:rPr>
@@ -12594,66 +13150,726 @@
                 <a:latin typeface="맑은 고딕" charset="0"/>
                 <a:ea typeface="맑은 고딕" charset="0"/>
               </a:rPr>
-              <a:t>번에 </a:t>
-            </a:r>
-            <a:r>
-              <a:rPr lang="ko-KR" sz="1800">
-                <a:latin typeface="맑은 고딕" charset="0"/>
-                <a:ea typeface="맑은 고딕" charset="0"/>
-              </a:rPr>
-              <a:t>저장한 </a:t>
-            </a:r>
-            <a:r>
-              <a:rPr lang="ko-KR" sz="1800">
-                <a:latin typeface="맑은 고딕" charset="0"/>
-                <a:ea typeface="맑은 고딕" charset="0"/>
-              </a:rPr>
-              <a:t>텍스처입니다.</a:t>
+              <a:t>그런 다음 Project 폴더에 </a:t>
+            </a:r>
+            <a:r>
+              <a:rPr lang="ko-KR" sz="1800">
+                <a:latin typeface="맑은 고딕" charset="0"/>
+                <a:ea typeface="맑은 고딕" charset="0"/>
+              </a:rPr>
+              <a:t>있는 </a:t>
+            </a:r>
+            <a:r>
+              <a:rPr lang="ko-KR" sz="1800">
+                <a:latin typeface="맑은 고딕" charset="0"/>
+                <a:ea typeface="맑은 고딕" charset="0"/>
+              </a:rPr>
+              <a:t>T</a:t>
+            </a:r>
+            <a:r>
+              <a:rPr lang="ko-KR" sz="1800">
+                <a:latin typeface="맑은 고딕" charset="0"/>
+                <a:ea typeface="맑은 고딕" charset="0"/>
+              </a:rPr>
+              <a:t>ex</a:t>
+            </a:r>
+            <a:r>
+              <a:rPr lang="ko-KR" sz="1800">
+                <a:latin typeface="맑은 고딕" charset="0"/>
+                <a:ea typeface="맑은 고딕" charset="0"/>
+              </a:rPr>
+              <a:t>t</a:t>
+            </a:r>
+            <a:r>
+              <a:rPr lang="ko-KR" sz="1800">
+                <a:latin typeface="맑은 고딕" charset="0"/>
+                <a:ea typeface="맑은 고딕" charset="0"/>
+              </a:rPr>
+              <a:t>ure</a:t>
+            </a:r>
+            <a:r>
+              <a:rPr lang="ko-KR" sz="1800">
+                <a:latin typeface="맑은 고딕" charset="0"/>
+                <a:ea typeface="맑은 고딕" charset="0"/>
+              </a:rPr>
+              <a:t> 폴더</a:t>
+            </a:r>
+            <a:r>
+              <a:rPr lang="ko-KR" sz="1800">
+                <a:latin typeface="맑은 고딕" charset="0"/>
+                <a:ea typeface="맑은 고딕" charset="0"/>
+              </a:rPr>
+              <a:t>에 </a:t>
+            </a:r>
+            <a:r>
+              <a:rPr lang="ko-KR" sz="1800">
+                <a:latin typeface="맑은 고딕" charset="0"/>
+                <a:ea typeface="맑은 고딕" charset="0"/>
+              </a:rPr>
+              <a:t>Street Lamp 텍스처를 </a:t>
+            </a:r>
+            <a:r>
+              <a:rPr lang="ko-KR" sz="1800">
+                <a:latin typeface="맑은 고딕" charset="0"/>
+                <a:ea typeface="맑은 고딕" charset="0"/>
+              </a:rPr>
+              <a:t>P</a:t>
+            </a:r>
+            <a:r>
+              <a:rPr lang="ko-KR" sz="1800">
+                <a:latin typeface="맑은 고딕" charset="0"/>
+                <a:ea typeface="맑은 고딕" charset="0"/>
+              </a:rPr>
+              <a:t>oint</a:t>
+            </a:r>
+            <a:r>
+              <a:rPr lang="ko-KR" sz="1800">
+                <a:latin typeface="맑은 고딕" charset="0"/>
+                <a:ea typeface="맑은 고딕" charset="0"/>
+              </a:rPr>
+              <a:t> Street Lamp 오브젝트에 </a:t>
+            </a:r>
+            <a:r>
+              <a:rPr lang="ko-KR" sz="1800">
+                <a:latin typeface="맑은 고딕" charset="0"/>
+                <a:ea typeface="맑은 고딕" charset="0"/>
+              </a:rPr>
+              <a:t>넣어줍니다.</a:t>
             </a:r>
             <a:endParaRPr lang="ko-KR" altLang="en-US" sz="1800">
               <a:latin typeface="맑은 고딕" charset="0"/>
               <a:ea typeface="맑은 고딕" charset="0"/>
             </a:endParaRPr>
           </a:p>
+        </p:txBody>
+      </p:sp>
+      <p:sp>
+        <p:nvSpPr>
+          <p:cNvPr id="1046" name="Rect 0"/>
+          <p:cNvSpPr txBox="1">
+            <a:spLocks/>
+          </p:cNvSpPr>
+          <p:nvPr/>
+        </p:nvSpPr>
+        <p:spPr>
+          <a:xfrm rot="0">
+            <a:off x="1240790" y="5283200"/>
+            <a:ext cx="4143375" cy="923925"/>
+          </a:xfrm>
+          <a:prstGeom prst="rect"/>
+          <a:noFill/>
+          <a:ln w="0">
+            <a:noFill/>
+            <a:prstDash/>
+          </a:ln>
+        </p:spPr>
+        <p:txBody>
+          <a:bodyPr wrap="square" lIns="89535" tIns="46355" rIns="89535" bIns="46355" numCol="1" vert="horz" anchor="t">
+            <a:spAutoFit/>
+          </a:bodyPr>
+          <a:lstStyle/>
           <a:p>
             <a:pPr marL="0" indent="0" rtl="0" algn="l" defTabSz="914400" eaLnBrk="1" latinLnBrk="0" hangingPunct="1">
               <a:buFontTx/>
               <a:buNone/>
             </a:pPr>
+            <a:r>
+              <a:rPr sz="1800" b="1">
+                <a:solidFill>
+                  <a:srgbClr val="0611F2"/>
+                </a:solidFill>
+                <a:latin typeface="맑은 고딕" charset="0"/>
+                <a:ea typeface="맑은 고딕" charset="0"/>
+              </a:rPr>
+              <a:t>2</a:t>
+            </a:r>
+            <a:r>
+              <a:rPr lang="ko-KR" sz="1800" b="1">
+                <a:solidFill>
+                  <a:srgbClr val="0611F2"/>
+                </a:solidFill>
+                <a:latin typeface="맑은 고딕" charset="0"/>
+                <a:ea typeface="맑은 고딕" charset="0"/>
+              </a:rPr>
+              <a:t>5</a:t>
+            </a:r>
+            <a:r>
+              <a:rPr sz="1800" b="1">
+                <a:solidFill>
+                  <a:srgbClr val="0611F2"/>
+                </a:solidFill>
+                <a:latin typeface="맑은 고딕" charset="0"/>
+                <a:ea typeface="맑은 고딕" charset="0"/>
+              </a:rPr>
+              <a:t>.</a:t>
+            </a:r>
+            <a:r>
+              <a:rPr sz="1800">
+                <a:latin typeface="맑은 고딕" charset="0"/>
+                <a:ea typeface="맑은 고딕" charset="0"/>
+              </a:rPr>
+              <a:t> </a:t>
+            </a:r>
+            <a:r>
+              <a:rPr lang="ko-KR" sz="1800">
+                <a:latin typeface="맑은 고딕" charset="0"/>
+                <a:ea typeface="맑은 고딕" charset="0"/>
+              </a:rPr>
+              <a:t>그다음으로 Robot </a:t>
+            </a:r>
+            <a:r>
+              <a:rPr lang="ko-KR" sz="1800">
+                <a:latin typeface="맑은 고딕" charset="0"/>
+                <a:ea typeface="맑은 고딕" charset="0"/>
+              </a:rPr>
+              <a:t>오브젝트에 </a:t>
+            </a:r>
+            <a:r>
+              <a:rPr lang="ko-KR" sz="1800">
+                <a:latin typeface="맑은 고딕" charset="0"/>
+                <a:ea typeface="맑은 고딕" charset="0"/>
+              </a:rPr>
+              <a:t>위치와</a:t>
+            </a:r>
+            <a:r>
+              <a:rPr lang="ko-KR" sz="1800">
+                <a:latin typeface="맑은 고딕" charset="0"/>
+                <a:ea typeface="맑은 고딕" charset="0"/>
+              </a:rPr>
+              <a:t> 회전 </a:t>
+            </a:r>
+            <a:r>
+              <a:rPr lang="ko-KR" sz="1800">
+                <a:latin typeface="맑은 고딕" charset="0"/>
+                <a:ea typeface="맑은 고딕" charset="0"/>
+              </a:rPr>
+              <a:t>값</a:t>
+            </a:r>
+            <a:r>
+              <a:rPr lang="ko-KR" sz="1800">
+                <a:latin typeface="맑은 고딕" charset="0"/>
+                <a:ea typeface="맑은 고딕" charset="0"/>
+              </a:rPr>
+              <a:t>을 </a:t>
+            </a:r>
+            <a:r>
+              <a:rPr lang="ko-KR" sz="1800">
+                <a:latin typeface="맑은 고딕" charset="0"/>
+                <a:ea typeface="맑은 고딕" charset="0"/>
+              </a:rPr>
+              <a:t>설정하고</a:t>
+            </a:r>
+            <a:r>
+              <a:rPr lang="ko-KR" sz="1800">
+                <a:latin typeface="맑은 고딕" charset="0"/>
+                <a:ea typeface="맑은 고딕" charset="0"/>
+              </a:rPr>
+              <a:t> </a:t>
+            </a:r>
+            <a:r>
+              <a:rPr lang="ko-KR" sz="1800">
+                <a:latin typeface="맑은 고딕" charset="0"/>
+                <a:ea typeface="맑은 고딕" charset="0"/>
+              </a:rPr>
+              <a:t>크기 </a:t>
+            </a:r>
+            <a:r>
+              <a:rPr lang="ko-KR" sz="1800">
+                <a:latin typeface="맑은 고딕" charset="0"/>
+                <a:ea typeface="맑은 고딕" charset="0"/>
+              </a:rPr>
+              <a:t>값</a:t>
+            </a:r>
+            <a:r>
+              <a:rPr lang="ko-KR" sz="1800">
+                <a:latin typeface="맑은 고딕" charset="0"/>
+                <a:ea typeface="맑은 고딕" charset="0"/>
+              </a:rPr>
+              <a:t>을 </a:t>
+            </a:r>
+            <a:r>
+              <a:rPr lang="ko-KR" sz="1800">
+                <a:latin typeface="맑은 고딕" charset="0"/>
+                <a:ea typeface="맑은 고딕" charset="0"/>
+              </a:rPr>
+              <a:t>설정합니다.</a:t>
+            </a:r>
             <a:endParaRPr lang="ko-KR" altLang="en-US" sz="1800">
               <a:latin typeface="맑은 고딕" charset="0"/>
               <a:ea typeface="맑은 고딕" charset="0"/>
             </a:endParaRPr>
           </a:p>
-          <a:p>
-            <a:pPr marL="0" indent="0" rtl="0" algn="l" defTabSz="914400" eaLnBrk="1" latinLnBrk="0" hangingPunct="1">
-              <a:buFontTx/>
-              <a:buNone/>
-            </a:pPr>
-            <a:r>
-              <a:rPr lang="ko-KR" sz="1800">
-                <a:latin typeface="맑은 고딕" charset="0"/>
-                <a:ea typeface="맑은 고딕" charset="0"/>
-              </a:rPr>
-              <a:t>라이트 맵의 경우 빛을 받은 게임 오브젝트는 그림자와 반사면이 고정되어 있는 형태로 설정됩니다.</a:t>
-            </a:r>
-            <a:endParaRPr lang="ko-KR" altLang="en-US" sz="1800">
-              <a:latin typeface="맑은 고딕" charset="0"/>
-              <a:ea typeface="맑은 고딕" charset="0"/>
-            </a:endParaRPr>
-          </a:p>
         </p:txBody>
       </p:sp>
       <p:pic>
         <p:nvPicPr>
-          <p:cNvPr id="1207" name="그림 29"/>
+          <p:cNvPr id="1050" name="Picture " descr="C:/Users/Admin1/AppData/Roaming/PolarisOffice/ETemp/23248_23591048/fImage482572739169.png"/>
           <p:cNvPicPr>
             <a:picLocks noChangeAspect="1"/>
           </p:cNvPicPr>
           <p:nvPr/>
         </p:nvPicPr>
         <p:blipFill rotWithShape="1">
-          <a:blip r:embed="rId3" cstate="hqprint">
+          <a:blip r:embed="rId2" cstate="print">
+            <a:extLst>
+              <a:ext uri="{28A0092B-C50C-407E-A947-70E740481C1C}">
+                <a14:useLocalDpi xmlns:a14="http://schemas.microsoft.com/office/drawing/2010/main" val="0"/>
+              </a:ext>
+            </a:extLst>
+          </a:blip>
+          <a:stretch>
+            <a:fillRect/>
+          </a:stretch>
+        </p:blipFill>
+        <p:spPr>
+          <a:xfrm rot="0">
+            <a:off x="8183245" y="1450975"/>
+            <a:ext cx="2774315" cy="1108075"/>
+          </a:xfrm>
+          <a:prstGeom prst="roundRect"/>
+          <a:solidFill>
+            <a:srgbClr val="EDEDED"/>
+          </a:solidFill>
+        </p:spPr>
+      </p:pic>
+      <p:sp>
+        <p:nvSpPr>
+          <p:cNvPr id="1051" name="Rect 0"/>
+          <p:cNvSpPr txBox="1">
+            <a:spLocks/>
+          </p:cNvSpPr>
+          <p:nvPr/>
+        </p:nvSpPr>
+        <p:spPr>
+          <a:xfrm rot="0">
+            <a:off x="6842125" y="2690495"/>
+            <a:ext cx="4115435" cy="1200785"/>
+          </a:xfrm>
+          <a:prstGeom prst="rect"/>
+          <a:noFill/>
+          <a:ln w="0">
+            <a:noFill/>
+            <a:prstDash/>
+          </a:ln>
+        </p:spPr>
+        <p:txBody>
+          <a:bodyPr wrap="square" lIns="89535" tIns="46355" rIns="89535" bIns="46355" numCol="1" vert="horz" anchor="t">
+            <a:spAutoFit/>
+          </a:bodyPr>
+          <a:lstStyle/>
+          <a:p>
+            <a:pPr marL="0" indent="0" rtl="0" algn="l" defTabSz="914400" eaLnBrk="1" latinLnBrk="0" hangingPunct="1">
+              <a:buFontTx/>
+              <a:buNone/>
+            </a:pPr>
+            <a:r>
+              <a:rPr sz="1800" b="1">
+                <a:solidFill>
+                  <a:srgbClr val="0611F2"/>
+                </a:solidFill>
+                <a:latin typeface="맑은 고딕" charset="0"/>
+                <a:ea typeface="맑은 고딕" charset="0"/>
+              </a:rPr>
+              <a:t>2</a:t>
+            </a:r>
+            <a:r>
+              <a:rPr lang="ko-KR" sz="1800" b="1">
+                <a:solidFill>
+                  <a:srgbClr val="0611F2"/>
+                </a:solidFill>
+                <a:latin typeface="맑은 고딕" charset="0"/>
+                <a:ea typeface="맑은 고딕" charset="0"/>
+              </a:rPr>
+              <a:t>6</a:t>
+            </a:r>
+            <a:r>
+              <a:rPr sz="1800" b="1">
+                <a:solidFill>
+                  <a:srgbClr val="0611F2"/>
+                </a:solidFill>
+                <a:latin typeface="맑은 고딕" charset="0"/>
+                <a:ea typeface="맑은 고딕" charset="0"/>
+              </a:rPr>
+              <a:t>.</a:t>
+            </a:r>
+            <a:r>
+              <a:rPr sz="1800">
+                <a:latin typeface="맑은 고딕" charset="0"/>
+                <a:ea typeface="맑은 고딕" charset="0"/>
+              </a:rPr>
+              <a:t> </a:t>
+            </a:r>
+            <a:r>
+              <a:rPr lang="ko-KR" sz="1800">
+                <a:latin typeface="맑은 고딕" charset="0"/>
+                <a:ea typeface="맑은 고딕" charset="0"/>
+              </a:rPr>
+              <a:t>그러고 나서 Project 폴더에 </a:t>
+            </a:r>
+            <a:r>
+              <a:rPr lang="ko-KR" sz="1800">
+                <a:latin typeface="맑은 고딕" charset="0"/>
+                <a:ea typeface="맑은 고딕" charset="0"/>
+              </a:rPr>
+              <a:t>있는 </a:t>
+            </a:r>
+            <a:r>
+              <a:rPr lang="ko-KR" sz="1800">
+                <a:latin typeface="맑은 고딕" charset="0"/>
+                <a:ea typeface="맑은 고딕" charset="0"/>
+              </a:rPr>
+              <a:t>T</a:t>
+            </a:r>
+            <a:r>
+              <a:rPr lang="ko-KR" sz="1800">
+                <a:latin typeface="맑은 고딕" charset="0"/>
+                <a:ea typeface="맑은 고딕" charset="0"/>
+              </a:rPr>
+              <a:t>ex</a:t>
+            </a:r>
+            <a:r>
+              <a:rPr lang="ko-KR" sz="1800">
+                <a:latin typeface="맑은 고딕" charset="0"/>
+                <a:ea typeface="맑은 고딕" charset="0"/>
+              </a:rPr>
+              <a:t>t</a:t>
+            </a:r>
+            <a:r>
+              <a:rPr lang="ko-KR" sz="1800">
+                <a:latin typeface="맑은 고딕" charset="0"/>
+                <a:ea typeface="맑은 고딕" charset="0"/>
+              </a:rPr>
+              <a:t>ure</a:t>
+            </a:r>
+            <a:r>
+              <a:rPr lang="ko-KR" sz="1800">
+                <a:latin typeface="맑은 고딕" charset="0"/>
+                <a:ea typeface="맑은 고딕" charset="0"/>
+              </a:rPr>
+              <a:t> 폴더</a:t>
+            </a:r>
+            <a:r>
+              <a:rPr lang="ko-KR" sz="1800">
+                <a:latin typeface="맑은 고딕" charset="0"/>
+                <a:ea typeface="맑은 고딕" charset="0"/>
+              </a:rPr>
+              <a:t>에 </a:t>
+            </a:r>
+            <a:r>
+              <a:rPr lang="ko-KR" sz="1800">
+                <a:latin typeface="맑은 고딕" charset="0"/>
+                <a:ea typeface="맑은 고딕" charset="0"/>
+              </a:rPr>
+              <a:t>Street Lamp 텍스처를 </a:t>
+            </a:r>
+            <a:r>
+              <a:rPr lang="ko-KR" sz="1800">
+                <a:latin typeface="맑은 고딕" charset="0"/>
+                <a:ea typeface="맑은 고딕" charset="0"/>
+              </a:rPr>
+              <a:t>A</a:t>
+            </a:r>
+            <a:r>
+              <a:rPr lang="ko-KR" sz="1800">
+                <a:latin typeface="맑은 고딕" charset="0"/>
+                <a:ea typeface="맑은 고딕" charset="0"/>
+              </a:rPr>
+              <a:t>rea</a:t>
+            </a:r>
+            <a:r>
+              <a:rPr lang="ko-KR" sz="1800">
+                <a:latin typeface="맑은 고딕" charset="0"/>
+                <a:ea typeface="맑은 고딕" charset="0"/>
+              </a:rPr>
+              <a:t> Street Lamp 오브젝트에 </a:t>
+            </a:r>
+            <a:r>
+              <a:rPr lang="ko-KR" sz="1800">
+                <a:latin typeface="맑은 고딕" charset="0"/>
+                <a:ea typeface="맑은 고딕" charset="0"/>
+              </a:rPr>
+              <a:t>넣어줍니다.</a:t>
+            </a:r>
+            <a:r>
+              <a:rPr lang="ko-KR" sz="1800">
+                <a:latin typeface="맑은 고딕" charset="0"/>
+                <a:ea typeface="맑은 고딕" charset="0"/>
+              </a:rPr>
+              <a:t> </a:t>
+            </a:r>
+            <a:endParaRPr lang="ko-KR" altLang="en-US" sz="1800">
+              <a:latin typeface="맑은 고딕" charset="0"/>
+              <a:ea typeface="맑은 고딕" charset="0"/>
+            </a:endParaRPr>
+          </a:p>
+        </p:txBody>
+      </p:sp>
+      <p:sp>
+        <p:nvSpPr>
+          <p:cNvPr id="1055" name="Rect 0"/>
+          <p:cNvSpPr txBox="1">
+            <a:spLocks/>
+          </p:cNvSpPr>
+          <p:nvPr/>
+        </p:nvSpPr>
+        <p:spPr>
+          <a:xfrm rot="0">
+            <a:off x="6827520" y="5561965"/>
+            <a:ext cx="4130040" cy="647065"/>
+          </a:xfrm>
+          <a:prstGeom prst="rect"/>
+          <a:noFill/>
+          <a:ln w="0">
+            <a:noFill/>
+            <a:prstDash/>
+          </a:ln>
+        </p:spPr>
+        <p:txBody>
+          <a:bodyPr wrap="square" lIns="89535" tIns="46355" rIns="89535" bIns="46355" numCol="1" vert="horz" anchor="t">
+            <a:spAutoFit/>
+          </a:bodyPr>
+          <a:lstStyle/>
+          <a:p>
+            <a:pPr marL="0" indent="0" rtl="0" algn="l" defTabSz="914400" eaLnBrk="1" latinLnBrk="0" hangingPunct="1">
+              <a:buFontTx/>
+              <a:buNone/>
+            </a:pPr>
+            <a:r>
+              <a:rPr sz="1800" b="1">
+                <a:solidFill>
+                  <a:srgbClr val="0611F2"/>
+                </a:solidFill>
+                <a:latin typeface="맑은 고딕" charset="0"/>
+                <a:ea typeface="맑은 고딕" charset="0"/>
+              </a:rPr>
+              <a:t>2</a:t>
+            </a:r>
+            <a:r>
+              <a:rPr lang="ko-KR" sz="1800" b="1">
+                <a:solidFill>
+                  <a:srgbClr val="0611F2"/>
+                </a:solidFill>
+                <a:latin typeface="맑은 고딕" charset="0"/>
+                <a:ea typeface="맑은 고딕" charset="0"/>
+              </a:rPr>
+              <a:t>7</a:t>
+            </a:r>
+            <a:r>
+              <a:rPr sz="1800" b="1">
+                <a:solidFill>
+                  <a:srgbClr val="0611F2"/>
+                </a:solidFill>
+                <a:latin typeface="맑은 고딕" charset="0"/>
+                <a:ea typeface="맑은 고딕" charset="0"/>
+              </a:rPr>
+              <a:t>.</a:t>
+            </a:r>
+            <a:r>
+              <a:rPr sz="1800">
+                <a:latin typeface="맑은 고딕" charset="0"/>
+                <a:ea typeface="맑은 고딕" charset="0"/>
+              </a:rPr>
+              <a:t> </a:t>
+            </a:r>
+            <a:r>
+              <a:rPr lang="ko-KR" sz="1800">
+                <a:latin typeface="맑은 고딕" charset="0"/>
+                <a:ea typeface="맑은 고딕" charset="0"/>
+              </a:rPr>
+              <a:t>이제 Robot </a:t>
+            </a:r>
+            <a:r>
+              <a:rPr lang="ko-KR" sz="1800">
+                <a:latin typeface="맑은 고딕" charset="0"/>
+                <a:ea typeface="맑은 고딕" charset="0"/>
+              </a:rPr>
+              <a:t>오브젝트에</a:t>
+            </a:r>
+            <a:r>
+              <a:rPr lang="ko-KR" sz="1800">
+                <a:latin typeface="맑은 고딕" charset="0"/>
+                <a:ea typeface="맑은 고딕" charset="0"/>
+              </a:rPr>
+              <a:t> </a:t>
+            </a:r>
+            <a:r>
+              <a:rPr lang="ko-KR" sz="1800">
+                <a:latin typeface="맑은 고딕" charset="0"/>
+                <a:ea typeface="맑은 고딕" charset="0"/>
+              </a:rPr>
+              <a:t>Contribute</a:t>
+            </a:r>
+            <a:r>
+              <a:rPr lang="ko-KR" sz="1800">
+                <a:latin typeface="맑은 고딕" charset="0"/>
+                <a:ea typeface="맑은 고딕" charset="0"/>
+              </a:rPr>
+              <a:t> </a:t>
+            </a:r>
+            <a:r>
+              <a:rPr lang="ko-KR" sz="1800">
+                <a:latin typeface="맑은 고딕" charset="0"/>
+                <a:ea typeface="맑은 고딕" charset="0"/>
+              </a:rPr>
+              <a:t>GI를</a:t>
+            </a:r>
+            <a:r>
+              <a:rPr lang="ko-KR" sz="1800">
+                <a:latin typeface="맑은 고딕" charset="0"/>
+                <a:ea typeface="맑은 고딕" charset="0"/>
+              </a:rPr>
+              <a:t> </a:t>
+            </a:r>
+            <a:r>
+              <a:rPr lang="ko-KR" sz="1800">
+                <a:latin typeface="맑은 고딕" charset="0"/>
+                <a:ea typeface="맑은 고딕" charset="0"/>
+              </a:rPr>
+              <a:t>설정합니다.</a:t>
+            </a:r>
+            <a:endParaRPr lang="ko-KR" altLang="en-US" sz="1800">
+              <a:latin typeface="맑은 고딕" charset="0"/>
+              <a:ea typeface="맑은 고딕" charset="0"/>
+            </a:endParaRPr>
+          </a:p>
+        </p:txBody>
+      </p:sp>
+      <p:pic>
+        <p:nvPicPr>
+          <p:cNvPr id="1057" name="그림 32" descr="C:/Users/Admin1/AppData/Roaming/PolarisOffice/ETemp/23248_23591048/fImage482572835724.png"/>
+          <p:cNvPicPr>
+            <a:picLocks noChangeAspect="1"/>
+          </p:cNvPicPr>
+          <p:nvPr/>
+        </p:nvPicPr>
+        <p:blipFill rotWithShape="1">
+          <a:blip r:embed="rId3" cstate="print">
+            <a:extLst>
+              <a:ext uri="{28A0092B-C50C-407E-A947-70E740481C1C}">
+                <a14:useLocalDpi xmlns:a14="http://schemas.microsoft.com/office/drawing/2010/main" val="0"/>
+              </a:ext>
+            </a:extLst>
+          </a:blip>
+          <a:stretch>
+            <a:fillRect/>
+          </a:stretch>
+        </p:blipFill>
+        <p:spPr>
+          <a:xfrm rot="0">
+            <a:off x="2613025" y="1445260"/>
+            <a:ext cx="2774315" cy="1113790"/>
+          </a:xfrm>
+          <a:prstGeom prst="roundRect"/>
+          <a:solidFill>
+            <a:srgbClr val="EDEDED"/>
+          </a:solidFill>
+        </p:spPr>
+      </p:pic>
+      <p:pic>
+        <p:nvPicPr>
+          <p:cNvPr id="1058" name="그림 33" descr="C:/Users/Admin1/AppData/Roaming/PolarisOffice/ETemp/23248_23591048/fImage86782841478.png"/>
+          <p:cNvPicPr>
+            <a:picLocks noChangeAspect="1"/>
+          </p:cNvPicPr>
+          <p:nvPr/>
+        </p:nvPicPr>
+        <p:blipFill rotWithShape="1">
+          <a:blip r:embed="rId4" cstate="print">
+            <a:extLst>
+              <a:ext uri="{28A0092B-C50C-407E-A947-70E740481C1C}">
+                <a14:useLocalDpi xmlns:a14="http://schemas.microsoft.com/office/drawing/2010/main" val="0"/>
+              </a:ext>
+            </a:extLst>
+          </a:blip>
+          <a:stretch>
+            <a:fillRect/>
+          </a:stretch>
+        </p:blipFill>
+        <p:spPr>
+          <a:xfrm rot="0">
+            <a:off x="1235710" y="1447165"/>
+            <a:ext cx="1228725" cy="1118870"/>
+          </a:xfrm>
+          <a:prstGeom prst="roundRect"/>
+          <a:solidFill>
+            <a:srgbClr val="EDEDED"/>
+          </a:solidFill>
+        </p:spPr>
+      </p:pic>
+      <p:cxnSp>
+        <p:nvCxnSpPr>
+          <p:cNvPr id="1059" name="도형 36"/>
+          <p:cNvCxnSpPr/>
+          <p:nvPr/>
+        </p:nvCxnSpPr>
+        <p:spPr>
+          <a:xfrm rot="0" flipH="1">
+            <a:off x="2420620" y="1998345"/>
+            <a:ext cx="2404110" cy="259080"/>
+          </a:xfrm>
+          <a:prstGeom prst="straightConnector1"/>
+          <a:ln w="6350" cap="flat" cmpd="sng">
+            <a:prstDash/>
+            <a:headEnd type="none" w="med" len="med"/>
+            <a:tailEnd type="triangle" w="med" len="med"/>
+          </a:ln>
+        </p:spPr>
+        <p:style>
+          <a:lnRef idx="1">
+            <a:schemeClr val="accent1"/>
+          </a:lnRef>
+          <a:fillRef idx="0">
+            <a:schemeClr val="accent1"/>
+          </a:fillRef>
+          <a:effectRef idx="0">
+            <a:schemeClr val="accent1"/>
+          </a:effectRef>
+          <a:fontRef idx="minor">
+            <a:schemeClr val="tx1"/>
+          </a:fontRef>
+        </p:style>
+      </p:cxnSp>
+      <p:pic>
+        <p:nvPicPr>
+          <p:cNvPr id="1060" name="그림 37" descr="C:/Users/Admin1/AppData/Roaming/PolarisOffice/ETemp/23248_23591048/fImage157022869358.png"/>
+          <p:cNvPicPr>
+            <a:picLocks noChangeAspect="1"/>
+          </p:cNvPicPr>
+          <p:nvPr/>
+        </p:nvPicPr>
+        <p:blipFill rotWithShape="1">
+          <a:blip r:embed="rId5" cstate="print">
+            <a:extLst>
+              <a:ext uri="{28A0092B-C50C-407E-A947-70E740481C1C}">
+                <a14:useLocalDpi xmlns:a14="http://schemas.microsoft.com/office/drawing/2010/main" val="0"/>
+              </a:ext>
+            </a:extLst>
+          </a:blip>
+          <a:stretch>
+            <a:fillRect/>
+          </a:stretch>
+        </p:blipFill>
+        <p:spPr>
+          <a:xfrm rot="0">
+            <a:off x="1240790" y="3953510"/>
+            <a:ext cx="4143375" cy="1240790"/>
+          </a:xfrm>
+          <a:prstGeom prst="roundRect"/>
+          <a:solidFill>
+            <a:srgbClr val="EDEDED"/>
+          </a:solidFill>
+        </p:spPr>
+      </p:pic>
+      <p:pic>
+        <p:nvPicPr>
+          <p:cNvPr id="1061" name="그림 40" descr="C:/Users/Admin1/AppData/Roaming/PolarisOffice/ETemp/23248_23591048/fImage50303243281.png"/>
+          <p:cNvPicPr>
+            <a:picLocks noChangeAspect="1"/>
+          </p:cNvPicPr>
+          <p:nvPr/>
+        </p:nvPicPr>
+        <p:blipFill rotWithShape="1">
+          <a:blip r:embed="rId6" cstate="hqprint">
             <a:extLst>
               <a:ext uri="{28A0092B-C50C-407E-A947-70E740481C1C}">
                 <a14:useLocalDpi xmlns:a14="http://schemas.microsoft.com/office/drawing/2010/main"/>
@@ -12666,8 +13882,8 @@
         </p:blipFill>
         <p:spPr>
           <a:xfrm rot="0">
-            <a:off x="6841490" y="1228725"/>
-            <a:ext cx="4194810" cy="2646680"/>
+            <a:off x="8915400" y="4042410"/>
+            <a:ext cx="2042160" cy="1376045"/>
           </a:xfrm>
           <a:prstGeom prst="roundRect"/>
           <a:solidFill>
@@ -12677,17 +13893,17 @@
       </p:pic>
       <p:pic>
         <p:nvPicPr>
-          <p:cNvPr id="1208" name="그림 48" descr="C:/Users/Admin1/AppData/Roaming/PolarisOffice/ETemp/10232_14344976/fImage211388841.png"/>
+          <p:cNvPr id="1062" name="그림 41" descr="C:/Users/Admin1/AppData/Roaming/PolarisOffice/ETemp/23248_23591048/fImage86202886962.png"/>
           <p:cNvPicPr>
             <a:picLocks noChangeAspect="1"/>
           </p:cNvPicPr>
           <p:nvPr/>
         </p:nvPicPr>
         <p:blipFill rotWithShape="1">
-          <a:blip r:embed="rId5" cstate="hqprint">
+          <a:blip r:embed="rId7" cstate="print">
             <a:extLst>
               <a:ext uri="{28A0092B-C50C-407E-A947-70E740481C1C}">
-                <a14:useLocalDpi xmlns:a14="http://schemas.microsoft.com/office/drawing/2010/main"/>
+                <a14:useLocalDpi xmlns:a14="http://schemas.microsoft.com/office/drawing/2010/main" val="0"/>
               </a:ext>
             </a:extLst>
           </a:blip>
@@ -12697,101 +13913,79 @@
         </p:blipFill>
         <p:spPr>
           <a:xfrm rot="0">
-            <a:off x="1164590" y="1190625"/>
-            <a:ext cx="4023995" cy="4000500"/>
-          </a:xfrm>
-          <a:prstGeom prst="rect"/>
-          <a:noFill/>
+            <a:off x="6831330" y="4029710"/>
+            <a:ext cx="1938655" cy="1388745"/>
+          </a:xfrm>
+          <a:prstGeom prst="roundRect"/>
+          <a:solidFill>
+            <a:srgbClr val="EDEDED"/>
+          </a:solidFill>
         </p:spPr>
       </p:pic>
-      <p:sp>
-        <p:nvSpPr>
-          <p:cNvPr id="1209" name="텍스트 상자 49"/>
-          <p:cNvSpPr txBox="1">
-            <a:spLocks/>
-          </p:cNvSpPr>
+      <p:pic>
+        <p:nvPicPr>
+          <p:cNvPr id="1063" name="그림 42" descr="C:/Users/Admin1/AppData/Roaming/PolarisOffice/ETemp/23248_23591048/fImage86742894464.png"/>
+          <p:cNvPicPr>
+            <a:picLocks noChangeAspect="1"/>
+          </p:cNvPicPr>
           <p:nvPr/>
-        </p:nvSpPr>
-        <p:spPr>
-          <a:xfrm rot="0">
-            <a:off x="1165860" y="5320665"/>
-            <a:ext cx="4013835" cy="908050"/>
-          </a:xfrm>
-          <a:prstGeom prst="rect"/>
-          <a:noFill/>
-        </p:spPr>
-        <p:txBody>
-          <a:bodyPr wrap="square" lIns="0" tIns="0" rIns="0" bIns="0" numCol="1" vert="horz" anchor="t">
-            <a:noAutofit/>
-          </a:bodyPr>
-          <a:lstStyle/>
-          <a:p>
-            <a:pPr marL="0" indent="0" algn="l" latinLnBrk="0" hangingPunct="1">
-              <a:buFontTx/>
-              <a:buNone/>
-            </a:pPr>
-            <a:r>
-              <a:rPr lang="ko-KR" sz="2000" b="1">
-                <a:solidFill>
-                  <a:srgbClr val="0611F2"/>
-                </a:solidFill>
-                <a:latin typeface="맑은 고딕" charset="0"/>
-                <a:ea typeface="맑은 고딕" charset="0"/>
-              </a:rPr>
-              <a:t>31.</a:t>
-            </a:r>
-            <a:r>
-              <a:rPr lang="ko-KR" sz="2000" b="1">
-                <a:solidFill>
-                  <a:srgbClr val="0611F2"/>
-                </a:solidFill>
-                <a:latin typeface="맑은 고딕" charset="0"/>
-                <a:ea typeface="맑은 고딕" charset="0"/>
-              </a:rPr>
-              <a:t> </a:t>
-            </a:r>
-            <a:r>
-              <a:rPr lang="ko-KR" sz="1800">
-                <a:latin typeface="맑은 고딕" charset="0"/>
-                <a:ea typeface="맑은 고딕" charset="0"/>
-              </a:rPr>
-              <a:t>그런 다음 Window에서 </a:t>
-            </a:r>
-            <a:r>
-              <a:rPr lang="ko-KR" sz="1800">
-                <a:latin typeface="맑은 고딕" charset="0"/>
-                <a:ea typeface="맑은 고딕" charset="0"/>
-              </a:rPr>
-              <a:t>Rendering을</a:t>
-            </a:r>
-            <a:r>
-              <a:rPr lang="ko-KR" sz="1800">
-                <a:latin typeface="맑은 고딕" charset="0"/>
-                <a:ea typeface="맑은 고딕" charset="0"/>
-              </a:rPr>
-              <a:t> 선택하고 Lighting </a:t>
-            </a:r>
-            <a:r>
-              <a:rPr lang="ko-KR" sz="1800">
-                <a:latin typeface="맑은 고딕" charset="0"/>
-                <a:ea typeface="맑은 고딕" charset="0"/>
-              </a:rPr>
-              <a:t>Settings를</a:t>
-            </a:r>
-            <a:r>
-              <a:rPr lang="ko-KR" sz="1800">
-                <a:latin typeface="맑은 고딕" charset="0"/>
-                <a:ea typeface="맑은 고딕" charset="0"/>
-              </a:rPr>
-              <a:t> 선택합니다. </a:t>
-            </a:r>
-            <a:endParaRPr lang="ko-KR" altLang="en-US" sz="1800">
-              <a:latin typeface="맑은 고딕" charset="0"/>
-              <a:ea typeface="맑은 고딕" charset="0"/>
-            </a:endParaRPr>
-          </a:p>
-        </p:txBody>
-      </p:sp>
+        </p:nvPicPr>
+        <p:blipFill rotWithShape="1">
+          <a:blip r:embed="rId8" cstate="print">
+            <a:extLst>
+              <a:ext uri="{28A0092B-C50C-407E-A947-70E740481C1C}">
+                <a14:useLocalDpi xmlns:a14="http://schemas.microsoft.com/office/drawing/2010/main" val="0"/>
+              </a:ext>
+            </a:extLst>
+          </a:blip>
+          <a:stretch>
+            <a:fillRect/>
+          </a:stretch>
+        </p:blipFill>
+        <p:spPr>
+          <a:xfrm rot="0">
+            <a:off x="6837680" y="1447165"/>
+            <a:ext cx="1199515" cy="1111885"/>
+          </a:xfrm>
+          <a:prstGeom prst="roundRect"/>
+          <a:solidFill>
+            <a:srgbClr val="EDEDED"/>
+          </a:solidFill>
+        </p:spPr>
+      </p:pic>
+      <p:cxnSp>
+        <p:nvCxnSpPr>
+          <p:cNvPr id="1052" name="Rect 0"/>
+          <p:cNvCxnSpPr/>
+          <p:nvPr/>
+        </p:nvCxnSpPr>
+        <p:spPr>
+          <a:xfrm rot="0" flipH="1">
+            <a:off x="7933690" y="1911985"/>
+            <a:ext cx="2463800" cy="431800"/>
+          </a:xfrm>
+          <a:prstGeom prst="straightConnector1"/>
+          <a:ln w="6350" cap="flat" cmpd="sng">
+            <a:prstDash/>
+            <a:headEnd type="none" w="med" len="med"/>
+            <a:tailEnd type="triangle" w="med" len="med"/>
+          </a:ln>
+        </p:spPr>
+        <p:style>
+          <a:lnRef idx="1">
+            <a:schemeClr val="accent1"/>
+          </a:lnRef>
+          <a:fillRef idx="0">
+            <a:schemeClr val="accent1"/>
+          </a:fillRef>
+          <a:effectRef idx="0">
+            <a:schemeClr val="accent1"/>
+          </a:effectRef>
+          <a:fontRef idx="minor">
+            <a:schemeClr val="tx1"/>
+          </a:fontRef>
+        </p:style>
+      </p:cxnSp>
     </p:spTree>
   </p:cSld>
   <p:clrMapOvr>

--- a/Assets/Class/Light/PPT Data/Light Example.pptx
+++ b/Assets/Class/Light/PPT Data/Light Example.pptx
@@ -2,7 +2,7 @@
 <file path=ppt/presentation.xml><?xml version="1.0" encoding="utf-8"?>
 <p:presentation xmlns:a="http://schemas.openxmlformats.org/drawingml/2006/main" xmlns:r="http://schemas.openxmlformats.org/officeDocument/2006/relationships" xmlns:p="http://schemas.openxmlformats.org/presentationml/2006/main" xmlns:p14="http://schemas.microsoft.com/office/powerpoint/2010/main" saveSubsetFonts="1" firstSlideNum="0">
   <p:sldMasterIdLst>
-    <p:sldMasterId id="2147486000" r:id="rId12"/>
+    <p:sldMasterId id="2147486013" r:id="rId12"/>
   </p:sldMasterIdLst>
   <p:notesMasterIdLst>
     <p:notesMasterId r:id="rId14"/>
@@ -16,9 +16,11 @@
     <p:sldId id="299" r:id="rId26"/>
     <p:sldId id="318" r:id="rId28"/>
     <p:sldId id="310" r:id="rId30"/>
-    <p:sldId id="319" r:id="rId31"/>
-    <p:sldId id="308" r:id="rId32"/>
-    <p:sldId id="313" r:id="rId34"/>
+    <p:sldId id="319" r:id="rId32"/>
+    <p:sldId id="320" r:id="rId34"/>
+    <p:sldId id="321" r:id="rId35"/>
+    <p:sldId id="308" r:id="rId36"/>
+    <p:sldId id="313" r:id="rId37"/>
   </p:sldIdLst>
   <p:sldSz cx="12192000" cy="6858000"/>
   <p:notesSz cx="6858000" cy="9144000"/>
@@ -649,7 +651,7 @@
         <p:spPr>
           <a:xfrm rot="0">
             <a:off x="685800" y="1143000"/>
-            <a:ext cx="5492750" cy="3092450"/>
+            <a:ext cx="5495290" cy="3094990"/>
           </a:xfrm>
           <a:prstGeom prst="rect"/>
           <a:noFill/>
@@ -688,7 +690,7 @@
         <p:spPr>
           <a:xfrm rot="0">
             <a:off x="685800" y="4400550"/>
-            <a:ext cx="5492750" cy="3606800"/>
+            <a:ext cx="5495290" cy="3609340"/>
           </a:xfrm>
           <a:prstGeom prst="rect"/>
         </p:spPr>
@@ -718,7 +720,7 @@
         <p:spPr>
           <a:xfrm rot="0">
             <a:off x="3884930" y="8685530"/>
-            <a:ext cx="2978150" cy="464820"/>
+            <a:ext cx="2980690" cy="467360"/>
           </a:xfrm>
           <a:prstGeom prst="rect"/>
         </p:spPr>
@@ -762,6 +764,290 @@
 </file>
 
 <file path=ppt/notesSlides/notesSlide11.xml><?xml version="1.0" encoding="utf-8"?>
+<p:notes xmlns:a="http://schemas.openxmlformats.org/drawingml/2006/main" xmlns:r="http://schemas.openxmlformats.org/officeDocument/2006/relationships" xmlns:p="http://schemas.openxmlformats.org/presentationml/2006/main">
+  <p:cSld>
+    <p:spTree>
+      <p:nvGrpSpPr>
+        <p:cNvPr id="1" name=""/>
+        <p:cNvGrpSpPr/>
+        <p:nvPr/>
+      </p:nvGrpSpPr>
+      <p:grpSpPr>
+        <a:xfrm>
+          <a:off x="0" y="0"/>
+          <a:ext cx="0" cy="0"/>
+          <a:chOff x="0" y="0"/>
+          <a:chExt cx="0" cy="0"/>
+        </a:xfrm>
+      </p:grpSpPr>
+      <p:sp>
+        <p:nvSpPr>
+          <p:cNvPr id="2" name="슬라이드 이미지 개체 틀 3"/>
+          <p:cNvSpPr>
+            <a:spLocks noChangeAspect="1"/>
+          </p:cNvSpPr>
+          <p:nvPr>
+            <p:ph type="sldImg" idx="2"/>
+          </p:nvPr>
+        </p:nvSpPr>
+        <p:spPr>
+          <a:xfrm rot="0">
+            <a:off x="685800" y="1143000"/>
+            <a:ext cx="5495290" cy="3094990"/>
+          </a:xfrm>
+          <a:prstGeom prst="rect"/>
+          <a:noFill/>
+          <a:ln w="12700" cap="flat" cmpd="sng">
+            <a:solidFill>
+              <a:srgbClr val="000000">
+                <a:alpha val="100000"/>
+              </a:srgbClr>
+            </a:solidFill>
+            <a:prstDash val="solid"/>
+          </a:ln>
+        </p:spPr>
+        <p:txBody>
+          <a:bodyPr wrap="square" lIns="91440" tIns="45720" rIns="91440" bIns="45720" numCol="1" vert="horz" anchor="ctr">
+            <a:noAutofit/>
+          </a:bodyPr>
+          <a:lstStyle/>
+          <a:p>
+            <a:pPr marL="0" indent="0" latinLnBrk="0">
+              <a:buFontTx/>
+              <a:buNone/>
+            </a:pPr>
+          </a:p>
+        </p:txBody>
+      </p:sp>
+      <p:sp>
+        <p:nvSpPr>
+          <p:cNvPr id="3" name="슬라이드 노트 개체 틀 4"/>
+          <p:cNvSpPr txBox="1">
+            <a:spLocks/>
+          </p:cNvSpPr>
+          <p:nvPr>
+            <p:ph type="body" idx="3"/>
+          </p:nvPr>
+        </p:nvSpPr>
+        <p:spPr>
+          <a:xfrm rot="0">
+            <a:off x="685800" y="4400550"/>
+            <a:ext cx="5495290" cy="3609340"/>
+          </a:xfrm>
+          <a:prstGeom prst="rect"/>
+        </p:spPr>
+        <p:txBody>
+          <a:bodyPr wrap="square" lIns="91440" tIns="45720" rIns="91440" bIns="45720" numCol="1" vert="horz" anchor="t">
+            <a:noAutofit/>
+          </a:bodyPr>
+          <a:lstStyle/>
+          <a:p>
+            <a:pPr marL="0" indent="0" latinLnBrk="0">
+              <a:buFontTx/>
+              <a:buNone/>
+            </a:pPr>
+          </a:p>
+        </p:txBody>
+      </p:sp>
+      <p:sp>
+        <p:nvSpPr>
+          <p:cNvPr id="4" name="슬라이드 번호 개체 틀 6"/>
+          <p:cNvSpPr txBox="1">
+            <a:spLocks/>
+          </p:cNvSpPr>
+          <p:nvPr>
+            <p:ph type="sldNum" idx="5"/>
+          </p:nvPr>
+        </p:nvSpPr>
+        <p:spPr>
+          <a:xfrm rot="0">
+            <a:off x="3884930" y="8685530"/>
+            <a:ext cx="2980690" cy="467360"/>
+          </a:xfrm>
+          <a:prstGeom prst="rect"/>
+        </p:spPr>
+        <p:txBody>
+          <a:bodyPr wrap="square" lIns="91440" tIns="45720" rIns="91440" bIns="45720" numCol="1" vert="horz" anchor="b">
+            <a:noAutofit/>
+          </a:bodyPr>
+          <a:lstStyle>
+            <a:lvl1pPr marL="0" indent="0" algn="r" latinLnBrk="0">
+              <a:buFontTx/>
+              <a:buNone/>
+              <a:defRPr lang="en-GB" altLang="en-US" sz="1200"/>
+            </a:lvl1pPr>
+          </a:lstStyle>
+          <a:p>
+            <a:pPr marL="0" indent="0" latinLnBrk="0">
+              <a:buFontTx/>
+              <a:buNone/>
+            </a:pPr>
+            <a:fld id="{B9320F77-B9A0-41C5-862A-B4B631284C64}" type="slidenum">
+              <a:rPr lang="ko-KR" altLang="en-US"/>
+              <a:t>‹#›</a:t>
+            </a:fld>
+          </a:p>
+        </p:txBody>
+      </p:sp>
+    </p:spTree>
+  </p:cSld>
+  <p:clrMapOvr>
+    <a:masterClrMapping/>
+  </p:clrMapOvr>
+  <mc:AlternateContent xmlns:mc="http://schemas.openxmlformats.org/markup-compatibility/2006">
+    <mc:Choice xmlns:p14="http://schemas.microsoft.com/office/powerpoint/2010/main" Requires="p14">
+      <p:transition spd="slow" p14:dur="0"/>
+    </mc:Choice>
+    <mc:Fallback>
+      <p:transition spd="slow"/>
+    </mc:Fallback>
+  </mc:AlternateContent>
+</p:notes>
+</file>
+
+<file path=ppt/notesSlides/notesSlide12.xml><?xml version="1.0" encoding="utf-8"?>
+<p:notes xmlns:a="http://schemas.openxmlformats.org/drawingml/2006/main" xmlns:r="http://schemas.openxmlformats.org/officeDocument/2006/relationships" xmlns:p="http://schemas.openxmlformats.org/presentationml/2006/main">
+  <p:cSld>
+    <p:spTree>
+      <p:nvGrpSpPr>
+        <p:cNvPr id="1" name=""/>
+        <p:cNvGrpSpPr/>
+        <p:nvPr/>
+      </p:nvGrpSpPr>
+      <p:grpSpPr>
+        <a:xfrm>
+          <a:off x="0" y="0"/>
+          <a:ext cx="0" cy="0"/>
+          <a:chOff x="0" y="0"/>
+          <a:chExt cx="0" cy="0"/>
+        </a:xfrm>
+      </p:grpSpPr>
+      <p:sp>
+        <p:nvSpPr>
+          <p:cNvPr id="2" name="슬라이드 이미지 개체 틀 3"/>
+          <p:cNvSpPr>
+            <a:spLocks noChangeAspect="1"/>
+          </p:cNvSpPr>
+          <p:nvPr>
+            <p:ph type="sldImg" idx="2"/>
+          </p:nvPr>
+        </p:nvSpPr>
+        <p:spPr>
+          <a:xfrm rot="0">
+            <a:off x="685800" y="1143000"/>
+            <a:ext cx="5492750" cy="3092450"/>
+          </a:xfrm>
+          <a:prstGeom prst="rect"/>
+          <a:noFill/>
+          <a:ln w="12700" cap="flat" cmpd="sng">
+            <a:solidFill>
+              <a:srgbClr val="000000">
+                <a:alpha val="100000"/>
+              </a:srgbClr>
+            </a:solidFill>
+            <a:prstDash val="solid"/>
+          </a:ln>
+        </p:spPr>
+        <p:txBody>
+          <a:bodyPr wrap="square" lIns="91440" tIns="45720" rIns="91440" bIns="45720" numCol="1" vert="horz" anchor="ctr">
+            <a:noAutofit/>
+          </a:bodyPr>
+          <a:lstStyle/>
+          <a:p>
+            <a:pPr marL="0" indent="0" latinLnBrk="0">
+              <a:buFontTx/>
+              <a:buNone/>
+            </a:pPr>
+          </a:p>
+        </p:txBody>
+      </p:sp>
+      <p:sp>
+        <p:nvSpPr>
+          <p:cNvPr id="3" name="슬라이드 노트 개체 틀 4"/>
+          <p:cNvSpPr txBox="1">
+            <a:spLocks/>
+          </p:cNvSpPr>
+          <p:nvPr>
+            <p:ph type="body" idx="3"/>
+          </p:nvPr>
+        </p:nvSpPr>
+        <p:spPr>
+          <a:xfrm rot="0">
+            <a:off x="685800" y="4400550"/>
+            <a:ext cx="5492750" cy="3606800"/>
+          </a:xfrm>
+          <a:prstGeom prst="rect"/>
+        </p:spPr>
+        <p:txBody>
+          <a:bodyPr wrap="square" lIns="91440" tIns="45720" rIns="91440" bIns="45720" numCol="1" vert="horz" anchor="t">
+            <a:noAutofit/>
+          </a:bodyPr>
+          <a:lstStyle/>
+          <a:p>
+            <a:pPr marL="0" indent="0" latinLnBrk="0">
+              <a:buFontTx/>
+              <a:buNone/>
+            </a:pPr>
+          </a:p>
+        </p:txBody>
+      </p:sp>
+      <p:sp>
+        <p:nvSpPr>
+          <p:cNvPr id="4" name="슬라이드 번호 개체 틀 6"/>
+          <p:cNvSpPr txBox="1">
+            <a:spLocks/>
+          </p:cNvSpPr>
+          <p:nvPr>
+            <p:ph type="sldNum" idx="5"/>
+          </p:nvPr>
+        </p:nvSpPr>
+        <p:spPr>
+          <a:xfrm rot="0">
+            <a:off x="3884930" y="8685530"/>
+            <a:ext cx="2978150" cy="464820"/>
+          </a:xfrm>
+          <a:prstGeom prst="rect"/>
+        </p:spPr>
+        <p:txBody>
+          <a:bodyPr wrap="square" lIns="91440" tIns="45720" rIns="91440" bIns="45720" numCol="1" vert="horz" anchor="b">
+            <a:noAutofit/>
+          </a:bodyPr>
+          <a:lstStyle>
+            <a:lvl1pPr marL="0" indent="0" algn="r" latinLnBrk="0">
+              <a:buFontTx/>
+              <a:buNone/>
+              <a:defRPr lang="en-GB" altLang="en-US" sz="1200"/>
+            </a:lvl1pPr>
+          </a:lstStyle>
+          <a:p>
+            <a:pPr marL="0" indent="0" latinLnBrk="0">
+              <a:buFontTx/>
+              <a:buNone/>
+            </a:pPr>
+            <a:fld id="{B9320F77-B9A0-41C5-862A-B4B631284C64}" type="slidenum">
+              <a:rPr lang="ko-KR" altLang="en-US"/>
+              <a:t>‹#›</a:t>
+            </a:fld>
+          </a:p>
+        </p:txBody>
+      </p:sp>
+    </p:spTree>
+  </p:cSld>
+  <p:clrMapOvr>
+    <a:masterClrMapping/>
+  </p:clrMapOvr>
+  <mc:AlternateContent xmlns:mc="http://schemas.openxmlformats.org/markup-compatibility/2006">
+    <mc:Choice xmlns:p14="http://schemas.microsoft.com/office/powerpoint/2010/main" Requires="p14">
+      <p:transition spd="slow" p14:dur="0"/>
+    </mc:Choice>
+    <mc:Fallback>
+      <p:transition spd="slow"/>
+    </mc:Fallback>
+  </mc:AlternateContent>
+</p:notes>
+</file>
+
+<file path=ppt/notesSlides/notesSlide13.xml><?xml version="1.0" encoding="utf-8"?>
 <p:notes xmlns:a="http://schemas.openxmlformats.org/drawingml/2006/main" xmlns:r="http://schemas.openxmlformats.org/officeDocument/2006/relationships" xmlns:p="http://schemas.openxmlformats.org/presentationml/2006/main">
   <p:cSld>
     <p:spTree>
@@ -7446,7 +7732,7 @@
 </file>
 
 <file path=ppt/slides/slide10.xml><?xml version="1.0" encoding="utf-8"?>
-<p:sld xmlns:a="http://schemas.openxmlformats.org/drawingml/2006/main" xmlns:r="http://schemas.openxmlformats.org/officeDocument/2006/relationships" xmlns:p="http://schemas.openxmlformats.org/presentationml/2006/main" xmlns:p14="http://schemas.microsoft.com/office/powerpoint/2010/main">
+<p:sld xmlns:a="http://schemas.openxmlformats.org/drawingml/2006/main" xmlns:r="http://schemas.openxmlformats.org/officeDocument/2006/relationships" xmlns:p="http://schemas.openxmlformats.org/presentationml/2006/main">
   <p:cSld>
     <p:spTree>
       <p:nvGrpSpPr>
@@ -7472,8 +7758,8 @@
         </p:nvSpPr>
         <p:spPr>
           <a:xfrm rot="0">
-            <a:off x="4292600" y="318770"/>
-            <a:ext cx="3613150" cy="554990"/>
+            <a:off x="4110990" y="327660"/>
+            <a:ext cx="3987165" cy="478155"/>
           </a:xfrm>
           <a:prstGeom prst="rect"/>
           <a:noFill/>
@@ -7488,41 +7774,187 @@
           </a:bodyPr>
           <a:lstStyle/>
           <a:p>
-            <a:pPr marL="0" indent="0" algn="l" latinLnBrk="0">
-              <a:buFontTx/>
-              <a:buNone/>
-            </a:pPr>
-            <a:r>
-              <a:rPr lang="ko-KR" altLang="en-US" sz="3000" b="1">
+            <a:pPr marL="0" indent="0" algn="ctr" latinLnBrk="0">
+              <a:buFontTx/>
+              <a:buNone/>
+            </a:pPr>
+            <a:r>
+              <a:rPr lang="ko-KR" altLang="en-US" sz="2500" b="1">
                 <a:solidFill>
                   <a:schemeClr val="tx1"/>
                 </a:solidFill>
-                <a:latin typeface="맑은 고딕" charset="0"/>
-                <a:ea typeface="맑은 고딕" charset="0"/>
+                <a:latin typeface="나눔바른고딕" charset="0"/>
+                <a:ea typeface="나눔바른고딕" charset="0"/>
               </a:rPr>
               <a:t>열</a:t>
             </a:r>
             <a:r>
-              <a:rPr lang="ko-KR" altLang="en-US" sz="3000" b="1">
+              <a:rPr lang="ko-KR" altLang="en-US" sz="2500" b="1">
                 <a:solidFill>
                   <a:schemeClr val="tx1"/>
                 </a:solidFill>
-                <a:latin typeface="맑은 고딕" charset="0"/>
-                <a:ea typeface="맑은 고딕" charset="0"/>
-              </a:rPr>
-              <a:t>세</a:t>
-            </a:r>
-            <a:r>
-              <a:rPr lang="ko-KR" altLang="en-US" sz="3000" b="1">
+                <a:latin typeface="나눔바른고딕" charset="0"/>
+                <a:ea typeface="나눔바른고딕" charset="0"/>
+              </a:rPr>
+              <a:t> 번째</a:t>
+            </a:r>
+            <a:r>
+              <a:rPr lang="ko-KR" altLang="en-US" sz="2500" b="1">
                 <a:solidFill>
                   <a:schemeClr val="tx1"/>
                 </a:solidFill>
-                <a:latin typeface="맑은 고딕" charset="0"/>
-                <a:ea typeface="맑은 고딕" charset="0"/>
-              </a:rPr>
-              <a:t> 번째 튜토리얼</a:t>
-            </a:r>
-            <a:endParaRPr lang="ko-KR" altLang="en-US" sz="3000" b="1">
+                <a:latin typeface="나눔바른고딕" charset="0"/>
+                <a:ea typeface="나눔바른고딕" charset="0"/>
+              </a:rPr>
+              <a:t> </a:t>
+            </a:r>
+            <a:r>
+              <a:rPr lang="ko-KR" altLang="en-US" sz="2500" b="1">
+                <a:solidFill>
+                  <a:schemeClr val="tx1"/>
+                </a:solidFill>
+                <a:latin typeface="나눔바른고딕" charset="0"/>
+                <a:ea typeface="나눔바른고딕" charset="0"/>
+              </a:rPr>
+              <a:t>튜토리얼</a:t>
+            </a:r>
+            <a:endParaRPr lang="ko-KR" altLang="en-US" sz="2500" b="1">
+              <a:solidFill>
+                <a:schemeClr val="tx1"/>
+              </a:solidFill>
+              <a:latin typeface="나눔바른고딕" charset="0"/>
+              <a:ea typeface="나눔바른고딕" charset="0"/>
+            </a:endParaRPr>
+          </a:p>
+        </p:txBody>
+      </p:sp>
+      <p:sp>
+        <p:nvSpPr>
+          <p:cNvPr id="1054" name="Rect 0"/>
+          <p:cNvSpPr txBox="1">
+            <a:spLocks/>
+          </p:cNvSpPr>
+          <p:nvPr/>
+        </p:nvSpPr>
+        <p:spPr>
+          <a:xfrm rot="0">
+            <a:off x="6822440" y="5283835"/>
+            <a:ext cx="4135120" cy="892175"/>
+          </a:xfrm>
+          <a:prstGeom prst="rect"/>
+          <a:noFill/>
+        </p:spPr>
+        <p:txBody>
+          <a:bodyPr wrap="square" lIns="0" tIns="0" rIns="0" bIns="0" numCol="1" vert="horz" anchor="t">
+            <a:noAutofit/>
+          </a:bodyPr>
+          <a:lstStyle/>
+          <a:p>
+            <a:pPr marL="0" indent="0" algn="l" latinLnBrk="0" hangingPunct="1">
+              <a:buFontTx/>
+              <a:buNone/>
+            </a:pPr>
+            <a:r>
+              <a:rPr lang="ko-KR" sz="1800" i="0" b="0">
+                <a:solidFill>
+                  <a:schemeClr val="tx1"/>
+                </a:solidFill>
+                <a:latin typeface="맑은 고딕" charset="0"/>
+                <a:ea typeface="맑은 고딕" charset="0"/>
+              </a:rPr>
+              <a:t>라이트</a:t>
+            </a:r>
+            <a:r>
+              <a:rPr lang="ko-KR" sz="1800" i="0" b="0">
+                <a:solidFill>
+                  <a:schemeClr val="tx1"/>
+                </a:solidFill>
+                <a:latin typeface="맑은 고딕" charset="0"/>
+                <a:ea typeface="맑은 고딕" charset="0"/>
+              </a:rPr>
+              <a:t> </a:t>
+            </a:r>
+            <a:r>
+              <a:rPr lang="ko-KR" sz="1800" i="0" b="0">
+                <a:solidFill>
+                  <a:schemeClr val="tx1"/>
+                </a:solidFill>
+                <a:latin typeface="맑은 고딕" charset="0"/>
+                <a:ea typeface="맑은 고딕" charset="0"/>
+              </a:rPr>
+              <a:t>프로브 그룹의 경우 영역 근처에 </a:t>
+            </a:r>
+            <a:r>
+              <a:rPr lang="ko-KR" sz="1800" i="0" b="0">
+                <a:solidFill>
+                  <a:schemeClr val="tx1"/>
+                </a:solidFill>
+                <a:latin typeface="맑은 고딕" charset="0"/>
+                <a:ea typeface="맑은 고딕" charset="0"/>
+              </a:rPr>
+              <a:t>있는</a:t>
+            </a:r>
+            <a:r>
+              <a:rPr lang="ko-KR" sz="1800" i="0" b="0">
+                <a:solidFill>
+                  <a:schemeClr val="tx1"/>
+                </a:solidFill>
+                <a:latin typeface="맑은 고딕" charset="0"/>
+                <a:ea typeface="맑은 고딕" charset="0"/>
+              </a:rPr>
+              <a:t> Mesh Renderer의 값을 보간한 </a:t>
+            </a:r>
+            <a:r>
+              <a:rPr lang="ko-KR" sz="1800" i="0" b="0">
+                <a:solidFill>
+                  <a:schemeClr val="tx1"/>
+                </a:solidFill>
+                <a:latin typeface="맑은 고딕" charset="0"/>
+                <a:ea typeface="맑은 고딕" charset="0"/>
+              </a:rPr>
+              <a:t>다</a:t>
+            </a:r>
+            <a:r>
+              <a:rPr lang="ko-KR" sz="1800" i="0" b="0">
+                <a:solidFill>
+                  <a:schemeClr val="tx1"/>
+                </a:solidFill>
+                <a:latin typeface="맑은 고딕" charset="0"/>
+                <a:ea typeface="맑은 고딕" charset="0"/>
+              </a:rPr>
+              <a:t>음</a:t>
+            </a:r>
+            <a:r>
+              <a:rPr lang="ko-KR" sz="1800" i="0" b="0">
+                <a:solidFill>
+                  <a:schemeClr val="tx1"/>
+                </a:solidFill>
+                <a:latin typeface="맑은 고딕" charset="0"/>
+                <a:ea typeface="맑은 고딕" charset="0"/>
+              </a:rPr>
+              <a:t> </a:t>
+            </a:r>
+            <a:r>
+              <a:rPr lang="ko-KR" sz="1800" i="0" b="0">
+                <a:solidFill>
+                  <a:schemeClr val="tx1"/>
+                </a:solidFill>
+                <a:latin typeface="맑은 고딕" charset="0"/>
+                <a:ea typeface="맑은 고딕" charset="0"/>
+              </a:rPr>
+              <a:t>빛을 적용시킵니다.</a:t>
+            </a:r>
+            <a:r>
+              <a:rPr lang="ko-KR" sz="1800" i="0" b="0">
+                <a:solidFill>
+                  <a:schemeClr val="tx1"/>
+                </a:solidFill>
+                <a:latin typeface="맑은 고딕" charset="0"/>
+                <a:ea typeface="맑은 고딕" charset="0"/>
+              </a:rPr>
+              <a:t>					</a:t>
+            </a:r>
+            <a:endParaRPr lang="ko-KR" altLang="en-US" sz="1800" i="0" b="0">
               <a:solidFill>
                 <a:schemeClr val="tx1"/>
               </a:solidFill>
@@ -7532,115 +7964,16 @@
           </a:p>
         </p:txBody>
       </p:sp>
-      <p:sp>
-        <p:nvSpPr>
-          <p:cNvPr id="1191" name="Rect 0"/>
-          <p:cNvSpPr txBox="1">
-            <a:spLocks/>
-          </p:cNvSpPr>
-          <p:nvPr/>
-        </p:nvSpPr>
-        <p:spPr>
-          <a:xfrm rot="0">
-            <a:off x="6845935" y="4043680"/>
-            <a:ext cx="4199255" cy="2031365"/>
-          </a:xfrm>
-          <a:prstGeom prst="rect"/>
-          <a:noFill/>
-          <a:ln w="0">
-            <a:noFill/>
-            <a:prstDash/>
-          </a:ln>
-        </p:spPr>
-        <p:txBody>
-          <a:bodyPr wrap="square" lIns="89535" tIns="46355" rIns="89535" bIns="46355" numCol="1" vert="horz" anchor="t">
-            <a:spAutoFit/>
-          </a:bodyPr>
-          <a:lstStyle/>
-          <a:p>
-            <a:pPr marL="0" indent="0" rtl="0" algn="l" defTabSz="914400" eaLnBrk="1" latinLnBrk="0" hangingPunct="1">
-              <a:buFontTx/>
-              <a:buNone/>
-            </a:pPr>
-            <a:r>
-              <a:rPr lang="ko-KR" sz="1800">
-                <a:latin typeface="맑은 고딕" charset="0"/>
-                <a:ea typeface="맑은 고딕" charset="0"/>
-              </a:rPr>
-              <a:t>라이트 맵은 실시간으로 생성되는 빛에 대한 정보를 한</a:t>
-            </a:r>
-            <a:r>
-              <a:rPr lang="ko-KR" sz="1800">
-                <a:latin typeface="맑은 고딕" charset="0"/>
-                <a:ea typeface="맑은 고딕" charset="0"/>
-              </a:rPr>
-              <a:t> </a:t>
-            </a:r>
-            <a:r>
-              <a:rPr lang="ko-KR" sz="1800">
-                <a:latin typeface="맑은 고딕" charset="0"/>
-                <a:ea typeface="맑은 고딕" charset="0"/>
-              </a:rPr>
-              <a:t>번에 </a:t>
-            </a:r>
-            <a:r>
-              <a:rPr lang="ko-KR" sz="1800">
-                <a:latin typeface="맑은 고딕" charset="0"/>
-                <a:ea typeface="맑은 고딕" charset="0"/>
-              </a:rPr>
-              <a:t>저장한 </a:t>
-            </a:r>
-            <a:r>
-              <a:rPr lang="ko-KR" sz="1800">
-                <a:latin typeface="맑은 고딕" charset="0"/>
-                <a:ea typeface="맑은 고딕" charset="0"/>
-              </a:rPr>
-              <a:t>텍스처입니다.</a:t>
-            </a:r>
-            <a:endParaRPr lang="ko-KR" altLang="en-US" sz="1800">
-              <a:latin typeface="맑은 고딕" charset="0"/>
-              <a:ea typeface="맑은 고딕" charset="0"/>
-            </a:endParaRPr>
-          </a:p>
-          <a:p>
-            <a:pPr marL="0" indent="0" rtl="0" algn="l" defTabSz="914400" eaLnBrk="1" latinLnBrk="0" hangingPunct="1">
-              <a:buFontTx/>
-              <a:buNone/>
-            </a:pPr>
-            <a:endParaRPr lang="ko-KR" altLang="en-US" sz="1800">
-              <a:latin typeface="맑은 고딕" charset="0"/>
-              <a:ea typeface="맑은 고딕" charset="0"/>
-            </a:endParaRPr>
-          </a:p>
-          <a:p>
-            <a:pPr marL="0" indent="0" rtl="0" algn="l" defTabSz="914400" eaLnBrk="1" latinLnBrk="0" hangingPunct="1">
-              <a:buFontTx/>
-              <a:buNone/>
-            </a:pPr>
-            <a:r>
-              <a:rPr lang="ko-KR" sz="1800">
-                <a:latin typeface="맑은 고딕" charset="0"/>
-                <a:ea typeface="맑은 고딕" charset="0"/>
-              </a:rPr>
-              <a:t>라이트 맵의 경우 빛을 받은 게임 오브젝트는 그림자와 반사면이 고정되어 있는 형태로 설정됩니다.</a:t>
-            </a:r>
-            <a:endParaRPr lang="ko-KR" altLang="en-US" sz="1800">
-              <a:latin typeface="맑은 고딕" charset="0"/>
-              <a:ea typeface="맑은 고딕" charset="0"/>
-            </a:endParaRPr>
-          </a:p>
-        </p:txBody>
-      </p:sp>
       <p:pic>
         <p:nvPicPr>
-          <p:cNvPr id="1207" name="그림 29"/>
+          <p:cNvPr id="1058" name="Picture " descr="C:/Users/Admin1/AppData/Roaming/PolarisOffice/ETemp/26564_9303048/fImage24803535741.png"/>
           <p:cNvPicPr>
             <a:picLocks noChangeAspect="1"/>
           </p:cNvPicPr>
           <p:nvPr/>
         </p:nvPicPr>
         <p:blipFill rotWithShape="1">
-          <a:blip r:embed="rId3" cstate="hqprint">
+          <a:blip r:embed="rId2" cstate="hqprint">
             <a:extLst>
               <a:ext uri="{28A0092B-C50C-407E-A947-70E740481C1C}">
                 <a14:useLocalDpi xmlns:a14="http://schemas.microsoft.com/office/drawing/2010/main"/>
@@ -7653,8 +7986,8 @@
         </p:blipFill>
         <p:spPr>
           <a:xfrm rot="0">
-            <a:off x="6841490" y="1228725"/>
-            <a:ext cx="4194810" cy="2646680"/>
+            <a:off x="6824980" y="2764790"/>
+            <a:ext cx="4132580" cy="2257425"/>
           </a:xfrm>
           <a:prstGeom prst="roundRect"/>
           <a:solidFill>
@@ -7662,19 +7995,295 @@
           </a:solidFill>
         </p:spPr>
       </p:pic>
+      <p:sp>
+        <p:nvSpPr>
+          <p:cNvPr id="1059" name="텍스트 상자 1"/>
+          <p:cNvSpPr txBox="1">
+            <a:spLocks/>
+          </p:cNvSpPr>
+          <p:nvPr/>
+        </p:nvSpPr>
+        <p:spPr>
+          <a:xfrm rot="0">
+            <a:off x="6826250" y="1447165"/>
+            <a:ext cx="4131310" cy="1189355"/>
+          </a:xfrm>
+          <a:prstGeom prst="rect"/>
+          <a:noFill/>
+        </p:spPr>
+        <p:txBody>
+          <a:bodyPr wrap="square" lIns="0" tIns="0" rIns="0" bIns="0" numCol="1" vert="horz" anchor="t">
+            <a:noAutofit/>
+          </a:bodyPr>
+          <a:lstStyle/>
+          <a:p>
+            <a:pPr marL="0" indent="0" algn="l" latinLnBrk="0" hangingPunct="1">
+              <a:buFontTx/>
+              <a:buNone/>
+            </a:pPr>
+            <a:r>
+              <a:rPr lang="ko-KR" sz="1800" i="0" b="0">
+                <a:solidFill>
+                  <a:schemeClr val="tx1"/>
+                </a:solidFill>
+                <a:latin typeface="맑은 고딕" charset="0"/>
+                <a:ea typeface="맑은 고딕" charset="0"/>
+              </a:rPr>
+              <a:t>라이트</a:t>
+            </a:r>
+            <a:r>
+              <a:rPr lang="ko-KR" sz="1800" i="0" b="0">
+                <a:solidFill>
+                  <a:schemeClr val="tx1"/>
+                </a:solidFill>
+                <a:latin typeface="맑은 고딕" charset="0"/>
+                <a:ea typeface="맑은 고딕" charset="0"/>
+              </a:rPr>
+              <a:t> </a:t>
+            </a:r>
+            <a:r>
+              <a:rPr lang="ko-KR" sz="1800" i="0" b="0">
+                <a:solidFill>
+                  <a:schemeClr val="tx1"/>
+                </a:solidFill>
+                <a:latin typeface="맑은 고딕" charset="0"/>
+                <a:ea typeface="맑은 고딕" charset="0"/>
+              </a:rPr>
+              <a:t>프로브</a:t>
+            </a:r>
+            <a:r>
+              <a:rPr lang="ko-KR" sz="1800" i="0" b="0">
+                <a:solidFill>
+                  <a:schemeClr val="tx1"/>
+                </a:solidFill>
+                <a:latin typeface="맑은 고딕" charset="0"/>
+                <a:ea typeface="맑은 고딕" charset="0"/>
+              </a:rPr>
+              <a:t> </a:t>
+            </a:r>
+            <a:r>
+              <a:rPr lang="ko-KR" sz="1800" i="0" b="0">
+                <a:solidFill>
+                  <a:schemeClr val="tx1"/>
+                </a:solidFill>
+                <a:latin typeface="맑은 고딕" charset="0"/>
+                <a:ea typeface="맑은 고딕" charset="0"/>
+              </a:rPr>
+              <a:t>그룹</a:t>
+            </a:r>
+            <a:r>
+              <a:rPr lang="ko-KR" sz="1800" i="0" b="0">
+                <a:solidFill>
+                  <a:schemeClr val="tx1"/>
+                </a:solidFill>
+                <a:latin typeface="맑은 고딕" charset="0"/>
+                <a:ea typeface="맑은 고딕" charset="0"/>
+              </a:rPr>
+              <a:t>은 동적으로 </a:t>
+            </a:r>
+            <a:r>
+              <a:rPr lang="ko-KR" sz="1800" i="0" b="0">
+                <a:solidFill>
+                  <a:schemeClr val="tx1"/>
+                </a:solidFill>
+                <a:latin typeface="맑은 고딕" charset="0"/>
+                <a:ea typeface="맑은 고딕" charset="0"/>
+              </a:rPr>
+              <a:t>움직이는</a:t>
+            </a:r>
+            <a:r>
+              <a:rPr lang="ko-KR" sz="1800" i="0" b="0">
+                <a:solidFill>
+                  <a:schemeClr val="tx1"/>
+                </a:solidFill>
+                <a:latin typeface="맑은 고딕" charset="0"/>
+                <a:ea typeface="맑은 고딕" charset="0"/>
+              </a:rPr>
+              <a:t> </a:t>
+            </a:r>
+            <a:r>
+              <a:rPr lang="ko-KR" sz="1800" i="0" b="0">
+                <a:solidFill>
+                  <a:schemeClr val="tx1"/>
+                </a:solidFill>
+                <a:latin typeface="맑은 고딕" charset="0"/>
+                <a:ea typeface="맑은 고딕" charset="0"/>
+              </a:rPr>
+              <a:t>오브젝트의</a:t>
+            </a:r>
+            <a:r>
+              <a:rPr lang="ko-KR" sz="1800" i="0" b="0">
+                <a:solidFill>
+                  <a:schemeClr val="tx1"/>
+                </a:solidFill>
+                <a:latin typeface="맑은 고딕" charset="0"/>
+                <a:ea typeface="맑은 고딕" charset="0"/>
+              </a:rPr>
+              <a:t> 빛 연산을 </a:t>
+            </a:r>
+            <a:r>
+              <a:rPr lang="ko-KR" sz="1800" i="0" b="0">
+                <a:solidFill>
+                  <a:schemeClr val="tx1"/>
+                </a:solidFill>
+                <a:latin typeface="맑은 고딕" charset="0"/>
+                <a:ea typeface="맑은 고딕" charset="0"/>
+              </a:rPr>
+              <a:t>사전에</a:t>
+            </a:r>
+            <a:r>
+              <a:rPr lang="ko-KR" sz="1800" i="0" b="0">
+                <a:solidFill>
+                  <a:schemeClr val="tx1"/>
+                </a:solidFill>
+                <a:latin typeface="맑은 고딕" charset="0"/>
+                <a:ea typeface="맑은 고딕" charset="0"/>
+              </a:rPr>
+              <a:t> </a:t>
+            </a:r>
+            <a:r>
+              <a:rPr lang="ko-KR" sz="1800" i="0" b="0">
+                <a:solidFill>
+                  <a:schemeClr val="tx1"/>
+                </a:solidFill>
+                <a:latin typeface="맑은 고딕" charset="0"/>
+                <a:ea typeface="맑은 고딕" charset="0"/>
+              </a:rPr>
+              <a:t>배치한</a:t>
+            </a:r>
+            <a:r>
+              <a:rPr lang="ko-KR" sz="1800" i="0" b="0">
+                <a:solidFill>
+                  <a:schemeClr val="tx1"/>
+                </a:solidFill>
+                <a:latin typeface="맑은 고딕" charset="0"/>
+                <a:ea typeface="맑은 고딕" charset="0"/>
+              </a:rPr>
+              <a:t> </a:t>
+            </a:r>
+            <a:r>
+              <a:rPr lang="ko-KR" sz="1800" i="0" b="0">
+                <a:solidFill>
+                  <a:schemeClr val="tx1"/>
+                </a:solidFill>
+                <a:latin typeface="맑은 고딕" charset="0"/>
+                <a:ea typeface="맑은 고딕" charset="0"/>
+              </a:rPr>
+              <a:t>빛의</a:t>
+            </a:r>
+            <a:r>
+              <a:rPr lang="ko-KR" sz="1800" i="0" b="0">
+                <a:solidFill>
+                  <a:schemeClr val="tx1"/>
+                </a:solidFill>
+                <a:latin typeface="맑은 고딕" charset="0"/>
+                <a:ea typeface="맑은 고딕" charset="0"/>
+              </a:rPr>
+              <a:t> </a:t>
+            </a:r>
+            <a:r>
+              <a:rPr lang="ko-KR" sz="1800" i="0" b="0">
+                <a:solidFill>
+                  <a:schemeClr val="tx1"/>
+                </a:solidFill>
+                <a:latin typeface="맑은 고딕" charset="0"/>
+                <a:ea typeface="맑은 고딕" charset="0"/>
+              </a:rPr>
+              <a:t>정보</a:t>
+            </a:r>
+            <a:r>
+              <a:rPr lang="ko-KR" sz="1800" i="0" b="0">
+                <a:solidFill>
+                  <a:schemeClr val="tx1"/>
+                </a:solidFill>
+                <a:latin typeface="맑은 고딕" charset="0"/>
+                <a:ea typeface="맑은 고딕" charset="0"/>
+              </a:rPr>
+              <a:t> </a:t>
+            </a:r>
+            <a:r>
+              <a:rPr lang="ko-KR" sz="1800" i="0" b="0">
+                <a:solidFill>
+                  <a:schemeClr val="tx1"/>
+                </a:solidFill>
+                <a:latin typeface="맑은 고딕" charset="0"/>
+                <a:ea typeface="맑은 고딕" charset="0"/>
+              </a:rPr>
+              <a:t>값을</a:t>
+            </a:r>
+            <a:r>
+              <a:rPr lang="ko-KR" sz="1800" i="0" b="0">
+                <a:solidFill>
+                  <a:schemeClr val="tx1"/>
+                </a:solidFill>
+                <a:latin typeface="맑은 고딕" charset="0"/>
+                <a:ea typeface="맑은 고딕" charset="0"/>
+              </a:rPr>
+              <a:t> </a:t>
+            </a:r>
+            <a:r>
+              <a:rPr lang="ko-KR" sz="1800" i="0" b="0">
+                <a:solidFill>
+                  <a:schemeClr val="tx1"/>
+                </a:solidFill>
+                <a:latin typeface="맑은 고딕" charset="0"/>
+                <a:ea typeface="맑은 고딕" charset="0"/>
+              </a:rPr>
+              <a:t>저장하여 해당 </a:t>
+            </a:r>
+            <a:r>
+              <a:rPr lang="ko-KR" sz="1800" i="0" b="0">
+                <a:solidFill>
+                  <a:schemeClr val="tx1"/>
+                </a:solidFill>
+                <a:latin typeface="맑은 고딕" charset="0"/>
+                <a:ea typeface="맑은 고딕" charset="0"/>
+              </a:rPr>
+              <a:t>위치에서</a:t>
+            </a:r>
+            <a:r>
+              <a:rPr lang="ko-KR" sz="1800" i="0" b="0">
+                <a:solidFill>
+                  <a:schemeClr val="tx1"/>
+                </a:solidFill>
+                <a:latin typeface="맑은 고딕" charset="0"/>
+                <a:ea typeface="맑은 고딕" charset="0"/>
+              </a:rPr>
+              <a:t> 계산하는 방법입니다.</a:t>
+            </a:r>
+            <a:r>
+              <a:rPr lang="ko-KR" sz="1800" i="0" b="0">
+                <a:solidFill>
+                  <a:schemeClr val="tx1"/>
+                </a:solidFill>
+                <a:latin typeface="맑은 고딕" charset="0"/>
+                <a:ea typeface="맑은 고딕" charset="0"/>
+              </a:rPr>
+              <a:t>		</a:t>
+            </a:r>
+            <a:endParaRPr lang="ko-KR" altLang="en-US" sz="1800" i="0" b="0">
+              <a:solidFill>
+                <a:schemeClr val="tx1"/>
+              </a:solidFill>
+              <a:latin typeface="맑은 고딕" charset="0"/>
+              <a:ea typeface="맑은 고딕" charset="0"/>
+            </a:endParaRPr>
+          </a:p>
+        </p:txBody>
+      </p:sp>
       <p:pic>
         <p:nvPicPr>
-          <p:cNvPr id="1208" name="그림 48" descr="C:/Users/Admin1/AppData/Roaming/PolarisOffice/ETemp/10232_14344976/fImage211388841.png"/>
+          <p:cNvPr id="1060" name="그림 2" descr="C:/Users/Admin1/AppData/Roaming/PolarisOffice/ETemp/26564_9303048/fImage1031526941.png"/>
           <p:cNvPicPr>
             <a:picLocks noChangeAspect="1"/>
           </p:cNvPicPr>
           <p:nvPr/>
         </p:nvPicPr>
         <p:blipFill rotWithShape="1">
-          <a:blip r:embed="rId5" cstate="hqprint">
+          <a:blip r:embed="rId3" cstate="print">
             <a:extLst>
               <a:ext uri="{28A0092B-C50C-407E-A947-70E740481C1C}">
-                <a14:useLocalDpi xmlns:a14="http://schemas.microsoft.com/office/drawing/2010/main"/>
+                <a14:useLocalDpi xmlns:a14="http://schemas.microsoft.com/office/drawing/2010/main" val="0"/>
               </a:ext>
             </a:extLst>
           </a:blip>
@@ -7684,16 +8293,49 @@
         </p:blipFill>
         <p:spPr>
           <a:xfrm rot="0">
-            <a:off x="1164590" y="1190625"/>
-            <a:ext cx="4023995" cy="4000500"/>
-          </a:xfrm>
-          <a:prstGeom prst="rect"/>
-          <a:noFill/>
+            <a:off x="4108450" y="2419985"/>
+            <a:ext cx="1258570" cy="1930400"/>
+          </a:xfrm>
+          <a:prstGeom prst="roundRect"/>
+          <a:solidFill>
+            <a:srgbClr val="EDEDED"/>
+          </a:solidFill>
+        </p:spPr>
+      </p:pic>
+      <p:pic>
+        <p:nvPicPr>
+          <p:cNvPr id="1061" name="그림 3" descr="C:/Users/Admin1/AppData/Roaming/PolarisOffice/ETemp/26564_9303048/fImage171842708467.png"/>
+          <p:cNvPicPr>
+            <a:picLocks noChangeAspect="1"/>
+          </p:cNvPicPr>
+          <p:nvPr/>
+        </p:nvPicPr>
+        <p:blipFill rotWithShape="1">
+          <a:blip r:embed="rId4" cstate="print">
+            <a:extLst>
+              <a:ext uri="{28A0092B-C50C-407E-A947-70E740481C1C}">
+                <a14:useLocalDpi xmlns:a14="http://schemas.microsoft.com/office/drawing/2010/main" val="0"/>
+              </a:ext>
+            </a:extLst>
+          </a:blip>
+          <a:stretch>
+            <a:fillRect/>
+          </a:stretch>
+        </p:blipFill>
+        <p:spPr>
+          <a:xfrm rot="0">
+            <a:off x="1231900" y="1447165"/>
+            <a:ext cx="2731135" cy="3867785"/>
+          </a:xfrm>
+          <a:prstGeom prst="roundRect"/>
+          <a:solidFill>
+            <a:srgbClr val="EDEDED"/>
+          </a:solidFill>
         </p:spPr>
       </p:pic>
       <p:sp>
         <p:nvSpPr>
-          <p:cNvPr id="1209" name="텍스트 상자 49"/>
+          <p:cNvPr id="1062" name="텍스트 상자 7"/>
           <p:cNvSpPr txBox="1">
             <a:spLocks/>
           </p:cNvSpPr>
@@ -7701,40 +8343,61 @@
         </p:nvSpPr>
         <p:spPr>
           <a:xfrm rot="0">
-            <a:off x="1165860" y="5320665"/>
-            <a:ext cx="4013835" cy="908050"/>
+            <a:off x="1231900" y="5532755"/>
+            <a:ext cx="4135120" cy="647065"/>
           </a:xfrm>
           <a:prstGeom prst="rect"/>
           <a:noFill/>
+          <a:ln w="0">
+            <a:noFill/>
+            <a:prstDash/>
+          </a:ln>
         </p:spPr>
         <p:txBody>
-          <a:bodyPr wrap="square" lIns="0" tIns="0" rIns="0" bIns="0" numCol="1" vert="horz" anchor="t">
-            <a:noAutofit/>
+          <a:bodyPr wrap="square" lIns="89535" tIns="46355" rIns="89535" bIns="46355" numCol="1" vert="horz" anchor="t">
+            <a:spAutoFit/>
           </a:bodyPr>
           <a:lstStyle/>
           <a:p>
-            <a:pPr marL="0" indent="0" algn="l" latinLnBrk="0" hangingPunct="1">
-              <a:buFontTx/>
-              <a:buNone/>
-            </a:pPr>
-            <a:r>
-              <a:rPr lang="ko-KR" sz="2000" b="1">
+            <a:pPr marL="0" indent="0" rtl="0" algn="l" defTabSz="914400" eaLnBrk="1" latinLnBrk="0" hangingPunct="1">
+              <a:buFontTx/>
+              <a:buNone/>
+            </a:pPr>
+            <a:r>
+              <a:rPr sz="1800" b="1">
                 <a:solidFill>
                   <a:srgbClr val="0611F2"/>
                 </a:solidFill>
                 <a:latin typeface="맑은 고딕" charset="0"/>
                 <a:ea typeface="맑은 고딕" charset="0"/>
               </a:rPr>
-              <a:t>31.</a:t>
-            </a:r>
-            <a:r>
-              <a:rPr lang="ko-KR" sz="2000" b="1">
+              <a:t>2</a:t>
+            </a:r>
+            <a:r>
+              <a:rPr lang="ko-KR" sz="1800" b="1">
                 <a:solidFill>
                   <a:srgbClr val="0611F2"/>
                 </a:solidFill>
                 <a:latin typeface="맑은 고딕" charset="0"/>
                 <a:ea typeface="맑은 고딕" charset="0"/>
               </a:rPr>
+              <a:t>8</a:t>
+            </a:r>
+            <a:r>
+              <a:rPr sz="1800" b="1">
+                <a:solidFill>
+                  <a:srgbClr val="0611F2"/>
+                </a:solidFill>
+                <a:latin typeface="맑은 고딕" charset="0"/>
+                <a:ea typeface="맑은 고딕" charset="0"/>
+              </a:rPr>
+              <a:t>.</a:t>
+            </a:r>
+            <a:r>
+              <a:rPr sz="1800">
+                <a:latin typeface="맑은 고딕" charset="0"/>
+                <a:ea typeface="맑은 고딕" charset="0"/>
+              </a:rPr>
               <a:t> </a:t>
             </a:r>
             <a:r>
@@ -7742,35 +8405,28 @@
                 <a:latin typeface="맑은 고딕" charset="0"/>
                 <a:ea typeface="맑은 고딕" charset="0"/>
               </a:rPr>
-              <a:t>그런 다음 Window에서 </a:t>
-            </a:r>
-            <a:r>
-              <a:rPr lang="ko-KR" sz="1800">
-                <a:latin typeface="맑은 고딕" charset="0"/>
-                <a:ea typeface="맑은 고딕" charset="0"/>
-              </a:rPr>
-              <a:t>Rendering을</a:t>
-            </a:r>
-            <a:r>
-              <a:rPr lang="ko-KR" sz="1800">
-                <a:latin typeface="맑은 고딕" charset="0"/>
-                <a:ea typeface="맑은 고딕" charset="0"/>
-              </a:rPr>
-              <a:t> 선택하고 Lighting </a:t>
-            </a:r>
-            <a:r>
-              <a:rPr lang="ko-KR" sz="1800">
-                <a:latin typeface="맑은 고딕" charset="0"/>
-                <a:ea typeface="맑은 고딕" charset="0"/>
-              </a:rPr>
-              <a:t>Settings를</a:t>
-            </a:r>
-            <a:r>
-              <a:rPr lang="ko-KR" sz="1800">
-                <a:latin typeface="맑은 고딕" charset="0"/>
-                <a:ea typeface="맑은 고딕" charset="0"/>
-              </a:rPr>
-              <a:t> 선택합니다. </a:t>
+              <a:t>그리고 Light Probe Group </a:t>
+            </a:r>
+            <a:r>
+              <a:rPr lang="ko-KR" sz="1800">
+                <a:latin typeface="맑은 고딕" charset="0"/>
+                <a:ea typeface="맑은 고딕" charset="0"/>
+              </a:rPr>
+              <a:t>오브젝트를</a:t>
+            </a:r>
+            <a:r>
+              <a:rPr lang="ko-KR" sz="1800">
+                <a:latin typeface="맑은 고딕" charset="0"/>
+                <a:ea typeface="맑은 고딕" charset="0"/>
+              </a:rPr>
+              <a:t> </a:t>
+            </a:r>
+            <a:r>
+              <a:rPr lang="ko-KR" sz="1800">
+                <a:latin typeface="맑은 고딕" charset="0"/>
+                <a:ea typeface="맑은 고딕" charset="0"/>
+              </a:rPr>
+              <a:t>생성합니다.</a:t>
             </a:r>
             <a:endParaRPr lang="ko-KR" altLang="en-US" sz="1800">
               <a:latin typeface="맑은 고딕" charset="0"/>
@@ -7803,6 +8459,958 @@
 </file>
 
 <file path=ppt/slides/slide11.xml><?xml version="1.0" encoding="utf-8"?>
+<p:sld xmlns:a="http://schemas.openxmlformats.org/drawingml/2006/main" xmlns:r="http://schemas.openxmlformats.org/officeDocument/2006/relationships" xmlns:p="http://schemas.openxmlformats.org/presentationml/2006/main">
+  <p:cSld>
+    <p:spTree>
+      <p:nvGrpSpPr>
+        <p:cNvPr id="1" name=""/>
+        <p:cNvGrpSpPr/>
+        <p:nvPr/>
+      </p:nvGrpSpPr>
+      <p:grpSpPr>
+        <a:xfrm>
+          <a:off x="0" y="0"/>
+          <a:ext cx="0" cy="0"/>
+          <a:chOff x="0" y="0"/>
+          <a:chExt cx="0" cy="0"/>
+        </a:xfrm>
+      </p:grpSpPr>
+      <p:sp>
+        <p:nvSpPr>
+          <p:cNvPr id="1031" name="Rect 0"/>
+          <p:cNvSpPr txBox="1">
+            <a:spLocks/>
+          </p:cNvSpPr>
+          <p:nvPr/>
+        </p:nvSpPr>
+        <p:spPr>
+          <a:xfrm rot="0">
+            <a:off x="4110990" y="327660"/>
+            <a:ext cx="3987165" cy="478155"/>
+          </a:xfrm>
+          <a:prstGeom prst="rect"/>
+          <a:noFill/>
+          <a:ln w="0">
+            <a:noFill/>
+            <a:prstDash/>
+          </a:ln>
+        </p:spPr>
+        <p:txBody>
+          <a:bodyPr wrap="square" lIns="89535" tIns="46355" rIns="89535" bIns="46355" numCol="1" vert="horz" anchor="t">
+            <a:spAutoFit/>
+          </a:bodyPr>
+          <a:lstStyle/>
+          <a:p>
+            <a:pPr marL="0" indent="0" algn="ctr" latinLnBrk="0">
+              <a:buFontTx/>
+              <a:buNone/>
+            </a:pPr>
+            <a:r>
+              <a:rPr lang="ko-KR" altLang="en-US" sz="2500" b="1">
+                <a:solidFill>
+                  <a:schemeClr val="tx1"/>
+                </a:solidFill>
+                <a:latin typeface="나눔바른고딕" charset="0"/>
+                <a:ea typeface="나눔바른고딕" charset="0"/>
+              </a:rPr>
+              <a:t>열한</a:t>
+            </a:r>
+            <a:r>
+              <a:rPr lang="ko-KR" altLang="en-US" sz="2500" b="1">
+                <a:solidFill>
+                  <a:schemeClr val="tx1"/>
+                </a:solidFill>
+                <a:latin typeface="나눔바른고딕" charset="0"/>
+                <a:ea typeface="나눔바른고딕" charset="0"/>
+              </a:rPr>
+              <a:t> 번째</a:t>
+            </a:r>
+            <a:r>
+              <a:rPr lang="ko-KR" altLang="en-US" sz="2500" b="1">
+                <a:solidFill>
+                  <a:schemeClr val="tx1"/>
+                </a:solidFill>
+                <a:latin typeface="나눔바른고딕" charset="0"/>
+                <a:ea typeface="나눔바른고딕" charset="0"/>
+              </a:rPr>
+              <a:t> </a:t>
+            </a:r>
+            <a:r>
+              <a:rPr lang="ko-KR" altLang="en-US" sz="2500" b="1">
+                <a:solidFill>
+                  <a:schemeClr val="tx1"/>
+                </a:solidFill>
+                <a:latin typeface="나눔바른고딕" charset="0"/>
+                <a:ea typeface="나눔바른고딕" charset="0"/>
+              </a:rPr>
+              <a:t>튜토리얼</a:t>
+            </a:r>
+            <a:endParaRPr lang="ko-KR" altLang="en-US" sz="2500" b="1">
+              <a:solidFill>
+                <a:schemeClr val="tx1"/>
+              </a:solidFill>
+              <a:latin typeface="나눔바른고딕" charset="0"/>
+              <a:ea typeface="나눔바른고딕" charset="0"/>
+            </a:endParaRPr>
+          </a:p>
+        </p:txBody>
+      </p:sp>
+      <p:sp>
+        <p:nvSpPr>
+          <p:cNvPr id="1054" name="Rect 0"/>
+          <p:cNvSpPr txBox="1">
+            <a:spLocks/>
+          </p:cNvSpPr>
+          <p:nvPr/>
+        </p:nvSpPr>
+        <p:spPr>
+          <a:xfrm rot="0">
+            <a:off x="6822440" y="5214620"/>
+            <a:ext cx="4135120" cy="892175"/>
+          </a:xfrm>
+          <a:prstGeom prst="rect"/>
+          <a:noFill/>
+        </p:spPr>
+        <p:txBody>
+          <a:bodyPr wrap="square" lIns="0" tIns="0" rIns="0" bIns="0" numCol="1" vert="horz" anchor="t">
+            <a:noAutofit/>
+          </a:bodyPr>
+          <a:lstStyle/>
+          <a:p>
+            <a:pPr marL="0" indent="0" algn="l" latinLnBrk="0" hangingPunct="1">
+              <a:buFontTx/>
+              <a:buNone/>
+            </a:pPr>
+            <a:r>
+              <a:rPr lang="ko-KR" sz="1800" i="0" b="0">
+                <a:solidFill>
+                  <a:schemeClr val="tx1"/>
+                </a:solidFill>
+                <a:latin typeface="맑은 고딕" charset="0"/>
+                <a:ea typeface="맑은 고딕" charset="0"/>
+              </a:rPr>
+              <a:t>라이트</a:t>
+            </a:r>
+            <a:r>
+              <a:rPr lang="ko-KR" sz="1800" i="0" b="0">
+                <a:solidFill>
+                  <a:schemeClr val="tx1"/>
+                </a:solidFill>
+                <a:latin typeface="맑은 고딕" charset="0"/>
+                <a:ea typeface="맑은 고딕" charset="0"/>
+              </a:rPr>
+              <a:t> </a:t>
+            </a:r>
+            <a:r>
+              <a:rPr lang="ko-KR" sz="1800" i="0" b="0">
+                <a:solidFill>
+                  <a:schemeClr val="tx1"/>
+                </a:solidFill>
+                <a:latin typeface="맑은 고딕" charset="0"/>
+                <a:ea typeface="맑은 고딕" charset="0"/>
+              </a:rPr>
+              <a:t>프로브 그룹의 경우 영역 근처에 </a:t>
+            </a:r>
+            <a:r>
+              <a:rPr lang="ko-KR" sz="1800" i="0" b="0">
+                <a:solidFill>
+                  <a:schemeClr val="tx1"/>
+                </a:solidFill>
+                <a:latin typeface="맑은 고딕" charset="0"/>
+                <a:ea typeface="맑은 고딕" charset="0"/>
+              </a:rPr>
+              <a:t>있는</a:t>
+            </a:r>
+            <a:r>
+              <a:rPr lang="ko-KR" sz="1800" i="0" b="0">
+                <a:solidFill>
+                  <a:schemeClr val="tx1"/>
+                </a:solidFill>
+                <a:latin typeface="맑은 고딕" charset="0"/>
+                <a:ea typeface="맑은 고딕" charset="0"/>
+              </a:rPr>
+              <a:t> Mesh Renderer의 값을 보간한 </a:t>
+            </a:r>
+            <a:r>
+              <a:rPr lang="ko-KR" sz="1800" i="0" b="0">
+                <a:solidFill>
+                  <a:schemeClr val="tx1"/>
+                </a:solidFill>
+                <a:latin typeface="맑은 고딕" charset="0"/>
+                <a:ea typeface="맑은 고딕" charset="0"/>
+              </a:rPr>
+              <a:t>다</a:t>
+            </a:r>
+            <a:r>
+              <a:rPr lang="ko-KR" sz="1800" i="0" b="0">
+                <a:solidFill>
+                  <a:schemeClr val="tx1"/>
+                </a:solidFill>
+                <a:latin typeface="맑은 고딕" charset="0"/>
+                <a:ea typeface="맑은 고딕" charset="0"/>
+              </a:rPr>
+              <a:t>음</a:t>
+            </a:r>
+            <a:r>
+              <a:rPr lang="ko-KR" sz="1800" i="0" b="0">
+                <a:solidFill>
+                  <a:schemeClr val="tx1"/>
+                </a:solidFill>
+                <a:latin typeface="맑은 고딕" charset="0"/>
+                <a:ea typeface="맑은 고딕" charset="0"/>
+              </a:rPr>
+              <a:t> </a:t>
+            </a:r>
+            <a:r>
+              <a:rPr lang="ko-KR" sz="1800" i="0" b="0">
+                <a:solidFill>
+                  <a:schemeClr val="tx1"/>
+                </a:solidFill>
+                <a:latin typeface="맑은 고딕" charset="0"/>
+                <a:ea typeface="맑은 고딕" charset="0"/>
+              </a:rPr>
+              <a:t>빛을 적용시킵니다.</a:t>
+            </a:r>
+            <a:r>
+              <a:rPr lang="ko-KR" sz="1800" i="0" b="0">
+                <a:solidFill>
+                  <a:schemeClr val="tx1"/>
+                </a:solidFill>
+                <a:latin typeface="맑은 고딕" charset="0"/>
+                <a:ea typeface="맑은 고딕" charset="0"/>
+              </a:rPr>
+              <a:t>					</a:t>
+            </a:r>
+            <a:endParaRPr lang="ko-KR" altLang="en-US" sz="1800" i="0" b="0">
+              <a:solidFill>
+                <a:schemeClr val="tx1"/>
+              </a:solidFill>
+              <a:latin typeface="맑은 고딕" charset="0"/>
+              <a:ea typeface="맑은 고딕" charset="0"/>
+            </a:endParaRPr>
+          </a:p>
+        </p:txBody>
+      </p:sp>
+      <p:pic>
+        <p:nvPicPr>
+          <p:cNvPr id="1058" name="Picture " descr="C:/Users/Admin1/AppData/Roaming/PolarisOffice/ETemp/26564_9303048/fImage24803535741.png"/>
+          <p:cNvPicPr>
+            <a:picLocks noChangeAspect="1"/>
+          </p:cNvPicPr>
+          <p:nvPr/>
+        </p:nvPicPr>
+        <p:blipFill rotWithShape="1">
+          <a:blip r:embed="rId2" cstate="hqprint">
+            <a:extLst>
+              <a:ext uri="{28A0092B-C50C-407E-A947-70E740481C1C}">
+                <a14:useLocalDpi xmlns:a14="http://schemas.microsoft.com/office/drawing/2010/main"/>
+              </a:ext>
+            </a:extLst>
+          </a:blip>
+          <a:stretch>
+            <a:fillRect/>
+          </a:stretch>
+        </p:blipFill>
+        <p:spPr>
+          <a:xfrm rot="0">
+            <a:off x="6824980" y="2799080"/>
+            <a:ext cx="4132580" cy="2171700"/>
+          </a:xfrm>
+          <a:prstGeom prst="roundRect"/>
+          <a:solidFill>
+            <a:srgbClr val="EDEDED"/>
+          </a:solidFill>
+        </p:spPr>
+      </p:pic>
+      <p:sp>
+        <p:nvSpPr>
+          <p:cNvPr id="1059" name="Rect 0"/>
+          <p:cNvSpPr txBox="1">
+            <a:spLocks/>
+          </p:cNvSpPr>
+          <p:nvPr/>
+        </p:nvSpPr>
+        <p:spPr>
+          <a:xfrm rot="0">
+            <a:off x="6826250" y="1447165"/>
+            <a:ext cx="4131310" cy="1189355"/>
+          </a:xfrm>
+          <a:prstGeom prst="rect"/>
+          <a:noFill/>
+        </p:spPr>
+        <p:txBody>
+          <a:bodyPr wrap="square" lIns="0" tIns="0" rIns="0" bIns="0" numCol="1" vert="horz" anchor="t">
+            <a:noAutofit/>
+          </a:bodyPr>
+          <a:lstStyle/>
+          <a:p>
+            <a:pPr marL="0" indent="0" algn="l" latinLnBrk="0" hangingPunct="1">
+              <a:buFontTx/>
+              <a:buNone/>
+            </a:pPr>
+            <a:r>
+              <a:rPr lang="ko-KR" sz="1800" i="0" b="0">
+                <a:solidFill>
+                  <a:schemeClr val="tx1"/>
+                </a:solidFill>
+                <a:latin typeface="맑은 고딕" charset="0"/>
+                <a:ea typeface="맑은 고딕" charset="0"/>
+              </a:rPr>
+              <a:t>라이트</a:t>
+            </a:r>
+            <a:r>
+              <a:rPr lang="ko-KR" sz="1800" i="0" b="0">
+                <a:solidFill>
+                  <a:schemeClr val="tx1"/>
+                </a:solidFill>
+                <a:latin typeface="맑은 고딕" charset="0"/>
+                <a:ea typeface="맑은 고딕" charset="0"/>
+              </a:rPr>
+              <a:t> </a:t>
+            </a:r>
+            <a:r>
+              <a:rPr lang="ko-KR" sz="1800" i="0" b="0">
+                <a:solidFill>
+                  <a:schemeClr val="tx1"/>
+                </a:solidFill>
+                <a:latin typeface="맑은 고딕" charset="0"/>
+                <a:ea typeface="맑은 고딕" charset="0"/>
+              </a:rPr>
+              <a:t>프로브</a:t>
+            </a:r>
+            <a:r>
+              <a:rPr lang="ko-KR" sz="1800" i="0" b="0">
+                <a:solidFill>
+                  <a:schemeClr val="tx1"/>
+                </a:solidFill>
+                <a:latin typeface="맑은 고딕" charset="0"/>
+                <a:ea typeface="맑은 고딕" charset="0"/>
+              </a:rPr>
+              <a:t> </a:t>
+            </a:r>
+            <a:r>
+              <a:rPr lang="ko-KR" sz="1800" i="0" b="0">
+                <a:solidFill>
+                  <a:schemeClr val="tx1"/>
+                </a:solidFill>
+                <a:latin typeface="맑은 고딕" charset="0"/>
+                <a:ea typeface="맑은 고딕" charset="0"/>
+              </a:rPr>
+              <a:t>그룹</a:t>
+            </a:r>
+            <a:r>
+              <a:rPr lang="ko-KR" sz="1800" i="0" b="0">
+                <a:solidFill>
+                  <a:schemeClr val="tx1"/>
+                </a:solidFill>
+                <a:latin typeface="맑은 고딕" charset="0"/>
+                <a:ea typeface="맑은 고딕" charset="0"/>
+              </a:rPr>
+              <a:t>은 동적으로 </a:t>
+            </a:r>
+            <a:r>
+              <a:rPr lang="ko-KR" sz="1800" i="0" b="0">
+                <a:solidFill>
+                  <a:schemeClr val="tx1"/>
+                </a:solidFill>
+                <a:latin typeface="맑은 고딕" charset="0"/>
+                <a:ea typeface="맑은 고딕" charset="0"/>
+              </a:rPr>
+              <a:t>움직이는</a:t>
+            </a:r>
+            <a:r>
+              <a:rPr lang="ko-KR" sz="1800" i="0" b="0">
+                <a:solidFill>
+                  <a:schemeClr val="tx1"/>
+                </a:solidFill>
+                <a:latin typeface="맑은 고딕" charset="0"/>
+                <a:ea typeface="맑은 고딕" charset="0"/>
+              </a:rPr>
+              <a:t> </a:t>
+            </a:r>
+            <a:r>
+              <a:rPr lang="ko-KR" sz="1800" i="0" b="0">
+                <a:solidFill>
+                  <a:schemeClr val="tx1"/>
+                </a:solidFill>
+                <a:latin typeface="맑은 고딕" charset="0"/>
+                <a:ea typeface="맑은 고딕" charset="0"/>
+              </a:rPr>
+              <a:t>오브젝트의</a:t>
+            </a:r>
+            <a:r>
+              <a:rPr lang="ko-KR" sz="1800" i="0" b="0">
+                <a:solidFill>
+                  <a:schemeClr val="tx1"/>
+                </a:solidFill>
+                <a:latin typeface="맑은 고딕" charset="0"/>
+                <a:ea typeface="맑은 고딕" charset="0"/>
+              </a:rPr>
+              <a:t> 빛 연산을 </a:t>
+            </a:r>
+            <a:r>
+              <a:rPr lang="ko-KR" sz="1800" i="0" b="0">
+                <a:solidFill>
+                  <a:schemeClr val="tx1"/>
+                </a:solidFill>
+                <a:latin typeface="맑은 고딕" charset="0"/>
+                <a:ea typeface="맑은 고딕" charset="0"/>
+              </a:rPr>
+              <a:t>사전에</a:t>
+            </a:r>
+            <a:r>
+              <a:rPr lang="ko-KR" sz="1800" i="0" b="0">
+                <a:solidFill>
+                  <a:schemeClr val="tx1"/>
+                </a:solidFill>
+                <a:latin typeface="맑은 고딕" charset="0"/>
+                <a:ea typeface="맑은 고딕" charset="0"/>
+              </a:rPr>
+              <a:t> </a:t>
+            </a:r>
+            <a:r>
+              <a:rPr lang="ko-KR" sz="1800" i="0" b="0">
+                <a:solidFill>
+                  <a:schemeClr val="tx1"/>
+                </a:solidFill>
+                <a:latin typeface="맑은 고딕" charset="0"/>
+                <a:ea typeface="맑은 고딕" charset="0"/>
+              </a:rPr>
+              <a:t>배치한</a:t>
+            </a:r>
+            <a:r>
+              <a:rPr lang="ko-KR" sz="1800" i="0" b="0">
+                <a:solidFill>
+                  <a:schemeClr val="tx1"/>
+                </a:solidFill>
+                <a:latin typeface="맑은 고딕" charset="0"/>
+                <a:ea typeface="맑은 고딕" charset="0"/>
+              </a:rPr>
+              <a:t> </a:t>
+            </a:r>
+            <a:r>
+              <a:rPr lang="ko-KR" sz="1800" i="0" b="0">
+                <a:solidFill>
+                  <a:schemeClr val="tx1"/>
+                </a:solidFill>
+                <a:latin typeface="맑은 고딕" charset="0"/>
+                <a:ea typeface="맑은 고딕" charset="0"/>
+              </a:rPr>
+              <a:t>빛의</a:t>
+            </a:r>
+            <a:r>
+              <a:rPr lang="ko-KR" sz="1800" i="0" b="0">
+                <a:solidFill>
+                  <a:schemeClr val="tx1"/>
+                </a:solidFill>
+                <a:latin typeface="맑은 고딕" charset="0"/>
+                <a:ea typeface="맑은 고딕" charset="0"/>
+              </a:rPr>
+              <a:t> </a:t>
+            </a:r>
+            <a:r>
+              <a:rPr lang="ko-KR" sz="1800" i="0" b="0">
+                <a:solidFill>
+                  <a:schemeClr val="tx1"/>
+                </a:solidFill>
+                <a:latin typeface="맑은 고딕" charset="0"/>
+                <a:ea typeface="맑은 고딕" charset="0"/>
+              </a:rPr>
+              <a:t>정보</a:t>
+            </a:r>
+            <a:r>
+              <a:rPr lang="ko-KR" sz="1800" i="0" b="0">
+                <a:solidFill>
+                  <a:schemeClr val="tx1"/>
+                </a:solidFill>
+                <a:latin typeface="맑은 고딕" charset="0"/>
+                <a:ea typeface="맑은 고딕" charset="0"/>
+              </a:rPr>
+              <a:t> </a:t>
+            </a:r>
+            <a:r>
+              <a:rPr lang="ko-KR" sz="1800" i="0" b="0">
+                <a:solidFill>
+                  <a:schemeClr val="tx1"/>
+                </a:solidFill>
+                <a:latin typeface="맑은 고딕" charset="0"/>
+                <a:ea typeface="맑은 고딕" charset="0"/>
+              </a:rPr>
+              <a:t>값을</a:t>
+            </a:r>
+            <a:r>
+              <a:rPr lang="ko-KR" sz="1800" i="0" b="0">
+                <a:solidFill>
+                  <a:schemeClr val="tx1"/>
+                </a:solidFill>
+                <a:latin typeface="맑은 고딕" charset="0"/>
+                <a:ea typeface="맑은 고딕" charset="0"/>
+              </a:rPr>
+              <a:t> </a:t>
+            </a:r>
+            <a:r>
+              <a:rPr lang="ko-KR" sz="1800" i="0" b="0">
+                <a:solidFill>
+                  <a:schemeClr val="tx1"/>
+                </a:solidFill>
+                <a:latin typeface="맑은 고딕" charset="0"/>
+                <a:ea typeface="맑은 고딕" charset="0"/>
+              </a:rPr>
+              <a:t>저장하여 해당 </a:t>
+            </a:r>
+            <a:r>
+              <a:rPr lang="ko-KR" sz="1800" i="0" b="0">
+                <a:solidFill>
+                  <a:schemeClr val="tx1"/>
+                </a:solidFill>
+                <a:latin typeface="맑은 고딕" charset="0"/>
+                <a:ea typeface="맑은 고딕" charset="0"/>
+              </a:rPr>
+              <a:t>위치에서</a:t>
+            </a:r>
+            <a:r>
+              <a:rPr lang="ko-KR" sz="1800" i="0" b="0">
+                <a:solidFill>
+                  <a:schemeClr val="tx1"/>
+                </a:solidFill>
+                <a:latin typeface="맑은 고딕" charset="0"/>
+                <a:ea typeface="맑은 고딕" charset="0"/>
+              </a:rPr>
+              <a:t> 계산하는 방법입니다.</a:t>
+            </a:r>
+            <a:r>
+              <a:rPr lang="ko-KR" sz="1800" i="0" b="0">
+                <a:solidFill>
+                  <a:schemeClr val="tx1"/>
+                </a:solidFill>
+                <a:latin typeface="맑은 고딕" charset="0"/>
+                <a:ea typeface="맑은 고딕" charset="0"/>
+              </a:rPr>
+              <a:t>		</a:t>
+            </a:r>
+            <a:endParaRPr lang="ko-KR" altLang="en-US" sz="1800" i="0" b="0">
+              <a:solidFill>
+                <a:schemeClr val="tx1"/>
+              </a:solidFill>
+              <a:latin typeface="맑은 고딕" charset="0"/>
+              <a:ea typeface="맑은 고딕" charset="0"/>
+            </a:endParaRPr>
+          </a:p>
+        </p:txBody>
+      </p:sp>
+      <p:pic>
+        <p:nvPicPr>
+          <p:cNvPr id="1060" name="그림 9" descr="C:/Users/Admin1/AppData/Roaming/PolarisOffice/ETemp/26564_9303048/fImage86202886962.png"/>
+          <p:cNvPicPr>
+            <a:picLocks noChangeAspect="1"/>
+          </p:cNvPicPr>
+          <p:nvPr/>
+        </p:nvPicPr>
+        <p:blipFill rotWithShape="1">
+          <a:blip r:embed="rId3" cstate="hqprint">
+            <a:extLst>
+              <a:ext uri="{28A0092B-C50C-407E-A947-70E740481C1C}">
+                <a14:useLocalDpi xmlns:a14="http://schemas.microsoft.com/office/drawing/2010/main"/>
+              </a:ext>
+            </a:extLst>
+          </a:blip>
+          <a:stretch>
+            <a:fillRect/>
+          </a:stretch>
+        </p:blipFill>
+        <p:spPr>
+          <a:xfrm rot="0">
+            <a:off x="1240790" y="1445895"/>
+            <a:ext cx="1283970" cy="1103630"/>
+          </a:xfrm>
+          <a:prstGeom prst="roundRect"/>
+          <a:solidFill>
+            <a:srgbClr val="EDEDED"/>
+          </a:solidFill>
+        </p:spPr>
+      </p:pic>
+      <p:pic>
+        <p:nvPicPr>
+          <p:cNvPr id="1061" name="그림 10" descr="C:/Users/Admin1/AppData/Roaming/PolarisOffice/ETemp/26564_9303048/fImage483892836334.png"/>
+          <p:cNvPicPr>
+            <a:picLocks noChangeAspect="1"/>
+          </p:cNvPicPr>
+          <p:nvPr/>
+        </p:nvPicPr>
+        <p:blipFill rotWithShape="1">
+          <a:blip r:embed="rId4" cstate="print">
+            <a:extLst>
+              <a:ext uri="{28A0092B-C50C-407E-A947-70E740481C1C}">
+                <a14:useLocalDpi xmlns:a14="http://schemas.microsoft.com/office/drawing/2010/main" val="0"/>
+              </a:ext>
+            </a:extLst>
+          </a:blip>
+          <a:stretch>
+            <a:fillRect/>
+          </a:stretch>
+        </p:blipFill>
+        <p:spPr>
+          <a:xfrm rot="0">
+            <a:off x="2635885" y="1446530"/>
+            <a:ext cx="2731135" cy="1103630"/>
+          </a:xfrm>
+          <a:prstGeom prst="roundRect"/>
+          <a:solidFill>
+            <a:srgbClr val="EDEDED"/>
+          </a:solidFill>
+        </p:spPr>
+      </p:pic>
+      <p:cxnSp>
+        <p:nvCxnSpPr>
+          <p:cNvPr id="1062" name="도형 13"/>
+          <p:cNvCxnSpPr/>
+          <p:nvPr/>
+        </p:nvCxnSpPr>
+        <p:spPr>
+          <a:xfrm rot="0" flipH="1">
+            <a:off x="1912620" y="1843405"/>
+            <a:ext cx="1835150" cy="680720"/>
+          </a:xfrm>
+          <a:prstGeom prst="straightConnector1"/>
+          <a:ln w="6350" cap="flat" cmpd="sng">
+            <a:prstDash/>
+            <a:headEnd type="none" w="med" len="med"/>
+            <a:tailEnd type="triangle" w="med" len="med"/>
+          </a:ln>
+        </p:spPr>
+        <p:style>
+          <a:lnRef idx="1">
+            <a:schemeClr val="accent1"/>
+          </a:lnRef>
+          <a:fillRef idx="0">
+            <a:schemeClr val="accent1"/>
+          </a:fillRef>
+          <a:effectRef idx="0">
+            <a:schemeClr val="accent1"/>
+          </a:effectRef>
+          <a:fontRef idx="minor">
+            <a:schemeClr val="tx1"/>
+          </a:fontRef>
+        </p:style>
+      </p:cxnSp>
+      <p:sp>
+        <p:nvSpPr>
+          <p:cNvPr id="1063" name="텍스트 상자 14"/>
+          <p:cNvSpPr txBox="1">
+            <a:spLocks/>
+          </p:cNvSpPr>
+          <p:nvPr/>
+        </p:nvSpPr>
+        <p:spPr>
+          <a:xfrm rot="0">
+            <a:off x="1240790" y="2696210"/>
+            <a:ext cx="4126230" cy="923925"/>
+          </a:xfrm>
+          <a:prstGeom prst="rect"/>
+          <a:noFill/>
+          <a:ln w="0">
+            <a:noFill/>
+            <a:prstDash/>
+          </a:ln>
+        </p:spPr>
+        <p:txBody>
+          <a:bodyPr wrap="square" lIns="89535" tIns="46355" rIns="89535" bIns="46355" numCol="1" vert="horz" anchor="t">
+            <a:spAutoFit/>
+          </a:bodyPr>
+          <a:lstStyle/>
+          <a:p>
+            <a:pPr marL="0" indent="0" rtl="0" algn="l" defTabSz="914400" eaLnBrk="1" latinLnBrk="0" hangingPunct="1">
+              <a:buFontTx/>
+              <a:buNone/>
+            </a:pPr>
+            <a:r>
+              <a:rPr lang="ko-KR" sz="1800" b="1">
+                <a:solidFill>
+                  <a:srgbClr val="0611F2"/>
+                </a:solidFill>
+                <a:latin typeface="맑은 고딕" charset="0"/>
+                <a:ea typeface="맑은 고딕" charset="0"/>
+              </a:rPr>
+              <a:t>2</a:t>
+            </a:r>
+            <a:r>
+              <a:rPr lang="ko-KR" sz="1800" b="1">
+                <a:solidFill>
+                  <a:srgbClr val="0611F2"/>
+                </a:solidFill>
+                <a:latin typeface="맑은 고딕" charset="0"/>
+                <a:ea typeface="맑은 고딕" charset="0"/>
+              </a:rPr>
+              <a:t>9</a:t>
+            </a:r>
+            <a:r>
+              <a:rPr sz="1800" b="1">
+                <a:solidFill>
+                  <a:srgbClr val="0611F2"/>
+                </a:solidFill>
+                <a:latin typeface="맑은 고딕" charset="0"/>
+                <a:ea typeface="맑은 고딕" charset="0"/>
+              </a:rPr>
+              <a:t>.</a:t>
+            </a:r>
+            <a:r>
+              <a:rPr sz="1800">
+                <a:latin typeface="맑은 고딕" charset="0"/>
+                <a:ea typeface="맑은 고딕" charset="0"/>
+              </a:rPr>
+              <a:t> </a:t>
+            </a:r>
+            <a:r>
+              <a:rPr lang="ko-KR" sz="1800">
+                <a:latin typeface="맑은 고딕" charset="0"/>
+                <a:ea typeface="맑은 고딕" charset="0"/>
+              </a:rPr>
+              <a:t>그런 다음 Project 폴더에 있는 </a:t>
+            </a:r>
+            <a:r>
+              <a:rPr lang="ko-KR" sz="1800">
+                <a:latin typeface="맑은 고딕" charset="0"/>
+                <a:ea typeface="맑은 고딕" charset="0"/>
+              </a:rPr>
+              <a:t>Texture</a:t>
+            </a:r>
+            <a:r>
+              <a:rPr lang="ko-KR" sz="1800">
+                <a:latin typeface="맑은 고딕" charset="0"/>
+                <a:ea typeface="맑은 고딕" charset="0"/>
+              </a:rPr>
+              <a:t> </a:t>
+            </a:r>
+            <a:r>
+              <a:rPr lang="ko-KR" sz="1800">
+                <a:latin typeface="맑은 고딕" charset="0"/>
+                <a:ea typeface="맑은 고딕" charset="0"/>
+              </a:rPr>
+              <a:t>폴더에</a:t>
+            </a:r>
+            <a:r>
+              <a:rPr lang="ko-KR" sz="1800">
+                <a:latin typeface="맑은 고딕" charset="0"/>
+                <a:ea typeface="맑은 고딕" charset="0"/>
+              </a:rPr>
+              <a:t> Robot 텍스처를 </a:t>
+            </a:r>
+            <a:r>
+              <a:rPr lang="ko-KR" sz="1800">
+                <a:latin typeface="맑은 고딕" charset="0"/>
+                <a:ea typeface="맑은 고딕" charset="0"/>
+              </a:rPr>
+              <a:t>Robot</a:t>
+            </a:r>
+            <a:r>
+              <a:rPr lang="ko-KR" sz="1800">
+                <a:latin typeface="맑은 고딕" charset="0"/>
+                <a:ea typeface="맑은 고딕" charset="0"/>
+              </a:rPr>
+              <a:t> </a:t>
+            </a:r>
+            <a:r>
+              <a:rPr lang="ko-KR" sz="1800">
+                <a:latin typeface="맑은 고딕" charset="0"/>
+                <a:ea typeface="맑은 고딕" charset="0"/>
+              </a:rPr>
+              <a:t>오브젝트에</a:t>
+            </a:r>
+            <a:r>
+              <a:rPr lang="ko-KR" sz="1800">
+                <a:latin typeface="맑은 고딕" charset="0"/>
+                <a:ea typeface="맑은 고딕" charset="0"/>
+              </a:rPr>
+              <a:t> </a:t>
+            </a:r>
+            <a:r>
+              <a:rPr lang="ko-KR" sz="1800">
+                <a:latin typeface="맑은 고딕" charset="0"/>
+                <a:ea typeface="맑은 고딕" charset="0"/>
+              </a:rPr>
+              <a:t>넣어줍니다.</a:t>
+            </a:r>
+            <a:endParaRPr lang="ko-KR" altLang="en-US" sz="1800">
+              <a:latin typeface="맑은 고딕" charset="0"/>
+              <a:ea typeface="맑은 고딕" charset="0"/>
+            </a:endParaRPr>
+          </a:p>
+        </p:txBody>
+      </p:sp>
+      <p:pic>
+        <p:nvPicPr>
+          <p:cNvPr id="1064" name="그림 15" descr="C:/Users/Admin1/AppData/Roaming/PolarisOffice/ETemp/26564_9303048/fImage129742866500.png"/>
+          <p:cNvPicPr>
+            <a:picLocks noChangeAspect="1"/>
+          </p:cNvPicPr>
+          <p:nvPr/>
+        </p:nvPicPr>
+        <p:blipFill rotWithShape="1">
+          <a:blip r:embed="rId5" cstate="print">
+            <a:extLst>
+              <a:ext uri="{28A0092B-C50C-407E-A947-70E740481C1C}">
+                <a14:useLocalDpi xmlns:a14="http://schemas.microsoft.com/office/drawing/2010/main" val="0"/>
+              </a:ext>
+            </a:extLst>
+          </a:blip>
+          <a:stretch>
+            <a:fillRect/>
+          </a:stretch>
+        </p:blipFill>
+        <p:spPr>
+          <a:xfrm rot="0">
+            <a:off x="1238885" y="3772535"/>
+            <a:ext cx="4137025" cy="1508125"/>
+          </a:xfrm>
+          <a:prstGeom prst="roundRect"/>
+          <a:solidFill>
+            <a:srgbClr val="EDEDED"/>
+          </a:solidFill>
+        </p:spPr>
+      </p:pic>
+      <p:sp>
+        <p:nvSpPr>
+          <p:cNvPr id="1065" name="텍스트 상자 18"/>
+          <p:cNvSpPr txBox="1">
+            <a:spLocks/>
+          </p:cNvSpPr>
+          <p:nvPr/>
+        </p:nvSpPr>
+        <p:spPr>
+          <a:xfrm rot="0">
+            <a:off x="1249045" y="5430520"/>
+            <a:ext cx="4126865" cy="677545"/>
+          </a:xfrm>
+          <a:prstGeom prst="rect"/>
+          <a:noFill/>
+          <a:ln w="0">
+            <a:noFill/>
+            <a:prstDash/>
+          </a:ln>
+        </p:spPr>
+        <p:txBody>
+          <a:bodyPr wrap="square" lIns="89535" tIns="46355" rIns="89535" bIns="46355" numCol="1" vert="horz" anchor="t">
+            <a:spAutoFit/>
+          </a:bodyPr>
+          <a:lstStyle/>
+          <a:p>
+            <a:pPr marL="0" indent="0" algn="l" latinLnBrk="0" hangingPunct="1">
+              <a:buFontTx/>
+              <a:buNone/>
+            </a:pPr>
+            <a:r>
+              <a:rPr lang="ko-KR" sz="2000" b="1">
+                <a:solidFill>
+                  <a:srgbClr val="0611F2"/>
+                </a:solidFill>
+                <a:latin typeface="맑은 고딕" charset="0"/>
+                <a:ea typeface="맑은 고딕" charset="0"/>
+              </a:rPr>
+              <a:t>3</a:t>
+            </a:r>
+            <a:r>
+              <a:rPr lang="ko-KR" sz="2000" b="1">
+                <a:solidFill>
+                  <a:srgbClr val="0611F2"/>
+                </a:solidFill>
+                <a:latin typeface="맑은 고딕" charset="0"/>
+                <a:ea typeface="맑은 고딕" charset="0"/>
+              </a:rPr>
+              <a:t>0</a:t>
+            </a:r>
+            <a:r>
+              <a:rPr lang="ko-KR" sz="2000" b="1">
+                <a:solidFill>
+                  <a:srgbClr val="0611F2"/>
+                </a:solidFill>
+                <a:latin typeface="맑은 고딕" charset="0"/>
+                <a:ea typeface="맑은 고딕" charset="0"/>
+              </a:rPr>
+              <a:t>.</a:t>
+            </a:r>
+            <a:r>
+              <a:rPr lang="ko-KR" sz="2000" b="1">
+                <a:solidFill>
+                  <a:srgbClr val="0611F2"/>
+                </a:solidFill>
+                <a:latin typeface="맑은 고딕" charset="0"/>
+                <a:ea typeface="맑은 고딕" charset="0"/>
+              </a:rPr>
+              <a:t> </a:t>
+            </a:r>
+            <a:r>
+              <a:rPr lang="ko-KR" sz="1800">
+                <a:latin typeface="맑은 고딕" charset="0"/>
+                <a:ea typeface="맑은 고딕" charset="0"/>
+              </a:rPr>
+              <a:t>그다음 Light Probe Group </a:t>
+            </a:r>
+            <a:r>
+              <a:rPr lang="ko-KR" sz="1800">
+                <a:latin typeface="맑은 고딕" charset="0"/>
+                <a:ea typeface="맑은 고딕" charset="0"/>
+              </a:rPr>
+              <a:t>오브젝트의</a:t>
+            </a:r>
+            <a:r>
+              <a:rPr lang="ko-KR" sz="1800">
+                <a:latin typeface="맑은 고딕" charset="0"/>
+                <a:ea typeface="맑은 고딕" charset="0"/>
+              </a:rPr>
+              <a:t> </a:t>
+            </a:r>
+            <a:r>
+              <a:rPr lang="ko-KR" sz="1800">
+                <a:latin typeface="맑은 고딕" charset="0"/>
+                <a:ea typeface="맑은 고딕" charset="0"/>
+              </a:rPr>
+              <a:t>위치 값을</a:t>
+            </a:r>
+            <a:r>
+              <a:rPr lang="ko-KR" sz="1800">
+                <a:latin typeface="맑은 고딕" charset="0"/>
+                <a:ea typeface="맑은 고딕" charset="0"/>
+              </a:rPr>
+              <a:t> </a:t>
+            </a:r>
+            <a:r>
+              <a:rPr lang="ko-KR" sz="1800">
+                <a:latin typeface="맑은 고딕" charset="0"/>
+                <a:ea typeface="맑은 고딕" charset="0"/>
+              </a:rPr>
+              <a:t>설정합니다.</a:t>
+            </a:r>
+            <a:endParaRPr lang="ko-KR" altLang="en-US" sz="1800">
+              <a:latin typeface="맑은 고딕" charset="0"/>
+              <a:ea typeface="맑은 고딕" charset="0"/>
+            </a:endParaRPr>
+          </a:p>
+        </p:txBody>
+      </p:sp>
+    </p:spTree>
+  </p:cSld>
+  <p:clrMapOvr>
+    <a:masterClrMapping/>
+  </p:clrMapOvr>
+  <mc:AlternateContent xmlns:mc="http://schemas.openxmlformats.org/markup-compatibility/2006">
+    <mc:Choice xmlns:p14="http://schemas.microsoft.com/office/powerpoint/2010/main" Requires="p14">
+      <p:transition spd="slow" p14:dur="2000"/>
+    </mc:Choice>
+    <mc:Fallback>
+      <p:transition spd="slow"/>
+    </mc:Fallback>
+  </mc:AlternateContent>
+  <p:timing>
+    <p:tnLst>
+      <p:par>
+        <p:cTn id="1" dur="indefinite" restart="never" nodeType="tmRoot"/>
+      </p:par>
+    </p:tnLst>
+  </p:timing>
+</p:sld>
+</file>
+
+<file path=ppt/slides/slide12.xml><?xml version="1.0" encoding="utf-8"?>
 <p:sld xmlns:a="http://schemas.openxmlformats.org/drawingml/2006/main" xmlns:r="http://schemas.openxmlformats.org/officeDocument/2006/relationships" xmlns:p="http://schemas.openxmlformats.org/presentationml/2006/main" xmlns:p14="http://schemas.microsoft.com/office/powerpoint/2010/main">
   <p:cSld>
     <p:spTree>
@@ -7829,8 +9437,8 @@
         </p:nvSpPr>
         <p:spPr>
           <a:xfrm rot="0">
-            <a:off x="4110990" y="327660"/>
-            <a:ext cx="3986530" cy="554990"/>
+            <a:off x="4232275" y="396240"/>
+            <a:ext cx="3719195" cy="478155"/>
           </a:xfrm>
           <a:prstGeom prst="rect"/>
           <a:noFill/>
@@ -7845,53 +9453,63 @@
           </a:bodyPr>
           <a:lstStyle/>
           <a:p>
-            <a:pPr marL="0" indent="0" algn="l" latinLnBrk="0">
-              <a:buFontTx/>
-              <a:buNone/>
-            </a:pPr>
-            <a:r>
-              <a:rPr lang="ko-KR" altLang="en-US" sz="3000" b="1">
+            <a:pPr marL="0" indent="0" algn="ctr" latinLnBrk="0">
+              <a:buFontTx/>
+              <a:buNone/>
+            </a:pPr>
+            <a:r>
+              <a:rPr lang="ko-KR" altLang="en-US" sz="2500" b="1">
                 <a:solidFill>
                   <a:schemeClr val="tx1"/>
                 </a:solidFill>
-                <a:latin typeface="맑은 고딕" charset="0"/>
-                <a:ea typeface="맑은 고딕" charset="0"/>
-              </a:rPr>
-              <a:t>열</a:t>
-            </a:r>
-            <a:r>
-              <a:rPr lang="ko-KR" altLang="en-US" sz="3000" b="1">
+                <a:latin typeface="나눔바른고딕" charset="0"/>
+                <a:ea typeface="나눔바른고딕" charset="0"/>
+              </a:rPr>
+              <a:t>열두</a:t>
+            </a:r>
+            <a:r>
+              <a:rPr lang="ko-KR" altLang="en-US" sz="2500" b="1">
                 <a:solidFill>
                   <a:schemeClr val="tx1"/>
                 </a:solidFill>
-                <a:latin typeface="맑은 고딕" charset="0"/>
-                <a:ea typeface="맑은 고딕" charset="0"/>
-              </a:rPr>
-              <a:t>여덟</a:t>
-            </a:r>
-            <a:r>
-              <a:rPr lang="ko-KR" altLang="en-US" sz="3000" b="1">
+                <a:latin typeface="나눔바른고딕" charset="0"/>
+                <a:ea typeface="나눔바른고딕" charset="0"/>
+              </a:rPr>
+              <a:t> </a:t>
+            </a:r>
+            <a:r>
+              <a:rPr lang="ko-KR" altLang="en-US" sz="2500" b="1">
                 <a:solidFill>
                   <a:schemeClr val="tx1"/>
                 </a:solidFill>
-                <a:latin typeface="맑은 고딕" charset="0"/>
-                <a:ea typeface="맑은 고딕" charset="0"/>
-              </a:rPr>
-              <a:t> 번째 튜토리얼</a:t>
-            </a:r>
-            <a:endParaRPr lang="ko-KR" altLang="en-US" sz="3000" b="1">
+                <a:latin typeface="나눔바른고딕" charset="0"/>
+                <a:ea typeface="나눔바른고딕" charset="0"/>
+              </a:rPr>
+              <a:t>번째 튜토리</a:t>
+            </a:r>
+            <a:r>
+              <a:rPr lang="ko-KR" altLang="en-US" sz="2500" b="1">
+                <a:solidFill>
+                  <a:schemeClr val="tx1"/>
+                </a:solidFill>
+                <a:latin typeface="나눔바른고딕" charset="0"/>
+                <a:ea typeface="나눔바른고딕" charset="0"/>
+              </a:rPr>
+              <a:t>얼</a:t>
+            </a:r>
+            <a:endParaRPr lang="ko-KR" altLang="en-US" sz="2500" b="1">
               <a:solidFill>
                 <a:schemeClr val="tx1"/>
               </a:solidFill>
-              <a:latin typeface="맑은 고딕" charset="0"/>
-              <a:ea typeface="맑은 고딕" charset="0"/>
+              <a:latin typeface="나눔바른고딕" charset="0"/>
+              <a:ea typeface="나눔바른고딕" charset="0"/>
             </a:endParaRPr>
           </a:p>
         </p:txBody>
       </p:sp>
       <p:sp>
         <p:nvSpPr>
-          <p:cNvPr id="1054" name="Rect 0"/>
+          <p:cNvPr id="1191" name="Rect 0"/>
           <p:cNvSpPr txBox="1">
             <a:spLocks/>
           </p:cNvSpPr>
@@ -7899,92 +9517,475 @@
         </p:nvSpPr>
         <p:spPr>
           <a:xfrm rot="0">
-            <a:off x="6832600" y="3682365"/>
-            <a:ext cx="4241800" cy="2552700"/>
+            <a:off x="6845935" y="5302250"/>
+            <a:ext cx="4119880" cy="923925"/>
           </a:xfrm>
           <a:prstGeom prst="rect"/>
           <a:noFill/>
+          <a:ln w="0">
+            <a:noFill/>
+            <a:prstDash/>
+          </a:ln>
         </p:spPr>
         <p:txBody>
-          <a:bodyPr wrap="square" lIns="0" tIns="0" rIns="0" bIns="0" numCol="1" vert="horz" anchor="t">
-            <a:noAutofit/>
+          <a:bodyPr wrap="square" lIns="89535" tIns="46355" rIns="89535" bIns="46355" numCol="1" vert="horz" anchor="t">
+            <a:spAutoFit/>
           </a:bodyPr>
           <a:lstStyle/>
           <a:p>
-            <a:pPr marL="0" indent="0" algn="l" latinLnBrk="0" hangingPunct="1">
-              <a:buFontTx/>
-              <a:buNone/>
-            </a:pPr>
-            <a:r>
-              <a:rPr lang="ko-KR" sz="1800" i="0" b="0">
-                <a:solidFill>
-                  <a:schemeClr val="tx1"/>
-                </a:solidFill>
-                <a:latin typeface="맑은 고딕" charset="0"/>
-                <a:ea typeface="맑은 고딕" charset="0"/>
-              </a:rPr>
-              <a:t>라이트 프로브 그룹이란? </a:t>
-            </a:r>
-            <a:endParaRPr lang="ko-KR" altLang="en-US" sz="1800" i="0" b="0">
-              <a:solidFill>
-                <a:schemeClr val="tx1"/>
-              </a:solidFill>
+            <a:pPr marL="0" indent="0" rtl="0" algn="l" defTabSz="914400" eaLnBrk="1" latinLnBrk="0" hangingPunct="1">
+              <a:buFontTx/>
+              <a:buNone/>
+            </a:pPr>
+            <a:r>
+              <a:rPr lang="ko-KR" sz="1800">
+                <a:latin typeface="맑은 고딕" charset="0"/>
+                <a:ea typeface="맑은 고딕" charset="0"/>
+              </a:rPr>
+              <a:t>라이트</a:t>
+            </a:r>
+            <a:r>
+              <a:rPr lang="ko-KR" sz="1800">
+                <a:latin typeface="맑은 고딕" charset="0"/>
+                <a:ea typeface="맑은 고딕" charset="0"/>
+              </a:rPr>
+              <a:t> 맵의 경우 빛을 받은 게임 </a:t>
+            </a:r>
+            <a:r>
+              <a:rPr lang="ko-KR" sz="1800">
+                <a:latin typeface="맑은 고딕" charset="0"/>
+                <a:ea typeface="맑은 고딕" charset="0"/>
+              </a:rPr>
+              <a:t>오브젝트는</a:t>
+            </a:r>
+            <a:r>
+              <a:rPr lang="ko-KR" sz="1800">
+                <a:latin typeface="맑은 고딕" charset="0"/>
+                <a:ea typeface="맑은 고딕" charset="0"/>
+              </a:rPr>
+              <a:t> 그림자와 반사면이 </a:t>
+            </a:r>
+            <a:r>
+              <a:rPr lang="ko-KR" sz="1800">
+                <a:latin typeface="맑은 고딕" charset="0"/>
+                <a:ea typeface="맑은 고딕" charset="0"/>
+              </a:rPr>
+              <a:t>고정되어</a:t>
+            </a:r>
+            <a:r>
+              <a:rPr lang="ko-KR" sz="1800">
+                <a:latin typeface="맑은 고딕" charset="0"/>
+                <a:ea typeface="맑은 고딕" charset="0"/>
+              </a:rPr>
+              <a:t> </a:t>
+            </a:r>
+            <a:r>
+              <a:rPr lang="ko-KR" sz="1800">
+                <a:latin typeface="맑은 고딕" charset="0"/>
+                <a:ea typeface="맑은 고딕" charset="0"/>
+              </a:rPr>
+              <a:t>있는</a:t>
+            </a:r>
+            <a:r>
+              <a:rPr lang="ko-KR" sz="1800">
+                <a:latin typeface="맑은 고딕" charset="0"/>
+                <a:ea typeface="맑은 고딕" charset="0"/>
+              </a:rPr>
+              <a:t> 형태로 설정됩니다.</a:t>
+            </a:r>
+            <a:endParaRPr lang="ko-KR" altLang="en-US" sz="1800">
               <a:latin typeface="맑은 고딕" charset="0"/>
               <a:ea typeface="맑은 고딕" charset="0"/>
             </a:endParaRPr>
           </a:p>
-          <a:p>
-            <a:pPr marL="0" indent="0" algn="l" latinLnBrk="0" hangingPunct="1">
-              <a:buFontTx/>
-              <a:buNone/>
-            </a:pPr>
-            <a:r>
-              <a:rPr lang="ko-KR" sz="1800" i="0" b="0">
-                <a:solidFill>
-                  <a:schemeClr val="tx1"/>
-                </a:solidFill>
-                <a:latin typeface="맑은 고딕" charset="0"/>
-                <a:ea typeface="맑은 고딕" charset="0"/>
-              </a:rPr>
-              <a:t>게임 내의 동적 오브젝트들이 빛에 대해 발생하는 연산을 줄이기 위해 실시간으로 빛을 처리하지 않고, 사전에 배치한 빛의 정보 값을 저장하여 처리합니다.</a:t>
-            </a:r>
-            <a:endParaRPr lang="ko-KR" altLang="en-US" sz="1800" i="0" b="0">
-              <a:solidFill>
-                <a:schemeClr val="tx1"/>
-              </a:solidFill>
+        </p:txBody>
+      </p:sp>
+      <p:pic>
+        <p:nvPicPr>
+          <p:cNvPr id="1207" name="그림 29" descr="C:/Users/Admin1/AppData/Roaming/PolarisOffice/ETemp/26564_9303048/fImage2270692959358.png"/>
+          <p:cNvPicPr>
+            <a:picLocks noChangeAspect="1"/>
+          </p:cNvPicPr>
+          <p:nvPr/>
+        </p:nvPicPr>
+        <p:blipFill rotWithShape="1">
+          <a:blip r:embed="rId3" cstate="hqprint">
+            <a:extLst>
+              <a:ext uri="{28A0092B-C50C-407E-A947-70E740481C1C}">
+                <a14:useLocalDpi xmlns:a14="http://schemas.microsoft.com/office/drawing/2010/main"/>
+              </a:ext>
+            </a:extLst>
+          </a:blip>
+          <a:stretch>
+            <a:fillRect/>
+          </a:stretch>
+        </p:blipFill>
+        <p:spPr>
+          <a:xfrm rot="0">
+            <a:off x="6850380" y="2548890"/>
+            <a:ext cx="4107180" cy="2516505"/>
+          </a:xfrm>
+          <a:prstGeom prst="roundRect"/>
+          <a:solidFill>
+            <a:srgbClr val="EDEDED"/>
+          </a:solidFill>
+        </p:spPr>
+      </p:pic>
+      <p:sp>
+        <p:nvSpPr>
+          <p:cNvPr id="1208" name="텍스트 상자 25"/>
+          <p:cNvSpPr txBox="1">
+            <a:spLocks/>
+          </p:cNvSpPr>
+          <p:nvPr/>
+        </p:nvSpPr>
+        <p:spPr>
+          <a:xfrm rot="0">
+            <a:off x="6847840" y="1445260"/>
+            <a:ext cx="4109720" cy="923925"/>
+          </a:xfrm>
+          <a:prstGeom prst="rect"/>
+          <a:noFill/>
+          <a:ln w="0">
+            <a:noFill/>
+            <a:prstDash/>
+          </a:ln>
+        </p:spPr>
+        <p:txBody>
+          <a:bodyPr wrap="square" lIns="89535" tIns="46355" rIns="89535" bIns="46355" numCol="1" vert="horz" anchor="t">
+            <a:spAutoFit/>
+          </a:bodyPr>
+          <a:lstStyle/>
+          <a:p>
+            <a:pPr marL="0" indent="0" rtl="0" algn="l" defTabSz="914400" eaLnBrk="1" latinLnBrk="0" hangingPunct="1">
+              <a:buFontTx/>
+              <a:buNone/>
+            </a:pPr>
+            <a:r>
+              <a:rPr lang="ko-KR" sz="1800">
+                <a:latin typeface="맑은 고딕" charset="0"/>
+                <a:ea typeface="맑은 고딕" charset="0"/>
+              </a:rPr>
+              <a:t>라이트</a:t>
+            </a:r>
+            <a:r>
+              <a:rPr lang="ko-KR" sz="1800">
+                <a:latin typeface="맑은 고딕" charset="0"/>
+                <a:ea typeface="맑은 고딕" charset="0"/>
+              </a:rPr>
+              <a:t> 맵은 실시간으로 생성되는 </a:t>
+            </a:r>
+            <a:r>
+              <a:rPr lang="ko-KR" sz="1800">
+                <a:latin typeface="맑은 고딕" charset="0"/>
+                <a:ea typeface="맑은 고딕" charset="0"/>
+              </a:rPr>
+              <a:t>빛에</a:t>
+            </a:r>
+            <a:r>
+              <a:rPr lang="ko-KR" sz="1800">
+                <a:latin typeface="맑은 고딕" charset="0"/>
+                <a:ea typeface="맑은 고딕" charset="0"/>
+              </a:rPr>
+              <a:t> </a:t>
+            </a:r>
+            <a:r>
+              <a:rPr lang="ko-KR" sz="1800">
+                <a:latin typeface="맑은 고딕" charset="0"/>
+                <a:ea typeface="맑은 고딕" charset="0"/>
+              </a:rPr>
+              <a:t>대한</a:t>
+            </a:r>
+            <a:r>
+              <a:rPr lang="ko-KR" sz="1800">
+                <a:latin typeface="맑은 고딕" charset="0"/>
+                <a:ea typeface="맑은 고딕" charset="0"/>
+              </a:rPr>
+              <a:t> 정보를 한 번에 저장한 </a:t>
+            </a:r>
+            <a:r>
+              <a:rPr lang="ko-KR" sz="1800">
+                <a:latin typeface="맑은 고딕" charset="0"/>
+                <a:ea typeface="맑은 고딕" charset="0"/>
+              </a:rPr>
+              <a:t>텍스처입니다.</a:t>
+            </a:r>
+            <a:endParaRPr lang="ko-KR" altLang="en-US" sz="1800">
               <a:latin typeface="맑은 고딕" charset="0"/>
               <a:ea typeface="맑은 고딕" charset="0"/>
             </a:endParaRPr>
           </a:p>
+        </p:txBody>
+      </p:sp>
+      <p:pic>
+        <p:nvPicPr>
+          <p:cNvPr id="1209" name="그림 26" descr="C:/Users/Admin1/AppData/Roaming/PolarisOffice/ETemp/26564_9303048/fImage292962919169.png"/>
+          <p:cNvPicPr>
+            <a:picLocks noChangeAspect="1"/>
+          </p:cNvPicPr>
+          <p:nvPr/>
+        </p:nvPicPr>
+        <p:blipFill rotWithShape="1">
+          <a:blip r:embed="rId6" cstate="print">
+            <a:extLst>
+              <a:ext uri="{28A0092B-C50C-407E-A947-70E740481C1C}">
+                <a14:useLocalDpi xmlns:a14="http://schemas.microsoft.com/office/drawing/2010/main" val="0"/>
+              </a:ext>
+            </a:extLst>
+          </a:blip>
+          <a:stretch>
+            <a:fillRect/>
+          </a:stretch>
+        </p:blipFill>
+        <p:spPr>
+          <a:xfrm rot="0">
+            <a:off x="1240155" y="1447165"/>
+            <a:ext cx="4135755" cy="3359785"/>
+          </a:xfrm>
+          <a:prstGeom prst="roundRect"/>
+          <a:solidFill>
+            <a:srgbClr val="EDEDED"/>
+          </a:solidFill>
+        </p:spPr>
+      </p:pic>
+      <p:sp>
+        <p:nvSpPr>
+          <p:cNvPr id="1210" name="텍스트 상자 29"/>
+          <p:cNvSpPr txBox="1">
+            <a:spLocks/>
+          </p:cNvSpPr>
+          <p:nvPr/>
+        </p:nvSpPr>
+        <p:spPr>
+          <a:xfrm rot="0">
+            <a:off x="1249045" y="4991735"/>
+            <a:ext cx="4126865" cy="1231265"/>
+          </a:xfrm>
+          <a:prstGeom prst="rect"/>
+          <a:noFill/>
+          <a:ln w="0">
+            <a:noFill/>
+            <a:prstDash/>
+          </a:ln>
+        </p:spPr>
+        <p:txBody>
+          <a:bodyPr wrap="square" lIns="89535" tIns="46355" rIns="89535" bIns="46355" numCol="1" vert="horz" anchor="t">
+            <a:spAutoFit/>
+          </a:bodyPr>
+          <a:lstStyle/>
           <a:p>
             <a:pPr marL="0" indent="0" algn="l" latinLnBrk="0" hangingPunct="1">
               <a:buFontTx/>
               <a:buNone/>
             </a:pPr>
-            <a:endParaRPr lang="ko-KR" altLang="en-US" sz="1800" i="0" b="0">
-              <a:solidFill>
-                <a:schemeClr val="tx1"/>
-              </a:solidFill>
+            <a:r>
+              <a:rPr lang="ko-KR" sz="2000" b="1">
+                <a:solidFill>
+                  <a:srgbClr val="0611F2"/>
+                </a:solidFill>
+                <a:latin typeface="맑은 고딕" charset="0"/>
+                <a:ea typeface="맑은 고딕" charset="0"/>
+              </a:rPr>
+              <a:t>31.</a:t>
+            </a:r>
+            <a:r>
+              <a:rPr lang="ko-KR" sz="2000" b="1">
+                <a:solidFill>
+                  <a:srgbClr val="0611F2"/>
+                </a:solidFill>
+                <a:latin typeface="맑은 고딕" charset="0"/>
+                <a:ea typeface="맑은 고딕" charset="0"/>
+              </a:rPr>
+              <a:t> </a:t>
+            </a:r>
+            <a:r>
+              <a:rPr lang="ko-KR" sz="1800">
+                <a:latin typeface="맑은 고딕" charset="0"/>
+                <a:ea typeface="맑은 고딕" charset="0"/>
+              </a:rPr>
+              <a:t>그러고 나서 Robot 오브젝트의 </a:t>
+            </a:r>
+            <a:r>
+              <a:rPr lang="ko-KR" sz="1800">
+                <a:latin typeface="맑은 고딕" charset="0"/>
+                <a:ea typeface="맑은 고딕" charset="0"/>
+              </a:rPr>
+              <a:t>Contribute</a:t>
+            </a:r>
+            <a:r>
+              <a:rPr lang="ko-KR" sz="1800">
+                <a:latin typeface="맑은 고딕" charset="0"/>
+                <a:ea typeface="맑은 고딕" charset="0"/>
+              </a:rPr>
+              <a:t> Global IIIumination을 </a:t>
+            </a:r>
+            <a:r>
+              <a:rPr lang="ko-KR" sz="1800">
+                <a:latin typeface="맑은 고딕" charset="0"/>
+                <a:ea typeface="맑은 고딕" charset="0"/>
+              </a:rPr>
+              <a:t>활성화한</a:t>
+            </a:r>
+            <a:r>
+              <a:rPr lang="ko-KR" sz="1800">
+                <a:latin typeface="맑은 고딕" charset="0"/>
+                <a:ea typeface="맑은 고딕" charset="0"/>
+              </a:rPr>
+              <a:t> </a:t>
+            </a:r>
+            <a:r>
+              <a:rPr lang="ko-KR" sz="1800">
+                <a:latin typeface="맑은 고딕" charset="0"/>
+                <a:ea typeface="맑은 고딕" charset="0"/>
+              </a:rPr>
+              <a:t>다음</a:t>
+            </a:r>
+            <a:r>
+              <a:rPr lang="ko-KR" sz="1800">
+                <a:latin typeface="맑은 고딕" charset="0"/>
+                <a:ea typeface="맑은 고딕" charset="0"/>
+              </a:rPr>
+              <a:t> </a:t>
+            </a:r>
+            <a:r>
+              <a:rPr lang="ko-KR" sz="1800">
+                <a:latin typeface="맑은 고딕" charset="0"/>
+                <a:ea typeface="맑은 고딕" charset="0"/>
+              </a:rPr>
+              <a:t>Light Probes를 </a:t>
+            </a:r>
+            <a:r>
+              <a:rPr lang="ko-KR" sz="1800">
+                <a:latin typeface="맑은 고딕" charset="0"/>
+                <a:ea typeface="맑은 고딕" charset="0"/>
+              </a:rPr>
+              <a:t>설정합니</a:t>
+            </a:r>
+            <a:r>
+              <a:rPr lang="ko-KR" sz="1800">
+                <a:latin typeface="맑은 고딕" charset="0"/>
+                <a:ea typeface="맑은 고딕" charset="0"/>
+              </a:rPr>
+              <a:t>다.</a:t>
+            </a:r>
+            <a:endParaRPr lang="ko-KR" altLang="en-US" sz="1800">
               <a:latin typeface="맑은 고딕" charset="0"/>
               <a:ea typeface="맑은 고딕" charset="0"/>
             </a:endParaRPr>
           </a:p>
-          <a:p>
-            <a:pPr marL="0" indent="0" algn="l" latinLnBrk="0" hangingPunct="1">
-              <a:buFontTx/>
-              <a:buNone/>
-            </a:pPr>
-            <a:r>
-              <a:rPr lang="ko-KR" sz="1800" i="0" b="0">
+        </p:txBody>
+      </p:sp>
+    </p:spTree>
+  </p:cSld>
+  <p:clrMapOvr>
+    <a:masterClrMapping/>
+  </p:clrMapOvr>
+  <mc:AlternateContent xmlns:mc="http://schemas.openxmlformats.org/markup-compatibility/2006">
+    <mc:Choice xmlns:p14="http://schemas.microsoft.com/office/powerpoint/2010/main" Requires="p14">
+      <p:transition spd="slow" p14:dur="2000"/>
+    </mc:Choice>
+    <mc:Fallback>
+      <p:transition spd="slow"/>
+    </mc:Fallback>
+  </mc:AlternateContent>
+  <p:timing>
+    <p:tnLst>
+      <p:par>
+        <p:cTn id="1" dur="indefinite" restart="never" nodeType="tmRoot"/>
+      </p:par>
+    </p:tnLst>
+  </p:timing>
+</p:sld>
+</file>
+
+<file path=ppt/slides/slide13.xml><?xml version="1.0" encoding="utf-8"?>
+<p:sld xmlns:a="http://schemas.openxmlformats.org/drawingml/2006/main" xmlns:r="http://schemas.openxmlformats.org/officeDocument/2006/relationships" xmlns:p="http://schemas.openxmlformats.org/presentationml/2006/main" xmlns:p14="http://schemas.microsoft.com/office/powerpoint/2010/main">
+  <p:cSld>
+    <p:spTree>
+      <p:nvGrpSpPr>
+        <p:cNvPr id="1" name=""/>
+        <p:cNvGrpSpPr/>
+        <p:nvPr/>
+      </p:nvGrpSpPr>
+      <p:grpSpPr>
+        <a:xfrm>
+          <a:off x="0" y="0"/>
+          <a:ext cx="0" cy="0"/>
+          <a:chOff x="0" y="0"/>
+          <a:chExt cx="0" cy="0"/>
+        </a:xfrm>
+      </p:grpSpPr>
+      <p:sp>
+        <p:nvSpPr>
+          <p:cNvPr id="1031" name="Rect 0"/>
+          <p:cNvSpPr txBox="1">
+            <a:spLocks/>
+          </p:cNvSpPr>
+          <p:nvPr/>
+        </p:nvSpPr>
+        <p:spPr>
+          <a:xfrm>
+            <a:off x="4110990" y="327660"/>
+            <a:ext cx="3987165" cy="478155"/>
+          </a:xfrm>
+          <a:prstGeom prst="rect"/>
+          <a:noFill/>
+          <a:ln w="0">
+            <a:noFill/>
+            <a:prstDash/>
+          </a:ln>
+        </p:spPr>
+        <p:txBody>
+          <a:bodyPr wrap="square" lIns="89535" tIns="46355" rIns="89535" bIns="46355" numCol="1" vert="horz" anchor="t">
+            <a:spAutoFit/>
+          </a:bodyPr>
+          <a:lstStyle/>
+          <a:p>
+            <a:pPr marL="0" indent="0" algn="ctr" latinLnBrk="0">
+              <a:buFontTx/>
+              <a:buNone/>
+            </a:pPr>
+            <a:r>
+              <a:rPr lang="ko-KR" altLang="en-US" sz="2500" b="1">
                 <a:solidFill>
                   <a:schemeClr val="tx1"/>
                 </a:solidFill>
-                <a:latin typeface="맑은 고딕" charset="0"/>
-                <a:ea typeface="맑은 고딕" charset="0"/>
-              </a:rPr>
-              <a:t>그리고 프로브라고 하는 구체에 저장시켜 구현에 필요한 연산만 처리하는 기능입니다.					</a:t>
-            </a:r>
-            <a:endParaRPr lang="ko-KR" altLang="en-US" sz="1800">
+                <a:latin typeface="나눔바른고딕" charset="0"/>
+                <a:ea typeface="나눔바른고딕" charset="0"/>
+              </a:rPr>
+              <a:t>열다섯</a:t>
+            </a:r>
+            <a:r>
+              <a:rPr lang="ko-KR" altLang="en-US" sz="2500" b="1">
+                <a:solidFill>
+                  <a:schemeClr val="tx1"/>
+                </a:solidFill>
+                <a:latin typeface="나눔바른고딕" charset="0"/>
+                <a:ea typeface="나눔바른고딕" charset="0"/>
+              </a:rPr>
+              <a:t> </a:t>
+            </a:r>
+            <a:r>
+              <a:rPr lang="ko-KR" altLang="en-US" sz="2500" b="1">
+                <a:solidFill>
+                  <a:schemeClr val="tx1"/>
+                </a:solidFill>
+                <a:latin typeface="나눔바른고딕" charset="0"/>
+                <a:ea typeface="나눔바른고딕" charset="0"/>
+              </a:rPr>
+              <a:t>번째 튜토리</a:t>
+            </a:r>
+            <a:r>
+              <a:rPr lang="ko-KR" altLang="en-US" sz="2500" b="1">
+                <a:solidFill>
+                  <a:schemeClr val="tx1"/>
+                </a:solidFill>
+                <a:latin typeface="나눔바른고딕" charset="0"/>
+                <a:ea typeface="나눔바른고딕" charset="0"/>
+              </a:rPr>
+              <a:t>얼</a:t>
+            </a:r>
+            <a:endParaRPr lang="ko-KR" altLang="en-US" sz="3000" b="1">
               <a:solidFill>
                 <a:schemeClr val="tx1"/>
               </a:solidFill>
@@ -8004,8 +10005,8 @@
         </p:nvSpPr>
         <p:spPr>
           <a:xfrm rot="0">
-            <a:off x="1227455" y="5584825"/>
-            <a:ext cx="4147185" cy="647065"/>
+            <a:off x="6835140" y="5490845"/>
+            <a:ext cx="4130675" cy="647065"/>
           </a:xfrm>
           <a:prstGeom prst="rect"/>
           <a:noFill/>
@@ -8046,7 +10047,56 @@
                 <a:latin typeface="맑은 고딕" charset="0"/>
                 <a:ea typeface="맑은 고딕" charset="0"/>
               </a:rPr>
-              <a:t>이제 Light Probe Visualization에서 Generate Lighting을 선택합니다.</a:t>
+              <a:t>마지막으로 Scene</a:t>
+            </a:r>
+            <a:r>
+              <a:rPr lang="ko-KR" sz="1800">
+                <a:latin typeface="맑은 고딕" charset="0"/>
+                <a:ea typeface="맑은 고딕" charset="0"/>
+              </a:rPr>
+              <a:t>에서</a:t>
+            </a:r>
+            <a:r>
+              <a:rPr lang="ko-KR" sz="1800">
+                <a:latin typeface="맑은 고딕" charset="0"/>
+                <a:ea typeface="맑은 고딕" charset="0"/>
+              </a:rPr>
+              <a:t> </a:t>
+            </a:r>
+            <a:r>
+              <a:rPr lang="ko-KR" sz="1800">
+                <a:latin typeface="맑은 고딕" charset="0"/>
+                <a:ea typeface="맑은 고딕" charset="0"/>
+              </a:rPr>
+              <a:t>Generate</a:t>
+            </a:r>
+            <a:r>
+              <a:rPr lang="ko-KR" sz="1800">
+                <a:latin typeface="맑은 고딕" charset="0"/>
+                <a:ea typeface="맑은 고딕" charset="0"/>
+              </a:rPr>
+              <a:t> </a:t>
+            </a:r>
+            <a:r>
+              <a:rPr lang="ko-KR" sz="1800">
+                <a:latin typeface="맑은 고딕" charset="0"/>
+                <a:ea typeface="맑은 고딕" charset="0"/>
+              </a:rPr>
+              <a:t>Lighting을</a:t>
+            </a:r>
+            <a:r>
+              <a:rPr lang="ko-KR" sz="1800">
+                <a:latin typeface="맑은 고딕" charset="0"/>
+                <a:ea typeface="맑은 고딕" charset="0"/>
+              </a:rPr>
+              <a:t> </a:t>
+            </a:r>
+            <a:r>
+              <a:rPr lang="ko-KR" sz="1800">
+                <a:latin typeface="맑은 고딕" charset="0"/>
+                <a:ea typeface="맑은 고딕" charset="0"/>
+              </a:rPr>
+              <a:t>선택합니다.</a:t>
             </a:r>
             <a:endParaRPr lang="ko-KR" altLang="en-US" sz="1800">
               <a:latin typeface="맑은 고딕" charset="0"/>
@@ -8057,7 +10107,7 @@
       </p:sp>
       <p:pic>
         <p:nvPicPr>
-          <p:cNvPr id="1056" name="그림 4"/>
+          <p:cNvPr id="1056" name="그림 4" descr="C:/Users/Admin1/AppData/Roaming/PolarisOffice/ETemp/26564_9303048/fImage358712941478.png"/>
           <p:cNvPicPr>
             <a:picLocks noChangeAspect="1"/>
           </p:cNvPicPr>
@@ -8077,23 +10127,25 @@
         </p:blipFill>
         <p:spPr>
           <a:xfrm rot="0">
-            <a:off x="1228090" y="1271270"/>
-            <a:ext cx="4133850" cy="4174490"/>
-          </a:xfrm>
-          <a:prstGeom prst="rect"/>
-          <a:noFill/>
+            <a:off x="6830695" y="1430020"/>
+            <a:ext cx="4126865" cy="3815715"/>
+          </a:xfrm>
+          <a:prstGeom prst="roundRect"/>
+          <a:solidFill>
+            <a:srgbClr val="EDEDED"/>
+          </a:solidFill>
         </p:spPr>
       </p:pic>
       <p:pic>
         <p:nvPicPr>
-          <p:cNvPr id="1058" name="그림 10" descr="C:/Users/Admin1/AppData/Roaming/PolarisOffice/ETemp/21928_10791808/fImage24803535741.png"/>
+          <p:cNvPr id="1057" name="그림 19" descr="C:/Users/Admin1/AppData/Roaming/PolarisOffice/ETemp/26564_9303048/fImage211388841.png"/>
           <p:cNvPicPr>
             <a:picLocks noChangeAspect="1"/>
           </p:cNvPicPr>
           <p:nvPr/>
         </p:nvPicPr>
         <p:blipFill rotWithShape="1">
-          <a:blip r:embed="rId3" cstate="hqprint">
+          <a:blip r:embed="rId5" cstate="hqprint">
             <a:extLst>
               <a:ext uri="{28A0092B-C50C-407E-A947-70E740481C1C}">
                 <a14:useLocalDpi xmlns:a14="http://schemas.microsoft.com/office/drawing/2010/main"/>
@@ -8106,8 +10158,8 @@
         </p:blipFill>
         <p:spPr>
           <a:xfrm rot="0">
-            <a:off x="6824980" y="1271905"/>
-            <a:ext cx="4248785" cy="2178685"/>
+            <a:off x="1240790" y="1438275"/>
+            <a:ext cx="4117975" cy="3532505"/>
           </a:xfrm>
           <a:prstGeom prst="roundRect"/>
           <a:solidFill>
@@ -8115,6 +10167,122 @@
           </a:solidFill>
         </p:spPr>
       </p:pic>
+      <p:sp>
+        <p:nvSpPr>
+          <p:cNvPr id="1058" name="텍스트 상자 20"/>
+          <p:cNvSpPr txBox="1">
+            <a:spLocks/>
+          </p:cNvSpPr>
+          <p:nvPr/>
+        </p:nvSpPr>
+        <p:spPr>
+          <a:xfrm rot="0">
+            <a:off x="1252220" y="5225415"/>
+            <a:ext cx="4115435" cy="908685"/>
+          </a:xfrm>
+          <a:prstGeom prst="rect"/>
+          <a:noFill/>
+        </p:spPr>
+        <p:txBody>
+          <a:bodyPr wrap="square" lIns="0" tIns="0" rIns="0" bIns="0" numCol="1" vert="horz" anchor="t">
+            <a:noAutofit/>
+          </a:bodyPr>
+          <a:lstStyle/>
+          <a:p>
+            <a:pPr marL="0" indent="0" algn="l" latinLnBrk="0" hangingPunct="1">
+              <a:buFontTx/>
+              <a:buNone/>
+            </a:pPr>
+            <a:r>
+              <a:rPr lang="ko-KR" sz="2000" b="1">
+                <a:solidFill>
+                  <a:srgbClr val="0611F2"/>
+                </a:solidFill>
+                <a:latin typeface="맑은 고딕" charset="0"/>
+                <a:ea typeface="맑은 고딕" charset="0"/>
+              </a:rPr>
+              <a:t>44.</a:t>
+            </a:r>
+            <a:r>
+              <a:rPr lang="ko-KR" sz="2000" b="1">
+                <a:solidFill>
+                  <a:srgbClr val="0611F2"/>
+                </a:solidFill>
+                <a:latin typeface="맑은 고딕" charset="0"/>
+                <a:ea typeface="맑은 고딕" charset="0"/>
+              </a:rPr>
+              <a:t> </a:t>
+            </a:r>
+            <a:r>
+              <a:rPr lang="ko-KR" sz="1800">
+                <a:latin typeface="맑은 고딕" charset="0"/>
+                <a:ea typeface="맑은 고딕" charset="0"/>
+              </a:rPr>
+              <a:t>그런 다음 Window에서 </a:t>
+            </a:r>
+            <a:r>
+              <a:rPr lang="ko-KR" sz="1800">
+                <a:latin typeface="맑은 고딕" charset="0"/>
+                <a:ea typeface="맑은 고딕" charset="0"/>
+              </a:rPr>
+              <a:t>Rendering을</a:t>
+            </a:r>
+            <a:r>
+              <a:rPr lang="ko-KR" sz="1800">
+                <a:latin typeface="맑은 고딕" charset="0"/>
+                <a:ea typeface="맑은 고딕" charset="0"/>
+              </a:rPr>
+              <a:t> </a:t>
+            </a:r>
+            <a:r>
+              <a:rPr lang="ko-KR" sz="1800">
+                <a:latin typeface="맑은 고딕" charset="0"/>
+                <a:ea typeface="맑은 고딕" charset="0"/>
+              </a:rPr>
+              <a:t>선택하고</a:t>
+            </a:r>
+            <a:r>
+              <a:rPr lang="ko-KR" sz="1800">
+                <a:latin typeface="맑은 고딕" charset="0"/>
+                <a:ea typeface="맑은 고딕" charset="0"/>
+              </a:rPr>
+              <a:t> Lighting </a:t>
+            </a:r>
+            <a:r>
+              <a:rPr lang="ko-KR" sz="1800">
+                <a:latin typeface="맑은 고딕" charset="0"/>
+                <a:ea typeface="맑은 고딕" charset="0"/>
+              </a:rPr>
+              <a:t>Settings를</a:t>
+            </a:r>
+            <a:r>
+              <a:rPr lang="ko-KR" sz="1800">
+                <a:latin typeface="맑은 고딕" charset="0"/>
+                <a:ea typeface="맑은 고딕" charset="0"/>
+              </a:rPr>
+              <a:t> </a:t>
+            </a:r>
+            <a:r>
+              <a:rPr lang="ko-KR" sz="1800">
+                <a:latin typeface="맑은 고딕" charset="0"/>
+                <a:ea typeface="맑은 고딕" charset="0"/>
+              </a:rPr>
+              <a:t>선택합니다.</a:t>
+            </a:r>
+            <a:r>
+              <a:rPr lang="ko-KR" sz="1800">
+                <a:latin typeface="맑은 고딕" charset="0"/>
+                <a:ea typeface="맑은 고딕" charset="0"/>
+              </a:rPr>
+              <a:t> </a:t>
+            </a:r>
+            <a:endParaRPr lang="ko-KR" altLang="en-US" sz="1800">
+              <a:latin typeface="맑은 고딕" charset="0"/>
+              <a:ea typeface="맑은 고딕" charset="0"/>
+            </a:endParaRPr>
+          </a:p>
+        </p:txBody>
+      </p:sp>
     </p:spTree>
   </p:cSld>
   <p:clrMapOvr>

--- a/Assets/Class/Light/PPT Data/Light Example.pptx
+++ b/Assets/Class/Light/PPT Data/Light Example.pptx
@@ -2,7 +2,7 @@
 <file path=ppt/presentation.xml><?xml version="1.0" encoding="utf-8"?>
 <p:presentation xmlns:a="http://schemas.openxmlformats.org/drawingml/2006/main" xmlns:r="http://schemas.openxmlformats.org/officeDocument/2006/relationships" xmlns:p="http://schemas.openxmlformats.org/presentationml/2006/main" xmlns:p14="http://schemas.microsoft.com/office/powerpoint/2010/main" saveSubsetFonts="1" firstSlideNum="0">
   <p:sldMasterIdLst>
-    <p:sldMasterId id="2147486013" r:id="rId12"/>
+    <p:sldMasterId id="2147486023" r:id="rId12"/>
   </p:sldMasterIdLst>
   <p:notesMasterIdLst>
     <p:notesMasterId r:id="rId14"/>
@@ -15,12 +15,15 @@
     <p:sldId id="294" r:id="rId24"/>
     <p:sldId id="299" r:id="rId26"/>
     <p:sldId id="318" r:id="rId28"/>
-    <p:sldId id="310" r:id="rId30"/>
-    <p:sldId id="319" r:id="rId32"/>
-    <p:sldId id="320" r:id="rId34"/>
+    <p:sldId id="319" r:id="rId29"/>
+    <p:sldId id="310" r:id="rId31"/>
+    <p:sldId id="320" r:id="rId33"/>
     <p:sldId id="321" r:id="rId35"/>
     <p:sldId id="308" r:id="rId36"/>
-    <p:sldId id="313" r:id="rId37"/>
+    <p:sldId id="322" r:id="rId37"/>
+    <p:sldId id="323" r:id="rId38"/>
+    <p:sldId id="324" r:id="rId39"/>
+    <p:sldId id="313" r:id="rId40"/>
   </p:sldIdLst>
   <p:sldSz cx="12192000" cy="6858000"/>
   <p:notesSz cx="6858000" cy="9144000"/>
@@ -1077,6 +1080,432 @@
         <p:spPr>
           <a:xfrm rot="0">
             <a:off x="685800" y="1143000"/>
+            <a:ext cx="5493385" cy="3093085"/>
+          </a:xfrm>
+          <a:prstGeom prst="rect"/>
+          <a:noFill/>
+          <a:ln w="12700" cap="flat" cmpd="sng">
+            <a:solidFill>
+              <a:srgbClr val="000000">
+                <a:alpha val="100000"/>
+              </a:srgbClr>
+            </a:solidFill>
+            <a:prstDash val="solid"/>
+          </a:ln>
+        </p:spPr>
+        <p:txBody>
+          <a:bodyPr wrap="square" lIns="91440" tIns="45720" rIns="91440" bIns="45720" numCol="1" vert="horz" anchor="ctr">
+            <a:noAutofit/>
+          </a:bodyPr>
+          <a:lstStyle/>
+          <a:p>
+            <a:pPr marL="0" indent="0" latinLnBrk="0">
+              <a:buFontTx/>
+              <a:buNone/>
+            </a:pPr>
+          </a:p>
+        </p:txBody>
+      </p:sp>
+      <p:sp>
+        <p:nvSpPr>
+          <p:cNvPr id="3" name="슬라이드 노트 개체 틀 4"/>
+          <p:cNvSpPr txBox="1">
+            <a:spLocks/>
+          </p:cNvSpPr>
+          <p:nvPr>
+            <p:ph type="body" idx="3"/>
+          </p:nvPr>
+        </p:nvSpPr>
+        <p:spPr>
+          <a:xfrm rot="0">
+            <a:off x="685800" y="4400550"/>
+            <a:ext cx="5493385" cy="3607435"/>
+          </a:xfrm>
+          <a:prstGeom prst="rect"/>
+        </p:spPr>
+        <p:txBody>
+          <a:bodyPr wrap="square" lIns="91440" tIns="45720" rIns="91440" bIns="45720" numCol="1" vert="horz" anchor="t">
+            <a:noAutofit/>
+          </a:bodyPr>
+          <a:lstStyle/>
+          <a:p>
+            <a:pPr marL="0" indent="0" latinLnBrk="0">
+              <a:buFontTx/>
+              <a:buNone/>
+            </a:pPr>
+          </a:p>
+        </p:txBody>
+      </p:sp>
+      <p:sp>
+        <p:nvSpPr>
+          <p:cNvPr id="4" name="슬라이드 번호 개체 틀 6"/>
+          <p:cNvSpPr txBox="1">
+            <a:spLocks/>
+          </p:cNvSpPr>
+          <p:nvPr>
+            <p:ph type="sldNum" idx="5"/>
+          </p:nvPr>
+        </p:nvSpPr>
+        <p:spPr>
+          <a:xfrm rot="0">
+            <a:off x="3884930" y="8685530"/>
+            <a:ext cx="2978785" cy="465455"/>
+          </a:xfrm>
+          <a:prstGeom prst="rect"/>
+        </p:spPr>
+        <p:txBody>
+          <a:bodyPr wrap="square" lIns="91440" tIns="45720" rIns="91440" bIns="45720" numCol="1" vert="horz" anchor="b">
+            <a:noAutofit/>
+          </a:bodyPr>
+          <a:lstStyle>
+            <a:lvl1pPr marL="0" indent="0" algn="r" latinLnBrk="0">
+              <a:buFontTx/>
+              <a:buNone/>
+              <a:defRPr lang="en-GB" altLang="en-US" sz="1200"/>
+            </a:lvl1pPr>
+          </a:lstStyle>
+          <a:p>
+            <a:pPr marL="0" indent="0" latinLnBrk="0">
+              <a:buFontTx/>
+              <a:buNone/>
+            </a:pPr>
+            <a:fld id="{B9320F77-B9A0-41C5-862A-B4B631284C64}" type="slidenum">
+              <a:rPr lang="ko-KR" altLang="en-US"/>
+              <a:t>‹#›</a:t>
+            </a:fld>
+          </a:p>
+        </p:txBody>
+      </p:sp>
+    </p:spTree>
+  </p:cSld>
+  <p:clrMapOvr>
+    <a:masterClrMapping/>
+  </p:clrMapOvr>
+  <mc:AlternateContent xmlns:mc="http://schemas.openxmlformats.org/markup-compatibility/2006">
+    <mc:Choice xmlns:p14="http://schemas.microsoft.com/office/powerpoint/2010/main" Requires="p14">
+      <p:transition spd="slow" p14:dur="0"/>
+    </mc:Choice>
+    <mc:Fallback>
+      <p:transition spd="slow"/>
+    </mc:Fallback>
+  </mc:AlternateContent>
+</p:notes>
+</file>
+
+<file path=ppt/notesSlides/notesSlide14.xml><?xml version="1.0" encoding="utf-8"?>
+<p:notes xmlns:a="http://schemas.openxmlformats.org/drawingml/2006/main" xmlns:r="http://schemas.openxmlformats.org/officeDocument/2006/relationships" xmlns:p="http://schemas.openxmlformats.org/presentationml/2006/main">
+  <p:cSld>
+    <p:spTree>
+      <p:nvGrpSpPr>
+        <p:cNvPr id="1" name=""/>
+        <p:cNvGrpSpPr/>
+        <p:nvPr/>
+      </p:nvGrpSpPr>
+      <p:grpSpPr>
+        <a:xfrm>
+          <a:off x="0" y="0"/>
+          <a:ext cx="0" cy="0"/>
+          <a:chOff x="0" y="0"/>
+          <a:chExt cx="0" cy="0"/>
+        </a:xfrm>
+      </p:grpSpPr>
+      <p:sp>
+        <p:nvSpPr>
+          <p:cNvPr id="2" name="슬라이드 이미지 개체 틀 3"/>
+          <p:cNvSpPr>
+            <a:spLocks noChangeAspect="1"/>
+          </p:cNvSpPr>
+          <p:nvPr>
+            <p:ph type="sldImg" idx="2"/>
+          </p:nvPr>
+        </p:nvSpPr>
+        <p:spPr>
+          <a:xfrm rot="0">
+            <a:off x="685800" y="1143000"/>
+            <a:ext cx="5493385" cy="3093085"/>
+          </a:xfrm>
+          <a:prstGeom prst="rect"/>
+          <a:noFill/>
+          <a:ln w="12700" cap="flat" cmpd="sng">
+            <a:solidFill>
+              <a:srgbClr val="000000">
+                <a:alpha val="100000"/>
+              </a:srgbClr>
+            </a:solidFill>
+            <a:prstDash val="solid"/>
+          </a:ln>
+        </p:spPr>
+        <p:txBody>
+          <a:bodyPr wrap="square" lIns="91440" tIns="45720" rIns="91440" bIns="45720" numCol="1" vert="horz" anchor="ctr">
+            <a:noAutofit/>
+          </a:bodyPr>
+          <a:lstStyle/>
+          <a:p>
+            <a:pPr marL="0" indent="0" latinLnBrk="0">
+              <a:buFontTx/>
+              <a:buNone/>
+            </a:pPr>
+          </a:p>
+        </p:txBody>
+      </p:sp>
+      <p:sp>
+        <p:nvSpPr>
+          <p:cNvPr id="3" name="슬라이드 노트 개체 틀 4"/>
+          <p:cNvSpPr txBox="1">
+            <a:spLocks/>
+          </p:cNvSpPr>
+          <p:nvPr>
+            <p:ph type="body" idx="3"/>
+          </p:nvPr>
+        </p:nvSpPr>
+        <p:spPr>
+          <a:xfrm rot="0">
+            <a:off x="685800" y="4400550"/>
+            <a:ext cx="5493385" cy="3607435"/>
+          </a:xfrm>
+          <a:prstGeom prst="rect"/>
+        </p:spPr>
+        <p:txBody>
+          <a:bodyPr wrap="square" lIns="91440" tIns="45720" rIns="91440" bIns="45720" numCol="1" vert="horz" anchor="t">
+            <a:noAutofit/>
+          </a:bodyPr>
+          <a:lstStyle/>
+          <a:p>
+            <a:pPr marL="0" indent="0" latinLnBrk="0">
+              <a:buFontTx/>
+              <a:buNone/>
+            </a:pPr>
+          </a:p>
+        </p:txBody>
+      </p:sp>
+      <p:sp>
+        <p:nvSpPr>
+          <p:cNvPr id="4" name="슬라이드 번호 개체 틀 6"/>
+          <p:cNvSpPr txBox="1">
+            <a:spLocks/>
+          </p:cNvSpPr>
+          <p:nvPr>
+            <p:ph type="sldNum" idx="5"/>
+          </p:nvPr>
+        </p:nvSpPr>
+        <p:spPr>
+          <a:xfrm rot="0">
+            <a:off x="3884930" y="8685530"/>
+            <a:ext cx="2978785" cy="465455"/>
+          </a:xfrm>
+          <a:prstGeom prst="rect"/>
+        </p:spPr>
+        <p:txBody>
+          <a:bodyPr wrap="square" lIns="91440" tIns="45720" rIns="91440" bIns="45720" numCol="1" vert="horz" anchor="b">
+            <a:noAutofit/>
+          </a:bodyPr>
+          <a:lstStyle>
+            <a:lvl1pPr marL="0" indent="0" algn="r" latinLnBrk="0">
+              <a:buFontTx/>
+              <a:buNone/>
+              <a:defRPr lang="en-GB" altLang="en-US" sz="1200"/>
+            </a:lvl1pPr>
+          </a:lstStyle>
+          <a:p>
+            <a:pPr marL="0" indent="0" latinLnBrk="0">
+              <a:buFontTx/>
+              <a:buNone/>
+            </a:pPr>
+            <a:fld id="{B9320F77-B9A0-41C5-862A-B4B631284C64}" type="slidenum">
+              <a:rPr lang="ko-KR" altLang="en-US"/>
+              <a:t>‹#›</a:t>
+            </a:fld>
+          </a:p>
+        </p:txBody>
+      </p:sp>
+    </p:spTree>
+  </p:cSld>
+  <p:clrMapOvr>
+    <a:masterClrMapping/>
+  </p:clrMapOvr>
+  <mc:AlternateContent xmlns:mc="http://schemas.openxmlformats.org/markup-compatibility/2006">
+    <mc:Choice xmlns:p14="http://schemas.microsoft.com/office/powerpoint/2010/main" Requires="p14">
+      <p:transition spd="slow" p14:dur="0"/>
+    </mc:Choice>
+    <mc:Fallback>
+      <p:transition spd="slow"/>
+    </mc:Fallback>
+  </mc:AlternateContent>
+</p:notes>
+</file>
+
+<file path=ppt/notesSlides/notesSlide15.xml><?xml version="1.0" encoding="utf-8"?>
+<p:notes xmlns:a="http://schemas.openxmlformats.org/drawingml/2006/main" xmlns:r="http://schemas.openxmlformats.org/officeDocument/2006/relationships" xmlns:p="http://schemas.openxmlformats.org/presentationml/2006/main">
+  <p:cSld>
+    <p:spTree>
+      <p:nvGrpSpPr>
+        <p:cNvPr id="1" name=""/>
+        <p:cNvGrpSpPr/>
+        <p:nvPr/>
+      </p:nvGrpSpPr>
+      <p:grpSpPr>
+        <a:xfrm>
+          <a:off x="0" y="0"/>
+          <a:ext cx="0" cy="0"/>
+          <a:chOff x="0" y="0"/>
+          <a:chExt cx="0" cy="0"/>
+        </a:xfrm>
+      </p:grpSpPr>
+      <p:sp>
+        <p:nvSpPr>
+          <p:cNvPr id="2" name="슬라이드 이미지 개체 틀 3"/>
+          <p:cNvSpPr>
+            <a:spLocks noChangeAspect="1"/>
+          </p:cNvSpPr>
+          <p:nvPr>
+            <p:ph type="sldImg" idx="2"/>
+          </p:nvPr>
+        </p:nvSpPr>
+        <p:spPr>
+          <a:xfrm rot="0">
+            <a:off x="685800" y="1143000"/>
+            <a:ext cx="5493385" cy="3093085"/>
+          </a:xfrm>
+          <a:prstGeom prst="rect"/>
+          <a:noFill/>
+          <a:ln w="12700" cap="flat" cmpd="sng">
+            <a:solidFill>
+              <a:srgbClr val="000000">
+                <a:alpha val="100000"/>
+              </a:srgbClr>
+            </a:solidFill>
+            <a:prstDash val="solid"/>
+          </a:ln>
+        </p:spPr>
+        <p:txBody>
+          <a:bodyPr wrap="square" lIns="91440" tIns="45720" rIns="91440" bIns="45720" numCol="1" vert="horz" anchor="ctr">
+            <a:noAutofit/>
+          </a:bodyPr>
+          <a:lstStyle/>
+          <a:p>
+            <a:pPr marL="0" indent="0" latinLnBrk="0">
+              <a:buFontTx/>
+              <a:buNone/>
+            </a:pPr>
+          </a:p>
+        </p:txBody>
+      </p:sp>
+      <p:sp>
+        <p:nvSpPr>
+          <p:cNvPr id="3" name="슬라이드 노트 개체 틀 4"/>
+          <p:cNvSpPr txBox="1">
+            <a:spLocks/>
+          </p:cNvSpPr>
+          <p:nvPr>
+            <p:ph type="body" idx="3"/>
+          </p:nvPr>
+        </p:nvSpPr>
+        <p:spPr>
+          <a:xfrm rot="0">
+            <a:off x="685800" y="4400550"/>
+            <a:ext cx="5493385" cy="3607435"/>
+          </a:xfrm>
+          <a:prstGeom prst="rect"/>
+        </p:spPr>
+        <p:txBody>
+          <a:bodyPr wrap="square" lIns="91440" tIns="45720" rIns="91440" bIns="45720" numCol="1" vert="horz" anchor="t">
+            <a:noAutofit/>
+          </a:bodyPr>
+          <a:lstStyle/>
+          <a:p>
+            <a:pPr marL="0" indent="0" latinLnBrk="0">
+              <a:buFontTx/>
+              <a:buNone/>
+            </a:pPr>
+          </a:p>
+        </p:txBody>
+      </p:sp>
+      <p:sp>
+        <p:nvSpPr>
+          <p:cNvPr id="4" name="슬라이드 번호 개체 틀 6"/>
+          <p:cNvSpPr txBox="1">
+            <a:spLocks/>
+          </p:cNvSpPr>
+          <p:nvPr>
+            <p:ph type="sldNum" idx="5"/>
+          </p:nvPr>
+        </p:nvSpPr>
+        <p:spPr>
+          <a:xfrm rot="0">
+            <a:off x="3884930" y="8685530"/>
+            <a:ext cx="2978785" cy="465455"/>
+          </a:xfrm>
+          <a:prstGeom prst="rect"/>
+        </p:spPr>
+        <p:txBody>
+          <a:bodyPr wrap="square" lIns="91440" tIns="45720" rIns="91440" bIns="45720" numCol="1" vert="horz" anchor="b">
+            <a:noAutofit/>
+          </a:bodyPr>
+          <a:lstStyle>
+            <a:lvl1pPr marL="0" indent="0" algn="r" latinLnBrk="0">
+              <a:buFontTx/>
+              <a:buNone/>
+              <a:defRPr lang="en-GB" altLang="en-US" sz="1200"/>
+            </a:lvl1pPr>
+          </a:lstStyle>
+          <a:p>
+            <a:pPr marL="0" indent="0" latinLnBrk="0">
+              <a:buFontTx/>
+              <a:buNone/>
+            </a:pPr>
+            <a:fld id="{B9320F77-B9A0-41C5-862A-B4B631284C64}" type="slidenum">
+              <a:rPr lang="ko-KR" altLang="en-US"/>
+              <a:t>‹#›</a:t>
+            </a:fld>
+          </a:p>
+        </p:txBody>
+      </p:sp>
+    </p:spTree>
+  </p:cSld>
+  <p:clrMapOvr>
+    <a:masterClrMapping/>
+  </p:clrMapOvr>
+  <mc:AlternateContent xmlns:mc="http://schemas.openxmlformats.org/markup-compatibility/2006">
+    <mc:Choice xmlns:p14="http://schemas.microsoft.com/office/powerpoint/2010/main" Requires="p14">
+      <p:transition spd="slow" p14:dur="0"/>
+    </mc:Choice>
+    <mc:Fallback>
+      <p:transition spd="slow"/>
+    </mc:Fallback>
+  </mc:AlternateContent>
+</p:notes>
+</file>
+
+<file path=ppt/notesSlides/notesSlide16.xml><?xml version="1.0" encoding="utf-8"?>
+<p:notes xmlns:a="http://schemas.openxmlformats.org/drawingml/2006/main" xmlns:r="http://schemas.openxmlformats.org/officeDocument/2006/relationships" xmlns:p="http://schemas.openxmlformats.org/presentationml/2006/main">
+  <p:cSld>
+    <p:spTree>
+      <p:nvGrpSpPr>
+        <p:cNvPr id="1" name=""/>
+        <p:cNvGrpSpPr/>
+        <p:nvPr/>
+      </p:nvGrpSpPr>
+      <p:grpSpPr>
+        <a:xfrm>
+          <a:off x="0" y="0"/>
+          <a:ext cx="0" cy="0"/>
+          <a:chOff x="0" y="0"/>
+          <a:chExt cx="0" cy="0"/>
+        </a:xfrm>
+      </p:grpSpPr>
+      <p:sp>
+        <p:nvSpPr>
+          <p:cNvPr id="2" name="슬라이드 이미지 개체 틀 3"/>
+          <p:cNvSpPr>
+            <a:spLocks noChangeAspect="1"/>
+          </p:cNvSpPr>
+          <p:nvPr>
+            <p:ph type="sldImg" idx="2"/>
+          </p:nvPr>
+        </p:nvSpPr>
+        <p:spPr>
+          <a:xfrm rot="0">
+            <a:off x="685800" y="1143000"/>
             <a:ext cx="5494655" cy="3094355"/>
           </a:xfrm>
           <a:prstGeom prst="rect"/>
@@ -2071,7 +2500,7 @@
         <p:spPr>
           <a:xfrm rot="0">
             <a:off x="685800" y="1143000"/>
-            <a:ext cx="5493385" cy="3093085"/>
+            <a:ext cx="5494020" cy="3093720"/>
           </a:xfrm>
           <a:prstGeom prst="rect"/>
           <a:noFill/>
@@ -2110,7 +2539,7 @@
         <p:spPr>
           <a:xfrm rot="0">
             <a:off x="685800" y="4400550"/>
-            <a:ext cx="5493385" cy="3607435"/>
+            <a:ext cx="5494020" cy="3608070"/>
           </a:xfrm>
           <a:prstGeom prst="rect"/>
         </p:spPr>
@@ -2140,7 +2569,7 @@
         <p:spPr>
           <a:xfrm rot="0">
             <a:off x="3884930" y="8685530"/>
-            <a:ext cx="2978785" cy="465455"/>
+            <a:ext cx="2979420" cy="466090"/>
           </a:xfrm>
           <a:prstGeom prst="rect"/>
         </p:spPr>
@@ -2213,7 +2642,7 @@
         <p:spPr>
           <a:xfrm rot="0">
             <a:off x="685800" y="1143000"/>
-            <a:ext cx="5494020" cy="3093720"/>
+            <a:ext cx="5493385" cy="3093085"/>
           </a:xfrm>
           <a:prstGeom prst="rect"/>
           <a:noFill/>
@@ -2252,7 +2681,7 @@
         <p:spPr>
           <a:xfrm rot="0">
             <a:off x="685800" y="4400550"/>
-            <a:ext cx="5494020" cy="3608070"/>
+            <a:ext cx="5493385" cy="3607435"/>
           </a:xfrm>
           <a:prstGeom prst="rect"/>
         </p:spPr>
@@ -2282,7 +2711,7 @@
         <p:spPr>
           <a:xfrm rot="0">
             <a:off x="3884930" y="8685530"/>
-            <a:ext cx="2979420" cy="466090"/>
+            <a:ext cx="2978785" cy="465455"/>
           </a:xfrm>
           <a:prstGeom prst="rect"/>
         </p:spPr>
@@ -8459,7 +8888,7 @@
 </file>
 
 <file path=ppt/slides/slide11.xml><?xml version="1.0" encoding="utf-8"?>
-<p:sld xmlns:a="http://schemas.openxmlformats.org/drawingml/2006/main" xmlns:r="http://schemas.openxmlformats.org/officeDocument/2006/relationships" xmlns:p="http://schemas.openxmlformats.org/presentationml/2006/main">
+<p:sld xmlns:a="http://schemas.openxmlformats.org/drawingml/2006/main" xmlns:r="http://schemas.openxmlformats.org/officeDocument/2006/relationships" xmlns:p="http://schemas.openxmlformats.org/presentationml/2006/main" xmlns:p14="http://schemas.microsoft.com/office/powerpoint/2010/main">
   <p:cSld>
     <p:spTree>
       <p:nvGrpSpPr>
@@ -8566,7 +8995,7 @@
         <p:spPr>
           <a:xfrm rot="0">
             <a:off x="6822440" y="5214620"/>
-            <a:ext cx="4135120" cy="892175"/>
+            <a:ext cx="4135755" cy="892810"/>
           </a:xfrm>
           <a:prstGeom prst="rect"/>
           <a:noFill/>
@@ -8599,7 +9028,7 @@
                 <a:latin typeface="맑은 고딕" charset="0"/>
                 <a:ea typeface="맑은 고딕" charset="0"/>
               </a:rPr>
-              <a:t> </a:t>
+              <a:t> 프로브 그룹의 경우 영역 근처에 </a:t>
             </a:r>
             <a:r>
               <a:rPr lang="ko-KR" sz="1800" i="0" b="0">
@@ -8609,7 +9038,7 @@
                 <a:latin typeface="맑은 고딕" charset="0"/>
                 <a:ea typeface="맑은 고딕" charset="0"/>
               </a:rPr>
-              <a:t>프로브 그룹의 경우 영역 근처에 </a:t>
+              <a:t>있는</a:t>
             </a:r>
             <a:r>
               <a:rPr lang="ko-KR" sz="1800" i="0" b="0">
@@ -8619,7 +9048,7 @@
                 <a:latin typeface="맑은 고딕" charset="0"/>
                 <a:ea typeface="맑은 고딕" charset="0"/>
               </a:rPr>
-              <a:t>있는</a:t>
+              <a:t> Mesh Renderer의 값을 보간한 </a:t>
             </a:r>
             <a:r>
               <a:rPr lang="ko-KR" sz="1800" i="0" b="0">
@@ -8629,7 +9058,7 @@
                 <a:latin typeface="맑은 고딕" charset="0"/>
                 <a:ea typeface="맑은 고딕" charset="0"/>
               </a:rPr>
-              <a:t> Mesh Renderer의 값을 보간한 </a:t>
+              <a:t>다음</a:t>
             </a:r>
             <a:r>
               <a:rPr lang="ko-KR" sz="1800" i="0" b="0">
@@ -8639,47 +9068,7 @@
                 <a:latin typeface="맑은 고딕" charset="0"/>
                 <a:ea typeface="맑은 고딕" charset="0"/>
               </a:rPr>
-              <a:t>다</a:t>
-            </a:r>
-            <a:r>
-              <a:rPr lang="ko-KR" sz="1800" i="0" b="0">
-                <a:solidFill>
-                  <a:schemeClr val="tx1"/>
-                </a:solidFill>
-                <a:latin typeface="맑은 고딕" charset="0"/>
-                <a:ea typeface="맑은 고딕" charset="0"/>
-              </a:rPr>
-              <a:t>음</a:t>
-            </a:r>
-            <a:r>
-              <a:rPr lang="ko-KR" sz="1800" i="0" b="0">
-                <a:solidFill>
-                  <a:schemeClr val="tx1"/>
-                </a:solidFill>
-                <a:latin typeface="맑은 고딕" charset="0"/>
-                <a:ea typeface="맑은 고딕" charset="0"/>
-              </a:rPr>
-              <a:t> </a:t>
-            </a:r>
-            <a:r>
-              <a:rPr lang="ko-KR" sz="1800" i="0" b="0">
-                <a:solidFill>
-                  <a:schemeClr val="tx1"/>
-                </a:solidFill>
-                <a:latin typeface="맑은 고딕" charset="0"/>
-                <a:ea typeface="맑은 고딕" charset="0"/>
-              </a:rPr>
-              <a:t>빛을 적용시킵니다.</a:t>
-            </a:r>
-            <a:r>
-              <a:rPr lang="ko-KR" sz="1800" i="0" b="0">
-                <a:solidFill>
-                  <a:schemeClr val="tx1"/>
-                </a:solidFill>
-                <a:latin typeface="맑은 고딕" charset="0"/>
-                <a:ea typeface="맑은 고딕" charset="0"/>
-              </a:rPr>
-              <a:t>					</a:t>
+              <a:t> 빛을 적용시킵니다.					</a:t>
             </a:r>
             <a:endParaRPr lang="ko-KR" altLang="en-US" sz="1800" i="0" b="0">
               <a:solidFill>
@@ -8693,7 +9082,7 @@
       </p:sp>
       <p:pic>
         <p:nvPicPr>
-          <p:cNvPr id="1058" name="Picture " descr="C:/Users/Admin1/AppData/Roaming/PolarisOffice/ETemp/26564_9303048/fImage24803535741.png"/>
+          <p:cNvPr id="1058" name="Picture " descr="C:/Users/Admin1/AppData/Roaming/PolarisOffice/ETemp/30764_12697280/fImage24803535741.png"/>
           <p:cNvPicPr>
             <a:picLocks noChangeAspect="1"/>
           </p:cNvPicPr>
@@ -8713,8 +9102,8 @@
         </p:blipFill>
         <p:spPr>
           <a:xfrm rot="0">
-            <a:off x="6824980" y="2799080"/>
-            <a:ext cx="4132580" cy="2171700"/>
+            <a:off x="6822440" y="2799080"/>
+            <a:ext cx="4135755" cy="2172335"/>
           </a:xfrm>
           <a:prstGeom prst="roundRect"/>
           <a:solidFill>
@@ -9000,7 +9389,7 @@
       </p:sp>
       <p:pic>
         <p:nvPicPr>
-          <p:cNvPr id="1060" name="그림 9" descr="C:/Users/Admin1/AppData/Roaming/PolarisOffice/ETemp/26564_9303048/fImage86202886962.png"/>
+          <p:cNvPr id="1060" name="그림 9"/>
           <p:cNvPicPr>
             <a:picLocks noChangeAspect="1"/>
           </p:cNvPicPr>
@@ -9031,7 +9420,7 @@
       </p:pic>
       <p:pic>
         <p:nvPicPr>
-          <p:cNvPr id="1061" name="그림 10" descr="C:/Users/Admin1/AppData/Roaming/PolarisOffice/ETemp/26564_9303048/fImage483892836334.png"/>
+          <p:cNvPr id="1061" name="그림 10"/>
           <p:cNvPicPr>
             <a:picLocks noChangeAspect="1"/>
           </p:cNvPicPr>
@@ -9239,7 +9628,7 @@
       </p:sp>
       <p:pic>
         <p:nvPicPr>
-          <p:cNvPr id="1064" name="그림 15" descr="C:/Users/Admin1/AppData/Roaming/PolarisOffice/ETemp/26564_9303048/fImage129742866500.png"/>
+          <p:cNvPr id="1064" name="그림 15"/>
           <p:cNvPicPr>
             <a:picLocks noChangeAspect="1"/>
           </p:cNvPicPr>
@@ -9517,8 +9906,8 @@
         </p:nvSpPr>
         <p:spPr>
           <a:xfrm rot="0">
-            <a:off x="6845935" y="5302250"/>
-            <a:ext cx="4119880" cy="923925"/>
+            <a:off x="6830695" y="5302250"/>
+            <a:ext cx="4135755" cy="923925"/>
           </a:xfrm>
           <a:prstGeom prst="rect"/>
           <a:noFill/>
@@ -9602,7 +9991,7 @@
       </p:sp>
       <p:pic>
         <p:nvPicPr>
-          <p:cNvPr id="1207" name="그림 29" descr="C:/Users/Admin1/AppData/Roaming/PolarisOffice/ETemp/26564_9303048/fImage2270692959358.png"/>
+          <p:cNvPr id="1207" name="그림 29" descr="C:/Users/Admin1/AppData/Roaming/PolarisOffice/ETemp/30764_12697280/fImage2270692959358.png"/>
           <p:cNvPicPr>
             <a:picLocks noChangeAspect="1"/>
           </p:cNvPicPr>
@@ -9622,8 +10011,8 @@
         </p:blipFill>
         <p:spPr>
           <a:xfrm rot="0">
-            <a:off x="6850380" y="2548890"/>
-            <a:ext cx="4107180" cy="2516505"/>
+            <a:off x="6822440" y="2548890"/>
+            <a:ext cx="4135755" cy="2517140"/>
           </a:xfrm>
           <a:prstGeom prst="roundRect"/>
           <a:solidFill>
@@ -9641,8 +10030,8 @@
         </p:nvSpPr>
         <p:spPr>
           <a:xfrm rot="0">
-            <a:off x="6847840" y="1445260"/>
-            <a:ext cx="4109720" cy="923925"/>
+            <a:off x="6830695" y="1445260"/>
+            <a:ext cx="4127500" cy="923925"/>
           </a:xfrm>
           <a:prstGeom prst="rect"/>
           <a:noFill/>
@@ -9719,7 +10108,7 @@
       </p:sp>
       <p:pic>
         <p:nvPicPr>
-          <p:cNvPr id="1209" name="그림 26" descr="C:/Users/Admin1/AppData/Roaming/PolarisOffice/ETemp/26564_9303048/fImage292962919169.png"/>
+          <p:cNvPr id="1209" name="그림 26"/>
           <p:cNvPicPr>
             <a:picLocks noChangeAspect="1"/>
           </p:cNvPicPr>
@@ -9899,6 +10288,1730 @@
 </file>
 
 <file path=ppt/slides/slide13.xml><?xml version="1.0" encoding="utf-8"?>
+<p:sld xmlns:a="http://schemas.openxmlformats.org/drawingml/2006/main" xmlns:r="http://schemas.openxmlformats.org/officeDocument/2006/relationships" xmlns:p="http://schemas.openxmlformats.org/presentationml/2006/main">
+  <p:cSld>
+    <p:spTree>
+      <p:nvGrpSpPr>
+        <p:cNvPr id="1" name=""/>
+        <p:cNvGrpSpPr/>
+        <p:nvPr/>
+      </p:nvGrpSpPr>
+      <p:grpSpPr>
+        <a:xfrm>
+          <a:off x="0" y="0"/>
+          <a:ext cx="0" cy="0"/>
+          <a:chOff x="0" y="0"/>
+          <a:chExt cx="0" cy="0"/>
+        </a:xfrm>
+      </p:grpSpPr>
+      <p:sp>
+        <p:nvSpPr>
+          <p:cNvPr id="1031" name="Rect 0"/>
+          <p:cNvSpPr txBox="1">
+            <a:spLocks/>
+          </p:cNvSpPr>
+          <p:nvPr/>
+        </p:nvSpPr>
+        <p:spPr>
+          <a:xfrm rot="0">
+            <a:off x="4232275" y="396240"/>
+            <a:ext cx="3719830" cy="478155"/>
+          </a:xfrm>
+          <a:prstGeom prst="rect"/>
+          <a:noFill/>
+          <a:ln w="0">
+            <a:noFill/>
+            <a:prstDash/>
+          </a:ln>
+        </p:spPr>
+        <p:txBody>
+          <a:bodyPr wrap="square" lIns="89535" tIns="46355" rIns="89535" bIns="46355" numCol="1" vert="horz" anchor="t">
+            <a:spAutoFit/>
+          </a:bodyPr>
+          <a:lstStyle/>
+          <a:p>
+            <a:pPr marL="0" indent="0" algn="ctr" latinLnBrk="0">
+              <a:buFontTx/>
+              <a:buNone/>
+            </a:pPr>
+            <a:r>
+              <a:rPr lang="ko-KR" altLang="en-US" sz="2500" b="1">
+                <a:solidFill>
+                  <a:schemeClr val="tx1"/>
+                </a:solidFill>
+                <a:latin typeface="나눔바른고딕" charset="0"/>
+                <a:ea typeface="나눔바른고딕" charset="0"/>
+              </a:rPr>
+              <a:t>열세</a:t>
+            </a:r>
+            <a:r>
+              <a:rPr lang="ko-KR" altLang="en-US" sz="2500" b="1">
+                <a:solidFill>
+                  <a:schemeClr val="tx1"/>
+                </a:solidFill>
+                <a:latin typeface="나눔바른고딕" charset="0"/>
+                <a:ea typeface="나눔바른고딕" charset="0"/>
+              </a:rPr>
+              <a:t> 번째 튜토리얼</a:t>
+            </a:r>
+            <a:endParaRPr lang="ko-KR" altLang="en-US" sz="2500" b="1">
+              <a:solidFill>
+                <a:schemeClr val="tx1"/>
+              </a:solidFill>
+              <a:latin typeface="나눔바른고딕" charset="0"/>
+              <a:ea typeface="나눔바른고딕" charset="0"/>
+            </a:endParaRPr>
+          </a:p>
+        </p:txBody>
+      </p:sp>
+      <p:sp>
+        <p:nvSpPr>
+          <p:cNvPr id="1210" name="Rect 0"/>
+          <p:cNvSpPr txBox="1">
+            <a:spLocks/>
+          </p:cNvSpPr>
+          <p:nvPr/>
+        </p:nvSpPr>
+        <p:spPr>
+          <a:xfrm rot="0">
+            <a:off x="1249045" y="5267325"/>
+            <a:ext cx="4127500" cy="954405"/>
+          </a:xfrm>
+          <a:prstGeom prst="rect"/>
+          <a:noFill/>
+          <a:ln w="0">
+            <a:noFill/>
+            <a:prstDash/>
+          </a:ln>
+        </p:spPr>
+        <p:txBody>
+          <a:bodyPr wrap="square" lIns="89535" tIns="46355" rIns="89535" bIns="46355" numCol="1" vert="horz" anchor="t">
+            <a:spAutoFit/>
+          </a:bodyPr>
+          <a:lstStyle/>
+          <a:p>
+            <a:pPr marL="0" indent="0" algn="l" latinLnBrk="0" hangingPunct="1">
+              <a:buFontTx/>
+              <a:buNone/>
+            </a:pPr>
+            <a:r>
+              <a:rPr lang="ko-KR" sz="2000" b="1">
+                <a:solidFill>
+                  <a:srgbClr val="0611F2"/>
+                </a:solidFill>
+                <a:latin typeface="맑은 고딕" charset="0"/>
+                <a:ea typeface="맑은 고딕" charset="0"/>
+              </a:rPr>
+              <a:t>3</a:t>
+            </a:r>
+            <a:r>
+              <a:rPr lang="ko-KR" sz="2000" b="1">
+                <a:solidFill>
+                  <a:srgbClr val="0611F2"/>
+                </a:solidFill>
+                <a:latin typeface="맑은 고딕" charset="0"/>
+                <a:ea typeface="맑은 고딕" charset="0"/>
+              </a:rPr>
+              <a:t>3</a:t>
+            </a:r>
+            <a:r>
+              <a:rPr lang="ko-KR" sz="2000" b="1">
+                <a:solidFill>
+                  <a:srgbClr val="0611F2"/>
+                </a:solidFill>
+                <a:latin typeface="맑은 고딕" charset="0"/>
+                <a:ea typeface="맑은 고딕" charset="0"/>
+              </a:rPr>
+              <a:t>.</a:t>
+            </a:r>
+            <a:r>
+              <a:rPr lang="ko-KR" sz="2000" b="1">
+                <a:solidFill>
+                  <a:srgbClr val="0611F2"/>
+                </a:solidFill>
+                <a:latin typeface="맑은 고딕" charset="0"/>
+                <a:ea typeface="맑은 고딕" charset="0"/>
+              </a:rPr>
+              <a:t> </a:t>
+            </a:r>
+            <a:r>
+              <a:rPr lang="ko-KR" sz="1800">
+                <a:latin typeface="맑은 고딕" charset="0"/>
+                <a:ea typeface="맑은 고딕" charset="0"/>
+              </a:rPr>
+              <a:t>그리고 Patrol 스크립트에서 </a:t>
+            </a:r>
+            <a:r>
+              <a:rPr lang="ko-KR" sz="1800">
+                <a:latin typeface="맑은 고딕" charset="0"/>
+                <a:ea typeface="맑은 고딕" charset="0"/>
+              </a:rPr>
+              <a:t>Vector3</a:t>
+            </a:r>
+            <a:r>
+              <a:rPr lang="ko-KR" sz="1800">
+                <a:latin typeface="맑은 고딕" charset="0"/>
+                <a:ea typeface="맑은 고딕" charset="0"/>
+              </a:rPr>
+              <a:t> </a:t>
+            </a:r>
+            <a:r>
+              <a:rPr lang="ko-KR" sz="1800">
+                <a:latin typeface="맑은 고딕" charset="0"/>
+                <a:ea typeface="맑은 고딕" charset="0"/>
+              </a:rPr>
+              <a:t>변수를 선언한 다음 </a:t>
+            </a:r>
+            <a:r>
+              <a:rPr lang="ko-KR" sz="1800">
+                <a:latin typeface="맑은 고딕" charset="0"/>
+                <a:ea typeface="맑은 고딕" charset="0"/>
+              </a:rPr>
+              <a:t>Vector3.forward</a:t>
+            </a:r>
+            <a:r>
+              <a:rPr lang="ko-KR" sz="1800">
+                <a:latin typeface="맑은 고딕" charset="0"/>
+                <a:ea typeface="맑은 고딕" charset="0"/>
+              </a:rPr>
+              <a:t> 값을 저장합니다.</a:t>
+            </a:r>
+            <a:endParaRPr lang="ko-KR" altLang="en-US" sz="1800">
+              <a:latin typeface="맑은 고딕" charset="0"/>
+              <a:ea typeface="맑은 고딕" charset="0"/>
+            </a:endParaRPr>
+          </a:p>
+        </p:txBody>
+      </p:sp>
+      <p:pic>
+        <p:nvPicPr>
+          <p:cNvPr id="1211" name="그림 1" descr="C:/Users/Admin1/AppData/Roaming/PolarisOffice/ETemp/30764_12697280/fImage920929741.png"/>
+          <p:cNvPicPr>
+            <a:picLocks noChangeAspect="1"/>
+          </p:cNvPicPr>
+          <p:nvPr/>
+        </p:nvPicPr>
+        <p:blipFill rotWithShape="1">
+          <a:blip r:embed="rId2" cstate="print">
+            <a:extLst>
+              <a:ext uri="{28A0092B-C50C-407E-A947-70E740481C1C}">
+                <a14:useLocalDpi xmlns:a14="http://schemas.microsoft.com/office/drawing/2010/main" val="0"/>
+              </a:ext>
+            </a:extLst>
+          </a:blip>
+          <a:stretch>
+            <a:fillRect/>
+          </a:stretch>
+        </p:blipFill>
+        <p:spPr>
+          <a:xfrm rot="0">
+            <a:off x="2584450" y="1455420"/>
+            <a:ext cx="2791460" cy="1137920"/>
+          </a:xfrm>
+          <a:prstGeom prst="roundRect"/>
+          <a:solidFill>
+            <a:srgbClr val="EDEDED"/>
+          </a:solidFill>
+        </p:spPr>
+      </p:pic>
+      <p:pic>
+        <p:nvPicPr>
+          <p:cNvPr id="1212" name="그림 4" descr="C:/Users/Admin1/AppData/Roaming/PolarisOffice/ETemp/30764_12697280/fImage112892988467.png"/>
+          <p:cNvPicPr>
+            <a:picLocks noChangeAspect="1"/>
+          </p:cNvPicPr>
+          <p:nvPr/>
+        </p:nvPicPr>
+        <p:blipFill rotWithShape="1">
+          <a:blip r:embed="rId3" cstate="print">
+            <a:extLst>
+              <a:ext uri="{28A0092B-C50C-407E-A947-70E740481C1C}">
+                <a14:useLocalDpi xmlns:a14="http://schemas.microsoft.com/office/drawing/2010/main" val="0"/>
+              </a:ext>
+            </a:extLst>
+          </a:blip>
+          <a:stretch>
+            <a:fillRect/>
+          </a:stretch>
+        </p:blipFill>
+        <p:spPr>
+          <a:xfrm rot="0">
+            <a:off x="1257935" y="1455420"/>
+            <a:ext cx="1223645" cy="1147445"/>
+          </a:xfrm>
+          <a:prstGeom prst="roundRect"/>
+          <a:solidFill>
+            <a:srgbClr val="EDEDED"/>
+          </a:solidFill>
+        </p:spPr>
+      </p:pic>
+      <p:sp>
+        <p:nvSpPr>
+          <p:cNvPr id="1213" name="텍스트 상자 7"/>
+          <p:cNvSpPr txBox="1">
+            <a:spLocks/>
+          </p:cNvSpPr>
+          <p:nvPr/>
+        </p:nvSpPr>
+        <p:spPr>
+          <a:xfrm rot="0">
+            <a:off x="1251585" y="2686050"/>
+            <a:ext cx="4115435" cy="1231265"/>
+          </a:xfrm>
+          <a:prstGeom prst="rect"/>
+          <a:noFill/>
+          <a:ln w="0">
+            <a:noFill/>
+            <a:prstDash/>
+          </a:ln>
+        </p:spPr>
+        <p:txBody>
+          <a:bodyPr wrap="square" lIns="89535" tIns="46355" rIns="89535" bIns="46355" numCol="1" vert="horz" anchor="t">
+            <a:spAutoFit/>
+          </a:bodyPr>
+          <a:lstStyle/>
+          <a:p>
+            <a:pPr marL="0" indent="0" algn="l" latinLnBrk="0" hangingPunct="1">
+              <a:buFontTx/>
+              <a:buNone/>
+            </a:pPr>
+            <a:r>
+              <a:rPr lang="ko-KR" sz="2000" b="1">
+                <a:solidFill>
+                  <a:srgbClr val="0611F2"/>
+                </a:solidFill>
+                <a:latin typeface="맑은 고딕" charset="0"/>
+                <a:ea typeface="맑은 고딕" charset="0"/>
+              </a:rPr>
+              <a:t>32.</a:t>
+            </a:r>
+            <a:r>
+              <a:rPr lang="ko-KR" sz="2000" b="1">
+                <a:solidFill>
+                  <a:srgbClr val="0611F2"/>
+                </a:solidFill>
+                <a:latin typeface="맑은 고딕" charset="0"/>
+                <a:ea typeface="맑은 고딕" charset="0"/>
+              </a:rPr>
+              <a:t> </a:t>
+            </a:r>
+            <a:r>
+              <a:rPr lang="ko-KR" sz="1800">
+                <a:latin typeface="맑은 고딕" charset="0"/>
+                <a:ea typeface="맑은 고딕" charset="0"/>
+              </a:rPr>
+              <a:t>이제 Project 폴더 아래에 있는 </a:t>
+            </a:r>
+            <a:r>
+              <a:rPr lang="ko-KR" sz="1800">
+                <a:latin typeface="맑은 고딕" charset="0"/>
+                <a:ea typeface="맑은 고딕" charset="0"/>
+              </a:rPr>
+              <a:t>Model</a:t>
+            </a:r>
+            <a:r>
+              <a:rPr lang="ko-KR" sz="1800">
+                <a:latin typeface="맑은 고딕" charset="0"/>
+                <a:ea typeface="맑은 고딕" charset="0"/>
+              </a:rPr>
+              <a:t> 폴더에 House 오브젝트를 </a:t>
+            </a:r>
+            <a:r>
+              <a:rPr lang="ko-KR" sz="1800">
+                <a:latin typeface="맑은 고딕" charset="0"/>
+                <a:ea typeface="맑은 고딕" charset="0"/>
+              </a:rPr>
+              <a:t>월드</a:t>
+            </a:r>
+            <a:r>
+              <a:rPr lang="ko-KR" sz="1800">
+                <a:latin typeface="맑은 고딕" charset="0"/>
+                <a:ea typeface="맑은 고딕" charset="0"/>
+              </a:rPr>
+              <a:t> </a:t>
+            </a:r>
+            <a:r>
+              <a:rPr lang="ko-KR" sz="1800">
+                <a:latin typeface="맑은 고딕" charset="0"/>
+                <a:ea typeface="맑은 고딕" charset="0"/>
+              </a:rPr>
+              <a:t>공간에</a:t>
+            </a:r>
+            <a:r>
+              <a:rPr lang="ko-KR" sz="1800">
+                <a:latin typeface="맑은 고딕" charset="0"/>
+                <a:ea typeface="맑은 고딕" charset="0"/>
+              </a:rPr>
+              <a:t> </a:t>
+            </a:r>
+            <a:r>
+              <a:rPr lang="ko-KR" sz="1800">
+                <a:latin typeface="맑은 고딕" charset="0"/>
+                <a:ea typeface="맑은 고딕" charset="0"/>
+              </a:rPr>
+              <a:t>배치한 다음 Center </a:t>
+            </a:r>
+            <a:r>
+              <a:rPr lang="ko-KR" sz="1800">
+                <a:latin typeface="맑은 고딕" charset="0"/>
+                <a:ea typeface="맑은 고딕" charset="0"/>
+              </a:rPr>
+              <a:t>House라는</a:t>
+            </a:r>
+            <a:r>
+              <a:rPr lang="ko-KR" sz="1800">
+                <a:latin typeface="맑은 고딕" charset="0"/>
+                <a:ea typeface="맑은 고딕" charset="0"/>
+              </a:rPr>
+              <a:t> 이름으</a:t>
+            </a:r>
+            <a:r>
+              <a:rPr lang="ko-KR" sz="1800">
+                <a:latin typeface="맑은 고딕" charset="0"/>
+                <a:ea typeface="맑은 고딕" charset="0"/>
+              </a:rPr>
+              <a:t>로 </a:t>
+            </a:r>
+            <a:r>
+              <a:rPr lang="ko-KR" sz="1800">
+                <a:latin typeface="맑은 고딕" charset="0"/>
+                <a:ea typeface="맑은 고딕" charset="0"/>
+              </a:rPr>
+              <a:t>정의합니다.</a:t>
+            </a:r>
+            <a:endParaRPr lang="ko-KR" altLang="en-US" sz="1800">
+              <a:latin typeface="맑은 고딕" charset="0"/>
+              <a:ea typeface="맑은 고딕" charset="0"/>
+            </a:endParaRPr>
+          </a:p>
+        </p:txBody>
+      </p:sp>
+      <p:pic>
+        <p:nvPicPr>
+          <p:cNvPr id="1214" name="그림 8" descr="C:/Users/Admin1/AppData/Roaming/PolarisOffice/ETemp/30764_12697280/fImage2242172146334.png"/>
+          <p:cNvPicPr>
+            <a:picLocks noChangeAspect="1"/>
+          </p:cNvPicPr>
+          <p:nvPr/>
+        </p:nvPicPr>
+        <p:blipFill rotWithShape="1">
+          <a:blip r:embed="rId4" cstate="hqprint">
+            <a:extLst>
+              <a:ext uri="{28A0092B-C50C-407E-A947-70E740481C1C}">
+                <a14:useLocalDpi xmlns:a14="http://schemas.microsoft.com/office/drawing/2010/main"/>
+              </a:ext>
+            </a:extLst>
+          </a:blip>
+          <a:stretch>
+            <a:fillRect/>
+          </a:stretch>
+        </p:blipFill>
+        <p:spPr>
+          <a:xfrm rot="10800000">
+            <a:off x="2162175" y="1852930"/>
+            <a:ext cx="625475" cy="351790"/>
+          </a:xfrm>
+          <a:prstGeom prst="rect"/>
+          <a:noFill/>
+        </p:spPr>
+      </p:pic>
+      <p:pic>
+        <p:nvPicPr>
+          <p:cNvPr id="1215" name="그림 11" descr="C:/Users/Admin1/AppData/Roaming/PolarisOffice/ETemp/30764_12697280/fImage389673036334.png"/>
+          <p:cNvPicPr>
+            <a:picLocks noChangeAspect="1"/>
+          </p:cNvPicPr>
+          <p:nvPr/>
+        </p:nvPicPr>
+        <p:blipFill rotWithShape="1">
+          <a:blip r:embed="rId5" cstate="print">
+            <a:extLst>
+              <a:ext uri="{28A0092B-C50C-407E-A947-70E740481C1C}">
+                <a14:useLocalDpi xmlns:a14="http://schemas.microsoft.com/office/drawing/2010/main" val="0"/>
+              </a:ext>
+            </a:extLst>
+          </a:blip>
+          <a:stretch>
+            <a:fillRect/>
+          </a:stretch>
+        </p:blipFill>
+        <p:spPr>
+          <a:xfrm rot="0">
+            <a:off x="1252220" y="4065905"/>
+            <a:ext cx="4114800" cy="1120140"/>
+          </a:xfrm>
+          <a:prstGeom prst="roundRect"/>
+          <a:solidFill>
+            <a:srgbClr val="EDEDED"/>
+          </a:solidFill>
+        </p:spPr>
+      </p:pic>
+      <p:pic>
+        <p:nvPicPr>
+          <p:cNvPr id="1216" name="그림 14" descr="C:/Users/Admin1/AppData/Roaming/PolarisOffice/ETemp/30764_12697280/fImage941663046500.png"/>
+          <p:cNvPicPr>
+            <a:picLocks noChangeAspect="1"/>
+          </p:cNvPicPr>
+          <p:nvPr/>
+        </p:nvPicPr>
+        <p:blipFill rotWithShape="1">
+          <a:blip r:embed="rId6" cstate="print">
+            <a:extLst>
+              <a:ext uri="{28A0092B-C50C-407E-A947-70E740481C1C}">
+                <a14:useLocalDpi xmlns:a14="http://schemas.microsoft.com/office/drawing/2010/main" val="0"/>
+              </a:ext>
+            </a:extLst>
+          </a:blip>
+          <a:stretch>
+            <a:fillRect/>
+          </a:stretch>
+        </p:blipFill>
+        <p:spPr>
+          <a:xfrm rot="0">
+            <a:off x="6830695" y="1455420"/>
+            <a:ext cx="4126865" cy="2550795"/>
+          </a:xfrm>
+          <a:prstGeom prst="roundRect"/>
+          <a:solidFill>
+            <a:srgbClr val="EDEDED"/>
+          </a:solidFill>
+        </p:spPr>
+      </p:pic>
+      <p:sp>
+        <p:nvSpPr>
+          <p:cNvPr id="1217" name="텍스트 상자 17"/>
+          <p:cNvSpPr txBox="1">
+            <a:spLocks/>
+          </p:cNvSpPr>
+          <p:nvPr/>
+        </p:nvSpPr>
+        <p:spPr>
+          <a:xfrm rot="0">
+            <a:off x="6830695" y="4159250"/>
+            <a:ext cx="4123690" cy="2061845"/>
+          </a:xfrm>
+          <a:prstGeom prst="rect"/>
+          <a:noFill/>
+          <a:ln w="0">
+            <a:noFill/>
+            <a:prstDash/>
+          </a:ln>
+        </p:spPr>
+        <p:txBody>
+          <a:bodyPr wrap="square" lIns="89535" tIns="46355" rIns="89535" bIns="46355" numCol="1" vert="horz" anchor="t">
+            <a:spAutoFit/>
+          </a:bodyPr>
+          <a:lstStyle/>
+          <a:p>
+            <a:pPr marL="0" indent="0" algn="l" latinLnBrk="0" hangingPunct="1">
+              <a:buFontTx/>
+              <a:buNone/>
+            </a:pPr>
+            <a:r>
+              <a:rPr lang="ko-KR" sz="2000" b="1">
+                <a:solidFill>
+                  <a:srgbClr val="0611F2"/>
+                </a:solidFill>
+                <a:latin typeface="맑은 고딕" charset="0"/>
+                <a:ea typeface="맑은 고딕" charset="0"/>
+              </a:rPr>
+              <a:t>34.</a:t>
+            </a:r>
+            <a:r>
+              <a:rPr lang="ko-KR" sz="2000" b="1">
+                <a:solidFill>
+                  <a:srgbClr val="0611F2"/>
+                </a:solidFill>
+                <a:latin typeface="맑은 고딕" charset="0"/>
+                <a:ea typeface="맑은 고딕" charset="0"/>
+              </a:rPr>
+              <a:t> </a:t>
+            </a:r>
+            <a:r>
+              <a:rPr lang="ko-KR" sz="1800">
+                <a:latin typeface="맑은 고딕" charset="0"/>
+                <a:ea typeface="맑은 고딕" charset="0"/>
+              </a:rPr>
+              <a:t>그런 다음 Update( ) 함수에서 </a:t>
+            </a:r>
+            <a:r>
+              <a:rPr lang="ko-KR" sz="1800">
+                <a:latin typeface="맑은 고딕" charset="0"/>
+                <a:ea typeface="맑은 고딕" charset="0"/>
+              </a:rPr>
+              <a:t>설정</a:t>
+            </a:r>
+            <a:r>
+              <a:rPr lang="ko-KR" sz="1800">
+                <a:latin typeface="맑은 고딕" charset="0"/>
+                <a:ea typeface="맑은 고딕" charset="0"/>
+              </a:rPr>
+              <a:t>한</a:t>
+            </a:r>
+            <a:r>
+              <a:rPr lang="ko-KR" sz="1800">
+                <a:latin typeface="맑은 고딕" charset="0"/>
+                <a:ea typeface="맑은 고딕" charset="0"/>
+              </a:rPr>
+              <a:t> </a:t>
+            </a:r>
+            <a:r>
+              <a:rPr lang="ko-KR" sz="1800">
+                <a:latin typeface="맑은 고딕" charset="0"/>
+                <a:ea typeface="맑은 고딕" charset="0"/>
+              </a:rPr>
+              <a:t>방향에 따라 일정한 속도로 </a:t>
+            </a:r>
+            <a:r>
+              <a:rPr lang="ko-KR" sz="1800">
+                <a:latin typeface="맑은 고딕" charset="0"/>
+                <a:ea typeface="맑은 고딕" charset="0"/>
+              </a:rPr>
+              <a:t>이동하도</a:t>
+            </a:r>
+            <a:r>
+              <a:rPr lang="ko-KR" sz="1800">
+                <a:latin typeface="맑은 고딕" charset="0"/>
+                <a:ea typeface="맑은 고딕" charset="0"/>
+              </a:rPr>
+              <a:t>록</a:t>
+            </a:r>
+            <a:r>
+              <a:rPr lang="ko-KR" sz="1800">
+                <a:latin typeface="맑은 고딕" charset="0"/>
+                <a:ea typeface="맑은 고딕" charset="0"/>
+              </a:rPr>
+              <a:t> </a:t>
+            </a:r>
+            <a:r>
+              <a:rPr lang="ko-KR" sz="1800">
+                <a:latin typeface="맑은 고딕" charset="0"/>
+                <a:ea typeface="맑은 고딕" charset="0"/>
+              </a:rPr>
+              <a:t>설정합니다.</a:t>
+            </a:r>
+            <a:endParaRPr lang="ko-KR" altLang="en-US" sz="1800">
+              <a:latin typeface="맑은 고딕" charset="0"/>
+              <a:ea typeface="맑은 고딕" charset="0"/>
+            </a:endParaRPr>
+          </a:p>
+          <a:p>
+            <a:pPr marL="0" indent="0" algn="l" latinLnBrk="0" hangingPunct="1">
+              <a:buFontTx/>
+              <a:buNone/>
+            </a:pPr>
+            <a:endParaRPr lang="ko-KR" altLang="en-US" sz="1800">
+              <a:latin typeface="맑은 고딕" charset="0"/>
+              <a:ea typeface="맑은 고딕" charset="0"/>
+            </a:endParaRPr>
+          </a:p>
+          <a:p>
+            <a:pPr marL="0" indent="0" algn="l" latinLnBrk="0" hangingPunct="1">
+              <a:buFontTx/>
+              <a:buNone/>
+            </a:pPr>
+            <a:r>
+              <a:rPr lang="ko-KR" sz="1800">
+                <a:latin typeface="맑은 고딕" charset="0"/>
+                <a:ea typeface="맑은 고딕" charset="0"/>
+              </a:rPr>
+              <a:t>그다</a:t>
+            </a:r>
+            <a:r>
+              <a:rPr lang="ko-KR" sz="1800">
+                <a:latin typeface="맑은 고딕" charset="0"/>
+                <a:ea typeface="맑은 고딕" charset="0"/>
+              </a:rPr>
+              <a:t>음으로</a:t>
+            </a:r>
+            <a:r>
+              <a:rPr lang="ko-KR" sz="1800">
+                <a:latin typeface="맑은 고딕" charset="0"/>
+                <a:ea typeface="맑은 고딕" charset="0"/>
+              </a:rPr>
+              <a:t> </a:t>
+            </a:r>
+            <a:r>
+              <a:rPr lang="ko-KR" sz="1800">
+                <a:latin typeface="맑은 고딕" charset="0"/>
+                <a:ea typeface="맑은 고딕" charset="0"/>
+              </a:rPr>
+              <a:t>자신의 x 위치 좌표에 따라 </a:t>
+            </a:r>
+            <a:r>
+              <a:rPr lang="ko-KR" sz="1800">
+                <a:latin typeface="맑은 고딕" charset="0"/>
+                <a:ea typeface="맑은 고딕" charset="0"/>
+              </a:rPr>
+              <a:t>direction</a:t>
+            </a:r>
+            <a:r>
+              <a:rPr lang="ko-KR" sz="1800">
+                <a:latin typeface="맑은 고딕" charset="0"/>
+                <a:ea typeface="맑은 고딕" charset="0"/>
+              </a:rPr>
+              <a:t> 변수</a:t>
+            </a:r>
+            <a:r>
+              <a:rPr lang="ko-KR" sz="1800">
+                <a:latin typeface="맑은 고딕" charset="0"/>
+                <a:ea typeface="맑은 고딕" charset="0"/>
+              </a:rPr>
+              <a:t>에 </a:t>
+            </a:r>
+            <a:r>
+              <a:rPr lang="ko-KR" sz="1800">
+                <a:latin typeface="맑은 고딕" charset="0"/>
+                <a:ea typeface="맑은 고딕" charset="0"/>
+              </a:rPr>
+              <a:t>새로운 값이 </a:t>
+            </a:r>
+            <a:r>
+              <a:rPr lang="ko-KR" sz="1800">
+                <a:latin typeface="맑은 고딕" charset="0"/>
+                <a:ea typeface="맑은 고딕" charset="0"/>
+              </a:rPr>
+              <a:t>저장되도록</a:t>
+            </a:r>
+            <a:r>
+              <a:rPr lang="ko-KR" sz="1800">
+                <a:latin typeface="맑은 고딕" charset="0"/>
+                <a:ea typeface="맑은 고딕" charset="0"/>
+              </a:rPr>
+              <a:t> 설정합니</a:t>
+            </a:r>
+            <a:r>
+              <a:rPr lang="ko-KR" sz="1800">
+                <a:latin typeface="맑은 고딕" charset="0"/>
+                <a:ea typeface="맑은 고딕" charset="0"/>
+              </a:rPr>
+              <a:t>다.</a:t>
+            </a:r>
+            <a:endParaRPr lang="ko-KR" altLang="en-US" sz="1800">
+              <a:latin typeface="맑은 고딕" charset="0"/>
+              <a:ea typeface="맑은 고딕" charset="0"/>
+            </a:endParaRPr>
+          </a:p>
+        </p:txBody>
+      </p:sp>
+    </p:spTree>
+  </p:cSld>
+  <p:clrMapOvr>
+    <a:masterClrMapping/>
+  </p:clrMapOvr>
+  <mc:AlternateContent xmlns:mc="http://schemas.openxmlformats.org/markup-compatibility/2006">
+    <mc:Choice xmlns:p14="http://schemas.microsoft.com/office/powerpoint/2010/main" Requires="p14">
+      <p:transition spd="slow" p14:dur="2000"/>
+    </mc:Choice>
+    <mc:Fallback>
+      <p:transition spd="slow"/>
+    </mc:Fallback>
+  </mc:AlternateContent>
+  <p:timing>
+    <p:tnLst>
+      <p:par>
+        <p:cTn id="1" dur="indefinite" restart="never" nodeType="tmRoot"/>
+      </p:par>
+    </p:tnLst>
+  </p:timing>
+</p:sld>
+</file>
+
+<file path=ppt/slides/slide14.xml><?xml version="1.0" encoding="utf-8"?>
+<p:sld xmlns:a="http://schemas.openxmlformats.org/drawingml/2006/main" xmlns:r="http://schemas.openxmlformats.org/officeDocument/2006/relationships" xmlns:p="http://schemas.openxmlformats.org/presentationml/2006/main">
+  <p:cSld>
+    <p:spTree>
+      <p:nvGrpSpPr>
+        <p:cNvPr id="1" name=""/>
+        <p:cNvGrpSpPr/>
+        <p:nvPr/>
+      </p:nvGrpSpPr>
+      <p:grpSpPr>
+        <a:xfrm>
+          <a:off x="0" y="0"/>
+          <a:ext cx="0" cy="0"/>
+          <a:chOff x="0" y="0"/>
+          <a:chExt cx="0" cy="0"/>
+        </a:xfrm>
+      </p:grpSpPr>
+      <p:sp>
+        <p:nvSpPr>
+          <p:cNvPr id="1031" name="Rect 0"/>
+          <p:cNvSpPr txBox="1">
+            <a:spLocks/>
+          </p:cNvSpPr>
+          <p:nvPr/>
+        </p:nvSpPr>
+        <p:spPr>
+          <a:xfrm rot="0">
+            <a:off x="4232275" y="396240"/>
+            <a:ext cx="3719830" cy="478155"/>
+          </a:xfrm>
+          <a:prstGeom prst="rect"/>
+          <a:noFill/>
+          <a:ln w="0">
+            <a:noFill/>
+            <a:prstDash/>
+          </a:ln>
+        </p:spPr>
+        <p:txBody>
+          <a:bodyPr wrap="square" lIns="89535" tIns="46355" rIns="89535" bIns="46355" numCol="1" vert="horz" anchor="t">
+            <a:spAutoFit/>
+          </a:bodyPr>
+          <a:lstStyle/>
+          <a:p>
+            <a:pPr marL="0" indent="0" algn="ctr" latinLnBrk="0">
+              <a:buFontTx/>
+              <a:buNone/>
+            </a:pPr>
+            <a:r>
+              <a:rPr lang="ko-KR" altLang="en-US" sz="2500" b="1">
+                <a:solidFill>
+                  <a:schemeClr val="tx1"/>
+                </a:solidFill>
+                <a:latin typeface="나눔바른고딕" charset="0"/>
+                <a:ea typeface="나눔바른고딕" charset="0"/>
+              </a:rPr>
+              <a:t>열네</a:t>
+            </a:r>
+            <a:r>
+              <a:rPr lang="ko-KR" altLang="en-US" sz="2500" b="1">
+                <a:solidFill>
+                  <a:schemeClr val="tx1"/>
+                </a:solidFill>
+                <a:latin typeface="나눔바른고딕" charset="0"/>
+                <a:ea typeface="나눔바른고딕" charset="0"/>
+              </a:rPr>
+              <a:t> 번째 튜토리얼</a:t>
+            </a:r>
+            <a:endParaRPr lang="ko-KR" altLang="en-US" sz="2500" b="1">
+              <a:solidFill>
+                <a:schemeClr val="tx1"/>
+              </a:solidFill>
+              <a:latin typeface="나눔바른고딕" charset="0"/>
+              <a:ea typeface="나눔바른고딕" charset="0"/>
+            </a:endParaRPr>
+          </a:p>
+        </p:txBody>
+      </p:sp>
+      <p:sp>
+        <p:nvSpPr>
+          <p:cNvPr id="1210" name="Rect 0"/>
+          <p:cNvSpPr txBox="1">
+            <a:spLocks/>
+          </p:cNvSpPr>
+          <p:nvPr/>
+        </p:nvSpPr>
+        <p:spPr>
+          <a:xfrm rot="0">
+            <a:off x="1255395" y="5233035"/>
+            <a:ext cx="4137660" cy="954405"/>
+          </a:xfrm>
+          <a:prstGeom prst="rect"/>
+          <a:noFill/>
+          <a:ln w="0">
+            <a:noFill/>
+            <a:prstDash/>
+          </a:ln>
+        </p:spPr>
+        <p:txBody>
+          <a:bodyPr wrap="square" lIns="89535" tIns="46355" rIns="89535" bIns="46355" numCol="1" vert="horz" anchor="t">
+            <a:spAutoFit/>
+          </a:bodyPr>
+          <a:lstStyle/>
+          <a:p>
+            <a:pPr marL="0" indent="0" algn="l" latinLnBrk="0" hangingPunct="1">
+              <a:buFontTx/>
+              <a:buNone/>
+            </a:pPr>
+            <a:r>
+              <a:rPr lang="ko-KR" sz="2000" b="1">
+                <a:solidFill>
+                  <a:srgbClr val="0611F2"/>
+                </a:solidFill>
+                <a:latin typeface="맑은 고딕" charset="0"/>
+                <a:ea typeface="맑은 고딕" charset="0"/>
+              </a:rPr>
+              <a:t>35.</a:t>
+            </a:r>
+            <a:r>
+              <a:rPr lang="ko-KR" sz="2000" b="1">
+                <a:solidFill>
+                  <a:srgbClr val="0611F2"/>
+                </a:solidFill>
+                <a:latin typeface="맑은 고딕" charset="0"/>
+                <a:ea typeface="맑은 고딕" charset="0"/>
+              </a:rPr>
+              <a:t> </a:t>
+            </a:r>
+            <a:r>
+              <a:rPr lang="ko-KR" sz="1800">
+                <a:latin typeface="맑은 고딕" charset="0"/>
+                <a:ea typeface="맑은 고딕" charset="0"/>
+              </a:rPr>
+              <a:t>그러고 나서 Spot Light </a:t>
+            </a:r>
+            <a:r>
+              <a:rPr lang="ko-KR" sz="1800">
+                <a:latin typeface="맑은 고딕" charset="0"/>
+                <a:ea typeface="맑은 고딕" charset="0"/>
+              </a:rPr>
+              <a:t>오브젝트의</a:t>
+            </a:r>
+            <a:r>
+              <a:rPr lang="ko-KR" sz="1800">
+                <a:latin typeface="맑은 고딕" charset="0"/>
+                <a:ea typeface="맑은 고딕" charset="0"/>
+              </a:rPr>
+              <a:t> </a:t>
+            </a:r>
+            <a:r>
+              <a:rPr lang="ko-KR" sz="1800">
+                <a:latin typeface="맑은 고딕" charset="0"/>
+                <a:ea typeface="맑은 고딕" charset="0"/>
+              </a:rPr>
+              <a:t>Spot Angle 값을 설정한 </a:t>
+            </a:r>
+            <a:r>
+              <a:rPr lang="ko-KR" sz="1800">
+                <a:latin typeface="맑은 고딕" charset="0"/>
+                <a:ea typeface="맑은 고딕" charset="0"/>
+              </a:rPr>
+              <a:t>다</a:t>
+            </a:r>
+            <a:r>
+              <a:rPr lang="ko-KR" sz="1800">
+                <a:latin typeface="맑은 고딕" charset="0"/>
+                <a:ea typeface="맑은 고딕" charset="0"/>
+              </a:rPr>
+              <a:t>음</a:t>
+            </a:r>
+            <a:r>
+              <a:rPr lang="ko-KR" sz="1800">
+                <a:latin typeface="맑은 고딕" charset="0"/>
+                <a:ea typeface="맑은 고딕" charset="0"/>
+              </a:rPr>
+              <a:t> Mode를 Baked로 설정합</a:t>
+            </a:r>
+            <a:r>
+              <a:rPr lang="ko-KR" sz="1800">
+                <a:latin typeface="맑은 고딕" charset="0"/>
+                <a:ea typeface="맑은 고딕" charset="0"/>
+              </a:rPr>
+              <a:t>니다.</a:t>
+            </a:r>
+            <a:endParaRPr lang="ko-KR" altLang="en-US" sz="1800">
+              <a:latin typeface="맑은 고딕" charset="0"/>
+              <a:ea typeface="맑은 고딕" charset="0"/>
+            </a:endParaRPr>
+          </a:p>
+        </p:txBody>
+      </p:sp>
+      <p:pic>
+        <p:nvPicPr>
+          <p:cNvPr id="1218" name="그림 21" descr="C:/Users/Admin1/AppData/Roaming/PolarisOffice/ETemp/30764_12697280/fImage208703199169.png"/>
+          <p:cNvPicPr>
+            <a:picLocks noChangeAspect="1"/>
+          </p:cNvPicPr>
+          <p:nvPr/>
+        </p:nvPicPr>
+        <p:blipFill rotWithShape="1">
+          <a:blip r:embed="rId2" cstate="print">
+            <a:extLst>
+              <a:ext uri="{28A0092B-C50C-407E-A947-70E740481C1C}">
+                <a14:useLocalDpi xmlns:a14="http://schemas.microsoft.com/office/drawing/2010/main" val="0"/>
+              </a:ext>
+            </a:extLst>
+          </a:blip>
+          <a:stretch>
+            <a:fillRect/>
+          </a:stretch>
+        </p:blipFill>
+        <p:spPr>
+          <a:xfrm rot="0">
+            <a:off x="1247775" y="1464310"/>
+            <a:ext cx="4145280" cy="3567430"/>
+          </a:xfrm>
+          <a:prstGeom prst="roundRect"/>
+          <a:solidFill>
+            <a:srgbClr val="EDEDED"/>
+          </a:solidFill>
+        </p:spPr>
+      </p:pic>
+      <p:pic>
+        <p:nvPicPr>
+          <p:cNvPr id="1219" name="그림 24" descr="C:/Users/Admin1/AppData/Roaming/PolarisOffice/ETemp/30764_12697280/fImage210193205724.png"/>
+          <p:cNvPicPr>
+            <a:picLocks noChangeAspect="1"/>
+          </p:cNvPicPr>
+          <p:nvPr/>
+        </p:nvPicPr>
+        <p:blipFill rotWithShape="1">
+          <a:blip r:embed="rId3" cstate="print">
+            <a:extLst>
+              <a:ext uri="{28A0092B-C50C-407E-A947-70E740481C1C}">
+                <a14:useLocalDpi xmlns:a14="http://schemas.microsoft.com/office/drawing/2010/main" val="0"/>
+              </a:ext>
+            </a:extLst>
+          </a:blip>
+          <a:stretch>
+            <a:fillRect/>
+          </a:stretch>
+        </p:blipFill>
+        <p:spPr>
+          <a:xfrm rot="0">
+            <a:off x="6806565" y="1461135"/>
+            <a:ext cx="4156710" cy="3570605"/>
+          </a:xfrm>
+          <a:prstGeom prst="roundRect"/>
+          <a:solidFill>
+            <a:srgbClr val="EDEDED"/>
+          </a:solidFill>
+        </p:spPr>
+      </p:pic>
+      <p:sp>
+        <p:nvSpPr>
+          <p:cNvPr id="1220" name="텍스트 상자 27"/>
+          <p:cNvSpPr txBox="1">
+            <a:spLocks/>
+          </p:cNvSpPr>
+          <p:nvPr/>
+        </p:nvSpPr>
+        <p:spPr>
+          <a:xfrm rot="0">
+            <a:off x="6816725" y="5227320"/>
+            <a:ext cx="4137660" cy="954405"/>
+          </a:xfrm>
+          <a:prstGeom prst="rect"/>
+          <a:noFill/>
+          <a:ln w="0">
+            <a:noFill/>
+            <a:prstDash/>
+          </a:ln>
+        </p:spPr>
+        <p:txBody>
+          <a:bodyPr wrap="square" lIns="89535" tIns="46355" rIns="89535" bIns="46355" numCol="1" vert="horz" anchor="t">
+            <a:spAutoFit/>
+          </a:bodyPr>
+          <a:lstStyle/>
+          <a:p>
+            <a:pPr marL="0" indent="0" algn="l" latinLnBrk="0" hangingPunct="1">
+              <a:buFontTx/>
+              <a:buNone/>
+            </a:pPr>
+            <a:r>
+              <a:rPr lang="ko-KR" sz="2000" b="1">
+                <a:solidFill>
+                  <a:srgbClr val="0611F2"/>
+                </a:solidFill>
+                <a:latin typeface="맑은 고딕" charset="0"/>
+                <a:ea typeface="맑은 고딕" charset="0"/>
+              </a:rPr>
+              <a:t>36.</a:t>
+            </a:r>
+            <a:r>
+              <a:rPr lang="ko-KR" sz="2000" b="1">
+                <a:solidFill>
+                  <a:srgbClr val="0611F2"/>
+                </a:solidFill>
+                <a:latin typeface="맑은 고딕" charset="0"/>
+                <a:ea typeface="맑은 고딕" charset="0"/>
+              </a:rPr>
+              <a:t> </a:t>
+            </a:r>
+            <a:r>
+              <a:rPr lang="ko-KR" sz="1800">
+                <a:latin typeface="맑은 고딕" charset="0"/>
+                <a:ea typeface="맑은 고딕" charset="0"/>
+              </a:rPr>
+              <a:t>이제 Point Light 오브젝트의 </a:t>
+            </a:r>
+            <a:r>
+              <a:rPr lang="ko-KR" sz="1800">
+                <a:latin typeface="맑은 고딕" charset="0"/>
+                <a:ea typeface="맑은 고딕" charset="0"/>
+              </a:rPr>
+              <a:t>Range와</a:t>
+            </a:r>
+            <a:r>
+              <a:rPr lang="ko-KR" sz="1800">
+                <a:latin typeface="맑은 고딕" charset="0"/>
+                <a:ea typeface="맑은 고딕" charset="0"/>
+              </a:rPr>
+              <a:t> </a:t>
+            </a:r>
+            <a:r>
+              <a:rPr lang="ko-KR" sz="1800">
+                <a:latin typeface="맑은 고딕" charset="0"/>
+                <a:ea typeface="맑은 고딕" charset="0"/>
+              </a:rPr>
+              <a:t>Color 값을 설정한 다음 </a:t>
+            </a:r>
+            <a:r>
+              <a:rPr lang="ko-KR" sz="1800">
+                <a:latin typeface="맑은 고딕" charset="0"/>
+                <a:ea typeface="맑은 고딕" charset="0"/>
+              </a:rPr>
+              <a:t>Mode</a:t>
+            </a:r>
+            <a:r>
+              <a:rPr lang="ko-KR" sz="1800">
+                <a:latin typeface="맑은 고딕" charset="0"/>
+                <a:ea typeface="맑은 고딕" charset="0"/>
+              </a:rPr>
+              <a:t>를</a:t>
+            </a:r>
+            <a:r>
+              <a:rPr lang="ko-KR" sz="1800">
+                <a:latin typeface="맑은 고딕" charset="0"/>
+                <a:ea typeface="맑은 고딕" charset="0"/>
+              </a:rPr>
+              <a:t> </a:t>
+            </a:r>
+            <a:r>
+              <a:rPr lang="ko-KR" sz="1800">
+                <a:latin typeface="맑은 고딕" charset="0"/>
+                <a:ea typeface="맑은 고딕" charset="0"/>
+              </a:rPr>
+              <a:t>Baked로 설정합니다.</a:t>
+            </a:r>
+            <a:endParaRPr lang="ko-KR" altLang="en-US" sz="1800">
+              <a:latin typeface="맑은 고딕" charset="0"/>
+              <a:ea typeface="맑은 고딕" charset="0"/>
+            </a:endParaRPr>
+          </a:p>
+        </p:txBody>
+      </p:sp>
+    </p:spTree>
+  </p:cSld>
+  <p:clrMapOvr>
+    <a:masterClrMapping/>
+  </p:clrMapOvr>
+  <mc:AlternateContent xmlns:mc="http://schemas.openxmlformats.org/markup-compatibility/2006">
+    <mc:Choice xmlns:p14="http://schemas.microsoft.com/office/powerpoint/2010/main" Requires="p14">
+      <p:transition spd="slow" p14:dur="2000"/>
+    </mc:Choice>
+    <mc:Fallback>
+      <p:transition spd="slow"/>
+    </mc:Fallback>
+  </mc:AlternateContent>
+  <p:timing>
+    <p:tnLst>
+      <p:par>
+        <p:cTn id="1" dur="indefinite" restart="never" nodeType="tmRoot"/>
+      </p:par>
+    </p:tnLst>
+  </p:timing>
+</p:sld>
+</file>
+
+<file path=ppt/slides/slide15.xml><?xml version="1.0" encoding="utf-8"?>
+<p:sld xmlns:a="http://schemas.openxmlformats.org/drawingml/2006/main" xmlns:r="http://schemas.openxmlformats.org/officeDocument/2006/relationships" xmlns:p="http://schemas.openxmlformats.org/presentationml/2006/main">
+  <p:cSld>
+    <p:spTree>
+      <p:nvGrpSpPr>
+        <p:cNvPr id="1" name=""/>
+        <p:cNvGrpSpPr/>
+        <p:nvPr/>
+      </p:nvGrpSpPr>
+      <p:grpSpPr>
+        <a:xfrm>
+          <a:off x="0" y="0"/>
+          <a:ext cx="0" cy="0"/>
+          <a:chOff x="0" y="0"/>
+          <a:chExt cx="0" cy="0"/>
+        </a:xfrm>
+      </p:grpSpPr>
+      <p:sp>
+        <p:nvSpPr>
+          <p:cNvPr id="1031" name="Rect 0"/>
+          <p:cNvSpPr txBox="1">
+            <a:spLocks/>
+          </p:cNvSpPr>
+          <p:nvPr/>
+        </p:nvSpPr>
+        <p:spPr>
+          <a:xfrm rot="0">
+            <a:off x="4232275" y="396240"/>
+            <a:ext cx="3719830" cy="478155"/>
+          </a:xfrm>
+          <a:prstGeom prst="rect"/>
+          <a:noFill/>
+          <a:ln w="0">
+            <a:noFill/>
+            <a:prstDash/>
+          </a:ln>
+        </p:spPr>
+        <p:txBody>
+          <a:bodyPr wrap="square" lIns="89535" tIns="46355" rIns="89535" bIns="46355" numCol="1" vert="horz" anchor="t">
+            <a:spAutoFit/>
+          </a:bodyPr>
+          <a:lstStyle/>
+          <a:p>
+            <a:pPr marL="0" indent="0" algn="ctr" latinLnBrk="0">
+              <a:buFontTx/>
+              <a:buNone/>
+            </a:pPr>
+            <a:r>
+              <a:rPr lang="ko-KR" altLang="en-US" sz="2500" b="1">
+                <a:solidFill>
+                  <a:schemeClr val="tx1"/>
+                </a:solidFill>
+                <a:latin typeface="나눔바른고딕" charset="0"/>
+                <a:ea typeface="나눔바른고딕" charset="0"/>
+              </a:rPr>
+              <a:t>열다섯</a:t>
+            </a:r>
+            <a:r>
+              <a:rPr lang="ko-KR" altLang="en-US" sz="2500" b="1">
+                <a:solidFill>
+                  <a:schemeClr val="tx1"/>
+                </a:solidFill>
+                <a:latin typeface="나눔바른고딕" charset="0"/>
+                <a:ea typeface="나눔바른고딕" charset="0"/>
+              </a:rPr>
+              <a:t> 번째 튜토리얼</a:t>
+            </a:r>
+            <a:endParaRPr lang="ko-KR" altLang="en-US" sz="2500" b="1">
+              <a:solidFill>
+                <a:schemeClr val="tx1"/>
+              </a:solidFill>
+              <a:latin typeface="나눔바른고딕" charset="0"/>
+              <a:ea typeface="나눔바른고딕" charset="0"/>
+            </a:endParaRPr>
+          </a:p>
+        </p:txBody>
+      </p:sp>
+      <p:sp>
+        <p:nvSpPr>
+          <p:cNvPr id="1210" name="Rect 0"/>
+          <p:cNvSpPr txBox="1">
+            <a:spLocks/>
+          </p:cNvSpPr>
+          <p:nvPr/>
+        </p:nvSpPr>
+        <p:spPr>
+          <a:xfrm rot="0">
+            <a:off x="1246505" y="5267325"/>
+            <a:ext cx="4137660" cy="954405"/>
+          </a:xfrm>
+          <a:prstGeom prst="rect"/>
+          <a:noFill/>
+          <a:ln w="0">
+            <a:noFill/>
+            <a:prstDash/>
+          </a:ln>
+        </p:spPr>
+        <p:txBody>
+          <a:bodyPr wrap="square" lIns="89535" tIns="46355" rIns="89535" bIns="46355" numCol="1" vert="horz" anchor="t">
+            <a:spAutoFit/>
+          </a:bodyPr>
+          <a:lstStyle/>
+          <a:p>
+            <a:pPr marL="0" indent="0" algn="l" latinLnBrk="0" hangingPunct="1">
+              <a:buFontTx/>
+              <a:buNone/>
+            </a:pPr>
+            <a:r>
+              <a:rPr lang="ko-KR" sz="2000" b="1">
+                <a:solidFill>
+                  <a:srgbClr val="0611F2"/>
+                </a:solidFill>
+                <a:latin typeface="맑은 고딕" charset="0"/>
+                <a:ea typeface="맑은 고딕" charset="0"/>
+              </a:rPr>
+              <a:t>37.</a:t>
+            </a:r>
+            <a:r>
+              <a:rPr lang="ko-KR" sz="2000" b="1">
+                <a:solidFill>
+                  <a:srgbClr val="0611F2"/>
+                </a:solidFill>
+                <a:latin typeface="맑은 고딕" charset="0"/>
+                <a:ea typeface="맑은 고딕" charset="0"/>
+              </a:rPr>
+              <a:t> </a:t>
+            </a:r>
+            <a:r>
+              <a:rPr lang="ko-KR" sz="1800">
+                <a:latin typeface="맑은 고딕" charset="0"/>
+                <a:ea typeface="맑은 고딕" charset="0"/>
+              </a:rPr>
+              <a:t>그런 다음 Area Light 오브젝트의 </a:t>
+            </a:r>
+            <a:r>
+              <a:rPr lang="ko-KR" sz="1800">
+                <a:latin typeface="맑은 고딕" charset="0"/>
+                <a:ea typeface="맑은 고딕" charset="0"/>
+              </a:rPr>
+              <a:t>Range와</a:t>
+            </a:r>
+            <a:r>
+              <a:rPr lang="ko-KR" sz="1800">
+                <a:latin typeface="맑은 고딕" charset="0"/>
+                <a:ea typeface="맑은 고딕" charset="0"/>
+              </a:rPr>
+              <a:t> </a:t>
+            </a:r>
+            <a:r>
+              <a:rPr lang="ko-KR" sz="1800">
+                <a:latin typeface="맑은 고딕" charset="0"/>
+                <a:ea typeface="맑은 고딕" charset="0"/>
+              </a:rPr>
+              <a:t>Color 값을 설정하고 </a:t>
+            </a:r>
+            <a:r>
+              <a:rPr lang="ko-KR" sz="1800">
+                <a:latin typeface="맑은 고딕" charset="0"/>
+                <a:ea typeface="맑은 고딕" charset="0"/>
+              </a:rPr>
+              <a:t>Intensity</a:t>
+            </a:r>
+            <a:r>
+              <a:rPr lang="ko-KR" sz="1800">
+                <a:latin typeface="맑은 고딕" charset="0"/>
+                <a:ea typeface="맑은 고딕" charset="0"/>
+              </a:rPr>
+              <a:t> 값을 설정합니다.</a:t>
+            </a:r>
+            <a:endParaRPr lang="ko-KR" altLang="en-US" sz="1800">
+              <a:latin typeface="맑은 고딕" charset="0"/>
+              <a:ea typeface="맑은 고딕" charset="0"/>
+            </a:endParaRPr>
+          </a:p>
+        </p:txBody>
+      </p:sp>
+      <p:sp>
+        <p:nvSpPr>
+          <p:cNvPr id="1220" name="Rect 0"/>
+          <p:cNvSpPr txBox="1">
+            <a:spLocks/>
+          </p:cNvSpPr>
+          <p:nvPr/>
+        </p:nvSpPr>
+        <p:spPr>
+          <a:xfrm rot="0">
+            <a:off x="6807835" y="5538470"/>
+            <a:ext cx="4146550" cy="677545"/>
+          </a:xfrm>
+          <a:prstGeom prst="rect"/>
+          <a:noFill/>
+          <a:ln w="0">
+            <a:noFill/>
+            <a:prstDash/>
+          </a:ln>
+        </p:spPr>
+        <p:txBody>
+          <a:bodyPr wrap="square" lIns="89535" tIns="46355" rIns="89535" bIns="46355" numCol="1" vert="horz" anchor="t">
+            <a:spAutoFit/>
+          </a:bodyPr>
+          <a:lstStyle/>
+          <a:p>
+            <a:pPr marL="0" indent="0" algn="l" latinLnBrk="0" hangingPunct="1">
+              <a:buFontTx/>
+              <a:buNone/>
+            </a:pPr>
+            <a:r>
+              <a:rPr lang="ko-KR" sz="2000" b="1">
+                <a:solidFill>
+                  <a:srgbClr val="0611F2"/>
+                </a:solidFill>
+                <a:latin typeface="맑은 고딕" charset="0"/>
+                <a:ea typeface="맑은 고딕" charset="0"/>
+              </a:rPr>
+              <a:t>39.</a:t>
+            </a:r>
+            <a:r>
+              <a:rPr lang="ko-KR" sz="2000" b="1">
+                <a:solidFill>
+                  <a:srgbClr val="0611F2"/>
+                </a:solidFill>
+                <a:latin typeface="맑은 고딕" charset="0"/>
+                <a:ea typeface="맑은 고딕" charset="0"/>
+              </a:rPr>
+              <a:t> </a:t>
+            </a:r>
+            <a:r>
+              <a:rPr lang="ko-KR" sz="1800">
+                <a:latin typeface="맑은 고딕" charset="0"/>
+                <a:ea typeface="맑은 고딕" charset="0"/>
+              </a:rPr>
+              <a:t>그다음 Center House </a:t>
+            </a:r>
+            <a:r>
+              <a:rPr lang="ko-KR" sz="1800">
+                <a:latin typeface="맑은 고딕" charset="0"/>
+                <a:ea typeface="맑은 고딕" charset="0"/>
+              </a:rPr>
+              <a:t>오브젝트의 </a:t>
+            </a:r>
+            <a:r>
+              <a:rPr lang="ko-KR" sz="1800">
+                <a:latin typeface="맑은 고딕" charset="0"/>
+                <a:ea typeface="맑은 고딕" charset="0"/>
+              </a:rPr>
+              <a:t>위치와</a:t>
+            </a:r>
+            <a:r>
+              <a:rPr lang="ko-KR" sz="1800">
+                <a:latin typeface="맑은 고딕" charset="0"/>
+                <a:ea typeface="맑은 고딕" charset="0"/>
+              </a:rPr>
+              <a:t> 회전 값을 설정합니</a:t>
+            </a:r>
+            <a:r>
+              <a:rPr lang="ko-KR" sz="1800">
+                <a:latin typeface="맑은 고딕" charset="0"/>
+                <a:ea typeface="맑은 고딕" charset="0"/>
+              </a:rPr>
+              <a:t>다.</a:t>
+            </a:r>
+            <a:endParaRPr lang="ko-KR" altLang="en-US" sz="1800">
+              <a:latin typeface="맑은 고딕" charset="0"/>
+              <a:ea typeface="맑은 고딕" charset="0"/>
+            </a:endParaRPr>
+          </a:p>
+        </p:txBody>
+      </p:sp>
+      <p:pic>
+        <p:nvPicPr>
+          <p:cNvPr id="1221" name="그림 28" descr="C:/Users/Admin1/AppData/Roaming/PolarisOffice/ETemp/30764_12697280/fImage201813301478.png"/>
+          <p:cNvPicPr>
+            <a:picLocks noChangeAspect="1"/>
+          </p:cNvPicPr>
+          <p:nvPr/>
+        </p:nvPicPr>
+        <p:blipFill rotWithShape="1">
+          <a:blip r:embed="rId2" cstate="print">
+            <a:extLst>
+              <a:ext uri="{28A0092B-C50C-407E-A947-70E740481C1C}">
+                <a14:useLocalDpi xmlns:a14="http://schemas.microsoft.com/office/drawing/2010/main" val="0"/>
+              </a:ext>
+            </a:extLst>
+          </a:blip>
+          <a:stretch>
+            <a:fillRect/>
+          </a:stretch>
+        </p:blipFill>
+        <p:spPr>
+          <a:xfrm rot="0">
+            <a:off x="1252220" y="1454785"/>
+            <a:ext cx="4143375" cy="3655060"/>
+          </a:xfrm>
+          <a:prstGeom prst="roundRect"/>
+          <a:solidFill>
+            <a:srgbClr val="EDEDED"/>
+          </a:solidFill>
+        </p:spPr>
+      </p:pic>
+      <p:pic>
+        <p:nvPicPr>
+          <p:cNvPr id="1222" name="그림 33" descr="C:/Users/Admin1/AppData/Roaming/PolarisOffice/ETemp/30764_12697280/fImage112893339358.png"/>
+          <p:cNvPicPr>
+            <a:picLocks noChangeAspect="1"/>
+          </p:cNvPicPr>
+          <p:nvPr/>
+        </p:nvPicPr>
+        <p:blipFill rotWithShape="1">
+          <a:blip r:embed="rId3" cstate="print">
+            <a:extLst>
+              <a:ext uri="{28A0092B-C50C-407E-A947-70E740481C1C}">
+                <a14:useLocalDpi xmlns:a14="http://schemas.microsoft.com/office/drawing/2010/main" val="0"/>
+              </a:ext>
+            </a:extLst>
+          </a:blip>
+          <a:stretch>
+            <a:fillRect/>
+          </a:stretch>
+        </p:blipFill>
+        <p:spPr>
+          <a:xfrm rot="0">
+            <a:off x="6808470" y="1437640"/>
+            <a:ext cx="1228090" cy="1303655"/>
+          </a:xfrm>
+          <a:prstGeom prst="roundRect"/>
+          <a:solidFill>
+            <a:srgbClr val="EDEDED"/>
+          </a:solidFill>
+        </p:spPr>
+      </p:pic>
+      <p:pic>
+        <p:nvPicPr>
+          <p:cNvPr id="1223" name="그림 34" descr="C:/Users/Admin1/AppData/Roaming/PolarisOffice/ETemp/30764_12697280/fImage483573346962.png"/>
+          <p:cNvPicPr>
+            <a:picLocks noChangeAspect="1"/>
+          </p:cNvPicPr>
+          <p:nvPr/>
+        </p:nvPicPr>
+        <p:blipFill rotWithShape="1">
+          <a:blip r:embed="rId4" cstate="print">
+            <a:extLst>
+              <a:ext uri="{28A0092B-C50C-407E-A947-70E740481C1C}">
+                <a14:useLocalDpi xmlns:a14="http://schemas.microsoft.com/office/drawing/2010/main" val="0"/>
+              </a:ext>
+            </a:extLst>
+          </a:blip>
+          <a:stretch>
+            <a:fillRect/>
+          </a:stretch>
+        </p:blipFill>
+        <p:spPr>
+          <a:xfrm rot="0">
+            <a:off x="8148320" y="1445895"/>
+            <a:ext cx="2814955" cy="1290955"/>
+          </a:xfrm>
+          <a:prstGeom prst="roundRect"/>
+          <a:solidFill>
+            <a:srgbClr val="EDEDED"/>
+          </a:solidFill>
+        </p:spPr>
+      </p:pic>
+      <p:cxnSp>
+        <p:nvCxnSpPr>
+          <p:cNvPr id="1224" name="도형 37"/>
+          <p:cNvCxnSpPr/>
+          <p:nvPr/>
+        </p:nvCxnSpPr>
+        <p:spPr>
+          <a:xfrm rot="0" flipH="1">
+            <a:off x="7741920" y="2130425"/>
+            <a:ext cx="485140" cy="511175"/>
+          </a:xfrm>
+          <a:prstGeom prst="straightConnector1"/>
+          <a:ln w="6350" cap="flat" cmpd="sng">
+            <a:prstDash/>
+            <a:headEnd type="none" w="med" len="med"/>
+            <a:tailEnd type="triangle" w="med" len="med"/>
+          </a:ln>
+        </p:spPr>
+        <p:style>
+          <a:lnRef idx="1">
+            <a:schemeClr val="accent1"/>
+          </a:lnRef>
+          <a:fillRef idx="0">
+            <a:schemeClr val="accent1"/>
+          </a:fillRef>
+          <a:effectRef idx="0">
+            <a:schemeClr val="accent1"/>
+          </a:effectRef>
+          <a:fontRef idx="minor">
+            <a:schemeClr val="tx1"/>
+          </a:fontRef>
+        </p:style>
+      </p:cxnSp>
+      <p:sp>
+        <p:nvSpPr>
+          <p:cNvPr id="1225" name="텍스트 상자 38"/>
+          <p:cNvSpPr txBox="1">
+            <a:spLocks/>
+          </p:cNvSpPr>
+          <p:nvPr/>
+        </p:nvSpPr>
+        <p:spPr>
+          <a:xfrm rot="0">
+            <a:off x="6808470" y="2875915"/>
+            <a:ext cx="4163695" cy="923925"/>
+          </a:xfrm>
+          <a:prstGeom prst="rect"/>
+          <a:noFill/>
+          <a:ln w="0">
+            <a:noFill/>
+            <a:prstDash/>
+          </a:ln>
+        </p:spPr>
+        <p:txBody>
+          <a:bodyPr wrap="square" lIns="89535" tIns="46355" rIns="89535" bIns="46355" numCol="1" vert="horz" anchor="t">
+            <a:spAutoFit/>
+          </a:bodyPr>
+          <a:lstStyle/>
+          <a:p>
+            <a:pPr marL="0" indent="0" rtl="0" algn="l" defTabSz="914400" eaLnBrk="1" latinLnBrk="0" hangingPunct="1">
+              <a:buFontTx/>
+              <a:buNone/>
+            </a:pPr>
+            <a:r>
+              <a:rPr lang="ko-KR" sz="1800" b="1">
+                <a:solidFill>
+                  <a:srgbClr val="0611F2"/>
+                </a:solidFill>
+                <a:latin typeface="맑은 고딕" charset="0"/>
+                <a:ea typeface="맑은 고딕" charset="0"/>
+              </a:rPr>
+              <a:t>3</a:t>
+            </a:r>
+            <a:r>
+              <a:rPr lang="ko-KR" sz="1800" b="1">
+                <a:solidFill>
+                  <a:srgbClr val="0611F2"/>
+                </a:solidFill>
+                <a:latin typeface="맑은 고딕" charset="0"/>
+                <a:ea typeface="맑은 고딕" charset="0"/>
+              </a:rPr>
+              <a:t>8</a:t>
+            </a:r>
+            <a:r>
+              <a:rPr sz="1800" b="1">
+                <a:solidFill>
+                  <a:srgbClr val="0611F2"/>
+                </a:solidFill>
+                <a:latin typeface="맑은 고딕" charset="0"/>
+                <a:ea typeface="맑은 고딕" charset="0"/>
+              </a:rPr>
+              <a:t>.</a:t>
+            </a:r>
+            <a:r>
+              <a:rPr sz="1800">
+                <a:latin typeface="맑은 고딕" charset="0"/>
+                <a:ea typeface="맑은 고딕" charset="0"/>
+              </a:rPr>
+              <a:t> </a:t>
+            </a:r>
+            <a:r>
+              <a:rPr lang="ko-KR" sz="1800">
+                <a:latin typeface="맑은 고딕" charset="0"/>
+                <a:ea typeface="맑은 고딕" charset="0"/>
+              </a:rPr>
+              <a:t>그리고 Project 폴더에 있는 </a:t>
+            </a:r>
+            <a:r>
+              <a:rPr lang="ko-KR" sz="1800">
+                <a:latin typeface="맑은 고딕" charset="0"/>
+                <a:ea typeface="맑은 고딕" charset="0"/>
+              </a:rPr>
+              <a:t>Texture</a:t>
+            </a:r>
+            <a:r>
+              <a:rPr lang="ko-KR" sz="1800">
+                <a:latin typeface="맑은 고딕" charset="0"/>
+                <a:ea typeface="맑은 고딕" charset="0"/>
+              </a:rPr>
+              <a:t> </a:t>
+            </a:r>
+            <a:r>
+              <a:rPr lang="ko-KR" sz="1800">
+                <a:latin typeface="맑은 고딕" charset="0"/>
+                <a:ea typeface="맑은 고딕" charset="0"/>
+              </a:rPr>
+              <a:t>폴더에</a:t>
+            </a:r>
+            <a:r>
+              <a:rPr lang="ko-KR" sz="1800">
+                <a:latin typeface="맑은 고딕" charset="0"/>
+                <a:ea typeface="맑은 고딕" charset="0"/>
+              </a:rPr>
+              <a:t> House 텍스처를 </a:t>
+            </a:r>
+            <a:r>
+              <a:rPr lang="ko-KR" sz="1800">
+                <a:latin typeface="맑은 고딕" charset="0"/>
+                <a:ea typeface="맑은 고딕" charset="0"/>
+              </a:rPr>
+              <a:t>Center</a:t>
+            </a:r>
+            <a:r>
+              <a:rPr lang="ko-KR" sz="1800">
+                <a:latin typeface="맑은 고딕" charset="0"/>
+                <a:ea typeface="맑은 고딕" charset="0"/>
+              </a:rPr>
+              <a:t> </a:t>
+            </a:r>
+            <a:r>
+              <a:rPr lang="ko-KR" sz="1800">
+                <a:latin typeface="맑은 고딕" charset="0"/>
+                <a:ea typeface="맑은 고딕" charset="0"/>
+              </a:rPr>
+              <a:t>House</a:t>
+            </a:r>
+            <a:r>
+              <a:rPr lang="ko-KR" sz="1800">
+                <a:latin typeface="맑은 고딕" charset="0"/>
+                <a:ea typeface="맑은 고딕" charset="0"/>
+              </a:rPr>
+              <a:t> </a:t>
+            </a:r>
+            <a:r>
+              <a:rPr lang="ko-KR" sz="1800">
+                <a:latin typeface="맑은 고딕" charset="0"/>
+                <a:ea typeface="맑은 고딕" charset="0"/>
+              </a:rPr>
+              <a:t>오브젝트에</a:t>
+            </a:r>
+            <a:r>
+              <a:rPr lang="ko-KR" sz="1800">
+                <a:latin typeface="맑은 고딕" charset="0"/>
+                <a:ea typeface="맑은 고딕" charset="0"/>
+              </a:rPr>
+              <a:t> </a:t>
+            </a:r>
+            <a:r>
+              <a:rPr lang="ko-KR" sz="1800">
+                <a:latin typeface="맑은 고딕" charset="0"/>
+                <a:ea typeface="맑은 고딕" charset="0"/>
+              </a:rPr>
+              <a:t>넣어줍니다.</a:t>
+            </a:r>
+            <a:endParaRPr lang="ko-KR" altLang="en-US" sz="1800">
+              <a:latin typeface="맑은 고딕" charset="0"/>
+              <a:ea typeface="맑은 고딕" charset="0"/>
+            </a:endParaRPr>
+          </a:p>
+        </p:txBody>
+      </p:sp>
+      <p:pic>
+        <p:nvPicPr>
+          <p:cNvPr id="1226" name="그림 39" descr="C:/Users/Admin1/AppData/Roaming/PolarisOffice/ETemp/30764_12697280/fImage157213374464.png"/>
+          <p:cNvPicPr>
+            <a:picLocks noChangeAspect="1"/>
+          </p:cNvPicPr>
+          <p:nvPr/>
+        </p:nvPicPr>
+        <p:blipFill rotWithShape="1">
+          <a:blip r:embed="rId5" cstate="print">
+            <a:extLst>
+              <a:ext uri="{28A0092B-C50C-407E-A947-70E740481C1C}">
+                <a14:useLocalDpi xmlns:a14="http://schemas.microsoft.com/office/drawing/2010/main" val="0"/>
+              </a:ext>
+            </a:extLst>
+          </a:blip>
+          <a:stretch>
+            <a:fillRect/>
+          </a:stretch>
+        </p:blipFill>
+        <p:spPr>
+          <a:xfrm rot="0">
+            <a:off x="6802755" y="3940175"/>
+            <a:ext cx="4151630" cy="1472565"/>
+          </a:xfrm>
+          <a:prstGeom prst="roundRect"/>
+          <a:solidFill>
+            <a:srgbClr val="EDEDED"/>
+          </a:solidFill>
+        </p:spPr>
+      </p:pic>
+    </p:spTree>
+  </p:cSld>
+  <p:clrMapOvr>
+    <a:masterClrMapping/>
+  </p:clrMapOvr>
+  <mc:AlternateContent xmlns:mc="http://schemas.openxmlformats.org/markup-compatibility/2006">
+    <mc:Choice xmlns:p14="http://schemas.microsoft.com/office/powerpoint/2010/main" Requires="p14">
+      <p:transition spd="slow" p14:dur="2000"/>
+    </mc:Choice>
+    <mc:Fallback>
+      <p:transition spd="slow"/>
+    </mc:Fallback>
+  </mc:AlternateContent>
+  <p:timing>
+    <p:tnLst>
+      <p:par>
+        <p:cTn id="1" dur="indefinite" restart="never" nodeType="tmRoot"/>
+      </p:par>
+    </p:tnLst>
+  </p:timing>
+</p:sld>
+</file>
+
+<file path=ppt/slides/slide16.xml><?xml version="1.0" encoding="utf-8"?>
 <p:sld xmlns:a="http://schemas.openxmlformats.org/drawingml/2006/main" xmlns:r="http://schemas.openxmlformats.org/officeDocument/2006/relationships" xmlns:p="http://schemas.openxmlformats.org/presentationml/2006/main" xmlns:p14="http://schemas.microsoft.com/office/powerpoint/2010/main">
   <p:cSld>
     <p:spTree>
@@ -9926,7 +12039,7 @@
         <p:spPr>
           <a:xfrm>
             <a:off x="4110990" y="327660"/>
-            <a:ext cx="3987165" cy="478155"/>
+            <a:ext cx="3987800" cy="478155"/>
           </a:xfrm>
           <a:prstGeom prst="rect"/>
           <a:noFill/>
@@ -9953,7 +12066,7 @@
                 <a:latin typeface="나눔바른고딕" charset="0"/>
                 <a:ea typeface="나눔바른고딕" charset="0"/>
               </a:rPr>
-              <a:t>열다섯</a:t>
+              <a:t>열여섯</a:t>
             </a:r>
             <a:r>
               <a:rPr lang="ko-KR" altLang="en-US" sz="2500" b="1">
@@ -9963,34 +12076,14 @@
                 <a:latin typeface="나눔바른고딕" charset="0"/>
                 <a:ea typeface="나눔바른고딕" charset="0"/>
               </a:rPr>
-              <a:t> </a:t>
-            </a:r>
-            <a:r>
-              <a:rPr lang="ko-KR" altLang="en-US" sz="2500" b="1">
-                <a:solidFill>
-                  <a:schemeClr val="tx1"/>
-                </a:solidFill>
-                <a:latin typeface="나눔바른고딕" charset="0"/>
-                <a:ea typeface="나눔바른고딕" charset="0"/>
-              </a:rPr>
-              <a:t>번째 튜토리</a:t>
-            </a:r>
-            <a:r>
-              <a:rPr lang="ko-KR" altLang="en-US" sz="2500" b="1">
-                <a:solidFill>
-                  <a:schemeClr val="tx1"/>
-                </a:solidFill>
-                <a:latin typeface="나눔바른고딕" charset="0"/>
-                <a:ea typeface="나눔바른고딕" charset="0"/>
-              </a:rPr>
-              <a:t>얼</a:t>
-            </a:r>
-            <a:endParaRPr lang="ko-KR" altLang="en-US" sz="3000" b="1">
+              <a:t> 번째 튜토리얼</a:t>
+            </a:r>
+            <a:endParaRPr lang="ko-KR" altLang="en-US" sz="2500" b="1">
               <a:solidFill>
                 <a:schemeClr val="tx1"/>
               </a:solidFill>
-              <a:latin typeface="맑은 고딕" charset="0"/>
-              <a:ea typeface="맑은 고딕" charset="0"/>
+              <a:latin typeface="나눔바른고딕" charset="0"/>
+              <a:ea typeface="나눔바른고딕" charset="0"/>
             </a:endParaRPr>
           </a:p>
         </p:txBody>
@@ -10107,7 +12200,7 @@
       </p:sp>
       <p:pic>
         <p:nvPicPr>
-          <p:cNvPr id="1056" name="그림 4" descr="C:/Users/Admin1/AppData/Roaming/PolarisOffice/ETemp/26564_9303048/fImage358712941478.png"/>
+          <p:cNvPr id="1056" name="그림 4"/>
           <p:cNvPicPr>
             <a:picLocks noChangeAspect="1"/>
           </p:cNvPicPr>
@@ -10138,7 +12231,7 @@
       </p:pic>
       <p:pic>
         <p:nvPicPr>
-          <p:cNvPr id="1057" name="그림 19" descr="C:/Users/Admin1/AppData/Roaming/PolarisOffice/ETemp/26564_9303048/fImage211388841.png"/>
+          <p:cNvPr id="1057" name="그림 19"/>
           <p:cNvPicPr>
             <a:picLocks noChangeAspect="1"/>
           </p:cNvPicPr>
@@ -13363,7 +15456,7 @@
 </file>
 
 <file path=ppt/slides/slide7.xml><?xml version="1.0" encoding="utf-8"?>
-<p:sld xmlns:a="http://schemas.openxmlformats.org/drawingml/2006/main" xmlns:r="http://schemas.openxmlformats.org/officeDocument/2006/relationships" xmlns:p="http://schemas.openxmlformats.org/presentationml/2006/main">
+<p:sld xmlns:a="http://schemas.openxmlformats.org/drawingml/2006/main" xmlns:r="http://schemas.openxmlformats.org/officeDocument/2006/relationships" xmlns:p="http://schemas.openxmlformats.org/presentationml/2006/main" xmlns:p14="http://schemas.microsoft.com/office/powerpoint/2010/main">
   <p:cSld>
     <p:spTree>
       <p:nvGrpSpPr>
@@ -13469,8 +15562,8 @@
         </p:nvSpPr>
         <p:spPr>
           <a:xfrm rot="0">
-            <a:off x="1231900" y="5233035"/>
-            <a:ext cx="4126865" cy="960120"/>
+            <a:off x="1231900" y="5276215"/>
+            <a:ext cx="4127500" cy="960755"/>
           </a:xfrm>
           <a:prstGeom prst="rect"/>
           <a:noFill/>
@@ -13490,14 +15583,7 @@
                 <a:latin typeface="맑은 고딕" charset="0"/>
                 <a:ea typeface="맑은 고딕" charset="0"/>
               </a:rPr>
-              <a:t>A</a:t>
-            </a:r>
-            <a:r>
-              <a:rPr lang="ko-KR" sz="1800">
-                <a:latin typeface="맑은 고딕" charset="0"/>
-                <a:ea typeface="맑은 고딕" charset="0"/>
-              </a:rPr>
-              <a:t>rea</a:t>
+              <a:t>Area</a:t>
             </a:r>
             <a:r>
               <a:rPr lang="ko-KR" sz="1800">
@@ -13518,28 +15604,14 @@
                 <a:latin typeface="맑은 고딕" charset="0"/>
                 <a:ea typeface="맑은 고딕" charset="0"/>
               </a:rPr>
-              <a:t> </a:t>
-            </a:r>
-            <a:r>
-              <a:rPr lang="ko-KR" sz="1800">
-                <a:latin typeface="맑은 고딕" charset="0"/>
-                <a:ea typeface="맑은 고딕" charset="0"/>
-              </a:rPr>
-              <a:t>방향으로 사각형의 한 쪽 면에서만 </a:t>
-            </a:r>
-            <a:r>
-              <a:rPr lang="ko-KR" sz="1800">
-                <a:latin typeface="맑은 고딕" charset="0"/>
-                <a:ea typeface="맑은 고딕" charset="0"/>
-              </a:rPr>
-              <a:t>발사하</a:t>
-            </a:r>
-            <a:r>
-              <a:rPr lang="ko-KR" sz="1800">
-                <a:latin typeface="맑은 고딕" charset="0"/>
-                <a:ea typeface="맑은 고딕" charset="0"/>
-              </a:rPr>
-              <a:t>는</a:t>
+              <a:t> 방향으로 사각형의 한 쪽 면에서만 </a:t>
+            </a:r>
+            <a:r>
+              <a:rPr lang="ko-KR" sz="1800">
+                <a:latin typeface="맑은 고딕" charset="0"/>
+                <a:ea typeface="맑은 고딕" charset="0"/>
+              </a:rPr>
+              <a:t>발사하는</a:t>
             </a:r>
             <a:r>
               <a:rPr lang="ko-KR" sz="1800">
@@ -13557,17 +15629,17 @@
       </p:sp>
       <p:pic>
         <p:nvPicPr>
-          <p:cNvPr id="1165" name="Picture " descr="C:/Users/Admin1/AppData/Roaming/PolarisOffice/ETemp/10232_14344976/fImage89212539169.png"/>
+          <p:cNvPr id="1165" name="Picture " descr="C:/Users/Admin1/AppData/Roaming/PolarisOffice/ETemp/30764_12697280/fImage89212539169.png"/>
           <p:cNvPicPr>
             <a:picLocks noChangeAspect="1"/>
           </p:cNvPicPr>
           <p:nvPr/>
         </p:nvPicPr>
         <p:blipFill rotWithShape="1">
-          <a:blip r:embed="rId2" cstate="print">
+          <a:blip r:embed="rId2" cstate="hqprint">
             <a:extLst>
               <a:ext uri="{28A0092B-C50C-407E-A947-70E740481C1C}">
-                <a14:useLocalDpi xmlns:a14="http://schemas.microsoft.com/office/drawing/2010/main" val="0"/>
+                <a14:useLocalDpi xmlns:a14="http://schemas.microsoft.com/office/drawing/2010/main"/>
               </a:ext>
             </a:extLst>
           </a:blip>
@@ -13577,8 +15649,8 @@
         </p:blipFill>
         <p:spPr>
           <a:xfrm rot="0">
-            <a:off x="1231900" y="3677920"/>
-            <a:ext cx="4135120" cy="1387475"/>
+            <a:off x="1231900" y="3712210"/>
+            <a:ext cx="4135755" cy="1388110"/>
           </a:xfrm>
           <a:prstGeom prst="roundRect"/>
           <a:solidFill>
@@ -13714,7 +15786,7 @@
       </p:sp>
       <p:pic>
         <p:nvPicPr>
-          <p:cNvPr id="1167" name="그림 22" descr="C:/Users/Admin1/AppData/Roaming/PolarisOffice/ETemp/10232_14344976/fImage125422635724.png"/>
+          <p:cNvPr id="1167" name="그림 22"/>
           <p:cNvPicPr>
             <a:picLocks noChangeAspect="1"/>
           </p:cNvPicPr>
@@ -13745,7 +15817,7 @@
       </p:pic>
       <p:pic>
         <p:nvPicPr>
-          <p:cNvPr id="1168" name="그림 25" descr="C:/Users/Admin1/AppData/Roaming/PolarisOffice/ETemp/10232_14344976/fImage483792641478.png"/>
+          <p:cNvPr id="1168" name="그림 25"/>
           <p:cNvPicPr>
             <a:picLocks noChangeAspect="1"/>
           </p:cNvPicPr>
@@ -13776,7 +15848,7 @@
       </p:pic>
       <p:pic>
         <p:nvPicPr>
-          <p:cNvPr id="1169" name="그림 30" descr="C:/Users/Admin1/AppData/Roaming/PolarisOffice/ETemp/10232_14344976/fImage80882679358.png"/>
+          <p:cNvPr id="1169" name="그림 30"/>
           <p:cNvPicPr>
             <a:picLocks noChangeAspect="1"/>
           </p:cNvPicPr>
@@ -13968,8 +16040,8 @@
         </p:nvSpPr>
         <p:spPr>
           <a:xfrm rot="0">
-            <a:off x="6822440" y="5238750"/>
-            <a:ext cx="4152265" cy="954405"/>
+            <a:off x="6822440" y="5281930"/>
+            <a:ext cx="4152900" cy="955040"/>
           </a:xfrm>
           <a:prstGeom prst="rect"/>
           <a:noFill/>
@@ -14027,84 +16099,21 @@
                 <a:latin typeface="맑은 고딕" charset="0"/>
                 <a:ea typeface="맑은 고딕" charset="0"/>
               </a:rPr>
-              <a:t> </a:t>
-            </a:r>
-            <a:r>
-              <a:rPr lang="ko-KR" sz="1800">
-                <a:latin typeface="맑은 고딕" charset="0"/>
-                <a:ea typeface="맑은 고딕" charset="0"/>
-              </a:rPr>
-              <a:t>Texture</a:t>
-            </a:r>
-            <a:r>
-              <a:rPr lang="ko-KR" sz="1800">
-                <a:latin typeface="맑은 고딕" charset="0"/>
-                <a:ea typeface="맑은 고딕" charset="0"/>
-              </a:rPr>
-              <a:t> </a:t>
-            </a:r>
-            <a:r>
-              <a:rPr lang="ko-KR" sz="1800">
-                <a:latin typeface="맑은 고딕" charset="0"/>
-                <a:ea typeface="맑은 고딕" charset="0"/>
-              </a:rPr>
-              <a:t>폴더에</a:t>
-            </a:r>
-            <a:r>
-              <a:rPr lang="ko-KR" sz="1800">
-                <a:latin typeface="맑은 고딕" charset="0"/>
-                <a:ea typeface="맑은 고딕" charset="0"/>
-              </a:rPr>
-              <a:t> Road 텍스처를 </a:t>
-            </a:r>
-            <a:r>
-              <a:rPr lang="ko-KR" sz="1800">
-                <a:latin typeface="맑은 고딕" charset="0"/>
-                <a:ea typeface="맑은 고딕" charset="0"/>
-              </a:rPr>
-              <a:t>Righ</a:t>
-            </a:r>
-            <a:r>
-              <a:rPr lang="ko-KR" sz="1800">
-                <a:latin typeface="맑은 고딕" charset="0"/>
-                <a:ea typeface="맑은 고딕" charset="0"/>
-              </a:rPr>
-              <a:t>t</a:t>
-            </a:r>
-            <a:r>
-              <a:rPr lang="ko-KR" sz="1800">
-                <a:latin typeface="맑은 고딕" charset="0"/>
-                <a:ea typeface="맑은 고딕" charset="0"/>
-              </a:rPr>
-              <a:t> </a:t>
-            </a:r>
-            <a:r>
-              <a:rPr lang="ko-KR" sz="1800">
-                <a:latin typeface="맑은 고딕" charset="0"/>
-                <a:ea typeface="맑은 고딕" charset="0"/>
-              </a:rPr>
-              <a:t>Ground</a:t>
-            </a:r>
-            <a:r>
-              <a:rPr lang="ko-KR" sz="1800">
-                <a:latin typeface="맑은 고딕" charset="0"/>
-                <a:ea typeface="맑은 고딕" charset="0"/>
-              </a:rPr>
-              <a:t> </a:t>
-            </a:r>
-            <a:r>
-              <a:rPr lang="ko-KR" sz="1800">
-                <a:latin typeface="맑은 고딕" charset="0"/>
-                <a:ea typeface="맑은 고딕" charset="0"/>
-              </a:rPr>
-              <a:t>오브젝트에 </a:t>
-            </a:r>
-            <a:r>
-              <a:rPr lang="ko-KR" sz="1800">
-                <a:latin typeface="맑은 고딕" charset="0"/>
-                <a:ea typeface="맑은 고딕" charset="0"/>
-              </a:rPr>
-              <a:t>넣어줍니다.</a:t>
+              <a:t> Texture 폴더에 Road 텍스처를 </a:t>
+            </a:r>
+            <a:r>
+              <a:rPr lang="ko-KR" sz="1800">
+                <a:latin typeface="맑은 고딕" charset="0"/>
+                <a:ea typeface="맑은 고딕" charset="0"/>
+              </a:rPr>
+              <a:t>Right</a:t>
+            </a:r>
+            <a:r>
+              <a:rPr lang="ko-KR" sz="1800">
+                <a:latin typeface="맑은 고딕" charset="0"/>
+                <a:ea typeface="맑은 고딕" charset="0"/>
+              </a:rPr>
+              <a:t> Ground 오브젝트에 넣어줍니다.</a:t>
             </a:r>
             <a:endParaRPr lang="ko-KR" altLang="en-US" sz="1800">
               <a:latin typeface="맑은 고딕" charset="0"/>
@@ -14115,7 +16124,7 @@
       </p:sp>
       <p:pic>
         <p:nvPicPr>
-          <p:cNvPr id="1176" name="그림 40" descr="C:/Users/Admin1/AppData/Roaming/PolarisOffice/ETemp/10232_14344976/fImage483792756962.png"/>
+          <p:cNvPr id="1176" name="그림 40"/>
           <p:cNvPicPr>
             <a:picLocks noChangeAspect="1"/>
           </p:cNvPicPr>
@@ -14146,7 +16155,7 @@
       </p:pic>
       <p:pic>
         <p:nvPicPr>
-          <p:cNvPr id="1179" name="그림 43" descr="C:/Users/Admin1/AppData/Roaming/PolarisOffice/ETemp/10232_14344976/fImage80712784464.png"/>
+          <p:cNvPr id="1179" name="그림 43"/>
           <p:cNvPicPr>
             <a:picLocks noChangeAspect="1"/>
           </p:cNvPicPr>
@@ -14232,7 +16241,7 @@
 </file>
 
 <file path=ppt/slides/slide8.xml><?xml version="1.0" encoding="utf-8"?>
-<p:sld xmlns:a="http://schemas.openxmlformats.org/drawingml/2006/main" xmlns:r="http://schemas.openxmlformats.org/officeDocument/2006/relationships" xmlns:p="http://schemas.openxmlformats.org/presentationml/2006/main" xmlns:p14="http://schemas.microsoft.com/office/powerpoint/2010/main">
+<p:sld xmlns:a="http://schemas.openxmlformats.org/drawingml/2006/main" xmlns:r="http://schemas.openxmlformats.org/officeDocument/2006/relationships" xmlns:p="http://schemas.openxmlformats.org/presentationml/2006/main">
   <p:cSld>
     <p:spTree>
       <p:nvGrpSpPr>
@@ -14259,7 +16268,7 @@
         <p:spPr>
           <a:xfrm rot="0">
             <a:off x="4102100" y="387985"/>
-            <a:ext cx="3985895" cy="478155"/>
+            <a:ext cx="3986530" cy="478155"/>
           </a:xfrm>
           <a:prstGeom prst="rect"/>
           <a:noFill/>
@@ -14286,7 +16295,7 @@
                 <a:latin typeface="나눔바른고딕" charset="0"/>
                 <a:ea typeface="나눔바른고딕" charset="0"/>
               </a:rPr>
-              <a:t>여덟</a:t>
+              <a:t>아홉</a:t>
             </a:r>
             <a:r>
               <a:rPr lang="ko-KR" altLang="en-US" sz="2500" b="1">
@@ -14296,17 +16305,7 @@
                 <a:latin typeface="나눔바른고딕" charset="0"/>
                 <a:ea typeface="나눔바른고딕" charset="0"/>
               </a:rPr>
-              <a:t> </a:t>
-            </a:r>
-            <a:r>
-              <a:rPr lang="ko-KR" altLang="en-US" sz="2500" b="1">
-                <a:solidFill>
-                  <a:schemeClr val="tx1"/>
-                </a:solidFill>
-                <a:latin typeface="나눔바른고딕" charset="0"/>
-                <a:ea typeface="나눔바른고딕" charset="0"/>
-              </a:rPr>
-              <a:t>번째 튜토리얼</a:t>
+              <a:t> 번째 튜토리얼</a:t>
             </a:r>
             <a:endParaRPr lang="ko-KR" altLang="en-US" sz="2500" b="1">
               <a:solidFill>
@@ -14318,331 +16317,339 @@
           </a:p>
         </p:txBody>
       </p:sp>
+      <p:sp>
+        <p:nvSpPr>
+          <p:cNvPr id="1043" name="Rect 0"/>
+          <p:cNvSpPr txBox="1">
+            <a:spLocks/>
+          </p:cNvSpPr>
+          <p:nvPr/>
+        </p:nvSpPr>
+        <p:spPr>
+          <a:xfrm rot="0">
+            <a:off x="1240790" y="2644775"/>
+            <a:ext cx="4134485" cy="1200785"/>
+          </a:xfrm>
+          <a:prstGeom prst="rect"/>
+          <a:noFill/>
+          <a:ln w="0">
+            <a:noFill/>
+            <a:prstDash/>
+          </a:ln>
+        </p:spPr>
+        <p:txBody>
+          <a:bodyPr wrap="square" lIns="89535" tIns="46355" rIns="89535" bIns="46355" numCol="1" vert="horz" anchor="t">
+            <a:spAutoFit/>
+          </a:bodyPr>
+          <a:lstStyle/>
+          <a:p>
+            <a:pPr marL="0" indent="0" rtl="0" algn="l" defTabSz="914400" eaLnBrk="1" latinLnBrk="0" hangingPunct="1">
+              <a:buFontTx/>
+              <a:buNone/>
+            </a:pPr>
+            <a:r>
+              <a:rPr sz="1800" b="1">
+                <a:solidFill>
+                  <a:srgbClr val="0611F2"/>
+                </a:solidFill>
+                <a:latin typeface="맑은 고딕" charset="0"/>
+                <a:ea typeface="맑은 고딕" charset="0"/>
+              </a:rPr>
+              <a:t>2</a:t>
+            </a:r>
+            <a:r>
+              <a:rPr lang="ko-KR" sz="1800" b="1">
+                <a:solidFill>
+                  <a:srgbClr val="0611F2"/>
+                </a:solidFill>
+                <a:latin typeface="맑은 고딕" charset="0"/>
+                <a:ea typeface="맑은 고딕" charset="0"/>
+              </a:rPr>
+              <a:t>4</a:t>
+            </a:r>
+            <a:r>
+              <a:rPr sz="1800" b="1">
+                <a:solidFill>
+                  <a:srgbClr val="0611F2"/>
+                </a:solidFill>
+                <a:latin typeface="맑은 고딕" charset="0"/>
+                <a:ea typeface="맑은 고딕" charset="0"/>
+              </a:rPr>
+              <a:t>.</a:t>
+            </a:r>
+            <a:r>
+              <a:rPr sz="1800">
+                <a:latin typeface="맑은 고딕" charset="0"/>
+                <a:ea typeface="맑은 고딕" charset="0"/>
+              </a:rPr>
+              <a:t> </a:t>
+            </a:r>
+            <a:r>
+              <a:rPr lang="ko-KR" sz="1800">
+                <a:latin typeface="맑은 고딕" charset="0"/>
+                <a:ea typeface="맑은 고딕" charset="0"/>
+              </a:rPr>
+              <a:t>그런 다음 Project 폴더에 </a:t>
+            </a:r>
+            <a:r>
+              <a:rPr lang="ko-KR" sz="1800">
+                <a:latin typeface="맑은 고딕" charset="0"/>
+                <a:ea typeface="맑은 고딕" charset="0"/>
+              </a:rPr>
+              <a:t>있는 </a:t>
+            </a:r>
+            <a:r>
+              <a:rPr lang="ko-KR" sz="1800">
+                <a:latin typeface="맑은 고딕" charset="0"/>
+                <a:ea typeface="맑은 고딕" charset="0"/>
+              </a:rPr>
+              <a:t>T</a:t>
+            </a:r>
+            <a:r>
+              <a:rPr lang="ko-KR" sz="1800">
+                <a:latin typeface="맑은 고딕" charset="0"/>
+                <a:ea typeface="맑은 고딕" charset="0"/>
+              </a:rPr>
+              <a:t>ex</a:t>
+            </a:r>
+            <a:r>
+              <a:rPr lang="ko-KR" sz="1800">
+                <a:latin typeface="맑은 고딕" charset="0"/>
+                <a:ea typeface="맑은 고딕" charset="0"/>
+              </a:rPr>
+              <a:t>t</a:t>
+            </a:r>
+            <a:r>
+              <a:rPr lang="ko-KR" sz="1800">
+                <a:latin typeface="맑은 고딕" charset="0"/>
+                <a:ea typeface="맑은 고딕" charset="0"/>
+              </a:rPr>
+              <a:t>ure</a:t>
+            </a:r>
+            <a:r>
+              <a:rPr lang="ko-KR" sz="1800">
+                <a:latin typeface="맑은 고딕" charset="0"/>
+                <a:ea typeface="맑은 고딕" charset="0"/>
+              </a:rPr>
+              <a:t> 폴더</a:t>
+            </a:r>
+            <a:r>
+              <a:rPr lang="ko-KR" sz="1800">
+                <a:latin typeface="맑은 고딕" charset="0"/>
+                <a:ea typeface="맑은 고딕" charset="0"/>
+              </a:rPr>
+              <a:t>에 </a:t>
+            </a:r>
+            <a:r>
+              <a:rPr lang="ko-KR" sz="1800">
+                <a:latin typeface="맑은 고딕" charset="0"/>
+                <a:ea typeface="맑은 고딕" charset="0"/>
+              </a:rPr>
+              <a:t>Street Lamp 텍스처를 </a:t>
+            </a:r>
+            <a:r>
+              <a:rPr lang="ko-KR" sz="1800">
+                <a:latin typeface="맑은 고딕" charset="0"/>
+                <a:ea typeface="맑은 고딕" charset="0"/>
+              </a:rPr>
+              <a:t>P</a:t>
+            </a:r>
+            <a:r>
+              <a:rPr lang="ko-KR" sz="1800">
+                <a:latin typeface="맑은 고딕" charset="0"/>
+                <a:ea typeface="맑은 고딕" charset="0"/>
+              </a:rPr>
+              <a:t>oint</a:t>
+            </a:r>
+            <a:r>
+              <a:rPr lang="ko-KR" sz="1800">
+                <a:latin typeface="맑은 고딕" charset="0"/>
+                <a:ea typeface="맑은 고딕" charset="0"/>
+              </a:rPr>
+              <a:t> Street Lamp 오브젝트에 </a:t>
+            </a:r>
+            <a:r>
+              <a:rPr lang="ko-KR" sz="1800">
+                <a:latin typeface="맑은 고딕" charset="0"/>
+                <a:ea typeface="맑은 고딕" charset="0"/>
+              </a:rPr>
+              <a:t>넣어줍니다.</a:t>
+            </a:r>
+            <a:endParaRPr lang="ko-KR" altLang="en-US" sz="1800">
+              <a:latin typeface="맑은 고딕" charset="0"/>
+              <a:ea typeface="맑은 고딕" charset="0"/>
+            </a:endParaRPr>
+          </a:p>
+        </p:txBody>
+      </p:sp>
+      <p:sp>
+        <p:nvSpPr>
+          <p:cNvPr id="1046" name="Rect 0"/>
+          <p:cNvSpPr txBox="1">
+            <a:spLocks/>
+          </p:cNvSpPr>
+          <p:nvPr/>
+        </p:nvSpPr>
+        <p:spPr>
+          <a:xfrm rot="0">
+            <a:off x="1240790" y="5283200"/>
+            <a:ext cx="4143375" cy="923925"/>
+          </a:xfrm>
+          <a:prstGeom prst="rect"/>
+          <a:noFill/>
+          <a:ln w="0">
+            <a:noFill/>
+            <a:prstDash/>
+          </a:ln>
+        </p:spPr>
+        <p:txBody>
+          <a:bodyPr wrap="square" lIns="89535" tIns="46355" rIns="89535" bIns="46355" numCol="1" vert="horz" anchor="t">
+            <a:spAutoFit/>
+          </a:bodyPr>
+          <a:lstStyle/>
+          <a:p>
+            <a:pPr marL="0" indent="0" rtl="0" algn="l" defTabSz="914400" eaLnBrk="1" latinLnBrk="0" hangingPunct="1">
+              <a:buFontTx/>
+              <a:buNone/>
+            </a:pPr>
+            <a:r>
+              <a:rPr sz="1800" b="1">
+                <a:solidFill>
+                  <a:srgbClr val="0611F2"/>
+                </a:solidFill>
+                <a:latin typeface="맑은 고딕" charset="0"/>
+                <a:ea typeface="맑은 고딕" charset="0"/>
+              </a:rPr>
+              <a:t>2</a:t>
+            </a:r>
+            <a:r>
+              <a:rPr lang="ko-KR" sz="1800" b="1">
+                <a:solidFill>
+                  <a:srgbClr val="0611F2"/>
+                </a:solidFill>
+                <a:latin typeface="맑은 고딕" charset="0"/>
+                <a:ea typeface="맑은 고딕" charset="0"/>
+              </a:rPr>
+              <a:t>5</a:t>
+            </a:r>
+            <a:r>
+              <a:rPr sz="1800" b="1">
+                <a:solidFill>
+                  <a:srgbClr val="0611F2"/>
+                </a:solidFill>
+                <a:latin typeface="맑은 고딕" charset="0"/>
+                <a:ea typeface="맑은 고딕" charset="0"/>
+              </a:rPr>
+              <a:t>.</a:t>
+            </a:r>
+            <a:r>
+              <a:rPr sz="1800">
+                <a:latin typeface="맑은 고딕" charset="0"/>
+                <a:ea typeface="맑은 고딕" charset="0"/>
+              </a:rPr>
+              <a:t> </a:t>
+            </a:r>
+            <a:r>
+              <a:rPr lang="ko-KR" sz="1800">
+                <a:latin typeface="맑은 고딕" charset="0"/>
+                <a:ea typeface="맑은 고딕" charset="0"/>
+              </a:rPr>
+              <a:t>그다음으로 Robot </a:t>
+            </a:r>
+            <a:r>
+              <a:rPr lang="ko-KR" sz="1800">
+                <a:latin typeface="맑은 고딕" charset="0"/>
+                <a:ea typeface="맑은 고딕" charset="0"/>
+              </a:rPr>
+              <a:t>오브젝트에 </a:t>
+            </a:r>
+            <a:r>
+              <a:rPr lang="ko-KR" sz="1800">
+                <a:latin typeface="맑은 고딕" charset="0"/>
+                <a:ea typeface="맑은 고딕" charset="0"/>
+              </a:rPr>
+              <a:t>위치와</a:t>
+            </a:r>
+            <a:r>
+              <a:rPr lang="ko-KR" sz="1800">
+                <a:latin typeface="맑은 고딕" charset="0"/>
+                <a:ea typeface="맑은 고딕" charset="0"/>
+              </a:rPr>
+              <a:t> 회전 </a:t>
+            </a:r>
+            <a:r>
+              <a:rPr lang="ko-KR" sz="1800">
+                <a:latin typeface="맑은 고딕" charset="0"/>
+                <a:ea typeface="맑은 고딕" charset="0"/>
+              </a:rPr>
+              <a:t>값</a:t>
+            </a:r>
+            <a:r>
+              <a:rPr lang="ko-KR" sz="1800">
+                <a:latin typeface="맑은 고딕" charset="0"/>
+                <a:ea typeface="맑은 고딕" charset="0"/>
+              </a:rPr>
+              <a:t>을 </a:t>
+            </a:r>
+            <a:r>
+              <a:rPr lang="ko-KR" sz="1800">
+                <a:latin typeface="맑은 고딕" charset="0"/>
+                <a:ea typeface="맑은 고딕" charset="0"/>
+              </a:rPr>
+              <a:t>설정하고</a:t>
+            </a:r>
+            <a:r>
+              <a:rPr lang="ko-KR" sz="1800">
+                <a:latin typeface="맑은 고딕" charset="0"/>
+                <a:ea typeface="맑은 고딕" charset="0"/>
+              </a:rPr>
+              <a:t> </a:t>
+            </a:r>
+            <a:r>
+              <a:rPr lang="ko-KR" sz="1800">
+                <a:latin typeface="맑은 고딕" charset="0"/>
+                <a:ea typeface="맑은 고딕" charset="0"/>
+              </a:rPr>
+              <a:t>크기 </a:t>
+            </a:r>
+            <a:r>
+              <a:rPr lang="ko-KR" sz="1800">
+                <a:latin typeface="맑은 고딕" charset="0"/>
+                <a:ea typeface="맑은 고딕" charset="0"/>
+              </a:rPr>
+              <a:t>값</a:t>
+            </a:r>
+            <a:r>
+              <a:rPr lang="ko-KR" sz="1800">
+                <a:latin typeface="맑은 고딕" charset="0"/>
+                <a:ea typeface="맑은 고딕" charset="0"/>
+              </a:rPr>
+              <a:t>을 </a:t>
+            </a:r>
+            <a:r>
+              <a:rPr lang="ko-KR" sz="1800">
+                <a:latin typeface="맑은 고딕" charset="0"/>
+                <a:ea typeface="맑은 고딕" charset="0"/>
+              </a:rPr>
+              <a:t>설정합니다.</a:t>
+            </a:r>
+            <a:endParaRPr lang="ko-KR" altLang="en-US" sz="1800">
+              <a:latin typeface="맑은 고딕" charset="0"/>
+              <a:ea typeface="맑은 고딕" charset="0"/>
+            </a:endParaRPr>
+          </a:p>
+        </p:txBody>
+      </p:sp>
       <p:pic>
         <p:nvPicPr>
-          <p:cNvPr id="1042" name="그림 44" descr="C:/Users/Admin1/AppData/Roaming/PolarisOffice/ETemp/23248_23591048/fImage50303243281.png"/>
+          <p:cNvPr id="1050" name="Picture " descr="C:/Users/Admin1/AppData/Roaming/PolarisOffice/ETemp/23248_23591048/fImage482572739169.png"/>
           <p:cNvPicPr>
             <a:picLocks noChangeAspect="1"/>
           </p:cNvPicPr>
           <p:nvPr/>
         </p:nvPicPr>
         <p:blipFill rotWithShape="1">
-          <a:blip r:embed="rId4" cstate="hqprint">
-            <a:extLst>
-              <a:ext uri="{28A0092B-C50C-407E-A947-70E740481C1C}">
-                <a14:useLocalDpi xmlns:a14="http://schemas.microsoft.com/office/drawing/2010/main"/>
-              </a:ext>
-            </a:extLst>
-          </a:blip>
-          <a:stretch>
-            <a:fillRect/>
-          </a:stretch>
-        </p:blipFill>
-        <p:spPr>
-          <a:xfrm rot="0">
-            <a:off x="3342005" y="1447165"/>
-            <a:ext cx="2042795" cy="1370330"/>
-          </a:xfrm>
-          <a:prstGeom prst="roundRect"/>
-          <a:solidFill>
-            <a:srgbClr val="EDEDED"/>
-          </a:solidFill>
-        </p:spPr>
-      </p:pic>
-      <p:sp>
-        <p:nvSpPr>
-          <p:cNvPr id="1043" name="텍스트 상자 45"/>
-          <p:cNvSpPr txBox="1">
-            <a:spLocks/>
-          </p:cNvSpPr>
-          <p:nvPr/>
-        </p:nvSpPr>
-        <p:spPr>
-          <a:xfrm rot="0">
-            <a:off x="1231900" y="2963545"/>
-            <a:ext cx="4152900" cy="647065"/>
-          </a:xfrm>
-          <a:prstGeom prst="rect"/>
-          <a:noFill/>
-          <a:ln w="0">
-            <a:noFill/>
-            <a:prstDash/>
-          </a:ln>
-        </p:spPr>
-        <p:txBody>
-          <a:bodyPr wrap="square" lIns="89535" tIns="46355" rIns="89535" bIns="46355" numCol="1" vert="horz" anchor="t">
-            <a:spAutoFit/>
-          </a:bodyPr>
-          <a:lstStyle/>
-          <a:p>
-            <a:pPr marL="0" indent="0" rtl="0" algn="l" defTabSz="914400" eaLnBrk="1" latinLnBrk="0" hangingPunct="1">
-              <a:buFontTx/>
-              <a:buNone/>
-            </a:pPr>
-            <a:r>
-              <a:rPr sz="1800" b="1">
-                <a:solidFill>
-                  <a:srgbClr val="0611F2"/>
-                </a:solidFill>
-                <a:latin typeface="맑은 고딕" charset="0"/>
-                <a:ea typeface="맑은 고딕" charset="0"/>
-              </a:rPr>
-              <a:t>20.</a:t>
-            </a:r>
-            <a:r>
-              <a:rPr sz="1800">
-                <a:latin typeface="맑은 고딕" charset="0"/>
-                <a:ea typeface="맑은 고딕" charset="0"/>
-              </a:rPr>
-              <a:t> </a:t>
-            </a:r>
-            <a:r>
-              <a:rPr lang="ko-KR" sz="1800">
-                <a:latin typeface="맑은 고딕" charset="0"/>
-                <a:ea typeface="맑은 고딕" charset="0"/>
-              </a:rPr>
-              <a:t>그다음 Left Ground 오브젝트에 </a:t>
-            </a:r>
-            <a:r>
-              <a:rPr lang="ko-KR" sz="1800">
-                <a:latin typeface="맑은 고딕" charset="0"/>
-                <a:ea typeface="맑은 고딕" charset="0"/>
-              </a:rPr>
-              <a:t>Contribute</a:t>
-            </a:r>
-            <a:r>
-              <a:rPr lang="ko-KR" sz="1800">
-                <a:latin typeface="맑은 고딕" charset="0"/>
-                <a:ea typeface="맑은 고딕" charset="0"/>
-              </a:rPr>
-              <a:t> GI를 설정합니다.</a:t>
-            </a:r>
-            <a:endParaRPr lang="ko-KR" altLang="en-US" sz="1800">
-              <a:latin typeface="맑은 고딕" charset="0"/>
-              <a:ea typeface="맑은 고딕" charset="0"/>
-            </a:endParaRPr>
-          </a:p>
-        </p:txBody>
-      </p:sp>
-      <p:pic>
-        <p:nvPicPr>
-          <p:cNvPr id="1044" name="그림 1" descr="C:/Users/Admin1/AppData/Roaming/PolarisOffice/ETemp/23248_23591048/fImage80882679358.png"/>
-          <p:cNvPicPr>
-            <a:picLocks noChangeAspect="1"/>
-          </p:cNvPicPr>
-          <p:nvPr/>
-        </p:nvPicPr>
-        <p:blipFill rotWithShape="1">
-          <a:blip r:embed="rId8" cstate="hqprint">
-            <a:extLst>
-              <a:ext uri="{28A0092B-C50C-407E-A947-70E740481C1C}">
-                <a14:useLocalDpi xmlns:a14="http://schemas.microsoft.com/office/drawing/2010/main"/>
-              </a:ext>
-            </a:extLst>
-          </a:blip>
-          <a:stretch>
-            <a:fillRect/>
-          </a:stretch>
-        </p:blipFill>
-        <p:spPr>
-          <a:xfrm rot="0">
-            <a:off x="1240790" y="1438275"/>
-            <a:ext cx="1903730" cy="1376680"/>
-          </a:xfrm>
-          <a:prstGeom prst="roundRect"/>
-          <a:solidFill>
-            <a:srgbClr val="EDEDED"/>
-          </a:solidFill>
-        </p:spPr>
-      </p:pic>
-      <p:sp>
-        <p:nvSpPr>
-          <p:cNvPr id="1046" name="텍스트 상자 3"/>
-          <p:cNvSpPr txBox="1">
-            <a:spLocks/>
-          </p:cNvSpPr>
-          <p:nvPr/>
-        </p:nvSpPr>
-        <p:spPr>
-          <a:xfrm rot="0">
-            <a:off x="1240790" y="5283200"/>
-            <a:ext cx="4143375" cy="923925"/>
-          </a:xfrm>
-          <a:prstGeom prst="rect"/>
-          <a:noFill/>
-          <a:ln w="0">
-            <a:noFill/>
-            <a:prstDash/>
-          </a:ln>
-        </p:spPr>
-        <p:txBody>
-          <a:bodyPr wrap="square" lIns="89535" tIns="46355" rIns="89535" bIns="46355" numCol="1" vert="horz" anchor="t">
-            <a:spAutoFit/>
-          </a:bodyPr>
-          <a:lstStyle/>
-          <a:p>
-            <a:pPr marL="0" indent="0" rtl="0" algn="l" defTabSz="914400" eaLnBrk="1" latinLnBrk="0" hangingPunct="1">
-              <a:buFontTx/>
-              <a:buNone/>
-            </a:pPr>
-            <a:r>
-              <a:rPr sz="1800" b="1">
-                <a:solidFill>
-                  <a:srgbClr val="0611F2"/>
-                </a:solidFill>
-                <a:latin typeface="맑은 고딕" charset="0"/>
-                <a:ea typeface="맑은 고딕" charset="0"/>
-              </a:rPr>
-              <a:t>2</a:t>
-            </a:r>
-            <a:r>
-              <a:rPr sz="1800" b="1">
-                <a:solidFill>
-                  <a:srgbClr val="0611F2"/>
-                </a:solidFill>
-                <a:latin typeface="맑은 고딕" charset="0"/>
-                <a:ea typeface="맑은 고딕" charset="0"/>
-              </a:rPr>
-              <a:t>1</a:t>
-            </a:r>
-            <a:r>
-              <a:rPr sz="1800" b="1">
-                <a:solidFill>
-                  <a:srgbClr val="0611F2"/>
-                </a:solidFill>
-                <a:latin typeface="맑은 고딕" charset="0"/>
-                <a:ea typeface="맑은 고딕" charset="0"/>
-              </a:rPr>
-              <a:t>.</a:t>
-            </a:r>
-            <a:r>
-              <a:rPr sz="1800">
-                <a:latin typeface="맑은 고딕" charset="0"/>
-                <a:ea typeface="맑은 고딕" charset="0"/>
-              </a:rPr>
-              <a:t> </a:t>
-            </a:r>
-            <a:r>
-              <a:rPr lang="ko-KR" sz="1800">
-                <a:latin typeface="맑은 고딕" charset="0"/>
-                <a:ea typeface="맑은 고딕" charset="0"/>
-              </a:rPr>
-              <a:t>그러고 나서 Right Ground </a:t>
-            </a:r>
-            <a:r>
-              <a:rPr lang="ko-KR" sz="1800">
-                <a:latin typeface="맑은 고딕" charset="0"/>
-                <a:ea typeface="맑은 고딕" charset="0"/>
-              </a:rPr>
-              <a:t>오브젝트에</a:t>
-            </a:r>
-            <a:r>
-              <a:rPr lang="ko-KR" sz="1800">
-                <a:latin typeface="맑은 고딕" charset="0"/>
-                <a:ea typeface="맑은 고딕" charset="0"/>
-              </a:rPr>
-              <a:t> </a:t>
-            </a:r>
-            <a:r>
-              <a:rPr lang="ko-KR" sz="1800">
-                <a:latin typeface="맑은 고딕" charset="0"/>
-                <a:ea typeface="맑은 고딕" charset="0"/>
-              </a:rPr>
-              <a:t>Contribute</a:t>
-            </a:r>
-            <a:r>
-              <a:rPr lang="ko-KR" sz="1800">
-                <a:latin typeface="맑은 고딕" charset="0"/>
-                <a:ea typeface="맑은 고딕" charset="0"/>
-              </a:rPr>
-              <a:t> GI를 </a:t>
-            </a:r>
-            <a:r>
-              <a:rPr lang="ko-KR" sz="1800">
-                <a:latin typeface="맑은 고딕" charset="0"/>
-                <a:ea typeface="맑은 고딕" charset="0"/>
-              </a:rPr>
-              <a:t>설정합니다.</a:t>
-            </a:r>
-            <a:endParaRPr lang="ko-KR" altLang="en-US" sz="1800">
-              <a:latin typeface="맑은 고딕" charset="0"/>
-              <a:ea typeface="맑은 고딕" charset="0"/>
-            </a:endParaRPr>
-          </a:p>
-        </p:txBody>
-      </p:sp>
-      <p:pic>
-        <p:nvPicPr>
-          <p:cNvPr id="1047" name="그림 7" descr="C:/Users/Admin1/AppData/Roaming/PolarisOffice/ETemp/23248_23591048/fImage50303243281.png"/>
-          <p:cNvPicPr>
-            <a:picLocks noChangeAspect="1"/>
-          </p:cNvPicPr>
-          <p:nvPr/>
-        </p:nvPicPr>
-        <p:blipFill rotWithShape="1">
-          <a:blip r:embed="rId4" cstate="hqprint">
-            <a:extLst>
-              <a:ext uri="{28A0092B-C50C-407E-A947-70E740481C1C}">
-                <a14:useLocalDpi xmlns:a14="http://schemas.microsoft.com/office/drawing/2010/main"/>
-              </a:ext>
-            </a:extLst>
-          </a:blip>
-          <a:stretch>
-            <a:fillRect/>
-          </a:stretch>
-        </p:blipFill>
-        <p:spPr>
-          <a:xfrm rot="0">
-            <a:off x="3342005" y="3766820"/>
-            <a:ext cx="2042160" cy="1376045"/>
-          </a:xfrm>
-          <a:prstGeom prst="roundRect"/>
-          <a:solidFill>
-            <a:srgbClr val="EDEDED"/>
-          </a:solidFill>
-        </p:spPr>
-      </p:pic>
-      <p:pic>
-        <p:nvPicPr>
-          <p:cNvPr id="1048" name="그림 9" descr="C:/Users/Admin1/AppData/Roaming/PolarisOffice/ETemp/23248_23591048/fImage80712784464.png"/>
-          <p:cNvPicPr>
-            <a:picLocks noChangeAspect="1"/>
-          </p:cNvPicPr>
-          <p:nvPr/>
-        </p:nvPicPr>
-        <p:blipFill rotWithShape="1">
-          <a:blip r:embed="rId9" cstate="hqprint">
-            <a:extLst>
-              <a:ext uri="{28A0092B-C50C-407E-A947-70E740481C1C}">
-                <a14:useLocalDpi xmlns:a14="http://schemas.microsoft.com/office/drawing/2010/main"/>
-              </a:ext>
-            </a:extLst>
-          </a:blip>
-          <a:stretch>
-            <a:fillRect/>
-          </a:stretch>
-        </p:blipFill>
-        <p:spPr>
-          <a:xfrm rot="0">
-            <a:off x="1228090" y="3755390"/>
-            <a:ext cx="1908175" cy="1379220"/>
-          </a:xfrm>
-          <a:prstGeom prst="roundRect"/>
-          <a:solidFill>
-            <a:srgbClr val="EDEDED"/>
-          </a:solidFill>
-        </p:spPr>
-      </p:pic>
-      <p:pic>
-        <p:nvPicPr>
-          <p:cNvPr id="1049" name="그림 10" descr="C:/Users/Admin1/AppData/Roaming/PolarisOffice/ETemp/23248_23591048/fImage803917841.png"/>
-          <p:cNvPicPr>
-            <a:picLocks noChangeAspect="1"/>
-          </p:cNvPicPr>
-          <p:nvPr/>
-        </p:nvPicPr>
-        <p:blipFill rotWithShape="1">
-          <a:blip r:embed="rId10" cstate="print">
+          <a:blip r:embed="rId2" cstate="print">
             <a:extLst>
               <a:ext uri="{28A0092B-C50C-407E-A947-70E740481C1C}">
                 <a14:useLocalDpi xmlns:a14="http://schemas.microsoft.com/office/drawing/2010/main" val="0"/>
@@ -14655,8 +16662,8 @@
         </p:blipFill>
         <p:spPr>
           <a:xfrm rot="0">
-            <a:off x="6830695" y="1444625"/>
-            <a:ext cx="1232535" cy="1268095"/>
+            <a:off x="8183245" y="1450975"/>
+            <a:ext cx="2774315" cy="1108075"/>
           </a:xfrm>
           <a:prstGeom prst="roundRect"/>
           <a:solidFill>
@@ -14664,16 +16671,318 @@
           </a:solidFill>
         </p:spPr>
       </p:pic>
+      <p:sp>
+        <p:nvSpPr>
+          <p:cNvPr id="1051" name="Rect 0"/>
+          <p:cNvSpPr txBox="1">
+            <a:spLocks/>
+          </p:cNvSpPr>
+          <p:nvPr/>
+        </p:nvSpPr>
+        <p:spPr>
+          <a:xfrm rot="0">
+            <a:off x="6842125" y="2690495"/>
+            <a:ext cx="4115435" cy="1200785"/>
+          </a:xfrm>
+          <a:prstGeom prst="rect"/>
+          <a:noFill/>
+          <a:ln w="0">
+            <a:noFill/>
+            <a:prstDash/>
+          </a:ln>
+        </p:spPr>
+        <p:txBody>
+          <a:bodyPr wrap="square" lIns="89535" tIns="46355" rIns="89535" bIns="46355" numCol="1" vert="horz" anchor="t">
+            <a:spAutoFit/>
+          </a:bodyPr>
+          <a:lstStyle/>
+          <a:p>
+            <a:pPr marL="0" indent="0" rtl="0" algn="l" defTabSz="914400" eaLnBrk="1" latinLnBrk="0" hangingPunct="1">
+              <a:buFontTx/>
+              <a:buNone/>
+            </a:pPr>
+            <a:r>
+              <a:rPr sz="1800" b="1">
+                <a:solidFill>
+                  <a:srgbClr val="0611F2"/>
+                </a:solidFill>
+                <a:latin typeface="맑은 고딕" charset="0"/>
+                <a:ea typeface="맑은 고딕" charset="0"/>
+              </a:rPr>
+              <a:t>2</a:t>
+            </a:r>
+            <a:r>
+              <a:rPr lang="ko-KR" sz="1800" b="1">
+                <a:solidFill>
+                  <a:srgbClr val="0611F2"/>
+                </a:solidFill>
+                <a:latin typeface="맑은 고딕" charset="0"/>
+                <a:ea typeface="맑은 고딕" charset="0"/>
+              </a:rPr>
+              <a:t>6</a:t>
+            </a:r>
+            <a:r>
+              <a:rPr sz="1800" b="1">
+                <a:solidFill>
+                  <a:srgbClr val="0611F2"/>
+                </a:solidFill>
+                <a:latin typeface="맑은 고딕" charset="0"/>
+                <a:ea typeface="맑은 고딕" charset="0"/>
+              </a:rPr>
+              <a:t>.</a:t>
+            </a:r>
+            <a:r>
+              <a:rPr sz="1800">
+                <a:latin typeface="맑은 고딕" charset="0"/>
+                <a:ea typeface="맑은 고딕" charset="0"/>
+              </a:rPr>
+              <a:t> </a:t>
+            </a:r>
+            <a:r>
+              <a:rPr lang="ko-KR" sz="1800">
+                <a:latin typeface="맑은 고딕" charset="0"/>
+                <a:ea typeface="맑은 고딕" charset="0"/>
+              </a:rPr>
+              <a:t>그러고 나서 Project 폴더에 </a:t>
+            </a:r>
+            <a:r>
+              <a:rPr lang="ko-KR" sz="1800">
+                <a:latin typeface="맑은 고딕" charset="0"/>
+                <a:ea typeface="맑은 고딕" charset="0"/>
+              </a:rPr>
+              <a:t>있는 </a:t>
+            </a:r>
+            <a:r>
+              <a:rPr lang="ko-KR" sz="1800">
+                <a:latin typeface="맑은 고딕" charset="0"/>
+                <a:ea typeface="맑은 고딕" charset="0"/>
+              </a:rPr>
+              <a:t>T</a:t>
+            </a:r>
+            <a:r>
+              <a:rPr lang="ko-KR" sz="1800">
+                <a:latin typeface="맑은 고딕" charset="0"/>
+                <a:ea typeface="맑은 고딕" charset="0"/>
+              </a:rPr>
+              <a:t>ex</a:t>
+            </a:r>
+            <a:r>
+              <a:rPr lang="ko-KR" sz="1800">
+                <a:latin typeface="맑은 고딕" charset="0"/>
+                <a:ea typeface="맑은 고딕" charset="0"/>
+              </a:rPr>
+              <a:t>t</a:t>
+            </a:r>
+            <a:r>
+              <a:rPr lang="ko-KR" sz="1800">
+                <a:latin typeface="맑은 고딕" charset="0"/>
+                <a:ea typeface="맑은 고딕" charset="0"/>
+              </a:rPr>
+              <a:t>ure</a:t>
+            </a:r>
+            <a:r>
+              <a:rPr lang="ko-KR" sz="1800">
+                <a:latin typeface="맑은 고딕" charset="0"/>
+                <a:ea typeface="맑은 고딕" charset="0"/>
+              </a:rPr>
+              <a:t> 폴더</a:t>
+            </a:r>
+            <a:r>
+              <a:rPr lang="ko-KR" sz="1800">
+                <a:latin typeface="맑은 고딕" charset="0"/>
+                <a:ea typeface="맑은 고딕" charset="0"/>
+              </a:rPr>
+              <a:t>에 </a:t>
+            </a:r>
+            <a:r>
+              <a:rPr lang="ko-KR" sz="1800">
+                <a:latin typeface="맑은 고딕" charset="0"/>
+                <a:ea typeface="맑은 고딕" charset="0"/>
+              </a:rPr>
+              <a:t>Street Lamp 텍스처를 </a:t>
+            </a:r>
+            <a:r>
+              <a:rPr lang="ko-KR" sz="1800">
+                <a:latin typeface="맑은 고딕" charset="0"/>
+                <a:ea typeface="맑은 고딕" charset="0"/>
+              </a:rPr>
+              <a:t>A</a:t>
+            </a:r>
+            <a:r>
+              <a:rPr lang="ko-KR" sz="1800">
+                <a:latin typeface="맑은 고딕" charset="0"/>
+                <a:ea typeface="맑은 고딕" charset="0"/>
+              </a:rPr>
+              <a:t>rea</a:t>
+            </a:r>
+            <a:r>
+              <a:rPr lang="ko-KR" sz="1800">
+                <a:latin typeface="맑은 고딕" charset="0"/>
+                <a:ea typeface="맑은 고딕" charset="0"/>
+              </a:rPr>
+              <a:t> Street Lamp 오브젝트에 </a:t>
+            </a:r>
+            <a:r>
+              <a:rPr lang="ko-KR" sz="1800">
+                <a:latin typeface="맑은 고딕" charset="0"/>
+                <a:ea typeface="맑은 고딕" charset="0"/>
+              </a:rPr>
+              <a:t>넣어줍니다.</a:t>
+            </a:r>
+            <a:r>
+              <a:rPr lang="ko-KR" sz="1800">
+                <a:latin typeface="맑은 고딕" charset="0"/>
+                <a:ea typeface="맑은 고딕" charset="0"/>
+              </a:rPr>
+              <a:t> </a:t>
+            </a:r>
+            <a:endParaRPr lang="ko-KR" altLang="en-US" sz="1800">
+              <a:latin typeface="맑은 고딕" charset="0"/>
+              <a:ea typeface="맑은 고딕" charset="0"/>
+            </a:endParaRPr>
+          </a:p>
+        </p:txBody>
+      </p:sp>
+      <p:sp>
+        <p:nvSpPr>
+          <p:cNvPr id="1055" name="Rect 0"/>
+          <p:cNvSpPr txBox="1">
+            <a:spLocks/>
+          </p:cNvSpPr>
+          <p:nvPr/>
+        </p:nvSpPr>
+        <p:spPr>
+          <a:xfrm rot="0">
+            <a:off x="6827520" y="5561965"/>
+            <a:ext cx="4130040" cy="647065"/>
+          </a:xfrm>
+          <a:prstGeom prst="rect"/>
+          <a:noFill/>
+          <a:ln w="0">
+            <a:noFill/>
+            <a:prstDash/>
+          </a:ln>
+        </p:spPr>
+        <p:txBody>
+          <a:bodyPr wrap="square" lIns="89535" tIns="46355" rIns="89535" bIns="46355" numCol="1" vert="horz" anchor="t">
+            <a:spAutoFit/>
+          </a:bodyPr>
+          <a:lstStyle/>
+          <a:p>
+            <a:pPr marL="0" indent="0" rtl="0" algn="l" defTabSz="914400" eaLnBrk="1" latinLnBrk="0" hangingPunct="1">
+              <a:buFontTx/>
+              <a:buNone/>
+            </a:pPr>
+            <a:r>
+              <a:rPr sz="1800" b="1">
+                <a:solidFill>
+                  <a:srgbClr val="0611F2"/>
+                </a:solidFill>
+                <a:latin typeface="맑은 고딕" charset="0"/>
+                <a:ea typeface="맑은 고딕" charset="0"/>
+              </a:rPr>
+              <a:t>2</a:t>
+            </a:r>
+            <a:r>
+              <a:rPr lang="ko-KR" sz="1800" b="1">
+                <a:solidFill>
+                  <a:srgbClr val="0611F2"/>
+                </a:solidFill>
+                <a:latin typeface="맑은 고딕" charset="0"/>
+                <a:ea typeface="맑은 고딕" charset="0"/>
+              </a:rPr>
+              <a:t>7</a:t>
+            </a:r>
+            <a:r>
+              <a:rPr sz="1800" b="1">
+                <a:solidFill>
+                  <a:srgbClr val="0611F2"/>
+                </a:solidFill>
+                <a:latin typeface="맑은 고딕" charset="0"/>
+                <a:ea typeface="맑은 고딕" charset="0"/>
+              </a:rPr>
+              <a:t>.</a:t>
+            </a:r>
+            <a:r>
+              <a:rPr sz="1800">
+                <a:latin typeface="맑은 고딕" charset="0"/>
+                <a:ea typeface="맑은 고딕" charset="0"/>
+              </a:rPr>
+              <a:t> </a:t>
+            </a:r>
+            <a:r>
+              <a:rPr lang="ko-KR" sz="1800">
+                <a:latin typeface="맑은 고딕" charset="0"/>
+                <a:ea typeface="맑은 고딕" charset="0"/>
+              </a:rPr>
+              <a:t>이제 Robot </a:t>
+            </a:r>
+            <a:r>
+              <a:rPr lang="ko-KR" sz="1800">
+                <a:latin typeface="맑은 고딕" charset="0"/>
+                <a:ea typeface="맑은 고딕" charset="0"/>
+              </a:rPr>
+              <a:t>오브젝트에</a:t>
+            </a:r>
+            <a:r>
+              <a:rPr lang="ko-KR" sz="1800">
+                <a:latin typeface="맑은 고딕" charset="0"/>
+                <a:ea typeface="맑은 고딕" charset="0"/>
+              </a:rPr>
+              <a:t> </a:t>
+            </a:r>
+            <a:r>
+              <a:rPr lang="ko-KR" sz="1800">
+                <a:latin typeface="맑은 고딕" charset="0"/>
+                <a:ea typeface="맑은 고딕" charset="0"/>
+              </a:rPr>
+              <a:t>Contribute</a:t>
+            </a:r>
+            <a:r>
+              <a:rPr lang="ko-KR" sz="1800">
+                <a:latin typeface="맑은 고딕" charset="0"/>
+                <a:ea typeface="맑은 고딕" charset="0"/>
+              </a:rPr>
+              <a:t> </a:t>
+            </a:r>
+            <a:r>
+              <a:rPr lang="ko-KR" sz="1800">
+                <a:latin typeface="맑은 고딕" charset="0"/>
+                <a:ea typeface="맑은 고딕" charset="0"/>
+              </a:rPr>
+              <a:t>GI를</a:t>
+            </a:r>
+            <a:r>
+              <a:rPr lang="ko-KR" sz="1800">
+                <a:latin typeface="맑은 고딕" charset="0"/>
+                <a:ea typeface="맑은 고딕" charset="0"/>
+              </a:rPr>
+              <a:t> </a:t>
+            </a:r>
+            <a:r>
+              <a:rPr lang="ko-KR" sz="1800">
+                <a:latin typeface="맑은 고딕" charset="0"/>
+                <a:ea typeface="맑은 고딕" charset="0"/>
+              </a:rPr>
+              <a:t>설정합니다.</a:t>
+            </a:r>
+            <a:endParaRPr lang="ko-KR" altLang="en-US" sz="1800">
+              <a:latin typeface="맑은 고딕" charset="0"/>
+              <a:ea typeface="맑은 고딕" charset="0"/>
+            </a:endParaRPr>
+          </a:p>
+        </p:txBody>
+      </p:sp>
       <p:pic>
         <p:nvPicPr>
-          <p:cNvPr id="1050" name="그림 11" descr="C:/Users/Admin1/AppData/Roaming/PolarisOffice/ETemp/23248_23591048/fImage482571798467.png"/>
+          <p:cNvPr id="1057" name="그림 32" descr="C:/Users/Admin1/AppData/Roaming/PolarisOffice/ETemp/23248_23591048/fImage482572835724.png"/>
           <p:cNvPicPr>
             <a:picLocks noChangeAspect="1"/>
           </p:cNvPicPr>
           <p:nvPr/>
         </p:nvPicPr>
         <p:blipFill rotWithShape="1">
-          <a:blip r:embed="rId11" cstate="print">
+          <a:blip r:embed="rId3" cstate="print">
             <a:extLst>
               <a:ext uri="{28A0092B-C50C-407E-A947-70E740481C1C}">
                 <a14:useLocalDpi xmlns:a14="http://schemas.microsoft.com/office/drawing/2010/main" val="0"/>
@@ -14686,8 +16995,8 @@
         </p:blipFill>
         <p:spPr>
           <a:xfrm rot="0">
-            <a:off x="8183245" y="1450975"/>
-            <a:ext cx="2774315" cy="1254125"/>
+            <a:off x="2613025" y="1445260"/>
+            <a:ext cx="2774315" cy="1113790"/>
           </a:xfrm>
           <a:prstGeom prst="roundRect"/>
           <a:solidFill>
@@ -14695,174 +17004,47 @@
           </a:solidFill>
         </p:spPr>
       </p:pic>
-      <p:sp>
-        <p:nvSpPr>
-          <p:cNvPr id="1051" name="텍스트 상자 18"/>
-          <p:cNvSpPr txBox="1">
-            <a:spLocks/>
-          </p:cNvSpPr>
+      <p:pic>
+        <p:nvPicPr>
+          <p:cNvPr id="1058" name="그림 33" descr="C:/Users/Admin1/AppData/Roaming/PolarisOffice/ETemp/23248_23591048/fImage86782841478.png"/>
+          <p:cNvPicPr>
+            <a:picLocks noChangeAspect="1"/>
+          </p:cNvPicPr>
           <p:nvPr/>
-        </p:nvSpPr>
-        <p:spPr>
-          <a:xfrm rot="0">
-            <a:off x="6842125" y="2854325"/>
-            <a:ext cx="4115435" cy="923925"/>
-          </a:xfrm>
-          <a:prstGeom prst="rect"/>
-          <a:noFill/>
-          <a:ln w="0">
-            <a:noFill/>
-            <a:prstDash/>
-          </a:ln>
-        </p:spPr>
-        <p:txBody>
-          <a:bodyPr wrap="square" lIns="89535" tIns="46355" rIns="89535" bIns="46355" numCol="1" vert="horz" anchor="t">
-            <a:spAutoFit/>
-          </a:bodyPr>
-          <a:lstStyle/>
-          <a:p>
-            <a:pPr marL="0" indent="0" rtl="0" algn="l" defTabSz="914400" eaLnBrk="1" latinLnBrk="0" hangingPunct="1">
-              <a:buFontTx/>
-              <a:buNone/>
-            </a:pPr>
-            <a:r>
-              <a:rPr sz="1800" b="1">
-                <a:solidFill>
-                  <a:srgbClr val="0611F2"/>
-                </a:solidFill>
-                <a:latin typeface="맑은 고딕" charset="0"/>
-                <a:ea typeface="맑은 고딕" charset="0"/>
-              </a:rPr>
-              <a:t>2</a:t>
-            </a:r>
-            <a:r>
-              <a:rPr sz="1800" b="1">
-                <a:solidFill>
-                  <a:srgbClr val="0611F2"/>
-                </a:solidFill>
-                <a:latin typeface="맑은 고딕" charset="0"/>
-                <a:ea typeface="맑은 고딕" charset="0"/>
-              </a:rPr>
-              <a:t>2</a:t>
-            </a:r>
-            <a:r>
-              <a:rPr sz="1800" b="1">
-                <a:solidFill>
-                  <a:srgbClr val="0611F2"/>
-                </a:solidFill>
-                <a:latin typeface="맑은 고딕" charset="0"/>
-                <a:ea typeface="맑은 고딕" charset="0"/>
-              </a:rPr>
-              <a:t>.</a:t>
-            </a:r>
-            <a:r>
-              <a:rPr sz="1800">
-                <a:latin typeface="맑은 고딕" charset="0"/>
-                <a:ea typeface="맑은 고딕" charset="0"/>
-              </a:rPr>
-              <a:t> </a:t>
-            </a:r>
-            <a:r>
-              <a:rPr lang="ko-KR" sz="1800">
-                <a:latin typeface="맑은 고딕" charset="0"/>
-                <a:ea typeface="맑은 고딕" charset="0"/>
-              </a:rPr>
-              <a:t>이제 Project 폴더에 </a:t>
-            </a:r>
-            <a:r>
-              <a:rPr lang="ko-KR" sz="1800">
-                <a:latin typeface="맑은 고딕" charset="0"/>
-                <a:ea typeface="맑은 고딕" charset="0"/>
-              </a:rPr>
-              <a:t>있는 T</a:t>
-            </a:r>
-            <a:r>
-              <a:rPr lang="ko-KR" sz="1800">
-                <a:latin typeface="맑은 고딕" charset="0"/>
-                <a:ea typeface="맑은 고딕" charset="0"/>
-              </a:rPr>
-              <a:t>ex</a:t>
-            </a:r>
-            <a:r>
-              <a:rPr lang="ko-KR" sz="1800">
-                <a:latin typeface="맑은 고딕" charset="0"/>
-                <a:ea typeface="맑은 고딕" charset="0"/>
-              </a:rPr>
-              <a:t>t</a:t>
-            </a:r>
-            <a:r>
-              <a:rPr lang="ko-KR" sz="1800">
-                <a:latin typeface="맑은 고딕" charset="0"/>
-                <a:ea typeface="맑은 고딕" charset="0"/>
-              </a:rPr>
-              <a:t>ure </a:t>
-            </a:r>
-            <a:r>
-              <a:rPr lang="ko-KR" sz="1800">
-                <a:latin typeface="맑은 고딕" charset="0"/>
-                <a:ea typeface="맑은 고딕" charset="0"/>
-              </a:rPr>
-              <a:t>폴더</a:t>
-            </a:r>
-            <a:r>
-              <a:rPr lang="ko-KR" sz="1800">
-                <a:latin typeface="맑은 고딕" charset="0"/>
-                <a:ea typeface="맑은 고딕" charset="0"/>
-              </a:rPr>
-              <a:t>에</a:t>
-            </a:r>
-            <a:r>
-              <a:rPr lang="ko-KR" sz="1800">
-                <a:latin typeface="맑은 고딕" charset="0"/>
-                <a:ea typeface="맑은 고딕" charset="0"/>
-              </a:rPr>
-              <a:t> </a:t>
-            </a:r>
-            <a:r>
-              <a:rPr lang="ko-KR" sz="1800">
-                <a:latin typeface="맑은 고딕" charset="0"/>
-                <a:ea typeface="맑은 고딕" charset="0"/>
-              </a:rPr>
-              <a:t>Street Lamp 텍스처를 Spot </a:t>
-            </a:r>
-            <a:r>
-              <a:rPr lang="ko-KR" sz="1800">
-                <a:latin typeface="맑은 고딕" charset="0"/>
-                <a:ea typeface="맑은 고딕" charset="0"/>
-              </a:rPr>
-              <a:t>Street</a:t>
-            </a:r>
-            <a:r>
-              <a:rPr lang="ko-KR" sz="1800">
-                <a:latin typeface="맑은 고딕" charset="0"/>
-                <a:ea typeface="맑은 고딕" charset="0"/>
-              </a:rPr>
-              <a:t> Lamp 오브젝트에 넣어줍니다.</a:t>
-            </a:r>
-            <a:r>
-              <a:rPr lang="ko-KR" sz="1800">
-                <a:latin typeface="맑은 고딕" charset="0"/>
-                <a:ea typeface="맑은 고딕" charset="0"/>
-              </a:rPr>
-              <a:t> </a:t>
-            </a:r>
-            <a:endParaRPr lang="ko-KR" altLang="en-US" sz="1800">
-              <a:latin typeface="맑은 고딕" charset="0"/>
-              <a:ea typeface="맑은 고딕" charset="0"/>
-            </a:endParaRPr>
-          </a:p>
-        </p:txBody>
-      </p:sp>
+        </p:nvPicPr>
+        <p:blipFill rotWithShape="1">
+          <a:blip r:embed="rId4" cstate="print">
+            <a:extLst>
+              <a:ext uri="{28A0092B-C50C-407E-A947-70E740481C1C}">
+                <a14:useLocalDpi xmlns:a14="http://schemas.microsoft.com/office/drawing/2010/main" val="0"/>
+              </a:ext>
+            </a:extLst>
+          </a:blip>
+          <a:stretch>
+            <a:fillRect/>
+          </a:stretch>
+        </p:blipFill>
+        <p:spPr>
+          <a:xfrm rot="0">
+            <a:off x="1235710" y="1447165"/>
+            <a:ext cx="1228725" cy="1118870"/>
+          </a:xfrm>
+          <a:prstGeom prst="roundRect"/>
+          <a:solidFill>
+            <a:srgbClr val="EDEDED"/>
+          </a:solidFill>
+        </p:spPr>
+      </p:pic>
       <p:cxnSp>
         <p:nvCxnSpPr>
-          <p:cNvPr id="1052" name="도형 19"/>
+          <p:cNvPr id="1059" name="도형 36"/>
           <p:cNvCxnSpPr/>
           <p:nvPr/>
         </p:nvCxnSpPr>
         <p:spPr>
           <a:xfrm rot="0" flipH="1">
-            <a:off x="7985125" y="1911985"/>
-            <a:ext cx="2412365" cy="422910"/>
+            <a:off x="2420620" y="1998345"/>
+            <a:ext cx="2404110" cy="259080"/>
           </a:xfrm>
           <a:prstGeom prst="straightConnector1"/>
           <a:ln w="6350" cap="flat" cmpd="sng">
@@ -14888,14 +17070,14 @@
       </p:cxnSp>
       <p:pic>
         <p:nvPicPr>
-          <p:cNvPr id="1053" name="그림 24" descr="C:/Users/Admin1/AppData/Roaming/PolarisOffice/ETemp/23248_23591048/fImage92251886334.png"/>
+          <p:cNvPr id="1060" name="그림 37" descr="C:/Users/Admin1/AppData/Roaming/PolarisOffice/ETemp/23248_23591048/fImage157022869358.png"/>
           <p:cNvPicPr>
             <a:picLocks noChangeAspect="1"/>
           </p:cNvPicPr>
           <p:nvPr/>
         </p:nvPicPr>
         <p:blipFill rotWithShape="1">
-          <a:blip r:embed="rId12" cstate="print">
+          <a:blip r:embed="rId5" cstate="print">
             <a:extLst>
               <a:ext uri="{28A0092B-C50C-407E-A947-70E740481C1C}">
                 <a14:useLocalDpi xmlns:a14="http://schemas.microsoft.com/office/drawing/2010/main" val="0"/>
@@ -14908,8 +17090,8 @@
         </p:blipFill>
         <p:spPr>
           <a:xfrm rot="0">
-            <a:off x="8191500" y="3962400"/>
-            <a:ext cx="2768600" cy="1189355"/>
+            <a:off x="1240790" y="3953510"/>
+            <a:ext cx="4143375" cy="1240790"/>
           </a:xfrm>
           <a:prstGeom prst="roundRect"/>
           <a:solidFill>
@@ -14919,14 +17101,45 @@
       </p:pic>
       <p:pic>
         <p:nvPicPr>
-          <p:cNvPr id="1054" name="그림 27" descr="C:/Users/Admin1/AppData/Roaming/PolarisOffice/ETemp/23248_23591048/fImage86201896500.png"/>
+          <p:cNvPr id="1061" name="그림 40" descr="C:/Users/Admin1/AppData/Roaming/PolarisOffice/ETemp/23248_23591048/fImage50303243281.png"/>
           <p:cNvPicPr>
             <a:picLocks noChangeAspect="1"/>
           </p:cNvPicPr>
           <p:nvPr/>
         </p:nvPicPr>
         <p:blipFill rotWithShape="1">
-          <a:blip r:embed="rId13" cstate="print">
+          <a:blip r:embed="rId6" cstate="hqprint">
+            <a:extLst>
+              <a:ext uri="{28A0092B-C50C-407E-A947-70E740481C1C}">
+                <a14:useLocalDpi xmlns:a14="http://schemas.microsoft.com/office/drawing/2010/main"/>
+              </a:ext>
+            </a:extLst>
+          </a:blip>
+          <a:stretch>
+            <a:fillRect/>
+          </a:stretch>
+        </p:blipFill>
+        <p:spPr>
+          <a:xfrm rot="0">
+            <a:off x="8915400" y="4042410"/>
+            <a:ext cx="2042160" cy="1376045"/>
+          </a:xfrm>
+          <a:prstGeom prst="roundRect"/>
+          <a:solidFill>
+            <a:srgbClr val="EDEDED"/>
+          </a:solidFill>
+        </p:spPr>
+      </p:pic>
+      <p:pic>
+        <p:nvPicPr>
+          <p:cNvPr id="1062" name="그림 41" descr="C:/Users/Admin1/AppData/Roaming/PolarisOffice/ETemp/23248_23591048/fImage86202886962.png"/>
+          <p:cNvPicPr>
+            <a:picLocks noChangeAspect="1"/>
+          </p:cNvPicPr>
+          <p:nvPr/>
+        </p:nvPicPr>
+        <p:blipFill rotWithShape="1">
+          <a:blip r:embed="rId7" cstate="print">
             <a:extLst>
               <a:ext uri="{28A0092B-C50C-407E-A947-70E740481C1C}">
                 <a14:useLocalDpi xmlns:a14="http://schemas.microsoft.com/office/drawing/2010/main" val="0"/>
@@ -14939,8 +17152,8 @@
         </p:blipFill>
         <p:spPr>
           <a:xfrm rot="0">
-            <a:off x="6822440" y="3961130"/>
-            <a:ext cx="1240790" cy="1189990"/>
+            <a:off x="6831330" y="4029710"/>
+            <a:ext cx="1938655" cy="1388745"/>
           </a:xfrm>
           <a:prstGeom prst="roundRect"/>
           <a:solidFill>
@@ -14948,181 +17161,47 @@
           </a:solidFill>
         </p:spPr>
       </p:pic>
-      <p:sp>
-        <p:nvSpPr>
-          <p:cNvPr id="1055" name="텍스트 상자 30"/>
-          <p:cNvSpPr txBox="1">
-            <a:spLocks/>
-          </p:cNvSpPr>
+      <p:pic>
+        <p:nvPicPr>
+          <p:cNvPr id="1063" name="그림 42" descr="C:/Users/Admin1/AppData/Roaming/PolarisOffice/ETemp/23248_23591048/fImage86742894464.png"/>
+          <p:cNvPicPr>
+            <a:picLocks noChangeAspect="1"/>
+          </p:cNvPicPr>
           <p:nvPr/>
-        </p:nvSpPr>
-        <p:spPr>
-          <a:xfrm rot="0">
-            <a:off x="6827520" y="5286375"/>
-            <a:ext cx="4138930" cy="923925"/>
-          </a:xfrm>
-          <a:prstGeom prst="rect"/>
-          <a:noFill/>
-          <a:ln w="0">
-            <a:noFill/>
-            <a:prstDash/>
-          </a:ln>
-        </p:spPr>
-        <p:txBody>
-          <a:bodyPr wrap="square" lIns="89535" tIns="46355" rIns="89535" bIns="46355" numCol="1" vert="horz" anchor="t">
-            <a:spAutoFit/>
-          </a:bodyPr>
-          <a:lstStyle/>
-          <a:p>
-            <a:pPr marL="0" indent="0" rtl="0" algn="l" defTabSz="914400" eaLnBrk="1" latinLnBrk="0" hangingPunct="1">
-              <a:buFontTx/>
-              <a:buNone/>
-            </a:pPr>
-            <a:r>
-              <a:rPr sz="1800" b="1">
-                <a:solidFill>
-                  <a:srgbClr val="0611F2"/>
-                </a:solidFill>
-                <a:latin typeface="맑은 고딕" charset="0"/>
-                <a:ea typeface="맑은 고딕" charset="0"/>
-              </a:rPr>
-              <a:t>2</a:t>
-            </a:r>
-            <a:r>
-              <a:rPr lang="ko-KR" sz="1800" b="1">
-                <a:solidFill>
-                  <a:srgbClr val="0611F2"/>
-                </a:solidFill>
-                <a:latin typeface="맑은 고딕" charset="0"/>
-                <a:ea typeface="맑은 고딕" charset="0"/>
-              </a:rPr>
-              <a:t>3</a:t>
-            </a:r>
-            <a:r>
-              <a:rPr sz="1800" b="1">
-                <a:solidFill>
-                  <a:srgbClr val="0611F2"/>
-                </a:solidFill>
-                <a:latin typeface="맑은 고딕" charset="0"/>
-                <a:ea typeface="맑은 고딕" charset="0"/>
-              </a:rPr>
-              <a:t>.</a:t>
-            </a:r>
-            <a:r>
-              <a:rPr sz="1800">
-                <a:latin typeface="맑은 고딕" charset="0"/>
-                <a:ea typeface="맑은 고딕" charset="0"/>
-              </a:rPr>
-              <a:t> </a:t>
-            </a:r>
-            <a:r>
-              <a:rPr lang="ko-KR" sz="1800">
-                <a:latin typeface="맑은 고딕" charset="0"/>
-                <a:ea typeface="맑은 고딕" charset="0"/>
-              </a:rPr>
-              <a:t>그리고 Project 폴더에 </a:t>
-            </a:r>
-            <a:r>
-              <a:rPr lang="ko-KR" sz="1800">
-                <a:latin typeface="맑은 고딕" charset="0"/>
-                <a:ea typeface="맑은 고딕" charset="0"/>
-              </a:rPr>
-              <a:t>있는 M</a:t>
-            </a:r>
-            <a:r>
-              <a:rPr lang="ko-KR" sz="1800">
-                <a:latin typeface="맑은 고딕" charset="0"/>
-                <a:ea typeface="맑은 고딕" charset="0"/>
-              </a:rPr>
-              <a:t>od</a:t>
-            </a:r>
-            <a:r>
-              <a:rPr lang="ko-KR" sz="1800">
-                <a:latin typeface="맑은 고딕" charset="0"/>
-                <a:ea typeface="맑은 고딕" charset="0"/>
-              </a:rPr>
-              <a:t>e</a:t>
-            </a:r>
-            <a:r>
-              <a:rPr lang="ko-KR" sz="1800">
-                <a:latin typeface="맑은 고딕" charset="0"/>
-                <a:ea typeface="맑은 고딕" charset="0"/>
-              </a:rPr>
-              <a:t>l </a:t>
-            </a:r>
-            <a:r>
-              <a:rPr lang="ko-KR" sz="1800">
-                <a:latin typeface="맑은 고딕" charset="0"/>
-                <a:ea typeface="맑은 고딕" charset="0"/>
-              </a:rPr>
-              <a:t>폴더</a:t>
-            </a:r>
-            <a:r>
-              <a:rPr lang="ko-KR" sz="1800">
-                <a:latin typeface="맑은 고딕" charset="0"/>
-                <a:ea typeface="맑은 고딕" charset="0"/>
-              </a:rPr>
-              <a:t>에</a:t>
-            </a:r>
-            <a:r>
-              <a:rPr lang="ko-KR" sz="1800">
-                <a:latin typeface="맑은 고딕" charset="0"/>
-                <a:ea typeface="맑은 고딕" charset="0"/>
-              </a:rPr>
-              <a:t> </a:t>
-            </a:r>
-            <a:r>
-              <a:rPr lang="ko-KR" sz="1800">
-                <a:latin typeface="맑은 고딕" charset="0"/>
-                <a:ea typeface="맑은 고딕" charset="0"/>
-              </a:rPr>
-              <a:t>Robot 모델을 월드 공간에 </a:t>
-            </a:r>
-            <a:r>
-              <a:rPr lang="ko-KR" sz="1800">
-                <a:latin typeface="맑은 고딕" charset="0"/>
-                <a:ea typeface="맑은 고딕" charset="0"/>
-              </a:rPr>
-              <a:t>배치합니</a:t>
-            </a:r>
-            <a:r>
-              <a:rPr lang="ko-KR" sz="1800">
-                <a:latin typeface="맑은 고딕" charset="0"/>
-                <a:ea typeface="맑은 고딕" charset="0"/>
-              </a:rPr>
-              <a:t>다</a:t>
-            </a:r>
-            <a:r>
-              <a:rPr lang="ko-KR" sz="1800">
-                <a:latin typeface="맑은 고딕" charset="0"/>
-                <a:ea typeface="맑은 고딕" charset="0"/>
-              </a:rPr>
-              <a:t>.</a:t>
-            </a:r>
-            <a:r>
-              <a:rPr lang="ko-KR" sz="1800">
-                <a:latin typeface="맑은 고딕" charset="0"/>
-                <a:ea typeface="맑은 고딕" charset="0"/>
-              </a:rPr>
-              <a:t> </a:t>
-            </a:r>
-            <a:endParaRPr lang="ko-KR" altLang="en-US" sz="1800">
-              <a:latin typeface="맑은 고딕" charset="0"/>
-              <a:ea typeface="맑은 고딕" charset="0"/>
-            </a:endParaRPr>
-          </a:p>
-        </p:txBody>
-      </p:sp>
+        </p:nvPicPr>
+        <p:blipFill rotWithShape="1">
+          <a:blip r:embed="rId8" cstate="print">
+            <a:extLst>
+              <a:ext uri="{28A0092B-C50C-407E-A947-70E740481C1C}">
+                <a14:useLocalDpi xmlns:a14="http://schemas.microsoft.com/office/drawing/2010/main" val="0"/>
+              </a:ext>
+            </a:extLst>
+          </a:blip>
+          <a:stretch>
+            <a:fillRect/>
+          </a:stretch>
+        </p:blipFill>
+        <p:spPr>
+          <a:xfrm rot="0">
+            <a:off x="6837680" y="1447165"/>
+            <a:ext cx="1199515" cy="1111885"/>
+          </a:xfrm>
+          <a:prstGeom prst="roundRect"/>
+          <a:solidFill>
+            <a:srgbClr val="EDEDED"/>
+          </a:solidFill>
+        </p:spPr>
+      </p:pic>
       <p:cxnSp>
         <p:nvCxnSpPr>
-          <p:cNvPr id="1056" name="도형 31"/>
+          <p:cNvPr id="1052" name="Rect 0"/>
           <p:cNvCxnSpPr/>
           <p:nvPr/>
         </p:nvCxnSpPr>
         <p:spPr>
           <a:xfrm rot="0" flipH="1">
-            <a:off x="7468235" y="4694555"/>
-            <a:ext cx="1689100" cy="379095"/>
+            <a:off x="7933690" y="1911985"/>
+            <a:ext cx="2463800" cy="431800"/>
           </a:xfrm>
           <a:prstGeom prst="straightConnector1"/>
           <a:ln w="6350" cap="flat" cmpd="sng">
@@ -15170,7 +17249,7 @@
 </file>
 
 <file path=ppt/slides/slide9.xml><?xml version="1.0" encoding="utf-8"?>
-<p:sld xmlns:a="http://schemas.openxmlformats.org/drawingml/2006/main" xmlns:r="http://schemas.openxmlformats.org/officeDocument/2006/relationships" xmlns:p="http://schemas.openxmlformats.org/presentationml/2006/main">
+<p:sld xmlns:a="http://schemas.openxmlformats.org/drawingml/2006/main" xmlns:r="http://schemas.openxmlformats.org/officeDocument/2006/relationships" xmlns:p="http://schemas.openxmlformats.org/presentationml/2006/main" xmlns:p14="http://schemas.microsoft.com/office/powerpoint/2010/main">
   <p:cSld>
     <p:spTree>
       <p:nvGrpSpPr>
@@ -15197,7 +17276,7 @@
         <p:spPr>
           <a:xfrm rot="0">
             <a:off x="4102100" y="387985"/>
-            <a:ext cx="3986530" cy="478155"/>
+            <a:ext cx="3985895" cy="478155"/>
           </a:xfrm>
           <a:prstGeom prst="rect"/>
           <a:noFill/>
@@ -15224,7 +17303,7 @@
                 <a:latin typeface="나눔바른고딕" charset="0"/>
                 <a:ea typeface="나눔바른고딕" charset="0"/>
               </a:rPr>
-              <a:t>아홉</a:t>
+              <a:t>여덟</a:t>
             </a:r>
             <a:r>
               <a:rPr lang="ko-KR" altLang="en-US" sz="2500" b="1">
@@ -15234,7 +17313,17 @@
                 <a:latin typeface="나눔바른고딕" charset="0"/>
                 <a:ea typeface="나눔바른고딕" charset="0"/>
               </a:rPr>
-              <a:t> 번째 튜토리얼</a:t>
+              <a:t> </a:t>
+            </a:r>
+            <a:r>
+              <a:rPr lang="ko-KR" altLang="en-US" sz="2500" b="1">
+                <a:solidFill>
+                  <a:schemeClr val="tx1"/>
+                </a:solidFill>
+                <a:latin typeface="나눔바른고딕" charset="0"/>
+                <a:ea typeface="나눔바른고딕" charset="0"/>
+              </a:rPr>
+              <a:t>번째 튜토리얼</a:t>
             </a:r>
             <a:endParaRPr lang="ko-KR" altLang="en-US" sz="2500" b="1">
               <a:solidFill>
@@ -15246,9 +17335,40 @@
           </a:p>
         </p:txBody>
       </p:sp>
+      <p:pic>
+        <p:nvPicPr>
+          <p:cNvPr id="1042" name="그림 44" descr="C:/Users/Admin1/AppData/Roaming/PolarisOffice/ETemp/23248_23591048/fImage50303243281.png"/>
+          <p:cNvPicPr>
+            <a:picLocks noChangeAspect="1"/>
+          </p:cNvPicPr>
+          <p:nvPr/>
+        </p:nvPicPr>
+        <p:blipFill rotWithShape="1">
+          <a:blip r:embed="rId4" cstate="hqprint">
+            <a:extLst>
+              <a:ext uri="{28A0092B-C50C-407E-A947-70E740481C1C}">
+                <a14:useLocalDpi xmlns:a14="http://schemas.microsoft.com/office/drawing/2010/main"/>
+              </a:ext>
+            </a:extLst>
+          </a:blip>
+          <a:stretch>
+            <a:fillRect/>
+          </a:stretch>
+        </p:blipFill>
+        <p:spPr>
+          <a:xfrm rot="0">
+            <a:off x="3342005" y="1447165"/>
+            <a:ext cx="2042795" cy="1370330"/>
+          </a:xfrm>
+          <a:prstGeom prst="roundRect"/>
+          <a:solidFill>
+            <a:srgbClr val="EDEDED"/>
+          </a:solidFill>
+        </p:spPr>
+      </p:pic>
       <p:sp>
         <p:nvSpPr>
-          <p:cNvPr id="1043" name="Rect 0"/>
+          <p:cNvPr id="1043" name="텍스트 상자 45"/>
           <p:cNvSpPr txBox="1">
             <a:spLocks/>
           </p:cNvSpPr>
@@ -15256,8 +17376,8 @@
         </p:nvSpPr>
         <p:spPr>
           <a:xfrm rot="0">
-            <a:off x="1240790" y="2644775"/>
-            <a:ext cx="4134485" cy="1200785"/>
+            <a:off x="1231900" y="2963545"/>
+            <a:ext cx="4152900" cy="647065"/>
           </a:xfrm>
           <a:prstGeom prst="rect"/>
           <a:noFill/>
@@ -15284,27 +17404,7 @@
                 <a:latin typeface="맑은 고딕" charset="0"/>
                 <a:ea typeface="맑은 고딕" charset="0"/>
               </a:rPr>
-              <a:t>2</a:t>
-            </a:r>
-            <a:r>
-              <a:rPr lang="ko-KR" sz="1800" b="1">
-                <a:solidFill>
-                  <a:srgbClr val="0611F2"/>
-                </a:solidFill>
-                <a:latin typeface="맑은 고딕" charset="0"/>
-                <a:ea typeface="맑은 고딕" charset="0"/>
-              </a:rPr>
-              <a:t>4</a:t>
-            </a:r>
-            <a:r>
-              <a:rPr sz="1800" b="1">
-                <a:solidFill>
-                  <a:srgbClr val="0611F2"/>
-                </a:solidFill>
-                <a:latin typeface="맑은 고딕" charset="0"/>
-                <a:ea typeface="맑은 고딕" charset="0"/>
-              </a:rPr>
-              <a:t>.</a:t>
+              <a:t>20.</a:t>
             </a:r>
             <a:r>
               <a:rPr sz="1800">
@@ -15318,91 +17418,21 @@
                 <a:latin typeface="맑은 고딕" charset="0"/>
                 <a:ea typeface="맑은 고딕" charset="0"/>
               </a:rPr>
-              <a:t>그런 다음 Project 폴더에 </a:t>
-            </a:r>
-            <a:r>
-              <a:rPr lang="ko-KR" sz="1800">
-                <a:latin typeface="맑은 고딕" charset="0"/>
-                <a:ea typeface="맑은 고딕" charset="0"/>
-              </a:rPr>
-              <a:t>있는 </a:t>
-            </a:r>
-            <a:r>
-              <a:rPr lang="ko-KR" sz="1800">
-                <a:latin typeface="맑은 고딕" charset="0"/>
-                <a:ea typeface="맑은 고딕" charset="0"/>
-              </a:rPr>
-              <a:t>T</a:t>
-            </a:r>
-            <a:r>
-              <a:rPr lang="ko-KR" sz="1800">
-                <a:latin typeface="맑은 고딕" charset="0"/>
-                <a:ea typeface="맑은 고딕" charset="0"/>
-              </a:rPr>
-              <a:t>ex</a:t>
-            </a:r>
-            <a:r>
-              <a:rPr lang="ko-KR" sz="1800">
-                <a:latin typeface="맑은 고딕" charset="0"/>
-                <a:ea typeface="맑은 고딕" charset="0"/>
-              </a:rPr>
-              <a:t>t</a:t>
-            </a:r>
-            <a:r>
-              <a:rPr lang="ko-KR" sz="1800">
-                <a:latin typeface="맑은 고딕" charset="0"/>
-                <a:ea typeface="맑은 고딕" charset="0"/>
-              </a:rPr>
-              <a:t>ure</a:t>
-            </a:r>
-            <a:r>
-              <a:rPr lang="ko-KR" sz="1800">
-                <a:latin typeface="맑은 고딕" charset="0"/>
-                <a:ea typeface="맑은 고딕" charset="0"/>
-              </a:rPr>
-              <a:t> 폴더</a:t>
-            </a:r>
-            <a:r>
-              <a:rPr lang="ko-KR" sz="1800">
-                <a:latin typeface="맑은 고딕" charset="0"/>
-                <a:ea typeface="맑은 고딕" charset="0"/>
-              </a:rPr>
-              <a:t>에 </a:t>
-            </a:r>
-            <a:r>
-              <a:rPr lang="ko-KR" sz="1800">
-                <a:latin typeface="맑은 고딕" charset="0"/>
-                <a:ea typeface="맑은 고딕" charset="0"/>
-              </a:rPr>
-              <a:t>Street Lamp 텍스처를 </a:t>
-            </a:r>
-            <a:r>
-              <a:rPr lang="ko-KR" sz="1800">
-                <a:latin typeface="맑은 고딕" charset="0"/>
-                <a:ea typeface="맑은 고딕" charset="0"/>
-              </a:rPr>
-              <a:t>P</a:t>
-            </a:r>
-            <a:r>
-              <a:rPr lang="ko-KR" sz="1800">
-                <a:latin typeface="맑은 고딕" charset="0"/>
-                <a:ea typeface="맑은 고딕" charset="0"/>
-              </a:rPr>
-              <a:t>oint</a:t>
-            </a:r>
-            <a:r>
-              <a:rPr lang="ko-KR" sz="1800">
-                <a:latin typeface="맑은 고딕" charset="0"/>
-                <a:ea typeface="맑은 고딕" charset="0"/>
-              </a:rPr>
-              <a:t> Street Lamp 오브젝트에 </a:t>
-            </a:r>
-            <a:r>
-              <a:rPr lang="ko-KR" sz="1800">
-                <a:latin typeface="맑은 고딕" charset="0"/>
-                <a:ea typeface="맑은 고딕" charset="0"/>
-              </a:rPr>
-              <a:t>넣어줍니다.</a:t>
+              <a:t>그다음 Left Ground 오브젝트에 </a:t>
+            </a:r>
+            <a:r>
+              <a:rPr lang="ko-KR" sz="1800">
+                <a:latin typeface="맑은 고딕" charset="0"/>
+                <a:ea typeface="맑은 고딕" charset="0"/>
+              </a:rPr>
+              <a:t>Contribute</a:t>
+            </a:r>
+            <a:r>
+              <a:rPr lang="ko-KR" sz="1800">
+                <a:latin typeface="맑은 고딕" charset="0"/>
+                <a:ea typeface="맑은 고딕" charset="0"/>
+              </a:rPr>
+              <a:t> GI를 설정합니다.</a:t>
             </a:r>
             <a:endParaRPr lang="ko-KR" altLang="en-US" sz="1800">
               <a:latin typeface="맑은 고딕" charset="0"/>
@@ -15411,9 +17441,40 @@
           </a:p>
         </p:txBody>
       </p:sp>
+      <p:pic>
+        <p:nvPicPr>
+          <p:cNvPr id="1044" name="그림 1" descr="C:/Users/Admin1/AppData/Roaming/PolarisOffice/ETemp/23248_23591048/fImage80882679358.png"/>
+          <p:cNvPicPr>
+            <a:picLocks noChangeAspect="1"/>
+          </p:cNvPicPr>
+          <p:nvPr/>
+        </p:nvPicPr>
+        <p:blipFill rotWithShape="1">
+          <a:blip r:embed="rId8" cstate="hqprint">
+            <a:extLst>
+              <a:ext uri="{28A0092B-C50C-407E-A947-70E740481C1C}">
+                <a14:useLocalDpi xmlns:a14="http://schemas.microsoft.com/office/drawing/2010/main"/>
+              </a:ext>
+            </a:extLst>
+          </a:blip>
+          <a:stretch>
+            <a:fillRect/>
+          </a:stretch>
+        </p:blipFill>
+        <p:spPr>
+          <a:xfrm rot="0">
+            <a:off x="1240790" y="1438275"/>
+            <a:ext cx="1903730" cy="1376680"/>
+          </a:xfrm>
+          <a:prstGeom prst="roundRect"/>
+          <a:solidFill>
+            <a:srgbClr val="EDEDED"/>
+          </a:solidFill>
+        </p:spPr>
+      </p:pic>
       <p:sp>
         <p:nvSpPr>
-          <p:cNvPr id="1046" name="Rect 0"/>
+          <p:cNvPr id="1046" name="텍스트 상자 3"/>
           <p:cNvSpPr txBox="1">
             <a:spLocks/>
           </p:cNvSpPr>
@@ -15452,14 +17513,14 @@
               <a:t>2</a:t>
             </a:r>
             <a:r>
-              <a:rPr lang="ko-KR" sz="1800" b="1">
+              <a:rPr sz="1800" b="1">
                 <a:solidFill>
                   <a:srgbClr val="0611F2"/>
                 </a:solidFill>
                 <a:latin typeface="맑은 고딕" charset="0"/>
                 <a:ea typeface="맑은 고딕" charset="0"/>
               </a:rPr>
-              <a:t>5</a:t>
+              <a:t>1</a:t>
             </a:r>
             <a:r>
               <a:rPr sz="1800" b="1">
@@ -15483,49 +17544,14 @@
                 <a:latin typeface="맑은 고딕" charset="0"/>
                 <a:ea typeface="맑은 고딕" charset="0"/>
               </a:rPr>
-              <a:t>그다음으로 Robot </a:t>
-            </a:r>
-            <a:r>
-              <a:rPr lang="ko-KR" sz="1800">
-                <a:latin typeface="맑은 고딕" charset="0"/>
-                <a:ea typeface="맑은 고딕" charset="0"/>
-              </a:rPr>
-              <a:t>오브젝트에 </a:t>
-            </a:r>
-            <a:r>
-              <a:rPr lang="ko-KR" sz="1800">
-                <a:latin typeface="맑은 고딕" charset="0"/>
-                <a:ea typeface="맑은 고딕" charset="0"/>
-              </a:rPr>
-              <a:t>위치와</a:t>
-            </a:r>
-            <a:r>
-              <a:rPr lang="ko-KR" sz="1800">
-                <a:latin typeface="맑은 고딕" charset="0"/>
-                <a:ea typeface="맑은 고딕" charset="0"/>
-              </a:rPr>
-              <a:t> 회전 </a:t>
-            </a:r>
-            <a:r>
-              <a:rPr lang="ko-KR" sz="1800">
-                <a:latin typeface="맑은 고딕" charset="0"/>
-                <a:ea typeface="맑은 고딕" charset="0"/>
-              </a:rPr>
-              <a:t>값</a:t>
-            </a:r>
-            <a:r>
-              <a:rPr lang="ko-KR" sz="1800">
-                <a:latin typeface="맑은 고딕" charset="0"/>
-                <a:ea typeface="맑은 고딕" charset="0"/>
-              </a:rPr>
-              <a:t>을 </a:t>
-            </a:r>
-            <a:r>
-              <a:rPr lang="ko-KR" sz="1800">
-                <a:latin typeface="맑은 고딕" charset="0"/>
-                <a:ea typeface="맑은 고딕" charset="0"/>
-              </a:rPr>
-              <a:t>설정하고</a:t>
+              <a:t>그러고 나서 Right Ground </a:t>
+            </a:r>
+            <a:r>
+              <a:rPr lang="ko-KR" sz="1800">
+                <a:latin typeface="맑은 고딕" charset="0"/>
+                <a:ea typeface="맑은 고딕" charset="0"/>
+              </a:rPr>
+              <a:t>오브젝트에</a:t>
             </a:r>
             <a:r>
               <a:rPr lang="ko-KR" sz="1800">
@@ -15539,21 +17565,14 @@
                 <a:latin typeface="맑은 고딕" charset="0"/>
                 <a:ea typeface="맑은 고딕" charset="0"/>
               </a:rPr>
-              <a:t>크기 </a:t>
-            </a:r>
-            <a:r>
-              <a:rPr lang="ko-KR" sz="1800">
-                <a:latin typeface="맑은 고딕" charset="0"/>
-                <a:ea typeface="맑은 고딕" charset="0"/>
-              </a:rPr>
-              <a:t>값</a:t>
-            </a:r>
-            <a:r>
-              <a:rPr lang="ko-KR" sz="1800">
-                <a:latin typeface="맑은 고딕" charset="0"/>
-                <a:ea typeface="맑은 고딕" charset="0"/>
-              </a:rPr>
-              <a:t>을 </a:t>
+              <a:t>Contribute</a:t>
+            </a:r>
+            <a:r>
+              <a:rPr lang="ko-KR" sz="1800">
+                <a:latin typeface="맑은 고딕" charset="0"/>
+                <a:ea typeface="맑은 고딕" charset="0"/>
+              </a:rPr>
+              <a:t> GI를 </a:t>
             </a:r>
             <a:r>
               <a:rPr lang="ko-KR" sz="1800">
@@ -15571,14 +17590,76 @@
       </p:sp>
       <p:pic>
         <p:nvPicPr>
-          <p:cNvPr id="1050" name="Picture " descr="C:/Users/Admin1/AppData/Roaming/PolarisOffice/ETemp/23248_23591048/fImage482572739169.png"/>
+          <p:cNvPr id="1047" name="그림 7" descr="C:/Users/Admin1/AppData/Roaming/PolarisOffice/ETemp/23248_23591048/fImage50303243281.png"/>
           <p:cNvPicPr>
             <a:picLocks noChangeAspect="1"/>
           </p:cNvPicPr>
           <p:nvPr/>
         </p:nvPicPr>
         <p:blipFill rotWithShape="1">
-          <a:blip r:embed="rId2" cstate="print">
+          <a:blip r:embed="rId4" cstate="hqprint">
+            <a:extLst>
+              <a:ext uri="{28A0092B-C50C-407E-A947-70E740481C1C}">
+                <a14:useLocalDpi xmlns:a14="http://schemas.microsoft.com/office/drawing/2010/main"/>
+              </a:ext>
+            </a:extLst>
+          </a:blip>
+          <a:stretch>
+            <a:fillRect/>
+          </a:stretch>
+        </p:blipFill>
+        <p:spPr>
+          <a:xfrm rot="0">
+            <a:off x="3342005" y="3766820"/>
+            <a:ext cx="2042160" cy="1376045"/>
+          </a:xfrm>
+          <a:prstGeom prst="roundRect"/>
+          <a:solidFill>
+            <a:srgbClr val="EDEDED"/>
+          </a:solidFill>
+        </p:spPr>
+      </p:pic>
+      <p:pic>
+        <p:nvPicPr>
+          <p:cNvPr id="1048" name="그림 9" descr="C:/Users/Admin1/AppData/Roaming/PolarisOffice/ETemp/23248_23591048/fImage80712784464.png"/>
+          <p:cNvPicPr>
+            <a:picLocks noChangeAspect="1"/>
+          </p:cNvPicPr>
+          <p:nvPr/>
+        </p:nvPicPr>
+        <p:blipFill rotWithShape="1">
+          <a:blip r:embed="rId9" cstate="hqprint">
+            <a:extLst>
+              <a:ext uri="{28A0092B-C50C-407E-A947-70E740481C1C}">
+                <a14:useLocalDpi xmlns:a14="http://schemas.microsoft.com/office/drawing/2010/main"/>
+              </a:ext>
+            </a:extLst>
+          </a:blip>
+          <a:stretch>
+            <a:fillRect/>
+          </a:stretch>
+        </p:blipFill>
+        <p:spPr>
+          <a:xfrm rot="0">
+            <a:off x="1228090" y="3755390"/>
+            <a:ext cx="1908175" cy="1379220"/>
+          </a:xfrm>
+          <a:prstGeom prst="roundRect"/>
+          <a:solidFill>
+            <a:srgbClr val="EDEDED"/>
+          </a:solidFill>
+        </p:spPr>
+      </p:pic>
+      <p:pic>
+        <p:nvPicPr>
+          <p:cNvPr id="1049" name="그림 10" descr="C:/Users/Admin1/AppData/Roaming/PolarisOffice/ETemp/23248_23591048/fImage803917841.png"/>
+          <p:cNvPicPr>
+            <a:picLocks noChangeAspect="1"/>
+          </p:cNvPicPr>
+          <p:nvPr/>
+        </p:nvPicPr>
+        <p:blipFill rotWithShape="1">
+          <a:blip r:embed="rId10" cstate="print">
             <a:extLst>
               <a:ext uri="{28A0092B-C50C-407E-A947-70E740481C1C}">
                 <a14:useLocalDpi xmlns:a14="http://schemas.microsoft.com/office/drawing/2010/main" val="0"/>
@@ -15591,8 +17672,8 @@
         </p:blipFill>
         <p:spPr>
           <a:xfrm rot="0">
-            <a:off x="8183245" y="1450975"/>
-            <a:ext cx="2774315" cy="1108075"/>
+            <a:off x="6830695" y="1444625"/>
+            <a:ext cx="1232535" cy="1268095"/>
           </a:xfrm>
           <a:prstGeom prst="roundRect"/>
           <a:solidFill>
@@ -15600,318 +17681,16 @@
           </a:solidFill>
         </p:spPr>
       </p:pic>
-      <p:sp>
-        <p:nvSpPr>
-          <p:cNvPr id="1051" name="Rect 0"/>
-          <p:cNvSpPr txBox="1">
-            <a:spLocks/>
-          </p:cNvSpPr>
-          <p:nvPr/>
-        </p:nvSpPr>
-        <p:spPr>
-          <a:xfrm rot="0">
-            <a:off x="6842125" y="2690495"/>
-            <a:ext cx="4115435" cy="1200785"/>
-          </a:xfrm>
-          <a:prstGeom prst="rect"/>
-          <a:noFill/>
-          <a:ln w="0">
-            <a:noFill/>
-            <a:prstDash/>
-          </a:ln>
-        </p:spPr>
-        <p:txBody>
-          <a:bodyPr wrap="square" lIns="89535" tIns="46355" rIns="89535" bIns="46355" numCol="1" vert="horz" anchor="t">
-            <a:spAutoFit/>
-          </a:bodyPr>
-          <a:lstStyle/>
-          <a:p>
-            <a:pPr marL="0" indent="0" rtl="0" algn="l" defTabSz="914400" eaLnBrk="1" latinLnBrk="0" hangingPunct="1">
-              <a:buFontTx/>
-              <a:buNone/>
-            </a:pPr>
-            <a:r>
-              <a:rPr sz="1800" b="1">
-                <a:solidFill>
-                  <a:srgbClr val="0611F2"/>
-                </a:solidFill>
-                <a:latin typeface="맑은 고딕" charset="0"/>
-                <a:ea typeface="맑은 고딕" charset="0"/>
-              </a:rPr>
-              <a:t>2</a:t>
-            </a:r>
-            <a:r>
-              <a:rPr lang="ko-KR" sz="1800" b="1">
-                <a:solidFill>
-                  <a:srgbClr val="0611F2"/>
-                </a:solidFill>
-                <a:latin typeface="맑은 고딕" charset="0"/>
-                <a:ea typeface="맑은 고딕" charset="0"/>
-              </a:rPr>
-              <a:t>6</a:t>
-            </a:r>
-            <a:r>
-              <a:rPr sz="1800" b="1">
-                <a:solidFill>
-                  <a:srgbClr val="0611F2"/>
-                </a:solidFill>
-                <a:latin typeface="맑은 고딕" charset="0"/>
-                <a:ea typeface="맑은 고딕" charset="0"/>
-              </a:rPr>
-              <a:t>.</a:t>
-            </a:r>
-            <a:r>
-              <a:rPr sz="1800">
-                <a:latin typeface="맑은 고딕" charset="0"/>
-                <a:ea typeface="맑은 고딕" charset="0"/>
-              </a:rPr>
-              <a:t> </a:t>
-            </a:r>
-            <a:r>
-              <a:rPr lang="ko-KR" sz="1800">
-                <a:latin typeface="맑은 고딕" charset="0"/>
-                <a:ea typeface="맑은 고딕" charset="0"/>
-              </a:rPr>
-              <a:t>그러고 나서 Project 폴더에 </a:t>
-            </a:r>
-            <a:r>
-              <a:rPr lang="ko-KR" sz="1800">
-                <a:latin typeface="맑은 고딕" charset="0"/>
-                <a:ea typeface="맑은 고딕" charset="0"/>
-              </a:rPr>
-              <a:t>있는 </a:t>
-            </a:r>
-            <a:r>
-              <a:rPr lang="ko-KR" sz="1800">
-                <a:latin typeface="맑은 고딕" charset="0"/>
-                <a:ea typeface="맑은 고딕" charset="0"/>
-              </a:rPr>
-              <a:t>T</a:t>
-            </a:r>
-            <a:r>
-              <a:rPr lang="ko-KR" sz="1800">
-                <a:latin typeface="맑은 고딕" charset="0"/>
-                <a:ea typeface="맑은 고딕" charset="0"/>
-              </a:rPr>
-              <a:t>ex</a:t>
-            </a:r>
-            <a:r>
-              <a:rPr lang="ko-KR" sz="1800">
-                <a:latin typeface="맑은 고딕" charset="0"/>
-                <a:ea typeface="맑은 고딕" charset="0"/>
-              </a:rPr>
-              <a:t>t</a:t>
-            </a:r>
-            <a:r>
-              <a:rPr lang="ko-KR" sz="1800">
-                <a:latin typeface="맑은 고딕" charset="0"/>
-                <a:ea typeface="맑은 고딕" charset="0"/>
-              </a:rPr>
-              <a:t>ure</a:t>
-            </a:r>
-            <a:r>
-              <a:rPr lang="ko-KR" sz="1800">
-                <a:latin typeface="맑은 고딕" charset="0"/>
-                <a:ea typeface="맑은 고딕" charset="0"/>
-              </a:rPr>
-              <a:t> 폴더</a:t>
-            </a:r>
-            <a:r>
-              <a:rPr lang="ko-KR" sz="1800">
-                <a:latin typeface="맑은 고딕" charset="0"/>
-                <a:ea typeface="맑은 고딕" charset="0"/>
-              </a:rPr>
-              <a:t>에 </a:t>
-            </a:r>
-            <a:r>
-              <a:rPr lang="ko-KR" sz="1800">
-                <a:latin typeface="맑은 고딕" charset="0"/>
-                <a:ea typeface="맑은 고딕" charset="0"/>
-              </a:rPr>
-              <a:t>Street Lamp 텍스처를 </a:t>
-            </a:r>
-            <a:r>
-              <a:rPr lang="ko-KR" sz="1800">
-                <a:latin typeface="맑은 고딕" charset="0"/>
-                <a:ea typeface="맑은 고딕" charset="0"/>
-              </a:rPr>
-              <a:t>A</a:t>
-            </a:r>
-            <a:r>
-              <a:rPr lang="ko-KR" sz="1800">
-                <a:latin typeface="맑은 고딕" charset="0"/>
-                <a:ea typeface="맑은 고딕" charset="0"/>
-              </a:rPr>
-              <a:t>rea</a:t>
-            </a:r>
-            <a:r>
-              <a:rPr lang="ko-KR" sz="1800">
-                <a:latin typeface="맑은 고딕" charset="0"/>
-                <a:ea typeface="맑은 고딕" charset="0"/>
-              </a:rPr>
-              <a:t> Street Lamp 오브젝트에 </a:t>
-            </a:r>
-            <a:r>
-              <a:rPr lang="ko-KR" sz="1800">
-                <a:latin typeface="맑은 고딕" charset="0"/>
-                <a:ea typeface="맑은 고딕" charset="0"/>
-              </a:rPr>
-              <a:t>넣어줍니다.</a:t>
-            </a:r>
-            <a:r>
-              <a:rPr lang="ko-KR" sz="1800">
-                <a:latin typeface="맑은 고딕" charset="0"/>
-                <a:ea typeface="맑은 고딕" charset="0"/>
-              </a:rPr>
-              <a:t> </a:t>
-            </a:r>
-            <a:endParaRPr lang="ko-KR" altLang="en-US" sz="1800">
-              <a:latin typeface="맑은 고딕" charset="0"/>
-              <a:ea typeface="맑은 고딕" charset="0"/>
-            </a:endParaRPr>
-          </a:p>
-        </p:txBody>
-      </p:sp>
-      <p:sp>
-        <p:nvSpPr>
-          <p:cNvPr id="1055" name="Rect 0"/>
-          <p:cNvSpPr txBox="1">
-            <a:spLocks/>
-          </p:cNvSpPr>
-          <p:nvPr/>
-        </p:nvSpPr>
-        <p:spPr>
-          <a:xfrm rot="0">
-            <a:off x="6827520" y="5561965"/>
-            <a:ext cx="4130040" cy="647065"/>
-          </a:xfrm>
-          <a:prstGeom prst="rect"/>
-          <a:noFill/>
-          <a:ln w="0">
-            <a:noFill/>
-            <a:prstDash/>
-          </a:ln>
-        </p:spPr>
-        <p:txBody>
-          <a:bodyPr wrap="square" lIns="89535" tIns="46355" rIns="89535" bIns="46355" numCol="1" vert="horz" anchor="t">
-            <a:spAutoFit/>
-          </a:bodyPr>
-          <a:lstStyle/>
-          <a:p>
-            <a:pPr marL="0" indent="0" rtl="0" algn="l" defTabSz="914400" eaLnBrk="1" latinLnBrk="0" hangingPunct="1">
-              <a:buFontTx/>
-              <a:buNone/>
-            </a:pPr>
-            <a:r>
-              <a:rPr sz="1800" b="1">
-                <a:solidFill>
-                  <a:srgbClr val="0611F2"/>
-                </a:solidFill>
-                <a:latin typeface="맑은 고딕" charset="0"/>
-                <a:ea typeface="맑은 고딕" charset="0"/>
-              </a:rPr>
-              <a:t>2</a:t>
-            </a:r>
-            <a:r>
-              <a:rPr lang="ko-KR" sz="1800" b="1">
-                <a:solidFill>
-                  <a:srgbClr val="0611F2"/>
-                </a:solidFill>
-                <a:latin typeface="맑은 고딕" charset="0"/>
-                <a:ea typeface="맑은 고딕" charset="0"/>
-              </a:rPr>
-              <a:t>7</a:t>
-            </a:r>
-            <a:r>
-              <a:rPr sz="1800" b="1">
-                <a:solidFill>
-                  <a:srgbClr val="0611F2"/>
-                </a:solidFill>
-                <a:latin typeface="맑은 고딕" charset="0"/>
-                <a:ea typeface="맑은 고딕" charset="0"/>
-              </a:rPr>
-              <a:t>.</a:t>
-            </a:r>
-            <a:r>
-              <a:rPr sz="1800">
-                <a:latin typeface="맑은 고딕" charset="0"/>
-                <a:ea typeface="맑은 고딕" charset="0"/>
-              </a:rPr>
-              <a:t> </a:t>
-            </a:r>
-            <a:r>
-              <a:rPr lang="ko-KR" sz="1800">
-                <a:latin typeface="맑은 고딕" charset="0"/>
-                <a:ea typeface="맑은 고딕" charset="0"/>
-              </a:rPr>
-              <a:t>이제 Robot </a:t>
-            </a:r>
-            <a:r>
-              <a:rPr lang="ko-KR" sz="1800">
-                <a:latin typeface="맑은 고딕" charset="0"/>
-                <a:ea typeface="맑은 고딕" charset="0"/>
-              </a:rPr>
-              <a:t>오브젝트에</a:t>
-            </a:r>
-            <a:r>
-              <a:rPr lang="ko-KR" sz="1800">
-                <a:latin typeface="맑은 고딕" charset="0"/>
-                <a:ea typeface="맑은 고딕" charset="0"/>
-              </a:rPr>
-              <a:t> </a:t>
-            </a:r>
-            <a:r>
-              <a:rPr lang="ko-KR" sz="1800">
-                <a:latin typeface="맑은 고딕" charset="0"/>
-                <a:ea typeface="맑은 고딕" charset="0"/>
-              </a:rPr>
-              <a:t>Contribute</a:t>
-            </a:r>
-            <a:r>
-              <a:rPr lang="ko-KR" sz="1800">
-                <a:latin typeface="맑은 고딕" charset="0"/>
-                <a:ea typeface="맑은 고딕" charset="0"/>
-              </a:rPr>
-              <a:t> </a:t>
-            </a:r>
-            <a:r>
-              <a:rPr lang="ko-KR" sz="1800">
-                <a:latin typeface="맑은 고딕" charset="0"/>
-                <a:ea typeface="맑은 고딕" charset="0"/>
-              </a:rPr>
-              <a:t>GI를</a:t>
-            </a:r>
-            <a:r>
-              <a:rPr lang="ko-KR" sz="1800">
-                <a:latin typeface="맑은 고딕" charset="0"/>
-                <a:ea typeface="맑은 고딕" charset="0"/>
-              </a:rPr>
-              <a:t> </a:t>
-            </a:r>
-            <a:r>
-              <a:rPr lang="ko-KR" sz="1800">
-                <a:latin typeface="맑은 고딕" charset="0"/>
-                <a:ea typeface="맑은 고딕" charset="0"/>
-              </a:rPr>
-              <a:t>설정합니다.</a:t>
-            </a:r>
-            <a:endParaRPr lang="ko-KR" altLang="en-US" sz="1800">
-              <a:latin typeface="맑은 고딕" charset="0"/>
-              <a:ea typeface="맑은 고딕" charset="0"/>
-            </a:endParaRPr>
-          </a:p>
-        </p:txBody>
-      </p:sp>
       <p:pic>
         <p:nvPicPr>
-          <p:cNvPr id="1057" name="그림 32" descr="C:/Users/Admin1/AppData/Roaming/PolarisOffice/ETemp/23248_23591048/fImage482572835724.png"/>
+          <p:cNvPr id="1050" name="그림 11" descr="C:/Users/Admin1/AppData/Roaming/PolarisOffice/ETemp/23248_23591048/fImage482571798467.png"/>
           <p:cNvPicPr>
             <a:picLocks noChangeAspect="1"/>
           </p:cNvPicPr>
           <p:nvPr/>
         </p:nvPicPr>
         <p:blipFill rotWithShape="1">
-          <a:blip r:embed="rId3" cstate="print">
+          <a:blip r:embed="rId11" cstate="print">
             <a:extLst>
               <a:ext uri="{28A0092B-C50C-407E-A947-70E740481C1C}">
                 <a14:useLocalDpi xmlns:a14="http://schemas.microsoft.com/office/drawing/2010/main" val="0"/>
@@ -15924,8 +17703,8 @@
         </p:blipFill>
         <p:spPr>
           <a:xfrm rot="0">
-            <a:off x="2613025" y="1445260"/>
-            <a:ext cx="2774315" cy="1113790"/>
+            <a:off x="8183245" y="1450975"/>
+            <a:ext cx="2774315" cy="1254125"/>
           </a:xfrm>
           <a:prstGeom prst="roundRect"/>
           <a:solidFill>
@@ -15933,47 +17712,174 @@
           </a:solidFill>
         </p:spPr>
       </p:pic>
-      <p:pic>
-        <p:nvPicPr>
-          <p:cNvPr id="1058" name="그림 33" descr="C:/Users/Admin1/AppData/Roaming/PolarisOffice/ETemp/23248_23591048/fImage86782841478.png"/>
-          <p:cNvPicPr>
-            <a:picLocks noChangeAspect="1"/>
-          </p:cNvPicPr>
+      <p:sp>
+        <p:nvSpPr>
+          <p:cNvPr id="1051" name="텍스트 상자 18"/>
+          <p:cNvSpPr txBox="1">
+            <a:spLocks/>
+          </p:cNvSpPr>
           <p:nvPr/>
-        </p:nvPicPr>
-        <p:blipFill rotWithShape="1">
-          <a:blip r:embed="rId4" cstate="print">
-            <a:extLst>
-              <a:ext uri="{28A0092B-C50C-407E-A947-70E740481C1C}">
-                <a14:useLocalDpi xmlns:a14="http://schemas.microsoft.com/office/drawing/2010/main" val="0"/>
-              </a:ext>
-            </a:extLst>
-          </a:blip>
-          <a:stretch>
-            <a:fillRect/>
-          </a:stretch>
-        </p:blipFill>
-        <p:spPr>
-          <a:xfrm rot="0">
-            <a:off x="1235710" y="1447165"/>
-            <a:ext cx="1228725" cy="1118870"/>
-          </a:xfrm>
-          <a:prstGeom prst="roundRect"/>
-          <a:solidFill>
-            <a:srgbClr val="EDEDED"/>
-          </a:solidFill>
-        </p:spPr>
-      </p:pic>
+        </p:nvSpPr>
+        <p:spPr>
+          <a:xfrm rot="0">
+            <a:off x="6842125" y="2854325"/>
+            <a:ext cx="4115435" cy="923925"/>
+          </a:xfrm>
+          <a:prstGeom prst="rect"/>
+          <a:noFill/>
+          <a:ln w="0">
+            <a:noFill/>
+            <a:prstDash/>
+          </a:ln>
+        </p:spPr>
+        <p:txBody>
+          <a:bodyPr wrap="square" lIns="89535" tIns="46355" rIns="89535" bIns="46355" numCol="1" vert="horz" anchor="t">
+            <a:spAutoFit/>
+          </a:bodyPr>
+          <a:lstStyle/>
+          <a:p>
+            <a:pPr marL="0" indent="0" rtl="0" algn="l" defTabSz="914400" eaLnBrk="1" latinLnBrk="0" hangingPunct="1">
+              <a:buFontTx/>
+              <a:buNone/>
+            </a:pPr>
+            <a:r>
+              <a:rPr sz="1800" b="1">
+                <a:solidFill>
+                  <a:srgbClr val="0611F2"/>
+                </a:solidFill>
+                <a:latin typeface="맑은 고딕" charset="0"/>
+                <a:ea typeface="맑은 고딕" charset="0"/>
+              </a:rPr>
+              <a:t>2</a:t>
+            </a:r>
+            <a:r>
+              <a:rPr sz="1800" b="1">
+                <a:solidFill>
+                  <a:srgbClr val="0611F2"/>
+                </a:solidFill>
+                <a:latin typeface="맑은 고딕" charset="0"/>
+                <a:ea typeface="맑은 고딕" charset="0"/>
+              </a:rPr>
+              <a:t>2</a:t>
+            </a:r>
+            <a:r>
+              <a:rPr sz="1800" b="1">
+                <a:solidFill>
+                  <a:srgbClr val="0611F2"/>
+                </a:solidFill>
+                <a:latin typeface="맑은 고딕" charset="0"/>
+                <a:ea typeface="맑은 고딕" charset="0"/>
+              </a:rPr>
+              <a:t>.</a:t>
+            </a:r>
+            <a:r>
+              <a:rPr sz="1800">
+                <a:latin typeface="맑은 고딕" charset="0"/>
+                <a:ea typeface="맑은 고딕" charset="0"/>
+              </a:rPr>
+              <a:t> </a:t>
+            </a:r>
+            <a:r>
+              <a:rPr lang="ko-KR" sz="1800">
+                <a:latin typeface="맑은 고딕" charset="0"/>
+                <a:ea typeface="맑은 고딕" charset="0"/>
+              </a:rPr>
+              <a:t>이제 Project 폴더에 </a:t>
+            </a:r>
+            <a:r>
+              <a:rPr lang="ko-KR" sz="1800">
+                <a:latin typeface="맑은 고딕" charset="0"/>
+                <a:ea typeface="맑은 고딕" charset="0"/>
+              </a:rPr>
+              <a:t>있는 T</a:t>
+            </a:r>
+            <a:r>
+              <a:rPr lang="ko-KR" sz="1800">
+                <a:latin typeface="맑은 고딕" charset="0"/>
+                <a:ea typeface="맑은 고딕" charset="0"/>
+              </a:rPr>
+              <a:t>ex</a:t>
+            </a:r>
+            <a:r>
+              <a:rPr lang="ko-KR" sz="1800">
+                <a:latin typeface="맑은 고딕" charset="0"/>
+                <a:ea typeface="맑은 고딕" charset="0"/>
+              </a:rPr>
+              <a:t>t</a:t>
+            </a:r>
+            <a:r>
+              <a:rPr lang="ko-KR" sz="1800">
+                <a:latin typeface="맑은 고딕" charset="0"/>
+                <a:ea typeface="맑은 고딕" charset="0"/>
+              </a:rPr>
+              <a:t>ure </a:t>
+            </a:r>
+            <a:r>
+              <a:rPr lang="ko-KR" sz="1800">
+                <a:latin typeface="맑은 고딕" charset="0"/>
+                <a:ea typeface="맑은 고딕" charset="0"/>
+              </a:rPr>
+              <a:t>폴더</a:t>
+            </a:r>
+            <a:r>
+              <a:rPr lang="ko-KR" sz="1800">
+                <a:latin typeface="맑은 고딕" charset="0"/>
+                <a:ea typeface="맑은 고딕" charset="0"/>
+              </a:rPr>
+              <a:t>에</a:t>
+            </a:r>
+            <a:r>
+              <a:rPr lang="ko-KR" sz="1800">
+                <a:latin typeface="맑은 고딕" charset="0"/>
+                <a:ea typeface="맑은 고딕" charset="0"/>
+              </a:rPr>
+              <a:t> </a:t>
+            </a:r>
+            <a:r>
+              <a:rPr lang="ko-KR" sz="1800">
+                <a:latin typeface="맑은 고딕" charset="0"/>
+                <a:ea typeface="맑은 고딕" charset="0"/>
+              </a:rPr>
+              <a:t>Street Lamp 텍스처를 Spot </a:t>
+            </a:r>
+            <a:r>
+              <a:rPr lang="ko-KR" sz="1800">
+                <a:latin typeface="맑은 고딕" charset="0"/>
+                <a:ea typeface="맑은 고딕" charset="0"/>
+              </a:rPr>
+              <a:t>Street</a:t>
+            </a:r>
+            <a:r>
+              <a:rPr lang="ko-KR" sz="1800">
+                <a:latin typeface="맑은 고딕" charset="0"/>
+                <a:ea typeface="맑은 고딕" charset="0"/>
+              </a:rPr>
+              <a:t> Lamp 오브젝트에 넣어줍니다.</a:t>
+            </a:r>
+            <a:r>
+              <a:rPr lang="ko-KR" sz="1800">
+                <a:latin typeface="맑은 고딕" charset="0"/>
+                <a:ea typeface="맑은 고딕" charset="0"/>
+              </a:rPr>
+              <a:t> </a:t>
+            </a:r>
+            <a:endParaRPr lang="ko-KR" altLang="en-US" sz="1800">
+              <a:latin typeface="맑은 고딕" charset="0"/>
+              <a:ea typeface="맑은 고딕" charset="0"/>
+            </a:endParaRPr>
+          </a:p>
+        </p:txBody>
+      </p:sp>
       <p:cxnSp>
         <p:nvCxnSpPr>
-          <p:cNvPr id="1059" name="도형 36"/>
+          <p:cNvPr id="1052" name="도형 19"/>
           <p:cNvCxnSpPr/>
           <p:nvPr/>
         </p:nvCxnSpPr>
         <p:spPr>
           <a:xfrm rot="0" flipH="1">
-            <a:off x="2420620" y="1998345"/>
-            <a:ext cx="2404110" cy="259080"/>
+            <a:off x="7985125" y="1911985"/>
+            <a:ext cx="2412365" cy="422910"/>
           </a:xfrm>
           <a:prstGeom prst="straightConnector1"/>
           <a:ln w="6350" cap="flat" cmpd="sng">
@@ -15999,14 +17905,14 @@
       </p:cxnSp>
       <p:pic>
         <p:nvPicPr>
-          <p:cNvPr id="1060" name="그림 37" descr="C:/Users/Admin1/AppData/Roaming/PolarisOffice/ETemp/23248_23591048/fImage157022869358.png"/>
+          <p:cNvPr id="1053" name="그림 24" descr="C:/Users/Admin1/AppData/Roaming/PolarisOffice/ETemp/23248_23591048/fImage92251886334.png"/>
           <p:cNvPicPr>
             <a:picLocks noChangeAspect="1"/>
           </p:cNvPicPr>
           <p:nvPr/>
         </p:nvPicPr>
         <p:blipFill rotWithShape="1">
-          <a:blip r:embed="rId5" cstate="print">
+          <a:blip r:embed="rId12" cstate="print">
             <a:extLst>
               <a:ext uri="{28A0092B-C50C-407E-A947-70E740481C1C}">
                 <a14:useLocalDpi xmlns:a14="http://schemas.microsoft.com/office/drawing/2010/main" val="0"/>
@@ -16019,8 +17925,8 @@
         </p:blipFill>
         <p:spPr>
           <a:xfrm rot="0">
-            <a:off x="1240790" y="3953510"/>
-            <a:ext cx="4143375" cy="1240790"/>
+            <a:off x="8191500" y="3962400"/>
+            <a:ext cx="2768600" cy="1189355"/>
           </a:xfrm>
           <a:prstGeom prst="roundRect"/>
           <a:solidFill>
@@ -16030,45 +17936,14 @@
       </p:pic>
       <p:pic>
         <p:nvPicPr>
-          <p:cNvPr id="1061" name="그림 40" descr="C:/Users/Admin1/AppData/Roaming/PolarisOffice/ETemp/23248_23591048/fImage50303243281.png"/>
+          <p:cNvPr id="1054" name="그림 27" descr="C:/Users/Admin1/AppData/Roaming/PolarisOffice/ETemp/23248_23591048/fImage86201896500.png"/>
           <p:cNvPicPr>
             <a:picLocks noChangeAspect="1"/>
           </p:cNvPicPr>
           <p:nvPr/>
         </p:nvPicPr>
         <p:blipFill rotWithShape="1">
-          <a:blip r:embed="rId6" cstate="hqprint">
-            <a:extLst>
-              <a:ext uri="{28A0092B-C50C-407E-A947-70E740481C1C}">
-                <a14:useLocalDpi xmlns:a14="http://schemas.microsoft.com/office/drawing/2010/main"/>
-              </a:ext>
-            </a:extLst>
-          </a:blip>
-          <a:stretch>
-            <a:fillRect/>
-          </a:stretch>
-        </p:blipFill>
-        <p:spPr>
-          <a:xfrm rot="0">
-            <a:off x="8915400" y="4042410"/>
-            <a:ext cx="2042160" cy="1376045"/>
-          </a:xfrm>
-          <a:prstGeom prst="roundRect"/>
-          <a:solidFill>
-            <a:srgbClr val="EDEDED"/>
-          </a:solidFill>
-        </p:spPr>
-      </p:pic>
-      <p:pic>
-        <p:nvPicPr>
-          <p:cNvPr id="1062" name="그림 41" descr="C:/Users/Admin1/AppData/Roaming/PolarisOffice/ETemp/23248_23591048/fImage86202886962.png"/>
-          <p:cNvPicPr>
-            <a:picLocks noChangeAspect="1"/>
-          </p:cNvPicPr>
-          <p:nvPr/>
-        </p:nvPicPr>
-        <p:blipFill rotWithShape="1">
-          <a:blip r:embed="rId7" cstate="print">
+          <a:blip r:embed="rId13" cstate="print">
             <a:extLst>
               <a:ext uri="{28A0092B-C50C-407E-A947-70E740481C1C}">
                 <a14:useLocalDpi xmlns:a14="http://schemas.microsoft.com/office/drawing/2010/main" val="0"/>
@@ -16081,8 +17956,8 @@
         </p:blipFill>
         <p:spPr>
           <a:xfrm rot="0">
-            <a:off x="6831330" y="4029710"/>
-            <a:ext cx="1938655" cy="1388745"/>
+            <a:off x="6822440" y="3961130"/>
+            <a:ext cx="1240790" cy="1189990"/>
           </a:xfrm>
           <a:prstGeom prst="roundRect"/>
           <a:solidFill>
@@ -16090,47 +17965,181 @@
           </a:solidFill>
         </p:spPr>
       </p:pic>
-      <p:pic>
-        <p:nvPicPr>
-          <p:cNvPr id="1063" name="그림 42" descr="C:/Users/Admin1/AppData/Roaming/PolarisOffice/ETemp/23248_23591048/fImage86742894464.png"/>
-          <p:cNvPicPr>
-            <a:picLocks noChangeAspect="1"/>
-          </p:cNvPicPr>
+      <p:sp>
+        <p:nvSpPr>
+          <p:cNvPr id="1055" name="텍스트 상자 30"/>
+          <p:cNvSpPr txBox="1">
+            <a:spLocks/>
+          </p:cNvSpPr>
           <p:nvPr/>
-        </p:nvPicPr>
-        <p:blipFill rotWithShape="1">
-          <a:blip r:embed="rId8" cstate="print">
-            <a:extLst>
-              <a:ext uri="{28A0092B-C50C-407E-A947-70E740481C1C}">
-                <a14:useLocalDpi xmlns:a14="http://schemas.microsoft.com/office/drawing/2010/main" val="0"/>
-              </a:ext>
-            </a:extLst>
-          </a:blip>
-          <a:stretch>
-            <a:fillRect/>
-          </a:stretch>
-        </p:blipFill>
-        <p:spPr>
-          <a:xfrm rot="0">
-            <a:off x="6837680" y="1447165"/>
-            <a:ext cx="1199515" cy="1111885"/>
-          </a:xfrm>
-          <a:prstGeom prst="roundRect"/>
-          <a:solidFill>
-            <a:srgbClr val="EDEDED"/>
-          </a:solidFill>
-        </p:spPr>
-      </p:pic>
+        </p:nvSpPr>
+        <p:spPr>
+          <a:xfrm rot="0">
+            <a:off x="6827520" y="5286375"/>
+            <a:ext cx="4138930" cy="923925"/>
+          </a:xfrm>
+          <a:prstGeom prst="rect"/>
+          <a:noFill/>
+          <a:ln w="0">
+            <a:noFill/>
+            <a:prstDash/>
+          </a:ln>
+        </p:spPr>
+        <p:txBody>
+          <a:bodyPr wrap="square" lIns="89535" tIns="46355" rIns="89535" bIns="46355" numCol="1" vert="horz" anchor="t">
+            <a:spAutoFit/>
+          </a:bodyPr>
+          <a:lstStyle/>
+          <a:p>
+            <a:pPr marL="0" indent="0" rtl="0" algn="l" defTabSz="914400" eaLnBrk="1" latinLnBrk="0" hangingPunct="1">
+              <a:buFontTx/>
+              <a:buNone/>
+            </a:pPr>
+            <a:r>
+              <a:rPr sz="1800" b="1">
+                <a:solidFill>
+                  <a:srgbClr val="0611F2"/>
+                </a:solidFill>
+                <a:latin typeface="맑은 고딕" charset="0"/>
+                <a:ea typeface="맑은 고딕" charset="0"/>
+              </a:rPr>
+              <a:t>2</a:t>
+            </a:r>
+            <a:r>
+              <a:rPr lang="ko-KR" sz="1800" b="1">
+                <a:solidFill>
+                  <a:srgbClr val="0611F2"/>
+                </a:solidFill>
+                <a:latin typeface="맑은 고딕" charset="0"/>
+                <a:ea typeface="맑은 고딕" charset="0"/>
+              </a:rPr>
+              <a:t>3</a:t>
+            </a:r>
+            <a:r>
+              <a:rPr sz="1800" b="1">
+                <a:solidFill>
+                  <a:srgbClr val="0611F2"/>
+                </a:solidFill>
+                <a:latin typeface="맑은 고딕" charset="0"/>
+                <a:ea typeface="맑은 고딕" charset="0"/>
+              </a:rPr>
+              <a:t>.</a:t>
+            </a:r>
+            <a:r>
+              <a:rPr sz="1800">
+                <a:latin typeface="맑은 고딕" charset="0"/>
+                <a:ea typeface="맑은 고딕" charset="0"/>
+              </a:rPr>
+              <a:t> </a:t>
+            </a:r>
+            <a:r>
+              <a:rPr lang="ko-KR" sz="1800">
+                <a:latin typeface="맑은 고딕" charset="0"/>
+                <a:ea typeface="맑은 고딕" charset="0"/>
+              </a:rPr>
+              <a:t>그리고 Project 폴더에 </a:t>
+            </a:r>
+            <a:r>
+              <a:rPr lang="ko-KR" sz="1800">
+                <a:latin typeface="맑은 고딕" charset="0"/>
+                <a:ea typeface="맑은 고딕" charset="0"/>
+              </a:rPr>
+              <a:t>있는 M</a:t>
+            </a:r>
+            <a:r>
+              <a:rPr lang="ko-KR" sz="1800">
+                <a:latin typeface="맑은 고딕" charset="0"/>
+                <a:ea typeface="맑은 고딕" charset="0"/>
+              </a:rPr>
+              <a:t>od</a:t>
+            </a:r>
+            <a:r>
+              <a:rPr lang="ko-KR" sz="1800">
+                <a:latin typeface="맑은 고딕" charset="0"/>
+                <a:ea typeface="맑은 고딕" charset="0"/>
+              </a:rPr>
+              <a:t>e</a:t>
+            </a:r>
+            <a:r>
+              <a:rPr lang="ko-KR" sz="1800">
+                <a:latin typeface="맑은 고딕" charset="0"/>
+                <a:ea typeface="맑은 고딕" charset="0"/>
+              </a:rPr>
+              <a:t>l </a:t>
+            </a:r>
+            <a:r>
+              <a:rPr lang="ko-KR" sz="1800">
+                <a:latin typeface="맑은 고딕" charset="0"/>
+                <a:ea typeface="맑은 고딕" charset="0"/>
+              </a:rPr>
+              <a:t>폴더</a:t>
+            </a:r>
+            <a:r>
+              <a:rPr lang="ko-KR" sz="1800">
+                <a:latin typeface="맑은 고딕" charset="0"/>
+                <a:ea typeface="맑은 고딕" charset="0"/>
+              </a:rPr>
+              <a:t>에</a:t>
+            </a:r>
+            <a:r>
+              <a:rPr lang="ko-KR" sz="1800">
+                <a:latin typeface="맑은 고딕" charset="0"/>
+                <a:ea typeface="맑은 고딕" charset="0"/>
+              </a:rPr>
+              <a:t> </a:t>
+            </a:r>
+            <a:r>
+              <a:rPr lang="ko-KR" sz="1800">
+                <a:latin typeface="맑은 고딕" charset="0"/>
+                <a:ea typeface="맑은 고딕" charset="0"/>
+              </a:rPr>
+              <a:t>Robot 모델을 월드 공간에 </a:t>
+            </a:r>
+            <a:r>
+              <a:rPr lang="ko-KR" sz="1800">
+                <a:latin typeface="맑은 고딕" charset="0"/>
+                <a:ea typeface="맑은 고딕" charset="0"/>
+              </a:rPr>
+              <a:t>배치합니</a:t>
+            </a:r>
+            <a:r>
+              <a:rPr lang="ko-KR" sz="1800">
+                <a:latin typeface="맑은 고딕" charset="0"/>
+                <a:ea typeface="맑은 고딕" charset="0"/>
+              </a:rPr>
+              <a:t>다</a:t>
+            </a:r>
+            <a:r>
+              <a:rPr lang="ko-KR" sz="1800">
+                <a:latin typeface="맑은 고딕" charset="0"/>
+                <a:ea typeface="맑은 고딕" charset="0"/>
+              </a:rPr>
+              <a:t>.</a:t>
+            </a:r>
+            <a:r>
+              <a:rPr lang="ko-KR" sz="1800">
+                <a:latin typeface="맑은 고딕" charset="0"/>
+                <a:ea typeface="맑은 고딕" charset="0"/>
+              </a:rPr>
+              <a:t> </a:t>
+            </a:r>
+            <a:endParaRPr lang="ko-KR" altLang="en-US" sz="1800">
+              <a:latin typeface="맑은 고딕" charset="0"/>
+              <a:ea typeface="맑은 고딕" charset="0"/>
+            </a:endParaRPr>
+          </a:p>
+        </p:txBody>
+      </p:sp>
       <p:cxnSp>
         <p:nvCxnSpPr>
-          <p:cNvPr id="1052" name="Rect 0"/>
+          <p:cNvPr id="1056" name="도형 31"/>
           <p:cNvCxnSpPr/>
           <p:nvPr/>
         </p:nvCxnSpPr>
         <p:spPr>
           <a:xfrm rot="0" flipH="1">
-            <a:off x="7933690" y="1911985"/>
-            <a:ext cx="2463800" cy="431800"/>
+            <a:off x="7468235" y="4694555"/>
+            <a:ext cx="1689100" cy="379095"/>
           </a:xfrm>
           <a:prstGeom prst="straightConnector1"/>
           <a:ln w="6350" cap="flat" cmpd="sng">

--- a/Assets/Class/Light/PPT Data/Light Example.pptx
+++ b/Assets/Class/Light/PPT Data/Light Example.pptx
@@ -2,7 +2,7 @@
 <file path=ppt/presentation.xml><?xml version="1.0" encoding="utf-8"?>
 <p:presentation xmlns:a="http://schemas.openxmlformats.org/drawingml/2006/main" xmlns:r="http://schemas.openxmlformats.org/officeDocument/2006/relationships" xmlns:p="http://schemas.openxmlformats.org/presentationml/2006/main" xmlns:p14="http://schemas.microsoft.com/office/powerpoint/2010/main" saveSubsetFonts="1" firstSlideNum="0">
   <p:sldMasterIdLst>
-    <p:sldMasterId id="2147486023" r:id="rId12"/>
+    <p:sldMasterId id="2147486041" r:id="rId12"/>
   </p:sldMasterIdLst>
   <p:notesMasterIdLst>
     <p:notesMasterId r:id="rId14"/>
@@ -13,17 +13,19 @@
     <p:sldId id="316" r:id="rId20"/>
     <p:sldId id="317" r:id="rId22"/>
     <p:sldId id="294" r:id="rId24"/>
-    <p:sldId id="299" r:id="rId26"/>
-    <p:sldId id="318" r:id="rId28"/>
-    <p:sldId id="319" r:id="rId29"/>
-    <p:sldId id="310" r:id="rId31"/>
-    <p:sldId id="320" r:id="rId33"/>
-    <p:sldId id="321" r:id="rId35"/>
+    <p:sldId id="299" r:id="rId25"/>
+    <p:sldId id="318" r:id="rId27"/>
+    <p:sldId id="319" r:id="rId28"/>
+    <p:sldId id="310" r:id="rId30"/>
+    <p:sldId id="320" r:id="rId32"/>
+    <p:sldId id="321" r:id="rId34"/>
     <p:sldId id="308" r:id="rId36"/>
-    <p:sldId id="322" r:id="rId37"/>
-    <p:sldId id="323" r:id="rId38"/>
-    <p:sldId id="324" r:id="rId39"/>
-    <p:sldId id="313" r:id="rId40"/>
+    <p:sldId id="322" r:id="rId38"/>
+    <p:sldId id="323" r:id="rId40"/>
+    <p:sldId id="324" r:id="rId42"/>
+    <p:sldId id="325" r:id="rId44"/>
+    <p:sldId id="326" r:id="rId45"/>
+    <p:sldId id="313" r:id="rId46"/>
   </p:sldIdLst>
   <p:sldSz cx="12192000" cy="6858000"/>
   <p:notesSz cx="6858000" cy="9144000"/>
@@ -1506,6 +1508,290 @@
         <p:spPr>
           <a:xfrm rot="0">
             <a:off x="685800" y="1143000"/>
+            <a:ext cx="5494020" cy="3093720"/>
+          </a:xfrm>
+          <a:prstGeom prst="rect"/>
+          <a:noFill/>
+          <a:ln w="12700" cap="flat" cmpd="sng">
+            <a:solidFill>
+              <a:srgbClr val="000000">
+                <a:alpha val="100000"/>
+              </a:srgbClr>
+            </a:solidFill>
+            <a:prstDash val="solid"/>
+          </a:ln>
+        </p:spPr>
+        <p:txBody>
+          <a:bodyPr wrap="square" lIns="91440" tIns="45720" rIns="91440" bIns="45720" numCol="1" vert="horz" anchor="ctr">
+            <a:noAutofit/>
+          </a:bodyPr>
+          <a:lstStyle/>
+          <a:p>
+            <a:pPr marL="0" indent="0" latinLnBrk="0">
+              <a:buFontTx/>
+              <a:buNone/>
+            </a:pPr>
+          </a:p>
+        </p:txBody>
+      </p:sp>
+      <p:sp>
+        <p:nvSpPr>
+          <p:cNvPr id="3" name="슬라이드 노트 개체 틀 4"/>
+          <p:cNvSpPr txBox="1">
+            <a:spLocks/>
+          </p:cNvSpPr>
+          <p:nvPr>
+            <p:ph type="body" idx="3"/>
+          </p:nvPr>
+        </p:nvSpPr>
+        <p:spPr>
+          <a:xfrm rot="0">
+            <a:off x="685800" y="4400550"/>
+            <a:ext cx="5494020" cy="3608070"/>
+          </a:xfrm>
+          <a:prstGeom prst="rect"/>
+        </p:spPr>
+        <p:txBody>
+          <a:bodyPr wrap="square" lIns="91440" tIns="45720" rIns="91440" bIns="45720" numCol="1" vert="horz" anchor="t">
+            <a:noAutofit/>
+          </a:bodyPr>
+          <a:lstStyle/>
+          <a:p>
+            <a:pPr marL="0" indent="0" latinLnBrk="0">
+              <a:buFontTx/>
+              <a:buNone/>
+            </a:pPr>
+          </a:p>
+        </p:txBody>
+      </p:sp>
+      <p:sp>
+        <p:nvSpPr>
+          <p:cNvPr id="4" name="슬라이드 번호 개체 틀 6"/>
+          <p:cNvSpPr txBox="1">
+            <a:spLocks/>
+          </p:cNvSpPr>
+          <p:nvPr>
+            <p:ph type="sldNum" idx="5"/>
+          </p:nvPr>
+        </p:nvSpPr>
+        <p:spPr>
+          <a:xfrm rot="0">
+            <a:off x="3884930" y="8685530"/>
+            <a:ext cx="2979420" cy="466090"/>
+          </a:xfrm>
+          <a:prstGeom prst="rect"/>
+        </p:spPr>
+        <p:txBody>
+          <a:bodyPr wrap="square" lIns="91440" tIns="45720" rIns="91440" bIns="45720" numCol="1" vert="horz" anchor="b">
+            <a:noAutofit/>
+          </a:bodyPr>
+          <a:lstStyle>
+            <a:lvl1pPr marL="0" indent="0" algn="r" latinLnBrk="0">
+              <a:buFontTx/>
+              <a:buNone/>
+              <a:defRPr lang="en-GB" altLang="en-US" sz="1200"/>
+            </a:lvl1pPr>
+          </a:lstStyle>
+          <a:p>
+            <a:pPr marL="0" indent="0" latinLnBrk="0">
+              <a:buFontTx/>
+              <a:buNone/>
+            </a:pPr>
+            <a:fld id="{B9320F77-B9A0-41C5-862A-B4B631284C64}" type="slidenum">
+              <a:rPr lang="ko-KR" altLang="en-US"/>
+              <a:t>‹#›</a:t>
+            </a:fld>
+          </a:p>
+        </p:txBody>
+      </p:sp>
+    </p:spTree>
+  </p:cSld>
+  <p:clrMapOvr>
+    <a:masterClrMapping/>
+  </p:clrMapOvr>
+  <mc:AlternateContent xmlns:mc="http://schemas.openxmlformats.org/markup-compatibility/2006">
+    <mc:Choice xmlns:p14="http://schemas.microsoft.com/office/powerpoint/2010/main" Requires="p14">
+      <p:transition spd="slow" p14:dur="0"/>
+    </mc:Choice>
+    <mc:Fallback>
+      <p:transition spd="slow"/>
+    </mc:Fallback>
+  </mc:AlternateContent>
+</p:notes>
+</file>
+
+<file path=ppt/notesSlides/notesSlide17.xml><?xml version="1.0" encoding="utf-8"?>
+<p:notes xmlns:a="http://schemas.openxmlformats.org/drawingml/2006/main" xmlns:r="http://schemas.openxmlformats.org/officeDocument/2006/relationships" xmlns:p="http://schemas.openxmlformats.org/presentationml/2006/main">
+  <p:cSld>
+    <p:spTree>
+      <p:nvGrpSpPr>
+        <p:cNvPr id="1" name=""/>
+        <p:cNvGrpSpPr/>
+        <p:nvPr/>
+      </p:nvGrpSpPr>
+      <p:grpSpPr>
+        <a:xfrm>
+          <a:off x="0" y="0"/>
+          <a:ext cx="0" cy="0"/>
+          <a:chOff x="0" y="0"/>
+          <a:chExt cx="0" cy="0"/>
+        </a:xfrm>
+      </p:grpSpPr>
+      <p:sp>
+        <p:nvSpPr>
+          <p:cNvPr id="2" name="슬라이드 이미지 개체 틀 3"/>
+          <p:cNvSpPr>
+            <a:spLocks noChangeAspect="1"/>
+          </p:cNvSpPr>
+          <p:nvPr>
+            <p:ph type="sldImg" idx="2"/>
+          </p:nvPr>
+        </p:nvSpPr>
+        <p:spPr>
+          <a:xfrm rot="0">
+            <a:off x="685800" y="1143000"/>
+            <a:ext cx="5494020" cy="3093720"/>
+          </a:xfrm>
+          <a:prstGeom prst="rect"/>
+          <a:noFill/>
+          <a:ln w="12700" cap="flat" cmpd="sng">
+            <a:solidFill>
+              <a:srgbClr val="000000">
+                <a:alpha val="100000"/>
+              </a:srgbClr>
+            </a:solidFill>
+            <a:prstDash val="solid"/>
+          </a:ln>
+        </p:spPr>
+        <p:txBody>
+          <a:bodyPr wrap="square" lIns="91440" tIns="45720" rIns="91440" bIns="45720" numCol="1" vert="horz" anchor="ctr">
+            <a:noAutofit/>
+          </a:bodyPr>
+          <a:lstStyle/>
+          <a:p>
+            <a:pPr marL="0" indent="0" latinLnBrk="0">
+              <a:buFontTx/>
+              <a:buNone/>
+            </a:pPr>
+          </a:p>
+        </p:txBody>
+      </p:sp>
+      <p:sp>
+        <p:nvSpPr>
+          <p:cNvPr id="3" name="슬라이드 노트 개체 틀 4"/>
+          <p:cNvSpPr txBox="1">
+            <a:spLocks/>
+          </p:cNvSpPr>
+          <p:nvPr>
+            <p:ph type="body" idx="3"/>
+          </p:nvPr>
+        </p:nvSpPr>
+        <p:spPr>
+          <a:xfrm rot="0">
+            <a:off x="685800" y="4400550"/>
+            <a:ext cx="5494020" cy="3608070"/>
+          </a:xfrm>
+          <a:prstGeom prst="rect"/>
+        </p:spPr>
+        <p:txBody>
+          <a:bodyPr wrap="square" lIns="91440" tIns="45720" rIns="91440" bIns="45720" numCol="1" vert="horz" anchor="t">
+            <a:noAutofit/>
+          </a:bodyPr>
+          <a:lstStyle/>
+          <a:p>
+            <a:pPr marL="0" indent="0" latinLnBrk="0">
+              <a:buFontTx/>
+              <a:buNone/>
+            </a:pPr>
+          </a:p>
+        </p:txBody>
+      </p:sp>
+      <p:sp>
+        <p:nvSpPr>
+          <p:cNvPr id="4" name="슬라이드 번호 개체 틀 6"/>
+          <p:cNvSpPr txBox="1">
+            <a:spLocks/>
+          </p:cNvSpPr>
+          <p:nvPr>
+            <p:ph type="sldNum" idx="5"/>
+          </p:nvPr>
+        </p:nvSpPr>
+        <p:spPr>
+          <a:xfrm rot="0">
+            <a:off x="3884930" y="8685530"/>
+            <a:ext cx="2979420" cy="466090"/>
+          </a:xfrm>
+          <a:prstGeom prst="rect"/>
+        </p:spPr>
+        <p:txBody>
+          <a:bodyPr wrap="square" lIns="91440" tIns="45720" rIns="91440" bIns="45720" numCol="1" vert="horz" anchor="b">
+            <a:noAutofit/>
+          </a:bodyPr>
+          <a:lstStyle>
+            <a:lvl1pPr marL="0" indent="0" algn="r" latinLnBrk="0">
+              <a:buFontTx/>
+              <a:buNone/>
+              <a:defRPr lang="en-GB" altLang="en-US" sz="1200"/>
+            </a:lvl1pPr>
+          </a:lstStyle>
+          <a:p>
+            <a:pPr marL="0" indent="0" latinLnBrk="0">
+              <a:buFontTx/>
+              <a:buNone/>
+            </a:pPr>
+            <a:fld id="{B9320F77-B9A0-41C5-862A-B4B631284C64}" type="slidenum">
+              <a:rPr lang="ko-KR" altLang="en-US"/>
+              <a:t>‹#›</a:t>
+            </a:fld>
+          </a:p>
+        </p:txBody>
+      </p:sp>
+    </p:spTree>
+  </p:cSld>
+  <p:clrMapOvr>
+    <a:masterClrMapping/>
+  </p:clrMapOvr>
+  <mc:AlternateContent xmlns:mc="http://schemas.openxmlformats.org/markup-compatibility/2006">
+    <mc:Choice xmlns:p14="http://schemas.microsoft.com/office/powerpoint/2010/main" Requires="p14">
+      <p:transition spd="slow" p14:dur="0"/>
+    </mc:Choice>
+    <mc:Fallback>
+      <p:transition spd="slow"/>
+    </mc:Fallback>
+  </mc:AlternateContent>
+</p:notes>
+</file>
+
+<file path=ppt/notesSlides/notesSlide18.xml><?xml version="1.0" encoding="utf-8"?>
+<p:notes xmlns:a="http://schemas.openxmlformats.org/drawingml/2006/main" xmlns:r="http://schemas.openxmlformats.org/officeDocument/2006/relationships" xmlns:p="http://schemas.openxmlformats.org/presentationml/2006/main">
+  <p:cSld>
+    <p:spTree>
+      <p:nvGrpSpPr>
+        <p:cNvPr id="1" name=""/>
+        <p:cNvGrpSpPr/>
+        <p:nvPr/>
+      </p:nvGrpSpPr>
+      <p:grpSpPr>
+        <a:xfrm>
+          <a:off x="0" y="0"/>
+          <a:ext cx="0" cy="0"/>
+          <a:chOff x="0" y="0"/>
+          <a:chExt cx="0" cy="0"/>
+        </a:xfrm>
+      </p:grpSpPr>
+      <p:sp>
+        <p:nvSpPr>
+          <p:cNvPr id="2" name="슬라이드 이미지 개체 틀 3"/>
+          <p:cNvSpPr>
+            <a:spLocks noChangeAspect="1"/>
+          </p:cNvSpPr>
+          <p:nvPr>
+            <p:ph type="sldImg" idx="2"/>
+          </p:nvPr>
+        </p:nvSpPr>
+        <p:spPr>
+          <a:xfrm rot="0">
+            <a:off x="685800" y="1143000"/>
             <a:ext cx="5494655" cy="3094355"/>
           </a:xfrm>
           <a:prstGeom prst="rect"/>
@@ -12012,6 +12298,1758 @@
 </file>
 
 <file path=ppt/slides/slide16.xml><?xml version="1.0" encoding="utf-8"?>
+<p:sld xmlns:a="http://schemas.openxmlformats.org/drawingml/2006/main" xmlns:r="http://schemas.openxmlformats.org/officeDocument/2006/relationships" xmlns:p="http://schemas.openxmlformats.org/presentationml/2006/main">
+  <p:cSld>
+    <p:spTree>
+      <p:nvGrpSpPr>
+        <p:cNvPr id="1" name=""/>
+        <p:cNvGrpSpPr/>
+        <p:nvPr/>
+      </p:nvGrpSpPr>
+      <p:grpSpPr>
+        <a:xfrm>
+          <a:off x="0" y="0"/>
+          <a:ext cx="0" cy="0"/>
+          <a:chOff x="0" y="0"/>
+          <a:chExt cx="0" cy="0"/>
+        </a:xfrm>
+      </p:grpSpPr>
+      <p:sp>
+        <p:nvSpPr>
+          <p:cNvPr id="1031" name="Rect 0"/>
+          <p:cNvSpPr txBox="1">
+            <a:spLocks/>
+          </p:cNvSpPr>
+          <p:nvPr/>
+        </p:nvSpPr>
+        <p:spPr>
+          <a:xfrm rot="0">
+            <a:off x="4232275" y="396240"/>
+            <a:ext cx="3720465" cy="478155"/>
+          </a:xfrm>
+          <a:prstGeom prst="rect"/>
+          <a:noFill/>
+          <a:ln w="0">
+            <a:noFill/>
+            <a:prstDash/>
+          </a:ln>
+        </p:spPr>
+        <p:txBody>
+          <a:bodyPr wrap="square" lIns="89535" tIns="46355" rIns="89535" bIns="46355" numCol="1" vert="horz" anchor="t">
+            <a:spAutoFit/>
+          </a:bodyPr>
+          <a:lstStyle/>
+          <a:p>
+            <a:pPr marL="0" indent="0" algn="ctr" latinLnBrk="0">
+              <a:buFontTx/>
+              <a:buNone/>
+            </a:pPr>
+            <a:r>
+              <a:rPr lang="ko-KR" altLang="en-US" sz="2500" b="1">
+                <a:solidFill>
+                  <a:schemeClr val="tx1"/>
+                </a:solidFill>
+                <a:latin typeface="나눔바른고딕" charset="0"/>
+                <a:ea typeface="나눔바른고딕" charset="0"/>
+              </a:rPr>
+              <a:t>열여섯</a:t>
+            </a:r>
+            <a:r>
+              <a:rPr lang="ko-KR" altLang="en-US" sz="2500" b="1">
+                <a:solidFill>
+                  <a:schemeClr val="tx1"/>
+                </a:solidFill>
+                <a:latin typeface="나눔바른고딕" charset="0"/>
+                <a:ea typeface="나눔바른고딕" charset="0"/>
+              </a:rPr>
+              <a:t> 번째 튜토리얼</a:t>
+            </a:r>
+            <a:endParaRPr lang="ko-KR" altLang="en-US" sz="2500" b="1">
+              <a:solidFill>
+                <a:schemeClr val="tx1"/>
+              </a:solidFill>
+              <a:latin typeface="나눔바른고딕" charset="0"/>
+              <a:ea typeface="나눔바른고딕" charset="0"/>
+            </a:endParaRPr>
+          </a:p>
+        </p:txBody>
+      </p:sp>
+      <p:sp>
+        <p:nvSpPr>
+          <p:cNvPr id="1210" name="Rect 0"/>
+          <p:cNvSpPr txBox="1">
+            <a:spLocks/>
+          </p:cNvSpPr>
+          <p:nvPr/>
+        </p:nvSpPr>
+        <p:spPr>
+          <a:xfrm rot="0">
+            <a:off x="1246505" y="5534660"/>
+            <a:ext cx="4129405" cy="677545"/>
+          </a:xfrm>
+          <a:prstGeom prst="rect"/>
+          <a:noFill/>
+          <a:ln w="0">
+            <a:noFill/>
+            <a:prstDash/>
+          </a:ln>
+        </p:spPr>
+        <p:txBody>
+          <a:bodyPr wrap="square" lIns="89535" tIns="46355" rIns="89535" bIns="46355" numCol="1" vert="horz" anchor="t">
+            <a:spAutoFit/>
+          </a:bodyPr>
+          <a:lstStyle/>
+          <a:p>
+            <a:pPr marL="0" indent="0" algn="l" latinLnBrk="0" hangingPunct="1">
+              <a:buFontTx/>
+              <a:buNone/>
+            </a:pPr>
+            <a:r>
+              <a:rPr lang="ko-KR" sz="2000" b="1">
+                <a:solidFill>
+                  <a:srgbClr val="0611F2"/>
+                </a:solidFill>
+                <a:latin typeface="맑은 고딕" charset="0"/>
+                <a:ea typeface="맑은 고딕" charset="0"/>
+              </a:rPr>
+              <a:t>4</a:t>
+            </a:r>
+            <a:r>
+              <a:rPr lang="ko-KR" sz="2000" b="1">
+                <a:solidFill>
+                  <a:srgbClr val="0611F2"/>
+                </a:solidFill>
+                <a:latin typeface="맑은 고딕" charset="0"/>
+                <a:ea typeface="맑은 고딕" charset="0"/>
+              </a:rPr>
+              <a:t>1</a:t>
+            </a:r>
+            <a:r>
+              <a:rPr lang="ko-KR" sz="2000" b="1">
+                <a:solidFill>
+                  <a:srgbClr val="0611F2"/>
+                </a:solidFill>
+                <a:latin typeface="맑은 고딕" charset="0"/>
+                <a:ea typeface="맑은 고딕" charset="0"/>
+              </a:rPr>
+              <a:t>.</a:t>
+            </a:r>
+            <a:r>
+              <a:rPr lang="ko-KR" sz="2000" b="1">
+                <a:solidFill>
+                  <a:srgbClr val="0611F2"/>
+                </a:solidFill>
+                <a:latin typeface="맑은 고딕" charset="0"/>
+                <a:ea typeface="맑은 고딕" charset="0"/>
+              </a:rPr>
+              <a:t> </a:t>
+            </a:r>
+            <a:r>
+              <a:rPr lang="ko-KR" sz="1800">
+                <a:latin typeface="맑은 고딕" charset="0"/>
+                <a:ea typeface="맑은 고딕" charset="0"/>
+              </a:rPr>
+              <a:t>이제 Right House 오브젝트의 </a:t>
+            </a:r>
+            <a:r>
+              <a:rPr lang="ko-KR" sz="1800">
+                <a:latin typeface="맑은 고딕" charset="0"/>
+                <a:ea typeface="맑은 고딕" charset="0"/>
+              </a:rPr>
+              <a:t>위치와</a:t>
+            </a:r>
+            <a:r>
+              <a:rPr lang="ko-KR" sz="1800">
+                <a:latin typeface="맑은 고딕" charset="0"/>
+                <a:ea typeface="맑은 고딕" charset="0"/>
+              </a:rPr>
+              <a:t> </a:t>
+            </a:r>
+            <a:r>
+              <a:rPr lang="ko-KR" sz="1800">
+                <a:latin typeface="맑은 고딕" charset="0"/>
+                <a:ea typeface="맑은 고딕" charset="0"/>
+              </a:rPr>
+              <a:t>회전 값을 설정합니다.</a:t>
+            </a:r>
+            <a:endParaRPr lang="ko-KR" altLang="en-US" sz="1800">
+              <a:latin typeface="맑은 고딕" charset="0"/>
+              <a:ea typeface="맑은 고딕" charset="0"/>
+            </a:endParaRPr>
+          </a:p>
+        </p:txBody>
+      </p:sp>
+      <p:sp>
+        <p:nvSpPr>
+          <p:cNvPr id="1220" name="Rect 0"/>
+          <p:cNvSpPr txBox="1">
+            <a:spLocks/>
+          </p:cNvSpPr>
+          <p:nvPr/>
+        </p:nvSpPr>
+        <p:spPr>
+          <a:xfrm rot="0">
+            <a:off x="6807835" y="5538470"/>
+            <a:ext cx="4140835" cy="677545"/>
+          </a:xfrm>
+          <a:prstGeom prst="rect"/>
+          <a:noFill/>
+          <a:ln w="0">
+            <a:noFill/>
+            <a:prstDash/>
+          </a:ln>
+        </p:spPr>
+        <p:txBody>
+          <a:bodyPr wrap="square" lIns="89535" tIns="46355" rIns="89535" bIns="46355" numCol="1" vert="horz" anchor="t">
+            <a:spAutoFit/>
+          </a:bodyPr>
+          <a:lstStyle/>
+          <a:p>
+            <a:pPr marL="0" indent="0" algn="l" latinLnBrk="0" hangingPunct="1">
+              <a:buFontTx/>
+              <a:buNone/>
+            </a:pPr>
+            <a:r>
+              <a:rPr lang="ko-KR" sz="2000" b="1">
+                <a:solidFill>
+                  <a:srgbClr val="0611F2"/>
+                </a:solidFill>
+                <a:latin typeface="맑은 고딕" charset="0"/>
+                <a:ea typeface="맑은 고딕" charset="0"/>
+              </a:rPr>
+              <a:t>4</a:t>
+            </a:r>
+            <a:r>
+              <a:rPr lang="ko-KR" sz="2000" b="1">
+                <a:solidFill>
+                  <a:srgbClr val="0611F2"/>
+                </a:solidFill>
+                <a:latin typeface="맑은 고딕" charset="0"/>
+                <a:ea typeface="맑은 고딕" charset="0"/>
+              </a:rPr>
+              <a:t>3</a:t>
+            </a:r>
+            <a:r>
+              <a:rPr lang="ko-KR" sz="2000" b="1">
+                <a:solidFill>
+                  <a:srgbClr val="0611F2"/>
+                </a:solidFill>
+                <a:latin typeface="맑은 고딕" charset="0"/>
+                <a:ea typeface="맑은 고딕" charset="0"/>
+              </a:rPr>
+              <a:t>.</a:t>
+            </a:r>
+            <a:r>
+              <a:rPr lang="ko-KR" sz="2000" b="1">
+                <a:solidFill>
+                  <a:srgbClr val="0611F2"/>
+                </a:solidFill>
+                <a:latin typeface="맑은 고딕" charset="0"/>
+                <a:ea typeface="맑은 고딕" charset="0"/>
+              </a:rPr>
+              <a:t> </a:t>
+            </a:r>
+            <a:r>
+              <a:rPr lang="ko-KR" sz="1800">
+                <a:latin typeface="맑은 고딕" charset="0"/>
+                <a:ea typeface="맑은 고딕" charset="0"/>
+              </a:rPr>
+              <a:t>그런 다음 Left House </a:t>
+            </a:r>
+            <a:r>
+              <a:rPr lang="ko-KR" sz="1800">
+                <a:latin typeface="맑은 고딕" charset="0"/>
+                <a:ea typeface="맑은 고딕" charset="0"/>
+              </a:rPr>
+              <a:t>오브젝트의</a:t>
+            </a:r>
+            <a:r>
+              <a:rPr lang="ko-KR" sz="1800">
+                <a:latin typeface="맑은 고딕" charset="0"/>
+                <a:ea typeface="맑은 고딕" charset="0"/>
+              </a:rPr>
+              <a:t> </a:t>
+            </a:r>
+            <a:r>
+              <a:rPr lang="ko-KR" sz="1800">
+                <a:latin typeface="맑은 고딕" charset="0"/>
+                <a:ea typeface="맑은 고딕" charset="0"/>
+              </a:rPr>
+              <a:t>위치와</a:t>
+            </a:r>
+            <a:r>
+              <a:rPr lang="ko-KR" sz="1800">
+                <a:latin typeface="맑은 고딕" charset="0"/>
+                <a:ea typeface="맑은 고딕" charset="0"/>
+              </a:rPr>
+              <a:t> 회전 값을 </a:t>
+            </a:r>
+            <a:r>
+              <a:rPr lang="ko-KR" sz="1800">
+                <a:latin typeface="맑은 고딕" charset="0"/>
+                <a:ea typeface="맑은 고딕" charset="0"/>
+              </a:rPr>
+              <a:t>설정합니다.</a:t>
+            </a:r>
+            <a:endParaRPr lang="ko-KR" altLang="en-US" sz="1800">
+              <a:latin typeface="맑은 고딕" charset="0"/>
+              <a:ea typeface="맑은 고딕" charset="0"/>
+            </a:endParaRPr>
+          </a:p>
+        </p:txBody>
+      </p:sp>
+      <p:sp>
+        <p:nvSpPr>
+          <p:cNvPr id="1225" name="Rect 0"/>
+          <p:cNvSpPr txBox="1">
+            <a:spLocks/>
+          </p:cNvSpPr>
+          <p:nvPr/>
+        </p:nvSpPr>
+        <p:spPr>
+          <a:xfrm rot="0">
+            <a:off x="6808470" y="2815590"/>
+            <a:ext cx="4149090" cy="1231265"/>
+          </a:xfrm>
+          <a:prstGeom prst="rect"/>
+          <a:noFill/>
+          <a:ln w="0">
+            <a:noFill/>
+            <a:prstDash/>
+          </a:ln>
+        </p:spPr>
+        <p:txBody>
+          <a:bodyPr wrap="square" lIns="89535" tIns="46355" rIns="89535" bIns="46355" numCol="1" vert="horz" anchor="t">
+            <a:spAutoFit/>
+          </a:bodyPr>
+          <a:lstStyle/>
+          <a:p>
+            <a:pPr marL="0" indent="0" algn="l" latinLnBrk="0" hangingPunct="1">
+              <a:buFontTx/>
+              <a:buNone/>
+            </a:pPr>
+            <a:r>
+              <a:rPr lang="ko-KR" sz="2000" b="1">
+                <a:solidFill>
+                  <a:srgbClr val="0611F2"/>
+                </a:solidFill>
+                <a:latin typeface="맑은 고딕" charset="0"/>
+                <a:ea typeface="맑은 고딕" charset="0"/>
+              </a:rPr>
+              <a:t>42.</a:t>
+            </a:r>
+            <a:r>
+              <a:rPr lang="ko-KR" sz="2000" b="1">
+                <a:solidFill>
+                  <a:srgbClr val="0611F2"/>
+                </a:solidFill>
+                <a:latin typeface="맑은 고딕" charset="0"/>
+                <a:ea typeface="맑은 고딕" charset="0"/>
+              </a:rPr>
+              <a:t> </a:t>
+            </a:r>
+            <a:r>
+              <a:rPr lang="ko-KR" sz="1800">
+                <a:latin typeface="맑은 고딕" charset="0"/>
+                <a:ea typeface="맑은 고딕" charset="0"/>
+              </a:rPr>
+              <a:t>그리고 Project 폴더 아래에 </a:t>
+            </a:r>
+            <a:r>
+              <a:rPr lang="ko-KR" sz="1800">
+                <a:latin typeface="맑은 고딕" charset="0"/>
+                <a:ea typeface="맑은 고딕" charset="0"/>
+              </a:rPr>
+              <a:t>있는</a:t>
+            </a:r>
+            <a:r>
+              <a:rPr lang="ko-KR" sz="1800">
+                <a:latin typeface="맑은 고딕" charset="0"/>
+                <a:ea typeface="맑은 고딕" charset="0"/>
+              </a:rPr>
+              <a:t> </a:t>
+            </a:r>
+            <a:r>
+              <a:rPr lang="ko-KR" sz="1800">
+                <a:latin typeface="맑은 고딕" charset="0"/>
+                <a:ea typeface="맑은 고딕" charset="0"/>
+              </a:rPr>
+              <a:t>Model</a:t>
+            </a:r>
+            <a:r>
+              <a:rPr lang="ko-KR" sz="1800">
+                <a:latin typeface="맑은 고딕" charset="0"/>
+                <a:ea typeface="맑은 고딕" charset="0"/>
+              </a:rPr>
+              <a:t> </a:t>
+            </a:r>
+            <a:r>
+              <a:rPr lang="ko-KR" sz="1800">
+                <a:latin typeface="맑은 고딕" charset="0"/>
+                <a:ea typeface="맑은 고딕" charset="0"/>
+              </a:rPr>
+              <a:t>폴더에</a:t>
+            </a:r>
+            <a:r>
+              <a:rPr lang="ko-KR" sz="1800">
+                <a:latin typeface="맑은 고딕" charset="0"/>
+                <a:ea typeface="맑은 고딕" charset="0"/>
+              </a:rPr>
+              <a:t> House 오브젝트를 </a:t>
+            </a:r>
+            <a:r>
+              <a:rPr lang="ko-KR" sz="1800">
+                <a:latin typeface="맑은 고딕" charset="0"/>
+                <a:ea typeface="맑은 고딕" charset="0"/>
+              </a:rPr>
+              <a:t>월드</a:t>
+            </a:r>
+            <a:r>
+              <a:rPr lang="ko-KR" sz="1800">
+                <a:latin typeface="맑은 고딕" charset="0"/>
+                <a:ea typeface="맑은 고딕" charset="0"/>
+              </a:rPr>
+              <a:t> </a:t>
+            </a:r>
+            <a:r>
+              <a:rPr lang="ko-KR" sz="1800">
+                <a:latin typeface="맑은 고딕" charset="0"/>
+                <a:ea typeface="맑은 고딕" charset="0"/>
+              </a:rPr>
+              <a:t>공간에</a:t>
+            </a:r>
+            <a:r>
+              <a:rPr lang="ko-KR" sz="1800">
+                <a:latin typeface="맑은 고딕" charset="0"/>
+                <a:ea typeface="맑은 고딕" charset="0"/>
+              </a:rPr>
+              <a:t> </a:t>
+            </a:r>
+            <a:r>
+              <a:rPr lang="ko-KR" sz="1800">
+                <a:latin typeface="맑은 고딕" charset="0"/>
+                <a:ea typeface="맑은 고딕" charset="0"/>
+              </a:rPr>
+              <a:t>배치한</a:t>
+            </a:r>
+            <a:r>
+              <a:rPr lang="ko-KR" sz="1800">
+                <a:latin typeface="맑은 고딕" charset="0"/>
+                <a:ea typeface="맑은 고딕" charset="0"/>
+              </a:rPr>
+              <a:t> 다음 Left </a:t>
+            </a:r>
+            <a:r>
+              <a:rPr lang="ko-KR" sz="1800">
+                <a:latin typeface="맑은 고딕" charset="0"/>
+                <a:ea typeface="맑은 고딕" charset="0"/>
+              </a:rPr>
+              <a:t>House라는</a:t>
+            </a:r>
+            <a:r>
+              <a:rPr lang="ko-KR" sz="1800">
+                <a:latin typeface="맑은 고딕" charset="0"/>
+                <a:ea typeface="맑은 고딕" charset="0"/>
+              </a:rPr>
+              <a:t> </a:t>
+            </a:r>
+            <a:r>
+              <a:rPr lang="ko-KR" sz="1800">
+                <a:latin typeface="맑은 고딕" charset="0"/>
+                <a:ea typeface="맑은 고딕" charset="0"/>
+              </a:rPr>
+              <a:t>이름으로</a:t>
+            </a:r>
+            <a:r>
+              <a:rPr lang="ko-KR" sz="1800">
+                <a:latin typeface="맑은 고딕" charset="0"/>
+                <a:ea typeface="맑은 고딕" charset="0"/>
+              </a:rPr>
+              <a:t> </a:t>
+            </a:r>
+            <a:r>
+              <a:rPr lang="ko-KR" sz="1800">
+                <a:latin typeface="맑은 고딕" charset="0"/>
+                <a:ea typeface="맑은 고딕" charset="0"/>
+              </a:rPr>
+              <a:t>정의합니다.</a:t>
+            </a:r>
+            <a:endParaRPr lang="ko-KR" altLang="en-US" sz="1800">
+              <a:latin typeface="맑은 고딕" charset="0"/>
+              <a:ea typeface="맑은 고딕" charset="0"/>
+            </a:endParaRPr>
+          </a:p>
+        </p:txBody>
+      </p:sp>
+      <p:pic>
+        <p:nvPicPr>
+          <p:cNvPr id="1228" name="그림 2" descr="C:/Users/Admin1/AppData/Roaming/PolarisOffice/ETemp/30164_17361928/fImage1169233941.png"/>
+          <p:cNvPicPr>
+            <a:picLocks noChangeAspect="1"/>
+          </p:cNvPicPr>
+          <p:nvPr/>
+        </p:nvPicPr>
+        <p:blipFill rotWithShape="1">
+          <a:blip r:embed="rId2" cstate="print">
+            <a:extLst>
+              <a:ext uri="{28A0092B-C50C-407E-A947-70E740481C1C}">
+                <a14:useLocalDpi xmlns:a14="http://schemas.microsoft.com/office/drawing/2010/main" val="0"/>
+              </a:ext>
+            </a:extLst>
+          </a:blip>
+          <a:stretch>
+            <a:fillRect/>
+          </a:stretch>
+        </p:blipFill>
+        <p:spPr>
+          <a:xfrm rot="0">
+            <a:off x="1240790" y="1438275"/>
+            <a:ext cx="1310005" cy="1283970"/>
+          </a:xfrm>
+          <a:prstGeom prst="roundRect"/>
+          <a:solidFill>
+            <a:srgbClr val="EDEDED"/>
+          </a:solidFill>
+        </p:spPr>
+      </p:pic>
+      <p:pic>
+        <p:nvPicPr>
+          <p:cNvPr id="1229" name="그림 5" descr="C:/Users/Admin1/AppData/Roaming/PolarisOffice/ETemp/30164_17361928/fImage920929741.png"/>
+          <p:cNvPicPr>
+            <a:picLocks noChangeAspect="1"/>
+          </p:cNvPicPr>
+          <p:nvPr/>
+        </p:nvPicPr>
+        <p:blipFill rotWithShape="1">
+          <a:blip r:embed="rId3" cstate="hqprint">
+            <a:extLst>
+              <a:ext uri="{28A0092B-C50C-407E-A947-70E740481C1C}">
+                <a14:useLocalDpi xmlns:a14="http://schemas.microsoft.com/office/drawing/2010/main"/>
+              </a:ext>
+            </a:extLst>
+          </a:blip>
+          <a:stretch>
+            <a:fillRect/>
+          </a:stretch>
+        </p:blipFill>
+        <p:spPr>
+          <a:xfrm rot="0">
+            <a:off x="2670175" y="1438275"/>
+            <a:ext cx="2706370" cy="1283970"/>
+          </a:xfrm>
+          <a:prstGeom prst="roundRect"/>
+          <a:solidFill>
+            <a:srgbClr val="EDEDED"/>
+          </a:solidFill>
+        </p:spPr>
+      </p:pic>
+      <p:pic>
+        <p:nvPicPr>
+          <p:cNvPr id="1230" name="그림 6" descr="C:/Users/Admin1/AppData/Roaming/PolarisOffice/ETemp/30164_17361928/fImage22421721541.png"/>
+          <p:cNvPicPr>
+            <a:picLocks noChangeAspect="1"/>
+          </p:cNvPicPr>
+          <p:nvPr/>
+        </p:nvPicPr>
+        <p:blipFill rotWithShape="1">
+          <a:blip r:embed="rId4" cstate="hqprint">
+            <a:extLst>
+              <a:ext uri="{28A0092B-C50C-407E-A947-70E740481C1C}">
+                <a14:useLocalDpi xmlns:a14="http://schemas.microsoft.com/office/drawing/2010/main"/>
+              </a:ext>
+            </a:extLst>
+          </a:blip>
+          <a:stretch>
+            <a:fillRect/>
+          </a:stretch>
+        </p:blipFill>
+        <p:spPr>
+          <a:xfrm rot="10800000">
+            <a:off x="2256155" y="1912620"/>
+            <a:ext cx="626110" cy="352425"/>
+          </a:xfrm>
+          <a:prstGeom prst="rect"/>
+          <a:noFill/>
+        </p:spPr>
+      </p:pic>
+      <p:sp>
+        <p:nvSpPr>
+          <p:cNvPr id="1231" name="텍스트 상자 7"/>
+          <p:cNvSpPr txBox="1">
+            <a:spLocks/>
+          </p:cNvSpPr>
+          <p:nvPr/>
+        </p:nvSpPr>
+        <p:spPr>
+          <a:xfrm rot="0">
+            <a:off x="1251585" y="2814955"/>
+            <a:ext cx="4132580" cy="1231265"/>
+          </a:xfrm>
+          <a:prstGeom prst="rect"/>
+          <a:noFill/>
+          <a:ln w="0">
+            <a:noFill/>
+            <a:prstDash/>
+          </a:ln>
+        </p:spPr>
+        <p:txBody>
+          <a:bodyPr wrap="square" lIns="89535" tIns="46355" rIns="89535" bIns="46355" numCol="1" vert="horz" anchor="t">
+            <a:spAutoFit/>
+          </a:bodyPr>
+          <a:lstStyle/>
+          <a:p>
+            <a:pPr marL="0" indent="0" algn="l" latinLnBrk="0" hangingPunct="1">
+              <a:buFontTx/>
+              <a:buNone/>
+            </a:pPr>
+            <a:r>
+              <a:rPr lang="ko-KR" sz="2000" b="1">
+                <a:solidFill>
+                  <a:srgbClr val="0611F2"/>
+                </a:solidFill>
+                <a:latin typeface="맑은 고딕" charset="0"/>
+                <a:ea typeface="맑은 고딕" charset="0"/>
+              </a:rPr>
+              <a:t>4</a:t>
+            </a:r>
+            <a:r>
+              <a:rPr lang="ko-KR" sz="2000" b="1">
+                <a:solidFill>
+                  <a:srgbClr val="0611F2"/>
+                </a:solidFill>
+                <a:latin typeface="맑은 고딕" charset="0"/>
+                <a:ea typeface="맑은 고딕" charset="0"/>
+              </a:rPr>
+              <a:t>0</a:t>
+            </a:r>
+            <a:r>
+              <a:rPr lang="ko-KR" sz="2000" b="1">
+                <a:solidFill>
+                  <a:srgbClr val="0611F2"/>
+                </a:solidFill>
+                <a:latin typeface="맑은 고딕" charset="0"/>
+                <a:ea typeface="맑은 고딕" charset="0"/>
+              </a:rPr>
+              <a:t>.</a:t>
+            </a:r>
+            <a:r>
+              <a:rPr lang="ko-KR" sz="2000" b="1">
+                <a:solidFill>
+                  <a:srgbClr val="0611F2"/>
+                </a:solidFill>
+                <a:latin typeface="맑은 고딕" charset="0"/>
+                <a:ea typeface="맑은 고딕" charset="0"/>
+              </a:rPr>
+              <a:t> </a:t>
+            </a:r>
+            <a:r>
+              <a:rPr lang="ko-KR" sz="1800">
+                <a:latin typeface="맑은 고딕" charset="0"/>
+                <a:ea typeface="맑은 고딕" charset="0"/>
+              </a:rPr>
+              <a:t>그러고 나서 Project 폴더 아래에 </a:t>
+            </a:r>
+            <a:r>
+              <a:rPr lang="ko-KR" sz="1800">
+                <a:latin typeface="맑은 고딕" charset="0"/>
+                <a:ea typeface="맑은 고딕" charset="0"/>
+              </a:rPr>
+              <a:t>있는</a:t>
+            </a:r>
+            <a:r>
+              <a:rPr lang="ko-KR" sz="1800">
+                <a:latin typeface="맑은 고딕" charset="0"/>
+                <a:ea typeface="맑은 고딕" charset="0"/>
+              </a:rPr>
+              <a:t> </a:t>
+            </a:r>
+            <a:r>
+              <a:rPr lang="ko-KR" sz="1800">
+                <a:latin typeface="맑은 고딕" charset="0"/>
+                <a:ea typeface="맑은 고딕" charset="0"/>
+              </a:rPr>
+              <a:t>Model</a:t>
+            </a:r>
+            <a:r>
+              <a:rPr lang="ko-KR" sz="1800">
+                <a:latin typeface="맑은 고딕" charset="0"/>
+                <a:ea typeface="맑은 고딕" charset="0"/>
+              </a:rPr>
+              <a:t> </a:t>
+            </a:r>
+            <a:r>
+              <a:rPr lang="ko-KR" sz="1800">
+                <a:latin typeface="맑은 고딕" charset="0"/>
+                <a:ea typeface="맑은 고딕" charset="0"/>
+              </a:rPr>
+              <a:t>폴더에</a:t>
+            </a:r>
+            <a:r>
+              <a:rPr lang="ko-KR" sz="1800">
+                <a:latin typeface="맑은 고딕" charset="0"/>
+                <a:ea typeface="맑은 고딕" charset="0"/>
+              </a:rPr>
+              <a:t> House 오브젝트를 </a:t>
+            </a:r>
+            <a:r>
+              <a:rPr lang="ko-KR" sz="1800">
+                <a:latin typeface="맑은 고딕" charset="0"/>
+                <a:ea typeface="맑은 고딕" charset="0"/>
+              </a:rPr>
+              <a:t>월드</a:t>
+            </a:r>
+            <a:r>
+              <a:rPr lang="ko-KR" sz="1800">
+                <a:latin typeface="맑은 고딕" charset="0"/>
+                <a:ea typeface="맑은 고딕" charset="0"/>
+              </a:rPr>
+              <a:t> </a:t>
+            </a:r>
+            <a:r>
+              <a:rPr lang="ko-KR" sz="1800">
+                <a:latin typeface="맑은 고딕" charset="0"/>
+                <a:ea typeface="맑은 고딕" charset="0"/>
+              </a:rPr>
+              <a:t>공간에</a:t>
+            </a:r>
+            <a:r>
+              <a:rPr lang="ko-KR" sz="1800">
+                <a:latin typeface="맑은 고딕" charset="0"/>
+                <a:ea typeface="맑은 고딕" charset="0"/>
+              </a:rPr>
+              <a:t> </a:t>
+            </a:r>
+            <a:r>
+              <a:rPr lang="ko-KR" sz="1800">
+                <a:latin typeface="맑은 고딕" charset="0"/>
+                <a:ea typeface="맑은 고딕" charset="0"/>
+              </a:rPr>
+              <a:t>배치한</a:t>
+            </a:r>
+            <a:r>
+              <a:rPr lang="ko-KR" sz="1800">
+                <a:latin typeface="맑은 고딕" charset="0"/>
+                <a:ea typeface="맑은 고딕" charset="0"/>
+              </a:rPr>
+              <a:t> 다음 Right </a:t>
+            </a:r>
+            <a:r>
+              <a:rPr lang="ko-KR" sz="1800">
+                <a:latin typeface="맑은 고딕" charset="0"/>
+                <a:ea typeface="맑은 고딕" charset="0"/>
+              </a:rPr>
+              <a:t>House라는</a:t>
+            </a:r>
+            <a:r>
+              <a:rPr lang="ko-KR" sz="1800">
+                <a:latin typeface="맑은 고딕" charset="0"/>
+                <a:ea typeface="맑은 고딕" charset="0"/>
+              </a:rPr>
+              <a:t> </a:t>
+            </a:r>
+            <a:r>
+              <a:rPr lang="ko-KR" sz="1800">
+                <a:latin typeface="맑은 고딕" charset="0"/>
+                <a:ea typeface="맑은 고딕" charset="0"/>
+              </a:rPr>
+              <a:t>이름으로</a:t>
+            </a:r>
+            <a:r>
+              <a:rPr lang="ko-KR" sz="1800">
+                <a:latin typeface="맑은 고딕" charset="0"/>
+                <a:ea typeface="맑은 고딕" charset="0"/>
+              </a:rPr>
+              <a:t> 정의합니다.</a:t>
+            </a:r>
+            <a:endParaRPr lang="ko-KR" altLang="en-US" sz="1800">
+              <a:latin typeface="맑은 고딕" charset="0"/>
+              <a:ea typeface="맑은 고딕" charset="0"/>
+            </a:endParaRPr>
+          </a:p>
+        </p:txBody>
+      </p:sp>
+      <p:pic>
+        <p:nvPicPr>
+          <p:cNvPr id="1232" name="그림 8" descr="C:/Users/Admin1/AppData/Roaming/PolarisOffice/ETemp/30164_17361928/fImage160013438467.png"/>
+          <p:cNvPicPr>
+            <a:picLocks noChangeAspect="1"/>
+          </p:cNvPicPr>
+          <p:nvPr/>
+        </p:nvPicPr>
+        <p:blipFill rotWithShape="1">
+          <a:blip r:embed="rId5" cstate="print">
+            <a:extLst>
+              <a:ext uri="{28A0092B-C50C-407E-A947-70E740481C1C}">
+                <a14:useLocalDpi xmlns:a14="http://schemas.microsoft.com/office/drawing/2010/main" val="0"/>
+              </a:ext>
+            </a:extLst>
+          </a:blip>
+          <a:stretch>
+            <a:fillRect/>
+          </a:stretch>
+        </p:blipFill>
+        <p:spPr>
+          <a:xfrm rot="0">
+            <a:off x="1257935" y="4168775"/>
+            <a:ext cx="4109085" cy="1292860"/>
+          </a:xfrm>
+          <a:prstGeom prst="roundRect"/>
+          <a:solidFill>
+            <a:srgbClr val="EDEDED"/>
+          </a:solidFill>
+        </p:spPr>
+      </p:pic>
+      <p:pic>
+        <p:nvPicPr>
+          <p:cNvPr id="1233" name="그림 11" descr="C:/Users/Admin1/AppData/Roaming/PolarisOffice/ETemp/30164_17361928/fImage120253446334.png"/>
+          <p:cNvPicPr>
+            <a:picLocks noChangeAspect="1"/>
+          </p:cNvPicPr>
+          <p:nvPr/>
+        </p:nvPicPr>
+        <p:blipFill rotWithShape="1">
+          <a:blip r:embed="rId6" cstate="print">
+            <a:extLst>
+              <a:ext uri="{28A0092B-C50C-407E-A947-70E740481C1C}">
+                <a14:useLocalDpi xmlns:a14="http://schemas.microsoft.com/office/drawing/2010/main" val="0"/>
+              </a:ext>
+            </a:extLst>
+          </a:blip>
+          <a:stretch>
+            <a:fillRect/>
+          </a:stretch>
+        </p:blipFill>
+        <p:spPr>
+          <a:xfrm rot="0">
+            <a:off x="6813550" y="1438275"/>
+            <a:ext cx="1336040" cy="1283970"/>
+          </a:xfrm>
+          <a:prstGeom prst="roundRect"/>
+          <a:solidFill>
+            <a:srgbClr val="EDEDED"/>
+          </a:solidFill>
+        </p:spPr>
+      </p:pic>
+      <p:pic>
+        <p:nvPicPr>
+          <p:cNvPr id="1234" name="그림 14" descr="C:/Users/Admin1/AppData/Roaming/PolarisOffice/ETemp/30164_17361928/fImage920929741.png"/>
+          <p:cNvPicPr>
+            <a:picLocks noChangeAspect="1"/>
+          </p:cNvPicPr>
+          <p:nvPr/>
+        </p:nvPicPr>
+        <p:blipFill rotWithShape="1">
+          <a:blip r:embed="rId3" cstate="hqprint">
+            <a:extLst>
+              <a:ext uri="{28A0092B-C50C-407E-A947-70E740481C1C}">
+                <a14:useLocalDpi xmlns:a14="http://schemas.microsoft.com/office/drawing/2010/main"/>
+              </a:ext>
+            </a:extLst>
+          </a:blip>
+          <a:stretch>
+            <a:fillRect/>
+          </a:stretch>
+        </p:blipFill>
+        <p:spPr>
+          <a:xfrm rot="0">
+            <a:off x="8254365" y="1449705"/>
+            <a:ext cx="2706370" cy="1272540"/>
+          </a:xfrm>
+          <a:prstGeom prst="roundRect"/>
+          <a:solidFill>
+            <a:srgbClr val="EDEDED"/>
+          </a:solidFill>
+        </p:spPr>
+      </p:pic>
+      <p:pic>
+        <p:nvPicPr>
+          <p:cNvPr id="1235" name="그림 15" descr="C:/Users/Admin1/AppData/Roaming/PolarisOffice/ETemp/30164_17361928/fImage158133466500.png"/>
+          <p:cNvPicPr>
+            <a:picLocks noChangeAspect="1"/>
+          </p:cNvPicPr>
+          <p:nvPr/>
+        </p:nvPicPr>
+        <p:blipFill rotWithShape="1">
+          <a:blip r:embed="rId7" cstate="print">
+            <a:extLst>
+              <a:ext uri="{28A0092B-C50C-407E-A947-70E740481C1C}">
+                <a14:useLocalDpi xmlns:a14="http://schemas.microsoft.com/office/drawing/2010/main" val="0"/>
+              </a:ext>
+            </a:extLst>
+          </a:blip>
+          <a:stretch>
+            <a:fillRect/>
+          </a:stretch>
+        </p:blipFill>
+        <p:spPr>
+          <a:xfrm rot="0">
+            <a:off x="6803390" y="4160520"/>
+            <a:ext cx="4145280" cy="1310005"/>
+          </a:xfrm>
+          <a:prstGeom prst="roundRect"/>
+          <a:solidFill>
+            <a:srgbClr val="EDEDED"/>
+          </a:solidFill>
+        </p:spPr>
+      </p:pic>
+    </p:spTree>
+  </p:cSld>
+  <p:clrMapOvr>
+    <a:masterClrMapping/>
+  </p:clrMapOvr>
+  <mc:AlternateContent xmlns:mc="http://schemas.openxmlformats.org/markup-compatibility/2006">
+    <mc:Choice xmlns:p14="http://schemas.microsoft.com/office/powerpoint/2010/main" Requires="p14">
+      <p:transition spd="slow" p14:dur="2000"/>
+    </mc:Choice>
+    <mc:Fallback>
+      <p:transition spd="slow"/>
+    </mc:Fallback>
+  </mc:AlternateContent>
+  <p:timing>
+    <p:tnLst>
+      <p:par>
+        <p:cTn id="1" dur="indefinite" restart="never" nodeType="tmRoot"/>
+      </p:par>
+    </p:tnLst>
+  </p:timing>
+</p:sld>
+</file>
+
+<file path=ppt/slides/slide17.xml><?xml version="1.0" encoding="utf-8"?>
+<p:sld xmlns:a="http://schemas.openxmlformats.org/drawingml/2006/main" xmlns:r="http://schemas.openxmlformats.org/officeDocument/2006/relationships" xmlns:p="http://schemas.openxmlformats.org/presentationml/2006/main">
+  <p:cSld>
+    <p:spTree>
+      <p:nvGrpSpPr>
+        <p:cNvPr id="1" name=""/>
+        <p:cNvGrpSpPr/>
+        <p:nvPr/>
+      </p:nvGrpSpPr>
+      <p:grpSpPr>
+        <a:xfrm>
+          <a:off x="0" y="0"/>
+          <a:ext cx="0" cy="0"/>
+          <a:chOff x="0" y="0"/>
+          <a:chExt cx="0" cy="0"/>
+        </a:xfrm>
+      </p:grpSpPr>
+      <p:sp>
+        <p:nvSpPr>
+          <p:cNvPr id="1031" name="Rect 0"/>
+          <p:cNvSpPr txBox="1">
+            <a:spLocks/>
+          </p:cNvSpPr>
+          <p:nvPr/>
+        </p:nvSpPr>
+        <p:spPr>
+          <a:xfrm rot="0">
+            <a:off x="4232275" y="396240"/>
+            <a:ext cx="3720465" cy="478155"/>
+          </a:xfrm>
+          <a:prstGeom prst="rect"/>
+          <a:noFill/>
+          <a:ln w="0">
+            <a:noFill/>
+            <a:prstDash/>
+          </a:ln>
+        </p:spPr>
+        <p:txBody>
+          <a:bodyPr wrap="square" lIns="89535" tIns="46355" rIns="89535" bIns="46355" numCol="1" vert="horz" anchor="t">
+            <a:spAutoFit/>
+          </a:bodyPr>
+          <a:lstStyle/>
+          <a:p>
+            <a:pPr marL="0" indent="0" algn="ctr" latinLnBrk="0">
+              <a:buFontTx/>
+              <a:buNone/>
+            </a:pPr>
+            <a:r>
+              <a:rPr lang="ko-KR" altLang="en-US" sz="2500" b="1">
+                <a:solidFill>
+                  <a:schemeClr val="tx1"/>
+                </a:solidFill>
+                <a:latin typeface="나눔바른고딕" charset="0"/>
+                <a:ea typeface="나눔바른고딕" charset="0"/>
+              </a:rPr>
+              <a:t>열일곱</a:t>
+            </a:r>
+            <a:r>
+              <a:rPr lang="ko-KR" altLang="en-US" sz="2500" b="1">
+                <a:solidFill>
+                  <a:schemeClr val="tx1"/>
+                </a:solidFill>
+                <a:latin typeface="나눔바른고딕" charset="0"/>
+                <a:ea typeface="나눔바른고딕" charset="0"/>
+              </a:rPr>
+              <a:t> 번째 튜토리얼</a:t>
+            </a:r>
+            <a:endParaRPr lang="ko-KR" altLang="en-US" sz="2500" b="1">
+              <a:solidFill>
+                <a:schemeClr val="tx1"/>
+              </a:solidFill>
+              <a:latin typeface="나눔바른고딕" charset="0"/>
+              <a:ea typeface="나눔바른고딕" charset="0"/>
+            </a:endParaRPr>
+          </a:p>
+        </p:txBody>
+      </p:sp>
+      <p:sp>
+        <p:nvSpPr>
+          <p:cNvPr id="1220" name="Rect 0"/>
+          <p:cNvSpPr txBox="1">
+            <a:spLocks/>
+          </p:cNvSpPr>
+          <p:nvPr/>
+        </p:nvSpPr>
+        <p:spPr>
+          <a:xfrm rot="0">
+            <a:off x="6805295" y="5323205"/>
+            <a:ext cx="4157980" cy="923925"/>
+          </a:xfrm>
+          <a:prstGeom prst="rect"/>
+          <a:noFill/>
+          <a:ln w="0">
+            <a:noFill/>
+            <a:prstDash/>
+          </a:ln>
+        </p:spPr>
+        <p:txBody>
+          <a:bodyPr wrap="square" lIns="89535" tIns="46355" rIns="89535" bIns="46355" numCol="1" vert="horz" anchor="t">
+            <a:spAutoFit/>
+          </a:bodyPr>
+          <a:lstStyle/>
+          <a:p>
+            <a:pPr marL="0" indent="0" rtl="0" algn="l" defTabSz="914400" eaLnBrk="1" latinLnBrk="0" hangingPunct="1">
+              <a:buFontTx/>
+              <a:buNone/>
+            </a:pPr>
+            <a:r>
+              <a:rPr lang="ko-KR" sz="1800" b="1">
+                <a:solidFill>
+                  <a:srgbClr val="0611F2"/>
+                </a:solidFill>
+                <a:latin typeface="맑은 고딕" charset="0"/>
+                <a:ea typeface="맑은 고딕" charset="0"/>
+              </a:rPr>
+              <a:t>4</a:t>
+            </a:r>
+            <a:r>
+              <a:rPr lang="ko-KR" sz="1800" b="1">
+                <a:solidFill>
+                  <a:srgbClr val="0611F2"/>
+                </a:solidFill>
+                <a:latin typeface="맑은 고딕" charset="0"/>
+                <a:ea typeface="맑은 고딕" charset="0"/>
+              </a:rPr>
+              <a:t>6</a:t>
+            </a:r>
+            <a:r>
+              <a:rPr sz="1800" b="1">
+                <a:solidFill>
+                  <a:srgbClr val="0611F2"/>
+                </a:solidFill>
+                <a:latin typeface="맑은 고딕" charset="0"/>
+                <a:ea typeface="맑은 고딕" charset="0"/>
+              </a:rPr>
+              <a:t>.</a:t>
+            </a:r>
+            <a:r>
+              <a:rPr sz="1800">
+                <a:latin typeface="맑은 고딕" charset="0"/>
+                <a:ea typeface="맑은 고딕" charset="0"/>
+              </a:rPr>
+              <a:t> </a:t>
+            </a:r>
+            <a:r>
+              <a:rPr lang="ko-KR" sz="1800">
+                <a:latin typeface="맑은 고딕" charset="0"/>
+                <a:ea typeface="맑은 고딕" charset="0"/>
+              </a:rPr>
+              <a:t>이제 Project 폴더 아래에 있는 </a:t>
+            </a:r>
+            <a:r>
+              <a:rPr lang="ko-KR" sz="1800">
+                <a:latin typeface="맑은 고딕" charset="0"/>
+                <a:ea typeface="맑은 고딕" charset="0"/>
+              </a:rPr>
+              <a:t>Texture</a:t>
+            </a:r>
+            <a:r>
+              <a:rPr lang="ko-KR" sz="1800">
+                <a:latin typeface="맑은 고딕" charset="0"/>
+                <a:ea typeface="맑은 고딕" charset="0"/>
+              </a:rPr>
+              <a:t> </a:t>
+            </a:r>
+            <a:r>
+              <a:rPr lang="ko-KR" sz="1800">
+                <a:latin typeface="맑은 고딕" charset="0"/>
+                <a:ea typeface="맑은 고딕" charset="0"/>
+              </a:rPr>
+              <a:t>폴더에</a:t>
+            </a:r>
+            <a:r>
+              <a:rPr lang="ko-KR" sz="1800">
+                <a:latin typeface="맑은 고딕" charset="0"/>
+                <a:ea typeface="맑은 고딕" charset="0"/>
+              </a:rPr>
+              <a:t> House 텍스처를 </a:t>
+            </a:r>
+            <a:r>
+              <a:rPr lang="ko-KR" sz="1800">
+                <a:latin typeface="맑은 고딕" charset="0"/>
+                <a:ea typeface="맑은 고딕" charset="0"/>
+              </a:rPr>
+              <a:t>Left</a:t>
+            </a:r>
+            <a:r>
+              <a:rPr lang="ko-KR" sz="1800">
+                <a:latin typeface="맑은 고딕" charset="0"/>
+                <a:ea typeface="맑은 고딕" charset="0"/>
+              </a:rPr>
+              <a:t> </a:t>
+            </a:r>
+            <a:r>
+              <a:rPr lang="ko-KR" sz="1800">
+                <a:latin typeface="맑은 고딕" charset="0"/>
+                <a:ea typeface="맑은 고딕" charset="0"/>
+              </a:rPr>
+              <a:t>House</a:t>
+            </a:r>
+            <a:r>
+              <a:rPr lang="ko-KR" sz="1800">
+                <a:latin typeface="맑은 고딕" charset="0"/>
+                <a:ea typeface="맑은 고딕" charset="0"/>
+              </a:rPr>
+              <a:t> </a:t>
+            </a:r>
+            <a:r>
+              <a:rPr lang="ko-KR" sz="1800">
+                <a:latin typeface="맑은 고딕" charset="0"/>
+                <a:ea typeface="맑은 고딕" charset="0"/>
+              </a:rPr>
+              <a:t>오브젝트에</a:t>
+            </a:r>
+            <a:r>
+              <a:rPr lang="ko-KR" sz="1800">
+                <a:latin typeface="맑은 고딕" charset="0"/>
+                <a:ea typeface="맑은 고딕" charset="0"/>
+              </a:rPr>
+              <a:t> 넣어줍니다.</a:t>
+            </a:r>
+            <a:endParaRPr lang="ko-KR" altLang="en-US" sz="1800">
+              <a:latin typeface="맑은 고딕" charset="0"/>
+              <a:ea typeface="맑은 고딕" charset="0"/>
+            </a:endParaRPr>
+          </a:p>
+        </p:txBody>
+      </p:sp>
+      <p:pic>
+        <p:nvPicPr>
+          <p:cNvPr id="1237" name="그림 19" descr="C:/Users/Admin1/AppData/Roaming/PolarisOffice/ETemp/30164_17361928/fImage483573346962.png"/>
+          <p:cNvPicPr>
+            <a:picLocks noChangeAspect="1"/>
+          </p:cNvPicPr>
+          <p:nvPr/>
+        </p:nvPicPr>
+        <p:blipFill rotWithShape="1">
+          <a:blip r:embed="rId2" cstate="hqprint">
+            <a:extLst>
+              <a:ext uri="{28A0092B-C50C-407E-A947-70E740481C1C}">
+                <a14:useLocalDpi xmlns:a14="http://schemas.microsoft.com/office/drawing/2010/main"/>
+              </a:ext>
+            </a:extLst>
+          </a:blip>
+          <a:stretch>
+            <a:fillRect/>
+          </a:stretch>
+        </p:blipFill>
+        <p:spPr>
+          <a:xfrm rot="0">
+            <a:off x="8251825" y="1445895"/>
+            <a:ext cx="2712085" cy="1282700"/>
+          </a:xfrm>
+          <a:prstGeom prst="roundRect"/>
+          <a:solidFill>
+            <a:srgbClr val="EDEDED"/>
+          </a:solidFill>
+        </p:spPr>
+      </p:pic>
+      <p:sp>
+        <p:nvSpPr>
+          <p:cNvPr id="1238" name="텍스트 상자 20"/>
+          <p:cNvSpPr txBox="1">
+            <a:spLocks/>
+          </p:cNvSpPr>
+          <p:nvPr/>
+        </p:nvSpPr>
+        <p:spPr>
+          <a:xfrm rot="0">
+            <a:off x="6808470" y="2860040"/>
+            <a:ext cx="4164330" cy="923925"/>
+          </a:xfrm>
+          <a:prstGeom prst="rect"/>
+          <a:noFill/>
+          <a:ln w="0">
+            <a:noFill/>
+            <a:prstDash/>
+          </a:ln>
+        </p:spPr>
+        <p:txBody>
+          <a:bodyPr wrap="square" lIns="89535" tIns="46355" rIns="89535" bIns="46355" numCol="1" vert="horz" anchor="t">
+            <a:spAutoFit/>
+          </a:bodyPr>
+          <a:lstStyle/>
+          <a:p>
+            <a:pPr marL="0" indent="0" rtl="0" algn="l" defTabSz="914400" eaLnBrk="1" latinLnBrk="0" hangingPunct="1">
+              <a:buFontTx/>
+              <a:buNone/>
+            </a:pPr>
+            <a:r>
+              <a:rPr lang="ko-KR" sz="1800" b="1">
+                <a:solidFill>
+                  <a:srgbClr val="0611F2"/>
+                </a:solidFill>
+                <a:latin typeface="맑은 고딕" charset="0"/>
+                <a:ea typeface="맑은 고딕" charset="0"/>
+              </a:rPr>
+              <a:t>4</a:t>
+            </a:r>
+            <a:r>
+              <a:rPr lang="ko-KR" sz="1800" b="1">
+                <a:solidFill>
+                  <a:srgbClr val="0611F2"/>
+                </a:solidFill>
+                <a:latin typeface="맑은 고딕" charset="0"/>
+                <a:ea typeface="맑은 고딕" charset="0"/>
+              </a:rPr>
+              <a:t>5</a:t>
+            </a:r>
+            <a:r>
+              <a:rPr sz="1800" b="1">
+                <a:solidFill>
+                  <a:srgbClr val="0611F2"/>
+                </a:solidFill>
+                <a:latin typeface="맑은 고딕" charset="0"/>
+                <a:ea typeface="맑은 고딕" charset="0"/>
+              </a:rPr>
+              <a:t>.</a:t>
+            </a:r>
+            <a:r>
+              <a:rPr sz="1800">
+                <a:latin typeface="맑은 고딕" charset="0"/>
+                <a:ea typeface="맑은 고딕" charset="0"/>
+              </a:rPr>
+              <a:t> </a:t>
+            </a:r>
+            <a:r>
+              <a:rPr lang="ko-KR" sz="1800">
+                <a:latin typeface="맑은 고딕" charset="0"/>
+                <a:ea typeface="맑은 고딕" charset="0"/>
+              </a:rPr>
+              <a:t>그러고 나서 Project 폴더 아래에 </a:t>
+            </a:r>
+            <a:r>
+              <a:rPr lang="ko-KR" sz="1800">
+                <a:latin typeface="맑은 고딕" charset="0"/>
+                <a:ea typeface="맑은 고딕" charset="0"/>
+              </a:rPr>
+              <a:t>있는</a:t>
+            </a:r>
+            <a:r>
+              <a:rPr lang="ko-KR" sz="1800">
+                <a:latin typeface="맑은 고딕" charset="0"/>
+                <a:ea typeface="맑은 고딕" charset="0"/>
+              </a:rPr>
+              <a:t> </a:t>
+            </a:r>
+            <a:r>
+              <a:rPr lang="ko-KR" sz="1800">
+                <a:latin typeface="맑은 고딕" charset="0"/>
+                <a:ea typeface="맑은 고딕" charset="0"/>
+              </a:rPr>
+              <a:t>Texture</a:t>
+            </a:r>
+            <a:r>
+              <a:rPr lang="ko-KR" sz="1800">
+                <a:latin typeface="맑은 고딕" charset="0"/>
+                <a:ea typeface="맑은 고딕" charset="0"/>
+              </a:rPr>
+              <a:t> </a:t>
+            </a:r>
+            <a:r>
+              <a:rPr lang="ko-KR" sz="1800">
+                <a:latin typeface="맑은 고딕" charset="0"/>
+                <a:ea typeface="맑은 고딕" charset="0"/>
+              </a:rPr>
+              <a:t>폴더에</a:t>
+            </a:r>
+            <a:r>
+              <a:rPr lang="ko-KR" sz="1800">
+                <a:latin typeface="맑은 고딕" charset="0"/>
+                <a:ea typeface="맑은 고딕" charset="0"/>
+              </a:rPr>
+              <a:t> House 텍스처를 </a:t>
+            </a:r>
+            <a:r>
+              <a:rPr lang="ko-KR" sz="1800">
+                <a:latin typeface="맑은 고딕" charset="0"/>
+                <a:ea typeface="맑은 고딕" charset="0"/>
+              </a:rPr>
+              <a:t>Right</a:t>
+            </a:r>
+            <a:r>
+              <a:rPr lang="ko-KR" sz="1800">
+                <a:latin typeface="맑은 고딕" charset="0"/>
+                <a:ea typeface="맑은 고딕" charset="0"/>
+              </a:rPr>
+              <a:t> </a:t>
+            </a:r>
+            <a:r>
+              <a:rPr lang="ko-KR" sz="1800">
+                <a:latin typeface="맑은 고딕" charset="0"/>
+                <a:ea typeface="맑은 고딕" charset="0"/>
+              </a:rPr>
+              <a:t>House</a:t>
+            </a:r>
+            <a:r>
+              <a:rPr lang="ko-KR" sz="1800">
+                <a:latin typeface="맑은 고딕" charset="0"/>
+                <a:ea typeface="맑은 고딕" charset="0"/>
+              </a:rPr>
+              <a:t> </a:t>
+            </a:r>
+            <a:r>
+              <a:rPr lang="ko-KR" sz="1800">
+                <a:latin typeface="맑은 고딕" charset="0"/>
+                <a:ea typeface="맑은 고딕" charset="0"/>
+              </a:rPr>
+              <a:t>오브젝트에</a:t>
+            </a:r>
+            <a:r>
+              <a:rPr lang="ko-KR" sz="1800">
+                <a:latin typeface="맑은 고딕" charset="0"/>
+                <a:ea typeface="맑은 고딕" charset="0"/>
+              </a:rPr>
+              <a:t> 넣어줍니다.</a:t>
+            </a:r>
+            <a:endParaRPr lang="ko-KR" altLang="en-US" sz="1800">
+              <a:latin typeface="맑은 고딕" charset="0"/>
+              <a:ea typeface="맑은 고딕" charset="0"/>
+            </a:endParaRPr>
+          </a:p>
+        </p:txBody>
+      </p:sp>
+      <p:pic>
+        <p:nvPicPr>
+          <p:cNvPr id="1240" name="그림 22" descr="C:/Users/Admin1/AppData/Roaming/PolarisOffice/ETemp/30164_17361928/fImage483573346962.png"/>
+          <p:cNvPicPr>
+            <a:picLocks noChangeAspect="1"/>
+          </p:cNvPicPr>
+          <p:nvPr/>
+        </p:nvPicPr>
+        <p:blipFill rotWithShape="1">
+          <a:blip r:embed="rId2" cstate="hqprint">
+            <a:extLst>
+              <a:ext uri="{28A0092B-C50C-407E-A947-70E740481C1C}">
+                <a14:useLocalDpi xmlns:a14="http://schemas.microsoft.com/office/drawing/2010/main"/>
+              </a:ext>
+            </a:extLst>
+          </a:blip>
+          <a:stretch>
+            <a:fillRect/>
+          </a:stretch>
+        </p:blipFill>
+        <p:spPr>
+          <a:xfrm rot="0">
+            <a:off x="8252460" y="3940175"/>
+            <a:ext cx="2710815" cy="1229995"/>
+          </a:xfrm>
+          <a:prstGeom prst="roundRect"/>
+          <a:solidFill>
+            <a:srgbClr val="EDEDED"/>
+          </a:solidFill>
+        </p:spPr>
+      </p:pic>
+      <p:pic>
+        <p:nvPicPr>
+          <p:cNvPr id="1241" name="그림 24" descr="C:/Users/Admin1/AppData/Roaming/PolarisOffice/ETemp/30164_17361928/fImage120253689169.png"/>
+          <p:cNvPicPr>
+            <a:picLocks noChangeAspect="1"/>
+          </p:cNvPicPr>
+          <p:nvPr/>
+        </p:nvPicPr>
+        <p:blipFill rotWithShape="1">
+          <a:blip r:embed="rId3" cstate="print">
+            <a:extLst>
+              <a:ext uri="{28A0092B-C50C-407E-A947-70E740481C1C}">
+                <a14:useLocalDpi xmlns:a14="http://schemas.microsoft.com/office/drawing/2010/main" val="0"/>
+              </a:ext>
+            </a:extLst>
+          </a:blip>
+          <a:stretch>
+            <a:fillRect/>
+          </a:stretch>
+        </p:blipFill>
+        <p:spPr>
+          <a:xfrm rot="0">
+            <a:off x="6807835" y="3940175"/>
+            <a:ext cx="1306830" cy="1239520"/>
+          </a:xfrm>
+          <a:prstGeom prst="roundRect"/>
+          <a:solidFill>
+            <a:srgbClr val="EDEDED"/>
+          </a:solidFill>
+        </p:spPr>
+      </p:pic>
+      <p:pic>
+        <p:nvPicPr>
+          <p:cNvPr id="1242" name="그림 25" descr="C:/Users/Admin1/AppData/Roaming/PolarisOffice/ETemp/30164_17361928/fImage116923695724.png"/>
+          <p:cNvPicPr>
+            <a:picLocks noChangeAspect="1"/>
+          </p:cNvPicPr>
+          <p:nvPr/>
+        </p:nvPicPr>
+        <p:blipFill rotWithShape="1">
+          <a:blip r:embed="rId4" cstate="print">
+            <a:extLst>
+              <a:ext uri="{28A0092B-C50C-407E-A947-70E740481C1C}">
+                <a14:useLocalDpi xmlns:a14="http://schemas.microsoft.com/office/drawing/2010/main" val="0"/>
+              </a:ext>
+            </a:extLst>
+          </a:blip>
+          <a:stretch>
+            <a:fillRect/>
+          </a:stretch>
+        </p:blipFill>
+        <p:spPr>
+          <a:xfrm rot="0">
+            <a:off x="6805295" y="1447165"/>
+            <a:ext cx="1310005" cy="1275080"/>
+          </a:xfrm>
+          <a:prstGeom prst="roundRect"/>
+          <a:solidFill>
+            <a:srgbClr val="EDEDED"/>
+          </a:solidFill>
+        </p:spPr>
+      </p:pic>
+      <p:pic>
+        <p:nvPicPr>
+          <p:cNvPr id="1243" name="그림 26" descr="C:/Users/Admin1/AppData/Roaming/PolarisOffice/ETemp/30164_17361928/fImage1156833701478.png"/>
+          <p:cNvPicPr>
+            <a:picLocks noChangeAspect="1"/>
+          </p:cNvPicPr>
+          <p:nvPr/>
+        </p:nvPicPr>
+        <p:blipFill rotWithShape="1">
+          <a:blip r:embed="rId5" cstate="print">
+            <a:extLst>
+              <a:ext uri="{28A0092B-C50C-407E-A947-70E740481C1C}">
+                <a14:useLocalDpi xmlns:a14="http://schemas.microsoft.com/office/drawing/2010/main" val="0"/>
+              </a:ext>
+            </a:extLst>
+          </a:blip>
+          <a:stretch>
+            <a:fillRect/>
+          </a:stretch>
+        </p:blipFill>
+        <p:spPr>
+          <a:xfrm rot="0">
+            <a:off x="1240790" y="1445260"/>
+            <a:ext cx="4126230" cy="2379980"/>
+          </a:xfrm>
+          <a:prstGeom prst="roundRect"/>
+          <a:solidFill>
+            <a:srgbClr val="EDEDED"/>
+          </a:solidFill>
+        </p:spPr>
+      </p:pic>
+      <p:pic>
+        <p:nvPicPr>
+          <p:cNvPr id="1244" name="그림 29" descr="C:/Users/Admin1/AppData/Roaming/PolarisOffice/ETemp/30164_17361928/fImage483083719358.png"/>
+          <p:cNvPicPr>
+            <a:picLocks noChangeAspect="1"/>
+          </p:cNvPicPr>
+          <p:nvPr/>
+        </p:nvPicPr>
+        <p:blipFill rotWithShape="1">
+          <a:blip r:embed="rId6" cstate="print">
+            <a:extLst>
+              <a:ext uri="{28A0092B-C50C-407E-A947-70E740481C1C}">
+                <a14:useLocalDpi xmlns:a14="http://schemas.microsoft.com/office/drawing/2010/main" val="0"/>
+              </a:ext>
+            </a:extLst>
+          </a:blip>
+          <a:stretch>
+            <a:fillRect/>
+          </a:stretch>
+        </p:blipFill>
+        <p:spPr>
+          <a:xfrm rot="0">
+            <a:off x="1240790" y="4039870"/>
+            <a:ext cx="4117975" cy="1209040"/>
+          </a:xfrm>
+          <a:prstGeom prst="roundRect"/>
+          <a:solidFill>
+            <a:srgbClr val="EDEDED"/>
+          </a:solidFill>
+        </p:spPr>
+      </p:pic>
+      <p:sp>
+        <p:nvSpPr>
+          <p:cNvPr id="1245" name="텍스트 상자 32"/>
+          <p:cNvSpPr txBox="1">
+            <a:spLocks/>
+          </p:cNvSpPr>
+          <p:nvPr/>
+        </p:nvSpPr>
+        <p:spPr>
+          <a:xfrm rot="0">
+            <a:off x="1240790" y="5325745"/>
+            <a:ext cx="4128770" cy="923925"/>
+          </a:xfrm>
+          <a:prstGeom prst="rect"/>
+          <a:noFill/>
+          <a:ln w="0">
+            <a:noFill/>
+            <a:prstDash/>
+          </a:ln>
+        </p:spPr>
+        <p:txBody>
+          <a:bodyPr wrap="square" lIns="89535" tIns="46355" rIns="89535" bIns="46355" numCol="1" vert="horz" anchor="t">
+            <a:spAutoFit/>
+          </a:bodyPr>
+          <a:lstStyle/>
+          <a:p>
+            <a:pPr marL="0" indent="0" rtl="0" algn="l" defTabSz="914400" eaLnBrk="1" latinLnBrk="0" hangingPunct="1">
+              <a:buFontTx/>
+              <a:buNone/>
+            </a:pPr>
+            <a:r>
+              <a:rPr lang="ko-KR" sz="1800" b="1">
+                <a:solidFill>
+                  <a:srgbClr val="0611F2"/>
+                </a:solidFill>
+                <a:latin typeface="맑은 고딕" charset="0"/>
+                <a:ea typeface="맑은 고딕" charset="0"/>
+              </a:rPr>
+              <a:t>4</a:t>
+            </a:r>
+            <a:r>
+              <a:rPr lang="ko-KR" sz="1800" b="1">
+                <a:solidFill>
+                  <a:srgbClr val="0611F2"/>
+                </a:solidFill>
+                <a:latin typeface="맑은 고딕" charset="0"/>
+                <a:ea typeface="맑은 고딕" charset="0"/>
+              </a:rPr>
+              <a:t>4</a:t>
+            </a:r>
+            <a:r>
+              <a:rPr sz="1800" b="1">
+                <a:solidFill>
+                  <a:srgbClr val="0611F2"/>
+                </a:solidFill>
+                <a:latin typeface="맑은 고딕" charset="0"/>
+                <a:ea typeface="맑은 고딕" charset="0"/>
+              </a:rPr>
+              <a:t>.</a:t>
+            </a:r>
+            <a:r>
+              <a:rPr sz="1800">
+                <a:latin typeface="맑은 고딕" charset="0"/>
+                <a:ea typeface="맑은 고딕" charset="0"/>
+              </a:rPr>
+              <a:t> </a:t>
+            </a:r>
+            <a:r>
+              <a:rPr lang="ko-KR" sz="1800">
+                <a:latin typeface="맑은 고딕" charset="0"/>
+                <a:ea typeface="맑은 고딕" charset="0"/>
+              </a:rPr>
+              <a:t>그다음 Project 폴더에 있는 </a:t>
+            </a:r>
+            <a:r>
+              <a:rPr lang="ko-KR" sz="1800">
+                <a:latin typeface="맑은 고딕" charset="0"/>
+                <a:ea typeface="맑은 고딕" charset="0"/>
+              </a:rPr>
+              <a:t>Texture</a:t>
+            </a:r>
+            <a:r>
+              <a:rPr lang="ko-KR" sz="1800">
+                <a:latin typeface="맑은 고딕" charset="0"/>
+                <a:ea typeface="맑은 고딕" charset="0"/>
+              </a:rPr>
+              <a:t> </a:t>
+            </a:r>
+            <a:r>
+              <a:rPr lang="ko-KR" sz="1800">
+                <a:latin typeface="맑은 고딕" charset="0"/>
+                <a:ea typeface="맑은 고딕" charset="0"/>
+              </a:rPr>
+              <a:t>폴더에</a:t>
+            </a:r>
+            <a:r>
+              <a:rPr lang="ko-KR" sz="1800">
+                <a:latin typeface="맑은 고딕" charset="0"/>
+                <a:ea typeface="맑은 고딕" charset="0"/>
+              </a:rPr>
+              <a:t> Sky 텍스처를 </a:t>
+            </a:r>
+            <a:r>
+              <a:rPr lang="ko-KR" sz="1800">
+                <a:latin typeface="맑은 고딕" charset="0"/>
+                <a:ea typeface="맑은 고딕" charset="0"/>
+              </a:rPr>
+              <a:t>월드 </a:t>
+            </a:r>
+            <a:r>
+              <a:rPr lang="ko-KR" sz="1800">
+                <a:latin typeface="맑은 고딕" charset="0"/>
+                <a:ea typeface="맑은 고딕" charset="0"/>
+              </a:rPr>
+              <a:t>공간에</a:t>
+            </a:r>
+            <a:r>
+              <a:rPr lang="ko-KR" sz="1800">
+                <a:latin typeface="맑은 고딕" charset="0"/>
+                <a:ea typeface="맑은 고딕" charset="0"/>
+              </a:rPr>
+              <a:t> </a:t>
+            </a:r>
+            <a:r>
+              <a:rPr lang="ko-KR" sz="1800">
+                <a:latin typeface="맑은 고딕" charset="0"/>
+                <a:ea typeface="맑은 고딕" charset="0"/>
+              </a:rPr>
+              <a:t>넣어줍니다.</a:t>
+            </a:r>
+            <a:endParaRPr lang="ko-KR" altLang="en-US" sz="1800">
+              <a:latin typeface="맑은 고딕" charset="0"/>
+              <a:ea typeface="맑은 고딕" charset="0"/>
+            </a:endParaRPr>
+          </a:p>
+        </p:txBody>
+      </p:sp>
+      <p:pic>
+        <p:nvPicPr>
+          <p:cNvPr id="1246" name="그림 33" descr="C:/Users/Admin1/AppData/Roaming/PolarisOffice/ETemp/30164_17361928/fImage2242172146334.png"/>
+          <p:cNvPicPr>
+            <a:picLocks noChangeAspect="1"/>
+          </p:cNvPicPr>
+          <p:nvPr/>
+        </p:nvPicPr>
+        <p:blipFill rotWithShape="1">
+          <a:blip r:embed="rId7" cstate="hqprint">
+            <a:extLst>
+              <a:ext uri="{28A0092B-C50C-407E-A947-70E740481C1C}">
+                <a14:useLocalDpi xmlns:a14="http://schemas.microsoft.com/office/drawing/2010/main"/>
+              </a:ext>
+            </a:extLst>
+          </a:blip>
+          <a:stretch>
+            <a:fillRect/>
+          </a:stretch>
+        </p:blipFill>
+        <p:spPr>
+          <a:xfrm rot="16200000">
+            <a:off x="2990850" y="3748405"/>
+            <a:ext cx="626110" cy="352425"/>
+          </a:xfrm>
+          <a:prstGeom prst="rect"/>
+          <a:noFill/>
+        </p:spPr>
+      </p:pic>
+      <p:cxnSp>
+        <p:nvCxnSpPr>
+          <p:cNvPr id="1247" name="도형 34"/>
+          <p:cNvCxnSpPr/>
+          <p:nvPr/>
+        </p:nvCxnSpPr>
+        <p:spPr>
+          <a:xfrm rot="0" flipH="1">
+            <a:off x="7741285" y="1775460"/>
+            <a:ext cx="581025" cy="857885"/>
+          </a:xfrm>
+          <a:prstGeom prst="straightConnector1"/>
+          <a:ln w="6350" cap="flat" cmpd="sng">
+            <a:prstDash/>
+            <a:headEnd type="none" w="med" len="med"/>
+            <a:tailEnd type="triangle" w="med" len="med"/>
+          </a:ln>
+        </p:spPr>
+        <p:style>
+          <a:lnRef idx="1">
+            <a:schemeClr val="accent1"/>
+          </a:lnRef>
+          <a:fillRef idx="0">
+            <a:schemeClr val="accent1"/>
+          </a:fillRef>
+          <a:effectRef idx="0">
+            <a:schemeClr val="accent1"/>
+          </a:effectRef>
+          <a:fontRef idx="minor">
+            <a:schemeClr val="tx1"/>
+          </a:fontRef>
+        </p:style>
+      </p:cxnSp>
+      <p:cxnSp>
+        <p:nvCxnSpPr>
+          <p:cNvPr id="1248" name="도형 35"/>
+          <p:cNvCxnSpPr/>
+          <p:nvPr/>
+        </p:nvCxnSpPr>
+        <p:spPr>
+          <a:xfrm rot="0" flipH="1">
+            <a:off x="7698105" y="4303395"/>
+            <a:ext cx="633095" cy="771525"/>
+          </a:xfrm>
+          <a:prstGeom prst="straightConnector1"/>
+          <a:ln w="6350" cap="flat" cmpd="sng">
+            <a:prstDash/>
+            <a:headEnd type="none" w="med" len="med"/>
+            <a:tailEnd type="triangle" w="med" len="med"/>
+          </a:ln>
+        </p:spPr>
+        <p:style>
+          <a:lnRef idx="1">
+            <a:schemeClr val="accent1"/>
+          </a:lnRef>
+          <a:fillRef idx="0">
+            <a:schemeClr val="accent1"/>
+          </a:fillRef>
+          <a:effectRef idx="0">
+            <a:schemeClr val="accent1"/>
+          </a:effectRef>
+          <a:fontRef idx="minor">
+            <a:schemeClr val="tx1"/>
+          </a:fontRef>
+        </p:style>
+      </p:cxnSp>
+    </p:spTree>
+  </p:cSld>
+  <p:clrMapOvr>
+    <a:masterClrMapping/>
+  </p:clrMapOvr>
+  <mc:AlternateContent xmlns:mc="http://schemas.openxmlformats.org/markup-compatibility/2006">
+    <mc:Choice xmlns:p14="http://schemas.microsoft.com/office/powerpoint/2010/main" Requires="p14">
+      <p:transition spd="slow" p14:dur="2000"/>
+    </mc:Choice>
+    <mc:Fallback>
+      <p:transition spd="slow"/>
+    </mc:Fallback>
+  </mc:AlternateContent>
+  <p:timing>
+    <p:tnLst>
+      <p:par>
+        <p:cTn id="1" dur="indefinite" restart="never" nodeType="tmRoot"/>
+      </p:par>
+    </p:tnLst>
+  </p:timing>
+</p:sld>
+</file>
+
+<file path=ppt/slides/slide18.xml><?xml version="1.0" encoding="utf-8"?>
 <p:sld xmlns:a="http://schemas.openxmlformats.org/drawingml/2006/main" xmlns:r="http://schemas.openxmlformats.org/officeDocument/2006/relationships" xmlns:p="http://schemas.openxmlformats.org/presentationml/2006/main" xmlns:p14="http://schemas.microsoft.com/office/powerpoint/2010/main">
   <p:cSld>
     <p:spTree>
@@ -12039,7 +14077,7 @@
         <p:spPr>
           <a:xfrm>
             <a:off x="4110990" y="327660"/>
-            <a:ext cx="3987800" cy="478155"/>
+            <a:ext cx="3988435" cy="478155"/>
           </a:xfrm>
           <a:prstGeom prst="rect"/>
           <a:noFill/>
@@ -12066,7 +14104,7 @@
                 <a:latin typeface="나눔바른고딕" charset="0"/>
                 <a:ea typeface="나눔바른고딕" charset="0"/>
               </a:rPr>
-              <a:t>열여섯</a:t>
+              <a:t>열여덟</a:t>
             </a:r>
             <a:r>
               <a:rPr lang="ko-KR" altLang="en-US" sz="2500" b="1">
@@ -12099,7 +14137,7 @@
         <p:spPr>
           <a:xfrm rot="0">
             <a:off x="6835140" y="5490845"/>
-            <a:ext cx="4130675" cy="647065"/>
+            <a:ext cx="4131310" cy="647065"/>
           </a:xfrm>
           <a:prstGeom prst="rect"/>
           <a:noFill/>
@@ -12126,7 +14164,27 @@
                 <a:latin typeface="맑은 고딕" charset="0"/>
                 <a:ea typeface="맑은 고딕" charset="0"/>
               </a:rPr>
-              <a:t>45.</a:t>
+              <a:t>4</a:t>
+            </a:r>
+            <a:r>
+              <a:rPr sz="1800" b="1">
+                <a:solidFill>
+                  <a:srgbClr val="0611F2"/>
+                </a:solidFill>
+                <a:latin typeface="맑은 고딕" charset="0"/>
+                <a:ea typeface="맑은 고딕" charset="0"/>
+              </a:rPr>
+              <a:t>8</a:t>
+            </a:r>
+            <a:r>
+              <a:rPr sz="1800" b="1">
+                <a:solidFill>
+                  <a:srgbClr val="0611F2"/>
+                </a:solidFill>
+                <a:latin typeface="맑은 고딕" charset="0"/>
+                <a:ea typeface="맑은 고딕" charset="0"/>
+              </a:rPr>
+              <a:t>.</a:t>
             </a:r>
             <a:r>
               <a:rPr sz="1800">
@@ -12140,35 +14198,7 @@
                 <a:latin typeface="맑은 고딕" charset="0"/>
                 <a:ea typeface="맑은 고딕" charset="0"/>
               </a:rPr>
-              <a:t>마지막으로 Scene</a:t>
-            </a:r>
-            <a:r>
-              <a:rPr lang="ko-KR" sz="1800">
-                <a:latin typeface="맑은 고딕" charset="0"/>
-                <a:ea typeface="맑은 고딕" charset="0"/>
-              </a:rPr>
-              <a:t>에서</a:t>
-            </a:r>
-            <a:r>
-              <a:rPr lang="ko-KR" sz="1800">
-                <a:latin typeface="맑은 고딕" charset="0"/>
-                <a:ea typeface="맑은 고딕" charset="0"/>
-              </a:rPr>
-              <a:t> </a:t>
-            </a:r>
-            <a:r>
-              <a:rPr lang="ko-KR" sz="1800">
-                <a:latin typeface="맑은 고딕" charset="0"/>
-                <a:ea typeface="맑은 고딕" charset="0"/>
-              </a:rPr>
-              <a:t>Generate</a:t>
-            </a:r>
-            <a:r>
-              <a:rPr lang="ko-KR" sz="1800">
-                <a:latin typeface="맑은 고딕" charset="0"/>
-                <a:ea typeface="맑은 고딕" charset="0"/>
-              </a:rPr>
-              <a:t> </a:t>
+              <a:t>마지막으로 Scene에서 Generate </a:t>
             </a:r>
             <a:r>
               <a:rPr lang="ko-KR" sz="1800">
@@ -12182,14 +14212,7 @@
                 <a:latin typeface="맑은 고딕" charset="0"/>
                 <a:ea typeface="맑은 고딕" charset="0"/>
               </a:rPr>
-              <a:t> </a:t>
-            </a:r>
-            <a:r>
-              <a:rPr lang="ko-KR" sz="1800">
-                <a:latin typeface="맑은 고딕" charset="0"/>
-                <a:ea typeface="맑은 고딕" charset="0"/>
-              </a:rPr>
-              <a:t>선택합니다.</a:t>
+              <a:t> 선택합니다.</a:t>
             </a:r>
             <a:endParaRPr lang="ko-KR" altLang="en-US" sz="1800">
               <a:latin typeface="맑은 고딕" charset="0"/>
@@ -12269,9 +14292,9 @@
           <p:nvPr/>
         </p:nvSpPr>
         <p:spPr>
-          <a:xfrm rot="0">
+          <a:xfrm>
             <a:off x="1252220" y="5225415"/>
-            <a:ext cx="4115435" cy="908685"/>
+            <a:ext cx="4116070" cy="909320"/>
           </a:xfrm>
           <a:prstGeom prst="rect"/>
           <a:noFill/>
@@ -12294,7 +14317,7 @@
                 <a:latin typeface="맑은 고딕" charset="0"/>
                 <a:ea typeface="맑은 고딕" charset="0"/>
               </a:rPr>
-              <a:t>44.</a:t>
+              <a:t>47.</a:t>
             </a:r>
             <a:r>
               <a:rPr lang="ko-KR" sz="2000" b="1">
@@ -14669,8 +16692,8 @@
         </p:nvSpPr>
         <p:spPr>
           <a:xfrm rot="0">
-            <a:off x="6823710" y="2837815"/>
-            <a:ext cx="4133850" cy="677545"/>
+            <a:off x="6823710" y="2820670"/>
+            <a:ext cx="4134485" cy="678180"/>
           </a:xfrm>
           <a:prstGeom prst="rect"/>
           <a:noFill/>
@@ -14697,7 +16720,7 @@
                 <a:latin typeface="맑은 고딕" charset="0"/>
                 <a:ea typeface="맑은 고딕" charset="0"/>
               </a:rPr>
-              <a:t>1</a:t>
+              <a:t>13.</a:t>
             </a:r>
             <a:r>
               <a:rPr lang="ko-KR" sz="2000" b="1">
@@ -14707,26 +16730,6 @@
                 <a:latin typeface="맑은 고딕" charset="0"/>
                 <a:ea typeface="맑은 고딕" charset="0"/>
               </a:rPr>
-              <a:t>3</a:t>
-            </a:r>
-            <a:r>
-              <a:rPr lang="ko-KR" sz="2000" b="1">
-                <a:solidFill>
-                  <a:srgbClr val="0611F2"/>
-                </a:solidFill>
-                <a:latin typeface="맑은 고딕" charset="0"/>
-                <a:ea typeface="맑은 고딕" charset="0"/>
-              </a:rPr>
-              <a:t>.</a:t>
-            </a:r>
-            <a:r>
-              <a:rPr lang="ko-KR" sz="2000" b="1">
-                <a:solidFill>
-                  <a:srgbClr val="0611F2"/>
-                </a:solidFill>
-                <a:latin typeface="맑은 고딕" charset="0"/>
-                <a:ea typeface="맑은 고딕" charset="0"/>
-              </a:rPr>
               <a:t> </a:t>
             </a:r>
             <a:r>
@@ -14748,21 +16751,7 @@
                 <a:latin typeface="맑은 고딕" charset="0"/>
                 <a:ea typeface="맑은 고딕" charset="0"/>
               </a:rPr>
-              <a:t> </a:t>
-            </a:r>
-            <a:r>
-              <a:rPr lang="ko-KR" sz="1800">
-                <a:latin typeface="맑은 고딕" charset="0"/>
-                <a:ea typeface="맑은 고딕" charset="0"/>
-              </a:rPr>
-              <a:t>회전</a:t>
-            </a:r>
-            <a:r>
-              <a:rPr lang="ko-KR" sz="1800">
-                <a:latin typeface="맑은 고딕" charset="0"/>
-                <a:ea typeface="맑은 고딕" charset="0"/>
-              </a:rPr>
-              <a:t> 값을 설정합니다.</a:t>
+              <a:t> 회전 값을 설정합니다.</a:t>
             </a:r>
             <a:endParaRPr lang="ko-KR" altLang="en-US" sz="1800">
               <a:latin typeface="맑은 고딕" charset="0"/>
@@ -15562,8 +17551,8 @@
         </p:nvSpPr>
         <p:spPr>
           <a:xfrm rot="0">
-            <a:off x="1231900" y="5276215"/>
-            <a:ext cx="4127500" cy="960755"/>
+            <a:off x="1240790" y="5276215"/>
+            <a:ext cx="4128135" cy="961390"/>
           </a:xfrm>
           <a:prstGeom prst="rect"/>
           <a:noFill/>
@@ -15629,7 +17618,7 @@
       </p:sp>
       <p:pic>
         <p:nvPicPr>
-          <p:cNvPr id="1165" name="Picture " descr="C:/Users/Admin1/AppData/Roaming/PolarisOffice/ETemp/30764_12697280/fImage89212539169.png"/>
+          <p:cNvPr id="1165" name="Picture "/>
           <p:cNvPicPr>
             <a:picLocks noChangeAspect="1"/>
           </p:cNvPicPr>
